--- a/lectures/KR-5.pptx
+++ b/lectures/KR-5.pptx
@@ -3543,43 +3543,9 @@
           <a:lstStyle/>
           <a:p>
             <a:r>
-              <a:rPr lang="en-US" dirty="0"/>
-              <a:t>Section 4.1 – Automatic variables and the stack</a:t>
-            </a:r>
-          </a:p>
-          <a:p>
-            <a:r>
-              <a:rPr lang="en-US" dirty="0"/>
-              <a:t>Section 4.2 – New and improved ‘void’ type</a:t>
-            </a:r>
-          </a:p>
-          <a:p>
-            <a:r>
-              <a:rPr lang="en-US" dirty="0"/>
-              <a:t>Section 4.3 – Why arrays pass by reference – the rest is Chapter 5</a:t>
-            </a:r>
-          </a:p>
-          <a:p>
-            <a:r>
-              <a:rPr lang="en-US" dirty="0"/>
-              <a:t>Section 4.10 – Recursion – because recursion </a:t>
-            </a:r>
-            <a:r>
-              <a:rPr lang="en-US" dirty="0">
-                <a:sym typeface="Wingdings" pitchFamily="2" charset="2"/>
-              </a:rPr>
-              <a:t></a:t>
-            </a:r>
-          </a:p>
-          <a:p>
-            <a:r>
-              <a:rPr lang="en-US" dirty="0">
-                <a:sym typeface="Wingdings" pitchFamily="2" charset="2"/>
-              </a:rPr>
-              <a:t>Section 4.11 – Pre-processor – Compiler architecture</a:t>
-            </a:r>
-          </a:p>
-          <a:p>
+              <a:rPr lang="en-US"/>
+              <a:t>Void type</a:t>
+            </a:r>
             <a:endParaRPr lang="en-US" dirty="0"/>
           </a:p>
           <a:p>

--- a/lectures/KR-5.pptx
+++ b/lectures/KR-5.pptx
@@ -7,10 +7,15 @@
   <p:sldIdLst>
     <p:sldId id="256" r:id="rId2"/>
     <p:sldId id="287" r:id="rId3"/>
-    <p:sldId id="288" r:id="rId4"/>
-    <p:sldId id="293" r:id="rId5"/>
-    <p:sldId id="284" r:id="rId6"/>
-    <p:sldId id="285" r:id="rId7"/>
+    <p:sldId id="294" r:id="rId4"/>
+    <p:sldId id="295" r:id="rId5"/>
+    <p:sldId id="296" r:id="rId6"/>
+    <p:sldId id="288" r:id="rId7"/>
+    <p:sldId id="293" r:id="rId8"/>
+    <p:sldId id="298" r:id="rId9"/>
+    <p:sldId id="297" r:id="rId10"/>
+    <p:sldId id="284" r:id="rId11"/>
+    <p:sldId id="285" r:id="rId12"/>
   </p:sldIdLst>
   <p:sldSz cx="12192000" cy="6858000"/>
   <p:notesSz cx="6858000" cy="9144000"/>
@@ -264,7 +269,7 @@
           <a:p>
             <a:fld id="{C13A938A-C9BA-0346-A74F-83EB1631032C}" type="datetimeFigureOut">
               <a:rPr lang="en-US" smtClean="0"/>
-              <a:t>1/23/23</a:t>
+              <a:t>1/28/23</a:t>
             </a:fld>
             <a:endParaRPr lang="en-US"/>
           </a:p>
@@ -462,7 +467,7 @@
           <a:p>
             <a:fld id="{C13A938A-C9BA-0346-A74F-83EB1631032C}" type="datetimeFigureOut">
               <a:rPr lang="en-US" smtClean="0"/>
-              <a:t>1/23/23</a:t>
+              <a:t>1/28/23</a:t>
             </a:fld>
             <a:endParaRPr lang="en-US"/>
           </a:p>
@@ -670,7 +675,7 @@
           <a:p>
             <a:fld id="{C13A938A-C9BA-0346-A74F-83EB1631032C}" type="datetimeFigureOut">
               <a:rPr lang="en-US" smtClean="0"/>
-              <a:t>1/23/23</a:t>
+              <a:t>1/28/23</a:t>
             </a:fld>
             <a:endParaRPr lang="en-US"/>
           </a:p>
@@ -868,7 +873,7 @@
           <a:p>
             <a:fld id="{C13A938A-C9BA-0346-A74F-83EB1631032C}" type="datetimeFigureOut">
               <a:rPr lang="en-US" smtClean="0"/>
-              <a:t>1/23/23</a:t>
+              <a:t>1/28/23</a:t>
             </a:fld>
             <a:endParaRPr lang="en-US"/>
           </a:p>
@@ -1143,7 +1148,7 @@
           <a:p>
             <a:fld id="{C13A938A-C9BA-0346-A74F-83EB1631032C}" type="datetimeFigureOut">
               <a:rPr lang="en-US" smtClean="0"/>
-              <a:t>1/23/23</a:t>
+              <a:t>1/28/23</a:t>
             </a:fld>
             <a:endParaRPr lang="en-US"/>
           </a:p>
@@ -1408,7 +1413,7 @@
           <a:p>
             <a:fld id="{C13A938A-C9BA-0346-A74F-83EB1631032C}" type="datetimeFigureOut">
               <a:rPr lang="en-US" smtClean="0"/>
-              <a:t>1/23/23</a:t>
+              <a:t>1/28/23</a:t>
             </a:fld>
             <a:endParaRPr lang="en-US"/>
           </a:p>
@@ -1820,7 +1825,7 @@
           <a:p>
             <a:fld id="{C13A938A-C9BA-0346-A74F-83EB1631032C}" type="datetimeFigureOut">
               <a:rPr lang="en-US" smtClean="0"/>
-              <a:t>1/23/23</a:t>
+              <a:t>1/28/23</a:t>
             </a:fld>
             <a:endParaRPr lang="en-US"/>
           </a:p>
@@ -1961,7 +1966,7 @@
           <a:p>
             <a:fld id="{C13A938A-C9BA-0346-A74F-83EB1631032C}" type="datetimeFigureOut">
               <a:rPr lang="en-US" smtClean="0"/>
-              <a:t>1/23/23</a:t>
+              <a:t>1/28/23</a:t>
             </a:fld>
             <a:endParaRPr lang="en-US"/>
           </a:p>
@@ -2074,7 +2079,7 @@
           <a:p>
             <a:fld id="{C13A938A-C9BA-0346-A74F-83EB1631032C}" type="datetimeFigureOut">
               <a:rPr lang="en-US" smtClean="0"/>
-              <a:t>1/23/23</a:t>
+              <a:t>1/28/23</a:t>
             </a:fld>
             <a:endParaRPr lang="en-US"/>
           </a:p>
@@ -2385,7 +2390,7 @@
           <a:p>
             <a:fld id="{C13A938A-C9BA-0346-A74F-83EB1631032C}" type="datetimeFigureOut">
               <a:rPr lang="en-US" smtClean="0"/>
-              <a:t>1/23/23</a:t>
+              <a:t>1/28/23</a:t>
             </a:fld>
             <a:endParaRPr lang="en-US"/>
           </a:p>
@@ -2673,7 +2678,7 @@
           <a:p>
             <a:fld id="{C13A938A-C9BA-0346-A74F-83EB1631032C}" type="datetimeFigureOut">
               <a:rPr lang="en-US" smtClean="0"/>
-              <a:t>1/23/23</a:t>
+              <a:t>1/28/23</a:t>
             </a:fld>
             <a:endParaRPr lang="en-US"/>
           </a:p>
@@ -2914,7 +2919,7 @@
           <a:p>
             <a:fld id="{C13A938A-C9BA-0346-A74F-83EB1631032C}" type="datetimeFigureOut">
               <a:rPr lang="en-US" smtClean="0"/>
-              <a:t>1/23/23</a:t>
+              <a:t>1/28/23</a:t>
             </a:fld>
             <a:endParaRPr lang="en-US"/>
           </a:p>
@@ -3476,6 +3481,273 @@
 </p:sld>
 </file>
 
+<file path=ppt/slides/slide10.xml><?xml version="1.0" encoding="utf-8"?>
+<p:sld xmlns:a="http://schemas.openxmlformats.org/drawingml/2006/main" xmlns:r="http://schemas.openxmlformats.org/officeDocument/2006/relationships" xmlns:p="http://schemas.openxmlformats.org/presentationml/2006/main">
+  <p:cSld>
+    <p:spTree>
+      <p:nvGrpSpPr>
+        <p:cNvPr id="1" name=""/>
+        <p:cNvGrpSpPr/>
+        <p:nvPr/>
+      </p:nvGrpSpPr>
+      <p:grpSpPr>
+        <a:xfrm>
+          <a:off x="0" y="0"/>
+          <a:ext cx="0" cy="0"/>
+          <a:chOff x="0" y="0"/>
+          <a:chExt cx="0" cy="0"/>
+        </a:xfrm>
+      </p:grpSpPr>
+      <p:sp>
+        <p:nvSpPr>
+          <p:cNvPr id="3" name="Title 2">
+            <a:extLst>
+              <a:ext uri="{FF2B5EF4-FFF2-40B4-BE49-F238E27FC236}">
+                <a16:creationId xmlns:a16="http://schemas.microsoft.com/office/drawing/2014/main" id="{26D5DF8A-3D98-DC7E-85E8-EAC7EDC57520}"/>
+              </a:ext>
+            </a:extLst>
+          </p:cNvPr>
+          <p:cNvSpPr>
+            <a:spLocks noGrp="1"/>
+          </p:cNvSpPr>
+          <p:nvPr>
+            <p:ph type="title"/>
+          </p:nvPr>
+        </p:nvSpPr>
+        <p:spPr/>
+        <p:txBody>
+          <a:bodyPr/>
+          <a:lstStyle/>
+          <a:p>
+            <a:r>
+              <a:rPr lang="en-US" dirty="0"/>
+              <a:t>Summary</a:t>
+            </a:r>
+          </a:p>
+        </p:txBody>
+      </p:sp>
+      <p:sp>
+        <p:nvSpPr>
+          <p:cNvPr id="2" name="Content Placeholder 1">
+            <a:extLst>
+              <a:ext uri="{FF2B5EF4-FFF2-40B4-BE49-F238E27FC236}">
+                <a16:creationId xmlns:a16="http://schemas.microsoft.com/office/drawing/2014/main" id="{50791E68-B219-7E1C-2218-042D2ED13759}"/>
+              </a:ext>
+            </a:extLst>
+          </p:cNvPr>
+          <p:cNvSpPr>
+            <a:spLocks noGrp="1"/>
+          </p:cNvSpPr>
+          <p:nvPr>
+            <p:ph idx="1"/>
+          </p:nvPr>
+        </p:nvSpPr>
+        <p:spPr/>
+        <p:txBody>
+          <a:bodyPr/>
+          <a:lstStyle/>
+          <a:p>
+            <a:r>
+              <a:rPr lang="en-US" dirty="0"/>
+              <a:t>Pointers are where we move “below the abstraction”</a:t>
+            </a:r>
+          </a:p>
+          <a:p>
+            <a:r>
+              <a:rPr lang="en-US" dirty="0"/>
+              <a:t>Pointers as first-class concepts in C are why C can replace assembly language</a:t>
+            </a:r>
+          </a:p>
+          <a:p>
+            <a:r>
+              <a:rPr lang="en-US" dirty="0"/>
+              <a:t>Understanding pointers well enables the path to assembly language, machine language and even hardware </a:t>
+            </a:r>
+          </a:p>
+          <a:p>
+            <a:r>
+              <a:rPr lang="en-US" dirty="0"/>
+              <a:t>Take your time and learn this well – from now on, everything depends on understanding pointers.</a:t>
+            </a:r>
+          </a:p>
+        </p:txBody>
+      </p:sp>
+    </p:spTree>
+    <p:extLst>
+      <p:ext uri="{BB962C8B-B14F-4D97-AF65-F5344CB8AC3E}">
+        <p14:creationId xmlns:p14="http://schemas.microsoft.com/office/powerpoint/2010/main" val="3953165598"/>
+      </p:ext>
+    </p:extLst>
+  </p:cSld>
+  <p:clrMapOvr>
+    <a:masterClrMapping/>
+  </p:clrMapOvr>
+</p:sld>
+</file>
+
+<file path=ppt/slides/slide11.xml><?xml version="1.0" encoding="utf-8"?>
+<p:sld xmlns:a="http://schemas.openxmlformats.org/drawingml/2006/main" xmlns:r="http://schemas.openxmlformats.org/officeDocument/2006/relationships" xmlns:p="http://schemas.openxmlformats.org/presentationml/2006/main">
+  <p:cSld>
+    <p:spTree>
+      <p:nvGrpSpPr>
+        <p:cNvPr id="1" name=""/>
+        <p:cNvGrpSpPr/>
+        <p:nvPr/>
+      </p:nvGrpSpPr>
+      <p:grpSpPr>
+        <a:xfrm>
+          <a:off x="0" y="0"/>
+          <a:ext cx="0" cy="0"/>
+          <a:chOff x="0" y="0"/>
+          <a:chExt cx="0" cy="0"/>
+        </a:xfrm>
+      </p:grpSpPr>
+      <p:sp>
+        <p:nvSpPr>
+          <p:cNvPr id="2" name="Title 1">
+            <a:extLst>
+              <a:ext uri="{FF2B5EF4-FFF2-40B4-BE49-F238E27FC236}">
+                <a16:creationId xmlns:a16="http://schemas.microsoft.com/office/drawing/2014/main" id="{38E4AE3D-C70D-220E-82A8-C1D64A900A0F}"/>
+              </a:ext>
+            </a:extLst>
+          </p:cNvPr>
+          <p:cNvSpPr>
+            <a:spLocks noGrp="1"/>
+          </p:cNvSpPr>
+          <p:nvPr>
+            <p:ph type="title"/>
+          </p:nvPr>
+        </p:nvSpPr>
+        <p:spPr/>
+        <p:txBody>
+          <a:bodyPr/>
+          <a:lstStyle/>
+          <a:p>
+            <a:r>
+              <a:rPr lang="en-US" dirty="0"/>
+              <a:t>Acknowledgements / Contributions</a:t>
+            </a:r>
+          </a:p>
+        </p:txBody>
+      </p:sp>
+      <p:sp>
+        <p:nvSpPr>
+          <p:cNvPr id="7" name="TextBox 6">
+            <a:extLst>
+              <a:ext uri="{FF2B5EF4-FFF2-40B4-BE49-F238E27FC236}">
+                <a16:creationId xmlns:a16="http://schemas.microsoft.com/office/drawing/2014/main" id="{D1725F2C-A6DC-4096-AD36-A6A5AF1FFD40}"/>
+              </a:ext>
+            </a:extLst>
+          </p:cNvPr>
+          <p:cNvSpPr txBox="1"/>
+          <p:nvPr/>
+        </p:nvSpPr>
+        <p:spPr>
+          <a:xfrm>
+            <a:off x="838201" y="1502688"/>
+            <a:ext cx="5055704" cy="2492990"/>
+          </a:xfrm>
+          <a:prstGeom prst="rect">
+            <a:avLst/>
+          </a:prstGeom>
+          <a:noFill/>
+        </p:spPr>
+        <p:txBody>
+          <a:bodyPr wrap="square" rtlCol="0">
+            <a:spAutoFit/>
+          </a:bodyPr>
+          <a:lstStyle/>
+          <a:p>
+            <a:r>
+              <a:rPr lang="en-US" sz="1200" dirty="0"/>
+              <a:t>These slides are Copyright 2022-  Charles R. Severance (</a:t>
+            </a:r>
+            <a:r>
+              <a:rPr lang="en-US" sz="1200" dirty="0" err="1"/>
+              <a:t>online.dr-chuck.com</a:t>
+            </a:r>
+            <a:r>
+              <a:rPr lang="en-US" sz="1200" dirty="0"/>
+              <a:t>) as part of www.cc4e.com and made available under a Creative Commons Attribution 4.0 License.  Please maintain this last slide in all copies of the document to comply with the attribution requirements of the license.  If you make a change, feel free to add your name and organization to the list of contributors on this page as you republish the materials.</a:t>
+            </a:r>
+          </a:p>
+          <a:p>
+            <a:endParaRPr lang="en-US" sz="1200" dirty="0"/>
+          </a:p>
+          <a:p>
+            <a:r>
+              <a:rPr lang="en-US" sz="1200" dirty="0"/>
+              <a:t>Initial Development: Charles Severance, University of Michigan School of Information</a:t>
+            </a:r>
+          </a:p>
+          <a:p>
+            <a:endParaRPr lang="en-US" sz="1200" dirty="0"/>
+          </a:p>
+          <a:p>
+            <a:r>
+              <a:rPr lang="en-US" sz="1200" b="1" dirty="0"/>
+              <a:t>Insert new Contributors and Translators here including names and dates</a:t>
+            </a:r>
+          </a:p>
+          <a:p>
+            <a:endParaRPr lang="en-US" sz="1200" dirty="0"/>
+          </a:p>
+          <a:p>
+            <a:endParaRPr lang="en-US" sz="1200" dirty="0"/>
+          </a:p>
+        </p:txBody>
+      </p:sp>
+      <p:sp>
+        <p:nvSpPr>
+          <p:cNvPr id="8" name="TextBox 7">
+            <a:extLst>
+              <a:ext uri="{FF2B5EF4-FFF2-40B4-BE49-F238E27FC236}">
+                <a16:creationId xmlns:a16="http://schemas.microsoft.com/office/drawing/2014/main" id="{A5B0D5A1-502A-F6A1-76FD-6D954B37EE94}"/>
+              </a:ext>
+            </a:extLst>
+          </p:cNvPr>
+          <p:cNvSpPr txBox="1"/>
+          <p:nvPr/>
+        </p:nvSpPr>
+        <p:spPr>
+          <a:xfrm>
+            <a:off x="6298097" y="1502688"/>
+            <a:ext cx="5055704" cy="461665"/>
+          </a:xfrm>
+          <a:prstGeom prst="rect">
+            <a:avLst/>
+          </a:prstGeom>
+          <a:noFill/>
+        </p:spPr>
+        <p:txBody>
+          <a:bodyPr wrap="square" rtlCol="0">
+            <a:spAutoFit/>
+          </a:bodyPr>
+          <a:lstStyle/>
+          <a:p>
+            <a:r>
+              <a:rPr lang="en-US" sz="1200" b="1" dirty="0"/>
+              <a:t>Continue new Contributors and Translators here</a:t>
+            </a:r>
+          </a:p>
+          <a:p>
+            <a:endParaRPr lang="en-US" sz="1200" dirty="0"/>
+          </a:p>
+        </p:txBody>
+      </p:sp>
+    </p:spTree>
+    <p:extLst>
+      <p:ext uri="{BB962C8B-B14F-4D97-AF65-F5344CB8AC3E}">
+        <p14:creationId xmlns:p14="http://schemas.microsoft.com/office/powerpoint/2010/main" val="2963881526"/>
+      </p:ext>
+    </p:extLst>
+  </p:cSld>
+  <p:clrMapOvr>
+    <a:masterClrMapping/>
+  </p:clrMapOvr>
+</p:sld>
+</file>
+
 <file path=ppt/slides/slide2.xml><?xml version="1.0" encoding="utf-8"?>
 <p:sld xmlns:a="http://schemas.openxmlformats.org/drawingml/2006/main" xmlns:r="http://schemas.openxmlformats.org/officeDocument/2006/relationships" xmlns:p="http://schemas.openxmlformats.org/presentationml/2006/main">
   <p:cSld>
@@ -3543,10 +3815,38 @@
           <a:lstStyle/>
           <a:p>
             <a:r>
-              <a:rPr lang="en-US"/>
-              <a:t>Void type</a:t>
+              <a:rPr lang="en-US" dirty="0"/>
+              <a:t>Section 5.1 is like poetry.  It is a love letter from the creators of C to future Computer Scientists.</a:t>
+            </a:r>
+          </a:p>
+          <a:p>
+            <a:r>
+              <a:rPr lang="en-US" dirty="0"/>
+              <a:t>Section 5.4 – Pointer </a:t>
+            </a:r>
+            <a:r>
+              <a:rPr lang="en-US" dirty="0" err="1"/>
+              <a:t>artithmetic</a:t>
             </a:r>
             <a:endParaRPr lang="en-US" dirty="0"/>
+          </a:p>
+          <a:p>
+            <a:r>
+              <a:rPr lang="en-US" dirty="0"/>
+              <a:t>Section 5.6 Pointers are not Integers (see void *)</a:t>
+            </a:r>
+          </a:p>
+          <a:p>
+            <a:r>
+              <a:rPr lang="en-US" dirty="0"/>
+              <a:t>Review endian example from Chapter 2</a:t>
+            </a:r>
+          </a:p>
+          <a:p>
+            <a:r>
+              <a:rPr lang="en-US" dirty="0"/>
+              <a:t>Sections 5.10 - 5.12 – Skim – come back to this later</a:t>
+            </a:r>
           </a:p>
           <a:p>
             <a:endParaRPr lang="en-US" dirty="0"/>
@@ -3588,7 +3888,7 @@
           <p:cNvPr id="2" name="Title 1">
             <a:extLst>
               <a:ext uri="{FF2B5EF4-FFF2-40B4-BE49-F238E27FC236}">
-                <a16:creationId xmlns:a16="http://schemas.microsoft.com/office/drawing/2014/main" id="{3F5C10CB-F825-A6A7-0F62-5C0BF4ADAD7F}"/>
+                <a16:creationId xmlns:a16="http://schemas.microsoft.com/office/drawing/2014/main" id="{7E34E45E-A607-7174-BEA6-CE84E942DEAE}"/>
               </a:ext>
             </a:extLst>
           </p:cNvPr>
@@ -3606,35 +3906,291 @@
           <a:p>
             <a:r>
               <a:rPr lang="en-US" dirty="0"/>
-              <a:t>Void type</a:t>
-            </a:r>
-          </a:p>
-        </p:txBody>
-      </p:sp>
-      <p:sp>
-        <p:nvSpPr>
-          <p:cNvPr id="3" name="Content Placeholder 2">
-            <a:extLst>
-              <a:ext uri="{FF2B5EF4-FFF2-40B4-BE49-F238E27FC236}">
-                <a16:creationId xmlns:a16="http://schemas.microsoft.com/office/drawing/2014/main" id="{D24102EC-796C-7284-84E1-C70122B66A12}"/>
-              </a:ext>
-            </a:extLst>
-          </p:cNvPr>
-          <p:cNvSpPr>
-            <a:spLocks noGrp="1"/>
-          </p:cNvSpPr>
-          <p:nvPr>
-            <p:ph idx="1"/>
-          </p:nvPr>
-        </p:nvSpPr>
-        <p:spPr/>
-        <p:txBody>
-          <a:bodyPr/>
-          <a:lstStyle/>
-          <a:p>
-            <a:r>
-              <a:rPr lang="en-US" dirty="0"/>
-              <a:t>Recall the table from Chapter 2 of </a:t>
+              <a:t>Section 5.1</a:t>
+            </a:r>
+          </a:p>
+        </p:txBody>
+      </p:sp>
+      <p:sp>
+        <p:nvSpPr>
+          <p:cNvPr id="4" name="TextBox 3">
+            <a:extLst>
+              <a:ext uri="{FF2B5EF4-FFF2-40B4-BE49-F238E27FC236}">
+                <a16:creationId xmlns:a16="http://schemas.microsoft.com/office/drawing/2014/main" id="{720EE503-44F9-2407-C97C-B2B07E796C38}"/>
+              </a:ext>
+            </a:extLst>
+          </p:cNvPr>
+          <p:cNvSpPr txBox="1"/>
+          <p:nvPr/>
+        </p:nvSpPr>
+        <p:spPr>
+          <a:xfrm>
+            <a:off x="838200" y="1859339"/>
+            <a:ext cx="4596130" cy="3139321"/>
+          </a:xfrm>
+          <a:prstGeom prst="rect">
+            <a:avLst/>
+          </a:prstGeom>
+          <a:noFill/>
+        </p:spPr>
+        <p:txBody>
+          <a:bodyPr wrap="none" rtlCol="0">
+            <a:spAutoFit/>
+          </a:bodyPr>
+          <a:lstStyle/>
+          <a:p>
+            <a:r>
+              <a:rPr lang="en-US" b="1" dirty="0">
+                <a:latin typeface="Courier New" panose="02070309020205020404" pitchFamily="49" charset="0"/>
+                <a:cs typeface="Courier New" panose="02070309020205020404" pitchFamily="49" charset="0"/>
+              </a:rPr>
+              <a:t>#include &lt;</a:t>
+            </a:r>
+            <a:r>
+              <a:rPr lang="en-US" b="1" dirty="0" err="1">
+                <a:latin typeface="Courier New" panose="02070309020205020404" pitchFamily="49" charset="0"/>
+                <a:cs typeface="Courier New" panose="02070309020205020404" pitchFamily="49" charset="0"/>
+              </a:rPr>
+              <a:t>stdio.h</a:t>
+            </a:r>
+            <a:r>
+              <a:rPr lang="en-US" b="1" dirty="0">
+                <a:latin typeface="Courier New" panose="02070309020205020404" pitchFamily="49" charset="0"/>
+                <a:cs typeface="Courier New" panose="02070309020205020404" pitchFamily="49" charset="0"/>
+              </a:rPr>
+              <a:t>&gt;</a:t>
+            </a:r>
+          </a:p>
+          <a:p>
+            <a:endParaRPr lang="en-US" b="1" dirty="0">
+              <a:latin typeface="Courier New" panose="02070309020205020404" pitchFamily="49" charset="0"/>
+              <a:cs typeface="Courier New" panose="02070309020205020404" pitchFamily="49" charset="0"/>
+            </a:endParaRPr>
+          </a:p>
+          <a:p>
+            <a:r>
+              <a:rPr lang="en-US" b="1" dirty="0">
+                <a:latin typeface="Courier New" panose="02070309020205020404" pitchFamily="49" charset="0"/>
+                <a:cs typeface="Courier New" panose="02070309020205020404" pitchFamily="49" charset="0"/>
+              </a:rPr>
+              <a:t>int main() {</a:t>
+            </a:r>
+          </a:p>
+          <a:p>
+            <a:r>
+              <a:rPr lang="en-US" b="1" dirty="0">
+                <a:latin typeface="Courier New" panose="02070309020205020404" pitchFamily="49" charset="0"/>
+                <a:cs typeface="Courier New" panose="02070309020205020404" pitchFamily="49" charset="0"/>
+              </a:rPr>
+              <a:t>    int x, y;</a:t>
+            </a:r>
+          </a:p>
+          <a:p>
+            <a:r>
+              <a:rPr lang="en-US" b="1" dirty="0">
+                <a:latin typeface="Courier New" panose="02070309020205020404" pitchFamily="49" charset="0"/>
+                <a:cs typeface="Courier New" panose="02070309020205020404" pitchFamily="49" charset="0"/>
+              </a:rPr>
+              <a:t>    int* </a:t>
+            </a:r>
+            <a:r>
+              <a:rPr lang="en-US" b="1" dirty="0" err="1">
+                <a:latin typeface="Courier New" panose="02070309020205020404" pitchFamily="49" charset="0"/>
+                <a:cs typeface="Courier New" panose="02070309020205020404" pitchFamily="49" charset="0"/>
+              </a:rPr>
+              <a:t>px</a:t>
+            </a:r>
+            <a:r>
+              <a:rPr lang="en-US" b="1" dirty="0">
+                <a:latin typeface="Courier New" panose="02070309020205020404" pitchFamily="49" charset="0"/>
+                <a:cs typeface="Courier New" panose="02070309020205020404" pitchFamily="49" charset="0"/>
+              </a:rPr>
+              <a:t>;</a:t>
+            </a:r>
+          </a:p>
+          <a:p>
+            <a:endParaRPr lang="en-US" b="1" dirty="0">
+              <a:latin typeface="Courier New" panose="02070309020205020404" pitchFamily="49" charset="0"/>
+              <a:cs typeface="Courier New" panose="02070309020205020404" pitchFamily="49" charset="0"/>
+            </a:endParaRPr>
+          </a:p>
+          <a:p>
+            <a:r>
+              <a:rPr lang="en-US" b="1" dirty="0">
+                <a:latin typeface="Courier New" panose="02070309020205020404" pitchFamily="49" charset="0"/>
+                <a:cs typeface="Courier New" panose="02070309020205020404" pitchFamily="49" charset="0"/>
+              </a:rPr>
+              <a:t>    x = 42;</a:t>
+            </a:r>
+          </a:p>
+          <a:p>
+            <a:r>
+              <a:rPr lang="en-US" b="1" dirty="0">
+                <a:latin typeface="Courier New" panose="02070309020205020404" pitchFamily="49" charset="0"/>
+                <a:cs typeface="Courier New" panose="02070309020205020404" pitchFamily="49" charset="0"/>
+              </a:rPr>
+              <a:t>    </a:t>
+            </a:r>
+            <a:r>
+              <a:rPr lang="en-US" b="1" dirty="0" err="1">
+                <a:latin typeface="Courier New" panose="02070309020205020404" pitchFamily="49" charset="0"/>
+                <a:cs typeface="Courier New" panose="02070309020205020404" pitchFamily="49" charset="0"/>
+              </a:rPr>
+              <a:t>px</a:t>
+            </a:r>
+            <a:r>
+              <a:rPr lang="en-US" b="1" dirty="0">
+                <a:latin typeface="Courier New" panose="02070309020205020404" pitchFamily="49" charset="0"/>
+                <a:cs typeface="Courier New" panose="02070309020205020404" pitchFamily="49" charset="0"/>
+              </a:rPr>
+              <a:t> = &amp;x;</a:t>
+            </a:r>
+          </a:p>
+          <a:p>
+            <a:r>
+              <a:rPr lang="en-US" b="1" dirty="0">
+                <a:latin typeface="Courier New" panose="02070309020205020404" pitchFamily="49" charset="0"/>
+                <a:cs typeface="Courier New" panose="02070309020205020404" pitchFamily="49" charset="0"/>
+              </a:rPr>
+              <a:t>    y = *</a:t>
+            </a:r>
+            <a:r>
+              <a:rPr lang="en-US" b="1" dirty="0" err="1">
+                <a:latin typeface="Courier New" panose="02070309020205020404" pitchFamily="49" charset="0"/>
+                <a:cs typeface="Courier New" panose="02070309020205020404" pitchFamily="49" charset="0"/>
+              </a:rPr>
+              <a:t>px</a:t>
+            </a:r>
+            <a:r>
+              <a:rPr lang="en-US" b="1" dirty="0">
+                <a:latin typeface="Courier New" panose="02070309020205020404" pitchFamily="49" charset="0"/>
+                <a:cs typeface="Courier New" panose="02070309020205020404" pitchFamily="49" charset="0"/>
+              </a:rPr>
+              <a:t>;</a:t>
+            </a:r>
+          </a:p>
+          <a:p>
+            <a:r>
+              <a:rPr lang="en-US" b="1" dirty="0">
+                <a:latin typeface="Courier New" panose="02070309020205020404" pitchFamily="49" charset="0"/>
+                <a:cs typeface="Courier New" panose="02070309020205020404" pitchFamily="49" charset="0"/>
+              </a:rPr>
+              <a:t>    </a:t>
+            </a:r>
+            <a:r>
+              <a:rPr lang="en-US" b="1" dirty="0" err="1">
+                <a:latin typeface="Courier New" panose="02070309020205020404" pitchFamily="49" charset="0"/>
+                <a:cs typeface="Courier New" panose="02070309020205020404" pitchFamily="49" charset="0"/>
+              </a:rPr>
+              <a:t>printf</a:t>
+            </a:r>
+            <a:r>
+              <a:rPr lang="en-US" b="1" dirty="0">
+                <a:latin typeface="Courier New" panose="02070309020205020404" pitchFamily="49" charset="0"/>
+                <a:cs typeface="Courier New" panose="02070309020205020404" pitchFamily="49" charset="0"/>
+              </a:rPr>
+              <a:t>("%d %p %d\n",</a:t>
+            </a:r>
+            <a:r>
+              <a:rPr lang="en-US" b="1" dirty="0" err="1">
+                <a:latin typeface="Courier New" panose="02070309020205020404" pitchFamily="49" charset="0"/>
+                <a:cs typeface="Courier New" panose="02070309020205020404" pitchFamily="49" charset="0"/>
+              </a:rPr>
+              <a:t>x,px,y</a:t>
+            </a:r>
+            <a:r>
+              <a:rPr lang="en-US" b="1" dirty="0">
+                <a:latin typeface="Courier New" panose="02070309020205020404" pitchFamily="49" charset="0"/>
+                <a:cs typeface="Courier New" panose="02070309020205020404" pitchFamily="49" charset="0"/>
+              </a:rPr>
+              <a:t>);</a:t>
+            </a:r>
+          </a:p>
+          <a:p>
+            <a:r>
+              <a:rPr lang="en-US" b="1" dirty="0">
+                <a:latin typeface="Courier New" panose="02070309020205020404" pitchFamily="49" charset="0"/>
+                <a:cs typeface="Courier New" panose="02070309020205020404" pitchFamily="49" charset="0"/>
+              </a:rPr>
+              <a:t>}</a:t>
+            </a:r>
+          </a:p>
+        </p:txBody>
+      </p:sp>
+      <p:sp>
+        <p:nvSpPr>
+          <p:cNvPr id="6" name="TextBox 5">
+            <a:extLst>
+              <a:ext uri="{FF2B5EF4-FFF2-40B4-BE49-F238E27FC236}">
+                <a16:creationId xmlns:a16="http://schemas.microsoft.com/office/drawing/2014/main" id="{CAF450AB-425A-F0E8-8074-870B638192D6}"/>
+              </a:ext>
+            </a:extLst>
+          </p:cNvPr>
+          <p:cNvSpPr txBox="1"/>
+          <p:nvPr/>
+        </p:nvSpPr>
+        <p:spPr>
+          <a:xfrm>
+            <a:off x="838200" y="5292546"/>
+            <a:ext cx="2528256" cy="369332"/>
+          </a:xfrm>
+          <a:prstGeom prst="rect">
+            <a:avLst/>
+          </a:prstGeom>
+          <a:noFill/>
+        </p:spPr>
+        <p:txBody>
+          <a:bodyPr wrap="none" rtlCol="0">
+            <a:spAutoFit/>
+          </a:bodyPr>
+          <a:lstStyle/>
+          <a:p>
+            <a:r>
+              <a:rPr lang="en-US" b="1" dirty="0">
+                <a:latin typeface="Courier New" panose="02070309020205020404" pitchFamily="49" charset="0"/>
+                <a:cs typeface="Courier New" panose="02070309020205020404" pitchFamily="49" charset="0"/>
+              </a:rPr>
+              <a:t>42 0x16f5b31ec 42</a:t>
+            </a:r>
+          </a:p>
+        </p:txBody>
+      </p:sp>
+      <p:sp>
+        <p:nvSpPr>
+          <p:cNvPr id="8" name="TextBox 7">
+            <a:extLst>
+              <a:ext uri="{FF2B5EF4-FFF2-40B4-BE49-F238E27FC236}">
+                <a16:creationId xmlns:a16="http://schemas.microsoft.com/office/drawing/2014/main" id="{A1421078-B14B-AF0D-20EB-3D272613A7FE}"/>
+              </a:ext>
+            </a:extLst>
+          </p:cNvPr>
+          <p:cNvSpPr txBox="1"/>
+          <p:nvPr/>
+        </p:nvSpPr>
+        <p:spPr>
+          <a:xfrm>
+            <a:off x="293915" y="6338986"/>
+            <a:ext cx="1382485" cy="307777"/>
+          </a:xfrm>
+          <a:prstGeom prst="rect">
+            <a:avLst/>
+          </a:prstGeom>
+          <a:noFill/>
+        </p:spPr>
+        <p:txBody>
+          <a:bodyPr wrap="square">
+            <a:spAutoFit/>
+          </a:bodyPr>
+          <a:lstStyle/>
+          <a:p>
+            <a:r>
+              <a:rPr lang="en-US" sz="1400" b="1" dirty="0">
+                <a:solidFill>
+                  <a:srgbClr val="000000"/>
+                </a:solidFill>
+                <a:latin typeface="Menlo" panose="020B0609030804020204" pitchFamily="49" charset="0"/>
+              </a:rPr>
+              <a:t>kr_05_01.c</a:t>
             </a:r>
           </a:p>
         </p:txBody>
@@ -3642,7 +4198,7 @@
     </p:spTree>
     <p:extLst>
       <p:ext uri="{BB962C8B-B14F-4D97-AF65-F5344CB8AC3E}">
-        <p14:creationId xmlns:p14="http://schemas.microsoft.com/office/powerpoint/2010/main" val="496964535"/>
+        <p14:creationId xmlns:p14="http://schemas.microsoft.com/office/powerpoint/2010/main" val="2833068405"/>
       </p:ext>
     </p:extLst>
   </p:cSld>
@@ -3669,12 +4225,1266 @@
           <a:chExt cx="0" cy="0"/>
         </a:xfrm>
       </p:grpSpPr>
+      <p:sp>
+        <p:nvSpPr>
+          <p:cNvPr id="2" name="Title 1">
+            <a:extLst>
+              <a:ext uri="{FF2B5EF4-FFF2-40B4-BE49-F238E27FC236}">
+                <a16:creationId xmlns:a16="http://schemas.microsoft.com/office/drawing/2014/main" id="{7E34E45E-A607-7174-BEA6-CE84E942DEAE}"/>
+              </a:ext>
+            </a:extLst>
+          </p:cNvPr>
+          <p:cNvSpPr>
+            <a:spLocks noGrp="1"/>
+          </p:cNvSpPr>
+          <p:nvPr>
+            <p:ph type="title"/>
+          </p:nvPr>
+        </p:nvSpPr>
+        <p:spPr/>
+        <p:txBody>
+          <a:bodyPr/>
+          <a:lstStyle/>
+          <a:p>
+            <a:r>
+              <a:rPr lang="en-US" dirty="0"/>
+              <a:t>Section 5.1 – Addresses in </a:t>
+            </a:r>
+            <a:r>
+              <a:rPr lang="en-US" dirty="0" err="1"/>
+              <a:t>CPython</a:t>
+            </a:r>
+            <a:r>
+              <a:rPr lang="en-US" dirty="0"/>
+              <a:t>?</a:t>
+            </a:r>
+          </a:p>
+        </p:txBody>
+      </p:sp>
+      <p:sp>
+        <p:nvSpPr>
+          <p:cNvPr id="4" name="TextBox 3">
+            <a:extLst>
+              <a:ext uri="{FF2B5EF4-FFF2-40B4-BE49-F238E27FC236}">
+                <a16:creationId xmlns:a16="http://schemas.microsoft.com/office/drawing/2014/main" id="{720EE503-44F9-2407-C97C-B2B07E796C38}"/>
+              </a:ext>
+            </a:extLst>
+          </p:cNvPr>
+          <p:cNvSpPr txBox="1"/>
+          <p:nvPr/>
+        </p:nvSpPr>
+        <p:spPr>
+          <a:xfrm>
+            <a:off x="838200" y="1859339"/>
+            <a:ext cx="4596130" cy="3139321"/>
+          </a:xfrm>
+          <a:prstGeom prst="rect">
+            <a:avLst/>
+          </a:prstGeom>
+          <a:noFill/>
+        </p:spPr>
+        <p:txBody>
+          <a:bodyPr wrap="none" rtlCol="0">
+            <a:spAutoFit/>
+          </a:bodyPr>
+          <a:lstStyle/>
+          <a:p>
+            <a:r>
+              <a:rPr lang="en-US" b="1" dirty="0">
+                <a:latin typeface="Courier New" panose="02070309020205020404" pitchFamily="49" charset="0"/>
+                <a:cs typeface="Courier New" panose="02070309020205020404" pitchFamily="49" charset="0"/>
+              </a:rPr>
+              <a:t>#include &lt;</a:t>
+            </a:r>
+            <a:r>
+              <a:rPr lang="en-US" b="1" dirty="0" err="1">
+                <a:latin typeface="Courier New" panose="02070309020205020404" pitchFamily="49" charset="0"/>
+                <a:cs typeface="Courier New" panose="02070309020205020404" pitchFamily="49" charset="0"/>
+              </a:rPr>
+              <a:t>stdio.h</a:t>
+            </a:r>
+            <a:r>
+              <a:rPr lang="en-US" b="1" dirty="0">
+                <a:latin typeface="Courier New" panose="02070309020205020404" pitchFamily="49" charset="0"/>
+                <a:cs typeface="Courier New" panose="02070309020205020404" pitchFamily="49" charset="0"/>
+              </a:rPr>
+              <a:t>&gt;</a:t>
+            </a:r>
+          </a:p>
+          <a:p>
+            <a:endParaRPr lang="en-US" b="1" dirty="0">
+              <a:latin typeface="Courier New" panose="02070309020205020404" pitchFamily="49" charset="0"/>
+              <a:cs typeface="Courier New" panose="02070309020205020404" pitchFamily="49" charset="0"/>
+            </a:endParaRPr>
+          </a:p>
+          <a:p>
+            <a:r>
+              <a:rPr lang="en-US" b="1" dirty="0">
+                <a:latin typeface="Courier New" panose="02070309020205020404" pitchFamily="49" charset="0"/>
+                <a:cs typeface="Courier New" panose="02070309020205020404" pitchFamily="49" charset="0"/>
+              </a:rPr>
+              <a:t>int main() {</a:t>
+            </a:r>
+          </a:p>
+          <a:p>
+            <a:r>
+              <a:rPr lang="en-US" b="1" dirty="0">
+                <a:latin typeface="Courier New" panose="02070309020205020404" pitchFamily="49" charset="0"/>
+                <a:cs typeface="Courier New" panose="02070309020205020404" pitchFamily="49" charset="0"/>
+              </a:rPr>
+              <a:t>    int x, y;</a:t>
+            </a:r>
+          </a:p>
+          <a:p>
+            <a:r>
+              <a:rPr lang="en-US" b="1" dirty="0">
+                <a:latin typeface="Courier New" panose="02070309020205020404" pitchFamily="49" charset="0"/>
+                <a:cs typeface="Courier New" panose="02070309020205020404" pitchFamily="49" charset="0"/>
+              </a:rPr>
+              <a:t>    int* </a:t>
+            </a:r>
+            <a:r>
+              <a:rPr lang="en-US" b="1" dirty="0" err="1">
+                <a:latin typeface="Courier New" panose="02070309020205020404" pitchFamily="49" charset="0"/>
+                <a:cs typeface="Courier New" panose="02070309020205020404" pitchFamily="49" charset="0"/>
+              </a:rPr>
+              <a:t>px</a:t>
+            </a:r>
+            <a:r>
+              <a:rPr lang="en-US" b="1" dirty="0">
+                <a:latin typeface="Courier New" panose="02070309020205020404" pitchFamily="49" charset="0"/>
+                <a:cs typeface="Courier New" panose="02070309020205020404" pitchFamily="49" charset="0"/>
+              </a:rPr>
+              <a:t>;</a:t>
+            </a:r>
+          </a:p>
+          <a:p>
+            <a:endParaRPr lang="en-US" b="1" dirty="0">
+              <a:latin typeface="Courier New" panose="02070309020205020404" pitchFamily="49" charset="0"/>
+              <a:cs typeface="Courier New" panose="02070309020205020404" pitchFamily="49" charset="0"/>
+            </a:endParaRPr>
+          </a:p>
+          <a:p>
+            <a:r>
+              <a:rPr lang="en-US" b="1" dirty="0">
+                <a:latin typeface="Courier New" panose="02070309020205020404" pitchFamily="49" charset="0"/>
+                <a:cs typeface="Courier New" panose="02070309020205020404" pitchFamily="49" charset="0"/>
+              </a:rPr>
+              <a:t>    x = 42;</a:t>
+            </a:r>
+          </a:p>
+          <a:p>
+            <a:r>
+              <a:rPr lang="en-US" b="1" dirty="0">
+                <a:latin typeface="Courier New" panose="02070309020205020404" pitchFamily="49" charset="0"/>
+                <a:cs typeface="Courier New" panose="02070309020205020404" pitchFamily="49" charset="0"/>
+              </a:rPr>
+              <a:t>    </a:t>
+            </a:r>
+            <a:r>
+              <a:rPr lang="en-US" b="1" dirty="0" err="1">
+                <a:latin typeface="Courier New" panose="02070309020205020404" pitchFamily="49" charset="0"/>
+                <a:cs typeface="Courier New" panose="02070309020205020404" pitchFamily="49" charset="0"/>
+              </a:rPr>
+              <a:t>px</a:t>
+            </a:r>
+            <a:r>
+              <a:rPr lang="en-US" b="1" dirty="0">
+                <a:latin typeface="Courier New" panose="02070309020205020404" pitchFamily="49" charset="0"/>
+                <a:cs typeface="Courier New" panose="02070309020205020404" pitchFamily="49" charset="0"/>
+              </a:rPr>
+              <a:t> = &amp;x;</a:t>
+            </a:r>
+          </a:p>
+          <a:p>
+            <a:r>
+              <a:rPr lang="en-US" b="1" dirty="0">
+                <a:latin typeface="Courier New" panose="02070309020205020404" pitchFamily="49" charset="0"/>
+                <a:cs typeface="Courier New" panose="02070309020205020404" pitchFamily="49" charset="0"/>
+              </a:rPr>
+              <a:t>    y = *</a:t>
+            </a:r>
+            <a:r>
+              <a:rPr lang="en-US" b="1" dirty="0" err="1">
+                <a:latin typeface="Courier New" panose="02070309020205020404" pitchFamily="49" charset="0"/>
+                <a:cs typeface="Courier New" panose="02070309020205020404" pitchFamily="49" charset="0"/>
+              </a:rPr>
+              <a:t>px</a:t>
+            </a:r>
+            <a:r>
+              <a:rPr lang="en-US" b="1" dirty="0">
+                <a:latin typeface="Courier New" panose="02070309020205020404" pitchFamily="49" charset="0"/>
+                <a:cs typeface="Courier New" panose="02070309020205020404" pitchFamily="49" charset="0"/>
+              </a:rPr>
+              <a:t>;</a:t>
+            </a:r>
+          </a:p>
+          <a:p>
+            <a:r>
+              <a:rPr lang="en-US" b="1" dirty="0">
+                <a:latin typeface="Courier New" panose="02070309020205020404" pitchFamily="49" charset="0"/>
+                <a:cs typeface="Courier New" panose="02070309020205020404" pitchFamily="49" charset="0"/>
+              </a:rPr>
+              <a:t>    </a:t>
+            </a:r>
+            <a:r>
+              <a:rPr lang="en-US" b="1" dirty="0" err="1">
+                <a:latin typeface="Courier New" panose="02070309020205020404" pitchFamily="49" charset="0"/>
+                <a:cs typeface="Courier New" panose="02070309020205020404" pitchFamily="49" charset="0"/>
+              </a:rPr>
+              <a:t>printf</a:t>
+            </a:r>
+            <a:r>
+              <a:rPr lang="en-US" b="1" dirty="0">
+                <a:latin typeface="Courier New" panose="02070309020205020404" pitchFamily="49" charset="0"/>
+                <a:cs typeface="Courier New" panose="02070309020205020404" pitchFamily="49" charset="0"/>
+              </a:rPr>
+              <a:t>("%d %p %d\n",</a:t>
+            </a:r>
+            <a:r>
+              <a:rPr lang="en-US" b="1" dirty="0" err="1">
+                <a:latin typeface="Courier New" panose="02070309020205020404" pitchFamily="49" charset="0"/>
+                <a:cs typeface="Courier New" panose="02070309020205020404" pitchFamily="49" charset="0"/>
+              </a:rPr>
+              <a:t>x,px,y</a:t>
+            </a:r>
+            <a:r>
+              <a:rPr lang="en-US" b="1" dirty="0">
+                <a:latin typeface="Courier New" panose="02070309020205020404" pitchFamily="49" charset="0"/>
+                <a:cs typeface="Courier New" panose="02070309020205020404" pitchFamily="49" charset="0"/>
+              </a:rPr>
+              <a:t>);</a:t>
+            </a:r>
+          </a:p>
+          <a:p>
+            <a:r>
+              <a:rPr lang="en-US" b="1" dirty="0">
+                <a:latin typeface="Courier New" panose="02070309020205020404" pitchFamily="49" charset="0"/>
+                <a:cs typeface="Courier New" panose="02070309020205020404" pitchFamily="49" charset="0"/>
+              </a:rPr>
+              <a:t>}</a:t>
+            </a:r>
+          </a:p>
+        </p:txBody>
+      </p:sp>
+      <p:sp>
+        <p:nvSpPr>
+          <p:cNvPr id="5" name="TextBox 4">
+            <a:extLst>
+              <a:ext uri="{FF2B5EF4-FFF2-40B4-BE49-F238E27FC236}">
+                <a16:creationId xmlns:a16="http://schemas.microsoft.com/office/drawing/2014/main" id="{310E19C4-63E0-96FD-B081-9D713FA26B7A}"/>
+              </a:ext>
+            </a:extLst>
+          </p:cNvPr>
+          <p:cNvSpPr txBox="1"/>
+          <p:nvPr/>
+        </p:nvSpPr>
+        <p:spPr>
+          <a:xfrm>
+            <a:off x="6428014" y="3526969"/>
+            <a:ext cx="4320413" cy="1200329"/>
+          </a:xfrm>
+          <a:prstGeom prst="rect">
+            <a:avLst/>
+          </a:prstGeom>
+          <a:noFill/>
+        </p:spPr>
+        <p:txBody>
+          <a:bodyPr wrap="none" rtlCol="0">
+            <a:spAutoFit/>
+          </a:bodyPr>
+          <a:lstStyle/>
+          <a:p>
+            <a:r>
+              <a:rPr lang="en-US" b="1" dirty="0">
+                <a:latin typeface="Courier New" panose="02070309020205020404" pitchFamily="49" charset="0"/>
+                <a:cs typeface="Courier New" panose="02070309020205020404" pitchFamily="49" charset="0"/>
+              </a:rPr>
+              <a:t>x = 42</a:t>
+            </a:r>
+          </a:p>
+          <a:p>
+            <a:r>
+              <a:rPr lang="en-US" b="1" dirty="0" err="1">
+                <a:latin typeface="Courier New" panose="02070309020205020404" pitchFamily="49" charset="0"/>
+                <a:cs typeface="Courier New" panose="02070309020205020404" pitchFamily="49" charset="0"/>
+              </a:rPr>
+              <a:t>px</a:t>
+            </a:r>
+            <a:r>
+              <a:rPr lang="en-US" b="1" dirty="0">
+                <a:latin typeface="Courier New" panose="02070309020205020404" pitchFamily="49" charset="0"/>
+                <a:cs typeface="Courier New" panose="02070309020205020404" pitchFamily="49" charset="0"/>
+              </a:rPr>
+              <a:t> = id(x)</a:t>
+            </a:r>
+          </a:p>
+          <a:p>
+            <a:endParaRPr lang="en-US" b="1" dirty="0">
+              <a:latin typeface="Courier New" panose="02070309020205020404" pitchFamily="49" charset="0"/>
+              <a:cs typeface="Courier New" panose="02070309020205020404" pitchFamily="49" charset="0"/>
+            </a:endParaRPr>
+          </a:p>
+          <a:p>
+            <a:r>
+              <a:rPr lang="en-US" b="1" dirty="0">
+                <a:latin typeface="Courier New" panose="02070309020205020404" pitchFamily="49" charset="0"/>
+                <a:cs typeface="Courier New" panose="02070309020205020404" pitchFamily="49" charset="0"/>
+              </a:rPr>
+              <a:t>print("%d 0x%x %d" % (</a:t>
+            </a:r>
+            <a:r>
+              <a:rPr lang="en-US" b="1" dirty="0" err="1">
+                <a:latin typeface="Courier New" panose="02070309020205020404" pitchFamily="49" charset="0"/>
+                <a:cs typeface="Courier New" panose="02070309020205020404" pitchFamily="49" charset="0"/>
+              </a:rPr>
+              <a:t>x,px,y</a:t>
+            </a:r>
+            <a:r>
+              <a:rPr lang="en-US" b="1" dirty="0">
+                <a:latin typeface="Courier New" panose="02070309020205020404" pitchFamily="49" charset="0"/>
+                <a:cs typeface="Courier New" panose="02070309020205020404" pitchFamily="49" charset="0"/>
+              </a:rPr>
+              <a:t>))</a:t>
+            </a:r>
+          </a:p>
+        </p:txBody>
+      </p:sp>
+      <p:sp>
+        <p:nvSpPr>
+          <p:cNvPr id="6" name="TextBox 5">
+            <a:extLst>
+              <a:ext uri="{FF2B5EF4-FFF2-40B4-BE49-F238E27FC236}">
+                <a16:creationId xmlns:a16="http://schemas.microsoft.com/office/drawing/2014/main" id="{CAF450AB-425A-F0E8-8074-870B638192D6}"/>
+              </a:ext>
+            </a:extLst>
+          </p:cNvPr>
+          <p:cNvSpPr txBox="1"/>
+          <p:nvPr/>
+        </p:nvSpPr>
+        <p:spPr>
+          <a:xfrm>
+            <a:off x="838200" y="5292546"/>
+            <a:ext cx="2528256" cy="369332"/>
+          </a:xfrm>
+          <a:prstGeom prst="rect">
+            <a:avLst/>
+          </a:prstGeom>
+          <a:noFill/>
+          <a:ln>
+            <a:solidFill>
+              <a:schemeClr val="accent1"/>
+            </a:solidFill>
+          </a:ln>
+        </p:spPr>
+        <p:txBody>
+          <a:bodyPr wrap="none" rtlCol="0">
+            <a:spAutoFit/>
+          </a:bodyPr>
+          <a:lstStyle/>
+          <a:p>
+            <a:r>
+              <a:rPr lang="en-US" b="1" dirty="0">
+                <a:latin typeface="Courier New" panose="02070309020205020404" pitchFamily="49" charset="0"/>
+                <a:cs typeface="Courier New" panose="02070309020205020404" pitchFamily="49" charset="0"/>
+              </a:rPr>
+              <a:t>42 0x16f5b31ec 42</a:t>
+            </a:r>
+          </a:p>
+        </p:txBody>
+      </p:sp>
+      <p:sp>
+        <p:nvSpPr>
+          <p:cNvPr id="7" name="TextBox 6">
+            <a:extLst>
+              <a:ext uri="{FF2B5EF4-FFF2-40B4-BE49-F238E27FC236}">
+                <a16:creationId xmlns:a16="http://schemas.microsoft.com/office/drawing/2014/main" id="{4CA7500A-184D-9754-40DA-6D85C8FDEBEB}"/>
+              </a:ext>
+            </a:extLst>
+          </p:cNvPr>
+          <p:cNvSpPr txBox="1"/>
+          <p:nvPr/>
+        </p:nvSpPr>
+        <p:spPr>
+          <a:xfrm>
+            <a:off x="6428014" y="5292546"/>
+            <a:ext cx="2114681" cy="369332"/>
+          </a:xfrm>
+          <a:prstGeom prst="rect">
+            <a:avLst/>
+          </a:prstGeom>
+          <a:noFill/>
+          <a:ln>
+            <a:solidFill>
+              <a:schemeClr val="accent1"/>
+            </a:solidFill>
+          </a:ln>
+        </p:spPr>
+        <p:txBody>
+          <a:bodyPr wrap="none" rtlCol="0">
+            <a:spAutoFit/>
+          </a:bodyPr>
+          <a:lstStyle/>
+          <a:p>
+            <a:r>
+              <a:rPr lang="en-US" b="1" dirty="0">
+                <a:latin typeface="Courier New" panose="02070309020205020404" pitchFamily="49" charset="0"/>
+                <a:cs typeface="Courier New" panose="02070309020205020404" pitchFamily="49" charset="0"/>
+              </a:rPr>
+              <a:t>42 0x1043cae50</a:t>
+            </a:r>
+          </a:p>
+        </p:txBody>
+      </p:sp>
+      <p:sp>
+        <p:nvSpPr>
+          <p:cNvPr id="8" name="TextBox 7">
+            <a:extLst>
+              <a:ext uri="{FF2B5EF4-FFF2-40B4-BE49-F238E27FC236}">
+                <a16:creationId xmlns:a16="http://schemas.microsoft.com/office/drawing/2014/main" id="{A1421078-B14B-AF0D-20EB-3D272613A7FE}"/>
+              </a:ext>
+            </a:extLst>
+          </p:cNvPr>
+          <p:cNvSpPr txBox="1"/>
+          <p:nvPr/>
+        </p:nvSpPr>
+        <p:spPr>
+          <a:xfrm>
+            <a:off x="293915" y="6338986"/>
+            <a:ext cx="1382485" cy="307777"/>
+          </a:xfrm>
+          <a:prstGeom prst="rect">
+            <a:avLst/>
+          </a:prstGeom>
+          <a:noFill/>
+        </p:spPr>
+        <p:txBody>
+          <a:bodyPr wrap="square">
+            <a:spAutoFit/>
+          </a:bodyPr>
+          <a:lstStyle/>
+          <a:p>
+            <a:r>
+              <a:rPr lang="en-US" sz="1400" b="1" dirty="0">
+                <a:solidFill>
+                  <a:srgbClr val="000000"/>
+                </a:solidFill>
+                <a:latin typeface="Menlo" panose="020B0609030804020204" pitchFamily="49" charset="0"/>
+              </a:rPr>
+              <a:t>kr_05_01.c</a:t>
+            </a:r>
+          </a:p>
+        </p:txBody>
+      </p:sp>
+      <p:sp>
+        <p:nvSpPr>
+          <p:cNvPr id="9" name="TextBox 8">
+            <a:extLst>
+              <a:ext uri="{FF2B5EF4-FFF2-40B4-BE49-F238E27FC236}">
+                <a16:creationId xmlns:a16="http://schemas.microsoft.com/office/drawing/2014/main" id="{070803BD-696E-A30F-DAB5-A1EDA7B6BFFE}"/>
+              </a:ext>
+            </a:extLst>
+          </p:cNvPr>
+          <p:cNvSpPr txBox="1"/>
+          <p:nvPr/>
+        </p:nvSpPr>
+        <p:spPr>
+          <a:xfrm>
+            <a:off x="10515600" y="6333089"/>
+            <a:ext cx="1382485" cy="307777"/>
+          </a:xfrm>
+          <a:prstGeom prst="rect">
+            <a:avLst/>
+          </a:prstGeom>
+          <a:noFill/>
+        </p:spPr>
+        <p:txBody>
+          <a:bodyPr wrap="square">
+            <a:spAutoFit/>
+          </a:bodyPr>
+          <a:lstStyle/>
+          <a:p>
+            <a:r>
+              <a:rPr lang="en-US" sz="1400" b="1" dirty="0">
+                <a:solidFill>
+                  <a:srgbClr val="000000"/>
+                </a:solidFill>
+                <a:latin typeface="Menlo" panose="020B0609030804020204" pitchFamily="49" charset="0"/>
+              </a:rPr>
+              <a:t>kr_05_01.py</a:t>
+            </a:r>
+          </a:p>
+        </p:txBody>
+      </p:sp>
+    </p:spTree>
+    <p:extLst>
+      <p:ext uri="{BB962C8B-B14F-4D97-AF65-F5344CB8AC3E}">
+        <p14:creationId xmlns:p14="http://schemas.microsoft.com/office/powerpoint/2010/main" val="512537223"/>
+      </p:ext>
+    </p:extLst>
+  </p:cSld>
+  <p:clrMapOvr>
+    <a:masterClrMapping/>
+  </p:clrMapOvr>
+</p:sld>
+</file>
+
+<file path=ppt/slides/slide5.xml><?xml version="1.0" encoding="utf-8"?>
+<p:sld xmlns:a="http://schemas.openxmlformats.org/drawingml/2006/main" xmlns:r="http://schemas.openxmlformats.org/officeDocument/2006/relationships" xmlns:p="http://schemas.openxmlformats.org/presentationml/2006/main" show="0">
+  <p:cSld>
+    <p:spTree>
+      <p:nvGrpSpPr>
+        <p:cNvPr id="1" name=""/>
+        <p:cNvGrpSpPr/>
+        <p:nvPr/>
+      </p:nvGrpSpPr>
+      <p:grpSpPr>
+        <a:xfrm>
+          <a:off x="0" y="0"/>
+          <a:ext cx="0" cy="0"/>
+          <a:chOff x="0" y="0"/>
+          <a:chExt cx="0" cy="0"/>
+        </a:xfrm>
+      </p:grpSpPr>
+      <p:sp>
+        <p:nvSpPr>
+          <p:cNvPr id="2" name="Title 1">
+            <a:extLst>
+              <a:ext uri="{FF2B5EF4-FFF2-40B4-BE49-F238E27FC236}">
+                <a16:creationId xmlns:a16="http://schemas.microsoft.com/office/drawing/2014/main" id="{7E34E45E-A607-7174-BEA6-CE84E942DEAE}"/>
+              </a:ext>
+            </a:extLst>
+          </p:cNvPr>
+          <p:cNvSpPr>
+            <a:spLocks noGrp="1"/>
+          </p:cNvSpPr>
+          <p:nvPr>
+            <p:ph type="title"/>
+          </p:nvPr>
+        </p:nvSpPr>
+        <p:spPr/>
+        <p:txBody>
+          <a:bodyPr/>
+          <a:lstStyle/>
+          <a:p>
+            <a:r>
+              <a:rPr lang="en-US" dirty="0"/>
+              <a:t>Living Dangerously!</a:t>
+            </a:r>
+          </a:p>
+        </p:txBody>
+      </p:sp>
+      <p:sp>
+        <p:nvSpPr>
+          <p:cNvPr id="4" name="TextBox 3">
+            <a:extLst>
+              <a:ext uri="{FF2B5EF4-FFF2-40B4-BE49-F238E27FC236}">
+                <a16:creationId xmlns:a16="http://schemas.microsoft.com/office/drawing/2014/main" id="{720EE503-44F9-2407-C97C-B2B07E796C38}"/>
+              </a:ext>
+            </a:extLst>
+          </p:cNvPr>
+          <p:cNvSpPr txBox="1"/>
+          <p:nvPr/>
+        </p:nvSpPr>
+        <p:spPr>
+          <a:xfrm>
+            <a:off x="838200" y="1859339"/>
+            <a:ext cx="4596130" cy="3139321"/>
+          </a:xfrm>
+          <a:prstGeom prst="rect">
+            <a:avLst/>
+          </a:prstGeom>
+          <a:noFill/>
+        </p:spPr>
+        <p:txBody>
+          <a:bodyPr wrap="none" rtlCol="0">
+            <a:spAutoFit/>
+          </a:bodyPr>
+          <a:lstStyle/>
+          <a:p>
+            <a:r>
+              <a:rPr lang="en-US" b="1" dirty="0">
+                <a:latin typeface="Courier New" panose="02070309020205020404" pitchFamily="49" charset="0"/>
+                <a:cs typeface="Courier New" panose="02070309020205020404" pitchFamily="49" charset="0"/>
+              </a:rPr>
+              <a:t>#include &lt;</a:t>
+            </a:r>
+            <a:r>
+              <a:rPr lang="en-US" b="1" dirty="0" err="1">
+                <a:latin typeface="Courier New" panose="02070309020205020404" pitchFamily="49" charset="0"/>
+                <a:cs typeface="Courier New" panose="02070309020205020404" pitchFamily="49" charset="0"/>
+              </a:rPr>
+              <a:t>stdio.h</a:t>
+            </a:r>
+            <a:r>
+              <a:rPr lang="en-US" b="1" dirty="0">
+                <a:latin typeface="Courier New" panose="02070309020205020404" pitchFamily="49" charset="0"/>
+                <a:cs typeface="Courier New" panose="02070309020205020404" pitchFamily="49" charset="0"/>
+              </a:rPr>
+              <a:t>&gt;</a:t>
+            </a:r>
+          </a:p>
+          <a:p>
+            <a:endParaRPr lang="en-US" b="1" dirty="0">
+              <a:latin typeface="Courier New" panose="02070309020205020404" pitchFamily="49" charset="0"/>
+              <a:cs typeface="Courier New" panose="02070309020205020404" pitchFamily="49" charset="0"/>
+            </a:endParaRPr>
+          </a:p>
+          <a:p>
+            <a:r>
+              <a:rPr lang="en-US" b="1" dirty="0">
+                <a:latin typeface="Courier New" panose="02070309020205020404" pitchFamily="49" charset="0"/>
+                <a:cs typeface="Courier New" panose="02070309020205020404" pitchFamily="49" charset="0"/>
+              </a:rPr>
+              <a:t>int main() {</a:t>
+            </a:r>
+          </a:p>
+          <a:p>
+            <a:r>
+              <a:rPr lang="en-US" b="1" dirty="0">
+                <a:latin typeface="Courier New" panose="02070309020205020404" pitchFamily="49" charset="0"/>
+                <a:cs typeface="Courier New" panose="02070309020205020404" pitchFamily="49" charset="0"/>
+              </a:rPr>
+              <a:t>    int x, y;</a:t>
+            </a:r>
+          </a:p>
+          <a:p>
+            <a:r>
+              <a:rPr lang="en-US" b="1" dirty="0">
+                <a:latin typeface="Courier New" panose="02070309020205020404" pitchFamily="49" charset="0"/>
+                <a:cs typeface="Courier New" panose="02070309020205020404" pitchFamily="49" charset="0"/>
+              </a:rPr>
+              <a:t>    int* </a:t>
+            </a:r>
+            <a:r>
+              <a:rPr lang="en-US" b="1" dirty="0" err="1">
+                <a:latin typeface="Courier New" panose="02070309020205020404" pitchFamily="49" charset="0"/>
+                <a:cs typeface="Courier New" panose="02070309020205020404" pitchFamily="49" charset="0"/>
+              </a:rPr>
+              <a:t>px</a:t>
+            </a:r>
+            <a:r>
+              <a:rPr lang="en-US" b="1" dirty="0">
+                <a:latin typeface="Courier New" panose="02070309020205020404" pitchFamily="49" charset="0"/>
+                <a:cs typeface="Courier New" panose="02070309020205020404" pitchFamily="49" charset="0"/>
+              </a:rPr>
+              <a:t>;</a:t>
+            </a:r>
+          </a:p>
+          <a:p>
+            <a:endParaRPr lang="en-US" b="1" dirty="0">
+              <a:latin typeface="Courier New" panose="02070309020205020404" pitchFamily="49" charset="0"/>
+              <a:cs typeface="Courier New" panose="02070309020205020404" pitchFamily="49" charset="0"/>
+            </a:endParaRPr>
+          </a:p>
+          <a:p>
+            <a:r>
+              <a:rPr lang="en-US" b="1" dirty="0">
+                <a:latin typeface="Courier New" panose="02070309020205020404" pitchFamily="49" charset="0"/>
+                <a:cs typeface="Courier New" panose="02070309020205020404" pitchFamily="49" charset="0"/>
+              </a:rPr>
+              <a:t>    x = 42;</a:t>
+            </a:r>
+          </a:p>
+          <a:p>
+            <a:r>
+              <a:rPr lang="en-US" b="1" dirty="0">
+                <a:latin typeface="Courier New" panose="02070309020205020404" pitchFamily="49" charset="0"/>
+                <a:cs typeface="Courier New" panose="02070309020205020404" pitchFamily="49" charset="0"/>
+              </a:rPr>
+              <a:t>    </a:t>
+            </a:r>
+            <a:r>
+              <a:rPr lang="en-US" b="1" dirty="0" err="1">
+                <a:latin typeface="Courier New" panose="02070309020205020404" pitchFamily="49" charset="0"/>
+                <a:cs typeface="Courier New" panose="02070309020205020404" pitchFamily="49" charset="0"/>
+              </a:rPr>
+              <a:t>px</a:t>
+            </a:r>
+            <a:r>
+              <a:rPr lang="en-US" b="1" dirty="0">
+                <a:latin typeface="Courier New" panose="02070309020205020404" pitchFamily="49" charset="0"/>
+                <a:cs typeface="Courier New" panose="02070309020205020404" pitchFamily="49" charset="0"/>
+              </a:rPr>
+              <a:t> = &amp;x;</a:t>
+            </a:r>
+          </a:p>
+          <a:p>
+            <a:r>
+              <a:rPr lang="en-US" b="1" dirty="0">
+                <a:latin typeface="Courier New" panose="02070309020205020404" pitchFamily="49" charset="0"/>
+                <a:cs typeface="Courier New" panose="02070309020205020404" pitchFamily="49" charset="0"/>
+              </a:rPr>
+              <a:t>    y = *</a:t>
+            </a:r>
+            <a:r>
+              <a:rPr lang="en-US" b="1" dirty="0" err="1">
+                <a:latin typeface="Courier New" panose="02070309020205020404" pitchFamily="49" charset="0"/>
+                <a:cs typeface="Courier New" panose="02070309020205020404" pitchFamily="49" charset="0"/>
+              </a:rPr>
+              <a:t>px</a:t>
+            </a:r>
+            <a:r>
+              <a:rPr lang="en-US" b="1" dirty="0">
+                <a:latin typeface="Courier New" panose="02070309020205020404" pitchFamily="49" charset="0"/>
+                <a:cs typeface="Courier New" panose="02070309020205020404" pitchFamily="49" charset="0"/>
+              </a:rPr>
+              <a:t>;</a:t>
+            </a:r>
+          </a:p>
+          <a:p>
+            <a:r>
+              <a:rPr lang="en-US" b="1" dirty="0">
+                <a:latin typeface="Courier New" panose="02070309020205020404" pitchFamily="49" charset="0"/>
+                <a:cs typeface="Courier New" panose="02070309020205020404" pitchFamily="49" charset="0"/>
+              </a:rPr>
+              <a:t>    </a:t>
+            </a:r>
+            <a:r>
+              <a:rPr lang="en-US" b="1" dirty="0" err="1">
+                <a:latin typeface="Courier New" panose="02070309020205020404" pitchFamily="49" charset="0"/>
+                <a:cs typeface="Courier New" panose="02070309020205020404" pitchFamily="49" charset="0"/>
+              </a:rPr>
+              <a:t>printf</a:t>
+            </a:r>
+            <a:r>
+              <a:rPr lang="en-US" b="1" dirty="0">
+                <a:latin typeface="Courier New" panose="02070309020205020404" pitchFamily="49" charset="0"/>
+                <a:cs typeface="Courier New" panose="02070309020205020404" pitchFamily="49" charset="0"/>
+              </a:rPr>
+              <a:t>("%d %p %d\n",</a:t>
+            </a:r>
+            <a:r>
+              <a:rPr lang="en-US" b="1" dirty="0" err="1">
+                <a:latin typeface="Courier New" panose="02070309020205020404" pitchFamily="49" charset="0"/>
+                <a:cs typeface="Courier New" panose="02070309020205020404" pitchFamily="49" charset="0"/>
+              </a:rPr>
+              <a:t>x,px,y</a:t>
+            </a:r>
+            <a:r>
+              <a:rPr lang="en-US" b="1" dirty="0">
+                <a:latin typeface="Courier New" panose="02070309020205020404" pitchFamily="49" charset="0"/>
+                <a:cs typeface="Courier New" panose="02070309020205020404" pitchFamily="49" charset="0"/>
+              </a:rPr>
+              <a:t>);</a:t>
+            </a:r>
+          </a:p>
+          <a:p>
+            <a:r>
+              <a:rPr lang="en-US" b="1" dirty="0">
+                <a:latin typeface="Courier New" panose="02070309020205020404" pitchFamily="49" charset="0"/>
+                <a:cs typeface="Courier New" panose="02070309020205020404" pitchFamily="49" charset="0"/>
+              </a:rPr>
+              <a:t>}</a:t>
+            </a:r>
+          </a:p>
+        </p:txBody>
+      </p:sp>
+      <p:sp>
+        <p:nvSpPr>
+          <p:cNvPr id="5" name="TextBox 4">
+            <a:extLst>
+              <a:ext uri="{FF2B5EF4-FFF2-40B4-BE49-F238E27FC236}">
+                <a16:creationId xmlns:a16="http://schemas.microsoft.com/office/drawing/2014/main" id="{310E19C4-63E0-96FD-B081-9D713FA26B7A}"/>
+              </a:ext>
+            </a:extLst>
+          </p:cNvPr>
+          <p:cNvSpPr txBox="1"/>
+          <p:nvPr/>
+        </p:nvSpPr>
+        <p:spPr>
+          <a:xfrm>
+            <a:off x="6428014" y="3526969"/>
+            <a:ext cx="4320413" cy="1200329"/>
+          </a:xfrm>
+          <a:prstGeom prst="rect">
+            <a:avLst/>
+          </a:prstGeom>
+          <a:noFill/>
+        </p:spPr>
+        <p:txBody>
+          <a:bodyPr wrap="none" rtlCol="0">
+            <a:spAutoFit/>
+          </a:bodyPr>
+          <a:lstStyle/>
+          <a:p>
+            <a:r>
+              <a:rPr lang="en-US" b="1" dirty="0">
+                <a:latin typeface="Courier New" panose="02070309020205020404" pitchFamily="49" charset="0"/>
+                <a:cs typeface="Courier New" panose="02070309020205020404" pitchFamily="49" charset="0"/>
+              </a:rPr>
+              <a:t>x = 42</a:t>
+            </a:r>
+          </a:p>
+          <a:p>
+            <a:r>
+              <a:rPr lang="en-US" b="1" dirty="0" err="1">
+                <a:latin typeface="Courier New" panose="02070309020205020404" pitchFamily="49" charset="0"/>
+                <a:cs typeface="Courier New" panose="02070309020205020404" pitchFamily="49" charset="0"/>
+              </a:rPr>
+              <a:t>px</a:t>
+            </a:r>
+            <a:r>
+              <a:rPr lang="en-US" b="1" dirty="0">
+                <a:latin typeface="Courier New" panose="02070309020205020404" pitchFamily="49" charset="0"/>
+                <a:cs typeface="Courier New" panose="02070309020205020404" pitchFamily="49" charset="0"/>
+              </a:rPr>
+              <a:t> = id(x)</a:t>
+            </a:r>
+          </a:p>
+          <a:p>
+            <a:r>
+              <a:rPr lang="en-US" b="1" dirty="0">
+                <a:solidFill>
+                  <a:srgbClr val="FF0000"/>
+                </a:solidFill>
+                <a:latin typeface="Courier New" panose="02070309020205020404" pitchFamily="49" charset="0"/>
+                <a:cs typeface="Courier New" panose="02070309020205020404" pitchFamily="49" charset="0"/>
+              </a:rPr>
+              <a:t>y = </a:t>
+            </a:r>
+            <a:r>
+              <a:rPr lang="en-US" b="1" dirty="0" err="1">
+                <a:solidFill>
+                  <a:srgbClr val="FF0000"/>
+                </a:solidFill>
+                <a:latin typeface="Courier New" panose="02070309020205020404" pitchFamily="49" charset="0"/>
+                <a:cs typeface="Courier New" panose="02070309020205020404" pitchFamily="49" charset="0"/>
+              </a:rPr>
+              <a:t>deref</a:t>
+            </a:r>
+            <a:r>
+              <a:rPr lang="en-US" b="1" dirty="0">
+                <a:solidFill>
+                  <a:srgbClr val="FF0000"/>
+                </a:solidFill>
+                <a:latin typeface="Courier New" panose="02070309020205020404" pitchFamily="49" charset="0"/>
+                <a:cs typeface="Courier New" panose="02070309020205020404" pitchFamily="49" charset="0"/>
+              </a:rPr>
+              <a:t>(</a:t>
+            </a:r>
+            <a:r>
+              <a:rPr lang="en-US" b="1" dirty="0" err="1">
+                <a:solidFill>
+                  <a:srgbClr val="FF0000"/>
+                </a:solidFill>
+                <a:latin typeface="Courier New" panose="02070309020205020404" pitchFamily="49" charset="0"/>
+                <a:cs typeface="Courier New" panose="02070309020205020404" pitchFamily="49" charset="0"/>
+              </a:rPr>
+              <a:t>px</a:t>
+            </a:r>
+            <a:r>
+              <a:rPr lang="en-US" b="1" dirty="0">
+                <a:solidFill>
+                  <a:srgbClr val="FF0000"/>
+                </a:solidFill>
+                <a:latin typeface="Courier New" panose="02070309020205020404" pitchFamily="49" charset="0"/>
+                <a:cs typeface="Courier New" panose="02070309020205020404" pitchFamily="49" charset="0"/>
+              </a:rPr>
+              <a:t>)</a:t>
+            </a:r>
+          </a:p>
+          <a:p>
+            <a:r>
+              <a:rPr lang="en-US" b="1" dirty="0">
+                <a:latin typeface="Courier New" panose="02070309020205020404" pitchFamily="49" charset="0"/>
+                <a:cs typeface="Courier New" panose="02070309020205020404" pitchFamily="49" charset="0"/>
+              </a:rPr>
+              <a:t>print("%d 0x%x %d" % (</a:t>
+            </a:r>
+            <a:r>
+              <a:rPr lang="en-US" b="1" dirty="0" err="1">
+                <a:latin typeface="Courier New" panose="02070309020205020404" pitchFamily="49" charset="0"/>
+                <a:cs typeface="Courier New" panose="02070309020205020404" pitchFamily="49" charset="0"/>
+              </a:rPr>
+              <a:t>x,px,y</a:t>
+            </a:r>
+            <a:r>
+              <a:rPr lang="en-US" b="1" dirty="0">
+                <a:latin typeface="Courier New" panose="02070309020205020404" pitchFamily="49" charset="0"/>
+                <a:cs typeface="Courier New" panose="02070309020205020404" pitchFamily="49" charset="0"/>
+              </a:rPr>
+              <a:t>))</a:t>
+            </a:r>
+          </a:p>
+        </p:txBody>
+      </p:sp>
+      <p:sp>
+        <p:nvSpPr>
+          <p:cNvPr id="6" name="TextBox 5">
+            <a:extLst>
+              <a:ext uri="{FF2B5EF4-FFF2-40B4-BE49-F238E27FC236}">
+                <a16:creationId xmlns:a16="http://schemas.microsoft.com/office/drawing/2014/main" id="{CAF450AB-425A-F0E8-8074-870B638192D6}"/>
+              </a:ext>
+            </a:extLst>
+          </p:cNvPr>
+          <p:cNvSpPr txBox="1"/>
+          <p:nvPr/>
+        </p:nvSpPr>
+        <p:spPr>
+          <a:xfrm>
+            <a:off x="838200" y="5292546"/>
+            <a:ext cx="2528256" cy="369332"/>
+          </a:xfrm>
+          <a:prstGeom prst="rect">
+            <a:avLst/>
+          </a:prstGeom>
+          <a:noFill/>
+        </p:spPr>
+        <p:txBody>
+          <a:bodyPr wrap="none" rtlCol="0">
+            <a:spAutoFit/>
+          </a:bodyPr>
+          <a:lstStyle/>
+          <a:p>
+            <a:r>
+              <a:rPr lang="en-US" b="1" dirty="0">
+                <a:latin typeface="Courier New" panose="02070309020205020404" pitchFamily="49" charset="0"/>
+                <a:cs typeface="Courier New" panose="02070309020205020404" pitchFamily="49" charset="0"/>
+              </a:rPr>
+              <a:t>42 0x16f5b31ec 42</a:t>
+            </a:r>
+          </a:p>
+        </p:txBody>
+      </p:sp>
+      <p:sp>
+        <p:nvSpPr>
+          <p:cNvPr id="7" name="TextBox 6">
+            <a:extLst>
+              <a:ext uri="{FF2B5EF4-FFF2-40B4-BE49-F238E27FC236}">
+                <a16:creationId xmlns:a16="http://schemas.microsoft.com/office/drawing/2014/main" id="{4CA7500A-184D-9754-40DA-6D85C8FDEBEB}"/>
+              </a:ext>
+            </a:extLst>
+          </p:cNvPr>
+          <p:cNvSpPr txBox="1"/>
+          <p:nvPr/>
+        </p:nvSpPr>
+        <p:spPr>
+          <a:xfrm>
+            <a:off x="6428014" y="5292546"/>
+            <a:ext cx="2528256" cy="369332"/>
+          </a:xfrm>
+          <a:prstGeom prst="rect">
+            <a:avLst/>
+          </a:prstGeom>
+          <a:noFill/>
+        </p:spPr>
+        <p:txBody>
+          <a:bodyPr wrap="none" rtlCol="0">
+            <a:spAutoFit/>
+          </a:bodyPr>
+          <a:lstStyle/>
+          <a:p>
+            <a:r>
+              <a:rPr lang="en-US" b="1" dirty="0">
+                <a:latin typeface="Courier New" panose="02070309020205020404" pitchFamily="49" charset="0"/>
+                <a:cs typeface="Courier New" panose="02070309020205020404" pitchFamily="49" charset="0"/>
+              </a:rPr>
+              <a:t>42 0x1043cae50 42</a:t>
+            </a:r>
+          </a:p>
+        </p:txBody>
+      </p:sp>
+      <p:sp>
+        <p:nvSpPr>
+          <p:cNvPr id="8" name="TextBox 7">
+            <a:extLst>
+              <a:ext uri="{FF2B5EF4-FFF2-40B4-BE49-F238E27FC236}">
+                <a16:creationId xmlns:a16="http://schemas.microsoft.com/office/drawing/2014/main" id="{A1421078-B14B-AF0D-20EB-3D272613A7FE}"/>
+              </a:ext>
+            </a:extLst>
+          </p:cNvPr>
+          <p:cNvSpPr txBox="1"/>
+          <p:nvPr/>
+        </p:nvSpPr>
+        <p:spPr>
+          <a:xfrm>
+            <a:off x="293915" y="6338986"/>
+            <a:ext cx="1382485" cy="307777"/>
+          </a:xfrm>
+          <a:prstGeom prst="rect">
+            <a:avLst/>
+          </a:prstGeom>
+          <a:noFill/>
+        </p:spPr>
+        <p:txBody>
+          <a:bodyPr wrap="square">
+            <a:spAutoFit/>
+          </a:bodyPr>
+          <a:lstStyle/>
+          <a:p>
+            <a:r>
+              <a:rPr lang="en-US" sz="1400" b="1" dirty="0">
+                <a:solidFill>
+                  <a:srgbClr val="000000"/>
+                </a:solidFill>
+                <a:latin typeface="Menlo" panose="020B0609030804020204" pitchFamily="49" charset="0"/>
+              </a:rPr>
+              <a:t>kr_05_01.c</a:t>
+            </a:r>
+          </a:p>
+        </p:txBody>
+      </p:sp>
+      <p:sp>
+        <p:nvSpPr>
+          <p:cNvPr id="9" name="TextBox 8">
+            <a:extLst>
+              <a:ext uri="{FF2B5EF4-FFF2-40B4-BE49-F238E27FC236}">
+                <a16:creationId xmlns:a16="http://schemas.microsoft.com/office/drawing/2014/main" id="{070803BD-696E-A30F-DAB5-A1EDA7B6BFFE}"/>
+              </a:ext>
+            </a:extLst>
+          </p:cNvPr>
+          <p:cNvSpPr txBox="1"/>
+          <p:nvPr/>
+        </p:nvSpPr>
+        <p:spPr>
+          <a:xfrm>
+            <a:off x="10515600" y="6333089"/>
+            <a:ext cx="1382485" cy="307777"/>
+          </a:xfrm>
+          <a:prstGeom prst="rect">
+            <a:avLst/>
+          </a:prstGeom>
+          <a:noFill/>
+        </p:spPr>
+        <p:txBody>
+          <a:bodyPr wrap="square">
+            <a:spAutoFit/>
+          </a:bodyPr>
+          <a:lstStyle/>
+          <a:p>
+            <a:r>
+              <a:rPr lang="en-US" sz="1400" b="1" dirty="0">
+                <a:solidFill>
+                  <a:srgbClr val="000000"/>
+                </a:solidFill>
+                <a:latin typeface="Menlo" panose="020B0609030804020204" pitchFamily="49" charset="0"/>
+              </a:rPr>
+              <a:t>kr_05_01.py</a:t>
+            </a:r>
+          </a:p>
+        </p:txBody>
+      </p:sp>
+      <p:sp>
+        <p:nvSpPr>
+          <p:cNvPr id="3" name="TextBox 2">
+            <a:extLst>
+              <a:ext uri="{FF2B5EF4-FFF2-40B4-BE49-F238E27FC236}">
+                <a16:creationId xmlns:a16="http://schemas.microsoft.com/office/drawing/2014/main" id="{16A406B5-29E0-B798-23A7-CCB0C0D6E5EF}"/>
+              </a:ext>
+            </a:extLst>
+          </p:cNvPr>
+          <p:cNvSpPr txBox="1"/>
+          <p:nvPr/>
+        </p:nvSpPr>
+        <p:spPr>
+          <a:xfrm>
+            <a:off x="6428014" y="778608"/>
+            <a:ext cx="5470071" cy="2246769"/>
+          </a:xfrm>
+          <a:prstGeom prst="rect">
+            <a:avLst/>
+          </a:prstGeom>
+          <a:noFill/>
+        </p:spPr>
+        <p:txBody>
+          <a:bodyPr wrap="square" rtlCol="0">
+            <a:spAutoFit/>
+          </a:bodyPr>
+          <a:lstStyle/>
+          <a:p>
+            <a:r>
+              <a:rPr lang="en-US" sz="2000" dirty="0">
+                <a:solidFill>
+                  <a:srgbClr val="FF0000"/>
+                </a:solidFill>
+              </a:rPr>
+              <a:t>The id() function is not intended to be dereferenceable; the fact that it is based on the memory address is a </a:t>
+            </a:r>
+            <a:r>
+              <a:rPr lang="en-US" sz="2000" dirty="0" err="1">
+                <a:solidFill>
+                  <a:srgbClr val="FF0000"/>
+                </a:solidFill>
+              </a:rPr>
+              <a:t>CPython</a:t>
+            </a:r>
+            <a:r>
+              <a:rPr lang="en-US" sz="2000" dirty="0">
+                <a:solidFill>
+                  <a:srgbClr val="FF0000"/>
+                </a:solidFill>
+              </a:rPr>
+              <a:t> implementation detail, that other Python implementations do not follow.</a:t>
+            </a:r>
+          </a:p>
+          <a:p>
+            <a:endParaRPr lang="en-US" sz="2000" dirty="0">
+              <a:solidFill>
+                <a:srgbClr val="FF0000"/>
+              </a:solidFill>
+            </a:endParaRPr>
+          </a:p>
+          <a:p>
+            <a:r>
+              <a:rPr lang="en-US" sz="2000" dirty="0">
+                <a:solidFill>
+                  <a:srgbClr val="FF0000"/>
+                </a:solidFill>
+              </a:rPr>
+              <a:t>https://</a:t>
+            </a:r>
+            <a:r>
+              <a:rPr lang="en-US" sz="2000" dirty="0" err="1">
+                <a:solidFill>
+                  <a:srgbClr val="FF0000"/>
+                </a:solidFill>
+              </a:rPr>
+              <a:t>stackoverflow.com</a:t>
+            </a:r>
+            <a:r>
+              <a:rPr lang="en-US" sz="2000" dirty="0">
+                <a:solidFill>
+                  <a:srgbClr val="FF0000"/>
+                </a:solidFill>
+              </a:rPr>
+              <a:t>/a/15012814/1994792</a:t>
+            </a:r>
+          </a:p>
+        </p:txBody>
+      </p:sp>
+    </p:spTree>
+    <p:extLst>
+      <p:ext uri="{BB962C8B-B14F-4D97-AF65-F5344CB8AC3E}">
+        <p14:creationId xmlns:p14="http://schemas.microsoft.com/office/powerpoint/2010/main" val="3125630307"/>
+      </p:ext>
+    </p:extLst>
+  </p:cSld>
+  <p:clrMapOvr>
+    <a:masterClrMapping/>
+  </p:clrMapOvr>
+</p:sld>
+</file>
+
+<file path=ppt/slides/slide6.xml><?xml version="1.0" encoding="utf-8"?>
+<p:sld xmlns:a="http://schemas.openxmlformats.org/drawingml/2006/main" xmlns:r="http://schemas.openxmlformats.org/officeDocument/2006/relationships" xmlns:p="http://schemas.openxmlformats.org/presentationml/2006/main">
+  <p:cSld>
+    <p:bg>
+      <p:bgPr>
+        <a:solidFill>
+          <a:schemeClr val="bg1"/>
+        </a:solidFill>
+        <a:effectLst/>
+      </p:bgPr>
+    </p:bg>
+    <p:spTree>
+      <p:nvGrpSpPr>
+        <p:cNvPr id="1" name=""/>
+        <p:cNvGrpSpPr/>
+        <p:nvPr/>
+      </p:nvGrpSpPr>
+      <p:grpSpPr>
+        <a:xfrm>
+          <a:off x="0" y="0"/>
+          <a:ext cx="0" cy="0"/>
+          <a:chOff x="0" y="0"/>
+          <a:chExt cx="0" cy="0"/>
+        </a:xfrm>
+      </p:grpSpPr>
+      <p:sp>
+        <p:nvSpPr>
+          <p:cNvPr id="2" name="Title 1">
+            <a:extLst>
+              <a:ext uri="{FF2B5EF4-FFF2-40B4-BE49-F238E27FC236}">
+                <a16:creationId xmlns:a16="http://schemas.microsoft.com/office/drawing/2014/main" id="{3F5C10CB-F825-A6A7-0F62-5C0BF4ADAD7F}"/>
+              </a:ext>
+            </a:extLst>
+          </p:cNvPr>
+          <p:cNvSpPr>
+            <a:spLocks noGrp="1"/>
+          </p:cNvSpPr>
+          <p:nvPr>
+            <p:ph type="title"/>
+          </p:nvPr>
+        </p:nvSpPr>
+        <p:spPr>
+          <a:xfrm>
+            <a:off x="838199" y="291090"/>
+            <a:ext cx="10515599" cy="932688"/>
+          </a:xfrm>
+        </p:spPr>
+        <p:txBody>
+          <a:bodyPr vert="horz" lIns="91440" tIns="45720" rIns="91440" bIns="45720" rtlCol="0" anchor="b">
+            <a:normAutofit/>
+          </a:bodyPr>
+          <a:lstStyle/>
+          <a:p>
+            <a:r>
+              <a:rPr lang="en-US" sz="5400" dirty="0"/>
+              <a:t>5.6 Pointers are not Integers</a:t>
+            </a:r>
+            <a:endParaRPr lang="en-US" sz="5400" kern="1200" dirty="0">
+              <a:solidFill>
+                <a:schemeClr val="tx1"/>
+              </a:solidFill>
+              <a:latin typeface="+mj-lt"/>
+              <a:ea typeface="+mj-ea"/>
+              <a:cs typeface="+mj-cs"/>
+            </a:endParaRPr>
+          </a:p>
+        </p:txBody>
+      </p:sp>
+      <p:sp>
+        <p:nvSpPr>
+          <p:cNvPr id="7" name="Content Placeholder 6">
+            <a:extLst>
+              <a:ext uri="{FF2B5EF4-FFF2-40B4-BE49-F238E27FC236}">
+                <a16:creationId xmlns:a16="http://schemas.microsoft.com/office/drawing/2014/main" id="{84AB411A-E5D9-7C62-BB35-7C27D28A3AB9}"/>
+              </a:ext>
+            </a:extLst>
+          </p:cNvPr>
+          <p:cNvSpPr>
+            <a:spLocks noGrp="1"/>
+          </p:cNvSpPr>
+          <p:nvPr>
+            <p:ph idx="1"/>
+          </p:nvPr>
+        </p:nvSpPr>
+        <p:spPr>
+          <a:xfrm>
+            <a:off x="838199" y="1335726"/>
+            <a:ext cx="10515599" cy="420624"/>
+          </a:xfrm>
+        </p:spPr>
+        <p:txBody>
+          <a:bodyPr vert="horz" lIns="91440" tIns="45720" rIns="91440" bIns="45720" rtlCol="0">
+            <a:normAutofit/>
+          </a:bodyPr>
+          <a:lstStyle/>
+          <a:p>
+            <a:pPr marL="0" indent="0">
+              <a:buNone/>
+            </a:pPr>
+            <a:r>
+              <a:rPr lang="en-US" sz="2400" kern="1200" dirty="0">
+                <a:solidFill>
+                  <a:schemeClr val="tx1"/>
+                </a:solidFill>
+                <a:latin typeface="+mn-lt"/>
+                <a:ea typeface="+mn-ea"/>
+                <a:cs typeface="+mn-cs"/>
+              </a:rPr>
+              <a:t>Recall the type length table from Chapter 2 – Lets add addresses</a:t>
+            </a:r>
+          </a:p>
+        </p:txBody>
+      </p:sp>
       <p:graphicFrame>
         <p:nvGraphicFramePr>
           <p:cNvPr id="4" name="Table 3">
             <a:extLst>
               <a:ext uri="{FF2B5EF4-FFF2-40B4-BE49-F238E27FC236}">
-                <a16:creationId xmlns:a16="http://schemas.microsoft.com/office/drawing/2014/main" id="{1C5FDCF7-958F-F9F8-6CF0-B56B76327FFF}"/>
+                <a16:creationId xmlns:a16="http://schemas.microsoft.com/office/drawing/2014/main" id="{C8A2F865-C5BE-1686-278A-DD7F4985CDF3}"/>
               </a:ext>
             </a:extLst>
           </p:cNvPr>
@@ -3684,49 +5494,51 @@
           <p:nvPr>
             <p:extLst>
               <p:ext uri="{D42A27DB-BD31-4B8C-83A1-F6EECF244321}">
-                <p14:modId xmlns:p14="http://schemas.microsoft.com/office/powerpoint/2010/main" val="2759005744"/>
+                <p14:modId xmlns:p14="http://schemas.microsoft.com/office/powerpoint/2010/main" val="251276257"/>
               </p:ext>
             </p:extLst>
           </p:nvPr>
         </p:nvGraphicFramePr>
         <p:xfrm>
-          <a:off x="838200" y="2538254"/>
-          <a:ext cx="7068670" cy="3200400"/>
+          <a:off x="838200" y="2066468"/>
+          <a:ext cx="10515600" cy="4035420"/>
         </p:xfrm>
         <a:graphic>
           <a:graphicData uri="http://schemas.openxmlformats.org/drawingml/2006/table">
             <a:tbl>
-              <a:tblPr/>
+              <a:tblPr>
+                <a:tableStyleId>{3B4B98B0-60AC-42C2-AFA5-B58CD77FA1E5}</a:tableStyleId>
+              </a:tblPr>
               <a:tblGrid>
-                <a:gridCol w="1413734">
+                <a:gridCol w="1658808">
                   <a:extLst>
                     <a:ext uri="{9D8B030D-6E8A-4147-A177-3AD203B41FA5}">
                       <a16:colId xmlns:a16="http://schemas.microsoft.com/office/drawing/2014/main" val="383269595"/>
                     </a:ext>
                   </a:extLst>
                 </a:gridCol>
-                <a:gridCol w="1413734">
+                <a:gridCol w="2214198">
                   <a:extLst>
                     <a:ext uri="{9D8B030D-6E8A-4147-A177-3AD203B41FA5}">
                       <a16:colId xmlns:a16="http://schemas.microsoft.com/office/drawing/2014/main" val="2845637907"/>
                     </a:ext>
                   </a:extLst>
                 </a:gridCol>
-                <a:gridCol w="1413734">
+                <a:gridCol w="2214198">
                   <a:extLst>
                     <a:ext uri="{9D8B030D-6E8A-4147-A177-3AD203B41FA5}">
                       <a16:colId xmlns:a16="http://schemas.microsoft.com/office/drawing/2014/main" val="2715547717"/>
                     </a:ext>
                   </a:extLst>
                 </a:gridCol>
-                <a:gridCol w="1413734">
+                <a:gridCol w="2214198">
                   <a:extLst>
                     <a:ext uri="{9D8B030D-6E8A-4147-A177-3AD203B41FA5}">
                       <a16:colId xmlns:a16="http://schemas.microsoft.com/office/drawing/2014/main" val="2036003969"/>
                     </a:ext>
                   </a:extLst>
                 </a:gridCol>
-                <a:gridCol w="1413734">
+                <a:gridCol w="2214198">
                   <a:extLst>
                     <a:ext uri="{9D8B030D-6E8A-4147-A177-3AD203B41FA5}">
                       <a16:colId xmlns:a16="http://schemas.microsoft.com/office/drawing/2014/main" val="2065258410"/>
@@ -3734,29 +5546,16 @@
                   </a:extLst>
                 </a:gridCol>
               </a:tblGrid>
-              <a:tr h="304552">
+              <a:tr h="448380">
                 <a:tc>
                   <a:txBody>
                     <a:bodyPr/>
                     <a:lstStyle/>
                     <a:p>
-                      <a:endParaRPr lang="en-US"/>
+                      <a:endParaRPr lang="en-US" sz="2000"/>
                     </a:p>
                   </a:txBody>
-                  <a:tcPr anchor="ctr">
-                    <a:lnL>
-                      <a:noFill/>
-                    </a:lnL>
-                    <a:lnR>
-                      <a:noFill/>
-                    </a:lnR>
-                    <a:lnT>
-                      <a:noFill/>
-                    </a:lnT>
-                    <a:lnB>
-                      <a:noFill/>
-                    </a:lnB>
-                  </a:tcPr>
+                  <a:tcPr marL="101904" marR="101904" marT="50952" marB="50952" anchor="ctr"/>
                 </a:tc>
                 <a:tc>
                   <a:txBody>
@@ -3765,27 +5564,14 @@
                     <a:p>
                       <a:pPr algn="ctr"/>
                       <a:r>
-                        <a:rPr lang="en-US">
+                        <a:rPr lang="en-US" sz="2000">
                           <a:effectLst/>
                         </a:rPr>
                         <a:t>DEC PDP-11</a:t>
                       </a:r>
                     </a:p>
                   </a:txBody>
-                  <a:tcPr anchor="ctr">
-                    <a:lnL>
-                      <a:noFill/>
-                    </a:lnL>
-                    <a:lnR>
-                      <a:noFill/>
-                    </a:lnR>
-                    <a:lnT>
-                      <a:noFill/>
-                    </a:lnT>
-                    <a:lnB>
-                      <a:noFill/>
-                    </a:lnB>
-                  </a:tcPr>
+                  <a:tcPr marL="101904" marR="101904" marT="50952" marB="50952" anchor="ctr"/>
                 </a:tc>
                 <a:tc>
                   <a:txBody>
@@ -3794,27 +5580,14 @@
                     <a:p>
                       <a:pPr algn="ctr"/>
                       <a:r>
-                        <a:rPr lang="en-US">
+                        <a:rPr lang="en-US" sz="2000">
                           <a:effectLst/>
                         </a:rPr>
                         <a:t>Honeywell 6000</a:t>
                       </a:r>
                     </a:p>
                   </a:txBody>
-                  <a:tcPr anchor="ctr">
-                    <a:lnL>
-                      <a:noFill/>
-                    </a:lnL>
-                    <a:lnR>
-                      <a:noFill/>
-                    </a:lnR>
-                    <a:lnT>
-                      <a:noFill/>
-                    </a:lnT>
-                    <a:lnB>
-                      <a:noFill/>
-                    </a:lnB>
-                  </a:tcPr>
+                  <a:tcPr marL="101904" marR="101904" marT="50952" marB="50952" anchor="ctr"/>
                 </a:tc>
                 <a:tc>
                   <a:txBody>
@@ -3823,27 +5596,14 @@
                     <a:p>
                       <a:pPr algn="ctr"/>
                       <a:r>
-                        <a:rPr lang="en-US">
+                        <a:rPr lang="en-US" sz="2000">
                           <a:effectLst/>
                         </a:rPr>
                         <a:t>IBM 370</a:t>
                       </a:r>
                     </a:p>
                   </a:txBody>
-                  <a:tcPr anchor="ctr">
-                    <a:lnL>
-                      <a:noFill/>
-                    </a:lnL>
-                    <a:lnR>
-                      <a:noFill/>
-                    </a:lnR>
-                    <a:lnT>
-                      <a:noFill/>
-                    </a:lnT>
-                    <a:lnB>
-                      <a:noFill/>
-                    </a:lnB>
-                  </a:tcPr>
+                  <a:tcPr marL="101904" marR="101904" marT="50952" marB="50952" anchor="ctr"/>
                 </a:tc>
                 <a:tc>
                   <a:txBody>
@@ -3852,27 +5612,14 @@
                     <a:p>
                       <a:pPr algn="ctr"/>
                       <a:r>
-                        <a:rPr lang="en-US">
+                        <a:rPr lang="en-US" sz="2000">
                           <a:effectLst/>
                         </a:rPr>
                         <a:t>Interdata 8/32</a:t>
                       </a:r>
                     </a:p>
                   </a:txBody>
-                  <a:tcPr anchor="ctr">
-                    <a:lnL>
-                      <a:noFill/>
-                    </a:lnL>
-                    <a:lnR>
-                      <a:noFill/>
-                    </a:lnR>
-                    <a:lnT>
-                      <a:noFill/>
-                    </a:lnT>
-                    <a:lnB>
-                      <a:noFill/>
-                    </a:lnB>
-                  </a:tcPr>
+                  <a:tcPr marL="101904" marR="101904" marT="50952" marB="50952" anchor="ctr"/>
                 </a:tc>
                 <a:extLst>
                   <a:ext uri="{0D108BD9-81ED-4DB2-BD59-A6C34878D82A}">
@@ -3880,29 +5627,16 @@
                   </a:ext>
                 </a:extLst>
               </a:tr>
-              <a:tr h="174029">
+              <a:tr h="448380">
                 <a:tc>
                   <a:txBody>
                     <a:bodyPr/>
                     <a:lstStyle/>
                     <a:p>
-                      <a:endParaRPr lang="en-US"/>
+                      <a:endParaRPr lang="en-US" sz="2000"/>
                     </a:p>
                   </a:txBody>
-                  <a:tcPr anchor="ctr">
-                    <a:lnL>
-                      <a:noFill/>
-                    </a:lnL>
-                    <a:lnR>
-                      <a:noFill/>
-                    </a:lnR>
-                    <a:lnT>
-                      <a:noFill/>
-                    </a:lnT>
-                    <a:lnB>
-                      <a:noFill/>
-                    </a:lnB>
-                  </a:tcPr>
+                  <a:tcPr marL="101904" marR="101904" marT="50952" marB="50952" anchor="ctr"/>
                 </a:tc>
                 <a:tc>
                   <a:txBody>
@@ -3911,27 +5645,14 @@
                     <a:p>
                       <a:pPr algn="ctr"/>
                       <a:r>
-                        <a:rPr lang="en-US">
+                        <a:rPr lang="en-US" sz="2000">
                           <a:effectLst/>
                         </a:rPr>
                         <a:t>ASCII</a:t>
                       </a:r>
                     </a:p>
                   </a:txBody>
-                  <a:tcPr anchor="ctr">
-                    <a:lnL>
-                      <a:noFill/>
-                    </a:lnL>
-                    <a:lnR>
-                      <a:noFill/>
-                    </a:lnR>
-                    <a:lnT>
-                      <a:noFill/>
-                    </a:lnT>
-                    <a:lnB>
-                      <a:noFill/>
-                    </a:lnB>
-                  </a:tcPr>
+                  <a:tcPr marL="101904" marR="101904" marT="50952" marB="50952" anchor="ctr"/>
                 </a:tc>
                 <a:tc>
                   <a:txBody>
@@ -3940,27 +5661,14 @@
                     <a:p>
                       <a:pPr algn="ctr"/>
                       <a:r>
-                        <a:rPr lang="en-US">
+                        <a:rPr lang="en-US" sz="2000">
                           <a:effectLst/>
                         </a:rPr>
                         <a:t>ASCII</a:t>
                       </a:r>
                     </a:p>
                   </a:txBody>
-                  <a:tcPr anchor="ctr">
-                    <a:lnL>
-                      <a:noFill/>
-                    </a:lnL>
-                    <a:lnR>
-                      <a:noFill/>
-                    </a:lnR>
-                    <a:lnT>
-                      <a:noFill/>
-                    </a:lnT>
-                    <a:lnB>
-                      <a:noFill/>
-                    </a:lnB>
-                  </a:tcPr>
+                  <a:tcPr marL="101904" marR="101904" marT="50952" marB="50952" anchor="ctr"/>
                 </a:tc>
                 <a:tc>
                   <a:txBody>
@@ -3969,27 +5677,14 @@
                     <a:p>
                       <a:pPr algn="ctr"/>
                       <a:r>
-                        <a:rPr lang="en-US">
+                        <a:rPr lang="en-US" sz="2000">
                           <a:effectLst/>
                         </a:rPr>
                         <a:t>EBCDIC</a:t>
                       </a:r>
                     </a:p>
                   </a:txBody>
-                  <a:tcPr anchor="ctr">
-                    <a:lnL>
-                      <a:noFill/>
-                    </a:lnL>
-                    <a:lnR>
-                      <a:noFill/>
-                    </a:lnR>
-                    <a:lnT>
-                      <a:noFill/>
-                    </a:lnT>
-                    <a:lnB>
-                      <a:noFill/>
-                    </a:lnB>
-                  </a:tcPr>
+                  <a:tcPr marL="101904" marR="101904" marT="50952" marB="50952" anchor="ctr"/>
                 </a:tc>
                 <a:tc>
                   <a:txBody>
@@ -3998,27 +5693,14 @@
                     <a:p>
                       <a:pPr algn="ctr"/>
                       <a:r>
-                        <a:rPr lang="en-US">
+                        <a:rPr lang="en-US" sz="2000">
                           <a:effectLst/>
                         </a:rPr>
                         <a:t>ASCII</a:t>
                       </a:r>
                     </a:p>
                   </a:txBody>
-                  <a:tcPr anchor="ctr">
-                    <a:lnL>
-                      <a:noFill/>
-                    </a:lnL>
-                    <a:lnR>
-                      <a:noFill/>
-                    </a:lnR>
-                    <a:lnT>
-                      <a:noFill/>
-                    </a:lnT>
-                    <a:lnB>
-                      <a:noFill/>
-                    </a:lnB>
-                  </a:tcPr>
+                  <a:tcPr marL="101904" marR="101904" marT="50952" marB="50952" anchor="ctr"/>
                 </a:tc>
                 <a:extLst>
                   <a:ext uri="{0D108BD9-81ED-4DB2-BD59-A6C34878D82A}">
@@ -4026,32 +5708,19 @@
                   </a:ext>
                 </a:extLst>
               </a:tr>
-              <a:tr h="174029">
+              <a:tr h="448380">
                 <a:tc>
                   <a:txBody>
                     <a:bodyPr/>
                     <a:lstStyle/>
                     <a:p>
                       <a:r>
-                        <a:rPr lang="en-US"/>
+                        <a:rPr lang="en-US" sz="2000"/>
                         <a:t>char</a:t>
                       </a:r>
                     </a:p>
                   </a:txBody>
-                  <a:tcPr anchor="ctr">
-                    <a:lnL>
-                      <a:noFill/>
-                    </a:lnL>
-                    <a:lnR>
-                      <a:noFill/>
-                    </a:lnR>
-                    <a:lnT>
-                      <a:noFill/>
-                    </a:lnT>
-                    <a:lnB>
-                      <a:noFill/>
-                    </a:lnB>
-                  </a:tcPr>
+                  <a:tcPr marL="101904" marR="101904" marT="50952" marB="50952" anchor="ctr"/>
                 </a:tc>
                 <a:tc>
                   <a:txBody>
@@ -4060,27 +5729,14 @@
                     <a:p>
                       <a:pPr algn="ctr"/>
                       <a:r>
-                        <a:rPr lang="en-US">
+                        <a:rPr lang="en-US" sz="2000">
                           <a:effectLst/>
                         </a:rPr>
                         <a:t>8 bits</a:t>
                       </a:r>
                     </a:p>
                   </a:txBody>
-                  <a:tcPr anchor="ctr">
-                    <a:lnL>
-                      <a:noFill/>
-                    </a:lnL>
-                    <a:lnR>
-                      <a:noFill/>
-                    </a:lnR>
-                    <a:lnT>
-                      <a:noFill/>
-                    </a:lnT>
-                    <a:lnB>
-                      <a:noFill/>
-                    </a:lnB>
-                  </a:tcPr>
+                  <a:tcPr marL="101904" marR="101904" marT="50952" marB="50952" anchor="ctr"/>
                 </a:tc>
                 <a:tc>
                   <a:txBody>
@@ -4089,27 +5745,14 @@
                     <a:p>
                       <a:pPr algn="ctr"/>
                       <a:r>
-                        <a:rPr lang="en-US">
+                        <a:rPr lang="en-US" sz="2000">
                           <a:effectLst/>
                         </a:rPr>
                         <a:t>9 bits</a:t>
                       </a:r>
                     </a:p>
                   </a:txBody>
-                  <a:tcPr anchor="ctr">
-                    <a:lnL>
-                      <a:noFill/>
-                    </a:lnL>
-                    <a:lnR>
-                      <a:noFill/>
-                    </a:lnR>
-                    <a:lnT>
-                      <a:noFill/>
-                    </a:lnT>
-                    <a:lnB>
-                      <a:noFill/>
-                    </a:lnB>
-                  </a:tcPr>
+                  <a:tcPr marL="101904" marR="101904" marT="50952" marB="50952" anchor="ctr"/>
                 </a:tc>
                 <a:tc>
                   <a:txBody>
@@ -4118,27 +5761,14 @@
                     <a:p>
                       <a:pPr algn="ctr"/>
                       <a:r>
-                        <a:rPr lang="en-US">
+                        <a:rPr lang="en-US" sz="2000">
                           <a:effectLst/>
                         </a:rPr>
                         <a:t>8 bits</a:t>
                       </a:r>
                     </a:p>
                   </a:txBody>
-                  <a:tcPr anchor="ctr">
-                    <a:lnL>
-                      <a:noFill/>
-                    </a:lnL>
-                    <a:lnR>
-                      <a:noFill/>
-                    </a:lnR>
-                    <a:lnT>
-                      <a:noFill/>
-                    </a:lnT>
-                    <a:lnB>
-                      <a:noFill/>
-                    </a:lnB>
-                  </a:tcPr>
+                  <a:tcPr marL="101904" marR="101904" marT="50952" marB="50952" anchor="ctr"/>
                 </a:tc>
                 <a:tc>
                   <a:txBody>
@@ -4147,27 +5777,14 @@
                     <a:p>
                       <a:pPr algn="ctr"/>
                       <a:r>
-                        <a:rPr lang="en-US">
+                        <a:rPr lang="en-US" sz="2000">
                           <a:effectLst/>
                         </a:rPr>
                         <a:t>8 bits</a:t>
                       </a:r>
                     </a:p>
                   </a:txBody>
-                  <a:tcPr anchor="ctr">
-                    <a:lnL>
-                      <a:noFill/>
-                    </a:lnL>
-                    <a:lnR>
-                      <a:noFill/>
-                    </a:lnR>
-                    <a:lnT>
-                      <a:noFill/>
-                    </a:lnT>
-                    <a:lnB>
-                      <a:noFill/>
-                    </a:lnB>
-                  </a:tcPr>
+                  <a:tcPr marL="101904" marR="101904" marT="50952" marB="50952" anchor="ctr"/>
                 </a:tc>
                 <a:extLst>
                   <a:ext uri="{0D108BD9-81ED-4DB2-BD59-A6C34878D82A}">
@@ -4175,32 +5792,19 @@
                   </a:ext>
                 </a:extLst>
               </a:tr>
-              <a:tr h="174029">
+              <a:tr h="448380">
                 <a:tc>
                   <a:txBody>
                     <a:bodyPr/>
                     <a:lstStyle/>
                     <a:p>
                       <a:r>
-                        <a:rPr lang="en-US"/>
+                        <a:rPr lang="en-US" sz="2000"/>
                         <a:t>int</a:t>
                       </a:r>
                     </a:p>
                   </a:txBody>
-                  <a:tcPr anchor="ctr">
-                    <a:lnL>
-                      <a:noFill/>
-                    </a:lnL>
-                    <a:lnR>
-                      <a:noFill/>
-                    </a:lnR>
-                    <a:lnT>
-                      <a:noFill/>
-                    </a:lnT>
-                    <a:lnB>
-                      <a:noFill/>
-                    </a:lnB>
-                  </a:tcPr>
+                  <a:tcPr marL="101904" marR="101904" marT="50952" marB="50952" anchor="ctr"/>
                 </a:tc>
                 <a:tc>
                   <a:txBody>
@@ -4209,27 +5813,17 @@
                     <a:p>
                       <a:pPr algn="ctr"/>
                       <a:r>
-                        <a:rPr lang="en-US">
+                        <a:rPr lang="en-US" sz="2000" dirty="0">
                           <a:effectLst/>
+                          <a:highlight>
+                            <a:srgbClr val="FFFF00"/>
+                          </a:highlight>
                         </a:rPr>
                         <a:t>16</a:t>
                       </a:r>
                     </a:p>
                   </a:txBody>
-                  <a:tcPr anchor="ctr">
-                    <a:lnL>
-                      <a:noFill/>
-                    </a:lnL>
-                    <a:lnR>
-                      <a:noFill/>
-                    </a:lnR>
-                    <a:lnT>
-                      <a:noFill/>
-                    </a:lnT>
-                    <a:lnB>
-                      <a:noFill/>
-                    </a:lnB>
-                  </a:tcPr>
+                  <a:tcPr marL="101904" marR="101904" marT="50952" marB="50952" anchor="ctr"/>
                 </a:tc>
                 <a:tc>
                   <a:txBody>
@@ -4238,27 +5832,17 @@
                     <a:p>
                       <a:pPr algn="ctr"/>
                       <a:r>
-                        <a:rPr lang="en-US">
+                        <a:rPr lang="en-US" sz="2000">
                           <a:effectLst/>
+                          <a:highlight>
+                            <a:srgbClr val="00FF00"/>
+                          </a:highlight>
                         </a:rPr>
                         <a:t>36</a:t>
                       </a:r>
                     </a:p>
                   </a:txBody>
-                  <a:tcPr anchor="ctr">
-                    <a:lnL>
-                      <a:noFill/>
-                    </a:lnL>
-                    <a:lnR>
-                      <a:noFill/>
-                    </a:lnR>
-                    <a:lnT>
-                      <a:noFill/>
-                    </a:lnT>
-                    <a:lnB>
-                      <a:noFill/>
-                    </a:lnB>
-                  </a:tcPr>
+                  <a:tcPr marL="101904" marR="101904" marT="50952" marB="50952" anchor="ctr"/>
                 </a:tc>
                 <a:tc>
                   <a:txBody>
@@ -4267,27 +5851,17 @@
                     <a:p>
                       <a:pPr algn="ctr"/>
                       <a:r>
-                        <a:rPr lang="en-US">
+                        <a:rPr lang="en-US" sz="2000">
                           <a:effectLst/>
+                          <a:highlight>
+                            <a:srgbClr val="00FF00"/>
+                          </a:highlight>
                         </a:rPr>
                         <a:t>32</a:t>
                       </a:r>
                     </a:p>
                   </a:txBody>
-                  <a:tcPr anchor="ctr">
-                    <a:lnL>
-                      <a:noFill/>
-                    </a:lnL>
-                    <a:lnR>
-                      <a:noFill/>
-                    </a:lnR>
-                    <a:lnT>
-                      <a:noFill/>
-                    </a:lnT>
-                    <a:lnB>
-                      <a:noFill/>
-                    </a:lnB>
-                  </a:tcPr>
+                  <a:tcPr marL="101904" marR="101904" marT="50952" marB="50952" anchor="ctr"/>
                 </a:tc>
                 <a:tc>
                   <a:txBody>
@@ -4296,27 +5870,17 @@
                     <a:p>
                       <a:pPr algn="ctr"/>
                       <a:r>
-                        <a:rPr lang="en-US">
+                        <a:rPr lang="en-US" sz="2000" dirty="0">
                           <a:effectLst/>
+                          <a:highlight>
+                            <a:srgbClr val="00FF00"/>
+                          </a:highlight>
                         </a:rPr>
                         <a:t>32</a:t>
                       </a:r>
                     </a:p>
                   </a:txBody>
-                  <a:tcPr anchor="ctr">
-                    <a:lnL>
-                      <a:noFill/>
-                    </a:lnL>
-                    <a:lnR>
-                      <a:noFill/>
-                    </a:lnR>
-                    <a:lnT>
-                      <a:noFill/>
-                    </a:lnT>
-                    <a:lnB>
-                      <a:noFill/>
-                    </a:lnB>
-                  </a:tcPr>
+                  <a:tcPr marL="101904" marR="101904" marT="50952" marB="50952" anchor="ctr"/>
                 </a:tc>
                 <a:extLst>
                   <a:ext uri="{0D108BD9-81ED-4DB2-BD59-A6C34878D82A}">
@@ -4324,32 +5888,19 @@
                   </a:ext>
                 </a:extLst>
               </a:tr>
-              <a:tr h="174029">
+              <a:tr h="448380">
                 <a:tc>
                   <a:txBody>
                     <a:bodyPr/>
                     <a:lstStyle/>
                     <a:p>
                       <a:r>
-                        <a:rPr lang="en-US"/>
+                        <a:rPr lang="en-US" sz="2000"/>
                         <a:t>short</a:t>
                       </a:r>
                     </a:p>
                   </a:txBody>
-                  <a:tcPr anchor="ctr">
-                    <a:lnL>
-                      <a:noFill/>
-                    </a:lnL>
-                    <a:lnR>
-                      <a:noFill/>
-                    </a:lnR>
-                    <a:lnT>
-                      <a:noFill/>
-                    </a:lnT>
-                    <a:lnB>
-                      <a:noFill/>
-                    </a:lnB>
-                  </a:tcPr>
+                  <a:tcPr marL="101904" marR="101904" marT="50952" marB="50952" anchor="ctr"/>
                 </a:tc>
                 <a:tc>
                   <a:txBody>
@@ -4358,27 +5909,14 @@
                     <a:p>
                       <a:pPr algn="ctr"/>
                       <a:r>
-                        <a:rPr lang="en-US">
+                        <a:rPr lang="en-US" sz="2000">
                           <a:effectLst/>
                         </a:rPr>
                         <a:t>16</a:t>
                       </a:r>
                     </a:p>
                   </a:txBody>
-                  <a:tcPr anchor="ctr">
-                    <a:lnL>
-                      <a:noFill/>
-                    </a:lnL>
-                    <a:lnR>
-                      <a:noFill/>
-                    </a:lnR>
-                    <a:lnT>
-                      <a:noFill/>
-                    </a:lnT>
-                    <a:lnB>
-                      <a:noFill/>
-                    </a:lnB>
-                  </a:tcPr>
+                  <a:tcPr marL="101904" marR="101904" marT="50952" marB="50952" anchor="ctr"/>
                 </a:tc>
                 <a:tc>
                   <a:txBody>
@@ -4387,27 +5925,14 @@
                     <a:p>
                       <a:pPr algn="ctr"/>
                       <a:r>
-                        <a:rPr lang="en-US">
+                        <a:rPr lang="en-US" sz="2000">
                           <a:effectLst/>
                         </a:rPr>
                         <a:t>36</a:t>
                       </a:r>
                     </a:p>
                   </a:txBody>
-                  <a:tcPr anchor="ctr">
-                    <a:lnL>
-                      <a:noFill/>
-                    </a:lnL>
-                    <a:lnR>
-                      <a:noFill/>
-                    </a:lnR>
-                    <a:lnT>
-                      <a:noFill/>
-                    </a:lnT>
-                    <a:lnB>
-                      <a:noFill/>
-                    </a:lnB>
-                  </a:tcPr>
+                  <a:tcPr marL="101904" marR="101904" marT="50952" marB="50952" anchor="ctr"/>
                 </a:tc>
                 <a:tc>
                   <a:txBody>
@@ -4416,27 +5941,14 @@
                     <a:p>
                       <a:pPr algn="ctr"/>
                       <a:r>
-                        <a:rPr lang="en-US">
+                        <a:rPr lang="en-US" sz="2000">
                           <a:effectLst/>
                         </a:rPr>
                         <a:t>16</a:t>
                       </a:r>
                     </a:p>
                   </a:txBody>
-                  <a:tcPr anchor="ctr">
-                    <a:lnL>
-                      <a:noFill/>
-                    </a:lnL>
-                    <a:lnR>
-                      <a:noFill/>
-                    </a:lnR>
-                    <a:lnT>
-                      <a:noFill/>
-                    </a:lnT>
-                    <a:lnB>
-                      <a:noFill/>
-                    </a:lnB>
-                  </a:tcPr>
+                  <a:tcPr marL="101904" marR="101904" marT="50952" marB="50952" anchor="ctr"/>
                 </a:tc>
                 <a:tc>
                   <a:txBody>
@@ -4445,27 +5957,14 @@
                     <a:p>
                       <a:pPr algn="ctr"/>
                       <a:r>
-                        <a:rPr lang="en-US">
+                        <a:rPr lang="en-US" sz="2000">
                           <a:effectLst/>
                         </a:rPr>
                         <a:t>16</a:t>
                       </a:r>
                     </a:p>
                   </a:txBody>
-                  <a:tcPr anchor="ctr">
-                    <a:lnL>
-                      <a:noFill/>
-                    </a:lnL>
-                    <a:lnR>
-                      <a:noFill/>
-                    </a:lnR>
-                    <a:lnT>
-                      <a:noFill/>
-                    </a:lnT>
-                    <a:lnB>
-                      <a:noFill/>
-                    </a:lnB>
-                  </a:tcPr>
+                  <a:tcPr marL="101904" marR="101904" marT="50952" marB="50952" anchor="ctr"/>
                 </a:tc>
                 <a:extLst>
                   <a:ext uri="{0D108BD9-81ED-4DB2-BD59-A6C34878D82A}">
@@ -4473,32 +5972,19 @@
                   </a:ext>
                 </a:extLst>
               </a:tr>
-              <a:tr h="174029">
+              <a:tr h="448380">
                 <a:tc>
                   <a:txBody>
                     <a:bodyPr/>
                     <a:lstStyle/>
                     <a:p>
                       <a:r>
-                        <a:rPr lang="en-US"/>
+                        <a:rPr lang="en-US" sz="2000"/>
                         <a:t>long</a:t>
                       </a:r>
                     </a:p>
                   </a:txBody>
-                  <a:tcPr anchor="ctr">
-                    <a:lnL>
-                      <a:noFill/>
-                    </a:lnL>
-                    <a:lnR>
-                      <a:noFill/>
-                    </a:lnR>
-                    <a:lnT>
-                      <a:noFill/>
-                    </a:lnT>
-                    <a:lnB>
-                      <a:noFill/>
-                    </a:lnB>
-                  </a:tcPr>
+                  <a:tcPr marL="101904" marR="101904" marT="50952" marB="50952" anchor="ctr"/>
                 </a:tc>
                 <a:tc>
                   <a:txBody>
@@ -4507,27 +5993,14 @@
                     <a:p>
                       <a:pPr algn="ctr"/>
                       <a:r>
-                        <a:rPr lang="en-US">
+                        <a:rPr lang="en-US" sz="2000">
                           <a:effectLst/>
                         </a:rPr>
                         <a:t>32</a:t>
                       </a:r>
                     </a:p>
                   </a:txBody>
-                  <a:tcPr anchor="ctr">
-                    <a:lnL>
-                      <a:noFill/>
-                    </a:lnL>
-                    <a:lnR>
-                      <a:noFill/>
-                    </a:lnR>
-                    <a:lnT>
-                      <a:noFill/>
-                    </a:lnT>
-                    <a:lnB>
-                      <a:noFill/>
-                    </a:lnB>
-                  </a:tcPr>
+                  <a:tcPr marL="101904" marR="101904" marT="50952" marB="50952" anchor="ctr"/>
                 </a:tc>
                 <a:tc>
                   <a:txBody>
@@ -4536,27 +6009,14 @@
                     <a:p>
                       <a:pPr algn="ctr"/>
                       <a:r>
-                        <a:rPr lang="en-US">
+                        <a:rPr lang="en-US" sz="2000">
                           <a:effectLst/>
                         </a:rPr>
                         <a:t>36</a:t>
                       </a:r>
                     </a:p>
                   </a:txBody>
-                  <a:tcPr anchor="ctr">
-                    <a:lnL>
-                      <a:noFill/>
-                    </a:lnL>
-                    <a:lnR>
-                      <a:noFill/>
-                    </a:lnR>
-                    <a:lnT>
-                      <a:noFill/>
-                    </a:lnT>
-                    <a:lnB>
-                      <a:noFill/>
-                    </a:lnB>
-                  </a:tcPr>
+                  <a:tcPr marL="101904" marR="101904" marT="50952" marB="50952" anchor="ctr"/>
                 </a:tc>
                 <a:tc>
                   <a:txBody>
@@ -4565,27 +6025,14 @@
                     <a:p>
                       <a:pPr algn="ctr"/>
                       <a:r>
-                        <a:rPr lang="en-US">
+                        <a:rPr lang="en-US" sz="2000">
                           <a:effectLst/>
                         </a:rPr>
                         <a:t>32</a:t>
                       </a:r>
                     </a:p>
                   </a:txBody>
-                  <a:tcPr anchor="ctr">
-                    <a:lnL>
-                      <a:noFill/>
-                    </a:lnL>
-                    <a:lnR>
-                      <a:noFill/>
-                    </a:lnR>
-                    <a:lnT>
-                      <a:noFill/>
-                    </a:lnT>
-                    <a:lnB>
-                      <a:noFill/>
-                    </a:lnB>
-                  </a:tcPr>
+                  <a:tcPr marL="101904" marR="101904" marT="50952" marB="50952" anchor="ctr"/>
                 </a:tc>
                 <a:tc>
                   <a:txBody>
@@ -4594,27 +6041,14 @@
                     <a:p>
                       <a:pPr algn="ctr"/>
                       <a:r>
-                        <a:rPr lang="en-US">
+                        <a:rPr lang="en-US" sz="2000">
                           <a:effectLst/>
                         </a:rPr>
                         <a:t>32</a:t>
                       </a:r>
                     </a:p>
                   </a:txBody>
-                  <a:tcPr anchor="ctr">
-                    <a:lnL>
-                      <a:noFill/>
-                    </a:lnL>
-                    <a:lnR>
-                      <a:noFill/>
-                    </a:lnR>
-                    <a:lnT>
-                      <a:noFill/>
-                    </a:lnT>
-                    <a:lnB>
-                      <a:noFill/>
-                    </a:lnB>
-                  </a:tcPr>
+                  <a:tcPr marL="101904" marR="101904" marT="50952" marB="50952" anchor="ctr"/>
                 </a:tc>
                 <a:extLst>
                   <a:ext uri="{0D108BD9-81ED-4DB2-BD59-A6C34878D82A}">
@@ -4622,32 +6056,19 @@
                   </a:ext>
                 </a:extLst>
               </a:tr>
-              <a:tr h="174029">
+              <a:tr h="448380">
                 <a:tc>
                   <a:txBody>
                     <a:bodyPr/>
                     <a:lstStyle/>
                     <a:p>
                       <a:r>
-                        <a:rPr lang="en-US"/>
+                        <a:rPr lang="en-US" sz="2000"/>
                         <a:t>float</a:t>
                       </a:r>
                     </a:p>
                   </a:txBody>
-                  <a:tcPr anchor="ctr">
-                    <a:lnL>
-                      <a:noFill/>
-                    </a:lnL>
-                    <a:lnR>
-                      <a:noFill/>
-                    </a:lnR>
-                    <a:lnT>
-                      <a:noFill/>
-                    </a:lnT>
-                    <a:lnB>
-                      <a:noFill/>
-                    </a:lnB>
-                  </a:tcPr>
+                  <a:tcPr marL="101904" marR="101904" marT="50952" marB="50952" anchor="ctr"/>
                 </a:tc>
                 <a:tc>
                   <a:txBody>
@@ -4656,27 +6077,14 @@
                     <a:p>
                       <a:pPr algn="ctr"/>
                       <a:r>
-                        <a:rPr lang="en-US">
+                        <a:rPr lang="en-US" sz="2000">
                           <a:effectLst/>
                         </a:rPr>
                         <a:t>32</a:t>
                       </a:r>
                     </a:p>
                   </a:txBody>
-                  <a:tcPr anchor="ctr">
-                    <a:lnL>
-                      <a:noFill/>
-                    </a:lnL>
-                    <a:lnR>
-                      <a:noFill/>
-                    </a:lnR>
-                    <a:lnT>
-                      <a:noFill/>
-                    </a:lnT>
-                    <a:lnB>
-                      <a:noFill/>
-                    </a:lnB>
-                  </a:tcPr>
+                  <a:tcPr marL="101904" marR="101904" marT="50952" marB="50952" anchor="ctr"/>
                 </a:tc>
                 <a:tc>
                   <a:txBody>
@@ -4685,27 +6093,14 @@
                     <a:p>
                       <a:pPr algn="ctr"/>
                       <a:r>
-                        <a:rPr lang="en-US">
+                        <a:rPr lang="en-US" sz="2000">
                           <a:effectLst/>
                         </a:rPr>
                         <a:t>36</a:t>
                       </a:r>
                     </a:p>
                   </a:txBody>
-                  <a:tcPr anchor="ctr">
-                    <a:lnL>
-                      <a:noFill/>
-                    </a:lnL>
-                    <a:lnR>
-                      <a:noFill/>
-                    </a:lnR>
-                    <a:lnT>
-                      <a:noFill/>
-                    </a:lnT>
-                    <a:lnB>
-                      <a:noFill/>
-                    </a:lnB>
-                  </a:tcPr>
+                  <a:tcPr marL="101904" marR="101904" marT="50952" marB="50952" anchor="ctr"/>
                 </a:tc>
                 <a:tc>
                   <a:txBody>
@@ -4714,27 +6109,14 @@
                     <a:p>
                       <a:pPr algn="ctr"/>
                       <a:r>
-                        <a:rPr lang="en-US">
+                        <a:rPr lang="en-US" sz="2000">
                           <a:effectLst/>
                         </a:rPr>
                         <a:t>32</a:t>
                       </a:r>
                     </a:p>
                   </a:txBody>
-                  <a:tcPr anchor="ctr">
-                    <a:lnL>
-                      <a:noFill/>
-                    </a:lnL>
-                    <a:lnR>
-                      <a:noFill/>
-                    </a:lnR>
-                    <a:lnT>
-                      <a:noFill/>
-                    </a:lnT>
-                    <a:lnB>
-                      <a:noFill/>
-                    </a:lnB>
-                  </a:tcPr>
+                  <a:tcPr marL="101904" marR="101904" marT="50952" marB="50952" anchor="ctr"/>
                 </a:tc>
                 <a:tc>
                   <a:txBody>
@@ -4743,27 +6125,14 @@
                     <a:p>
                       <a:pPr algn="ctr"/>
                       <a:r>
-                        <a:rPr lang="en-US" dirty="0">
+                        <a:rPr lang="en-US" sz="2000">
                           <a:effectLst/>
                         </a:rPr>
                         <a:t>32</a:t>
                       </a:r>
                     </a:p>
                   </a:txBody>
-                  <a:tcPr anchor="ctr">
-                    <a:lnL>
-                      <a:noFill/>
-                    </a:lnL>
-                    <a:lnR>
-                      <a:noFill/>
-                    </a:lnR>
-                    <a:lnT>
-                      <a:noFill/>
-                    </a:lnT>
-                    <a:lnB>
-                      <a:noFill/>
-                    </a:lnB>
-                  </a:tcPr>
+                  <a:tcPr marL="101904" marR="101904" marT="50952" marB="50952" anchor="ctr"/>
                 </a:tc>
                 <a:extLst>
                   <a:ext uri="{0D108BD9-81ED-4DB2-BD59-A6C34878D82A}">
@@ -4771,32 +6140,19 @@
                   </a:ext>
                 </a:extLst>
               </a:tr>
-              <a:tr h="174029">
+              <a:tr h="448380">
                 <a:tc>
                   <a:txBody>
                     <a:bodyPr/>
                     <a:lstStyle/>
                     <a:p>
                       <a:r>
-                        <a:rPr lang="en-US"/>
+                        <a:rPr lang="en-US" sz="2000"/>
                         <a:t>double</a:t>
                       </a:r>
                     </a:p>
                   </a:txBody>
-                  <a:tcPr anchor="ctr">
-                    <a:lnL>
-                      <a:noFill/>
-                    </a:lnL>
-                    <a:lnR>
-                      <a:noFill/>
-                    </a:lnR>
-                    <a:lnT>
-                      <a:noFill/>
-                    </a:lnT>
-                    <a:lnB>
-                      <a:noFill/>
-                    </a:lnB>
-                  </a:tcPr>
+                  <a:tcPr marL="101904" marR="101904" marT="50952" marB="50952" anchor="ctr"/>
                 </a:tc>
                 <a:tc>
                   <a:txBody>
@@ -4805,27 +6161,14 @@
                     <a:p>
                       <a:pPr algn="ctr"/>
                       <a:r>
-                        <a:rPr lang="en-US">
+                        <a:rPr lang="en-US" sz="2000">
                           <a:effectLst/>
                         </a:rPr>
                         <a:t>64</a:t>
                       </a:r>
                     </a:p>
                   </a:txBody>
-                  <a:tcPr anchor="ctr">
-                    <a:lnL>
-                      <a:noFill/>
-                    </a:lnL>
-                    <a:lnR>
-                      <a:noFill/>
-                    </a:lnR>
-                    <a:lnT>
-                      <a:noFill/>
-                    </a:lnT>
-                    <a:lnB>
-                      <a:noFill/>
-                    </a:lnB>
-                  </a:tcPr>
+                  <a:tcPr marL="101904" marR="101904" marT="50952" marB="50952" anchor="ctr"/>
                 </a:tc>
                 <a:tc>
                   <a:txBody>
@@ -4834,27 +6177,14 @@
                     <a:p>
                       <a:pPr algn="ctr"/>
                       <a:r>
-                        <a:rPr lang="en-US">
+                        <a:rPr lang="en-US" sz="2000">
                           <a:effectLst/>
                         </a:rPr>
                         <a:t>72</a:t>
                       </a:r>
                     </a:p>
                   </a:txBody>
-                  <a:tcPr anchor="ctr">
-                    <a:lnL>
-                      <a:noFill/>
-                    </a:lnL>
-                    <a:lnR>
-                      <a:noFill/>
-                    </a:lnR>
-                    <a:lnT>
-                      <a:noFill/>
-                    </a:lnT>
-                    <a:lnB>
-                      <a:noFill/>
-                    </a:lnB>
-                  </a:tcPr>
+                  <a:tcPr marL="101904" marR="101904" marT="50952" marB="50952" anchor="ctr"/>
                 </a:tc>
                 <a:tc>
                   <a:txBody>
@@ -4863,27 +6193,14 @@
                     <a:p>
                       <a:pPr algn="ctr"/>
                       <a:r>
-                        <a:rPr lang="en-US">
+                        <a:rPr lang="en-US" sz="2000">
                           <a:effectLst/>
                         </a:rPr>
                         <a:t>64</a:t>
                       </a:r>
                     </a:p>
                   </a:txBody>
-                  <a:tcPr anchor="ctr">
-                    <a:lnL>
-                      <a:noFill/>
-                    </a:lnL>
-                    <a:lnR>
-                      <a:noFill/>
-                    </a:lnR>
-                    <a:lnT>
-                      <a:noFill/>
-                    </a:lnT>
-                    <a:lnB>
-                      <a:noFill/>
-                    </a:lnB>
-                  </a:tcPr>
+                  <a:tcPr marL="101904" marR="101904" marT="50952" marB="50952" anchor="ctr"/>
                 </a:tc>
                 <a:tc>
                   <a:txBody>
@@ -4892,27 +6209,14 @@
                     <a:p>
                       <a:pPr algn="ctr"/>
                       <a:r>
-                        <a:rPr lang="en-US" dirty="0">
+                        <a:rPr lang="en-US" sz="2000">
                           <a:effectLst/>
                         </a:rPr>
                         <a:t>64</a:t>
                       </a:r>
                     </a:p>
                   </a:txBody>
-                  <a:tcPr anchor="ctr">
-                    <a:lnL>
-                      <a:noFill/>
-                    </a:lnL>
-                    <a:lnR>
-                      <a:noFill/>
-                    </a:lnR>
-                    <a:lnT>
-                      <a:noFill/>
-                    </a:lnT>
-                    <a:lnB>
-                      <a:noFill/>
-                    </a:lnB>
-                  </a:tcPr>
+                  <a:tcPr marL="101904" marR="101904" marT="50952" marB="50952" anchor="ctr"/>
                 </a:tc>
                 <a:extLst>
                   <a:ext uri="{0D108BD9-81ED-4DB2-BD59-A6C34878D82A}">
@@ -4920,10 +6224,140 @@
                   </a:ext>
                 </a:extLst>
               </a:tr>
+              <a:tr h="448380">
+                <a:tc>
+                  <a:txBody>
+                    <a:bodyPr/>
+                    <a:lstStyle/>
+                    <a:p>
+                      <a:r>
+                        <a:rPr lang="en-US" sz="2000">
+                          <a:highlight>
+                            <a:srgbClr val="00FFFF"/>
+                          </a:highlight>
+                        </a:rPr>
+                        <a:t>address</a:t>
+                      </a:r>
+                    </a:p>
+                  </a:txBody>
+                  <a:tcPr marL="101904" marR="101904" marT="50952" marB="50952" anchor="ctr"/>
+                </a:tc>
+                <a:tc>
+                  <a:txBody>
+                    <a:bodyPr/>
+                    <a:lstStyle/>
+                    <a:p>
+                      <a:pPr algn="ctr"/>
+                      <a:r>
+                        <a:rPr lang="en-US" sz="2000">
+                          <a:effectLst/>
+                          <a:highlight>
+                            <a:srgbClr val="00FFFF"/>
+                          </a:highlight>
+                        </a:rPr>
+                        <a:t>16-32</a:t>
+                      </a:r>
+                    </a:p>
+                  </a:txBody>
+                  <a:tcPr marL="101904" marR="101904" marT="50952" marB="50952" anchor="ctr"/>
+                </a:tc>
+                <a:tc>
+                  <a:txBody>
+                    <a:bodyPr/>
+                    <a:lstStyle/>
+                    <a:p>
+                      <a:pPr algn="ctr"/>
+                      <a:r>
+                        <a:rPr lang="en-US" sz="2000">
+                          <a:effectLst/>
+                          <a:highlight>
+                            <a:srgbClr val="00FFFF"/>
+                          </a:highlight>
+                        </a:rPr>
+                        <a:t>19-32</a:t>
+                      </a:r>
+                    </a:p>
+                  </a:txBody>
+                  <a:tcPr marL="101904" marR="101904" marT="50952" marB="50952" anchor="ctr"/>
+                </a:tc>
+                <a:tc>
+                  <a:txBody>
+                    <a:bodyPr/>
+                    <a:lstStyle/>
+                    <a:p>
+                      <a:pPr algn="ctr"/>
+                      <a:r>
+                        <a:rPr lang="en-US" sz="2000">
+                          <a:effectLst/>
+                          <a:highlight>
+                            <a:srgbClr val="00FFFF"/>
+                          </a:highlight>
+                        </a:rPr>
+                        <a:t>24</a:t>
+                      </a:r>
+                    </a:p>
+                  </a:txBody>
+                  <a:tcPr marL="101904" marR="101904" marT="50952" marB="50952" anchor="ctr"/>
+                </a:tc>
+                <a:tc>
+                  <a:txBody>
+                    <a:bodyPr/>
+                    <a:lstStyle/>
+                    <a:p>
+                      <a:pPr algn="ctr"/>
+                      <a:r>
+                        <a:rPr lang="en-US" sz="2000" dirty="0">
+                          <a:effectLst/>
+                          <a:highlight>
+                            <a:srgbClr val="00FFFF"/>
+                          </a:highlight>
+                        </a:rPr>
+                        <a:t>20</a:t>
+                      </a:r>
+                    </a:p>
+                  </a:txBody>
+                  <a:tcPr marL="101904" marR="101904" marT="50952" marB="50952" anchor="ctr"/>
+                </a:tc>
+                <a:extLst>
+                  <a:ext uri="{0D108BD9-81ED-4DB2-BD59-A6C34878D82A}">
+                    <a16:rowId xmlns:a16="http://schemas.microsoft.com/office/drawing/2014/main" val="2615974671"/>
+                  </a:ext>
+                </a:extLst>
+              </a:tr>
             </a:tbl>
           </a:graphicData>
         </a:graphic>
       </p:graphicFrame>
+    </p:spTree>
+    <p:extLst>
+      <p:ext uri="{BB962C8B-B14F-4D97-AF65-F5344CB8AC3E}">
+        <p14:creationId xmlns:p14="http://schemas.microsoft.com/office/powerpoint/2010/main" val="496964535"/>
+      </p:ext>
+    </p:extLst>
+  </p:cSld>
+  <p:clrMapOvr>
+    <a:masterClrMapping/>
+  </p:clrMapOvr>
+</p:sld>
+</file>
+
+<file path=ppt/slides/slide7.xml><?xml version="1.0" encoding="utf-8"?>
+<p:sld xmlns:a="http://schemas.openxmlformats.org/drawingml/2006/main" xmlns:r="http://schemas.openxmlformats.org/officeDocument/2006/relationships" xmlns:p="http://schemas.openxmlformats.org/presentationml/2006/main">
+  <p:cSld>
+    <p:spTree>
+      <p:nvGrpSpPr>
+        <p:cNvPr id="1" name=""/>
+        <p:cNvGrpSpPr/>
+        <p:nvPr/>
+      </p:nvGrpSpPr>
+      <p:grpSpPr>
+        <a:xfrm>
+          <a:off x="0" y="0"/>
+          <a:ext cx="0" cy="0"/>
+          <a:chOff x="0" y="0"/>
+          <a:chExt cx="0" cy="0"/>
+        </a:xfrm>
+      </p:grpSpPr>
       <p:sp>
         <p:nvSpPr>
           <p:cNvPr id="5" name="Rectangle 1">
@@ -4993,6 +6427,98 @@
           </a:p>
         </p:txBody>
       </p:sp>
+      <p:sp>
+        <p:nvSpPr>
+          <p:cNvPr id="3" name="Title 2">
+            <a:extLst>
+              <a:ext uri="{FF2B5EF4-FFF2-40B4-BE49-F238E27FC236}">
+                <a16:creationId xmlns:a16="http://schemas.microsoft.com/office/drawing/2014/main" id="{4C5548AA-08DE-7F95-7D3C-C2753F35B271}"/>
+              </a:ext>
+            </a:extLst>
+          </p:cNvPr>
+          <p:cNvSpPr>
+            <a:spLocks noGrp="1"/>
+          </p:cNvSpPr>
+          <p:nvPr>
+            <p:ph type="title"/>
+          </p:nvPr>
+        </p:nvSpPr>
+        <p:spPr/>
+        <p:txBody>
+          <a:bodyPr/>
+          <a:lstStyle/>
+          <a:p>
+            <a:r>
+              <a:rPr lang="en-US" dirty="0"/>
+              <a:t>Treating Pointers as Integers almost works </a:t>
+            </a:r>
+            <a:r>
+              <a:rPr lang="en-US" dirty="0">
+                <a:sym typeface="Wingdings" pitchFamily="2" charset="2"/>
+              </a:rPr>
+              <a:t></a:t>
+            </a:r>
+            <a:endParaRPr lang="en-US" dirty="0"/>
+          </a:p>
+        </p:txBody>
+      </p:sp>
+      <p:sp>
+        <p:nvSpPr>
+          <p:cNvPr id="6" name="Content Placeholder 5">
+            <a:extLst>
+              <a:ext uri="{FF2B5EF4-FFF2-40B4-BE49-F238E27FC236}">
+                <a16:creationId xmlns:a16="http://schemas.microsoft.com/office/drawing/2014/main" id="{C7EE96BD-70F6-B13E-4C1A-2278E1E726DA}"/>
+              </a:ext>
+            </a:extLst>
+          </p:cNvPr>
+          <p:cNvSpPr>
+            <a:spLocks noGrp="1"/>
+          </p:cNvSpPr>
+          <p:nvPr>
+            <p:ph idx="1"/>
+          </p:nvPr>
+        </p:nvSpPr>
+        <p:spPr/>
+        <p:txBody>
+          <a:bodyPr>
+            <a:normAutofit lnSpcReduction="10000"/>
+          </a:bodyPr>
+          <a:lstStyle/>
+          <a:p>
+            <a:r>
+              <a:rPr lang="en-US" dirty="0"/>
+              <a:t>Addresses are positive numbers that start from zero</a:t>
+            </a:r>
+          </a:p>
+          <a:p>
+            <a:r>
+              <a:rPr lang="en-US" dirty="0"/>
+              <a:t>Most computers did not come with maximum memory installed</a:t>
+            </a:r>
+          </a:p>
+          <a:p>
+            <a:r>
+              <a:rPr lang="en-US" dirty="0"/>
+              <a:t>These multi-user computers only gave a fraction of the installed memory to any one running application</a:t>
+            </a:r>
+          </a:p>
+          <a:p>
+            <a:r>
+              <a:rPr lang="en-US" dirty="0"/>
+              <a:t>Early applications made judicious use of memory because it was in short supply</a:t>
+            </a:r>
+          </a:p>
+          <a:p>
+            <a:endParaRPr lang="en-US" dirty="0"/>
+          </a:p>
+          <a:p>
+            <a:r>
+              <a:rPr lang="en-US" dirty="0"/>
+              <a:t>Early 1970’s C applications could “get away” with having a function that returned a pointer, return it as an integer and then it would be copied into a pointer without conversion</a:t>
+            </a:r>
+          </a:p>
+        </p:txBody>
+      </p:sp>
     </p:spTree>
     <p:extLst>
       <p:ext uri="{BB962C8B-B14F-4D97-AF65-F5344CB8AC3E}">
@@ -5006,7 +6532,7 @@
 </p:sld>
 </file>
 
-<file path=ppt/slides/slide5.xml><?xml version="1.0" encoding="utf-8"?>
+<file path=ppt/slides/slide8.xml><?xml version="1.0" encoding="utf-8"?>
 <p:sld xmlns:a="http://schemas.openxmlformats.org/drawingml/2006/main" xmlns:r="http://schemas.openxmlformats.org/officeDocument/2006/relationships" xmlns:p="http://schemas.openxmlformats.org/presentationml/2006/main">
   <p:cSld>
     <p:spTree>
@@ -5025,10 +6551,10 @@
       </p:grpSpPr>
       <p:sp>
         <p:nvSpPr>
-          <p:cNvPr id="3" name="Title 2">
-            <a:extLst>
-              <a:ext uri="{FF2B5EF4-FFF2-40B4-BE49-F238E27FC236}">
-                <a16:creationId xmlns:a16="http://schemas.microsoft.com/office/drawing/2014/main" id="{26D5DF8A-3D98-DC7E-85E8-EAC7EDC57520}"/>
+          <p:cNvPr id="2" name="Title 1">
+            <a:extLst>
+              <a:ext uri="{FF2B5EF4-FFF2-40B4-BE49-F238E27FC236}">
+                <a16:creationId xmlns:a16="http://schemas.microsoft.com/office/drawing/2014/main" id="{3B255DD2-F0C2-15A4-6495-86F028EDF28E}"/>
               </a:ext>
             </a:extLst>
           </p:cNvPr>
@@ -5046,17 +6572,17 @@
           <a:p>
             <a:r>
               <a:rPr lang="en-US" dirty="0"/>
-              <a:t>Summary</a:t>
-            </a:r>
-          </a:p>
-        </p:txBody>
-      </p:sp>
-      <p:sp>
-        <p:nvSpPr>
-          <p:cNvPr id="2" name="Content Placeholder 1">
-            <a:extLst>
-              <a:ext uri="{FF2B5EF4-FFF2-40B4-BE49-F238E27FC236}">
-                <a16:creationId xmlns:a16="http://schemas.microsoft.com/office/drawing/2014/main" id="{50791E68-B219-7E1C-2218-042D2ED13759}"/>
+              <a:t>5.6 Void pointers</a:t>
+            </a:r>
+          </a:p>
+        </p:txBody>
+      </p:sp>
+      <p:sp>
+        <p:nvSpPr>
+          <p:cNvPr id="3" name="Content Placeholder 2">
+            <a:extLst>
+              <a:ext uri="{FF2B5EF4-FFF2-40B4-BE49-F238E27FC236}">
+                <a16:creationId xmlns:a16="http://schemas.microsoft.com/office/drawing/2014/main" id="{BEEF32A2-0F87-CABC-2824-E3BA4CC5D829}"/>
               </a:ext>
             </a:extLst>
           </p:cNvPr>
@@ -5067,22 +6593,319 @@
             <p:ph idx="1"/>
           </p:nvPr>
         </p:nvSpPr>
-        <p:spPr/>
-        <p:txBody>
-          <a:bodyPr/>
+        <p:spPr>
+          <a:xfrm>
+            <a:off x="838200" y="1825625"/>
+            <a:ext cx="4729843" cy="4351338"/>
+          </a:xfrm>
+        </p:spPr>
+        <p:txBody>
+          <a:bodyPr>
+            <a:normAutofit/>
+          </a:bodyPr>
           <a:lstStyle/>
           <a:p>
             <a:r>
               <a:rPr lang="en-US" dirty="0"/>
-              <a:t>Void type – the universal pointer</a:t>
-            </a:r>
+              <a:t>Void pointers provided a way to return an address of memory without choosing the type of the data that would be stored in the memory</a:t>
+            </a:r>
+          </a:p>
+        </p:txBody>
+      </p:sp>
+      <p:sp>
+        <p:nvSpPr>
+          <p:cNvPr id="4" name="TextBox 3">
+            <a:extLst>
+              <a:ext uri="{FF2B5EF4-FFF2-40B4-BE49-F238E27FC236}">
+                <a16:creationId xmlns:a16="http://schemas.microsoft.com/office/drawing/2014/main" id="{1F5A1B53-997B-AA8C-0052-ACBB5D10A4DC}"/>
+              </a:ext>
+            </a:extLst>
+          </p:cNvPr>
+          <p:cNvSpPr txBox="1"/>
+          <p:nvPr/>
+        </p:nvSpPr>
+        <p:spPr>
+          <a:xfrm>
+            <a:off x="6757670" y="1027906"/>
+            <a:ext cx="4044697" cy="5078313"/>
+          </a:xfrm>
+          <a:prstGeom prst="rect">
+            <a:avLst/>
+          </a:prstGeom>
+          <a:noFill/>
+        </p:spPr>
+        <p:txBody>
+          <a:bodyPr wrap="none" rtlCol="0">
+            <a:spAutoFit/>
+          </a:bodyPr>
+          <a:lstStyle/>
+          <a:p>
+            <a:r>
+              <a:rPr lang="en-US" b="1" dirty="0">
+                <a:latin typeface="Courier New" panose="02070309020205020404" pitchFamily="49" charset="0"/>
+                <a:cs typeface="Courier New" panose="02070309020205020404" pitchFamily="49" charset="0"/>
+              </a:rPr>
+              <a:t>Early 1970’s:</a:t>
+            </a:r>
+          </a:p>
+          <a:p>
+            <a:endParaRPr lang="en-US" dirty="0">
+              <a:latin typeface="Courier New" panose="02070309020205020404" pitchFamily="49" charset="0"/>
+              <a:cs typeface="Courier New" panose="02070309020205020404" pitchFamily="49" charset="0"/>
+            </a:endParaRPr>
+          </a:p>
+          <a:p>
+            <a:r>
+              <a:rPr lang="en-US" dirty="0">
+                <a:latin typeface="Courier New" panose="02070309020205020404" pitchFamily="49" charset="0"/>
+                <a:cs typeface="Courier New" panose="02070309020205020404" pitchFamily="49" charset="0"/>
+              </a:rPr>
+              <a:t>int </a:t>
+            </a:r>
+            <a:r>
+              <a:rPr lang="en-US" dirty="0" err="1">
+                <a:latin typeface="Courier New" panose="02070309020205020404" pitchFamily="49" charset="0"/>
+                <a:cs typeface="Courier New" panose="02070309020205020404" pitchFamily="49" charset="0"/>
+              </a:rPr>
+              <a:t>alloc</a:t>
+            </a:r>
+            <a:r>
+              <a:rPr lang="en-US" dirty="0">
+                <a:latin typeface="Courier New" panose="02070309020205020404" pitchFamily="49" charset="0"/>
+                <a:cs typeface="Courier New" panose="02070309020205020404" pitchFamily="49" charset="0"/>
+              </a:rPr>
+              <a:t>();</a:t>
+            </a:r>
+          </a:p>
+          <a:p>
+            <a:endParaRPr lang="en-US" dirty="0">
+              <a:latin typeface="Courier New" panose="02070309020205020404" pitchFamily="49" charset="0"/>
+              <a:cs typeface="Courier New" panose="02070309020205020404" pitchFamily="49" charset="0"/>
+            </a:endParaRPr>
+          </a:p>
+          <a:p>
+            <a:r>
+              <a:rPr lang="en-US" dirty="0">
+                <a:latin typeface="Courier New" panose="02070309020205020404" pitchFamily="49" charset="0"/>
+                <a:cs typeface="Courier New" panose="02070309020205020404" pitchFamily="49" charset="0"/>
+              </a:rPr>
+              <a:t>int *</a:t>
+            </a:r>
+            <a:r>
+              <a:rPr lang="en-US" dirty="0" err="1">
+                <a:latin typeface="Courier New" panose="02070309020205020404" pitchFamily="49" charset="0"/>
+                <a:cs typeface="Courier New" panose="02070309020205020404" pitchFamily="49" charset="0"/>
+              </a:rPr>
+              <a:t>vals</a:t>
+            </a:r>
+            <a:r>
+              <a:rPr lang="en-US" dirty="0">
+                <a:latin typeface="Courier New" panose="02070309020205020404" pitchFamily="49" charset="0"/>
+                <a:cs typeface="Courier New" panose="02070309020205020404" pitchFamily="49" charset="0"/>
+              </a:rPr>
+              <a:t> = (int *) </a:t>
+            </a:r>
+            <a:r>
+              <a:rPr lang="en-US" dirty="0" err="1">
+                <a:latin typeface="Courier New" panose="02070309020205020404" pitchFamily="49" charset="0"/>
+                <a:cs typeface="Courier New" panose="02070309020205020404" pitchFamily="49" charset="0"/>
+              </a:rPr>
+              <a:t>alloc</a:t>
+            </a:r>
+            <a:r>
+              <a:rPr lang="en-US" dirty="0">
+                <a:latin typeface="Courier New" panose="02070309020205020404" pitchFamily="49" charset="0"/>
+                <a:cs typeface="Courier New" panose="02070309020205020404" pitchFamily="49" charset="0"/>
+              </a:rPr>
+              <a:t>();</a:t>
+            </a:r>
+          </a:p>
+          <a:p>
+            <a:endParaRPr lang="en-US" b="1" dirty="0">
+              <a:latin typeface="Courier New" panose="02070309020205020404" pitchFamily="49" charset="0"/>
+              <a:cs typeface="Courier New" panose="02070309020205020404" pitchFamily="49" charset="0"/>
+            </a:endParaRPr>
+          </a:p>
+          <a:p>
+            <a:r>
+              <a:rPr lang="en-US" b="1" dirty="0">
+                <a:latin typeface="Courier New" panose="02070309020205020404" pitchFamily="49" charset="0"/>
+                <a:cs typeface="Courier New" panose="02070309020205020404" pitchFamily="49" charset="0"/>
+              </a:rPr>
+              <a:t>In the 1978 K&amp;R book:</a:t>
+            </a:r>
+          </a:p>
+          <a:p>
+            <a:endParaRPr lang="en-US" dirty="0">
+              <a:latin typeface="Courier New" panose="02070309020205020404" pitchFamily="49" charset="0"/>
+              <a:cs typeface="Courier New" panose="02070309020205020404" pitchFamily="49" charset="0"/>
+            </a:endParaRPr>
+          </a:p>
+          <a:p>
+            <a:r>
+              <a:rPr lang="en-US" dirty="0">
+                <a:latin typeface="Courier New" panose="02070309020205020404" pitchFamily="49" charset="0"/>
+                <a:cs typeface="Courier New" panose="02070309020205020404" pitchFamily="49" charset="0"/>
+              </a:rPr>
+              <a:t>char * </a:t>
+            </a:r>
+            <a:r>
+              <a:rPr lang="en-US" dirty="0" err="1">
+                <a:latin typeface="Courier New" panose="02070309020205020404" pitchFamily="49" charset="0"/>
+                <a:cs typeface="Courier New" panose="02070309020205020404" pitchFamily="49" charset="0"/>
+              </a:rPr>
+              <a:t>alloc</a:t>
+            </a:r>
+            <a:r>
+              <a:rPr lang="en-US" dirty="0">
+                <a:latin typeface="Courier New" panose="02070309020205020404" pitchFamily="49" charset="0"/>
+                <a:cs typeface="Courier New" panose="02070309020205020404" pitchFamily="49" charset="0"/>
+              </a:rPr>
+              <a:t>();</a:t>
+            </a:r>
+          </a:p>
+          <a:p>
+            <a:endParaRPr lang="en-US" dirty="0">
+              <a:latin typeface="Courier New" panose="02070309020205020404" pitchFamily="49" charset="0"/>
+              <a:cs typeface="Courier New" panose="02070309020205020404" pitchFamily="49" charset="0"/>
+            </a:endParaRPr>
+          </a:p>
+          <a:p>
+            <a:r>
+              <a:rPr lang="en-US" dirty="0">
+                <a:latin typeface="Courier New" panose="02070309020205020404" pitchFamily="49" charset="0"/>
+                <a:cs typeface="Courier New" panose="02070309020205020404" pitchFamily="49" charset="0"/>
+              </a:rPr>
+              <a:t>int *</a:t>
+            </a:r>
+            <a:r>
+              <a:rPr lang="en-US" dirty="0" err="1">
+                <a:latin typeface="Courier New" panose="02070309020205020404" pitchFamily="49" charset="0"/>
+                <a:cs typeface="Courier New" panose="02070309020205020404" pitchFamily="49" charset="0"/>
+              </a:rPr>
+              <a:t>vals</a:t>
+            </a:r>
+            <a:r>
+              <a:rPr lang="en-US" dirty="0">
+                <a:latin typeface="Courier New" panose="02070309020205020404" pitchFamily="49" charset="0"/>
+                <a:cs typeface="Courier New" panose="02070309020205020404" pitchFamily="49" charset="0"/>
+              </a:rPr>
+              <a:t> = (int *) </a:t>
+            </a:r>
+            <a:r>
+              <a:rPr lang="en-US" dirty="0" err="1">
+                <a:latin typeface="Courier New" panose="02070309020205020404" pitchFamily="49" charset="0"/>
+                <a:cs typeface="Courier New" panose="02070309020205020404" pitchFamily="49" charset="0"/>
+              </a:rPr>
+              <a:t>alloc</a:t>
+            </a:r>
+            <a:r>
+              <a:rPr lang="en-US" dirty="0">
+                <a:latin typeface="Courier New" panose="02070309020205020404" pitchFamily="49" charset="0"/>
+                <a:cs typeface="Courier New" panose="02070309020205020404" pitchFamily="49" charset="0"/>
+              </a:rPr>
+              <a:t>();</a:t>
+            </a:r>
+          </a:p>
+          <a:p>
+            <a:endParaRPr lang="en-US" b="1" dirty="0">
+              <a:latin typeface="Courier New" panose="02070309020205020404" pitchFamily="49" charset="0"/>
+              <a:cs typeface="Courier New" panose="02070309020205020404" pitchFamily="49" charset="0"/>
+            </a:endParaRPr>
+          </a:p>
+          <a:p>
+            <a:r>
+              <a:rPr lang="en-US" b="1" dirty="0">
+                <a:latin typeface="Courier New" panose="02070309020205020404" pitchFamily="49" charset="0"/>
+                <a:cs typeface="Courier New" panose="02070309020205020404" pitchFamily="49" charset="0"/>
+              </a:rPr>
+              <a:t>By 1979 and in modern C:</a:t>
+            </a:r>
+          </a:p>
+          <a:p>
+            <a:endParaRPr lang="en-US" b="1" dirty="0">
+              <a:latin typeface="Courier New" panose="02070309020205020404" pitchFamily="49" charset="0"/>
+              <a:cs typeface="Courier New" panose="02070309020205020404" pitchFamily="49" charset="0"/>
+            </a:endParaRPr>
+          </a:p>
+          <a:p>
+            <a:r>
+              <a:rPr lang="en-US" dirty="0">
+                <a:latin typeface="Courier New" panose="02070309020205020404" pitchFamily="49" charset="0"/>
+                <a:cs typeface="Courier New" panose="02070309020205020404" pitchFamily="49" charset="0"/>
+              </a:rPr>
+              <a:t>void * </a:t>
+            </a:r>
+            <a:r>
+              <a:rPr lang="en-US" dirty="0" err="1">
+                <a:latin typeface="Courier New" panose="02070309020205020404" pitchFamily="49" charset="0"/>
+                <a:cs typeface="Courier New" panose="02070309020205020404" pitchFamily="49" charset="0"/>
+              </a:rPr>
+              <a:t>alloc</a:t>
+            </a:r>
+            <a:r>
+              <a:rPr lang="en-US" dirty="0">
+                <a:latin typeface="Courier New" panose="02070309020205020404" pitchFamily="49" charset="0"/>
+                <a:cs typeface="Courier New" panose="02070309020205020404" pitchFamily="49" charset="0"/>
+              </a:rPr>
+              <a:t>();</a:t>
+            </a:r>
+          </a:p>
+          <a:p>
+            <a:endParaRPr lang="en-US" dirty="0">
+              <a:latin typeface="Courier New" panose="02070309020205020404" pitchFamily="49" charset="0"/>
+              <a:cs typeface="Courier New" panose="02070309020205020404" pitchFamily="49" charset="0"/>
+            </a:endParaRPr>
+          </a:p>
+          <a:p>
+            <a:r>
+              <a:rPr lang="en-US" dirty="0">
+                <a:latin typeface="Courier New" panose="02070309020205020404" pitchFamily="49" charset="0"/>
+                <a:cs typeface="Courier New" panose="02070309020205020404" pitchFamily="49" charset="0"/>
+              </a:rPr>
+              <a:t>int *</a:t>
+            </a:r>
+            <a:r>
+              <a:rPr lang="en-US" dirty="0" err="1">
+                <a:latin typeface="Courier New" panose="02070309020205020404" pitchFamily="49" charset="0"/>
+                <a:cs typeface="Courier New" panose="02070309020205020404" pitchFamily="49" charset="0"/>
+              </a:rPr>
+              <a:t>vals</a:t>
+            </a:r>
+            <a:r>
+              <a:rPr lang="en-US" dirty="0">
+                <a:latin typeface="Courier New" panose="02070309020205020404" pitchFamily="49" charset="0"/>
+                <a:cs typeface="Courier New" panose="02070309020205020404" pitchFamily="49" charset="0"/>
+              </a:rPr>
+              <a:t> = (int *) </a:t>
+            </a:r>
+            <a:r>
+              <a:rPr lang="en-US" dirty="0" err="1">
+                <a:latin typeface="Courier New" panose="02070309020205020404" pitchFamily="49" charset="0"/>
+                <a:cs typeface="Courier New" panose="02070309020205020404" pitchFamily="49" charset="0"/>
+              </a:rPr>
+              <a:t>alloc</a:t>
+            </a:r>
+            <a:r>
+              <a:rPr lang="en-US" dirty="0">
+                <a:latin typeface="Courier New" panose="02070309020205020404" pitchFamily="49" charset="0"/>
+                <a:cs typeface="Courier New" panose="02070309020205020404" pitchFamily="49" charset="0"/>
+              </a:rPr>
+              <a:t>();</a:t>
+            </a:r>
+          </a:p>
+          <a:p>
+            <a:endParaRPr lang="en-US" b="1" dirty="0">
+              <a:latin typeface="Courier New" panose="02070309020205020404" pitchFamily="49" charset="0"/>
+              <a:cs typeface="Courier New" panose="02070309020205020404" pitchFamily="49" charset="0"/>
+            </a:endParaRPr>
           </a:p>
         </p:txBody>
       </p:sp>
     </p:spTree>
     <p:extLst>
       <p:ext uri="{BB962C8B-B14F-4D97-AF65-F5344CB8AC3E}">
-        <p14:creationId xmlns:p14="http://schemas.microsoft.com/office/powerpoint/2010/main" val="3953165598"/>
+        <p14:creationId xmlns:p14="http://schemas.microsoft.com/office/powerpoint/2010/main" val="1438612513"/>
       </p:ext>
     </p:extLst>
   </p:cSld>
@@ -5092,7 +6915,7 @@
 </p:sld>
 </file>
 
-<file path=ppt/slides/slide6.xml><?xml version="1.0" encoding="utf-8"?>
+<file path=ppt/slides/slide9.xml><?xml version="1.0" encoding="utf-8"?>
 <p:sld xmlns:a="http://schemas.openxmlformats.org/drawingml/2006/main" xmlns:r="http://schemas.openxmlformats.org/officeDocument/2006/relationships" xmlns:p="http://schemas.openxmlformats.org/presentationml/2006/main">
   <p:cSld>
     <p:spTree>
@@ -5114,7 +6937,7 @@
           <p:cNvPr id="2" name="Title 1">
             <a:extLst>
               <a:ext uri="{FF2B5EF4-FFF2-40B4-BE49-F238E27FC236}">
-                <a16:creationId xmlns:a16="http://schemas.microsoft.com/office/drawing/2014/main" id="{38E4AE3D-C70D-220E-82A8-C1D64A900A0F}"/>
+                <a16:creationId xmlns:a16="http://schemas.microsoft.com/office/drawing/2014/main" id="{0F0BDACE-7C31-71EC-959E-1FBC550D9700}"/>
               </a:ext>
             </a:extLst>
           </p:cNvPr>
@@ -5132,17 +6955,105 @@
           <a:p>
             <a:r>
               <a:rPr lang="en-US" dirty="0"/>
-              <a:t>Acknowledgements / Contributions</a:t>
-            </a:r>
-          </a:p>
-        </p:txBody>
-      </p:sp>
-      <p:sp>
-        <p:nvSpPr>
-          <p:cNvPr id="7" name="TextBox 6">
-            <a:extLst>
-              <a:ext uri="{FF2B5EF4-FFF2-40B4-BE49-F238E27FC236}">
-                <a16:creationId xmlns:a16="http://schemas.microsoft.com/office/drawing/2014/main" id="{D1725F2C-A6DC-4096-AD36-A6A5AF1FFD40}"/>
+              <a:t>Standardizing C</a:t>
+            </a:r>
+          </a:p>
+        </p:txBody>
+      </p:sp>
+      <p:sp>
+        <p:nvSpPr>
+          <p:cNvPr id="3" name="Content Placeholder 2">
+            <a:extLst>
+              <a:ext uri="{FF2B5EF4-FFF2-40B4-BE49-F238E27FC236}">
+                <a16:creationId xmlns:a16="http://schemas.microsoft.com/office/drawing/2014/main" id="{36134E98-BE7B-CC9B-992E-ACF91BB230B2}"/>
+              </a:ext>
+            </a:extLst>
+          </p:cNvPr>
+          <p:cNvSpPr>
+            <a:spLocks noGrp="1"/>
+          </p:cNvSpPr>
+          <p:nvPr>
+            <p:ph idx="1"/>
+          </p:nvPr>
+        </p:nvSpPr>
+        <p:spPr>
+          <a:xfrm>
+            <a:off x="838200" y="1825625"/>
+            <a:ext cx="6261847" cy="1603375"/>
+          </a:xfrm>
+        </p:spPr>
+        <p:txBody>
+          <a:bodyPr>
+            <a:normAutofit fontScale="77500" lnSpcReduction="20000"/>
+          </a:bodyPr>
+          <a:lstStyle/>
+          <a:p>
+            <a:r>
+              <a:rPr lang="en-US" dirty="0"/>
+              <a:t>Standardization of C started in 1983 in ANSI</a:t>
+            </a:r>
+          </a:p>
+          <a:p>
+            <a:r>
+              <a:rPr lang="en-US" dirty="0"/>
+              <a:t>C++ was in development from 1979-1983</a:t>
+            </a:r>
+          </a:p>
+          <a:p>
+            <a:r>
+              <a:rPr lang="en-US" dirty="0"/>
+              <a:t>The Second Edition of K&amp;R C was published in 1988</a:t>
+            </a:r>
+          </a:p>
+          <a:p>
+            <a:r>
+              <a:rPr lang="en-US" dirty="0"/>
+              <a:t>The “C89” standard was released in 1989</a:t>
+            </a:r>
+          </a:p>
+        </p:txBody>
+      </p:sp>
+      <p:pic>
+        <p:nvPicPr>
+          <p:cNvPr id="5" name="Picture 4" descr="Text&#10;&#10;Description automatically generated">
+            <a:extLst>
+              <a:ext uri="{FF2B5EF4-FFF2-40B4-BE49-F238E27FC236}">
+                <a16:creationId xmlns:a16="http://schemas.microsoft.com/office/drawing/2014/main" id="{4862342F-C237-FEA9-5D7D-17A0157FD522}"/>
+              </a:ext>
+            </a:extLst>
+          </p:cNvPr>
+          <p:cNvPicPr>
+            <a:picLocks noChangeAspect="1"/>
+          </p:cNvPicPr>
+          <p:nvPr/>
+        </p:nvPicPr>
+        <p:blipFill>
+          <a:blip r:embed="rId2"/>
+          <a:stretch>
+            <a:fillRect/>
+          </a:stretch>
+        </p:blipFill>
+        <p:spPr>
+          <a:xfrm>
+            <a:off x="7753350" y="673100"/>
+            <a:ext cx="4000500" cy="5511800"/>
+          </a:xfrm>
+          <a:prstGeom prst="rect">
+            <a:avLst/>
+          </a:prstGeom>
+          <a:ln>
+            <a:solidFill>
+              <a:schemeClr val="tx1"/>
+            </a:solidFill>
+          </a:ln>
+        </p:spPr>
+      </p:pic>
+      <p:sp>
+        <p:nvSpPr>
+          <p:cNvPr id="6" name="TextBox 5">
+            <a:extLst>
+              <a:ext uri="{FF2B5EF4-FFF2-40B4-BE49-F238E27FC236}">
+                <a16:creationId xmlns:a16="http://schemas.microsoft.com/office/drawing/2014/main" id="{933272C8-E9EE-CFEA-4262-D8ADCA645F23}"/>
               </a:ext>
             </a:extLst>
           </p:cNvPr>
@@ -5151,8 +7062,8 @@
         </p:nvSpPr>
         <p:spPr>
           <a:xfrm>
-            <a:off x="838201" y="1502688"/>
-            <a:ext cx="5055704" cy="2492990"/>
+            <a:off x="1474294" y="3599577"/>
+            <a:ext cx="4989658" cy="2585323"/>
           </a:xfrm>
           <a:prstGeom prst="rect">
             <a:avLst/>
@@ -5166,86 +7077,52 @@
           <a:lstStyle/>
           <a:p>
             <a:r>
-              <a:rPr lang="en-US" sz="1200" dirty="0"/>
-              <a:t>These slides are Copyright 2022-  Charles R. Severance (</a:t>
-            </a:r>
-            <a:r>
-              <a:rPr lang="en-US" sz="1200" dirty="0" err="1"/>
-              <a:t>online.dr-chuck.com</a:t>
-            </a:r>
-            <a:r>
-              <a:rPr lang="en-US" sz="1200" dirty="0"/>
-              <a:t>) as part of www.cc4e.com and made available under a Creative Commons Attribution 4.0 License.  Please maintain this last slide in all copies of the document to comply with the attribution requirements of the license.  If you make a change, feel free to add your name and organization to the list of contributors on this page as you republish the materials.</a:t>
-            </a:r>
-          </a:p>
-          <a:p>
-            <a:endParaRPr lang="en-US" sz="1200" dirty="0"/>
-          </a:p>
-          <a:p>
-            <a:r>
-              <a:rPr lang="en-US" sz="1200" dirty="0"/>
-              <a:t>Initial Development: Charles Severance, University of Michigan School of Information</a:t>
-            </a:r>
-          </a:p>
-          <a:p>
-            <a:endParaRPr lang="en-US" sz="1200" dirty="0"/>
-          </a:p>
-          <a:p>
-            <a:r>
-              <a:rPr lang="en-US" sz="1200" b="1" dirty="0"/>
-              <a:t>Insert new Contributors and Translators here including names and dates</a:t>
-            </a:r>
-          </a:p>
-          <a:p>
-            <a:endParaRPr lang="en-US" sz="1200" dirty="0"/>
-          </a:p>
-          <a:p>
-            <a:endParaRPr lang="en-US" sz="1200" dirty="0"/>
-          </a:p>
-        </p:txBody>
-      </p:sp>
-      <p:sp>
-        <p:nvSpPr>
-          <p:cNvPr id="8" name="TextBox 7">
-            <a:extLst>
-              <a:ext uri="{FF2B5EF4-FFF2-40B4-BE49-F238E27FC236}">
-                <a16:creationId xmlns:a16="http://schemas.microsoft.com/office/drawing/2014/main" id="{A5B0D5A1-502A-F6A1-76FD-6D954B37EE94}"/>
-              </a:ext>
-            </a:extLst>
-          </p:cNvPr>
-          <p:cNvSpPr txBox="1"/>
-          <p:nvPr/>
-        </p:nvSpPr>
-        <p:spPr>
-          <a:xfrm>
-            <a:off x="6298097" y="1502688"/>
-            <a:ext cx="5055704" cy="461665"/>
-          </a:xfrm>
-          <a:prstGeom prst="rect">
-            <a:avLst/>
-          </a:prstGeom>
-          <a:noFill/>
-        </p:spPr>
-        <p:txBody>
-          <a:bodyPr wrap="square" rtlCol="0">
-            <a:spAutoFit/>
-          </a:bodyPr>
-          <a:lstStyle/>
-          <a:p>
-            <a:r>
-              <a:rPr lang="en-US" sz="1200" b="1" dirty="0"/>
-              <a:t>Continue new Contributors and Translators here</a:t>
-            </a:r>
-          </a:p>
-          <a:p>
-            <a:endParaRPr lang="en-US" sz="1200" dirty="0"/>
+              <a:rPr lang="en-US" dirty="0"/>
+              <a:t>The second edition of </a:t>
+            </a:r>
+            <a:r>
+              <a:rPr lang="en-US" i="1" dirty="0"/>
+              <a:t>The C Programming Language</a:t>
+            </a:r>
+            <a:r>
+              <a:rPr lang="en-US" dirty="0"/>
+              <a:t> was published early in 1988.  At that time, the first C standard was almost complete, formalizing and codifying the precise definition of the language.</a:t>
+            </a:r>
+          </a:p>
+          <a:p>
+            <a:pPr algn="r"/>
+            <a:r>
+              <a:rPr lang="en-US" b="1" dirty="0"/>
+              <a:t>Brian Kernighan</a:t>
+            </a:r>
+          </a:p>
+          <a:p>
+            <a:pPr algn="r"/>
+            <a:r>
+              <a:rPr lang="en-US" dirty="0"/>
+              <a:t>Princeton, New Jersey</a:t>
+            </a:r>
+          </a:p>
+          <a:p>
+            <a:pPr algn="r"/>
+            <a:r>
+              <a:rPr lang="en-US" dirty="0"/>
+              <a:t>November 2012</a:t>
+            </a:r>
+          </a:p>
+          <a:p>
+            <a:pPr algn="r"/>
+            <a:r>
+              <a:rPr lang="en-US" dirty="0"/>
+              <a:t>Preface to the Digital Edition</a:t>
+            </a:r>
           </a:p>
         </p:txBody>
       </p:sp>
     </p:spTree>
     <p:extLst>
       <p:ext uri="{BB962C8B-B14F-4D97-AF65-F5344CB8AC3E}">
-        <p14:creationId xmlns:p14="http://schemas.microsoft.com/office/powerpoint/2010/main" val="2963881526"/>
+        <p14:creationId xmlns:p14="http://schemas.microsoft.com/office/powerpoint/2010/main" val="3032651086"/>
       </p:ext>
     </p:extLst>
   </p:cSld>

--- a/lectures/KR-5.pptx
+++ b/lectures/KR-5.pptx
@@ -10,12 +10,14 @@
     <p:sldId id="294" r:id="rId4"/>
     <p:sldId id="295" r:id="rId5"/>
     <p:sldId id="296" r:id="rId6"/>
-    <p:sldId id="288" r:id="rId7"/>
-    <p:sldId id="293" r:id="rId8"/>
-    <p:sldId id="298" r:id="rId9"/>
-    <p:sldId id="297" r:id="rId10"/>
-    <p:sldId id="284" r:id="rId11"/>
-    <p:sldId id="285" r:id="rId12"/>
+    <p:sldId id="341" r:id="rId7"/>
+    <p:sldId id="288" r:id="rId8"/>
+    <p:sldId id="293" r:id="rId9"/>
+    <p:sldId id="298" r:id="rId10"/>
+    <p:sldId id="297" r:id="rId11"/>
+    <p:sldId id="340" r:id="rId12"/>
+    <p:sldId id="284" r:id="rId13"/>
+    <p:sldId id="285" r:id="rId14"/>
   </p:sldIdLst>
   <p:sldSz cx="12192000" cy="6858000"/>
   <p:notesSz cx="6858000" cy="9144000"/>
@@ -3500,10 +3502,10 @@
       </p:grpSpPr>
       <p:sp>
         <p:nvSpPr>
-          <p:cNvPr id="3" name="Title 2">
-            <a:extLst>
-              <a:ext uri="{FF2B5EF4-FFF2-40B4-BE49-F238E27FC236}">
-                <a16:creationId xmlns:a16="http://schemas.microsoft.com/office/drawing/2014/main" id="{26D5DF8A-3D98-DC7E-85E8-EAC7EDC57520}"/>
+          <p:cNvPr id="2" name="Title 1">
+            <a:extLst>
+              <a:ext uri="{FF2B5EF4-FFF2-40B4-BE49-F238E27FC236}">
+                <a16:creationId xmlns:a16="http://schemas.microsoft.com/office/drawing/2014/main" id="{0F0BDACE-7C31-71EC-959E-1FBC550D9700}"/>
               </a:ext>
             </a:extLst>
           </p:cNvPr>
@@ -3521,17 +3523,17 @@
           <a:p>
             <a:r>
               <a:rPr lang="en-US" dirty="0"/>
-              <a:t>Summary</a:t>
-            </a:r>
-          </a:p>
-        </p:txBody>
-      </p:sp>
-      <p:sp>
-        <p:nvSpPr>
-          <p:cNvPr id="2" name="Content Placeholder 1">
-            <a:extLst>
-              <a:ext uri="{FF2B5EF4-FFF2-40B4-BE49-F238E27FC236}">
-                <a16:creationId xmlns:a16="http://schemas.microsoft.com/office/drawing/2014/main" id="{50791E68-B219-7E1C-2218-042D2ED13759}"/>
+              <a:t>Standardizing C</a:t>
+            </a:r>
+          </a:p>
+        </p:txBody>
+      </p:sp>
+      <p:sp>
+        <p:nvSpPr>
+          <p:cNvPr id="3" name="Content Placeholder 2">
+            <a:extLst>
+              <a:ext uri="{FF2B5EF4-FFF2-40B4-BE49-F238E27FC236}">
+                <a16:creationId xmlns:a16="http://schemas.microsoft.com/office/drawing/2014/main" id="{36134E98-BE7B-CC9B-992E-ACF91BB230B2}"/>
               </a:ext>
             </a:extLst>
           </p:cNvPr>
@@ -3542,6 +3544,1038 @@
             <p:ph idx="1"/>
           </p:nvPr>
         </p:nvSpPr>
+        <p:spPr>
+          <a:xfrm>
+            <a:off x="838200" y="1825625"/>
+            <a:ext cx="6261847" cy="1603375"/>
+          </a:xfrm>
+        </p:spPr>
+        <p:txBody>
+          <a:bodyPr>
+            <a:normAutofit fontScale="77500" lnSpcReduction="20000"/>
+          </a:bodyPr>
+          <a:lstStyle/>
+          <a:p>
+            <a:r>
+              <a:rPr lang="en-US" dirty="0"/>
+              <a:t>Standardization of C started in 1983 in ANSI</a:t>
+            </a:r>
+          </a:p>
+          <a:p>
+            <a:r>
+              <a:rPr lang="en-US" dirty="0"/>
+              <a:t>C++ was in development from 1979-1983</a:t>
+            </a:r>
+          </a:p>
+          <a:p>
+            <a:r>
+              <a:rPr lang="en-US" dirty="0"/>
+              <a:t>The Second Edition of K&amp;R C was published in 1988</a:t>
+            </a:r>
+          </a:p>
+          <a:p>
+            <a:r>
+              <a:rPr lang="en-US" dirty="0"/>
+              <a:t>The “C89” standard was released in 1989</a:t>
+            </a:r>
+          </a:p>
+        </p:txBody>
+      </p:sp>
+      <p:pic>
+        <p:nvPicPr>
+          <p:cNvPr id="5" name="Picture 4" descr="Text&#10;&#10;Description automatically generated">
+            <a:extLst>
+              <a:ext uri="{FF2B5EF4-FFF2-40B4-BE49-F238E27FC236}">
+                <a16:creationId xmlns:a16="http://schemas.microsoft.com/office/drawing/2014/main" id="{4862342F-C237-FEA9-5D7D-17A0157FD522}"/>
+              </a:ext>
+            </a:extLst>
+          </p:cNvPr>
+          <p:cNvPicPr>
+            <a:picLocks noChangeAspect="1"/>
+          </p:cNvPicPr>
+          <p:nvPr/>
+        </p:nvPicPr>
+        <p:blipFill>
+          <a:blip r:embed="rId2"/>
+          <a:stretch>
+            <a:fillRect/>
+          </a:stretch>
+        </p:blipFill>
+        <p:spPr>
+          <a:xfrm>
+            <a:off x="7753350" y="673100"/>
+            <a:ext cx="4000500" cy="5511800"/>
+          </a:xfrm>
+          <a:prstGeom prst="rect">
+            <a:avLst/>
+          </a:prstGeom>
+          <a:ln>
+            <a:solidFill>
+              <a:schemeClr val="tx1"/>
+            </a:solidFill>
+          </a:ln>
+        </p:spPr>
+      </p:pic>
+      <p:sp>
+        <p:nvSpPr>
+          <p:cNvPr id="6" name="TextBox 5">
+            <a:extLst>
+              <a:ext uri="{FF2B5EF4-FFF2-40B4-BE49-F238E27FC236}">
+                <a16:creationId xmlns:a16="http://schemas.microsoft.com/office/drawing/2014/main" id="{933272C8-E9EE-CFEA-4262-D8ADCA645F23}"/>
+              </a:ext>
+            </a:extLst>
+          </p:cNvPr>
+          <p:cNvSpPr txBox="1"/>
+          <p:nvPr/>
+        </p:nvSpPr>
+        <p:spPr>
+          <a:xfrm>
+            <a:off x="1474294" y="3599577"/>
+            <a:ext cx="4989658" cy="2585323"/>
+          </a:xfrm>
+          <a:prstGeom prst="rect">
+            <a:avLst/>
+          </a:prstGeom>
+          <a:noFill/>
+        </p:spPr>
+        <p:txBody>
+          <a:bodyPr wrap="square" rtlCol="0">
+            <a:spAutoFit/>
+          </a:bodyPr>
+          <a:lstStyle/>
+          <a:p>
+            <a:r>
+              <a:rPr lang="en-US" dirty="0"/>
+              <a:t>The second edition of </a:t>
+            </a:r>
+            <a:r>
+              <a:rPr lang="en-US" i="1" dirty="0"/>
+              <a:t>The C Programming Language</a:t>
+            </a:r>
+            <a:r>
+              <a:rPr lang="en-US" dirty="0"/>
+              <a:t> was published early in 1988.  At that time, the first C standard was almost complete, formalizing and codifying the precise definition of the language.</a:t>
+            </a:r>
+          </a:p>
+          <a:p>
+            <a:pPr algn="r"/>
+            <a:r>
+              <a:rPr lang="en-US" b="1" dirty="0"/>
+              <a:t>Brian Kernighan</a:t>
+            </a:r>
+          </a:p>
+          <a:p>
+            <a:pPr algn="r"/>
+            <a:r>
+              <a:rPr lang="en-US" dirty="0"/>
+              <a:t>Princeton, New Jersey</a:t>
+            </a:r>
+          </a:p>
+          <a:p>
+            <a:pPr algn="r"/>
+            <a:r>
+              <a:rPr lang="en-US" dirty="0"/>
+              <a:t>November 2012</a:t>
+            </a:r>
+          </a:p>
+          <a:p>
+            <a:pPr algn="r"/>
+            <a:r>
+              <a:rPr lang="en-US" dirty="0"/>
+              <a:t>Preface to the Digital Edition</a:t>
+            </a:r>
+          </a:p>
+        </p:txBody>
+      </p:sp>
+    </p:spTree>
+    <p:extLst>
+      <p:ext uri="{BB962C8B-B14F-4D97-AF65-F5344CB8AC3E}">
+        <p14:creationId xmlns:p14="http://schemas.microsoft.com/office/powerpoint/2010/main" val="3032651086"/>
+      </p:ext>
+    </p:extLst>
+  </p:cSld>
+  <p:clrMapOvr>
+    <a:masterClrMapping/>
+  </p:clrMapOvr>
+</p:sld>
+</file>
+
+<file path=ppt/slides/slide11.xml><?xml version="1.0" encoding="utf-8"?>
+<p:sld xmlns:a="http://schemas.openxmlformats.org/drawingml/2006/main" xmlns:r="http://schemas.openxmlformats.org/officeDocument/2006/relationships" xmlns:p="http://schemas.openxmlformats.org/presentationml/2006/main">
+  <p:cSld>
+    <p:spTree>
+      <p:nvGrpSpPr>
+        <p:cNvPr id="1" name=""/>
+        <p:cNvGrpSpPr/>
+        <p:nvPr/>
+      </p:nvGrpSpPr>
+      <p:grpSpPr>
+        <a:xfrm>
+          <a:off x="0" y="0"/>
+          <a:ext cx="0" cy="0"/>
+          <a:chOff x="0" y="0"/>
+          <a:chExt cx="0" cy="0"/>
+        </a:xfrm>
+      </p:grpSpPr>
+      <p:sp>
+        <p:nvSpPr>
+          <p:cNvPr id="2" name="Title 1">
+            <a:extLst>
+              <a:ext uri="{FF2B5EF4-FFF2-40B4-BE49-F238E27FC236}">
+                <a16:creationId xmlns:a16="http://schemas.microsoft.com/office/drawing/2014/main" id="{54AD1DB4-AD68-B4B3-D868-A34CA79FFDF9}"/>
+              </a:ext>
+            </a:extLst>
+          </p:cNvPr>
+          <p:cNvSpPr>
+            <a:spLocks noGrp="1"/>
+          </p:cNvSpPr>
+          <p:nvPr>
+            <p:ph type="title"/>
+          </p:nvPr>
+        </p:nvSpPr>
+        <p:spPr/>
+        <p:txBody>
+          <a:bodyPr/>
+          <a:lstStyle/>
+          <a:p>
+            <a:r>
+              <a:rPr lang="en-US" dirty="0"/>
+              <a:t>Characters, words, and bits in C – Oh My!</a:t>
+            </a:r>
+          </a:p>
+        </p:txBody>
+      </p:sp>
+      <p:sp>
+        <p:nvSpPr>
+          <p:cNvPr id="4" name="TextBox 3">
+            <a:extLst>
+              <a:ext uri="{FF2B5EF4-FFF2-40B4-BE49-F238E27FC236}">
+                <a16:creationId xmlns:a16="http://schemas.microsoft.com/office/drawing/2014/main" id="{576602AD-D2C1-A962-787A-C8CAAC2A6411}"/>
+              </a:ext>
+            </a:extLst>
+          </p:cNvPr>
+          <p:cNvSpPr txBox="1"/>
+          <p:nvPr/>
+        </p:nvSpPr>
+        <p:spPr>
+          <a:xfrm>
+            <a:off x="838201" y="1551789"/>
+            <a:ext cx="6603090" cy="4524315"/>
+          </a:xfrm>
+          <a:prstGeom prst="rect">
+            <a:avLst/>
+          </a:prstGeom>
+          <a:noFill/>
+        </p:spPr>
+        <p:txBody>
+          <a:bodyPr wrap="none" rtlCol="0">
+            <a:spAutoFit/>
+          </a:bodyPr>
+          <a:lstStyle/>
+          <a:p>
+            <a:r>
+              <a:rPr lang="en-US" sz="1600" dirty="0">
+                <a:latin typeface="Courier New" panose="02070309020205020404" pitchFamily="49" charset="0"/>
+                <a:cs typeface="Courier New" panose="02070309020205020404" pitchFamily="49" charset="0"/>
+              </a:rPr>
+              <a:t>#include &lt;</a:t>
+            </a:r>
+            <a:r>
+              <a:rPr lang="en-US" sz="1600" dirty="0" err="1">
+                <a:latin typeface="Courier New" panose="02070309020205020404" pitchFamily="49" charset="0"/>
+                <a:cs typeface="Courier New" panose="02070309020205020404" pitchFamily="49" charset="0"/>
+              </a:rPr>
+              <a:t>stdio.h</a:t>
+            </a:r>
+            <a:r>
+              <a:rPr lang="en-US" sz="1600" dirty="0">
+                <a:latin typeface="Courier New" panose="02070309020205020404" pitchFamily="49" charset="0"/>
+                <a:cs typeface="Courier New" panose="02070309020205020404" pitchFamily="49" charset="0"/>
+              </a:rPr>
+              <a:t>&gt;</a:t>
+            </a:r>
+          </a:p>
+          <a:p>
+            <a:r>
+              <a:rPr lang="en-US" sz="1600" dirty="0">
+                <a:latin typeface="Courier New" panose="02070309020205020404" pitchFamily="49" charset="0"/>
+                <a:cs typeface="Courier New" panose="02070309020205020404" pitchFamily="49" charset="0"/>
+              </a:rPr>
+              <a:t>#include &lt;</a:t>
+            </a:r>
+            <a:r>
+              <a:rPr lang="en-US" sz="1600" dirty="0" err="1">
+                <a:latin typeface="Courier New" panose="02070309020205020404" pitchFamily="49" charset="0"/>
+                <a:cs typeface="Courier New" panose="02070309020205020404" pitchFamily="49" charset="0"/>
+              </a:rPr>
+              <a:t>string.h</a:t>
+            </a:r>
+            <a:r>
+              <a:rPr lang="en-US" sz="1600" dirty="0">
+                <a:latin typeface="Courier New" panose="02070309020205020404" pitchFamily="49" charset="0"/>
+                <a:cs typeface="Courier New" panose="02070309020205020404" pitchFamily="49" charset="0"/>
+              </a:rPr>
+              <a:t>&gt;</a:t>
+            </a:r>
+          </a:p>
+          <a:p>
+            <a:r>
+              <a:rPr lang="en-US" sz="1600" dirty="0">
+                <a:latin typeface="Courier New" panose="02070309020205020404" pitchFamily="49" charset="0"/>
+                <a:cs typeface="Courier New" panose="02070309020205020404" pitchFamily="49" charset="0"/>
+              </a:rPr>
+              <a:t>int main() {</a:t>
+            </a:r>
+          </a:p>
+          <a:p>
+            <a:r>
+              <a:rPr lang="en-US" sz="1600" dirty="0">
+                <a:latin typeface="Courier New" panose="02070309020205020404" pitchFamily="49" charset="0"/>
+                <a:cs typeface="Courier New" panose="02070309020205020404" pitchFamily="49" charset="0"/>
+              </a:rPr>
+              <a:t>    char s[] = "Hello world";</a:t>
+            </a:r>
+          </a:p>
+          <a:p>
+            <a:r>
+              <a:rPr lang="en-US" sz="1600" dirty="0">
+                <a:latin typeface="Courier New" panose="02070309020205020404" pitchFamily="49" charset="0"/>
+                <a:cs typeface="Courier New" panose="02070309020205020404" pitchFamily="49" charset="0"/>
+              </a:rPr>
+              <a:t>    int *</a:t>
+            </a:r>
+            <a:r>
+              <a:rPr lang="en-US" sz="1600" dirty="0" err="1">
+                <a:latin typeface="Courier New" panose="02070309020205020404" pitchFamily="49" charset="0"/>
+                <a:cs typeface="Courier New" panose="02070309020205020404" pitchFamily="49" charset="0"/>
+              </a:rPr>
+              <a:t>si</a:t>
+            </a:r>
+            <a:r>
+              <a:rPr lang="en-US" sz="1600" dirty="0">
+                <a:latin typeface="Courier New" panose="02070309020205020404" pitchFamily="49" charset="0"/>
+                <a:cs typeface="Courier New" panose="02070309020205020404" pitchFamily="49" charset="0"/>
+              </a:rPr>
+              <a:t> = (int *) &amp;s;</a:t>
+            </a:r>
+          </a:p>
+          <a:p>
+            <a:r>
+              <a:rPr lang="en-US" sz="1600" dirty="0">
+                <a:latin typeface="Courier New" panose="02070309020205020404" pitchFamily="49" charset="0"/>
+                <a:cs typeface="Courier New" panose="02070309020205020404" pitchFamily="49" charset="0"/>
+              </a:rPr>
+              <a:t>    int mask, masked, </a:t>
+            </a:r>
+            <a:r>
+              <a:rPr lang="en-US" sz="1600" dirty="0" err="1">
+                <a:latin typeface="Courier New" panose="02070309020205020404" pitchFamily="49" charset="0"/>
+                <a:cs typeface="Courier New" panose="02070309020205020404" pitchFamily="49" charset="0"/>
+              </a:rPr>
+              <a:t>ch</a:t>
+            </a:r>
+            <a:r>
+              <a:rPr lang="en-US" sz="1600" dirty="0">
+                <a:latin typeface="Courier New" panose="02070309020205020404" pitchFamily="49" charset="0"/>
+                <a:cs typeface="Courier New" panose="02070309020205020404" pitchFamily="49" charset="0"/>
+              </a:rPr>
+              <a:t>;</a:t>
+            </a:r>
+          </a:p>
+          <a:p>
+            <a:endParaRPr lang="en-US" sz="1600" dirty="0">
+              <a:latin typeface="Courier New" panose="02070309020205020404" pitchFamily="49" charset="0"/>
+              <a:cs typeface="Courier New" panose="02070309020205020404" pitchFamily="49" charset="0"/>
+            </a:endParaRPr>
+          </a:p>
+          <a:p>
+            <a:r>
+              <a:rPr lang="en-US" sz="1600" dirty="0">
+                <a:latin typeface="Courier New" panose="02070309020205020404" pitchFamily="49" charset="0"/>
+                <a:cs typeface="Courier New" panose="02070309020205020404" pitchFamily="49" charset="0"/>
+              </a:rPr>
+              <a:t>    </a:t>
+            </a:r>
+            <a:r>
+              <a:rPr lang="en-US" sz="1600" dirty="0" err="1">
+                <a:latin typeface="Courier New" panose="02070309020205020404" pitchFamily="49" charset="0"/>
+                <a:cs typeface="Courier New" panose="02070309020205020404" pitchFamily="49" charset="0"/>
+              </a:rPr>
+              <a:t>printf</a:t>
+            </a:r>
+            <a:r>
+              <a:rPr lang="en-US" sz="1600" dirty="0">
+                <a:latin typeface="Courier New" panose="02070309020205020404" pitchFamily="49" charset="0"/>
+                <a:cs typeface="Courier New" panose="02070309020205020404" pitchFamily="49" charset="0"/>
+              </a:rPr>
+              <a:t>(" l l e H  o W - o 00 d l r\n");</a:t>
+            </a:r>
+          </a:p>
+          <a:p>
+            <a:r>
+              <a:rPr lang="en-US" sz="1600" dirty="0">
+                <a:latin typeface="Courier New" panose="02070309020205020404" pitchFamily="49" charset="0"/>
+                <a:cs typeface="Courier New" panose="02070309020205020404" pitchFamily="49" charset="0"/>
+              </a:rPr>
+              <a:t>    </a:t>
+            </a:r>
+            <a:r>
+              <a:rPr lang="en-US" sz="1600" dirty="0" err="1">
+                <a:latin typeface="Courier New" panose="02070309020205020404" pitchFamily="49" charset="0"/>
+                <a:cs typeface="Courier New" panose="02070309020205020404" pitchFamily="49" charset="0"/>
+              </a:rPr>
+              <a:t>printf</a:t>
+            </a:r>
+            <a:r>
+              <a:rPr lang="en-US" sz="1600" dirty="0">
+                <a:latin typeface="Courier New" panose="02070309020205020404" pitchFamily="49" charset="0"/>
+                <a:cs typeface="Courier New" panose="02070309020205020404" pitchFamily="49" charset="0"/>
+              </a:rPr>
+              <a:t>("%08x %08x %08x\n", </a:t>
+            </a:r>
+            <a:r>
+              <a:rPr lang="en-US" sz="1600" dirty="0" err="1">
+                <a:latin typeface="Courier New" panose="02070309020205020404" pitchFamily="49" charset="0"/>
+                <a:cs typeface="Courier New" panose="02070309020205020404" pitchFamily="49" charset="0"/>
+              </a:rPr>
+              <a:t>si</a:t>
+            </a:r>
+            <a:r>
+              <a:rPr lang="en-US" sz="1600" dirty="0">
+                <a:latin typeface="Courier New" panose="02070309020205020404" pitchFamily="49" charset="0"/>
+                <a:cs typeface="Courier New" panose="02070309020205020404" pitchFamily="49" charset="0"/>
+              </a:rPr>
+              <a:t>[0], </a:t>
+            </a:r>
+            <a:r>
+              <a:rPr lang="en-US" sz="1600" dirty="0" err="1">
+                <a:latin typeface="Courier New" panose="02070309020205020404" pitchFamily="49" charset="0"/>
+                <a:cs typeface="Courier New" panose="02070309020205020404" pitchFamily="49" charset="0"/>
+              </a:rPr>
+              <a:t>si</a:t>
+            </a:r>
+            <a:r>
+              <a:rPr lang="en-US" sz="1600" dirty="0">
+                <a:latin typeface="Courier New" panose="02070309020205020404" pitchFamily="49" charset="0"/>
+                <a:cs typeface="Courier New" panose="02070309020205020404" pitchFamily="49" charset="0"/>
+              </a:rPr>
+              <a:t>[1], </a:t>
+            </a:r>
+            <a:r>
+              <a:rPr lang="en-US" sz="1600" dirty="0" err="1">
+                <a:latin typeface="Courier New" panose="02070309020205020404" pitchFamily="49" charset="0"/>
+                <a:cs typeface="Courier New" panose="02070309020205020404" pitchFamily="49" charset="0"/>
+              </a:rPr>
+              <a:t>si</a:t>
+            </a:r>
+            <a:r>
+              <a:rPr lang="en-US" sz="1600" dirty="0">
+                <a:latin typeface="Courier New" panose="02070309020205020404" pitchFamily="49" charset="0"/>
+                <a:cs typeface="Courier New" panose="02070309020205020404" pitchFamily="49" charset="0"/>
+              </a:rPr>
+              <a:t>[2]);</a:t>
+            </a:r>
+          </a:p>
+          <a:p>
+            <a:endParaRPr lang="en-US" sz="1600" dirty="0">
+              <a:latin typeface="Courier New" panose="02070309020205020404" pitchFamily="49" charset="0"/>
+              <a:cs typeface="Courier New" panose="02070309020205020404" pitchFamily="49" charset="0"/>
+            </a:endParaRPr>
+          </a:p>
+          <a:p>
+            <a:r>
+              <a:rPr lang="en-US" sz="1600" dirty="0">
+                <a:latin typeface="Courier New" panose="02070309020205020404" pitchFamily="49" charset="0"/>
+                <a:cs typeface="Courier New" panose="02070309020205020404" pitchFamily="49" charset="0"/>
+              </a:rPr>
+              <a:t>    mask = 0xff &lt;&lt; 8;</a:t>
+            </a:r>
+          </a:p>
+          <a:p>
+            <a:r>
+              <a:rPr lang="en-US" sz="1600" dirty="0">
+                <a:latin typeface="Courier New" panose="02070309020205020404" pitchFamily="49" charset="0"/>
+                <a:cs typeface="Courier New" panose="02070309020205020404" pitchFamily="49" charset="0"/>
+              </a:rPr>
+              <a:t>    masked = </a:t>
+            </a:r>
+            <a:r>
+              <a:rPr lang="en-US" sz="1600" dirty="0" err="1">
+                <a:latin typeface="Courier New" panose="02070309020205020404" pitchFamily="49" charset="0"/>
+                <a:cs typeface="Courier New" panose="02070309020205020404" pitchFamily="49" charset="0"/>
+              </a:rPr>
+              <a:t>si</a:t>
+            </a:r>
+            <a:r>
+              <a:rPr lang="en-US" sz="1600" dirty="0">
+                <a:latin typeface="Courier New" panose="02070309020205020404" pitchFamily="49" charset="0"/>
+                <a:cs typeface="Courier New" panose="02070309020205020404" pitchFamily="49" charset="0"/>
+              </a:rPr>
+              <a:t>[0] &amp; mask;</a:t>
+            </a:r>
+          </a:p>
+          <a:p>
+            <a:r>
+              <a:rPr lang="en-US" sz="1600" dirty="0">
+                <a:latin typeface="Courier New" panose="02070309020205020404" pitchFamily="49" charset="0"/>
+                <a:cs typeface="Courier New" panose="02070309020205020404" pitchFamily="49" charset="0"/>
+              </a:rPr>
+              <a:t>    </a:t>
+            </a:r>
+            <a:r>
+              <a:rPr lang="en-US" sz="1600" dirty="0" err="1">
+                <a:latin typeface="Courier New" panose="02070309020205020404" pitchFamily="49" charset="0"/>
+                <a:cs typeface="Courier New" panose="02070309020205020404" pitchFamily="49" charset="0"/>
+              </a:rPr>
+              <a:t>ch</a:t>
+            </a:r>
+            <a:r>
+              <a:rPr lang="en-US" sz="1600" dirty="0">
+                <a:latin typeface="Courier New" panose="02070309020205020404" pitchFamily="49" charset="0"/>
+                <a:cs typeface="Courier New" panose="02070309020205020404" pitchFamily="49" charset="0"/>
+              </a:rPr>
+              <a:t> = masked &gt;&gt; 8;</a:t>
+            </a:r>
+          </a:p>
+          <a:p>
+            <a:endParaRPr lang="en-US" sz="1600" dirty="0">
+              <a:latin typeface="Courier New" panose="02070309020205020404" pitchFamily="49" charset="0"/>
+              <a:cs typeface="Courier New" panose="02070309020205020404" pitchFamily="49" charset="0"/>
+            </a:endParaRPr>
+          </a:p>
+          <a:p>
+            <a:r>
+              <a:rPr lang="en-US" sz="1600" dirty="0">
+                <a:latin typeface="Courier New" panose="02070309020205020404" pitchFamily="49" charset="0"/>
+                <a:cs typeface="Courier New" panose="02070309020205020404" pitchFamily="49" charset="0"/>
+              </a:rPr>
+              <a:t>    </a:t>
+            </a:r>
+            <a:r>
+              <a:rPr lang="en-US" sz="1600" dirty="0" err="1">
+                <a:latin typeface="Courier New" panose="02070309020205020404" pitchFamily="49" charset="0"/>
+                <a:cs typeface="Courier New" panose="02070309020205020404" pitchFamily="49" charset="0"/>
+              </a:rPr>
+              <a:t>printf</a:t>
+            </a:r>
+            <a:r>
+              <a:rPr lang="en-US" sz="1600" dirty="0">
+                <a:latin typeface="Courier New" panose="02070309020205020404" pitchFamily="49" charset="0"/>
+                <a:cs typeface="Courier New" panose="02070309020205020404" pitchFamily="49" charset="0"/>
+              </a:rPr>
+              <a:t>("%08x\n", mask);</a:t>
+            </a:r>
+          </a:p>
+          <a:p>
+            <a:r>
+              <a:rPr lang="en-US" sz="1600" dirty="0">
+                <a:latin typeface="Courier New" panose="02070309020205020404" pitchFamily="49" charset="0"/>
+                <a:cs typeface="Courier New" panose="02070309020205020404" pitchFamily="49" charset="0"/>
+              </a:rPr>
+              <a:t>    </a:t>
+            </a:r>
+            <a:r>
+              <a:rPr lang="en-US" sz="1600" dirty="0" err="1">
+                <a:latin typeface="Courier New" panose="02070309020205020404" pitchFamily="49" charset="0"/>
+                <a:cs typeface="Courier New" panose="02070309020205020404" pitchFamily="49" charset="0"/>
+              </a:rPr>
+              <a:t>printf</a:t>
+            </a:r>
+            <a:r>
+              <a:rPr lang="en-US" sz="1600" dirty="0">
+                <a:latin typeface="Courier New" panose="02070309020205020404" pitchFamily="49" charset="0"/>
+                <a:cs typeface="Courier New" panose="02070309020205020404" pitchFamily="49" charset="0"/>
+              </a:rPr>
+              <a:t>("%08x\n", masked);</a:t>
+            </a:r>
+          </a:p>
+          <a:p>
+            <a:r>
+              <a:rPr lang="en-US" sz="1600" dirty="0">
+                <a:latin typeface="Courier New" panose="02070309020205020404" pitchFamily="49" charset="0"/>
+                <a:cs typeface="Courier New" panose="02070309020205020404" pitchFamily="49" charset="0"/>
+              </a:rPr>
+              <a:t>    </a:t>
+            </a:r>
+            <a:r>
+              <a:rPr lang="en-US" sz="1600" dirty="0" err="1">
+                <a:latin typeface="Courier New" panose="02070309020205020404" pitchFamily="49" charset="0"/>
+                <a:cs typeface="Courier New" panose="02070309020205020404" pitchFamily="49" charset="0"/>
+              </a:rPr>
+              <a:t>printf</a:t>
+            </a:r>
+            <a:r>
+              <a:rPr lang="en-US" sz="1600" dirty="0">
+                <a:latin typeface="Courier New" panose="02070309020205020404" pitchFamily="49" charset="0"/>
+                <a:cs typeface="Courier New" panose="02070309020205020404" pitchFamily="49" charset="0"/>
+              </a:rPr>
+              <a:t>("%08x %c\n", </a:t>
+            </a:r>
+            <a:r>
+              <a:rPr lang="en-US" sz="1600" dirty="0" err="1">
+                <a:latin typeface="Courier New" panose="02070309020205020404" pitchFamily="49" charset="0"/>
+                <a:cs typeface="Courier New" panose="02070309020205020404" pitchFamily="49" charset="0"/>
+              </a:rPr>
+              <a:t>ch</a:t>
+            </a:r>
+            <a:r>
+              <a:rPr lang="en-US" sz="1600" dirty="0">
+                <a:latin typeface="Courier New" panose="02070309020205020404" pitchFamily="49" charset="0"/>
+                <a:cs typeface="Courier New" panose="02070309020205020404" pitchFamily="49" charset="0"/>
+              </a:rPr>
+              <a:t>, </a:t>
+            </a:r>
+            <a:r>
+              <a:rPr lang="en-US" sz="1600" dirty="0" err="1">
+                <a:latin typeface="Courier New" panose="02070309020205020404" pitchFamily="49" charset="0"/>
+                <a:cs typeface="Courier New" panose="02070309020205020404" pitchFamily="49" charset="0"/>
+              </a:rPr>
+              <a:t>ch</a:t>
+            </a:r>
+            <a:r>
+              <a:rPr lang="en-US" sz="1600" dirty="0">
+                <a:latin typeface="Courier New" panose="02070309020205020404" pitchFamily="49" charset="0"/>
+                <a:cs typeface="Courier New" panose="02070309020205020404" pitchFamily="49" charset="0"/>
+              </a:rPr>
+              <a:t>);</a:t>
+            </a:r>
+          </a:p>
+          <a:p>
+            <a:r>
+              <a:rPr lang="en-US" sz="1600" dirty="0">
+                <a:latin typeface="Courier New" panose="02070309020205020404" pitchFamily="49" charset="0"/>
+                <a:cs typeface="Courier New" panose="02070309020205020404" pitchFamily="49" charset="0"/>
+              </a:rPr>
+              <a:t>}</a:t>
+            </a:r>
+            <a:endParaRPr lang="en-US" sz="1600" b="1" dirty="0">
+              <a:latin typeface="Courier New" panose="02070309020205020404" pitchFamily="49" charset="0"/>
+              <a:cs typeface="Courier New" panose="02070309020205020404" pitchFamily="49" charset="0"/>
+            </a:endParaRPr>
+          </a:p>
+        </p:txBody>
+      </p:sp>
+      <p:sp>
+        <p:nvSpPr>
+          <p:cNvPr id="5" name="TextBox 4">
+            <a:extLst>
+              <a:ext uri="{FF2B5EF4-FFF2-40B4-BE49-F238E27FC236}">
+                <a16:creationId xmlns:a16="http://schemas.microsoft.com/office/drawing/2014/main" id="{99C7C180-97B3-82D0-4384-4FC6C6803BF3}"/>
+              </a:ext>
+            </a:extLst>
+          </p:cNvPr>
+          <p:cNvSpPr txBox="1"/>
+          <p:nvPr/>
+        </p:nvSpPr>
+        <p:spPr>
+          <a:xfrm>
+            <a:off x="7959921" y="2767280"/>
+            <a:ext cx="3393878" cy="1569660"/>
+          </a:xfrm>
+          <a:prstGeom prst="rect">
+            <a:avLst/>
+          </a:prstGeom>
+          <a:noFill/>
+        </p:spPr>
+        <p:txBody>
+          <a:bodyPr wrap="none" rtlCol="0">
+            <a:spAutoFit/>
+          </a:bodyPr>
+          <a:lstStyle/>
+          <a:p>
+            <a:r>
+              <a:rPr lang="en-US" sz="1600" dirty="0">
+                <a:latin typeface="Courier New" panose="02070309020205020404" pitchFamily="49" charset="0"/>
+                <a:cs typeface="Courier New" panose="02070309020205020404" pitchFamily="49" charset="0"/>
+              </a:rPr>
+              <a:t>$ </a:t>
+            </a:r>
+            <a:r>
+              <a:rPr lang="en-US" sz="1600" dirty="0" err="1">
+                <a:latin typeface="Courier New" panose="02070309020205020404" pitchFamily="49" charset="0"/>
+                <a:cs typeface="Courier New" panose="02070309020205020404" pitchFamily="49" charset="0"/>
+              </a:rPr>
+              <a:t>a.out</a:t>
+            </a:r>
+            <a:endParaRPr lang="en-US" sz="1600" dirty="0">
+              <a:latin typeface="Courier New" panose="02070309020205020404" pitchFamily="49" charset="0"/>
+              <a:cs typeface="Courier New" panose="02070309020205020404" pitchFamily="49" charset="0"/>
+            </a:endParaRPr>
+          </a:p>
+          <a:p>
+            <a:r>
+              <a:rPr lang="en-US" sz="1600" dirty="0">
+                <a:latin typeface="Courier New" panose="02070309020205020404" pitchFamily="49" charset="0"/>
+                <a:cs typeface="Courier New" panose="02070309020205020404" pitchFamily="49" charset="0"/>
+              </a:rPr>
+              <a:t> l </a:t>
+            </a:r>
+            <a:r>
+              <a:rPr lang="en-US" sz="1600" b="1" dirty="0">
+                <a:latin typeface="Courier New" panose="02070309020205020404" pitchFamily="49" charset="0"/>
+                <a:cs typeface="Courier New" panose="02070309020205020404" pitchFamily="49" charset="0"/>
+              </a:rPr>
+              <a:t>l</a:t>
+            </a:r>
+            <a:r>
+              <a:rPr lang="en-US" sz="1600" dirty="0">
+                <a:latin typeface="Courier New" panose="02070309020205020404" pitchFamily="49" charset="0"/>
+                <a:cs typeface="Courier New" panose="02070309020205020404" pitchFamily="49" charset="0"/>
+              </a:rPr>
+              <a:t> e </a:t>
+            </a:r>
+            <a:r>
+              <a:rPr lang="en-US" sz="1600" b="1" dirty="0">
+                <a:latin typeface="Courier New" panose="02070309020205020404" pitchFamily="49" charset="0"/>
+                <a:cs typeface="Courier New" panose="02070309020205020404" pitchFamily="49" charset="0"/>
+              </a:rPr>
+              <a:t>H</a:t>
+            </a:r>
+            <a:r>
+              <a:rPr lang="en-US" sz="1600" dirty="0">
+                <a:latin typeface="Courier New" panose="02070309020205020404" pitchFamily="49" charset="0"/>
+                <a:cs typeface="Courier New" panose="02070309020205020404" pitchFamily="49" charset="0"/>
+              </a:rPr>
+              <a:t>  o </a:t>
+            </a:r>
+            <a:r>
+              <a:rPr lang="en-US" sz="1600" b="1" dirty="0">
+                <a:latin typeface="Courier New" panose="02070309020205020404" pitchFamily="49" charset="0"/>
+                <a:cs typeface="Courier New" panose="02070309020205020404" pitchFamily="49" charset="0"/>
+              </a:rPr>
+              <a:t>W</a:t>
+            </a:r>
+            <a:r>
+              <a:rPr lang="en-US" sz="1600" dirty="0">
+                <a:latin typeface="Courier New" panose="02070309020205020404" pitchFamily="49" charset="0"/>
+                <a:cs typeface="Courier New" panose="02070309020205020404" pitchFamily="49" charset="0"/>
+              </a:rPr>
+              <a:t> - </a:t>
+            </a:r>
+            <a:r>
+              <a:rPr lang="en-US" sz="1600" b="1" dirty="0">
+                <a:latin typeface="Courier New" panose="02070309020205020404" pitchFamily="49" charset="0"/>
+                <a:cs typeface="Courier New" panose="02070309020205020404" pitchFamily="49" charset="0"/>
+              </a:rPr>
+              <a:t>o</a:t>
+            </a:r>
+            <a:r>
+              <a:rPr lang="en-US" sz="1600" dirty="0">
+                <a:latin typeface="Courier New" panose="02070309020205020404" pitchFamily="49" charset="0"/>
+                <a:cs typeface="Courier New" panose="02070309020205020404" pitchFamily="49" charset="0"/>
+              </a:rPr>
+              <a:t> 00 </a:t>
+            </a:r>
+            <a:r>
+              <a:rPr lang="en-US" sz="1600" b="1" dirty="0">
+                <a:latin typeface="Courier New" panose="02070309020205020404" pitchFamily="49" charset="0"/>
+                <a:cs typeface="Courier New" panose="02070309020205020404" pitchFamily="49" charset="0"/>
+              </a:rPr>
+              <a:t>d</a:t>
+            </a:r>
+            <a:r>
+              <a:rPr lang="en-US" sz="1600" dirty="0">
+                <a:latin typeface="Courier New" panose="02070309020205020404" pitchFamily="49" charset="0"/>
+                <a:cs typeface="Courier New" panose="02070309020205020404" pitchFamily="49" charset="0"/>
+              </a:rPr>
+              <a:t> l </a:t>
+            </a:r>
+            <a:r>
+              <a:rPr lang="en-US" sz="1600" b="1" dirty="0">
+                <a:latin typeface="Courier New" panose="02070309020205020404" pitchFamily="49" charset="0"/>
+                <a:cs typeface="Courier New" panose="02070309020205020404" pitchFamily="49" charset="0"/>
+              </a:rPr>
+              <a:t>r</a:t>
+            </a:r>
+          </a:p>
+          <a:p>
+            <a:r>
+              <a:rPr lang="en-US" sz="1600" dirty="0">
+                <a:latin typeface="Courier New" panose="02070309020205020404" pitchFamily="49" charset="0"/>
+                <a:cs typeface="Courier New" panose="02070309020205020404" pitchFamily="49" charset="0"/>
+              </a:rPr>
+              <a:t>6c</a:t>
+            </a:r>
+            <a:r>
+              <a:rPr lang="en-US" sz="1600" b="1" dirty="0">
+                <a:latin typeface="Courier New" panose="02070309020205020404" pitchFamily="49" charset="0"/>
+                <a:cs typeface="Courier New" panose="02070309020205020404" pitchFamily="49" charset="0"/>
+              </a:rPr>
+              <a:t>6c</a:t>
+            </a:r>
+            <a:r>
+              <a:rPr lang="en-US" sz="1600" dirty="0">
+                <a:latin typeface="Courier New" panose="02070309020205020404" pitchFamily="49" charset="0"/>
+                <a:cs typeface="Courier New" panose="02070309020205020404" pitchFamily="49" charset="0"/>
+              </a:rPr>
+              <a:t>65</a:t>
+            </a:r>
+            <a:r>
+              <a:rPr lang="en-US" sz="1600" b="1" dirty="0">
+                <a:latin typeface="Courier New" panose="02070309020205020404" pitchFamily="49" charset="0"/>
+                <a:cs typeface="Courier New" panose="02070309020205020404" pitchFamily="49" charset="0"/>
+              </a:rPr>
+              <a:t>48</a:t>
+            </a:r>
+            <a:r>
+              <a:rPr lang="en-US" sz="1600" dirty="0">
+                <a:latin typeface="Courier New" panose="02070309020205020404" pitchFamily="49" charset="0"/>
+                <a:cs typeface="Courier New" panose="02070309020205020404" pitchFamily="49" charset="0"/>
+              </a:rPr>
+              <a:t> 6f</a:t>
+            </a:r>
+            <a:r>
+              <a:rPr lang="en-US" sz="1600" b="1" dirty="0">
+                <a:latin typeface="Courier New" panose="02070309020205020404" pitchFamily="49" charset="0"/>
+                <a:cs typeface="Courier New" panose="02070309020205020404" pitchFamily="49" charset="0"/>
+              </a:rPr>
+              <a:t>77</a:t>
+            </a:r>
+            <a:r>
+              <a:rPr lang="en-US" sz="1600" dirty="0">
+                <a:latin typeface="Courier New" panose="02070309020205020404" pitchFamily="49" charset="0"/>
+                <a:cs typeface="Courier New" panose="02070309020205020404" pitchFamily="49" charset="0"/>
+              </a:rPr>
+              <a:t>20</a:t>
+            </a:r>
+            <a:r>
+              <a:rPr lang="en-US" sz="1600" b="1" dirty="0">
+                <a:latin typeface="Courier New" panose="02070309020205020404" pitchFamily="49" charset="0"/>
+                <a:cs typeface="Courier New" panose="02070309020205020404" pitchFamily="49" charset="0"/>
+              </a:rPr>
+              <a:t>6f</a:t>
+            </a:r>
+            <a:r>
+              <a:rPr lang="en-US" sz="1600" dirty="0">
+                <a:latin typeface="Courier New" panose="02070309020205020404" pitchFamily="49" charset="0"/>
+                <a:cs typeface="Courier New" panose="02070309020205020404" pitchFamily="49" charset="0"/>
+              </a:rPr>
+              <a:t> 00</a:t>
+            </a:r>
+            <a:r>
+              <a:rPr lang="en-US" sz="1600" b="1" dirty="0">
+                <a:latin typeface="Courier New" panose="02070309020205020404" pitchFamily="49" charset="0"/>
+                <a:cs typeface="Courier New" panose="02070309020205020404" pitchFamily="49" charset="0"/>
+              </a:rPr>
+              <a:t>64</a:t>
+            </a:r>
+            <a:r>
+              <a:rPr lang="en-US" sz="1600" dirty="0">
+                <a:latin typeface="Courier New" panose="02070309020205020404" pitchFamily="49" charset="0"/>
+                <a:cs typeface="Courier New" panose="02070309020205020404" pitchFamily="49" charset="0"/>
+              </a:rPr>
+              <a:t>6c</a:t>
+            </a:r>
+            <a:r>
+              <a:rPr lang="en-US" sz="1600" b="1" dirty="0">
+                <a:latin typeface="Courier New" panose="02070309020205020404" pitchFamily="49" charset="0"/>
+                <a:cs typeface="Courier New" panose="02070309020205020404" pitchFamily="49" charset="0"/>
+              </a:rPr>
+              <a:t>72</a:t>
+            </a:r>
+          </a:p>
+          <a:p>
+            <a:r>
+              <a:rPr lang="en-US" sz="1600" dirty="0">
+                <a:latin typeface="Courier New" panose="02070309020205020404" pitchFamily="49" charset="0"/>
+                <a:cs typeface="Courier New" panose="02070309020205020404" pitchFamily="49" charset="0"/>
+              </a:rPr>
+              <a:t>0000ff00</a:t>
+            </a:r>
+          </a:p>
+          <a:p>
+            <a:r>
+              <a:rPr lang="en-US" sz="1600" dirty="0">
+                <a:latin typeface="Courier New" panose="02070309020205020404" pitchFamily="49" charset="0"/>
+                <a:cs typeface="Courier New" panose="02070309020205020404" pitchFamily="49" charset="0"/>
+              </a:rPr>
+              <a:t>00006500</a:t>
+            </a:r>
+          </a:p>
+          <a:p>
+            <a:r>
+              <a:rPr lang="en-US" sz="1600" dirty="0">
+                <a:latin typeface="Courier New" panose="02070309020205020404" pitchFamily="49" charset="0"/>
+                <a:cs typeface="Courier New" panose="02070309020205020404" pitchFamily="49" charset="0"/>
+              </a:rPr>
+              <a:t>00000065 e</a:t>
+            </a:r>
+            <a:endParaRPr lang="en-US" sz="1600" b="1" dirty="0">
+              <a:latin typeface="Courier New" panose="02070309020205020404" pitchFamily="49" charset="0"/>
+              <a:cs typeface="Courier New" panose="02070309020205020404" pitchFamily="49" charset="0"/>
+            </a:endParaRPr>
+          </a:p>
+        </p:txBody>
+      </p:sp>
+      <p:sp>
+        <p:nvSpPr>
+          <p:cNvPr id="6" name="TextBox 5">
+            <a:extLst>
+              <a:ext uri="{FF2B5EF4-FFF2-40B4-BE49-F238E27FC236}">
+                <a16:creationId xmlns:a16="http://schemas.microsoft.com/office/drawing/2014/main" id="{DEE1A160-FA5F-05BB-8C27-57A986C8E306}"/>
+              </a:ext>
+            </a:extLst>
+          </p:cNvPr>
+          <p:cNvSpPr txBox="1"/>
+          <p:nvPr/>
+        </p:nvSpPr>
+        <p:spPr>
+          <a:xfrm>
+            <a:off x="7279159" y="5110432"/>
+            <a:ext cx="3106556" cy="508088"/>
+          </a:xfrm>
+          <a:prstGeom prst="rect">
+            <a:avLst/>
+          </a:prstGeom>
+          <a:noFill/>
+        </p:spPr>
+        <p:txBody>
+          <a:bodyPr wrap="none" rtlCol="0">
+            <a:spAutoFit/>
+          </a:bodyPr>
+          <a:lstStyle/>
+          <a:p>
+            <a:r>
+              <a:rPr lang="en-US" sz="1351" dirty="0"/>
+              <a:t>Please don’t try this at home </a:t>
+            </a:r>
+            <a:r>
+              <a:rPr lang="en-US" sz="1351" dirty="0">
+                <a:sym typeface="Wingdings" pitchFamily="2" charset="2"/>
+              </a:rPr>
+              <a:t> </a:t>
+            </a:r>
+          </a:p>
+          <a:p>
+            <a:r>
+              <a:rPr lang="en-US" sz="1351" dirty="0"/>
+              <a:t>https://</a:t>
+            </a:r>
+            <a:r>
+              <a:rPr lang="en-US" sz="1351" dirty="0" err="1"/>
+              <a:t>en.wikipedia.org</a:t>
+            </a:r>
+            <a:r>
+              <a:rPr lang="en-US" sz="1351" dirty="0"/>
+              <a:t>/wiki/Endianness</a:t>
+            </a:r>
+          </a:p>
+        </p:txBody>
+      </p:sp>
+      <p:sp>
+        <p:nvSpPr>
+          <p:cNvPr id="7" name="TextBox 6">
+            <a:extLst>
+              <a:ext uri="{FF2B5EF4-FFF2-40B4-BE49-F238E27FC236}">
+                <a16:creationId xmlns:a16="http://schemas.microsoft.com/office/drawing/2014/main" id="{A6E2F1D5-5AE5-F140-795E-8B3AAD97E87E}"/>
+              </a:ext>
+            </a:extLst>
+          </p:cNvPr>
+          <p:cNvSpPr txBox="1"/>
+          <p:nvPr/>
+        </p:nvSpPr>
+        <p:spPr>
+          <a:xfrm>
+            <a:off x="10460183" y="6323599"/>
+            <a:ext cx="1600199" cy="338554"/>
+          </a:xfrm>
+          <a:prstGeom prst="rect">
+            <a:avLst/>
+          </a:prstGeom>
+          <a:noFill/>
+        </p:spPr>
+        <p:txBody>
+          <a:bodyPr wrap="square">
+            <a:spAutoFit/>
+          </a:bodyPr>
+          <a:lstStyle/>
+          <a:p>
+            <a:r>
+              <a:rPr lang="en-US" sz="1600" dirty="0">
+                <a:solidFill>
+                  <a:srgbClr val="000000"/>
+                </a:solidFill>
+                <a:latin typeface="Menlo" panose="020B0609030804020204" pitchFamily="49" charset="0"/>
+              </a:rPr>
+              <a:t>kr_02_01.c</a:t>
+            </a:r>
+          </a:p>
+        </p:txBody>
+      </p:sp>
+    </p:spTree>
+    <p:extLst>
+      <p:ext uri="{BB962C8B-B14F-4D97-AF65-F5344CB8AC3E}">
+        <p14:creationId xmlns:p14="http://schemas.microsoft.com/office/powerpoint/2010/main" val="181109624"/>
+      </p:ext>
+    </p:extLst>
+  </p:cSld>
+  <p:clrMapOvr>
+    <a:masterClrMapping/>
+  </p:clrMapOvr>
+</p:sld>
+</file>
+
+<file path=ppt/slides/slide12.xml><?xml version="1.0" encoding="utf-8"?>
+<p:sld xmlns:a="http://schemas.openxmlformats.org/drawingml/2006/main" xmlns:r="http://schemas.openxmlformats.org/officeDocument/2006/relationships" xmlns:p="http://schemas.openxmlformats.org/presentationml/2006/main">
+  <p:cSld>
+    <p:spTree>
+      <p:nvGrpSpPr>
+        <p:cNvPr id="1" name=""/>
+        <p:cNvGrpSpPr/>
+        <p:nvPr/>
+      </p:nvGrpSpPr>
+      <p:grpSpPr>
+        <a:xfrm>
+          <a:off x="0" y="0"/>
+          <a:ext cx="0" cy="0"/>
+          <a:chOff x="0" y="0"/>
+          <a:chExt cx="0" cy="0"/>
+        </a:xfrm>
+      </p:grpSpPr>
+      <p:sp>
+        <p:nvSpPr>
+          <p:cNvPr id="3" name="Title 2">
+            <a:extLst>
+              <a:ext uri="{FF2B5EF4-FFF2-40B4-BE49-F238E27FC236}">
+                <a16:creationId xmlns:a16="http://schemas.microsoft.com/office/drawing/2014/main" id="{26D5DF8A-3D98-DC7E-85E8-EAC7EDC57520}"/>
+              </a:ext>
+            </a:extLst>
+          </p:cNvPr>
+          <p:cNvSpPr>
+            <a:spLocks noGrp="1"/>
+          </p:cNvSpPr>
+          <p:nvPr>
+            <p:ph type="title"/>
+          </p:nvPr>
+        </p:nvSpPr>
+        <p:spPr/>
+        <p:txBody>
+          <a:bodyPr/>
+          <a:lstStyle/>
+          <a:p>
+            <a:r>
+              <a:rPr lang="en-US" dirty="0"/>
+              <a:t>Summary</a:t>
+            </a:r>
+          </a:p>
+        </p:txBody>
+      </p:sp>
+      <p:sp>
+        <p:nvSpPr>
+          <p:cNvPr id="2" name="Content Placeholder 1">
+            <a:extLst>
+              <a:ext uri="{FF2B5EF4-FFF2-40B4-BE49-F238E27FC236}">
+                <a16:creationId xmlns:a16="http://schemas.microsoft.com/office/drawing/2014/main" id="{50791E68-B219-7E1C-2218-042D2ED13759}"/>
+              </a:ext>
+            </a:extLst>
+          </p:cNvPr>
+          <p:cNvSpPr>
+            <a:spLocks noGrp="1"/>
+          </p:cNvSpPr>
+          <p:nvPr>
+            <p:ph idx="1"/>
+          </p:nvPr>
+        </p:nvSpPr>
         <p:spPr/>
         <p:txBody>
           <a:bodyPr/>
@@ -3569,6 +4603,30 @@
               <a:rPr lang="en-US" dirty="0"/>
               <a:t>Take your time and learn this well – from now on, everything depends on understanding pointers.</a:t>
             </a:r>
+          </a:p>
+          <a:p>
+            <a:r>
+              <a:rPr lang="en-US" dirty="0"/>
+              <a:t>Skim sections 5.7, 5.10 - 5.12 </a:t>
+            </a:r>
+            <a:r>
+              <a:rPr lang="en-US"/>
+              <a:t>– Lets </a:t>
+            </a:r>
+            <a:r>
+              <a:rPr lang="en-US" dirty="0"/>
+              <a:t>get to Chapter 6 </a:t>
+            </a:r>
+            <a:r>
+              <a:rPr lang="en-US" dirty="0">
+                <a:sym typeface="Wingdings" pitchFamily="2" charset="2"/>
+              </a:rPr>
+              <a:t></a:t>
+            </a:r>
+            <a:endParaRPr lang="en-US" dirty="0"/>
+          </a:p>
+          <a:p>
+            <a:endParaRPr lang="en-US" dirty="0"/>
           </a:p>
         </p:txBody>
       </p:sp>
@@ -3585,7 +4643,7 @@
 </p:sld>
 </file>
 
-<file path=ppt/slides/slide11.xml><?xml version="1.0" encoding="utf-8"?>
+<file path=ppt/slides/slide13.xml><?xml version="1.0" encoding="utf-8"?>
 <p:sld xmlns:a="http://schemas.openxmlformats.org/drawingml/2006/main" xmlns:r="http://schemas.openxmlformats.org/officeDocument/2006/relationships" xmlns:p="http://schemas.openxmlformats.org/presentationml/2006/main">
   <p:cSld>
     <p:spTree>
@@ -3845,7 +4903,7 @@
           <a:p>
             <a:r>
               <a:rPr lang="en-US" dirty="0"/>
-              <a:t>Sections 5.10 - 5.12 – Skim – come back to this later</a:t>
+              <a:t>Sections 5.7, 5.10 - 5.12 – Skim – come back to these later</a:t>
             </a:r>
           </a:p>
           <a:p>
@@ -5367,6 +6425,554 @@
 </file>
 
 <file path=ppt/slides/slide6.xml><?xml version="1.0" encoding="utf-8"?>
+<p:sld xmlns:a="http://schemas.openxmlformats.org/drawingml/2006/main" xmlns:r="http://schemas.openxmlformats.org/officeDocument/2006/relationships" xmlns:p="http://schemas.openxmlformats.org/presentationml/2006/main">
+  <p:cSld>
+    <p:spTree>
+      <p:nvGrpSpPr>
+        <p:cNvPr id="1" name=""/>
+        <p:cNvGrpSpPr/>
+        <p:nvPr/>
+      </p:nvGrpSpPr>
+      <p:grpSpPr>
+        <a:xfrm>
+          <a:off x="0" y="0"/>
+          <a:ext cx="0" cy="0"/>
+          <a:chOff x="0" y="0"/>
+          <a:chExt cx="0" cy="0"/>
+        </a:xfrm>
+      </p:grpSpPr>
+      <p:sp>
+        <p:nvSpPr>
+          <p:cNvPr id="2" name="Title 1">
+            <a:extLst>
+              <a:ext uri="{FF2B5EF4-FFF2-40B4-BE49-F238E27FC236}">
+                <a16:creationId xmlns:a16="http://schemas.microsoft.com/office/drawing/2014/main" id="{C70D1F8E-FAF5-788D-9765-8FD64D4D42C9}"/>
+              </a:ext>
+            </a:extLst>
+          </p:cNvPr>
+          <p:cNvSpPr>
+            <a:spLocks noGrp="1"/>
+          </p:cNvSpPr>
+          <p:nvPr>
+            <p:ph type="title"/>
+          </p:nvPr>
+        </p:nvSpPr>
+        <p:spPr/>
+        <p:txBody>
+          <a:bodyPr/>
+          <a:lstStyle/>
+          <a:p>
+            <a:r>
+              <a:rPr lang="en-US" dirty="0"/>
+              <a:t>5.4 Pointer Arithmetic</a:t>
+            </a:r>
+          </a:p>
+        </p:txBody>
+      </p:sp>
+      <p:sp>
+        <p:nvSpPr>
+          <p:cNvPr id="4" name="TextBox 3">
+            <a:extLst>
+              <a:ext uri="{FF2B5EF4-FFF2-40B4-BE49-F238E27FC236}">
+                <a16:creationId xmlns:a16="http://schemas.microsoft.com/office/drawing/2014/main" id="{AB8DA6F4-D739-00A6-D152-CC13E5DCEB86}"/>
+              </a:ext>
+            </a:extLst>
+          </p:cNvPr>
+          <p:cNvSpPr txBox="1"/>
+          <p:nvPr/>
+        </p:nvSpPr>
+        <p:spPr>
+          <a:xfrm>
+            <a:off x="948437" y="1859339"/>
+            <a:ext cx="5724644" cy="3785652"/>
+          </a:xfrm>
+          <a:prstGeom prst="rect">
+            <a:avLst/>
+          </a:prstGeom>
+          <a:noFill/>
+        </p:spPr>
+        <p:txBody>
+          <a:bodyPr wrap="none" rtlCol="0">
+            <a:spAutoFit/>
+          </a:bodyPr>
+          <a:lstStyle/>
+          <a:p>
+            <a:r>
+              <a:rPr lang="en-US" sz="2000" b="1" dirty="0">
+                <a:latin typeface="Courier New" panose="02070309020205020404" pitchFamily="49" charset="0"/>
+                <a:cs typeface="Courier New" panose="02070309020205020404" pitchFamily="49" charset="0"/>
+              </a:rPr>
+              <a:t>#include &lt;</a:t>
+            </a:r>
+            <a:r>
+              <a:rPr lang="en-US" sz="2000" b="1" dirty="0" err="1">
+                <a:latin typeface="Courier New" panose="02070309020205020404" pitchFamily="49" charset="0"/>
+                <a:cs typeface="Courier New" panose="02070309020205020404" pitchFamily="49" charset="0"/>
+              </a:rPr>
+              <a:t>stdio.h</a:t>
+            </a:r>
+            <a:r>
+              <a:rPr lang="en-US" sz="2000" b="1" dirty="0">
+                <a:latin typeface="Courier New" panose="02070309020205020404" pitchFamily="49" charset="0"/>
+                <a:cs typeface="Courier New" panose="02070309020205020404" pitchFamily="49" charset="0"/>
+              </a:rPr>
+              <a:t>&gt;</a:t>
+            </a:r>
+          </a:p>
+          <a:p>
+            <a:endParaRPr lang="en-US" sz="2000" b="1" dirty="0">
+              <a:latin typeface="Courier New" panose="02070309020205020404" pitchFamily="49" charset="0"/>
+              <a:cs typeface="Courier New" panose="02070309020205020404" pitchFamily="49" charset="0"/>
+            </a:endParaRPr>
+          </a:p>
+          <a:p>
+            <a:r>
+              <a:rPr lang="en-US" sz="2000" b="1" dirty="0">
+                <a:latin typeface="Courier New" panose="02070309020205020404" pitchFamily="49" charset="0"/>
+                <a:cs typeface="Courier New" panose="02070309020205020404" pitchFamily="49" charset="0"/>
+              </a:rPr>
+              <a:t>int main() {</a:t>
+            </a:r>
+          </a:p>
+          <a:p>
+            <a:r>
+              <a:rPr lang="en-US" sz="2000" b="1" dirty="0">
+                <a:latin typeface="Courier New" panose="02070309020205020404" pitchFamily="49" charset="0"/>
+                <a:cs typeface="Courier New" panose="02070309020205020404" pitchFamily="49" charset="0"/>
+              </a:rPr>
+              <a:t>    char ca[10], *cp;</a:t>
+            </a:r>
+          </a:p>
+          <a:p>
+            <a:r>
+              <a:rPr lang="en-US" sz="2000" b="1" dirty="0">
+                <a:latin typeface="Courier New" panose="02070309020205020404" pitchFamily="49" charset="0"/>
+                <a:cs typeface="Courier New" panose="02070309020205020404" pitchFamily="49" charset="0"/>
+              </a:rPr>
+              <a:t>    int </a:t>
+            </a:r>
+            <a:r>
+              <a:rPr lang="en-US" sz="2000" b="1" dirty="0" err="1">
+                <a:latin typeface="Courier New" panose="02070309020205020404" pitchFamily="49" charset="0"/>
+                <a:cs typeface="Courier New" panose="02070309020205020404" pitchFamily="49" charset="0"/>
+              </a:rPr>
+              <a:t>ia</a:t>
+            </a:r>
+            <a:r>
+              <a:rPr lang="en-US" sz="2000" b="1" dirty="0">
+                <a:latin typeface="Courier New" panose="02070309020205020404" pitchFamily="49" charset="0"/>
+                <a:cs typeface="Courier New" panose="02070309020205020404" pitchFamily="49" charset="0"/>
+              </a:rPr>
+              <a:t>[10], *</a:t>
+            </a:r>
+            <a:r>
+              <a:rPr lang="en-US" sz="2000" b="1" dirty="0" err="1">
+                <a:latin typeface="Courier New" panose="02070309020205020404" pitchFamily="49" charset="0"/>
+                <a:cs typeface="Courier New" panose="02070309020205020404" pitchFamily="49" charset="0"/>
+              </a:rPr>
+              <a:t>ip</a:t>
+            </a:r>
+            <a:r>
+              <a:rPr lang="en-US" sz="2000" b="1" dirty="0">
+                <a:latin typeface="Courier New" panose="02070309020205020404" pitchFamily="49" charset="0"/>
+                <a:cs typeface="Courier New" panose="02070309020205020404" pitchFamily="49" charset="0"/>
+              </a:rPr>
+              <a:t>;</a:t>
+            </a:r>
+          </a:p>
+          <a:p>
+            <a:r>
+              <a:rPr lang="en-US" sz="2000" b="1" dirty="0">
+                <a:latin typeface="Courier New" panose="02070309020205020404" pitchFamily="49" charset="0"/>
+                <a:cs typeface="Courier New" panose="02070309020205020404" pitchFamily="49" charset="0"/>
+              </a:rPr>
+              <a:t>    </a:t>
+            </a:r>
+          </a:p>
+          <a:p>
+            <a:r>
+              <a:rPr lang="en-US" sz="2000" b="1" dirty="0">
+                <a:latin typeface="Courier New" panose="02070309020205020404" pitchFamily="49" charset="0"/>
+                <a:cs typeface="Courier New" panose="02070309020205020404" pitchFamily="49" charset="0"/>
+              </a:rPr>
+              <a:t>    cp = ca + 1;</a:t>
+            </a:r>
+          </a:p>
+          <a:p>
+            <a:r>
+              <a:rPr lang="en-US" sz="2000" b="1" dirty="0">
+                <a:latin typeface="Courier New" panose="02070309020205020404" pitchFamily="49" charset="0"/>
+                <a:cs typeface="Courier New" panose="02070309020205020404" pitchFamily="49" charset="0"/>
+              </a:rPr>
+              <a:t>    </a:t>
+            </a:r>
+            <a:r>
+              <a:rPr lang="en-US" sz="2000" b="1" dirty="0" err="1">
+                <a:latin typeface="Courier New" panose="02070309020205020404" pitchFamily="49" charset="0"/>
+                <a:cs typeface="Courier New" panose="02070309020205020404" pitchFamily="49" charset="0"/>
+              </a:rPr>
+              <a:t>ip</a:t>
+            </a:r>
+            <a:r>
+              <a:rPr lang="en-US" sz="2000" b="1" dirty="0">
+                <a:latin typeface="Courier New" panose="02070309020205020404" pitchFamily="49" charset="0"/>
+                <a:cs typeface="Courier New" panose="02070309020205020404" pitchFamily="49" charset="0"/>
+              </a:rPr>
+              <a:t> = </a:t>
+            </a:r>
+            <a:r>
+              <a:rPr lang="en-US" sz="2000" b="1" dirty="0" err="1">
+                <a:latin typeface="Courier New" panose="02070309020205020404" pitchFamily="49" charset="0"/>
+                <a:cs typeface="Courier New" panose="02070309020205020404" pitchFamily="49" charset="0"/>
+              </a:rPr>
+              <a:t>ia</a:t>
+            </a:r>
+            <a:r>
+              <a:rPr lang="en-US" sz="2000" b="1" dirty="0">
+                <a:latin typeface="Courier New" panose="02070309020205020404" pitchFamily="49" charset="0"/>
+                <a:cs typeface="Courier New" panose="02070309020205020404" pitchFamily="49" charset="0"/>
+              </a:rPr>
+              <a:t> + 1;</a:t>
+            </a:r>
+          </a:p>
+          <a:p>
+            <a:endParaRPr lang="en-US" sz="2000" b="1" dirty="0">
+              <a:latin typeface="Courier New" panose="02070309020205020404" pitchFamily="49" charset="0"/>
+              <a:cs typeface="Courier New" panose="02070309020205020404" pitchFamily="49" charset="0"/>
+            </a:endParaRPr>
+          </a:p>
+          <a:p>
+            <a:r>
+              <a:rPr lang="en-US" sz="2000" b="1" dirty="0">
+                <a:latin typeface="Courier New" panose="02070309020205020404" pitchFamily="49" charset="0"/>
+                <a:cs typeface="Courier New" panose="02070309020205020404" pitchFamily="49" charset="0"/>
+              </a:rPr>
+              <a:t>    </a:t>
+            </a:r>
+            <a:r>
+              <a:rPr lang="en-US" sz="2000" b="1" dirty="0" err="1">
+                <a:latin typeface="Courier New" panose="02070309020205020404" pitchFamily="49" charset="0"/>
+                <a:cs typeface="Courier New" panose="02070309020205020404" pitchFamily="49" charset="0"/>
+              </a:rPr>
+              <a:t>printf</a:t>
+            </a:r>
+            <a:r>
+              <a:rPr lang="en-US" sz="2000" b="1" dirty="0">
+                <a:latin typeface="Courier New" panose="02070309020205020404" pitchFamily="49" charset="0"/>
+                <a:cs typeface="Courier New" panose="02070309020205020404" pitchFamily="49" charset="0"/>
+              </a:rPr>
+              <a:t>("ca %p cp %p\n", ca, cp);</a:t>
+            </a:r>
+          </a:p>
+          <a:p>
+            <a:r>
+              <a:rPr lang="en-US" sz="2000" b="1" dirty="0">
+                <a:latin typeface="Courier New" panose="02070309020205020404" pitchFamily="49" charset="0"/>
+                <a:cs typeface="Courier New" panose="02070309020205020404" pitchFamily="49" charset="0"/>
+              </a:rPr>
+              <a:t>    </a:t>
+            </a:r>
+            <a:r>
+              <a:rPr lang="en-US" sz="2000" b="1" dirty="0" err="1">
+                <a:latin typeface="Courier New" panose="02070309020205020404" pitchFamily="49" charset="0"/>
+                <a:cs typeface="Courier New" panose="02070309020205020404" pitchFamily="49" charset="0"/>
+              </a:rPr>
+              <a:t>printf</a:t>
+            </a:r>
+            <a:r>
+              <a:rPr lang="en-US" sz="2000" b="1" dirty="0">
+                <a:latin typeface="Courier New" panose="02070309020205020404" pitchFamily="49" charset="0"/>
+                <a:cs typeface="Courier New" panose="02070309020205020404" pitchFamily="49" charset="0"/>
+              </a:rPr>
+              <a:t>("</a:t>
+            </a:r>
+            <a:r>
+              <a:rPr lang="en-US" sz="2000" b="1" dirty="0" err="1">
+                <a:latin typeface="Courier New" panose="02070309020205020404" pitchFamily="49" charset="0"/>
+                <a:cs typeface="Courier New" panose="02070309020205020404" pitchFamily="49" charset="0"/>
+              </a:rPr>
+              <a:t>ia</a:t>
+            </a:r>
+            <a:r>
+              <a:rPr lang="en-US" sz="2000" b="1" dirty="0">
+                <a:latin typeface="Courier New" panose="02070309020205020404" pitchFamily="49" charset="0"/>
+                <a:cs typeface="Courier New" panose="02070309020205020404" pitchFamily="49" charset="0"/>
+              </a:rPr>
+              <a:t> %p </a:t>
+            </a:r>
+            <a:r>
+              <a:rPr lang="en-US" sz="2000" b="1" dirty="0" err="1">
+                <a:latin typeface="Courier New" panose="02070309020205020404" pitchFamily="49" charset="0"/>
+                <a:cs typeface="Courier New" panose="02070309020205020404" pitchFamily="49" charset="0"/>
+              </a:rPr>
+              <a:t>ip</a:t>
+            </a:r>
+            <a:r>
+              <a:rPr lang="en-US" sz="2000" b="1" dirty="0">
+                <a:latin typeface="Courier New" panose="02070309020205020404" pitchFamily="49" charset="0"/>
+                <a:cs typeface="Courier New" panose="02070309020205020404" pitchFamily="49" charset="0"/>
+              </a:rPr>
+              <a:t> %p\n", </a:t>
+            </a:r>
+            <a:r>
+              <a:rPr lang="en-US" sz="2000" b="1" dirty="0" err="1">
+                <a:latin typeface="Courier New" panose="02070309020205020404" pitchFamily="49" charset="0"/>
+                <a:cs typeface="Courier New" panose="02070309020205020404" pitchFamily="49" charset="0"/>
+              </a:rPr>
+              <a:t>ia</a:t>
+            </a:r>
+            <a:r>
+              <a:rPr lang="en-US" sz="2000" b="1" dirty="0">
+                <a:latin typeface="Courier New" panose="02070309020205020404" pitchFamily="49" charset="0"/>
+                <a:cs typeface="Courier New" panose="02070309020205020404" pitchFamily="49" charset="0"/>
+              </a:rPr>
+              <a:t>, </a:t>
+            </a:r>
+            <a:r>
+              <a:rPr lang="en-US" sz="2000" b="1" dirty="0" err="1">
+                <a:latin typeface="Courier New" panose="02070309020205020404" pitchFamily="49" charset="0"/>
+                <a:cs typeface="Courier New" panose="02070309020205020404" pitchFamily="49" charset="0"/>
+              </a:rPr>
+              <a:t>ip</a:t>
+            </a:r>
+            <a:r>
+              <a:rPr lang="en-US" sz="2000" b="1" dirty="0">
+                <a:latin typeface="Courier New" panose="02070309020205020404" pitchFamily="49" charset="0"/>
+                <a:cs typeface="Courier New" panose="02070309020205020404" pitchFamily="49" charset="0"/>
+              </a:rPr>
+              <a:t>);</a:t>
+            </a:r>
+          </a:p>
+          <a:p>
+            <a:r>
+              <a:rPr lang="en-US" sz="2000" b="1" dirty="0">
+                <a:latin typeface="Courier New" panose="02070309020205020404" pitchFamily="49" charset="0"/>
+                <a:cs typeface="Courier New" panose="02070309020205020404" pitchFamily="49" charset="0"/>
+              </a:rPr>
+              <a:t>}</a:t>
+            </a:r>
+          </a:p>
+        </p:txBody>
+      </p:sp>
+      <p:sp>
+        <p:nvSpPr>
+          <p:cNvPr id="5" name="TextBox 4">
+            <a:extLst>
+              <a:ext uri="{FF2B5EF4-FFF2-40B4-BE49-F238E27FC236}">
+                <a16:creationId xmlns:a16="http://schemas.microsoft.com/office/drawing/2014/main" id="{8CF697DA-E06B-1892-C514-E926206AD1C4}"/>
+              </a:ext>
+            </a:extLst>
+          </p:cNvPr>
+          <p:cNvSpPr txBox="1"/>
+          <p:nvPr/>
+        </p:nvSpPr>
+        <p:spPr>
+          <a:xfrm>
+            <a:off x="6096000" y="3038877"/>
+            <a:ext cx="5530681" cy="830997"/>
+          </a:xfrm>
+          <a:prstGeom prst="rect">
+            <a:avLst/>
+          </a:prstGeom>
+          <a:noFill/>
+          <a:ln w="28575">
+            <a:solidFill>
+              <a:schemeClr val="accent1"/>
+            </a:solidFill>
+          </a:ln>
+        </p:spPr>
+        <p:txBody>
+          <a:bodyPr wrap="none" rtlCol="0">
+            <a:spAutoFit/>
+          </a:bodyPr>
+          <a:lstStyle/>
+          <a:p>
+            <a:r>
+              <a:rPr lang="en-US" sz="2400" b="1" dirty="0">
+                <a:latin typeface="Courier New" panose="02070309020205020404" pitchFamily="49" charset="0"/>
+                <a:cs typeface="Courier New" panose="02070309020205020404" pitchFamily="49" charset="0"/>
+              </a:rPr>
+              <a:t>ca 0x16bc071de cp 0x16bc071df</a:t>
+            </a:r>
+          </a:p>
+          <a:p>
+            <a:r>
+              <a:rPr lang="en-US" sz="2400" b="1" dirty="0" err="1">
+                <a:latin typeface="Courier New" panose="02070309020205020404" pitchFamily="49" charset="0"/>
+                <a:cs typeface="Courier New" panose="02070309020205020404" pitchFamily="49" charset="0"/>
+              </a:rPr>
+              <a:t>ia</a:t>
+            </a:r>
+            <a:r>
+              <a:rPr lang="en-US" sz="2400" b="1" dirty="0">
+                <a:latin typeface="Courier New" panose="02070309020205020404" pitchFamily="49" charset="0"/>
+                <a:cs typeface="Courier New" panose="02070309020205020404" pitchFamily="49" charset="0"/>
+              </a:rPr>
+              <a:t> 0x16bc071b4 </a:t>
+            </a:r>
+            <a:r>
+              <a:rPr lang="en-US" sz="2400" b="1" dirty="0" err="1">
+                <a:latin typeface="Courier New" panose="02070309020205020404" pitchFamily="49" charset="0"/>
+                <a:cs typeface="Courier New" panose="02070309020205020404" pitchFamily="49" charset="0"/>
+              </a:rPr>
+              <a:t>ip</a:t>
+            </a:r>
+            <a:r>
+              <a:rPr lang="en-US" sz="2400" b="1" dirty="0">
+                <a:latin typeface="Courier New" panose="02070309020205020404" pitchFamily="49" charset="0"/>
+                <a:cs typeface="Courier New" panose="02070309020205020404" pitchFamily="49" charset="0"/>
+              </a:rPr>
+              <a:t> 0x16bc071b8</a:t>
+            </a:r>
+          </a:p>
+        </p:txBody>
+      </p:sp>
+      <p:sp>
+        <p:nvSpPr>
+          <p:cNvPr id="6" name="TextBox 5">
+            <a:extLst>
+              <a:ext uri="{FF2B5EF4-FFF2-40B4-BE49-F238E27FC236}">
+                <a16:creationId xmlns:a16="http://schemas.microsoft.com/office/drawing/2014/main" id="{D34FEEF7-B042-B117-23A8-38D0C4ED56C5}"/>
+              </a:ext>
+            </a:extLst>
+          </p:cNvPr>
+          <p:cNvSpPr txBox="1"/>
+          <p:nvPr/>
+        </p:nvSpPr>
+        <p:spPr>
+          <a:xfrm>
+            <a:off x="10515600" y="6333089"/>
+            <a:ext cx="1382485" cy="307777"/>
+          </a:xfrm>
+          <a:prstGeom prst="rect">
+            <a:avLst/>
+          </a:prstGeom>
+          <a:noFill/>
+        </p:spPr>
+        <p:txBody>
+          <a:bodyPr wrap="square">
+            <a:spAutoFit/>
+          </a:bodyPr>
+          <a:lstStyle/>
+          <a:p>
+            <a:r>
+              <a:rPr lang="en-US" sz="1400" b="1" dirty="0">
+                <a:solidFill>
+                  <a:srgbClr val="000000"/>
+                </a:solidFill>
+                <a:latin typeface="Menlo" panose="020B0609030804020204" pitchFamily="49" charset="0"/>
+              </a:rPr>
+              <a:t>kr_05_02.c</a:t>
+            </a:r>
+          </a:p>
+        </p:txBody>
+      </p:sp>
+      <p:sp>
+        <p:nvSpPr>
+          <p:cNvPr id="9" name="Up Arrow 8">
+            <a:extLst>
+              <a:ext uri="{FF2B5EF4-FFF2-40B4-BE49-F238E27FC236}">
+                <a16:creationId xmlns:a16="http://schemas.microsoft.com/office/drawing/2014/main" id="{4CCA947B-97BF-28E9-ED26-983E7A3C0FB2}"/>
+              </a:ext>
+            </a:extLst>
+          </p:cNvPr>
+          <p:cNvSpPr/>
+          <p:nvPr/>
+        </p:nvSpPr>
+        <p:spPr>
+          <a:xfrm>
+            <a:off x="8523516" y="3961385"/>
+            <a:ext cx="256183" cy="647153"/>
+          </a:xfrm>
+          <a:prstGeom prst="upArrow">
+            <a:avLst/>
+          </a:prstGeom>
+        </p:spPr>
+        <p:style>
+          <a:lnRef idx="2">
+            <a:schemeClr val="accent1">
+              <a:shade val="50000"/>
+            </a:schemeClr>
+          </a:lnRef>
+          <a:fillRef idx="1">
+            <a:schemeClr val="accent1"/>
+          </a:fillRef>
+          <a:effectRef idx="0">
+            <a:schemeClr val="accent1"/>
+          </a:effectRef>
+          <a:fontRef idx="minor">
+            <a:schemeClr val="lt1"/>
+          </a:fontRef>
+        </p:style>
+        <p:txBody>
+          <a:bodyPr rtlCol="0" anchor="ctr"/>
+          <a:lstStyle/>
+          <a:p>
+            <a:pPr algn="ctr"/>
+            <a:endParaRPr lang="en-US"/>
+          </a:p>
+        </p:txBody>
+      </p:sp>
+      <p:sp>
+        <p:nvSpPr>
+          <p:cNvPr id="10" name="Up Arrow 9">
+            <a:extLst>
+              <a:ext uri="{FF2B5EF4-FFF2-40B4-BE49-F238E27FC236}">
+                <a16:creationId xmlns:a16="http://schemas.microsoft.com/office/drawing/2014/main" id="{E070FE7F-BD85-4A9B-7B5E-FC04B48C42DC}"/>
+              </a:ext>
+            </a:extLst>
+          </p:cNvPr>
+          <p:cNvSpPr/>
+          <p:nvPr/>
+        </p:nvSpPr>
+        <p:spPr>
+          <a:xfrm>
+            <a:off x="11276221" y="3961385"/>
+            <a:ext cx="256183" cy="647153"/>
+          </a:xfrm>
+          <a:prstGeom prst="upArrow">
+            <a:avLst/>
+          </a:prstGeom>
+        </p:spPr>
+        <p:style>
+          <a:lnRef idx="2">
+            <a:schemeClr val="accent1">
+              <a:shade val="50000"/>
+            </a:schemeClr>
+          </a:lnRef>
+          <a:fillRef idx="1">
+            <a:schemeClr val="accent1"/>
+          </a:fillRef>
+          <a:effectRef idx="0">
+            <a:schemeClr val="accent1"/>
+          </a:effectRef>
+          <a:fontRef idx="minor">
+            <a:schemeClr val="lt1"/>
+          </a:fontRef>
+        </p:style>
+        <p:txBody>
+          <a:bodyPr rtlCol="0" anchor="ctr"/>
+          <a:lstStyle/>
+          <a:p>
+            <a:pPr algn="ctr"/>
+            <a:endParaRPr lang="en-US"/>
+          </a:p>
+        </p:txBody>
+      </p:sp>
+    </p:spTree>
+    <p:extLst>
+      <p:ext uri="{BB962C8B-B14F-4D97-AF65-F5344CB8AC3E}">
+        <p14:creationId xmlns:p14="http://schemas.microsoft.com/office/powerpoint/2010/main" val="4081948139"/>
+      </p:ext>
+    </p:extLst>
+  </p:cSld>
+  <p:clrMapOvr>
+    <a:masterClrMapping/>
+  </p:clrMapOvr>
+</p:sld>
+</file>
+
+<file path=ppt/slides/slide7.xml><?xml version="1.0" encoding="utf-8"?>
 <p:sld xmlns:a="http://schemas.openxmlformats.org/drawingml/2006/main" xmlns:r="http://schemas.openxmlformats.org/officeDocument/2006/relationships" xmlns:p="http://schemas.openxmlformats.org/presentationml/2006/main">
   <p:cSld>
     <p:bg>
@@ -6341,7 +7947,7 @@
 </p:sld>
 </file>
 
-<file path=ppt/slides/slide7.xml><?xml version="1.0" encoding="utf-8"?>
+<file path=ppt/slides/slide8.xml><?xml version="1.0" encoding="utf-8"?>
 <p:sld xmlns:a="http://schemas.openxmlformats.org/drawingml/2006/main" xmlns:r="http://schemas.openxmlformats.org/officeDocument/2006/relationships" xmlns:p="http://schemas.openxmlformats.org/presentationml/2006/main">
   <p:cSld>
     <p:spTree>
@@ -6532,389 +8138,6 @@
 </p:sld>
 </file>
 
-<file path=ppt/slides/slide8.xml><?xml version="1.0" encoding="utf-8"?>
-<p:sld xmlns:a="http://schemas.openxmlformats.org/drawingml/2006/main" xmlns:r="http://schemas.openxmlformats.org/officeDocument/2006/relationships" xmlns:p="http://schemas.openxmlformats.org/presentationml/2006/main">
-  <p:cSld>
-    <p:spTree>
-      <p:nvGrpSpPr>
-        <p:cNvPr id="1" name=""/>
-        <p:cNvGrpSpPr/>
-        <p:nvPr/>
-      </p:nvGrpSpPr>
-      <p:grpSpPr>
-        <a:xfrm>
-          <a:off x="0" y="0"/>
-          <a:ext cx="0" cy="0"/>
-          <a:chOff x="0" y="0"/>
-          <a:chExt cx="0" cy="0"/>
-        </a:xfrm>
-      </p:grpSpPr>
-      <p:sp>
-        <p:nvSpPr>
-          <p:cNvPr id="2" name="Title 1">
-            <a:extLst>
-              <a:ext uri="{FF2B5EF4-FFF2-40B4-BE49-F238E27FC236}">
-                <a16:creationId xmlns:a16="http://schemas.microsoft.com/office/drawing/2014/main" id="{3B255DD2-F0C2-15A4-6495-86F028EDF28E}"/>
-              </a:ext>
-            </a:extLst>
-          </p:cNvPr>
-          <p:cNvSpPr>
-            <a:spLocks noGrp="1"/>
-          </p:cNvSpPr>
-          <p:nvPr>
-            <p:ph type="title"/>
-          </p:nvPr>
-        </p:nvSpPr>
-        <p:spPr/>
-        <p:txBody>
-          <a:bodyPr/>
-          <a:lstStyle/>
-          <a:p>
-            <a:r>
-              <a:rPr lang="en-US" dirty="0"/>
-              <a:t>5.6 Void pointers</a:t>
-            </a:r>
-          </a:p>
-        </p:txBody>
-      </p:sp>
-      <p:sp>
-        <p:nvSpPr>
-          <p:cNvPr id="3" name="Content Placeholder 2">
-            <a:extLst>
-              <a:ext uri="{FF2B5EF4-FFF2-40B4-BE49-F238E27FC236}">
-                <a16:creationId xmlns:a16="http://schemas.microsoft.com/office/drawing/2014/main" id="{BEEF32A2-0F87-CABC-2824-E3BA4CC5D829}"/>
-              </a:ext>
-            </a:extLst>
-          </p:cNvPr>
-          <p:cNvSpPr>
-            <a:spLocks noGrp="1"/>
-          </p:cNvSpPr>
-          <p:nvPr>
-            <p:ph idx="1"/>
-          </p:nvPr>
-        </p:nvSpPr>
-        <p:spPr>
-          <a:xfrm>
-            <a:off x="838200" y="1825625"/>
-            <a:ext cx="4729843" cy="4351338"/>
-          </a:xfrm>
-        </p:spPr>
-        <p:txBody>
-          <a:bodyPr>
-            <a:normAutofit/>
-          </a:bodyPr>
-          <a:lstStyle/>
-          <a:p>
-            <a:r>
-              <a:rPr lang="en-US" dirty="0"/>
-              <a:t>Void pointers provided a way to return an address of memory without choosing the type of the data that would be stored in the memory</a:t>
-            </a:r>
-          </a:p>
-        </p:txBody>
-      </p:sp>
-      <p:sp>
-        <p:nvSpPr>
-          <p:cNvPr id="4" name="TextBox 3">
-            <a:extLst>
-              <a:ext uri="{FF2B5EF4-FFF2-40B4-BE49-F238E27FC236}">
-                <a16:creationId xmlns:a16="http://schemas.microsoft.com/office/drawing/2014/main" id="{1F5A1B53-997B-AA8C-0052-ACBB5D10A4DC}"/>
-              </a:ext>
-            </a:extLst>
-          </p:cNvPr>
-          <p:cNvSpPr txBox="1"/>
-          <p:nvPr/>
-        </p:nvSpPr>
-        <p:spPr>
-          <a:xfrm>
-            <a:off x="6757670" y="1027906"/>
-            <a:ext cx="4044697" cy="5078313"/>
-          </a:xfrm>
-          <a:prstGeom prst="rect">
-            <a:avLst/>
-          </a:prstGeom>
-          <a:noFill/>
-        </p:spPr>
-        <p:txBody>
-          <a:bodyPr wrap="none" rtlCol="0">
-            <a:spAutoFit/>
-          </a:bodyPr>
-          <a:lstStyle/>
-          <a:p>
-            <a:r>
-              <a:rPr lang="en-US" b="1" dirty="0">
-                <a:latin typeface="Courier New" panose="02070309020205020404" pitchFamily="49" charset="0"/>
-                <a:cs typeface="Courier New" panose="02070309020205020404" pitchFamily="49" charset="0"/>
-              </a:rPr>
-              <a:t>Early 1970’s:</a:t>
-            </a:r>
-          </a:p>
-          <a:p>
-            <a:endParaRPr lang="en-US" dirty="0">
-              <a:latin typeface="Courier New" panose="02070309020205020404" pitchFamily="49" charset="0"/>
-              <a:cs typeface="Courier New" panose="02070309020205020404" pitchFamily="49" charset="0"/>
-            </a:endParaRPr>
-          </a:p>
-          <a:p>
-            <a:r>
-              <a:rPr lang="en-US" dirty="0">
-                <a:latin typeface="Courier New" panose="02070309020205020404" pitchFamily="49" charset="0"/>
-                <a:cs typeface="Courier New" panose="02070309020205020404" pitchFamily="49" charset="0"/>
-              </a:rPr>
-              <a:t>int </a:t>
-            </a:r>
-            <a:r>
-              <a:rPr lang="en-US" dirty="0" err="1">
-                <a:latin typeface="Courier New" panose="02070309020205020404" pitchFamily="49" charset="0"/>
-                <a:cs typeface="Courier New" panose="02070309020205020404" pitchFamily="49" charset="0"/>
-              </a:rPr>
-              <a:t>alloc</a:t>
-            </a:r>
-            <a:r>
-              <a:rPr lang="en-US" dirty="0">
-                <a:latin typeface="Courier New" panose="02070309020205020404" pitchFamily="49" charset="0"/>
-                <a:cs typeface="Courier New" panose="02070309020205020404" pitchFamily="49" charset="0"/>
-              </a:rPr>
-              <a:t>();</a:t>
-            </a:r>
-          </a:p>
-          <a:p>
-            <a:endParaRPr lang="en-US" dirty="0">
-              <a:latin typeface="Courier New" panose="02070309020205020404" pitchFamily="49" charset="0"/>
-              <a:cs typeface="Courier New" panose="02070309020205020404" pitchFamily="49" charset="0"/>
-            </a:endParaRPr>
-          </a:p>
-          <a:p>
-            <a:r>
-              <a:rPr lang="en-US" dirty="0">
-                <a:latin typeface="Courier New" panose="02070309020205020404" pitchFamily="49" charset="0"/>
-                <a:cs typeface="Courier New" panose="02070309020205020404" pitchFamily="49" charset="0"/>
-              </a:rPr>
-              <a:t>int *</a:t>
-            </a:r>
-            <a:r>
-              <a:rPr lang="en-US" dirty="0" err="1">
-                <a:latin typeface="Courier New" panose="02070309020205020404" pitchFamily="49" charset="0"/>
-                <a:cs typeface="Courier New" panose="02070309020205020404" pitchFamily="49" charset="0"/>
-              </a:rPr>
-              <a:t>vals</a:t>
-            </a:r>
-            <a:r>
-              <a:rPr lang="en-US" dirty="0">
-                <a:latin typeface="Courier New" panose="02070309020205020404" pitchFamily="49" charset="0"/>
-                <a:cs typeface="Courier New" panose="02070309020205020404" pitchFamily="49" charset="0"/>
-              </a:rPr>
-              <a:t> = (int *) </a:t>
-            </a:r>
-            <a:r>
-              <a:rPr lang="en-US" dirty="0" err="1">
-                <a:latin typeface="Courier New" panose="02070309020205020404" pitchFamily="49" charset="0"/>
-                <a:cs typeface="Courier New" panose="02070309020205020404" pitchFamily="49" charset="0"/>
-              </a:rPr>
-              <a:t>alloc</a:t>
-            </a:r>
-            <a:r>
-              <a:rPr lang="en-US" dirty="0">
-                <a:latin typeface="Courier New" panose="02070309020205020404" pitchFamily="49" charset="0"/>
-                <a:cs typeface="Courier New" panose="02070309020205020404" pitchFamily="49" charset="0"/>
-              </a:rPr>
-              <a:t>();</a:t>
-            </a:r>
-          </a:p>
-          <a:p>
-            <a:endParaRPr lang="en-US" b="1" dirty="0">
-              <a:latin typeface="Courier New" panose="02070309020205020404" pitchFamily="49" charset="0"/>
-              <a:cs typeface="Courier New" panose="02070309020205020404" pitchFamily="49" charset="0"/>
-            </a:endParaRPr>
-          </a:p>
-          <a:p>
-            <a:r>
-              <a:rPr lang="en-US" b="1" dirty="0">
-                <a:latin typeface="Courier New" panose="02070309020205020404" pitchFamily="49" charset="0"/>
-                <a:cs typeface="Courier New" panose="02070309020205020404" pitchFamily="49" charset="0"/>
-              </a:rPr>
-              <a:t>In the 1978 K&amp;R book:</a:t>
-            </a:r>
-          </a:p>
-          <a:p>
-            <a:endParaRPr lang="en-US" dirty="0">
-              <a:latin typeface="Courier New" panose="02070309020205020404" pitchFamily="49" charset="0"/>
-              <a:cs typeface="Courier New" panose="02070309020205020404" pitchFamily="49" charset="0"/>
-            </a:endParaRPr>
-          </a:p>
-          <a:p>
-            <a:r>
-              <a:rPr lang="en-US" dirty="0">
-                <a:latin typeface="Courier New" panose="02070309020205020404" pitchFamily="49" charset="0"/>
-                <a:cs typeface="Courier New" panose="02070309020205020404" pitchFamily="49" charset="0"/>
-              </a:rPr>
-              <a:t>char * </a:t>
-            </a:r>
-            <a:r>
-              <a:rPr lang="en-US" dirty="0" err="1">
-                <a:latin typeface="Courier New" panose="02070309020205020404" pitchFamily="49" charset="0"/>
-                <a:cs typeface="Courier New" panose="02070309020205020404" pitchFamily="49" charset="0"/>
-              </a:rPr>
-              <a:t>alloc</a:t>
-            </a:r>
-            <a:r>
-              <a:rPr lang="en-US" dirty="0">
-                <a:latin typeface="Courier New" panose="02070309020205020404" pitchFamily="49" charset="0"/>
-                <a:cs typeface="Courier New" panose="02070309020205020404" pitchFamily="49" charset="0"/>
-              </a:rPr>
-              <a:t>();</a:t>
-            </a:r>
-          </a:p>
-          <a:p>
-            <a:endParaRPr lang="en-US" dirty="0">
-              <a:latin typeface="Courier New" panose="02070309020205020404" pitchFamily="49" charset="0"/>
-              <a:cs typeface="Courier New" panose="02070309020205020404" pitchFamily="49" charset="0"/>
-            </a:endParaRPr>
-          </a:p>
-          <a:p>
-            <a:r>
-              <a:rPr lang="en-US" dirty="0">
-                <a:latin typeface="Courier New" panose="02070309020205020404" pitchFamily="49" charset="0"/>
-                <a:cs typeface="Courier New" panose="02070309020205020404" pitchFamily="49" charset="0"/>
-              </a:rPr>
-              <a:t>int *</a:t>
-            </a:r>
-            <a:r>
-              <a:rPr lang="en-US" dirty="0" err="1">
-                <a:latin typeface="Courier New" panose="02070309020205020404" pitchFamily="49" charset="0"/>
-                <a:cs typeface="Courier New" panose="02070309020205020404" pitchFamily="49" charset="0"/>
-              </a:rPr>
-              <a:t>vals</a:t>
-            </a:r>
-            <a:r>
-              <a:rPr lang="en-US" dirty="0">
-                <a:latin typeface="Courier New" panose="02070309020205020404" pitchFamily="49" charset="0"/>
-                <a:cs typeface="Courier New" panose="02070309020205020404" pitchFamily="49" charset="0"/>
-              </a:rPr>
-              <a:t> = (int *) </a:t>
-            </a:r>
-            <a:r>
-              <a:rPr lang="en-US" dirty="0" err="1">
-                <a:latin typeface="Courier New" panose="02070309020205020404" pitchFamily="49" charset="0"/>
-                <a:cs typeface="Courier New" panose="02070309020205020404" pitchFamily="49" charset="0"/>
-              </a:rPr>
-              <a:t>alloc</a:t>
-            </a:r>
-            <a:r>
-              <a:rPr lang="en-US" dirty="0">
-                <a:latin typeface="Courier New" panose="02070309020205020404" pitchFamily="49" charset="0"/>
-                <a:cs typeface="Courier New" panose="02070309020205020404" pitchFamily="49" charset="0"/>
-              </a:rPr>
-              <a:t>();</a:t>
-            </a:r>
-          </a:p>
-          <a:p>
-            <a:endParaRPr lang="en-US" b="1" dirty="0">
-              <a:latin typeface="Courier New" panose="02070309020205020404" pitchFamily="49" charset="0"/>
-              <a:cs typeface="Courier New" panose="02070309020205020404" pitchFamily="49" charset="0"/>
-            </a:endParaRPr>
-          </a:p>
-          <a:p>
-            <a:r>
-              <a:rPr lang="en-US" b="1" dirty="0">
-                <a:latin typeface="Courier New" panose="02070309020205020404" pitchFamily="49" charset="0"/>
-                <a:cs typeface="Courier New" panose="02070309020205020404" pitchFamily="49" charset="0"/>
-              </a:rPr>
-              <a:t>By 1979 and in modern C:</a:t>
-            </a:r>
-          </a:p>
-          <a:p>
-            <a:endParaRPr lang="en-US" b="1" dirty="0">
-              <a:latin typeface="Courier New" panose="02070309020205020404" pitchFamily="49" charset="0"/>
-              <a:cs typeface="Courier New" panose="02070309020205020404" pitchFamily="49" charset="0"/>
-            </a:endParaRPr>
-          </a:p>
-          <a:p>
-            <a:r>
-              <a:rPr lang="en-US" dirty="0">
-                <a:latin typeface="Courier New" panose="02070309020205020404" pitchFamily="49" charset="0"/>
-                <a:cs typeface="Courier New" panose="02070309020205020404" pitchFamily="49" charset="0"/>
-              </a:rPr>
-              <a:t>void * </a:t>
-            </a:r>
-            <a:r>
-              <a:rPr lang="en-US" dirty="0" err="1">
-                <a:latin typeface="Courier New" panose="02070309020205020404" pitchFamily="49" charset="0"/>
-                <a:cs typeface="Courier New" panose="02070309020205020404" pitchFamily="49" charset="0"/>
-              </a:rPr>
-              <a:t>alloc</a:t>
-            </a:r>
-            <a:r>
-              <a:rPr lang="en-US" dirty="0">
-                <a:latin typeface="Courier New" panose="02070309020205020404" pitchFamily="49" charset="0"/>
-                <a:cs typeface="Courier New" panose="02070309020205020404" pitchFamily="49" charset="0"/>
-              </a:rPr>
-              <a:t>();</a:t>
-            </a:r>
-          </a:p>
-          <a:p>
-            <a:endParaRPr lang="en-US" dirty="0">
-              <a:latin typeface="Courier New" panose="02070309020205020404" pitchFamily="49" charset="0"/>
-              <a:cs typeface="Courier New" panose="02070309020205020404" pitchFamily="49" charset="0"/>
-            </a:endParaRPr>
-          </a:p>
-          <a:p>
-            <a:r>
-              <a:rPr lang="en-US" dirty="0">
-                <a:latin typeface="Courier New" panose="02070309020205020404" pitchFamily="49" charset="0"/>
-                <a:cs typeface="Courier New" panose="02070309020205020404" pitchFamily="49" charset="0"/>
-              </a:rPr>
-              <a:t>int *</a:t>
-            </a:r>
-            <a:r>
-              <a:rPr lang="en-US" dirty="0" err="1">
-                <a:latin typeface="Courier New" panose="02070309020205020404" pitchFamily="49" charset="0"/>
-                <a:cs typeface="Courier New" panose="02070309020205020404" pitchFamily="49" charset="0"/>
-              </a:rPr>
-              <a:t>vals</a:t>
-            </a:r>
-            <a:r>
-              <a:rPr lang="en-US" dirty="0">
-                <a:latin typeface="Courier New" panose="02070309020205020404" pitchFamily="49" charset="0"/>
-                <a:cs typeface="Courier New" panose="02070309020205020404" pitchFamily="49" charset="0"/>
-              </a:rPr>
-              <a:t> = (int *) </a:t>
-            </a:r>
-            <a:r>
-              <a:rPr lang="en-US" dirty="0" err="1">
-                <a:latin typeface="Courier New" panose="02070309020205020404" pitchFamily="49" charset="0"/>
-                <a:cs typeface="Courier New" panose="02070309020205020404" pitchFamily="49" charset="0"/>
-              </a:rPr>
-              <a:t>alloc</a:t>
-            </a:r>
-            <a:r>
-              <a:rPr lang="en-US" dirty="0">
-                <a:latin typeface="Courier New" panose="02070309020205020404" pitchFamily="49" charset="0"/>
-                <a:cs typeface="Courier New" panose="02070309020205020404" pitchFamily="49" charset="0"/>
-              </a:rPr>
-              <a:t>();</a:t>
-            </a:r>
-          </a:p>
-          <a:p>
-            <a:endParaRPr lang="en-US" b="1" dirty="0">
-              <a:latin typeface="Courier New" panose="02070309020205020404" pitchFamily="49" charset="0"/>
-              <a:cs typeface="Courier New" panose="02070309020205020404" pitchFamily="49" charset="0"/>
-            </a:endParaRPr>
-          </a:p>
-        </p:txBody>
-      </p:sp>
-    </p:spTree>
-    <p:extLst>
-      <p:ext uri="{BB962C8B-B14F-4D97-AF65-F5344CB8AC3E}">
-        <p14:creationId xmlns:p14="http://schemas.microsoft.com/office/powerpoint/2010/main" val="1438612513"/>
-      </p:ext>
-    </p:extLst>
-  </p:cSld>
-  <p:clrMapOvr>
-    <a:masterClrMapping/>
-  </p:clrMapOvr>
-</p:sld>
-</file>
-
 <file path=ppt/slides/slide9.xml><?xml version="1.0" encoding="utf-8"?>
 <p:sld xmlns:a="http://schemas.openxmlformats.org/drawingml/2006/main" xmlns:r="http://schemas.openxmlformats.org/officeDocument/2006/relationships" xmlns:p="http://schemas.openxmlformats.org/presentationml/2006/main">
   <p:cSld>
@@ -6937,7 +8160,7 @@
           <p:cNvPr id="2" name="Title 1">
             <a:extLst>
               <a:ext uri="{FF2B5EF4-FFF2-40B4-BE49-F238E27FC236}">
-                <a16:creationId xmlns:a16="http://schemas.microsoft.com/office/drawing/2014/main" id="{0F0BDACE-7C31-71EC-959E-1FBC550D9700}"/>
+                <a16:creationId xmlns:a16="http://schemas.microsoft.com/office/drawing/2014/main" id="{3B255DD2-F0C2-15A4-6495-86F028EDF28E}"/>
               </a:ext>
             </a:extLst>
           </p:cNvPr>
@@ -6955,7 +8178,7 @@
           <a:p>
             <a:r>
               <a:rPr lang="en-US" dirty="0"/>
-              <a:t>Standardizing C</a:t>
+              <a:t>5.6 Void pointers</a:t>
             </a:r>
           </a:p>
         </p:txBody>
@@ -6965,7 +8188,7 @@
           <p:cNvPr id="3" name="Content Placeholder 2">
             <a:extLst>
               <a:ext uri="{FF2B5EF4-FFF2-40B4-BE49-F238E27FC236}">
-                <a16:creationId xmlns:a16="http://schemas.microsoft.com/office/drawing/2014/main" id="{36134E98-BE7B-CC9B-992E-ACF91BB230B2}"/>
+                <a16:creationId xmlns:a16="http://schemas.microsoft.com/office/drawing/2014/main" id="{BEEF32A2-0F87-CABC-2824-E3BA4CC5D829}"/>
               </a:ext>
             </a:extLst>
           </p:cNvPr>
@@ -6979,91 +8202,38 @@
         <p:spPr>
           <a:xfrm>
             <a:off x="838200" y="1825625"/>
-            <a:ext cx="6261847" cy="1603375"/>
+            <a:ext cx="4729843" cy="4351338"/>
           </a:xfrm>
         </p:spPr>
         <p:txBody>
           <a:bodyPr>
-            <a:normAutofit fontScale="77500" lnSpcReduction="20000"/>
+            <a:normAutofit/>
           </a:bodyPr>
           <a:lstStyle/>
           <a:p>
             <a:r>
               <a:rPr lang="en-US" dirty="0"/>
-              <a:t>Standardization of C started in 1983 in ANSI</a:t>
-            </a:r>
-          </a:p>
-          <a:p>
-            <a:r>
-              <a:rPr lang="en-US" dirty="0"/>
-              <a:t>C++ was in development from 1979-1983</a:t>
-            </a:r>
-          </a:p>
-          <a:p>
-            <a:r>
-              <a:rPr lang="en-US" dirty="0"/>
-              <a:t>The Second Edition of K&amp;R C was published in 1988</a:t>
-            </a:r>
-          </a:p>
-          <a:p>
-            <a:r>
-              <a:rPr lang="en-US" dirty="0"/>
-              <a:t>The “C89” standard was released in 1989</a:t>
-            </a:r>
-          </a:p>
-        </p:txBody>
-      </p:sp>
-      <p:pic>
-        <p:nvPicPr>
-          <p:cNvPr id="5" name="Picture 4" descr="Text&#10;&#10;Description automatically generated">
-            <a:extLst>
-              <a:ext uri="{FF2B5EF4-FFF2-40B4-BE49-F238E27FC236}">
-                <a16:creationId xmlns:a16="http://schemas.microsoft.com/office/drawing/2014/main" id="{4862342F-C237-FEA9-5D7D-17A0157FD522}"/>
-              </a:ext>
-            </a:extLst>
-          </p:cNvPr>
-          <p:cNvPicPr>
-            <a:picLocks noChangeAspect="1"/>
-          </p:cNvPicPr>
+              <a:t>Void pointers provided a way to return an address of memory without choosing the type of the data that would be stored in the memory</a:t>
+            </a:r>
+          </a:p>
+        </p:txBody>
+      </p:sp>
+      <p:sp>
+        <p:nvSpPr>
+          <p:cNvPr id="4" name="TextBox 3">
+            <a:extLst>
+              <a:ext uri="{FF2B5EF4-FFF2-40B4-BE49-F238E27FC236}">
+                <a16:creationId xmlns:a16="http://schemas.microsoft.com/office/drawing/2014/main" id="{1F5A1B53-997B-AA8C-0052-ACBB5D10A4DC}"/>
+              </a:ext>
+            </a:extLst>
+          </p:cNvPr>
+          <p:cNvSpPr txBox="1"/>
           <p:nvPr/>
-        </p:nvPicPr>
-        <p:blipFill>
-          <a:blip r:embed="rId2"/>
-          <a:stretch>
-            <a:fillRect/>
-          </a:stretch>
-        </p:blipFill>
+        </p:nvSpPr>
         <p:spPr>
           <a:xfrm>
-            <a:off x="7753350" y="673100"/>
-            <a:ext cx="4000500" cy="5511800"/>
-          </a:xfrm>
-          <a:prstGeom prst="rect">
-            <a:avLst/>
-          </a:prstGeom>
-          <a:ln>
-            <a:solidFill>
-              <a:schemeClr val="tx1"/>
-            </a:solidFill>
-          </a:ln>
-        </p:spPr>
-      </p:pic>
-      <p:sp>
-        <p:nvSpPr>
-          <p:cNvPr id="6" name="TextBox 5">
-            <a:extLst>
-              <a:ext uri="{FF2B5EF4-FFF2-40B4-BE49-F238E27FC236}">
-                <a16:creationId xmlns:a16="http://schemas.microsoft.com/office/drawing/2014/main" id="{933272C8-E9EE-CFEA-4262-D8ADCA645F23}"/>
-              </a:ext>
-            </a:extLst>
-          </p:cNvPr>
-          <p:cNvSpPr txBox="1"/>
-          <p:nvPr/>
-        </p:nvSpPr>
-        <p:spPr>
-          <a:xfrm>
-            <a:off x="1474294" y="3599577"/>
-            <a:ext cx="4989658" cy="2585323"/>
+            <a:off x="6757670" y="1027906"/>
+            <a:ext cx="4044697" cy="5078313"/>
           </a:xfrm>
           <a:prstGeom prst="rect">
             <a:avLst/>
@@ -7071,58 +8241,277 @@
           <a:noFill/>
         </p:spPr>
         <p:txBody>
-          <a:bodyPr wrap="square" rtlCol="0">
+          <a:bodyPr wrap="none" rtlCol="0">
             <a:spAutoFit/>
           </a:bodyPr>
           <a:lstStyle/>
           <a:p>
             <a:r>
-              <a:rPr lang="en-US" dirty="0"/>
-              <a:t>The second edition of </a:t>
-            </a:r>
-            <a:r>
-              <a:rPr lang="en-US" i="1" dirty="0"/>
-              <a:t>The C Programming Language</a:t>
-            </a:r>
-            <a:r>
-              <a:rPr lang="en-US" dirty="0"/>
-              <a:t> was published early in 1988.  At that time, the first C standard was almost complete, formalizing and codifying the precise definition of the language.</a:t>
-            </a:r>
-          </a:p>
-          <a:p>
-            <a:pPr algn="r"/>
-            <a:r>
-              <a:rPr lang="en-US" b="1" dirty="0"/>
-              <a:t>Brian Kernighan</a:t>
-            </a:r>
-          </a:p>
-          <a:p>
-            <a:pPr algn="r"/>
-            <a:r>
-              <a:rPr lang="en-US" dirty="0"/>
-              <a:t>Princeton, New Jersey</a:t>
-            </a:r>
-          </a:p>
-          <a:p>
-            <a:pPr algn="r"/>
-            <a:r>
-              <a:rPr lang="en-US" dirty="0"/>
-              <a:t>November 2012</a:t>
-            </a:r>
-          </a:p>
-          <a:p>
-            <a:pPr algn="r"/>
-            <a:r>
-              <a:rPr lang="en-US" dirty="0"/>
-              <a:t>Preface to the Digital Edition</a:t>
-            </a:r>
+              <a:rPr lang="en-US" b="1" dirty="0">
+                <a:latin typeface="Courier New" panose="02070309020205020404" pitchFamily="49" charset="0"/>
+                <a:cs typeface="Courier New" panose="02070309020205020404" pitchFamily="49" charset="0"/>
+              </a:rPr>
+              <a:t>Early 1970’s:</a:t>
+            </a:r>
+          </a:p>
+          <a:p>
+            <a:endParaRPr lang="en-US" dirty="0">
+              <a:latin typeface="Courier New" panose="02070309020205020404" pitchFamily="49" charset="0"/>
+              <a:cs typeface="Courier New" panose="02070309020205020404" pitchFamily="49" charset="0"/>
+            </a:endParaRPr>
+          </a:p>
+          <a:p>
+            <a:r>
+              <a:rPr lang="en-US" dirty="0">
+                <a:latin typeface="Courier New" panose="02070309020205020404" pitchFamily="49" charset="0"/>
+                <a:cs typeface="Courier New" panose="02070309020205020404" pitchFamily="49" charset="0"/>
+              </a:rPr>
+              <a:t>int </a:t>
+            </a:r>
+            <a:r>
+              <a:rPr lang="en-US" dirty="0" err="1">
+                <a:latin typeface="Courier New" panose="02070309020205020404" pitchFamily="49" charset="0"/>
+                <a:cs typeface="Courier New" panose="02070309020205020404" pitchFamily="49" charset="0"/>
+              </a:rPr>
+              <a:t>alloc</a:t>
+            </a:r>
+            <a:r>
+              <a:rPr lang="en-US" dirty="0">
+                <a:latin typeface="Courier New" panose="02070309020205020404" pitchFamily="49" charset="0"/>
+                <a:cs typeface="Courier New" panose="02070309020205020404" pitchFamily="49" charset="0"/>
+              </a:rPr>
+              <a:t>();</a:t>
+            </a:r>
+          </a:p>
+          <a:p>
+            <a:endParaRPr lang="en-US" dirty="0">
+              <a:latin typeface="Courier New" panose="02070309020205020404" pitchFamily="49" charset="0"/>
+              <a:cs typeface="Courier New" panose="02070309020205020404" pitchFamily="49" charset="0"/>
+            </a:endParaRPr>
+          </a:p>
+          <a:p>
+            <a:r>
+              <a:rPr lang="en-US" dirty="0">
+                <a:latin typeface="Courier New" panose="02070309020205020404" pitchFamily="49" charset="0"/>
+                <a:cs typeface="Courier New" panose="02070309020205020404" pitchFamily="49" charset="0"/>
+              </a:rPr>
+              <a:t>int *</a:t>
+            </a:r>
+            <a:r>
+              <a:rPr lang="en-US" dirty="0" err="1">
+                <a:latin typeface="Courier New" panose="02070309020205020404" pitchFamily="49" charset="0"/>
+                <a:cs typeface="Courier New" panose="02070309020205020404" pitchFamily="49" charset="0"/>
+              </a:rPr>
+              <a:t>vals</a:t>
+            </a:r>
+            <a:r>
+              <a:rPr lang="en-US" dirty="0">
+                <a:latin typeface="Courier New" panose="02070309020205020404" pitchFamily="49" charset="0"/>
+                <a:cs typeface="Courier New" panose="02070309020205020404" pitchFamily="49" charset="0"/>
+              </a:rPr>
+              <a:t> = (int *) </a:t>
+            </a:r>
+            <a:r>
+              <a:rPr lang="en-US" dirty="0" err="1">
+                <a:latin typeface="Courier New" panose="02070309020205020404" pitchFamily="49" charset="0"/>
+                <a:cs typeface="Courier New" panose="02070309020205020404" pitchFamily="49" charset="0"/>
+              </a:rPr>
+              <a:t>alloc</a:t>
+            </a:r>
+            <a:r>
+              <a:rPr lang="en-US" dirty="0">
+                <a:latin typeface="Courier New" panose="02070309020205020404" pitchFamily="49" charset="0"/>
+                <a:cs typeface="Courier New" panose="02070309020205020404" pitchFamily="49" charset="0"/>
+              </a:rPr>
+              <a:t>();</a:t>
+            </a:r>
+          </a:p>
+          <a:p>
+            <a:endParaRPr lang="en-US" b="1" dirty="0">
+              <a:latin typeface="Courier New" panose="02070309020205020404" pitchFamily="49" charset="0"/>
+              <a:cs typeface="Courier New" panose="02070309020205020404" pitchFamily="49" charset="0"/>
+            </a:endParaRPr>
+          </a:p>
+          <a:p>
+            <a:r>
+              <a:rPr lang="en-US" b="1" dirty="0">
+                <a:latin typeface="Courier New" panose="02070309020205020404" pitchFamily="49" charset="0"/>
+                <a:cs typeface="Courier New" panose="02070309020205020404" pitchFamily="49" charset="0"/>
+              </a:rPr>
+              <a:t>In the 1978 K&amp;R book:</a:t>
+            </a:r>
+          </a:p>
+          <a:p>
+            <a:endParaRPr lang="en-US" dirty="0">
+              <a:latin typeface="Courier New" panose="02070309020205020404" pitchFamily="49" charset="0"/>
+              <a:cs typeface="Courier New" panose="02070309020205020404" pitchFamily="49" charset="0"/>
+            </a:endParaRPr>
+          </a:p>
+          <a:p>
+            <a:r>
+              <a:rPr lang="en-US" dirty="0">
+                <a:latin typeface="Courier New" panose="02070309020205020404" pitchFamily="49" charset="0"/>
+                <a:cs typeface="Courier New" panose="02070309020205020404" pitchFamily="49" charset="0"/>
+              </a:rPr>
+              <a:t>char * </a:t>
+            </a:r>
+            <a:r>
+              <a:rPr lang="en-US" dirty="0" err="1">
+                <a:latin typeface="Courier New" panose="02070309020205020404" pitchFamily="49" charset="0"/>
+                <a:cs typeface="Courier New" panose="02070309020205020404" pitchFamily="49" charset="0"/>
+              </a:rPr>
+              <a:t>alloc</a:t>
+            </a:r>
+            <a:r>
+              <a:rPr lang="en-US" dirty="0">
+                <a:latin typeface="Courier New" panose="02070309020205020404" pitchFamily="49" charset="0"/>
+                <a:cs typeface="Courier New" panose="02070309020205020404" pitchFamily="49" charset="0"/>
+              </a:rPr>
+              <a:t>();</a:t>
+            </a:r>
+          </a:p>
+          <a:p>
+            <a:endParaRPr lang="en-US" dirty="0">
+              <a:latin typeface="Courier New" panose="02070309020205020404" pitchFamily="49" charset="0"/>
+              <a:cs typeface="Courier New" panose="02070309020205020404" pitchFamily="49" charset="0"/>
+            </a:endParaRPr>
+          </a:p>
+          <a:p>
+            <a:r>
+              <a:rPr lang="en-US" dirty="0">
+                <a:latin typeface="Courier New" panose="02070309020205020404" pitchFamily="49" charset="0"/>
+                <a:cs typeface="Courier New" panose="02070309020205020404" pitchFamily="49" charset="0"/>
+              </a:rPr>
+              <a:t>int *</a:t>
+            </a:r>
+            <a:r>
+              <a:rPr lang="en-US" dirty="0" err="1">
+                <a:latin typeface="Courier New" panose="02070309020205020404" pitchFamily="49" charset="0"/>
+                <a:cs typeface="Courier New" panose="02070309020205020404" pitchFamily="49" charset="0"/>
+              </a:rPr>
+              <a:t>vals</a:t>
+            </a:r>
+            <a:r>
+              <a:rPr lang="en-US" dirty="0">
+                <a:latin typeface="Courier New" panose="02070309020205020404" pitchFamily="49" charset="0"/>
+                <a:cs typeface="Courier New" panose="02070309020205020404" pitchFamily="49" charset="0"/>
+              </a:rPr>
+              <a:t> = (int *) </a:t>
+            </a:r>
+            <a:r>
+              <a:rPr lang="en-US" dirty="0" err="1">
+                <a:latin typeface="Courier New" panose="02070309020205020404" pitchFamily="49" charset="0"/>
+                <a:cs typeface="Courier New" panose="02070309020205020404" pitchFamily="49" charset="0"/>
+              </a:rPr>
+              <a:t>alloc</a:t>
+            </a:r>
+            <a:r>
+              <a:rPr lang="en-US" dirty="0">
+                <a:latin typeface="Courier New" panose="02070309020205020404" pitchFamily="49" charset="0"/>
+                <a:cs typeface="Courier New" panose="02070309020205020404" pitchFamily="49" charset="0"/>
+              </a:rPr>
+              <a:t>();</a:t>
+            </a:r>
+          </a:p>
+          <a:p>
+            <a:endParaRPr lang="en-US" b="1" dirty="0">
+              <a:latin typeface="Courier New" panose="02070309020205020404" pitchFamily="49" charset="0"/>
+              <a:cs typeface="Courier New" panose="02070309020205020404" pitchFamily="49" charset="0"/>
+            </a:endParaRPr>
+          </a:p>
+          <a:p>
+            <a:r>
+              <a:rPr lang="en-US" b="1" dirty="0">
+                <a:latin typeface="Courier New" panose="02070309020205020404" pitchFamily="49" charset="0"/>
+                <a:cs typeface="Courier New" panose="02070309020205020404" pitchFamily="49" charset="0"/>
+              </a:rPr>
+              <a:t>By 1979 and in modern C:</a:t>
+            </a:r>
+          </a:p>
+          <a:p>
+            <a:endParaRPr lang="en-US" b="1" dirty="0">
+              <a:latin typeface="Courier New" panose="02070309020205020404" pitchFamily="49" charset="0"/>
+              <a:cs typeface="Courier New" panose="02070309020205020404" pitchFamily="49" charset="0"/>
+            </a:endParaRPr>
+          </a:p>
+          <a:p>
+            <a:r>
+              <a:rPr lang="en-US" dirty="0">
+                <a:latin typeface="Courier New" panose="02070309020205020404" pitchFamily="49" charset="0"/>
+                <a:cs typeface="Courier New" panose="02070309020205020404" pitchFamily="49" charset="0"/>
+              </a:rPr>
+              <a:t>void * </a:t>
+            </a:r>
+            <a:r>
+              <a:rPr lang="en-US" dirty="0" err="1">
+                <a:latin typeface="Courier New" panose="02070309020205020404" pitchFamily="49" charset="0"/>
+                <a:cs typeface="Courier New" panose="02070309020205020404" pitchFamily="49" charset="0"/>
+              </a:rPr>
+              <a:t>alloc</a:t>
+            </a:r>
+            <a:r>
+              <a:rPr lang="en-US" dirty="0">
+                <a:latin typeface="Courier New" panose="02070309020205020404" pitchFamily="49" charset="0"/>
+                <a:cs typeface="Courier New" panose="02070309020205020404" pitchFamily="49" charset="0"/>
+              </a:rPr>
+              <a:t>();</a:t>
+            </a:r>
+          </a:p>
+          <a:p>
+            <a:endParaRPr lang="en-US" dirty="0">
+              <a:latin typeface="Courier New" panose="02070309020205020404" pitchFamily="49" charset="0"/>
+              <a:cs typeface="Courier New" panose="02070309020205020404" pitchFamily="49" charset="0"/>
+            </a:endParaRPr>
+          </a:p>
+          <a:p>
+            <a:r>
+              <a:rPr lang="en-US" dirty="0">
+                <a:latin typeface="Courier New" panose="02070309020205020404" pitchFamily="49" charset="0"/>
+                <a:cs typeface="Courier New" panose="02070309020205020404" pitchFamily="49" charset="0"/>
+              </a:rPr>
+              <a:t>int *</a:t>
+            </a:r>
+            <a:r>
+              <a:rPr lang="en-US" dirty="0" err="1">
+                <a:latin typeface="Courier New" panose="02070309020205020404" pitchFamily="49" charset="0"/>
+                <a:cs typeface="Courier New" panose="02070309020205020404" pitchFamily="49" charset="0"/>
+              </a:rPr>
+              <a:t>vals</a:t>
+            </a:r>
+            <a:r>
+              <a:rPr lang="en-US" dirty="0">
+                <a:latin typeface="Courier New" panose="02070309020205020404" pitchFamily="49" charset="0"/>
+                <a:cs typeface="Courier New" panose="02070309020205020404" pitchFamily="49" charset="0"/>
+              </a:rPr>
+              <a:t> = (int *) </a:t>
+            </a:r>
+            <a:r>
+              <a:rPr lang="en-US" dirty="0" err="1">
+                <a:latin typeface="Courier New" panose="02070309020205020404" pitchFamily="49" charset="0"/>
+                <a:cs typeface="Courier New" panose="02070309020205020404" pitchFamily="49" charset="0"/>
+              </a:rPr>
+              <a:t>alloc</a:t>
+            </a:r>
+            <a:r>
+              <a:rPr lang="en-US" dirty="0">
+                <a:latin typeface="Courier New" panose="02070309020205020404" pitchFamily="49" charset="0"/>
+                <a:cs typeface="Courier New" panose="02070309020205020404" pitchFamily="49" charset="0"/>
+              </a:rPr>
+              <a:t>();</a:t>
+            </a:r>
+          </a:p>
+          <a:p>
+            <a:endParaRPr lang="en-US" b="1" dirty="0">
+              <a:latin typeface="Courier New" panose="02070309020205020404" pitchFamily="49" charset="0"/>
+              <a:cs typeface="Courier New" panose="02070309020205020404" pitchFamily="49" charset="0"/>
+            </a:endParaRPr>
           </a:p>
         </p:txBody>
       </p:sp>
     </p:spTree>
     <p:extLst>
       <p:ext uri="{BB962C8B-B14F-4D97-AF65-F5344CB8AC3E}">
-        <p14:creationId xmlns:p14="http://schemas.microsoft.com/office/powerpoint/2010/main" val="3032651086"/>
+        <p14:creationId xmlns:p14="http://schemas.microsoft.com/office/powerpoint/2010/main" val="1438612513"/>
       </p:ext>
     </p:extLst>
   </p:cSld>

--- a/lectures/KR-5.pptx
+++ b/lectures/KR-5.pptx
@@ -271,7 +271,7 @@
           <a:p>
             <a:fld id="{C13A938A-C9BA-0346-A74F-83EB1631032C}" type="datetimeFigureOut">
               <a:rPr lang="en-US" smtClean="0"/>
-              <a:t>1/28/23</a:t>
+              <a:t>2/9/23</a:t>
             </a:fld>
             <a:endParaRPr lang="en-US"/>
           </a:p>
@@ -469,7 +469,7 @@
           <a:p>
             <a:fld id="{C13A938A-C9BA-0346-A74F-83EB1631032C}" type="datetimeFigureOut">
               <a:rPr lang="en-US" smtClean="0"/>
-              <a:t>1/28/23</a:t>
+              <a:t>2/9/23</a:t>
             </a:fld>
             <a:endParaRPr lang="en-US"/>
           </a:p>
@@ -677,7 +677,7 @@
           <a:p>
             <a:fld id="{C13A938A-C9BA-0346-A74F-83EB1631032C}" type="datetimeFigureOut">
               <a:rPr lang="en-US" smtClean="0"/>
-              <a:t>1/28/23</a:t>
+              <a:t>2/9/23</a:t>
             </a:fld>
             <a:endParaRPr lang="en-US"/>
           </a:p>
@@ -875,7 +875,7 @@
           <a:p>
             <a:fld id="{C13A938A-C9BA-0346-A74F-83EB1631032C}" type="datetimeFigureOut">
               <a:rPr lang="en-US" smtClean="0"/>
-              <a:t>1/28/23</a:t>
+              <a:t>2/9/23</a:t>
             </a:fld>
             <a:endParaRPr lang="en-US"/>
           </a:p>
@@ -1150,7 +1150,7 @@
           <a:p>
             <a:fld id="{C13A938A-C9BA-0346-A74F-83EB1631032C}" type="datetimeFigureOut">
               <a:rPr lang="en-US" smtClean="0"/>
-              <a:t>1/28/23</a:t>
+              <a:t>2/9/23</a:t>
             </a:fld>
             <a:endParaRPr lang="en-US"/>
           </a:p>
@@ -1415,7 +1415,7 @@
           <a:p>
             <a:fld id="{C13A938A-C9BA-0346-A74F-83EB1631032C}" type="datetimeFigureOut">
               <a:rPr lang="en-US" smtClean="0"/>
-              <a:t>1/28/23</a:t>
+              <a:t>2/9/23</a:t>
             </a:fld>
             <a:endParaRPr lang="en-US"/>
           </a:p>
@@ -1827,7 +1827,7 @@
           <a:p>
             <a:fld id="{C13A938A-C9BA-0346-A74F-83EB1631032C}" type="datetimeFigureOut">
               <a:rPr lang="en-US" smtClean="0"/>
-              <a:t>1/28/23</a:t>
+              <a:t>2/9/23</a:t>
             </a:fld>
             <a:endParaRPr lang="en-US"/>
           </a:p>
@@ -1968,7 +1968,7 @@
           <a:p>
             <a:fld id="{C13A938A-C9BA-0346-A74F-83EB1631032C}" type="datetimeFigureOut">
               <a:rPr lang="en-US" smtClean="0"/>
-              <a:t>1/28/23</a:t>
+              <a:t>2/9/23</a:t>
             </a:fld>
             <a:endParaRPr lang="en-US"/>
           </a:p>
@@ -2081,7 +2081,7 @@
           <a:p>
             <a:fld id="{C13A938A-C9BA-0346-A74F-83EB1631032C}" type="datetimeFigureOut">
               <a:rPr lang="en-US" smtClean="0"/>
-              <a:t>1/28/23</a:t>
+              <a:t>2/9/23</a:t>
             </a:fld>
             <a:endParaRPr lang="en-US"/>
           </a:p>
@@ -2392,7 +2392,7 @@
           <a:p>
             <a:fld id="{C13A938A-C9BA-0346-A74F-83EB1631032C}" type="datetimeFigureOut">
               <a:rPr lang="en-US" smtClean="0"/>
-              <a:t>1/28/23</a:t>
+              <a:t>2/9/23</a:t>
             </a:fld>
             <a:endParaRPr lang="en-US"/>
           </a:p>
@@ -2680,7 +2680,7 @@
           <a:p>
             <a:fld id="{C13A938A-C9BA-0346-A74F-83EB1631032C}" type="datetimeFigureOut">
               <a:rPr lang="en-US" smtClean="0"/>
-              <a:t>1/28/23</a:t>
+              <a:t>2/9/23</a:t>
             </a:fld>
             <a:endParaRPr lang="en-US"/>
           </a:p>
@@ -2921,7 +2921,7 @@
           <a:p>
             <a:fld id="{C13A938A-C9BA-0346-A74F-83EB1631032C}" type="datetimeFigureOut">
               <a:rPr lang="en-US" smtClean="0"/>
-              <a:t>1/28/23</a:t>
+              <a:t>2/9/23</a:t>
             </a:fld>
             <a:endParaRPr lang="en-US"/>
           </a:p>
@@ -6352,12 +6352,20 @@
           <a:lstStyle/>
           <a:p>
             <a:r>
+              <a:rPr lang="en-US" sz="2000">
+                <a:solidFill>
+                  <a:srgbClr val="FF0000"/>
+                </a:solidFill>
+              </a:rPr>
+              <a:t>The python id</a:t>
+            </a:r>
+            <a:r>
               <a:rPr lang="en-US" sz="2000" dirty="0">
                 <a:solidFill>
                   <a:srgbClr val="FF0000"/>
                 </a:solidFill>
               </a:rPr>
-              <a:t>The id() function is not intended to be dereferenceable; the fact that it is based on the memory address is a </a:t>
+              <a:t>() function is not intended to be dereferenceable; the fact that it is based on the memory address is a </a:t>
             </a:r>
             <a:r>
               <a:rPr lang="en-US" sz="2000" dirty="0" err="1">

--- a/lectures/KR-5.pptx
+++ b/lectures/KR-5.pptx
@@ -15,9 +15,12 @@
     <p:sldId id="293" r:id="rId9"/>
     <p:sldId id="298" r:id="rId10"/>
     <p:sldId id="297" r:id="rId11"/>
-    <p:sldId id="340" r:id="rId12"/>
-    <p:sldId id="284" r:id="rId13"/>
-    <p:sldId id="285" r:id="rId14"/>
+    <p:sldId id="342" r:id="rId12"/>
+    <p:sldId id="343" r:id="rId13"/>
+    <p:sldId id="344" r:id="rId14"/>
+    <p:sldId id="340" r:id="rId15"/>
+    <p:sldId id="284" r:id="rId16"/>
+    <p:sldId id="285" r:id="rId17"/>
   </p:sldIdLst>
   <p:sldSz cx="12192000" cy="6858000"/>
   <p:notesSz cx="6858000" cy="9144000"/>
@@ -271,7 +274,7 @@
           <a:p>
             <a:fld id="{C13A938A-C9BA-0346-A74F-83EB1631032C}" type="datetimeFigureOut">
               <a:rPr lang="en-US" smtClean="0"/>
-              <a:t>2/9/23</a:t>
+              <a:t>2/11/23</a:t>
             </a:fld>
             <a:endParaRPr lang="en-US"/>
           </a:p>
@@ -469,7 +472,7 @@
           <a:p>
             <a:fld id="{C13A938A-C9BA-0346-A74F-83EB1631032C}" type="datetimeFigureOut">
               <a:rPr lang="en-US" smtClean="0"/>
-              <a:t>2/9/23</a:t>
+              <a:t>2/11/23</a:t>
             </a:fld>
             <a:endParaRPr lang="en-US"/>
           </a:p>
@@ -677,7 +680,7 @@
           <a:p>
             <a:fld id="{C13A938A-C9BA-0346-A74F-83EB1631032C}" type="datetimeFigureOut">
               <a:rPr lang="en-US" smtClean="0"/>
-              <a:t>2/9/23</a:t>
+              <a:t>2/11/23</a:t>
             </a:fld>
             <a:endParaRPr lang="en-US"/>
           </a:p>
@@ -875,7 +878,7 @@
           <a:p>
             <a:fld id="{C13A938A-C9BA-0346-A74F-83EB1631032C}" type="datetimeFigureOut">
               <a:rPr lang="en-US" smtClean="0"/>
-              <a:t>2/9/23</a:t>
+              <a:t>2/11/23</a:t>
             </a:fld>
             <a:endParaRPr lang="en-US"/>
           </a:p>
@@ -1150,7 +1153,7 @@
           <a:p>
             <a:fld id="{C13A938A-C9BA-0346-A74F-83EB1631032C}" type="datetimeFigureOut">
               <a:rPr lang="en-US" smtClean="0"/>
-              <a:t>2/9/23</a:t>
+              <a:t>2/11/23</a:t>
             </a:fld>
             <a:endParaRPr lang="en-US"/>
           </a:p>
@@ -1415,7 +1418,7 @@
           <a:p>
             <a:fld id="{C13A938A-C9BA-0346-A74F-83EB1631032C}" type="datetimeFigureOut">
               <a:rPr lang="en-US" smtClean="0"/>
-              <a:t>2/9/23</a:t>
+              <a:t>2/11/23</a:t>
             </a:fld>
             <a:endParaRPr lang="en-US"/>
           </a:p>
@@ -1827,7 +1830,7 @@
           <a:p>
             <a:fld id="{C13A938A-C9BA-0346-A74F-83EB1631032C}" type="datetimeFigureOut">
               <a:rPr lang="en-US" smtClean="0"/>
-              <a:t>2/9/23</a:t>
+              <a:t>2/11/23</a:t>
             </a:fld>
             <a:endParaRPr lang="en-US"/>
           </a:p>
@@ -1968,7 +1971,7 @@
           <a:p>
             <a:fld id="{C13A938A-C9BA-0346-A74F-83EB1631032C}" type="datetimeFigureOut">
               <a:rPr lang="en-US" smtClean="0"/>
-              <a:t>2/9/23</a:t>
+              <a:t>2/11/23</a:t>
             </a:fld>
             <a:endParaRPr lang="en-US"/>
           </a:p>
@@ -2081,7 +2084,7 @@
           <a:p>
             <a:fld id="{C13A938A-C9BA-0346-A74F-83EB1631032C}" type="datetimeFigureOut">
               <a:rPr lang="en-US" smtClean="0"/>
-              <a:t>2/9/23</a:t>
+              <a:t>2/11/23</a:t>
             </a:fld>
             <a:endParaRPr lang="en-US"/>
           </a:p>
@@ -2392,7 +2395,7 @@
           <a:p>
             <a:fld id="{C13A938A-C9BA-0346-A74F-83EB1631032C}" type="datetimeFigureOut">
               <a:rPr lang="en-US" smtClean="0"/>
-              <a:t>2/9/23</a:t>
+              <a:t>2/11/23</a:t>
             </a:fld>
             <a:endParaRPr lang="en-US"/>
           </a:p>
@@ -2680,7 +2683,7 @@
           <a:p>
             <a:fld id="{C13A938A-C9BA-0346-A74F-83EB1631032C}" type="datetimeFigureOut">
               <a:rPr lang="en-US" smtClean="0"/>
-              <a:t>2/9/23</a:t>
+              <a:t>2/11/23</a:t>
             </a:fld>
             <a:endParaRPr lang="en-US"/>
           </a:p>
@@ -2921,7 +2924,7 @@
           <a:p>
             <a:fld id="{C13A938A-C9BA-0346-A74F-83EB1631032C}" type="datetimeFigureOut">
               <a:rPr lang="en-US" smtClean="0"/>
-              <a:t>2/9/23</a:t>
+              <a:t>2/11/23</a:t>
             </a:fld>
             <a:endParaRPr lang="en-US"/>
           </a:p>
@@ -3701,6 +3704,2017 @@
 </file>
 
 <file path=ppt/slides/slide11.xml><?xml version="1.0" encoding="utf-8"?>
+<p:sld xmlns:a="http://schemas.openxmlformats.org/drawingml/2006/main" xmlns:r="http://schemas.openxmlformats.org/officeDocument/2006/relationships" xmlns:p="http://schemas.openxmlformats.org/presentationml/2006/main" show="0">
+  <p:cSld>
+    <p:spTree>
+      <p:nvGrpSpPr>
+        <p:cNvPr id="1" name=""/>
+        <p:cNvGrpSpPr/>
+        <p:nvPr/>
+      </p:nvGrpSpPr>
+      <p:grpSpPr>
+        <a:xfrm>
+          <a:off x="0" y="0"/>
+          <a:ext cx="0" cy="0"/>
+          <a:chOff x="0" y="0"/>
+          <a:chExt cx="0" cy="0"/>
+        </a:xfrm>
+      </p:grpSpPr>
+      <p:sp>
+        <p:nvSpPr>
+          <p:cNvPr id="2" name="Title 1">
+            <a:extLst>
+              <a:ext uri="{FF2B5EF4-FFF2-40B4-BE49-F238E27FC236}">
+                <a16:creationId xmlns:a16="http://schemas.microsoft.com/office/drawing/2014/main" id="{4E12262B-436F-3FAB-706C-2797FE1587CC}"/>
+              </a:ext>
+            </a:extLst>
+          </p:cNvPr>
+          <p:cNvSpPr>
+            <a:spLocks noGrp="1"/>
+          </p:cNvSpPr>
+          <p:nvPr>
+            <p:ph type="title"/>
+          </p:nvPr>
+        </p:nvSpPr>
+        <p:spPr/>
+        <p:txBody>
+          <a:bodyPr/>
+          <a:lstStyle/>
+          <a:p>
+            <a:r>
+              <a:rPr lang="en-US" dirty="0"/>
+              <a:t>Endianness – What comes first?  (review)</a:t>
+            </a:r>
+          </a:p>
+        </p:txBody>
+      </p:sp>
+      <p:sp>
+        <p:nvSpPr>
+          <p:cNvPr id="3" name="Content Placeholder 2">
+            <a:extLst>
+              <a:ext uri="{FF2B5EF4-FFF2-40B4-BE49-F238E27FC236}">
+                <a16:creationId xmlns:a16="http://schemas.microsoft.com/office/drawing/2014/main" id="{2EAA6E54-2E2E-83E1-17B1-83B1800AAC95}"/>
+              </a:ext>
+            </a:extLst>
+          </p:cNvPr>
+          <p:cNvSpPr>
+            <a:spLocks noGrp="1"/>
+          </p:cNvSpPr>
+          <p:nvPr>
+            <p:ph idx="1"/>
+          </p:nvPr>
+        </p:nvSpPr>
+        <p:spPr/>
+        <p:txBody>
+          <a:bodyPr/>
+          <a:lstStyle/>
+          <a:p>
+            <a:r>
+              <a:rPr lang="en-US" dirty="0"/>
+              <a:t>In word oriented computers, when we would load a word and treated it as characters the first character would be in the top bits of the word</a:t>
+            </a:r>
+          </a:p>
+          <a:p>
+            <a:r>
+              <a:rPr lang="en-US" dirty="0"/>
+              <a:t>In byte oriented computers when we load a byte – the first character is the first character</a:t>
+            </a:r>
+          </a:p>
+          <a:p>
+            <a:r>
+              <a:rPr lang="en-US" dirty="0"/>
+              <a:t>In byte oriented computers when we load an area filled with bytes and loaded it as a word (i.e. like 4 bytes) – in a big-endian computer, the first character is in the top bits of the word</a:t>
+            </a:r>
+          </a:p>
+          <a:p>
+            <a:r>
+              <a:rPr lang="en-US" dirty="0"/>
+              <a:t>In byte oriented computer, when we load an area filled with bytes and loaded it as a word, in a little endian computer the bytes are backwards.</a:t>
+            </a:r>
+          </a:p>
+        </p:txBody>
+      </p:sp>
+    </p:spTree>
+    <p:extLst>
+      <p:ext uri="{BB962C8B-B14F-4D97-AF65-F5344CB8AC3E}">
+        <p14:creationId xmlns:p14="http://schemas.microsoft.com/office/powerpoint/2010/main" val="451152881"/>
+      </p:ext>
+    </p:extLst>
+  </p:cSld>
+  <p:clrMapOvr>
+    <a:masterClrMapping/>
+  </p:clrMapOvr>
+</p:sld>
+</file>
+
+<file path=ppt/slides/slide12.xml><?xml version="1.0" encoding="utf-8"?>
+<p:sld xmlns:a="http://schemas.openxmlformats.org/drawingml/2006/main" xmlns:r="http://schemas.openxmlformats.org/officeDocument/2006/relationships" xmlns:p="http://schemas.openxmlformats.org/presentationml/2006/main" show="0">
+  <p:cSld>
+    <p:spTree>
+      <p:nvGrpSpPr>
+        <p:cNvPr id="1" name=""/>
+        <p:cNvGrpSpPr/>
+        <p:nvPr/>
+      </p:nvGrpSpPr>
+      <p:grpSpPr>
+        <a:xfrm>
+          <a:off x="0" y="0"/>
+          <a:ext cx="0" cy="0"/>
+          <a:chOff x="0" y="0"/>
+          <a:chExt cx="0" cy="0"/>
+        </a:xfrm>
+      </p:grpSpPr>
+      <p:grpSp>
+        <p:nvGrpSpPr>
+          <p:cNvPr id="43" name="Group 42">
+            <a:extLst>
+              <a:ext uri="{FF2B5EF4-FFF2-40B4-BE49-F238E27FC236}">
+                <a16:creationId xmlns:a16="http://schemas.microsoft.com/office/drawing/2014/main" id="{F0D44EDF-F5F0-C1F4-0373-F9BC11DFDA8D}"/>
+              </a:ext>
+            </a:extLst>
+          </p:cNvPr>
+          <p:cNvGrpSpPr/>
+          <p:nvPr/>
+        </p:nvGrpSpPr>
+        <p:grpSpPr>
+          <a:xfrm>
+            <a:off x="1458088" y="1677763"/>
+            <a:ext cx="3478581" cy="400367"/>
+            <a:chOff x="1038567" y="1614228"/>
+            <a:chExt cx="3478581" cy="400367"/>
+          </a:xfrm>
+        </p:grpSpPr>
+        <p:sp>
+          <p:nvSpPr>
+            <p:cNvPr id="5" name="Rectangle 4">
+              <a:extLst>
+                <a:ext uri="{FF2B5EF4-FFF2-40B4-BE49-F238E27FC236}">
+                  <a16:creationId xmlns:a16="http://schemas.microsoft.com/office/drawing/2014/main" id="{2C3E6F26-E90B-360B-3621-9D78B3FB9280}"/>
+                </a:ext>
+              </a:extLst>
+            </p:cNvPr>
+            <p:cNvSpPr/>
+            <p:nvPr/>
+          </p:nvSpPr>
+          <p:spPr>
+            <a:xfrm>
+              <a:off x="1038567" y="1614228"/>
+              <a:ext cx="347779" cy="400367"/>
+            </a:xfrm>
+            <a:prstGeom prst="rect">
+              <a:avLst/>
+            </a:prstGeom>
+            <a:noFill/>
+          </p:spPr>
+          <p:style>
+            <a:lnRef idx="2">
+              <a:schemeClr val="accent1">
+                <a:shade val="50000"/>
+              </a:schemeClr>
+            </a:lnRef>
+            <a:fillRef idx="1">
+              <a:schemeClr val="accent1"/>
+            </a:fillRef>
+            <a:effectRef idx="0">
+              <a:schemeClr val="accent1"/>
+            </a:effectRef>
+            <a:fontRef idx="minor">
+              <a:schemeClr val="lt1"/>
+            </a:fontRef>
+          </p:style>
+          <p:txBody>
+            <a:bodyPr rtlCol="0" anchor="ctr"/>
+            <a:lstStyle/>
+            <a:p>
+              <a:pPr algn="ctr"/>
+              <a:r>
+                <a:rPr lang="en-US" dirty="0">
+                  <a:solidFill>
+                    <a:schemeClr val="tx1"/>
+                  </a:solidFill>
+                </a:rPr>
+                <a:t>U</a:t>
+              </a:r>
+            </a:p>
+          </p:txBody>
+        </p:sp>
+        <p:sp>
+          <p:nvSpPr>
+            <p:cNvPr id="6" name="Rectangle 5">
+              <a:extLst>
+                <a:ext uri="{FF2B5EF4-FFF2-40B4-BE49-F238E27FC236}">
+                  <a16:creationId xmlns:a16="http://schemas.microsoft.com/office/drawing/2014/main" id="{950B843D-AA1F-DB00-27C7-79D535F69B10}"/>
+                </a:ext>
+              </a:extLst>
+            </p:cNvPr>
+            <p:cNvSpPr/>
+            <p:nvPr/>
+          </p:nvSpPr>
+          <p:spPr>
+            <a:xfrm>
+              <a:off x="1386299" y="1614228"/>
+              <a:ext cx="347779" cy="400367"/>
+            </a:xfrm>
+            <a:prstGeom prst="rect">
+              <a:avLst/>
+            </a:prstGeom>
+            <a:noFill/>
+          </p:spPr>
+          <p:style>
+            <a:lnRef idx="2">
+              <a:schemeClr val="accent1">
+                <a:shade val="50000"/>
+              </a:schemeClr>
+            </a:lnRef>
+            <a:fillRef idx="1">
+              <a:schemeClr val="accent1"/>
+            </a:fillRef>
+            <a:effectRef idx="0">
+              <a:schemeClr val="accent1"/>
+            </a:effectRef>
+            <a:fontRef idx="minor">
+              <a:schemeClr val="lt1"/>
+            </a:fontRef>
+          </p:style>
+          <p:txBody>
+            <a:bodyPr rtlCol="0" anchor="ctr"/>
+            <a:lstStyle/>
+            <a:p>
+              <a:pPr algn="ctr"/>
+              <a:r>
+                <a:rPr lang="en-US" dirty="0">
+                  <a:solidFill>
+                    <a:schemeClr val="tx1"/>
+                  </a:solidFill>
+                </a:rPr>
+                <a:t>N</a:t>
+              </a:r>
+            </a:p>
+          </p:txBody>
+        </p:sp>
+        <p:sp>
+          <p:nvSpPr>
+            <p:cNvPr id="7" name="Rectangle 6">
+              <a:extLst>
+                <a:ext uri="{FF2B5EF4-FFF2-40B4-BE49-F238E27FC236}">
+                  <a16:creationId xmlns:a16="http://schemas.microsoft.com/office/drawing/2014/main" id="{0BEDE6FA-A18C-BE5C-BF2F-083BB449CBA1}"/>
+                </a:ext>
+              </a:extLst>
+            </p:cNvPr>
+            <p:cNvSpPr/>
+            <p:nvPr/>
+          </p:nvSpPr>
+          <p:spPr>
+            <a:xfrm>
+              <a:off x="1734078" y="1614228"/>
+              <a:ext cx="347779" cy="400367"/>
+            </a:xfrm>
+            <a:prstGeom prst="rect">
+              <a:avLst/>
+            </a:prstGeom>
+            <a:noFill/>
+          </p:spPr>
+          <p:style>
+            <a:lnRef idx="2">
+              <a:schemeClr val="accent1">
+                <a:shade val="50000"/>
+              </a:schemeClr>
+            </a:lnRef>
+            <a:fillRef idx="1">
+              <a:schemeClr val="accent1"/>
+            </a:fillRef>
+            <a:effectRef idx="0">
+              <a:schemeClr val="accent1"/>
+            </a:effectRef>
+            <a:fontRef idx="minor">
+              <a:schemeClr val="lt1"/>
+            </a:fontRef>
+          </p:style>
+          <p:txBody>
+            <a:bodyPr rtlCol="0" anchor="ctr"/>
+            <a:lstStyle/>
+            <a:p>
+              <a:pPr algn="ctr"/>
+              <a:r>
+                <a:rPr lang="en-US" dirty="0">
+                  <a:solidFill>
+                    <a:schemeClr val="tx1"/>
+                  </a:solidFill>
+                </a:rPr>
+                <a:t>I</a:t>
+              </a:r>
+            </a:p>
+          </p:txBody>
+        </p:sp>
+        <p:sp>
+          <p:nvSpPr>
+            <p:cNvPr id="8" name="Rectangle 7">
+              <a:extLst>
+                <a:ext uri="{FF2B5EF4-FFF2-40B4-BE49-F238E27FC236}">
+                  <a16:creationId xmlns:a16="http://schemas.microsoft.com/office/drawing/2014/main" id="{10657F8D-8DFD-C28A-9926-AE6420E9FDAE}"/>
+                </a:ext>
+              </a:extLst>
+            </p:cNvPr>
+            <p:cNvSpPr/>
+            <p:nvPr/>
+          </p:nvSpPr>
+          <p:spPr>
+            <a:xfrm>
+              <a:off x="2081811" y="1614228"/>
+              <a:ext cx="347779" cy="400367"/>
+            </a:xfrm>
+            <a:prstGeom prst="rect">
+              <a:avLst/>
+            </a:prstGeom>
+            <a:noFill/>
+          </p:spPr>
+          <p:style>
+            <a:lnRef idx="2">
+              <a:schemeClr val="accent1">
+                <a:shade val="50000"/>
+              </a:schemeClr>
+            </a:lnRef>
+            <a:fillRef idx="1">
+              <a:schemeClr val="accent1"/>
+            </a:fillRef>
+            <a:effectRef idx="0">
+              <a:schemeClr val="accent1"/>
+            </a:effectRef>
+            <a:fontRef idx="minor">
+              <a:schemeClr val="lt1"/>
+            </a:fontRef>
+          </p:style>
+          <p:txBody>
+            <a:bodyPr rtlCol="0" anchor="ctr"/>
+            <a:lstStyle/>
+            <a:p>
+              <a:pPr algn="ctr"/>
+              <a:r>
+                <a:rPr lang="en-US" dirty="0">
+                  <a:solidFill>
+                    <a:schemeClr val="tx1"/>
+                  </a:solidFill>
+                </a:rPr>
+                <a:t>X</a:t>
+              </a:r>
+            </a:p>
+          </p:txBody>
+        </p:sp>
+        <p:sp>
+          <p:nvSpPr>
+            <p:cNvPr id="9" name="Rectangle 8">
+              <a:extLst>
+                <a:ext uri="{FF2B5EF4-FFF2-40B4-BE49-F238E27FC236}">
+                  <a16:creationId xmlns:a16="http://schemas.microsoft.com/office/drawing/2014/main" id="{C92B1D96-F6C4-8E17-F92A-8B84C3BFE118}"/>
+                </a:ext>
+              </a:extLst>
+            </p:cNvPr>
+            <p:cNvSpPr/>
+            <p:nvPr/>
+          </p:nvSpPr>
+          <p:spPr>
+            <a:xfrm>
+              <a:off x="2429632" y="1614228"/>
+              <a:ext cx="347779" cy="400367"/>
+            </a:xfrm>
+            <a:prstGeom prst="rect">
+              <a:avLst/>
+            </a:prstGeom>
+            <a:noFill/>
+          </p:spPr>
+          <p:style>
+            <a:lnRef idx="2">
+              <a:schemeClr val="accent1">
+                <a:shade val="50000"/>
+              </a:schemeClr>
+            </a:lnRef>
+            <a:fillRef idx="1">
+              <a:schemeClr val="accent1"/>
+            </a:fillRef>
+            <a:effectRef idx="0">
+              <a:schemeClr val="accent1"/>
+            </a:effectRef>
+            <a:fontRef idx="minor">
+              <a:schemeClr val="lt1"/>
+            </a:fontRef>
+          </p:style>
+          <p:txBody>
+            <a:bodyPr rtlCol="0" anchor="ctr"/>
+            <a:lstStyle/>
+            <a:p>
+              <a:pPr algn="ctr"/>
+              <a:r>
+                <a:rPr lang="en-US" dirty="0">
+                  <a:solidFill>
+                    <a:schemeClr val="tx1"/>
+                  </a:solidFill>
+                </a:rPr>
+                <a:t>0</a:t>
+              </a:r>
+            </a:p>
+          </p:txBody>
+        </p:sp>
+        <p:sp>
+          <p:nvSpPr>
+            <p:cNvPr id="10" name="Rectangle 9">
+              <a:extLst>
+                <a:ext uri="{FF2B5EF4-FFF2-40B4-BE49-F238E27FC236}">
+                  <a16:creationId xmlns:a16="http://schemas.microsoft.com/office/drawing/2014/main" id="{B7ACCFC4-4E59-365B-6BC3-A6899FF5F394}"/>
+                </a:ext>
+              </a:extLst>
+            </p:cNvPr>
+            <p:cNvSpPr/>
+            <p:nvPr/>
+          </p:nvSpPr>
+          <p:spPr>
+            <a:xfrm>
+              <a:off x="2777364" y="1614228"/>
+              <a:ext cx="347779" cy="400367"/>
+            </a:xfrm>
+            <a:prstGeom prst="rect">
+              <a:avLst/>
+            </a:prstGeom>
+            <a:noFill/>
+          </p:spPr>
+          <p:style>
+            <a:lnRef idx="2">
+              <a:schemeClr val="accent1">
+                <a:shade val="50000"/>
+              </a:schemeClr>
+            </a:lnRef>
+            <a:fillRef idx="1">
+              <a:schemeClr val="accent1"/>
+            </a:fillRef>
+            <a:effectRef idx="0">
+              <a:schemeClr val="accent1"/>
+            </a:effectRef>
+            <a:fontRef idx="minor">
+              <a:schemeClr val="lt1"/>
+            </a:fontRef>
+          </p:style>
+          <p:txBody>
+            <a:bodyPr rtlCol="0" anchor="ctr"/>
+            <a:lstStyle/>
+            <a:p>
+              <a:pPr algn="ctr"/>
+              <a:r>
+                <a:rPr lang="en-US" dirty="0">
+                  <a:solidFill>
+                    <a:schemeClr val="tx1"/>
+                  </a:solidFill>
+                </a:rPr>
+                <a:t>0</a:t>
+              </a:r>
+            </a:p>
+          </p:txBody>
+        </p:sp>
+        <p:sp>
+          <p:nvSpPr>
+            <p:cNvPr id="11" name="Rectangle 10">
+              <a:extLst>
+                <a:ext uri="{FF2B5EF4-FFF2-40B4-BE49-F238E27FC236}">
+                  <a16:creationId xmlns:a16="http://schemas.microsoft.com/office/drawing/2014/main" id="{AFEDBC4A-A86B-35C0-A9DA-2C218B9B05E7}"/>
+                </a:ext>
+              </a:extLst>
+            </p:cNvPr>
+            <p:cNvSpPr/>
+            <p:nvPr/>
+          </p:nvSpPr>
+          <p:spPr>
+            <a:xfrm>
+              <a:off x="3125143" y="1614228"/>
+              <a:ext cx="347779" cy="400367"/>
+            </a:xfrm>
+            <a:prstGeom prst="rect">
+              <a:avLst/>
+            </a:prstGeom>
+            <a:noFill/>
+          </p:spPr>
+          <p:style>
+            <a:lnRef idx="2">
+              <a:schemeClr val="accent1">
+                <a:shade val="50000"/>
+              </a:schemeClr>
+            </a:lnRef>
+            <a:fillRef idx="1">
+              <a:schemeClr val="accent1"/>
+            </a:fillRef>
+            <a:effectRef idx="0">
+              <a:schemeClr val="accent1"/>
+            </a:effectRef>
+            <a:fontRef idx="minor">
+              <a:schemeClr val="lt1"/>
+            </a:fontRef>
+          </p:style>
+          <p:txBody>
+            <a:bodyPr rtlCol="0" anchor="ctr"/>
+            <a:lstStyle/>
+            <a:p>
+              <a:pPr algn="ctr"/>
+              <a:r>
+                <a:rPr lang="en-US" dirty="0">
+                  <a:solidFill>
+                    <a:schemeClr val="tx1"/>
+                  </a:solidFill>
+                </a:rPr>
+                <a:t>0</a:t>
+              </a:r>
+            </a:p>
+          </p:txBody>
+        </p:sp>
+        <p:sp>
+          <p:nvSpPr>
+            <p:cNvPr id="12" name="Rectangle 11">
+              <a:extLst>
+                <a:ext uri="{FF2B5EF4-FFF2-40B4-BE49-F238E27FC236}">
+                  <a16:creationId xmlns:a16="http://schemas.microsoft.com/office/drawing/2014/main" id="{F06F1CE0-87DE-74A1-D110-BD84D60863CB}"/>
+                </a:ext>
+              </a:extLst>
+            </p:cNvPr>
+            <p:cNvSpPr/>
+            <p:nvPr/>
+          </p:nvSpPr>
+          <p:spPr>
+            <a:xfrm>
+              <a:off x="3472876" y="1614228"/>
+              <a:ext cx="347779" cy="400367"/>
+            </a:xfrm>
+            <a:prstGeom prst="rect">
+              <a:avLst/>
+            </a:prstGeom>
+            <a:noFill/>
+          </p:spPr>
+          <p:style>
+            <a:lnRef idx="2">
+              <a:schemeClr val="accent1">
+                <a:shade val="50000"/>
+              </a:schemeClr>
+            </a:lnRef>
+            <a:fillRef idx="1">
+              <a:schemeClr val="accent1"/>
+            </a:fillRef>
+            <a:effectRef idx="0">
+              <a:schemeClr val="accent1"/>
+            </a:effectRef>
+            <a:fontRef idx="minor">
+              <a:schemeClr val="lt1"/>
+            </a:fontRef>
+          </p:style>
+          <p:txBody>
+            <a:bodyPr rtlCol="0" anchor="ctr"/>
+            <a:lstStyle/>
+            <a:p>
+              <a:pPr algn="ctr"/>
+              <a:r>
+                <a:rPr lang="en-US" dirty="0">
+                  <a:solidFill>
+                    <a:schemeClr val="tx1"/>
+                  </a:solidFill>
+                </a:rPr>
+                <a:t>0</a:t>
+              </a:r>
+            </a:p>
+          </p:txBody>
+        </p:sp>
+        <p:sp>
+          <p:nvSpPr>
+            <p:cNvPr id="14" name="Rectangle 13">
+              <a:extLst>
+                <a:ext uri="{FF2B5EF4-FFF2-40B4-BE49-F238E27FC236}">
+                  <a16:creationId xmlns:a16="http://schemas.microsoft.com/office/drawing/2014/main" id="{A8BE84FD-23F3-729A-5F66-3A5D2A2CB889}"/>
+                </a:ext>
+              </a:extLst>
+            </p:cNvPr>
+            <p:cNvSpPr/>
+            <p:nvPr/>
+          </p:nvSpPr>
+          <p:spPr>
+            <a:xfrm>
+              <a:off x="3821637" y="1614228"/>
+              <a:ext cx="347779" cy="400367"/>
+            </a:xfrm>
+            <a:prstGeom prst="rect">
+              <a:avLst/>
+            </a:prstGeom>
+            <a:noFill/>
+          </p:spPr>
+          <p:style>
+            <a:lnRef idx="2">
+              <a:schemeClr val="accent1">
+                <a:shade val="50000"/>
+              </a:schemeClr>
+            </a:lnRef>
+            <a:fillRef idx="1">
+              <a:schemeClr val="accent1"/>
+            </a:fillRef>
+            <a:effectRef idx="0">
+              <a:schemeClr val="accent1"/>
+            </a:effectRef>
+            <a:fontRef idx="minor">
+              <a:schemeClr val="lt1"/>
+            </a:fontRef>
+          </p:style>
+          <p:txBody>
+            <a:bodyPr rtlCol="0" anchor="ctr"/>
+            <a:lstStyle/>
+            <a:p>
+              <a:pPr algn="ctr"/>
+              <a:r>
+                <a:rPr lang="en-US" dirty="0">
+                  <a:solidFill>
+                    <a:schemeClr val="tx1"/>
+                  </a:solidFill>
+                </a:rPr>
+                <a:t>0</a:t>
+              </a:r>
+            </a:p>
+          </p:txBody>
+        </p:sp>
+        <p:sp>
+          <p:nvSpPr>
+            <p:cNvPr id="15" name="Rectangle 14">
+              <a:extLst>
+                <a:ext uri="{FF2B5EF4-FFF2-40B4-BE49-F238E27FC236}">
+                  <a16:creationId xmlns:a16="http://schemas.microsoft.com/office/drawing/2014/main" id="{95BBC824-BA0C-7331-7E2F-0588C8AE5BCA}"/>
+                </a:ext>
+              </a:extLst>
+            </p:cNvPr>
+            <p:cNvSpPr/>
+            <p:nvPr/>
+          </p:nvSpPr>
+          <p:spPr>
+            <a:xfrm>
+              <a:off x="4169369" y="1614228"/>
+              <a:ext cx="347779" cy="400367"/>
+            </a:xfrm>
+            <a:prstGeom prst="rect">
+              <a:avLst/>
+            </a:prstGeom>
+            <a:noFill/>
+          </p:spPr>
+          <p:style>
+            <a:lnRef idx="2">
+              <a:schemeClr val="accent1">
+                <a:shade val="50000"/>
+              </a:schemeClr>
+            </a:lnRef>
+            <a:fillRef idx="1">
+              <a:schemeClr val="accent1"/>
+            </a:fillRef>
+            <a:effectRef idx="0">
+              <a:schemeClr val="accent1"/>
+            </a:effectRef>
+            <a:fontRef idx="minor">
+              <a:schemeClr val="lt1"/>
+            </a:fontRef>
+          </p:style>
+          <p:txBody>
+            <a:bodyPr rtlCol="0" anchor="ctr"/>
+            <a:lstStyle/>
+            <a:p>
+              <a:pPr algn="ctr"/>
+              <a:r>
+                <a:rPr lang="en-US" dirty="0">
+                  <a:solidFill>
+                    <a:schemeClr val="tx1"/>
+                  </a:solidFill>
+                </a:rPr>
+                <a:t>0</a:t>
+              </a:r>
+            </a:p>
+          </p:txBody>
+        </p:sp>
+      </p:grpSp>
+      <p:sp>
+        <p:nvSpPr>
+          <p:cNvPr id="16" name="Rectangle 15">
+            <a:extLst>
+              <a:ext uri="{FF2B5EF4-FFF2-40B4-BE49-F238E27FC236}">
+                <a16:creationId xmlns:a16="http://schemas.microsoft.com/office/drawing/2014/main" id="{04DA9DBC-B3BB-E7F7-F126-BF17292C170E}"/>
+              </a:ext>
+            </a:extLst>
+          </p:cNvPr>
+          <p:cNvSpPr/>
+          <p:nvPr/>
+        </p:nvSpPr>
+        <p:spPr>
+          <a:xfrm>
+            <a:off x="4814323" y="2490880"/>
+            <a:ext cx="434845" cy="406266"/>
+          </a:xfrm>
+          <a:prstGeom prst="rect">
+            <a:avLst/>
+          </a:prstGeom>
+          <a:noFill/>
+        </p:spPr>
+        <p:style>
+          <a:lnRef idx="2">
+            <a:schemeClr val="accent1">
+              <a:shade val="50000"/>
+            </a:schemeClr>
+          </a:lnRef>
+          <a:fillRef idx="1">
+            <a:schemeClr val="accent1"/>
+          </a:fillRef>
+          <a:effectRef idx="0">
+            <a:schemeClr val="accent1"/>
+          </a:effectRef>
+          <a:fontRef idx="minor">
+            <a:schemeClr val="lt1"/>
+          </a:fontRef>
+        </p:style>
+        <p:txBody>
+          <a:bodyPr rtlCol="0" anchor="ctr"/>
+          <a:lstStyle/>
+          <a:p>
+            <a:pPr algn="ctr"/>
+            <a:r>
+              <a:rPr lang="en-US" dirty="0">
+                <a:solidFill>
+                  <a:schemeClr val="tx1"/>
+                </a:solidFill>
+              </a:rPr>
+              <a:t>U</a:t>
+            </a:r>
+          </a:p>
+        </p:txBody>
+      </p:sp>
+      <p:sp>
+        <p:nvSpPr>
+          <p:cNvPr id="17" name="Rectangle 16">
+            <a:extLst>
+              <a:ext uri="{FF2B5EF4-FFF2-40B4-BE49-F238E27FC236}">
+                <a16:creationId xmlns:a16="http://schemas.microsoft.com/office/drawing/2014/main" id="{DB71B1E0-D7D9-C238-05F8-D048031C6A7D}"/>
+              </a:ext>
+            </a:extLst>
+          </p:cNvPr>
+          <p:cNvSpPr/>
+          <p:nvPr/>
+        </p:nvSpPr>
+        <p:spPr>
+          <a:xfrm>
+            <a:off x="4814323" y="2890351"/>
+            <a:ext cx="434845" cy="369333"/>
+          </a:xfrm>
+          <a:prstGeom prst="rect">
+            <a:avLst/>
+          </a:prstGeom>
+          <a:noFill/>
+        </p:spPr>
+        <p:style>
+          <a:lnRef idx="2">
+            <a:schemeClr val="accent1">
+              <a:shade val="50000"/>
+            </a:schemeClr>
+          </a:lnRef>
+          <a:fillRef idx="1">
+            <a:schemeClr val="accent1"/>
+          </a:fillRef>
+          <a:effectRef idx="0">
+            <a:schemeClr val="accent1"/>
+          </a:effectRef>
+          <a:fontRef idx="minor">
+            <a:schemeClr val="lt1"/>
+          </a:fontRef>
+        </p:style>
+        <p:txBody>
+          <a:bodyPr rtlCol="0" anchor="ctr"/>
+          <a:lstStyle/>
+          <a:p>
+            <a:pPr algn="ctr"/>
+            <a:r>
+              <a:rPr lang="en-US" dirty="0">
+                <a:solidFill>
+                  <a:schemeClr val="tx1"/>
+                </a:solidFill>
+              </a:rPr>
+              <a:t>N</a:t>
+            </a:r>
+          </a:p>
+        </p:txBody>
+      </p:sp>
+      <p:sp>
+        <p:nvSpPr>
+          <p:cNvPr id="18" name="Rectangle 17">
+            <a:extLst>
+              <a:ext uri="{FF2B5EF4-FFF2-40B4-BE49-F238E27FC236}">
+                <a16:creationId xmlns:a16="http://schemas.microsoft.com/office/drawing/2014/main" id="{D00A183B-2DB3-60CD-BFF3-AF5F35AADF3E}"/>
+              </a:ext>
+            </a:extLst>
+          </p:cNvPr>
+          <p:cNvSpPr/>
+          <p:nvPr/>
+        </p:nvSpPr>
+        <p:spPr>
+          <a:xfrm>
+            <a:off x="4814323" y="3263770"/>
+            <a:ext cx="434845" cy="406266"/>
+          </a:xfrm>
+          <a:prstGeom prst="rect">
+            <a:avLst/>
+          </a:prstGeom>
+          <a:noFill/>
+        </p:spPr>
+        <p:style>
+          <a:lnRef idx="2">
+            <a:schemeClr val="accent1">
+              <a:shade val="50000"/>
+            </a:schemeClr>
+          </a:lnRef>
+          <a:fillRef idx="1">
+            <a:schemeClr val="accent1"/>
+          </a:fillRef>
+          <a:effectRef idx="0">
+            <a:schemeClr val="accent1"/>
+          </a:effectRef>
+          <a:fontRef idx="minor">
+            <a:schemeClr val="lt1"/>
+          </a:fontRef>
+        </p:style>
+        <p:txBody>
+          <a:bodyPr rtlCol="0" anchor="ctr"/>
+          <a:lstStyle/>
+          <a:p>
+            <a:pPr algn="ctr"/>
+            <a:r>
+              <a:rPr lang="en-US" dirty="0">
+                <a:solidFill>
+                  <a:schemeClr val="tx1"/>
+                </a:solidFill>
+              </a:rPr>
+              <a:t>I</a:t>
+            </a:r>
+          </a:p>
+        </p:txBody>
+      </p:sp>
+      <p:sp>
+        <p:nvSpPr>
+          <p:cNvPr id="19" name="Rectangle 18">
+            <a:extLst>
+              <a:ext uri="{FF2B5EF4-FFF2-40B4-BE49-F238E27FC236}">
+                <a16:creationId xmlns:a16="http://schemas.microsoft.com/office/drawing/2014/main" id="{B304DB94-BB13-773E-EED6-A79331FBADD1}"/>
+              </a:ext>
+            </a:extLst>
+          </p:cNvPr>
+          <p:cNvSpPr/>
+          <p:nvPr/>
+        </p:nvSpPr>
+        <p:spPr>
+          <a:xfrm>
+            <a:off x="4814323" y="3663241"/>
+            <a:ext cx="434845" cy="369333"/>
+          </a:xfrm>
+          <a:prstGeom prst="rect">
+            <a:avLst/>
+          </a:prstGeom>
+          <a:noFill/>
+        </p:spPr>
+        <p:style>
+          <a:lnRef idx="2">
+            <a:schemeClr val="accent1">
+              <a:shade val="50000"/>
+            </a:schemeClr>
+          </a:lnRef>
+          <a:fillRef idx="1">
+            <a:schemeClr val="accent1"/>
+          </a:fillRef>
+          <a:effectRef idx="0">
+            <a:schemeClr val="accent1"/>
+          </a:effectRef>
+          <a:fontRef idx="minor">
+            <a:schemeClr val="lt1"/>
+          </a:fontRef>
+        </p:style>
+        <p:txBody>
+          <a:bodyPr rtlCol="0" anchor="ctr"/>
+          <a:lstStyle/>
+          <a:p>
+            <a:pPr algn="ctr"/>
+            <a:r>
+              <a:rPr lang="en-US" dirty="0">
+                <a:solidFill>
+                  <a:schemeClr val="tx1"/>
+                </a:solidFill>
+              </a:rPr>
+              <a:t>X</a:t>
+            </a:r>
+          </a:p>
+        </p:txBody>
+      </p:sp>
+      <p:sp>
+        <p:nvSpPr>
+          <p:cNvPr id="24" name="Rectangle 23">
+            <a:extLst>
+              <a:ext uri="{FF2B5EF4-FFF2-40B4-BE49-F238E27FC236}">
+                <a16:creationId xmlns:a16="http://schemas.microsoft.com/office/drawing/2014/main" id="{239CAB64-19A7-50F8-9352-FD42EB2CFE6B}"/>
+              </a:ext>
+            </a:extLst>
+          </p:cNvPr>
+          <p:cNvSpPr/>
+          <p:nvPr/>
+        </p:nvSpPr>
+        <p:spPr>
+          <a:xfrm>
+            <a:off x="928224" y="3534165"/>
+            <a:ext cx="434845" cy="369333"/>
+          </a:xfrm>
+          <a:prstGeom prst="rect">
+            <a:avLst/>
+          </a:prstGeom>
+          <a:noFill/>
+        </p:spPr>
+        <p:style>
+          <a:lnRef idx="2">
+            <a:schemeClr val="accent1">
+              <a:shade val="50000"/>
+            </a:schemeClr>
+          </a:lnRef>
+          <a:fillRef idx="1">
+            <a:schemeClr val="accent1"/>
+          </a:fillRef>
+          <a:effectRef idx="0">
+            <a:schemeClr val="accent1"/>
+          </a:effectRef>
+          <a:fontRef idx="minor">
+            <a:schemeClr val="lt1"/>
+          </a:fontRef>
+        </p:style>
+        <p:txBody>
+          <a:bodyPr rtlCol="0" anchor="ctr"/>
+          <a:lstStyle/>
+          <a:p>
+            <a:pPr algn="ctr"/>
+            <a:r>
+              <a:rPr lang="en-US" dirty="0">
+                <a:solidFill>
+                  <a:schemeClr val="tx1"/>
+                </a:solidFill>
+              </a:rPr>
+              <a:t>U</a:t>
+            </a:r>
+          </a:p>
+        </p:txBody>
+      </p:sp>
+      <p:sp>
+        <p:nvSpPr>
+          <p:cNvPr id="25" name="Rectangle 24">
+            <a:extLst>
+              <a:ext uri="{FF2B5EF4-FFF2-40B4-BE49-F238E27FC236}">
+                <a16:creationId xmlns:a16="http://schemas.microsoft.com/office/drawing/2014/main" id="{5D718F84-FA36-F6B6-0519-8E885354704C}"/>
+              </a:ext>
+            </a:extLst>
+          </p:cNvPr>
+          <p:cNvSpPr/>
+          <p:nvPr/>
+        </p:nvSpPr>
+        <p:spPr>
+          <a:xfrm>
+            <a:off x="1363011" y="3534165"/>
+            <a:ext cx="434845" cy="369333"/>
+          </a:xfrm>
+          <a:prstGeom prst="rect">
+            <a:avLst/>
+          </a:prstGeom>
+          <a:noFill/>
+        </p:spPr>
+        <p:style>
+          <a:lnRef idx="2">
+            <a:schemeClr val="accent1">
+              <a:shade val="50000"/>
+            </a:schemeClr>
+          </a:lnRef>
+          <a:fillRef idx="1">
+            <a:schemeClr val="accent1"/>
+          </a:fillRef>
+          <a:effectRef idx="0">
+            <a:schemeClr val="accent1"/>
+          </a:effectRef>
+          <a:fontRef idx="minor">
+            <a:schemeClr val="lt1"/>
+          </a:fontRef>
+        </p:style>
+        <p:txBody>
+          <a:bodyPr rtlCol="0" anchor="ctr"/>
+          <a:lstStyle/>
+          <a:p>
+            <a:pPr algn="ctr"/>
+            <a:r>
+              <a:rPr lang="en-US" dirty="0">
+                <a:solidFill>
+                  <a:schemeClr val="tx1"/>
+                </a:solidFill>
+              </a:rPr>
+              <a:t>N</a:t>
+            </a:r>
+          </a:p>
+        </p:txBody>
+      </p:sp>
+      <p:sp>
+        <p:nvSpPr>
+          <p:cNvPr id="26" name="Rectangle 25">
+            <a:extLst>
+              <a:ext uri="{FF2B5EF4-FFF2-40B4-BE49-F238E27FC236}">
+                <a16:creationId xmlns:a16="http://schemas.microsoft.com/office/drawing/2014/main" id="{6B21E518-6F57-34B7-9994-484677E5ED9E}"/>
+              </a:ext>
+            </a:extLst>
+          </p:cNvPr>
+          <p:cNvSpPr/>
+          <p:nvPr/>
+        </p:nvSpPr>
+        <p:spPr>
+          <a:xfrm>
+            <a:off x="1797856" y="3534165"/>
+            <a:ext cx="434845" cy="369333"/>
+          </a:xfrm>
+          <a:prstGeom prst="rect">
+            <a:avLst/>
+          </a:prstGeom>
+          <a:noFill/>
+        </p:spPr>
+        <p:style>
+          <a:lnRef idx="2">
+            <a:schemeClr val="accent1">
+              <a:shade val="50000"/>
+            </a:schemeClr>
+          </a:lnRef>
+          <a:fillRef idx="1">
+            <a:schemeClr val="accent1"/>
+          </a:fillRef>
+          <a:effectRef idx="0">
+            <a:schemeClr val="accent1"/>
+          </a:effectRef>
+          <a:fontRef idx="minor">
+            <a:schemeClr val="lt1"/>
+          </a:fontRef>
+        </p:style>
+        <p:txBody>
+          <a:bodyPr rtlCol="0" anchor="ctr"/>
+          <a:lstStyle/>
+          <a:p>
+            <a:pPr algn="ctr"/>
+            <a:r>
+              <a:rPr lang="en-US" dirty="0">
+                <a:solidFill>
+                  <a:schemeClr val="tx1"/>
+                </a:solidFill>
+              </a:rPr>
+              <a:t>I</a:t>
+            </a:r>
+          </a:p>
+        </p:txBody>
+      </p:sp>
+      <p:sp>
+        <p:nvSpPr>
+          <p:cNvPr id="27" name="Rectangle 26">
+            <a:extLst>
+              <a:ext uri="{FF2B5EF4-FFF2-40B4-BE49-F238E27FC236}">
+                <a16:creationId xmlns:a16="http://schemas.microsoft.com/office/drawing/2014/main" id="{0C6CB8C9-9005-27B0-7036-A7AF90C756FD}"/>
+              </a:ext>
+            </a:extLst>
+          </p:cNvPr>
+          <p:cNvSpPr/>
+          <p:nvPr/>
+        </p:nvSpPr>
+        <p:spPr>
+          <a:xfrm>
+            <a:off x="2232643" y="3534165"/>
+            <a:ext cx="434845" cy="369333"/>
+          </a:xfrm>
+          <a:prstGeom prst="rect">
+            <a:avLst/>
+          </a:prstGeom>
+          <a:noFill/>
+        </p:spPr>
+        <p:style>
+          <a:lnRef idx="2">
+            <a:schemeClr val="accent1">
+              <a:shade val="50000"/>
+            </a:schemeClr>
+          </a:lnRef>
+          <a:fillRef idx="1">
+            <a:schemeClr val="accent1"/>
+          </a:fillRef>
+          <a:effectRef idx="0">
+            <a:schemeClr val="accent1"/>
+          </a:effectRef>
+          <a:fontRef idx="minor">
+            <a:schemeClr val="lt1"/>
+          </a:fontRef>
+        </p:style>
+        <p:txBody>
+          <a:bodyPr rtlCol="0" anchor="ctr"/>
+          <a:lstStyle/>
+          <a:p>
+            <a:pPr algn="ctr"/>
+            <a:r>
+              <a:rPr lang="en-US" dirty="0">
+                <a:solidFill>
+                  <a:schemeClr val="tx1"/>
+                </a:solidFill>
+              </a:rPr>
+              <a:t>X</a:t>
+            </a:r>
+          </a:p>
+        </p:txBody>
+      </p:sp>
+      <p:sp>
+        <p:nvSpPr>
+          <p:cNvPr id="39" name="Rectangle 38">
+            <a:extLst>
+              <a:ext uri="{FF2B5EF4-FFF2-40B4-BE49-F238E27FC236}">
+                <a16:creationId xmlns:a16="http://schemas.microsoft.com/office/drawing/2014/main" id="{66DF1D35-3BB7-4A61-7DFE-1697E91779C3}"/>
+              </a:ext>
+            </a:extLst>
+          </p:cNvPr>
+          <p:cNvSpPr/>
+          <p:nvPr/>
+        </p:nvSpPr>
+        <p:spPr>
+          <a:xfrm>
+            <a:off x="6526371" y="3663241"/>
+            <a:ext cx="434845" cy="369333"/>
+          </a:xfrm>
+          <a:prstGeom prst="rect">
+            <a:avLst/>
+          </a:prstGeom>
+          <a:noFill/>
+        </p:spPr>
+        <p:style>
+          <a:lnRef idx="2">
+            <a:schemeClr val="accent1">
+              <a:shade val="50000"/>
+            </a:schemeClr>
+          </a:lnRef>
+          <a:fillRef idx="1">
+            <a:schemeClr val="accent1"/>
+          </a:fillRef>
+          <a:effectRef idx="0">
+            <a:schemeClr val="accent1"/>
+          </a:effectRef>
+          <a:fontRef idx="minor">
+            <a:schemeClr val="lt1"/>
+          </a:fontRef>
+        </p:style>
+        <p:txBody>
+          <a:bodyPr rtlCol="0" anchor="ctr"/>
+          <a:lstStyle/>
+          <a:p>
+            <a:pPr algn="ctr"/>
+            <a:r>
+              <a:rPr lang="en-US" dirty="0">
+                <a:solidFill>
+                  <a:schemeClr val="tx1"/>
+                </a:solidFill>
+              </a:rPr>
+              <a:t>X</a:t>
+            </a:r>
+          </a:p>
+        </p:txBody>
+      </p:sp>
+      <p:sp>
+        <p:nvSpPr>
+          <p:cNvPr id="40" name="Rectangle 39">
+            <a:extLst>
+              <a:ext uri="{FF2B5EF4-FFF2-40B4-BE49-F238E27FC236}">
+                <a16:creationId xmlns:a16="http://schemas.microsoft.com/office/drawing/2014/main" id="{87CBFEE6-3CCF-1086-598E-CCDFE78AFBFD}"/>
+              </a:ext>
+            </a:extLst>
+          </p:cNvPr>
+          <p:cNvSpPr/>
+          <p:nvPr/>
+        </p:nvSpPr>
+        <p:spPr>
+          <a:xfrm>
+            <a:off x="6961158" y="3663241"/>
+            <a:ext cx="434845" cy="369333"/>
+          </a:xfrm>
+          <a:prstGeom prst="rect">
+            <a:avLst/>
+          </a:prstGeom>
+          <a:noFill/>
+        </p:spPr>
+        <p:style>
+          <a:lnRef idx="2">
+            <a:schemeClr val="accent1">
+              <a:shade val="50000"/>
+            </a:schemeClr>
+          </a:lnRef>
+          <a:fillRef idx="1">
+            <a:schemeClr val="accent1"/>
+          </a:fillRef>
+          <a:effectRef idx="0">
+            <a:schemeClr val="accent1"/>
+          </a:effectRef>
+          <a:fontRef idx="minor">
+            <a:schemeClr val="lt1"/>
+          </a:fontRef>
+        </p:style>
+        <p:txBody>
+          <a:bodyPr rtlCol="0" anchor="ctr"/>
+          <a:lstStyle/>
+          <a:p>
+            <a:pPr algn="ctr"/>
+            <a:r>
+              <a:rPr lang="en-US" dirty="0">
+                <a:solidFill>
+                  <a:schemeClr val="tx1"/>
+                </a:solidFill>
+              </a:rPr>
+              <a:t>I</a:t>
+            </a:r>
+          </a:p>
+        </p:txBody>
+      </p:sp>
+      <p:sp>
+        <p:nvSpPr>
+          <p:cNvPr id="41" name="Rectangle 40">
+            <a:extLst>
+              <a:ext uri="{FF2B5EF4-FFF2-40B4-BE49-F238E27FC236}">
+                <a16:creationId xmlns:a16="http://schemas.microsoft.com/office/drawing/2014/main" id="{F045B1BE-3A24-EC34-9264-F92CA68A7955}"/>
+              </a:ext>
+            </a:extLst>
+          </p:cNvPr>
+          <p:cNvSpPr/>
+          <p:nvPr/>
+        </p:nvSpPr>
+        <p:spPr>
+          <a:xfrm>
+            <a:off x="7396003" y="3663241"/>
+            <a:ext cx="434845" cy="369333"/>
+          </a:xfrm>
+          <a:prstGeom prst="rect">
+            <a:avLst/>
+          </a:prstGeom>
+          <a:noFill/>
+        </p:spPr>
+        <p:style>
+          <a:lnRef idx="2">
+            <a:schemeClr val="accent1">
+              <a:shade val="50000"/>
+            </a:schemeClr>
+          </a:lnRef>
+          <a:fillRef idx="1">
+            <a:schemeClr val="accent1"/>
+          </a:fillRef>
+          <a:effectRef idx="0">
+            <a:schemeClr val="accent1"/>
+          </a:effectRef>
+          <a:fontRef idx="minor">
+            <a:schemeClr val="lt1"/>
+          </a:fontRef>
+        </p:style>
+        <p:txBody>
+          <a:bodyPr rtlCol="0" anchor="ctr"/>
+          <a:lstStyle/>
+          <a:p>
+            <a:pPr algn="ctr"/>
+            <a:r>
+              <a:rPr lang="en-US" dirty="0">
+                <a:solidFill>
+                  <a:schemeClr val="tx1"/>
+                </a:solidFill>
+              </a:rPr>
+              <a:t>N</a:t>
+            </a:r>
+          </a:p>
+        </p:txBody>
+      </p:sp>
+      <p:sp>
+        <p:nvSpPr>
+          <p:cNvPr id="42" name="Rectangle 41">
+            <a:extLst>
+              <a:ext uri="{FF2B5EF4-FFF2-40B4-BE49-F238E27FC236}">
+                <a16:creationId xmlns:a16="http://schemas.microsoft.com/office/drawing/2014/main" id="{4415D64E-C796-3742-49B3-443DC8C1E582}"/>
+              </a:ext>
+            </a:extLst>
+          </p:cNvPr>
+          <p:cNvSpPr/>
+          <p:nvPr/>
+        </p:nvSpPr>
+        <p:spPr>
+          <a:xfrm>
+            <a:off x="7830790" y="3663241"/>
+            <a:ext cx="434845" cy="369333"/>
+          </a:xfrm>
+          <a:prstGeom prst="rect">
+            <a:avLst/>
+          </a:prstGeom>
+          <a:noFill/>
+        </p:spPr>
+        <p:style>
+          <a:lnRef idx="2">
+            <a:schemeClr val="accent1">
+              <a:shade val="50000"/>
+            </a:schemeClr>
+          </a:lnRef>
+          <a:fillRef idx="1">
+            <a:schemeClr val="accent1"/>
+          </a:fillRef>
+          <a:effectRef idx="0">
+            <a:schemeClr val="accent1"/>
+          </a:effectRef>
+          <a:fontRef idx="minor">
+            <a:schemeClr val="lt1"/>
+          </a:fontRef>
+        </p:style>
+        <p:txBody>
+          <a:bodyPr rtlCol="0" anchor="ctr"/>
+          <a:lstStyle/>
+          <a:p>
+            <a:pPr algn="ctr"/>
+            <a:r>
+              <a:rPr lang="en-US" dirty="0">
+                <a:solidFill>
+                  <a:schemeClr val="tx1"/>
+                </a:solidFill>
+              </a:rPr>
+              <a:t>U</a:t>
+            </a:r>
+          </a:p>
+        </p:txBody>
+      </p:sp>
+      <p:cxnSp>
+        <p:nvCxnSpPr>
+          <p:cNvPr id="45" name="Elbow Connector 44">
+            <a:extLst>
+              <a:ext uri="{FF2B5EF4-FFF2-40B4-BE49-F238E27FC236}">
+                <a16:creationId xmlns:a16="http://schemas.microsoft.com/office/drawing/2014/main" id="{E4A6C08B-B139-1345-49B7-EA8EDA5CB4FF}"/>
+              </a:ext>
+            </a:extLst>
+          </p:cNvPr>
+          <p:cNvCxnSpPr>
+            <a:cxnSpLocks/>
+            <a:stCxn id="16" idx="1"/>
+            <a:endCxn id="5" idx="2"/>
+          </p:cNvCxnSpPr>
+          <p:nvPr/>
+        </p:nvCxnSpPr>
+        <p:spPr>
+          <a:xfrm rot="10800000">
+            <a:off x="1631979" y="2078131"/>
+            <a:ext cx="3182345" cy="615883"/>
+          </a:xfrm>
+          <a:prstGeom prst="bentConnector2">
+            <a:avLst/>
+          </a:prstGeom>
+          <a:ln w="38100">
+            <a:tailEnd type="triangle"/>
+          </a:ln>
+        </p:spPr>
+        <p:style>
+          <a:lnRef idx="1">
+            <a:schemeClr val="accent1"/>
+          </a:lnRef>
+          <a:fillRef idx="0">
+            <a:schemeClr val="accent1"/>
+          </a:fillRef>
+          <a:effectRef idx="0">
+            <a:schemeClr val="accent1"/>
+          </a:effectRef>
+          <a:fontRef idx="minor">
+            <a:schemeClr val="tx1"/>
+          </a:fontRef>
+        </p:style>
+      </p:cxnSp>
+      <p:cxnSp>
+        <p:nvCxnSpPr>
+          <p:cNvPr id="47" name="Elbow Connector 46">
+            <a:extLst>
+              <a:ext uri="{FF2B5EF4-FFF2-40B4-BE49-F238E27FC236}">
+                <a16:creationId xmlns:a16="http://schemas.microsoft.com/office/drawing/2014/main" id="{A4432F23-5370-3D0F-2DB1-DDF1BA87D7DF}"/>
+              </a:ext>
+            </a:extLst>
+          </p:cNvPr>
+          <p:cNvCxnSpPr>
+            <a:cxnSpLocks/>
+            <a:stCxn id="16" idx="1"/>
+            <a:endCxn id="24" idx="0"/>
+          </p:cNvCxnSpPr>
+          <p:nvPr/>
+        </p:nvCxnSpPr>
+        <p:spPr>
+          <a:xfrm rot="10800000" flipV="1">
+            <a:off x="1145647" y="2694013"/>
+            <a:ext cx="3668676" cy="840152"/>
+          </a:xfrm>
+          <a:prstGeom prst="bentConnector2">
+            <a:avLst/>
+          </a:prstGeom>
+          <a:ln w="38100">
+            <a:tailEnd type="triangle"/>
+          </a:ln>
+        </p:spPr>
+        <p:style>
+          <a:lnRef idx="1">
+            <a:schemeClr val="accent1"/>
+          </a:lnRef>
+          <a:fillRef idx="0">
+            <a:schemeClr val="accent1"/>
+          </a:fillRef>
+          <a:effectRef idx="0">
+            <a:schemeClr val="accent1"/>
+          </a:effectRef>
+          <a:fontRef idx="minor">
+            <a:schemeClr val="tx1"/>
+          </a:fontRef>
+        </p:style>
+      </p:cxnSp>
+      <p:cxnSp>
+        <p:nvCxnSpPr>
+          <p:cNvPr id="50" name="Elbow Connector 49">
+            <a:extLst>
+              <a:ext uri="{FF2B5EF4-FFF2-40B4-BE49-F238E27FC236}">
+                <a16:creationId xmlns:a16="http://schemas.microsoft.com/office/drawing/2014/main" id="{9C1F4904-DA19-3FE4-0A6B-08DFA658179D}"/>
+              </a:ext>
+            </a:extLst>
+          </p:cNvPr>
+          <p:cNvCxnSpPr>
+            <a:cxnSpLocks/>
+            <a:stCxn id="17" idx="1"/>
+            <a:endCxn id="6" idx="2"/>
+          </p:cNvCxnSpPr>
+          <p:nvPr/>
+        </p:nvCxnSpPr>
+        <p:spPr>
+          <a:xfrm rot="10800000">
+            <a:off x="1979711" y="2078130"/>
+            <a:ext cx="2834613" cy="996888"/>
+          </a:xfrm>
+          <a:prstGeom prst="bentConnector2">
+            <a:avLst/>
+          </a:prstGeom>
+          <a:ln w="38100">
+            <a:solidFill>
+              <a:srgbClr val="FF0000"/>
+            </a:solidFill>
+            <a:tailEnd type="triangle"/>
+          </a:ln>
+        </p:spPr>
+        <p:style>
+          <a:lnRef idx="1">
+            <a:schemeClr val="accent1"/>
+          </a:lnRef>
+          <a:fillRef idx="0">
+            <a:schemeClr val="accent1"/>
+          </a:fillRef>
+          <a:effectRef idx="0">
+            <a:schemeClr val="accent1"/>
+          </a:effectRef>
+          <a:fontRef idx="minor">
+            <a:schemeClr val="tx1"/>
+          </a:fontRef>
+        </p:style>
+      </p:cxnSp>
+      <p:cxnSp>
+        <p:nvCxnSpPr>
+          <p:cNvPr id="53" name="Elbow Connector 52">
+            <a:extLst>
+              <a:ext uri="{FF2B5EF4-FFF2-40B4-BE49-F238E27FC236}">
+                <a16:creationId xmlns:a16="http://schemas.microsoft.com/office/drawing/2014/main" id="{9648B0D0-AC05-8A86-EB78-A1C2CAE5C686}"/>
+              </a:ext>
+            </a:extLst>
+          </p:cNvPr>
+          <p:cNvCxnSpPr>
+            <a:cxnSpLocks/>
+            <a:stCxn id="17" idx="1"/>
+            <a:endCxn id="25" idx="0"/>
+          </p:cNvCxnSpPr>
+          <p:nvPr/>
+        </p:nvCxnSpPr>
+        <p:spPr>
+          <a:xfrm rot="10800000" flipV="1">
+            <a:off x="1580435" y="3075017"/>
+            <a:ext cx="3233889" cy="459147"/>
+          </a:xfrm>
+          <a:prstGeom prst="bentConnector2">
+            <a:avLst/>
+          </a:prstGeom>
+          <a:ln w="38100">
+            <a:solidFill>
+              <a:srgbClr val="FF0000"/>
+            </a:solidFill>
+            <a:tailEnd type="triangle"/>
+          </a:ln>
+        </p:spPr>
+        <p:style>
+          <a:lnRef idx="1">
+            <a:schemeClr val="accent1"/>
+          </a:lnRef>
+          <a:fillRef idx="0">
+            <a:schemeClr val="accent1"/>
+          </a:fillRef>
+          <a:effectRef idx="0">
+            <a:schemeClr val="accent1"/>
+          </a:effectRef>
+          <a:fontRef idx="minor">
+            <a:schemeClr val="tx1"/>
+          </a:fontRef>
+        </p:style>
+      </p:cxnSp>
+      <p:cxnSp>
+        <p:nvCxnSpPr>
+          <p:cNvPr id="56" name="Elbow Connector 55">
+            <a:extLst>
+              <a:ext uri="{FF2B5EF4-FFF2-40B4-BE49-F238E27FC236}">
+                <a16:creationId xmlns:a16="http://schemas.microsoft.com/office/drawing/2014/main" id="{9712756E-6389-A95D-639D-DD90B31102FF}"/>
+              </a:ext>
+            </a:extLst>
+          </p:cNvPr>
+          <p:cNvCxnSpPr>
+            <a:cxnSpLocks/>
+            <a:stCxn id="16" idx="3"/>
+            <a:endCxn id="42" idx="0"/>
+          </p:cNvCxnSpPr>
+          <p:nvPr/>
+        </p:nvCxnSpPr>
+        <p:spPr>
+          <a:xfrm>
+            <a:off x="5249168" y="2694013"/>
+            <a:ext cx="2799045" cy="969228"/>
+          </a:xfrm>
+          <a:prstGeom prst="bentConnector2">
+            <a:avLst/>
+          </a:prstGeom>
+          <a:ln w="38100">
+            <a:tailEnd type="triangle"/>
+          </a:ln>
+        </p:spPr>
+        <p:style>
+          <a:lnRef idx="1">
+            <a:schemeClr val="accent1"/>
+          </a:lnRef>
+          <a:fillRef idx="0">
+            <a:schemeClr val="accent1"/>
+          </a:fillRef>
+          <a:effectRef idx="0">
+            <a:schemeClr val="accent1"/>
+          </a:effectRef>
+          <a:fontRef idx="minor">
+            <a:schemeClr val="tx1"/>
+          </a:fontRef>
+        </p:style>
+      </p:cxnSp>
+      <p:cxnSp>
+        <p:nvCxnSpPr>
+          <p:cNvPr id="59" name="Elbow Connector 58">
+            <a:extLst>
+              <a:ext uri="{FF2B5EF4-FFF2-40B4-BE49-F238E27FC236}">
+                <a16:creationId xmlns:a16="http://schemas.microsoft.com/office/drawing/2014/main" id="{EC364408-68A4-DDD9-939F-E9ADCA169ED7}"/>
+              </a:ext>
+            </a:extLst>
+          </p:cNvPr>
+          <p:cNvCxnSpPr>
+            <a:cxnSpLocks/>
+            <a:stCxn id="17" idx="3"/>
+            <a:endCxn id="41" idx="0"/>
+          </p:cNvCxnSpPr>
+          <p:nvPr/>
+        </p:nvCxnSpPr>
+        <p:spPr>
+          <a:xfrm>
+            <a:off x="5249168" y="3075018"/>
+            <a:ext cx="2364258" cy="588223"/>
+          </a:xfrm>
+          <a:prstGeom prst="bentConnector2">
+            <a:avLst/>
+          </a:prstGeom>
+          <a:ln w="38100">
+            <a:solidFill>
+              <a:srgbClr val="FF0000"/>
+            </a:solidFill>
+            <a:tailEnd type="triangle"/>
+          </a:ln>
+        </p:spPr>
+        <p:style>
+          <a:lnRef idx="1">
+            <a:schemeClr val="accent1"/>
+          </a:lnRef>
+          <a:fillRef idx="0">
+            <a:schemeClr val="accent1"/>
+          </a:fillRef>
+          <a:effectRef idx="0">
+            <a:schemeClr val="accent1"/>
+          </a:effectRef>
+          <a:fontRef idx="minor">
+            <a:schemeClr val="tx1"/>
+          </a:fontRef>
+        </p:style>
+      </p:cxnSp>
+      <p:sp>
+        <p:nvSpPr>
+          <p:cNvPr id="92" name="TextBox 91">
+            <a:extLst>
+              <a:ext uri="{FF2B5EF4-FFF2-40B4-BE49-F238E27FC236}">
+                <a16:creationId xmlns:a16="http://schemas.microsoft.com/office/drawing/2014/main" id="{581444DD-A257-DA85-391B-2FE2F6853528}"/>
+              </a:ext>
+            </a:extLst>
+          </p:cNvPr>
+          <p:cNvSpPr txBox="1"/>
+          <p:nvPr/>
+        </p:nvSpPr>
+        <p:spPr>
+          <a:xfrm>
+            <a:off x="5401537" y="2078130"/>
+            <a:ext cx="988925" cy="369332"/>
+          </a:xfrm>
+          <a:prstGeom prst="rect">
+            <a:avLst/>
+          </a:prstGeom>
+          <a:noFill/>
+        </p:spPr>
+        <p:txBody>
+          <a:bodyPr wrap="none" rtlCol="0">
+            <a:spAutoFit/>
+          </a:bodyPr>
+          <a:lstStyle/>
+          <a:p>
+            <a:r>
+              <a:rPr lang="en-US" dirty="0"/>
+              <a:t>Memory</a:t>
+            </a:r>
+          </a:p>
+        </p:txBody>
+      </p:sp>
+      <p:sp>
+        <p:nvSpPr>
+          <p:cNvPr id="93" name="TextBox 92">
+            <a:extLst>
+              <a:ext uri="{FF2B5EF4-FFF2-40B4-BE49-F238E27FC236}">
+                <a16:creationId xmlns:a16="http://schemas.microsoft.com/office/drawing/2014/main" id="{3F2DCF76-66E0-4979-59B9-AE2C880CFD02}"/>
+              </a:ext>
+            </a:extLst>
+          </p:cNvPr>
+          <p:cNvSpPr txBox="1"/>
+          <p:nvPr/>
+        </p:nvSpPr>
+        <p:spPr>
+          <a:xfrm>
+            <a:off x="1348630" y="750664"/>
+            <a:ext cx="3066417" cy="646331"/>
+          </a:xfrm>
+          <a:prstGeom prst="rect">
+            <a:avLst/>
+          </a:prstGeom>
+          <a:noFill/>
+        </p:spPr>
+        <p:txBody>
+          <a:bodyPr wrap="none" rtlCol="0">
+            <a:spAutoFit/>
+          </a:bodyPr>
+          <a:lstStyle/>
+          <a:p>
+            <a:r>
+              <a:rPr lang="en-US" dirty="0"/>
+              <a:t>CDC 6500 – 60 bit words, 6 bit </a:t>
+            </a:r>
+          </a:p>
+          <a:p>
+            <a:r>
+              <a:rPr lang="en-US" dirty="0"/>
+              <a:t>characters, big-endian</a:t>
+            </a:r>
+          </a:p>
+        </p:txBody>
+      </p:sp>
+      <p:sp>
+        <p:nvSpPr>
+          <p:cNvPr id="94" name="TextBox 93">
+            <a:extLst>
+              <a:ext uri="{FF2B5EF4-FFF2-40B4-BE49-F238E27FC236}">
+                <a16:creationId xmlns:a16="http://schemas.microsoft.com/office/drawing/2014/main" id="{D0B8DE13-F248-2247-1B67-C19E25198693}"/>
+              </a:ext>
+            </a:extLst>
+          </p:cNvPr>
+          <p:cNvSpPr txBox="1"/>
+          <p:nvPr/>
+        </p:nvSpPr>
+        <p:spPr>
+          <a:xfrm>
+            <a:off x="957768" y="4250105"/>
+            <a:ext cx="3631122" cy="646331"/>
+          </a:xfrm>
+          <a:prstGeom prst="rect">
+            <a:avLst/>
+          </a:prstGeom>
+          <a:noFill/>
+        </p:spPr>
+        <p:txBody>
+          <a:bodyPr wrap="none" rtlCol="0">
+            <a:spAutoFit/>
+          </a:bodyPr>
+          <a:lstStyle/>
+          <a:p>
+            <a:r>
+              <a:rPr lang="en-US" dirty="0"/>
+              <a:t>Motorola 68000 – 32 bit words 8-bit </a:t>
+            </a:r>
+          </a:p>
+          <a:p>
+            <a:r>
+              <a:rPr lang="en-US" dirty="0"/>
+              <a:t>characters big-endian</a:t>
+            </a:r>
+          </a:p>
+        </p:txBody>
+      </p:sp>
+      <p:sp>
+        <p:nvSpPr>
+          <p:cNvPr id="95" name="TextBox 94">
+            <a:extLst>
+              <a:ext uri="{FF2B5EF4-FFF2-40B4-BE49-F238E27FC236}">
+                <a16:creationId xmlns:a16="http://schemas.microsoft.com/office/drawing/2014/main" id="{D7819716-6B57-20EF-2A39-4E330CD51AA9}"/>
+              </a:ext>
+            </a:extLst>
+          </p:cNvPr>
+          <p:cNvSpPr txBox="1"/>
+          <p:nvPr/>
+        </p:nvSpPr>
+        <p:spPr>
+          <a:xfrm>
+            <a:off x="5814148" y="4434771"/>
+            <a:ext cx="4033284" cy="923330"/>
+          </a:xfrm>
+          <a:prstGeom prst="rect">
+            <a:avLst/>
+          </a:prstGeom>
+          <a:noFill/>
+        </p:spPr>
+        <p:txBody>
+          <a:bodyPr wrap="none" rtlCol="0">
+            <a:spAutoFit/>
+          </a:bodyPr>
+          <a:lstStyle/>
+          <a:p>
+            <a:r>
+              <a:rPr lang="en-US" dirty="0"/>
+              <a:t>Intel x86 – 32 bit words, 8 bit</a:t>
+            </a:r>
+          </a:p>
+          <a:p>
+            <a:r>
+              <a:rPr lang="en-US" dirty="0"/>
+              <a:t>characters, little-endian, ARM processors</a:t>
+            </a:r>
+          </a:p>
+          <a:p>
+            <a:r>
+              <a:rPr lang="en-US" dirty="0"/>
+              <a:t>like the Apple M1 are often little endian.</a:t>
+            </a:r>
+          </a:p>
+        </p:txBody>
+      </p:sp>
+      <p:sp>
+        <p:nvSpPr>
+          <p:cNvPr id="98" name="Title 97">
+            <a:extLst>
+              <a:ext uri="{FF2B5EF4-FFF2-40B4-BE49-F238E27FC236}">
+                <a16:creationId xmlns:a16="http://schemas.microsoft.com/office/drawing/2014/main" id="{F345DC55-C888-CD3E-A9C6-DA7ADF9C1F75}"/>
+              </a:ext>
+            </a:extLst>
+          </p:cNvPr>
+          <p:cNvSpPr>
+            <a:spLocks noGrp="1"/>
+          </p:cNvSpPr>
+          <p:nvPr>
+            <p:ph type="title"/>
+          </p:nvPr>
+        </p:nvSpPr>
+        <p:spPr>
+          <a:xfrm>
+            <a:off x="7320516" y="365125"/>
+            <a:ext cx="4033284" cy="2030885"/>
+          </a:xfrm>
+        </p:spPr>
+        <p:txBody>
+          <a:bodyPr>
+            <a:normAutofit/>
+          </a:bodyPr>
+          <a:lstStyle/>
+          <a:p>
+            <a:r>
+              <a:rPr lang="en-US" dirty="0"/>
+              <a:t>Moving data from memory to registers(*)</a:t>
+            </a:r>
+          </a:p>
+        </p:txBody>
+      </p:sp>
+      <p:sp>
+        <p:nvSpPr>
+          <p:cNvPr id="99" name="TextBox 98">
+            <a:extLst>
+              <a:ext uri="{FF2B5EF4-FFF2-40B4-BE49-F238E27FC236}">
+                <a16:creationId xmlns:a16="http://schemas.microsoft.com/office/drawing/2014/main" id="{D2CE1967-01FE-5739-4CCE-1C884E554160}"/>
+              </a:ext>
+            </a:extLst>
+          </p:cNvPr>
+          <p:cNvSpPr txBox="1"/>
+          <p:nvPr/>
+        </p:nvSpPr>
+        <p:spPr>
+          <a:xfrm>
+            <a:off x="2232736" y="5760298"/>
+            <a:ext cx="7730056" cy="830997"/>
+          </a:xfrm>
+          <a:prstGeom prst="rect">
+            <a:avLst/>
+          </a:prstGeom>
+          <a:noFill/>
+        </p:spPr>
+        <p:txBody>
+          <a:bodyPr wrap="square" rtlCol="0">
+            <a:spAutoFit/>
+          </a:bodyPr>
+          <a:lstStyle/>
+          <a:p>
+            <a:r>
+              <a:rPr lang="en-US" sz="2400" dirty="0"/>
+              <a:t>* Before a CPU can perform a computation on some data, it must copy data from the memory into a register in the CPU.</a:t>
+            </a:r>
+          </a:p>
+        </p:txBody>
+      </p:sp>
+    </p:spTree>
+    <p:extLst>
+      <p:ext uri="{BB962C8B-B14F-4D97-AF65-F5344CB8AC3E}">
+        <p14:creationId xmlns:p14="http://schemas.microsoft.com/office/powerpoint/2010/main" val="647561378"/>
+      </p:ext>
+    </p:extLst>
+  </p:cSld>
+  <p:clrMapOvr>
+    <a:masterClrMapping/>
+  </p:clrMapOvr>
+</p:sld>
+</file>
+
+<file path=ppt/slides/slide13.xml><?xml version="1.0" encoding="utf-8"?>
+<p:sld xmlns:a="http://schemas.openxmlformats.org/drawingml/2006/main" xmlns:r="http://schemas.openxmlformats.org/officeDocument/2006/relationships" xmlns:p="http://schemas.openxmlformats.org/presentationml/2006/main" show="0">
+  <p:cSld>
+    <p:spTree>
+      <p:nvGrpSpPr>
+        <p:cNvPr id="1" name=""/>
+        <p:cNvGrpSpPr/>
+        <p:nvPr/>
+      </p:nvGrpSpPr>
+      <p:grpSpPr>
+        <a:xfrm>
+          <a:off x="0" y="0"/>
+          <a:ext cx="0" cy="0"/>
+          <a:chOff x="0" y="0"/>
+          <a:chExt cx="0" cy="0"/>
+        </a:xfrm>
+      </p:grpSpPr>
+      <p:sp>
+        <p:nvSpPr>
+          <p:cNvPr id="3" name="Title 2">
+            <a:extLst>
+              <a:ext uri="{FF2B5EF4-FFF2-40B4-BE49-F238E27FC236}">
+                <a16:creationId xmlns:a16="http://schemas.microsoft.com/office/drawing/2014/main" id="{42BFDBE0-991B-1889-9517-4AFB07C08492}"/>
+              </a:ext>
+            </a:extLst>
+          </p:cNvPr>
+          <p:cNvSpPr>
+            <a:spLocks noGrp="1"/>
+          </p:cNvSpPr>
+          <p:nvPr>
+            <p:ph type="title"/>
+          </p:nvPr>
+        </p:nvSpPr>
+        <p:spPr/>
+        <p:txBody>
+          <a:bodyPr/>
+          <a:lstStyle/>
+          <a:p>
+            <a:r>
+              <a:rPr lang="en-US" dirty="0"/>
+              <a:t>Thanks Ken, Brian, and Dennis! (again)</a:t>
+            </a:r>
+          </a:p>
+        </p:txBody>
+      </p:sp>
+      <p:sp>
+        <p:nvSpPr>
+          <p:cNvPr id="4" name="Content Placeholder 3">
+            <a:extLst>
+              <a:ext uri="{FF2B5EF4-FFF2-40B4-BE49-F238E27FC236}">
+                <a16:creationId xmlns:a16="http://schemas.microsoft.com/office/drawing/2014/main" id="{2B62B26A-22F6-25FB-B7CF-A77A3F4FBDD3}"/>
+              </a:ext>
+            </a:extLst>
+          </p:cNvPr>
+          <p:cNvSpPr>
+            <a:spLocks noGrp="1"/>
+          </p:cNvSpPr>
+          <p:nvPr>
+            <p:ph idx="1"/>
+          </p:nvPr>
+        </p:nvSpPr>
+        <p:spPr>
+          <a:xfrm>
+            <a:off x="838200" y="1825625"/>
+            <a:ext cx="5257800" cy="4351339"/>
+          </a:xfrm>
+        </p:spPr>
+        <p:txBody>
+          <a:bodyPr/>
+          <a:lstStyle/>
+          <a:p>
+            <a:r>
+              <a:rPr lang="en-US" dirty="0"/>
+              <a:t>Endianness was just beginning as a problem in the 1970’s – but Intel and other small microprocessors were little-endian and the rest is history </a:t>
+            </a:r>
+            <a:r>
+              <a:rPr lang="en-US" dirty="0">
+                <a:sym typeface="Wingdings" pitchFamily="2" charset="2"/>
+              </a:rPr>
+              <a:t></a:t>
+            </a:r>
+            <a:endParaRPr lang="en-US" dirty="0"/>
+          </a:p>
+        </p:txBody>
+      </p:sp>
+      <p:sp>
+        <p:nvSpPr>
+          <p:cNvPr id="5" name="TextBox 4">
+            <a:extLst>
+              <a:ext uri="{FF2B5EF4-FFF2-40B4-BE49-F238E27FC236}">
+                <a16:creationId xmlns:a16="http://schemas.microsoft.com/office/drawing/2014/main" id="{93B35C56-B7E2-9377-2E6D-505569A25566}"/>
+              </a:ext>
+            </a:extLst>
+          </p:cNvPr>
+          <p:cNvSpPr txBox="1"/>
+          <p:nvPr/>
+        </p:nvSpPr>
+        <p:spPr>
+          <a:xfrm>
+            <a:off x="7024717" y="1825626"/>
+            <a:ext cx="4777153" cy="2171107"/>
+          </a:xfrm>
+          <a:prstGeom prst="rect">
+            <a:avLst/>
+          </a:prstGeom>
+          <a:noFill/>
+          <a:ln>
+            <a:solidFill>
+              <a:schemeClr val="accent1"/>
+            </a:solidFill>
+          </a:ln>
+        </p:spPr>
+        <p:txBody>
+          <a:bodyPr wrap="square" rtlCol="0">
+            <a:spAutoFit/>
+          </a:bodyPr>
+          <a:lstStyle/>
+          <a:p>
+            <a:r>
+              <a:rPr lang="en-US" sz="1351" i="1" dirty="0"/>
+              <a:t>Dealing with data of different endianness is sometimes termed the NUXI problem. This terminology alludes to the byte order conflicts encountered while adapting UNIX, which ran on the mixed-endian PDP-11, to a big-endian IBM Series/1 computer. Unix was one of the first systems to allow the same code to be compiled for platforms with different internal representations. One of the first programs converted was supposed to print out Unix, but on the Series/1 it printed </a:t>
+            </a:r>
+            <a:r>
+              <a:rPr lang="en-US" sz="1351" i="1" dirty="0" err="1"/>
+              <a:t>nUxi</a:t>
+            </a:r>
+            <a:r>
+              <a:rPr lang="en-US" sz="1351" i="1" dirty="0"/>
+              <a:t> instead</a:t>
+            </a:r>
+            <a:r>
+              <a:rPr lang="en-US" sz="1351" dirty="0"/>
+              <a:t>.</a:t>
+            </a:r>
+          </a:p>
+          <a:p>
+            <a:endParaRPr lang="en-US" sz="1351" dirty="0"/>
+          </a:p>
+          <a:p>
+            <a:r>
+              <a:rPr lang="en-US" sz="1351" dirty="0"/>
+              <a:t>     -- https://</a:t>
+            </a:r>
+            <a:r>
+              <a:rPr lang="en-US" sz="1351" dirty="0" err="1"/>
+              <a:t>en.wikipedia.org</a:t>
+            </a:r>
+            <a:r>
+              <a:rPr lang="en-US" sz="1351" dirty="0"/>
+              <a:t>/wiki/Endianness</a:t>
+            </a:r>
+          </a:p>
+        </p:txBody>
+      </p:sp>
+    </p:spTree>
+    <p:extLst>
+      <p:ext uri="{BB962C8B-B14F-4D97-AF65-F5344CB8AC3E}">
+        <p14:creationId xmlns:p14="http://schemas.microsoft.com/office/powerpoint/2010/main" val="2049614484"/>
+      </p:ext>
+    </p:extLst>
+  </p:cSld>
+  <p:clrMapOvr>
+    <a:masterClrMapping/>
+  </p:clrMapOvr>
+</p:sld>
+</file>
+
+<file path=ppt/slides/slide14.xml><?xml version="1.0" encoding="utf-8"?>
 <p:sld xmlns:a="http://schemas.openxmlformats.org/drawingml/2006/main" xmlns:r="http://schemas.openxmlformats.org/officeDocument/2006/relationships" xmlns:p="http://schemas.openxmlformats.org/presentationml/2006/main">
   <p:cSld>
     <p:spTree>
@@ -3739,9 +5753,10 @@
           <a:lstStyle/>
           <a:p>
             <a:r>
-              <a:rPr lang="en-US" dirty="0"/>
-              <a:t>Characters, words, and bits in C – Oh My!</a:t>
-            </a:r>
+              <a:rPr lang="en-US"/>
+              <a:t>Endianness revisited….</a:t>
+            </a:r>
+            <a:endParaRPr lang="en-US" dirty="0"/>
           </a:p>
         </p:txBody>
       </p:sp>
@@ -3839,6 +5854,9 @@
           <a:p>
             <a:r>
               <a:rPr lang="en-US" sz="1600" dirty="0">
+                <a:solidFill>
+                  <a:srgbClr val="002060"/>
+                </a:solidFill>
                 <a:latin typeface="Courier New" panose="02070309020205020404" pitchFamily="49" charset="0"/>
                 <a:cs typeface="Courier New" panose="02070309020205020404" pitchFamily="49" charset="0"/>
               </a:rPr>
@@ -3846,6 +5864,9 @@
             </a:r>
             <a:r>
               <a:rPr lang="en-US" sz="1600" dirty="0" err="1">
+                <a:solidFill>
+                  <a:srgbClr val="002060"/>
+                </a:solidFill>
                 <a:latin typeface="Courier New" panose="02070309020205020404" pitchFamily="49" charset="0"/>
                 <a:cs typeface="Courier New" panose="02070309020205020404" pitchFamily="49" charset="0"/>
               </a:rPr>
@@ -3853,6 +5874,9 @@
             </a:r>
             <a:r>
               <a:rPr lang="en-US" sz="1600" dirty="0">
+                <a:solidFill>
+                  <a:srgbClr val="002060"/>
+                </a:solidFill>
                 <a:latin typeface="Courier New" panose="02070309020205020404" pitchFamily="49" charset="0"/>
                 <a:cs typeface="Courier New" panose="02070309020205020404" pitchFamily="49" charset="0"/>
               </a:rPr>
@@ -4502,6 +6526,47 @@
           </a:p>
         </p:txBody>
       </p:sp>
+      <p:cxnSp>
+        <p:nvCxnSpPr>
+          <p:cNvPr id="8" name="Straight Arrow Connector 7">
+            <a:extLst>
+              <a:ext uri="{FF2B5EF4-FFF2-40B4-BE49-F238E27FC236}">
+                <a16:creationId xmlns:a16="http://schemas.microsoft.com/office/drawing/2014/main" id="{3E5936FE-9B5E-3EC1-95BC-40B11226DC63}"/>
+              </a:ext>
+            </a:extLst>
+          </p:cNvPr>
+          <p:cNvCxnSpPr>
+            <a:cxnSpLocks/>
+          </p:cNvCxnSpPr>
+          <p:nvPr/>
+        </p:nvCxnSpPr>
+        <p:spPr>
+          <a:xfrm flipH="1">
+            <a:off x="11070771" y="5372100"/>
+            <a:ext cx="440872" cy="951499"/>
+          </a:xfrm>
+          <a:prstGeom prst="straightConnector1">
+            <a:avLst/>
+          </a:prstGeom>
+          <a:ln w="38100">
+            <a:tailEnd type="triangle"/>
+          </a:ln>
+        </p:spPr>
+        <p:style>
+          <a:lnRef idx="1">
+            <a:schemeClr val="accent1"/>
+          </a:lnRef>
+          <a:fillRef idx="0">
+            <a:schemeClr val="accent1"/>
+          </a:fillRef>
+          <a:effectRef idx="0">
+            <a:schemeClr val="accent1"/>
+          </a:effectRef>
+          <a:fontRef idx="minor">
+            <a:schemeClr val="tx1"/>
+          </a:fontRef>
+        </p:style>
+      </p:cxnSp>
     </p:spTree>
     <p:extLst>
       <p:ext uri="{BB962C8B-B14F-4D97-AF65-F5344CB8AC3E}">
@@ -4515,7 +6580,7 @@
 </p:sld>
 </file>
 
-<file path=ppt/slides/slide12.xml><?xml version="1.0" encoding="utf-8"?>
+<file path=ppt/slides/slide15.xml><?xml version="1.0" encoding="utf-8"?>
 <p:sld xmlns:a="http://schemas.openxmlformats.org/drawingml/2006/main" xmlns:r="http://schemas.openxmlformats.org/officeDocument/2006/relationships" xmlns:p="http://schemas.openxmlformats.org/presentationml/2006/main">
   <p:cSld>
     <p:spTree>
@@ -4643,7 +6708,7 @@
 </p:sld>
 </file>
 
-<file path=ppt/slides/slide13.xml><?xml version="1.0" encoding="utf-8"?>
+<file path=ppt/slides/slide16.xml><?xml version="1.0" encoding="utf-8"?>
 <p:sld xmlns:a="http://schemas.openxmlformats.org/drawingml/2006/main" xmlns:r="http://schemas.openxmlformats.org/officeDocument/2006/relationships" xmlns:p="http://schemas.openxmlformats.org/presentationml/2006/main">
   <p:cSld>
     <p:spTree>
@@ -5540,7 +7605,7 @@
         <p:spPr>
           <a:xfrm>
             <a:off x="6428014" y="3526969"/>
-            <a:ext cx="4320413" cy="1200329"/>
+            <a:ext cx="3768980" cy="1200329"/>
           </a:xfrm>
           <a:prstGeom prst="rect">
             <a:avLst/>
@@ -5589,14 +7654,14 @@
                 <a:latin typeface="Courier New" panose="02070309020205020404" pitchFamily="49" charset="0"/>
                 <a:cs typeface="Courier New" panose="02070309020205020404" pitchFamily="49" charset="0"/>
               </a:rPr>
-              <a:t>print("%d 0x%x %d" % (</a:t>
+              <a:t>print("%d 0x%x" % (</a:t>
             </a:r>
             <a:r>
               <a:rPr lang="en-US" b="1" dirty="0" err="1">
                 <a:latin typeface="Courier New" panose="02070309020205020404" pitchFamily="49" charset="0"/>
                 <a:cs typeface="Courier New" panose="02070309020205020404" pitchFamily="49" charset="0"/>
               </a:rPr>
-              <a:t>x,px,y</a:t>
+              <a:t>x,px</a:t>
             </a:r>
             <a:r>
               <a:rPr lang="en-US" b="1" dirty="0">
@@ -5788,7 +7853,7 @@
 </file>
 
 <file path=ppt/slides/slide5.xml><?xml version="1.0" encoding="utf-8"?>
-<p:sld xmlns:a="http://schemas.openxmlformats.org/drawingml/2006/main" xmlns:r="http://schemas.openxmlformats.org/officeDocument/2006/relationships" xmlns:p="http://schemas.openxmlformats.org/presentationml/2006/main" show="0">
+<p:sld xmlns:a="http://schemas.openxmlformats.org/drawingml/2006/main" xmlns:r="http://schemas.openxmlformats.org/officeDocument/2006/relationships" xmlns:p="http://schemas.openxmlformats.org/presentationml/2006/main">
   <p:cSld>
     <p:spTree>
       <p:nvGrpSpPr>
@@ -8128,7 +10193,7 @@
           <a:p>
             <a:r>
               <a:rPr lang="en-US" dirty="0"/>
-              <a:t>Early 1970’s C applications could “get away” with having a function that returned a pointer, return it as an integer and then it would be copied into a pointer without conversion</a:t>
+              <a:t>In the 1970’s C applications could “get away” with having a function that returned an address as an integer and then it would be copied into a pointer without conversion</a:t>
             </a:r>
           </a:p>
         </p:txBody>

--- a/lectures/KR-5.pptx
+++ b/lectures/KR-5.pptx
@@ -11,16 +11,13 @@
     <p:sldId id="295" r:id="rId5"/>
     <p:sldId id="296" r:id="rId6"/>
     <p:sldId id="341" r:id="rId7"/>
-    <p:sldId id="288" r:id="rId8"/>
-    <p:sldId id="293" r:id="rId9"/>
-    <p:sldId id="298" r:id="rId10"/>
-    <p:sldId id="297" r:id="rId11"/>
-    <p:sldId id="342" r:id="rId12"/>
-    <p:sldId id="343" r:id="rId13"/>
-    <p:sldId id="344" r:id="rId14"/>
-    <p:sldId id="340" r:id="rId15"/>
-    <p:sldId id="284" r:id="rId16"/>
-    <p:sldId id="285" r:id="rId17"/>
+    <p:sldId id="342" r:id="rId8"/>
+    <p:sldId id="288" r:id="rId9"/>
+    <p:sldId id="293" r:id="rId10"/>
+    <p:sldId id="298" r:id="rId11"/>
+    <p:sldId id="297" r:id="rId12"/>
+    <p:sldId id="284" r:id="rId13"/>
+    <p:sldId id="285" r:id="rId14"/>
   </p:sldIdLst>
   <p:sldSz cx="12192000" cy="6858000"/>
   <p:notesSz cx="6858000" cy="9144000"/>
@@ -274,7 +271,7 @@
           <a:p>
             <a:fld id="{C13A938A-C9BA-0346-A74F-83EB1631032C}" type="datetimeFigureOut">
               <a:rPr lang="en-US" smtClean="0"/>
-              <a:t>2/11/23</a:t>
+              <a:t>2/18/23</a:t>
             </a:fld>
             <a:endParaRPr lang="en-US"/>
           </a:p>
@@ -472,7 +469,7 @@
           <a:p>
             <a:fld id="{C13A938A-C9BA-0346-A74F-83EB1631032C}" type="datetimeFigureOut">
               <a:rPr lang="en-US" smtClean="0"/>
-              <a:t>2/11/23</a:t>
+              <a:t>2/18/23</a:t>
             </a:fld>
             <a:endParaRPr lang="en-US"/>
           </a:p>
@@ -680,7 +677,7 @@
           <a:p>
             <a:fld id="{C13A938A-C9BA-0346-A74F-83EB1631032C}" type="datetimeFigureOut">
               <a:rPr lang="en-US" smtClean="0"/>
-              <a:t>2/11/23</a:t>
+              <a:t>2/18/23</a:t>
             </a:fld>
             <a:endParaRPr lang="en-US"/>
           </a:p>
@@ -878,7 +875,7 @@
           <a:p>
             <a:fld id="{C13A938A-C9BA-0346-A74F-83EB1631032C}" type="datetimeFigureOut">
               <a:rPr lang="en-US" smtClean="0"/>
-              <a:t>2/11/23</a:t>
+              <a:t>2/18/23</a:t>
             </a:fld>
             <a:endParaRPr lang="en-US"/>
           </a:p>
@@ -1153,7 +1150,7 @@
           <a:p>
             <a:fld id="{C13A938A-C9BA-0346-A74F-83EB1631032C}" type="datetimeFigureOut">
               <a:rPr lang="en-US" smtClean="0"/>
-              <a:t>2/11/23</a:t>
+              <a:t>2/18/23</a:t>
             </a:fld>
             <a:endParaRPr lang="en-US"/>
           </a:p>
@@ -1418,7 +1415,7 @@
           <a:p>
             <a:fld id="{C13A938A-C9BA-0346-A74F-83EB1631032C}" type="datetimeFigureOut">
               <a:rPr lang="en-US" smtClean="0"/>
-              <a:t>2/11/23</a:t>
+              <a:t>2/18/23</a:t>
             </a:fld>
             <a:endParaRPr lang="en-US"/>
           </a:p>
@@ -1830,7 +1827,7 @@
           <a:p>
             <a:fld id="{C13A938A-C9BA-0346-A74F-83EB1631032C}" type="datetimeFigureOut">
               <a:rPr lang="en-US" smtClean="0"/>
-              <a:t>2/11/23</a:t>
+              <a:t>2/18/23</a:t>
             </a:fld>
             <a:endParaRPr lang="en-US"/>
           </a:p>
@@ -1971,7 +1968,7 @@
           <a:p>
             <a:fld id="{C13A938A-C9BA-0346-A74F-83EB1631032C}" type="datetimeFigureOut">
               <a:rPr lang="en-US" smtClean="0"/>
-              <a:t>2/11/23</a:t>
+              <a:t>2/18/23</a:t>
             </a:fld>
             <a:endParaRPr lang="en-US"/>
           </a:p>
@@ -2084,7 +2081,7 @@
           <a:p>
             <a:fld id="{C13A938A-C9BA-0346-A74F-83EB1631032C}" type="datetimeFigureOut">
               <a:rPr lang="en-US" smtClean="0"/>
-              <a:t>2/11/23</a:t>
+              <a:t>2/18/23</a:t>
             </a:fld>
             <a:endParaRPr lang="en-US"/>
           </a:p>
@@ -2395,7 +2392,7 @@
           <a:p>
             <a:fld id="{C13A938A-C9BA-0346-A74F-83EB1631032C}" type="datetimeFigureOut">
               <a:rPr lang="en-US" smtClean="0"/>
-              <a:t>2/11/23</a:t>
+              <a:t>2/18/23</a:t>
             </a:fld>
             <a:endParaRPr lang="en-US"/>
           </a:p>
@@ -2683,7 +2680,7 @@
           <a:p>
             <a:fld id="{C13A938A-C9BA-0346-A74F-83EB1631032C}" type="datetimeFigureOut">
               <a:rPr lang="en-US" smtClean="0"/>
-              <a:t>2/11/23</a:t>
+              <a:t>2/18/23</a:t>
             </a:fld>
             <a:endParaRPr lang="en-US"/>
           </a:p>
@@ -2924,7 +2921,7 @@
           <a:p>
             <a:fld id="{C13A938A-C9BA-0346-A74F-83EB1631032C}" type="datetimeFigureOut">
               <a:rPr lang="en-US" smtClean="0"/>
-              <a:t>2/11/23</a:t>
+              <a:t>2/18/23</a:t>
             </a:fld>
             <a:endParaRPr lang="en-US"/>
           </a:p>
@@ -3508,6 +3505,389 @@
           <p:cNvPr id="2" name="Title 1">
             <a:extLst>
               <a:ext uri="{FF2B5EF4-FFF2-40B4-BE49-F238E27FC236}">
+                <a16:creationId xmlns:a16="http://schemas.microsoft.com/office/drawing/2014/main" id="{3B255DD2-F0C2-15A4-6495-86F028EDF28E}"/>
+              </a:ext>
+            </a:extLst>
+          </p:cNvPr>
+          <p:cNvSpPr>
+            <a:spLocks noGrp="1"/>
+          </p:cNvSpPr>
+          <p:nvPr>
+            <p:ph type="title"/>
+          </p:nvPr>
+        </p:nvSpPr>
+        <p:spPr/>
+        <p:txBody>
+          <a:bodyPr/>
+          <a:lstStyle/>
+          <a:p>
+            <a:r>
+              <a:rPr lang="en-US" dirty="0"/>
+              <a:t>5.6 Void pointers</a:t>
+            </a:r>
+          </a:p>
+        </p:txBody>
+      </p:sp>
+      <p:sp>
+        <p:nvSpPr>
+          <p:cNvPr id="3" name="Content Placeholder 2">
+            <a:extLst>
+              <a:ext uri="{FF2B5EF4-FFF2-40B4-BE49-F238E27FC236}">
+                <a16:creationId xmlns:a16="http://schemas.microsoft.com/office/drawing/2014/main" id="{BEEF32A2-0F87-CABC-2824-E3BA4CC5D829}"/>
+              </a:ext>
+            </a:extLst>
+          </p:cNvPr>
+          <p:cNvSpPr>
+            <a:spLocks noGrp="1"/>
+          </p:cNvSpPr>
+          <p:nvPr>
+            <p:ph idx="1"/>
+          </p:nvPr>
+        </p:nvSpPr>
+        <p:spPr>
+          <a:xfrm>
+            <a:off x="838200" y="1825625"/>
+            <a:ext cx="4729843" cy="4351338"/>
+          </a:xfrm>
+        </p:spPr>
+        <p:txBody>
+          <a:bodyPr>
+            <a:normAutofit/>
+          </a:bodyPr>
+          <a:lstStyle/>
+          <a:p>
+            <a:r>
+              <a:rPr lang="en-US" dirty="0"/>
+              <a:t>Void pointers provided a way to return an address of memory without choosing the type of the data that would be stored in the memory</a:t>
+            </a:r>
+          </a:p>
+        </p:txBody>
+      </p:sp>
+      <p:sp>
+        <p:nvSpPr>
+          <p:cNvPr id="4" name="TextBox 3">
+            <a:extLst>
+              <a:ext uri="{FF2B5EF4-FFF2-40B4-BE49-F238E27FC236}">
+                <a16:creationId xmlns:a16="http://schemas.microsoft.com/office/drawing/2014/main" id="{1F5A1B53-997B-AA8C-0052-ACBB5D10A4DC}"/>
+              </a:ext>
+            </a:extLst>
+          </p:cNvPr>
+          <p:cNvSpPr txBox="1"/>
+          <p:nvPr/>
+        </p:nvSpPr>
+        <p:spPr>
+          <a:xfrm>
+            <a:off x="6757670" y="1027906"/>
+            <a:ext cx="4044697" cy="5078313"/>
+          </a:xfrm>
+          <a:prstGeom prst="rect">
+            <a:avLst/>
+          </a:prstGeom>
+          <a:noFill/>
+        </p:spPr>
+        <p:txBody>
+          <a:bodyPr wrap="none" rtlCol="0">
+            <a:spAutoFit/>
+          </a:bodyPr>
+          <a:lstStyle/>
+          <a:p>
+            <a:r>
+              <a:rPr lang="en-US" b="1" dirty="0">
+                <a:latin typeface="Courier New" panose="02070309020205020404" pitchFamily="49" charset="0"/>
+                <a:cs typeface="Courier New" panose="02070309020205020404" pitchFamily="49" charset="0"/>
+              </a:rPr>
+              <a:t>Early 1970’s:</a:t>
+            </a:r>
+          </a:p>
+          <a:p>
+            <a:endParaRPr lang="en-US" dirty="0">
+              <a:latin typeface="Courier New" panose="02070309020205020404" pitchFamily="49" charset="0"/>
+              <a:cs typeface="Courier New" panose="02070309020205020404" pitchFamily="49" charset="0"/>
+            </a:endParaRPr>
+          </a:p>
+          <a:p>
+            <a:r>
+              <a:rPr lang="en-US" dirty="0">
+                <a:latin typeface="Courier New" panose="02070309020205020404" pitchFamily="49" charset="0"/>
+                <a:cs typeface="Courier New" panose="02070309020205020404" pitchFamily="49" charset="0"/>
+              </a:rPr>
+              <a:t>int </a:t>
+            </a:r>
+            <a:r>
+              <a:rPr lang="en-US" dirty="0" err="1">
+                <a:latin typeface="Courier New" panose="02070309020205020404" pitchFamily="49" charset="0"/>
+                <a:cs typeface="Courier New" panose="02070309020205020404" pitchFamily="49" charset="0"/>
+              </a:rPr>
+              <a:t>alloc</a:t>
+            </a:r>
+            <a:r>
+              <a:rPr lang="en-US" dirty="0">
+                <a:latin typeface="Courier New" panose="02070309020205020404" pitchFamily="49" charset="0"/>
+                <a:cs typeface="Courier New" panose="02070309020205020404" pitchFamily="49" charset="0"/>
+              </a:rPr>
+              <a:t>();</a:t>
+            </a:r>
+          </a:p>
+          <a:p>
+            <a:endParaRPr lang="en-US" dirty="0">
+              <a:latin typeface="Courier New" panose="02070309020205020404" pitchFamily="49" charset="0"/>
+              <a:cs typeface="Courier New" panose="02070309020205020404" pitchFamily="49" charset="0"/>
+            </a:endParaRPr>
+          </a:p>
+          <a:p>
+            <a:r>
+              <a:rPr lang="en-US" dirty="0">
+                <a:latin typeface="Courier New" panose="02070309020205020404" pitchFamily="49" charset="0"/>
+                <a:cs typeface="Courier New" panose="02070309020205020404" pitchFamily="49" charset="0"/>
+              </a:rPr>
+              <a:t>int *</a:t>
+            </a:r>
+            <a:r>
+              <a:rPr lang="en-US" dirty="0" err="1">
+                <a:latin typeface="Courier New" panose="02070309020205020404" pitchFamily="49" charset="0"/>
+                <a:cs typeface="Courier New" panose="02070309020205020404" pitchFamily="49" charset="0"/>
+              </a:rPr>
+              <a:t>vals</a:t>
+            </a:r>
+            <a:r>
+              <a:rPr lang="en-US" dirty="0">
+                <a:latin typeface="Courier New" panose="02070309020205020404" pitchFamily="49" charset="0"/>
+                <a:cs typeface="Courier New" panose="02070309020205020404" pitchFamily="49" charset="0"/>
+              </a:rPr>
+              <a:t> = (int *) </a:t>
+            </a:r>
+            <a:r>
+              <a:rPr lang="en-US" dirty="0" err="1">
+                <a:latin typeface="Courier New" panose="02070309020205020404" pitchFamily="49" charset="0"/>
+                <a:cs typeface="Courier New" panose="02070309020205020404" pitchFamily="49" charset="0"/>
+              </a:rPr>
+              <a:t>alloc</a:t>
+            </a:r>
+            <a:r>
+              <a:rPr lang="en-US" dirty="0">
+                <a:latin typeface="Courier New" panose="02070309020205020404" pitchFamily="49" charset="0"/>
+                <a:cs typeface="Courier New" panose="02070309020205020404" pitchFamily="49" charset="0"/>
+              </a:rPr>
+              <a:t>();</a:t>
+            </a:r>
+          </a:p>
+          <a:p>
+            <a:endParaRPr lang="en-US" b="1" dirty="0">
+              <a:latin typeface="Courier New" panose="02070309020205020404" pitchFamily="49" charset="0"/>
+              <a:cs typeface="Courier New" panose="02070309020205020404" pitchFamily="49" charset="0"/>
+            </a:endParaRPr>
+          </a:p>
+          <a:p>
+            <a:r>
+              <a:rPr lang="en-US" b="1" dirty="0">
+                <a:latin typeface="Courier New" panose="02070309020205020404" pitchFamily="49" charset="0"/>
+                <a:cs typeface="Courier New" panose="02070309020205020404" pitchFamily="49" charset="0"/>
+              </a:rPr>
+              <a:t>In the 1978 K&amp;R book:</a:t>
+            </a:r>
+          </a:p>
+          <a:p>
+            <a:endParaRPr lang="en-US" dirty="0">
+              <a:latin typeface="Courier New" panose="02070309020205020404" pitchFamily="49" charset="0"/>
+              <a:cs typeface="Courier New" panose="02070309020205020404" pitchFamily="49" charset="0"/>
+            </a:endParaRPr>
+          </a:p>
+          <a:p>
+            <a:r>
+              <a:rPr lang="en-US" dirty="0">
+                <a:latin typeface="Courier New" panose="02070309020205020404" pitchFamily="49" charset="0"/>
+                <a:cs typeface="Courier New" panose="02070309020205020404" pitchFamily="49" charset="0"/>
+              </a:rPr>
+              <a:t>char * </a:t>
+            </a:r>
+            <a:r>
+              <a:rPr lang="en-US" dirty="0" err="1">
+                <a:latin typeface="Courier New" panose="02070309020205020404" pitchFamily="49" charset="0"/>
+                <a:cs typeface="Courier New" panose="02070309020205020404" pitchFamily="49" charset="0"/>
+              </a:rPr>
+              <a:t>alloc</a:t>
+            </a:r>
+            <a:r>
+              <a:rPr lang="en-US" dirty="0">
+                <a:latin typeface="Courier New" panose="02070309020205020404" pitchFamily="49" charset="0"/>
+                <a:cs typeface="Courier New" panose="02070309020205020404" pitchFamily="49" charset="0"/>
+              </a:rPr>
+              <a:t>();</a:t>
+            </a:r>
+          </a:p>
+          <a:p>
+            <a:endParaRPr lang="en-US" dirty="0">
+              <a:latin typeface="Courier New" panose="02070309020205020404" pitchFamily="49" charset="0"/>
+              <a:cs typeface="Courier New" panose="02070309020205020404" pitchFamily="49" charset="0"/>
+            </a:endParaRPr>
+          </a:p>
+          <a:p>
+            <a:r>
+              <a:rPr lang="en-US" dirty="0">
+                <a:latin typeface="Courier New" panose="02070309020205020404" pitchFamily="49" charset="0"/>
+                <a:cs typeface="Courier New" panose="02070309020205020404" pitchFamily="49" charset="0"/>
+              </a:rPr>
+              <a:t>int *</a:t>
+            </a:r>
+            <a:r>
+              <a:rPr lang="en-US" dirty="0" err="1">
+                <a:latin typeface="Courier New" panose="02070309020205020404" pitchFamily="49" charset="0"/>
+                <a:cs typeface="Courier New" panose="02070309020205020404" pitchFamily="49" charset="0"/>
+              </a:rPr>
+              <a:t>vals</a:t>
+            </a:r>
+            <a:r>
+              <a:rPr lang="en-US" dirty="0">
+                <a:latin typeface="Courier New" panose="02070309020205020404" pitchFamily="49" charset="0"/>
+                <a:cs typeface="Courier New" panose="02070309020205020404" pitchFamily="49" charset="0"/>
+              </a:rPr>
+              <a:t> = (int *) </a:t>
+            </a:r>
+            <a:r>
+              <a:rPr lang="en-US" dirty="0" err="1">
+                <a:latin typeface="Courier New" panose="02070309020205020404" pitchFamily="49" charset="0"/>
+                <a:cs typeface="Courier New" panose="02070309020205020404" pitchFamily="49" charset="0"/>
+              </a:rPr>
+              <a:t>alloc</a:t>
+            </a:r>
+            <a:r>
+              <a:rPr lang="en-US" dirty="0">
+                <a:latin typeface="Courier New" panose="02070309020205020404" pitchFamily="49" charset="0"/>
+                <a:cs typeface="Courier New" panose="02070309020205020404" pitchFamily="49" charset="0"/>
+              </a:rPr>
+              <a:t>();</a:t>
+            </a:r>
+          </a:p>
+          <a:p>
+            <a:endParaRPr lang="en-US" b="1" dirty="0">
+              <a:latin typeface="Courier New" panose="02070309020205020404" pitchFamily="49" charset="0"/>
+              <a:cs typeface="Courier New" panose="02070309020205020404" pitchFamily="49" charset="0"/>
+            </a:endParaRPr>
+          </a:p>
+          <a:p>
+            <a:r>
+              <a:rPr lang="en-US" b="1" dirty="0">
+                <a:latin typeface="Courier New" panose="02070309020205020404" pitchFamily="49" charset="0"/>
+                <a:cs typeface="Courier New" panose="02070309020205020404" pitchFamily="49" charset="0"/>
+              </a:rPr>
+              <a:t>By 1979 and in modern C:</a:t>
+            </a:r>
+          </a:p>
+          <a:p>
+            <a:endParaRPr lang="en-US" b="1" dirty="0">
+              <a:latin typeface="Courier New" panose="02070309020205020404" pitchFamily="49" charset="0"/>
+              <a:cs typeface="Courier New" panose="02070309020205020404" pitchFamily="49" charset="0"/>
+            </a:endParaRPr>
+          </a:p>
+          <a:p>
+            <a:r>
+              <a:rPr lang="en-US" dirty="0">
+                <a:latin typeface="Courier New" panose="02070309020205020404" pitchFamily="49" charset="0"/>
+                <a:cs typeface="Courier New" panose="02070309020205020404" pitchFamily="49" charset="0"/>
+              </a:rPr>
+              <a:t>void * </a:t>
+            </a:r>
+            <a:r>
+              <a:rPr lang="en-US" dirty="0" err="1">
+                <a:latin typeface="Courier New" panose="02070309020205020404" pitchFamily="49" charset="0"/>
+                <a:cs typeface="Courier New" panose="02070309020205020404" pitchFamily="49" charset="0"/>
+              </a:rPr>
+              <a:t>alloc</a:t>
+            </a:r>
+            <a:r>
+              <a:rPr lang="en-US" dirty="0">
+                <a:latin typeface="Courier New" panose="02070309020205020404" pitchFamily="49" charset="0"/>
+                <a:cs typeface="Courier New" panose="02070309020205020404" pitchFamily="49" charset="0"/>
+              </a:rPr>
+              <a:t>();</a:t>
+            </a:r>
+          </a:p>
+          <a:p>
+            <a:endParaRPr lang="en-US" dirty="0">
+              <a:latin typeface="Courier New" panose="02070309020205020404" pitchFamily="49" charset="0"/>
+              <a:cs typeface="Courier New" panose="02070309020205020404" pitchFamily="49" charset="0"/>
+            </a:endParaRPr>
+          </a:p>
+          <a:p>
+            <a:r>
+              <a:rPr lang="en-US" dirty="0">
+                <a:latin typeface="Courier New" panose="02070309020205020404" pitchFamily="49" charset="0"/>
+                <a:cs typeface="Courier New" panose="02070309020205020404" pitchFamily="49" charset="0"/>
+              </a:rPr>
+              <a:t>int *</a:t>
+            </a:r>
+            <a:r>
+              <a:rPr lang="en-US" dirty="0" err="1">
+                <a:latin typeface="Courier New" panose="02070309020205020404" pitchFamily="49" charset="0"/>
+                <a:cs typeface="Courier New" panose="02070309020205020404" pitchFamily="49" charset="0"/>
+              </a:rPr>
+              <a:t>vals</a:t>
+            </a:r>
+            <a:r>
+              <a:rPr lang="en-US" dirty="0">
+                <a:latin typeface="Courier New" panose="02070309020205020404" pitchFamily="49" charset="0"/>
+                <a:cs typeface="Courier New" panose="02070309020205020404" pitchFamily="49" charset="0"/>
+              </a:rPr>
+              <a:t> = (int *) </a:t>
+            </a:r>
+            <a:r>
+              <a:rPr lang="en-US" dirty="0" err="1">
+                <a:latin typeface="Courier New" panose="02070309020205020404" pitchFamily="49" charset="0"/>
+                <a:cs typeface="Courier New" panose="02070309020205020404" pitchFamily="49" charset="0"/>
+              </a:rPr>
+              <a:t>alloc</a:t>
+            </a:r>
+            <a:r>
+              <a:rPr lang="en-US" dirty="0">
+                <a:latin typeface="Courier New" panose="02070309020205020404" pitchFamily="49" charset="0"/>
+                <a:cs typeface="Courier New" panose="02070309020205020404" pitchFamily="49" charset="0"/>
+              </a:rPr>
+              <a:t>();</a:t>
+            </a:r>
+          </a:p>
+          <a:p>
+            <a:endParaRPr lang="en-US" b="1" dirty="0">
+              <a:latin typeface="Courier New" panose="02070309020205020404" pitchFamily="49" charset="0"/>
+              <a:cs typeface="Courier New" panose="02070309020205020404" pitchFamily="49" charset="0"/>
+            </a:endParaRPr>
+          </a:p>
+        </p:txBody>
+      </p:sp>
+    </p:spTree>
+    <p:extLst>
+      <p:ext uri="{BB962C8B-B14F-4D97-AF65-F5344CB8AC3E}">
+        <p14:creationId xmlns:p14="http://schemas.microsoft.com/office/powerpoint/2010/main" val="1438612513"/>
+      </p:ext>
+    </p:extLst>
+  </p:cSld>
+  <p:clrMapOvr>
+    <a:masterClrMapping/>
+  </p:clrMapOvr>
+</p:sld>
+</file>
+
+<file path=ppt/slides/slide11.xml><?xml version="1.0" encoding="utf-8"?>
+<p:sld xmlns:a="http://schemas.openxmlformats.org/drawingml/2006/main" xmlns:r="http://schemas.openxmlformats.org/officeDocument/2006/relationships" xmlns:p="http://schemas.openxmlformats.org/presentationml/2006/main">
+  <p:cSld>
+    <p:spTree>
+      <p:nvGrpSpPr>
+        <p:cNvPr id="1" name=""/>
+        <p:cNvGrpSpPr/>
+        <p:nvPr/>
+      </p:nvGrpSpPr>
+      <p:grpSpPr>
+        <a:xfrm>
+          <a:off x="0" y="0"/>
+          <a:ext cx="0" cy="0"/>
+          <a:chOff x="0" y="0"/>
+          <a:chExt cx="0" cy="0"/>
+        </a:xfrm>
+      </p:grpSpPr>
+      <p:sp>
+        <p:nvSpPr>
+          <p:cNvPr id="2" name="Title 1">
+            <a:extLst>
+              <a:ext uri="{FF2B5EF4-FFF2-40B4-BE49-F238E27FC236}">
                 <a16:creationId xmlns:a16="http://schemas.microsoft.com/office/drawing/2014/main" id="{0F0BDACE-7C31-71EC-959E-1FBC550D9700}"/>
               </a:ext>
             </a:extLst>
@@ -3703,2018 +4083,7 @@
 </p:sld>
 </file>
 
-<file path=ppt/slides/slide11.xml><?xml version="1.0" encoding="utf-8"?>
-<p:sld xmlns:a="http://schemas.openxmlformats.org/drawingml/2006/main" xmlns:r="http://schemas.openxmlformats.org/officeDocument/2006/relationships" xmlns:p="http://schemas.openxmlformats.org/presentationml/2006/main" show="0">
-  <p:cSld>
-    <p:spTree>
-      <p:nvGrpSpPr>
-        <p:cNvPr id="1" name=""/>
-        <p:cNvGrpSpPr/>
-        <p:nvPr/>
-      </p:nvGrpSpPr>
-      <p:grpSpPr>
-        <a:xfrm>
-          <a:off x="0" y="0"/>
-          <a:ext cx="0" cy="0"/>
-          <a:chOff x="0" y="0"/>
-          <a:chExt cx="0" cy="0"/>
-        </a:xfrm>
-      </p:grpSpPr>
-      <p:sp>
-        <p:nvSpPr>
-          <p:cNvPr id="2" name="Title 1">
-            <a:extLst>
-              <a:ext uri="{FF2B5EF4-FFF2-40B4-BE49-F238E27FC236}">
-                <a16:creationId xmlns:a16="http://schemas.microsoft.com/office/drawing/2014/main" id="{4E12262B-436F-3FAB-706C-2797FE1587CC}"/>
-              </a:ext>
-            </a:extLst>
-          </p:cNvPr>
-          <p:cNvSpPr>
-            <a:spLocks noGrp="1"/>
-          </p:cNvSpPr>
-          <p:nvPr>
-            <p:ph type="title"/>
-          </p:nvPr>
-        </p:nvSpPr>
-        <p:spPr/>
-        <p:txBody>
-          <a:bodyPr/>
-          <a:lstStyle/>
-          <a:p>
-            <a:r>
-              <a:rPr lang="en-US" dirty="0"/>
-              <a:t>Endianness – What comes first?  (review)</a:t>
-            </a:r>
-          </a:p>
-        </p:txBody>
-      </p:sp>
-      <p:sp>
-        <p:nvSpPr>
-          <p:cNvPr id="3" name="Content Placeholder 2">
-            <a:extLst>
-              <a:ext uri="{FF2B5EF4-FFF2-40B4-BE49-F238E27FC236}">
-                <a16:creationId xmlns:a16="http://schemas.microsoft.com/office/drawing/2014/main" id="{2EAA6E54-2E2E-83E1-17B1-83B1800AAC95}"/>
-              </a:ext>
-            </a:extLst>
-          </p:cNvPr>
-          <p:cNvSpPr>
-            <a:spLocks noGrp="1"/>
-          </p:cNvSpPr>
-          <p:nvPr>
-            <p:ph idx="1"/>
-          </p:nvPr>
-        </p:nvSpPr>
-        <p:spPr/>
-        <p:txBody>
-          <a:bodyPr/>
-          <a:lstStyle/>
-          <a:p>
-            <a:r>
-              <a:rPr lang="en-US" dirty="0"/>
-              <a:t>In word oriented computers, when we would load a word and treated it as characters the first character would be in the top bits of the word</a:t>
-            </a:r>
-          </a:p>
-          <a:p>
-            <a:r>
-              <a:rPr lang="en-US" dirty="0"/>
-              <a:t>In byte oriented computers when we load a byte – the first character is the first character</a:t>
-            </a:r>
-          </a:p>
-          <a:p>
-            <a:r>
-              <a:rPr lang="en-US" dirty="0"/>
-              <a:t>In byte oriented computers when we load an area filled with bytes and loaded it as a word (i.e. like 4 bytes) – in a big-endian computer, the first character is in the top bits of the word</a:t>
-            </a:r>
-          </a:p>
-          <a:p>
-            <a:r>
-              <a:rPr lang="en-US" dirty="0"/>
-              <a:t>In byte oriented computer, when we load an area filled with bytes and loaded it as a word, in a little endian computer the bytes are backwards.</a:t>
-            </a:r>
-          </a:p>
-        </p:txBody>
-      </p:sp>
-    </p:spTree>
-    <p:extLst>
-      <p:ext uri="{BB962C8B-B14F-4D97-AF65-F5344CB8AC3E}">
-        <p14:creationId xmlns:p14="http://schemas.microsoft.com/office/powerpoint/2010/main" val="451152881"/>
-      </p:ext>
-    </p:extLst>
-  </p:cSld>
-  <p:clrMapOvr>
-    <a:masterClrMapping/>
-  </p:clrMapOvr>
-</p:sld>
-</file>
-
 <file path=ppt/slides/slide12.xml><?xml version="1.0" encoding="utf-8"?>
-<p:sld xmlns:a="http://schemas.openxmlformats.org/drawingml/2006/main" xmlns:r="http://schemas.openxmlformats.org/officeDocument/2006/relationships" xmlns:p="http://schemas.openxmlformats.org/presentationml/2006/main" show="0">
-  <p:cSld>
-    <p:spTree>
-      <p:nvGrpSpPr>
-        <p:cNvPr id="1" name=""/>
-        <p:cNvGrpSpPr/>
-        <p:nvPr/>
-      </p:nvGrpSpPr>
-      <p:grpSpPr>
-        <a:xfrm>
-          <a:off x="0" y="0"/>
-          <a:ext cx="0" cy="0"/>
-          <a:chOff x="0" y="0"/>
-          <a:chExt cx="0" cy="0"/>
-        </a:xfrm>
-      </p:grpSpPr>
-      <p:grpSp>
-        <p:nvGrpSpPr>
-          <p:cNvPr id="43" name="Group 42">
-            <a:extLst>
-              <a:ext uri="{FF2B5EF4-FFF2-40B4-BE49-F238E27FC236}">
-                <a16:creationId xmlns:a16="http://schemas.microsoft.com/office/drawing/2014/main" id="{F0D44EDF-F5F0-C1F4-0373-F9BC11DFDA8D}"/>
-              </a:ext>
-            </a:extLst>
-          </p:cNvPr>
-          <p:cNvGrpSpPr/>
-          <p:nvPr/>
-        </p:nvGrpSpPr>
-        <p:grpSpPr>
-          <a:xfrm>
-            <a:off x="1458088" y="1677763"/>
-            <a:ext cx="3478581" cy="400367"/>
-            <a:chOff x="1038567" y="1614228"/>
-            <a:chExt cx="3478581" cy="400367"/>
-          </a:xfrm>
-        </p:grpSpPr>
-        <p:sp>
-          <p:nvSpPr>
-            <p:cNvPr id="5" name="Rectangle 4">
-              <a:extLst>
-                <a:ext uri="{FF2B5EF4-FFF2-40B4-BE49-F238E27FC236}">
-                  <a16:creationId xmlns:a16="http://schemas.microsoft.com/office/drawing/2014/main" id="{2C3E6F26-E90B-360B-3621-9D78B3FB9280}"/>
-                </a:ext>
-              </a:extLst>
-            </p:cNvPr>
-            <p:cNvSpPr/>
-            <p:nvPr/>
-          </p:nvSpPr>
-          <p:spPr>
-            <a:xfrm>
-              <a:off x="1038567" y="1614228"/>
-              <a:ext cx="347779" cy="400367"/>
-            </a:xfrm>
-            <a:prstGeom prst="rect">
-              <a:avLst/>
-            </a:prstGeom>
-            <a:noFill/>
-          </p:spPr>
-          <p:style>
-            <a:lnRef idx="2">
-              <a:schemeClr val="accent1">
-                <a:shade val="50000"/>
-              </a:schemeClr>
-            </a:lnRef>
-            <a:fillRef idx="1">
-              <a:schemeClr val="accent1"/>
-            </a:fillRef>
-            <a:effectRef idx="0">
-              <a:schemeClr val="accent1"/>
-            </a:effectRef>
-            <a:fontRef idx="minor">
-              <a:schemeClr val="lt1"/>
-            </a:fontRef>
-          </p:style>
-          <p:txBody>
-            <a:bodyPr rtlCol="0" anchor="ctr"/>
-            <a:lstStyle/>
-            <a:p>
-              <a:pPr algn="ctr"/>
-              <a:r>
-                <a:rPr lang="en-US" dirty="0">
-                  <a:solidFill>
-                    <a:schemeClr val="tx1"/>
-                  </a:solidFill>
-                </a:rPr>
-                <a:t>U</a:t>
-              </a:r>
-            </a:p>
-          </p:txBody>
-        </p:sp>
-        <p:sp>
-          <p:nvSpPr>
-            <p:cNvPr id="6" name="Rectangle 5">
-              <a:extLst>
-                <a:ext uri="{FF2B5EF4-FFF2-40B4-BE49-F238E27FC236}">
-                  <a16:creationId xmlns:a16="http://schemas.microsoft.com/office/drawing/2014/main" id="{950B843D-AA1F-DB00-27C7-79D535F69B10}"/>
-                </a:ext>
-              </a:extLst>
-            </p:cNvPr>
-            <p:cNvSpPr/>
-            <p:nvPr/>
-          </p:nvSpPr>
-          <p:spPr>
-            <a:xfrm>
-              <a:off x="1386299" y="1614228"/>
-              <a:ext cx="347779" cy="400367"/>
-            </a:xfrm>
-            <a:prstGeom prst="rect">
-              <a:avLst/>
-            </a:prstGeom>
-            <a:noFill/>
-          </p:spPr>
-          <p:style>
-            <a:lnRef idx="2">
-              <a:schemeClr val="accent1">
-                <a:shade val="50000"/>
-              </a:schemeClr>
-            </a:lnRef>
-            <a:fillRef idx="1">
-              <a:schemeClr val="accent1"/>
-            </a:fillRef>
-            <a:effectRef idx="0">
-              <a:schemeClr val="accent1"/>
-            </a:effectRef>
-            <a:fontRef idx="minor">
-              <a:schemeClr val="lt1"/>
-            </a:fontRef>
-          </p:style>
-          <p:txBody>
-            <a:bodyPr rtlCol="0" anchor="ctr"/>
-            <a:lstStyle/>
-            <a:p>
-              <a:pPr algn="ctr"/>
-              <a:r>
-                <a:rPr lang="en-US" dirty="0">
-                  <a:solidFill>
-                    <a:schemeClr val="tx1"/>
-                  </a:solidFill>
-                </a:rPr>
-                <a:t>N</a:t>
-              </a:r>
-            </a:p>
-          </p:txBody>
-        </p:sp>
-        <p:sp>
-          <p:nvSpPr>
-            <p:cNvPr id="7" name="Rectangle 6">
-              <a:extLst>
-                <a:ext uri="{FF2B5EF4-FFF2-40B4-BE49-F238E27FC236}">
-                  <a16:creationId xmlns:a16="http://schemas.microsoft.com/office/drawing/2014/main" id="{0BEDE6FA-A18C-BE5C-BF2F-083BB449CBA1}"/>
-                </a:ext>
-              </a:extLst>
-            </p:cNvPr>
-            <p:cNvSpPr/>
-            <p:nvPr/>
-          </p:nvSpPr>
-          <p:spPr>
-            <a:xfrm>
-              <a:off x="1734078" y="1614228"/>
-              <a:ext cx="347779" cy="400367"/>
-            </a:xfrm>
-            <a:prstGeom prst="rect">
-              <a:avLst/>
-            </a:prstGeom>
-            <a:noFill/>
-          </p:spPr>
-          <p:style>
-            <a:lnRef idx="2">
-              <a:schemeClr val="accent1">
-                <a:shade val="50000"/>
-              </a:schemeClr>
-            </a:lnRef>
-            <a:fillRef idx="1">
-              <a:schemeClr val="accent1"/>
-            </a:fillRef>
-            <a:effectRef idx="0">
-              <a:schemeClr val="accent1"/>
-            </a:effectRef>
-            <a:fontRef idx="minor">
-              <a:schemeClr val="lt1"/>
-            </a:fontRef>
-          </p:style>
-          <p:txBody>
-            <a:bodyPr rtlCol="0" anchor="ctr"/>
-            <a:lstStyle/>
-            <a:p>
-              <a:pPr algn="ctr"/>
-              <a:r>
-                <a:rPr lang="en-US" dirty="0">
-                  <a:solidFill>
-                    <a:schemeClr val="tx1"/>
-                  </a:solidFill>
-                </a:rPr>
-                <a:t>I</a:t>
-              </a:r>
-            </a:p>
-          </p:txBody>
-        </p:sp>
-        <p:sp>
-          <p:nvSpPr>
-            <p:cNvPr id="8" name="Rectangle 7">
-              <a:extLst>
-                <a:ext uri="{FF2B5EF4-FFF2-40B4-BE49-F238E27FC236}">
-                  <a16:creationId xmlns:a16="http://schemas.microsoft.com/office/drawing/2014/main" id="{10657F8D-8DFD-C28A-9926-AE6420E9FDAE}"/>
-                </a:ext>
-              </a:extLst>
-            </p:cNvPr>
-            <p:cNvSpPr/>
-            <p:nvPr/>
-          </p:nvSpPr>
-          <p:spPr>
-            <a:xfrm>
-              <a:off x="2081811" y="1614228"/>
-              <a:ext cx="347779" cy="400367"/>
-            </a:xfrm>
-            <a:prstGeom prst="rect">
-              <a:avLst/>
-            </a:prstGeom>
-            <a:noFill/>
-          </p:spPr>
-          <p:style>
-            <a:lnRef idx="2">
-              <a:schemeClr val="accent1">
-                <a:shade val="50000"/>
-              </a:schemeClr>
-            </a:lnRef>
-            <a:fillRef idx="1">
-              <a:schemeClr val="accent1"/>
-            </a:fillRef>
-            <a:effectRef idx="0">
-              <a:schemeClr val="accent1"/>
-            </a:effectRef>
-            <a:fontRef idx="minor">
-              <a:schemeClr val="lt1"/>
-            </a:fontRef>
-          </p:style>
-          <p:txBody>
-            <a:bodyPr rtlCol="0" anchor="ctr"/>
-            <a:lstStyle/>
-            <a:p>
-              <a:pPr algn="ctr"/>
-              <a:r>
-                <a:rPr lang="en-US" dirty="0">
-                  <a:solidFill>
-                    <a:schemeClr val="tx1"/>
-                  </a:solidFill>
-                </a:rPr>
-                <a:t>X</a:t>
-              </a:r>
-            </a:p>
-          </p:txBody>
-        </p:sp>
-        <p:sp>
-          <p:nvSpPr>
-            <p:cNvPr id="9" name="Rectangle 8">
-              <a:extLst>
-                <a:ext uri="{FF2B5EF4-FFF2-40B4-BE49-F238E27FC236}">
-                  <a16:creationId xmlns:a16="http://schemas.microsoft.com/office/drawing/2014/main" id="{C92B1D96-F6C4-8E17-F92A-8B84C3BFE118}"/>
-                </a:ext>
-              </a:extLst>
-            </p:cNvPr>
-            <p:cNvSpPr/>
-            <p:nvPr/>
-          </p:nvSpPr>
-          <p:spPr>
-            <a:xfrm>
-              <a:off x="2429632" y="1614228"/>
-              <a:ext cx="347779" cy="400367"/>
-            </a:xfrm>
-            <a:prstGeom prst="rect">
-              <a:avLst/>
-            </a:prstGeom>
-            <a:noFill/>
-          </p:spPr>
-          <p:style>
-            <a:lnRef idx="2">
-              <a:schemeClr val="accent1">
-                <a:shade val="50000"/>
-              </a:schemeClr>
-            </a:lnRef>
-            <a:fillRef idx="1">
-              <a:schemeClr val="accent1"/>
-            </a:fillRef>
-            <a:effectRef idx="0">
-              <a:schemeClr val="accent1"/>
-            </a:effectRef>
-            <a:fontRef idx="minor">
-              <a:schemeClr val="lt1"/>
-            </a:fontRef>
-          </p:style>
-          <p:txBody>
-            <a:bodyPr rtlCol="0" anchor="ctr"/>
-            <a:lstStyle/>
-            <a:p>
-              <a:pPr algn="ctr"/>
-              <a:r>
-                <a:rPr lang="en-US" dirty="0">
-                  <a:solidFill>
-                    <a:schemeClr val="tx1"/>
-                  </a:solidFill>
-                </a:rPr>
-                <a:t>0</a:t>
-              </a:r>
-            </a:p>
-          </p:txBody>
-        </p:sp>
-        <p:sp>
-          <p:nvSpPr>
-            <p:cNvPr id="10" name="Rectangle 9">
-              <a:extLst>
-                <a:ext uri="{FF2B5EF4-FFF2-40B4-BE49-F238E27FC236}">
-                  <a16:creationId xmlns:a16="http://schemas.microsoft.com/office/drawing/2014/main" id="{B7ACCFC4-4E59-365B-6BC3-A6899FF5F394}"/>
-                </a:ext>
-              </a:extLst>
-            </p:cNvPr>
-            <p:cNvSpPr/>
-            <p:nvPr/>
-          </p:nvSpPr>
-          <p:spPr>
-            <a:xfrm>
-              <a:off x="2777364" y="1614228"/>
-              <a:ext cx="347779" cy="400367"/>
-            </a:xfrm>
-            <a:prstGeom prst="rect">
-              <a:avLst/>
-            </a:prstGeom>
-            <a:noFill/>
-          </p:spPr>
-          <p:style>
-            <a:lnRef idx="2">
-              <a:schemeClr val="accent1">
-                <a:shade val="50000"/>
-              </a:schemeClr>
-            </a:lnRef>
-            <a:fillRef idx="1">
-              <a:schemeClr val="accent1"/>
-            </a:fillRef>
-            <a:effectRef idx="0">
-              <a:schemeClr val="accent1"/>
-            </a:effectRef>
-            <a:fontRef idx="minor">
-              <a:schemeClr val="lt1"/>
-            </a:fontRef>
-          </p:style>
-          <p:txBody>
-            <a:bodyPr rtlCol="0" anchor="ctr"/>
-            <a:lstStyle/>
-            <a:p>
-              <a:pPr algn="ctr"/>
-              <a:r>
-                <a:rPr lang="en-US" dirty="0">
-                  <a:solidFill>
-                    <a:schemeClr val="tx1"/>
-                  </a:solidFill>
-                </a:rPr>
-                <a:t>0</a:t>
-              </a:r>
-            </a:p>
-          </p:txBody>
-        </p:sp>
-        <p:sp>
-          <p:nvSpPr>
-            <p:cNvPr id="11" name="Rectangle 10">
-              <a:extLst>
-                <a:ext uri="{FF2B5EF4-FFF2-40B4-BE49-F238E27FC236}">
-                  <a16:creationId xmlns:a16="http://schemas.microsoft.com/office/drawing/2014/main" id="{AFEDBC4A-A86B-35C0-A9DA-2C218B9B05E7}"/>
-                </a:ext>
-              </a:extLst>
-            </p:cNvPr>
-            <p:cNvSpPr/>
-            <p:nvPr/>
-          </p:nvSpPr>
-          <p:spPr>
-            <a:xfrm>
-              <a:off x="3125143" y="1614228"/>
-              <a:ext cx="347779" cy="400367"/>
-            </a:xfrm>
-            <a:prstGeom prst="rect">
-              <a:avLst/>
-            </a:prstGeom>
-            <a:noFill/>
-          </p:spPr>
-          <p:style>
-            <a:lnRef idx="2">
-              <a:schemeClr val="accent1">
-                <a:shade val="50000"/>
-              </a:schemeClr>
-            </a:lnRef>
-            <a:fillRef idx="1">
-              <a:schemeClr val="accent1"/>
-            </a:fillRef>
-            <a:effectRef idx="0">
-              <a:schemeClr val="accent1"/>
-            </a:effectRef>
-            <a:fontRef idx="minor">
-              <a:schemeClr val="lt1"/>
-            </a:fontRef>
-          </p:style>
-          <p:txBody>
-            <a:bodyPr rtlCol="0" anchor="ctr"/>
-            <a:lstStyle/>
-            <a:p>
-              <a:pPr algn="ctr"/>
-              <a:r>
-                <a:rPr lang="en-US" dirty="0">
-                  <a:solidFill>
-                    <a:schemeClr val="tx1"/>
-                  </a:solidFill>
-                </a:rPr>
-                <a:t>0</a:t>
-              </a:r>
-            </a:p>
-          </p:txBody>
-        </p:sp>
-        <p:sp>
-          <p:nvSpPr>
-            <p:cNvPr id="12" name="Rectangle 11">
-              <a:extLst>
-                <a:ext uri="{FF2B5EF4-FFF2-40B4-BE49-F238E27FC236}">
-                  <a16:creationId xmlns:a16="http://schemas.microsoft.com/office/drawing/2014/main" id="{F06F1CE0-87DE-74A1-D110-BD84D60863CB}"/>
-                </a:ext>
-              </a:extLst>
-            </p:cNvPr>
-            <p:cNvSpPr/>
-            <p:nvPr/>
-          </p:nvSpPr>
-          <p:spPr>
-            <a:xfrm>
-              <a:off x="3472876" y="1614228"/>
-              <a:ext cx="347779" cy="400367"/>
-            </a:xfrm>
-            <a:prstGeom prst="rect">
-              <a:avLst/>
-            </a:prstGeom>
-            <a:noFill/>
-          </p:spPr>
-          <p:style>
-            <a:lnRef idx="2">
-              <a:schemeClr val="accent1">
-                <a:shade val="50000"/>
-              </a:schemeClr>
-            </a:lnRef>
-            <a:fillRef idx="1">
-              <a:schemeClr val="accent1"/>
-            </a:fillRef>
-            <a:effectRef idx="0">
-              <a:schemeClr val="accent1"/>
-            </a:effectRef>
-            <a:fontRef idx="minor">
-              <a:schemeClr val="lt1"/>
-            </a:fontRef>
-          </p:style>
-          <p:txBody>
-            <a:bodyPr rtlCol="0" anchor="ctr"/>
-            <a:lstStyle/>
-            <a:p>
-              <a:pPr algn="ctr"/>
-              <a:r>
-                <a:rPr lang="en-US" dirty="0">
-                  <a:solidFill>
-                    <a:schemeClr val="tx1"/>
-                  </a:solidFill>
-                </a:rPr>
-                <a:t>0</a:t>
-              </a:r>
-            </a:p>
-          </p:txBody>
-        </p:sp>
-        <p:sp>
-          <p:nvSpPr>
-            <p:cNvPr id="14" name="Rectangle 13">
-              <a:extLst>
-                <a:ext uri="{FF2B5EF4-FFF2-40B4-BE49-F238E27FC236}">
-                  <a16:creationId xmlns:a16="http://schemas.microsoft.com/office/drawing/2014/main" id="{A8BE84FD-23F3-729A-5F66-3A5D2A2CB889}"/>
-                </a:ext>
-              </a:extLst>
-            </p:cNvPr>
-            <p:cNvSpPr/>
-            <p:nvPr/>
-          </p:nvSpPr>
-          <p:spPr>
-            <a:xfrm>
-              <a:off x="3821637" y="1614228"/>
-              <a:ext cx="347779" cy="400367"/>
-            </a:xfrm>
-            <a:prstGeom prst="rect">
-              <a:avLst/>
-            </a:prstGeom>
-            <a:noFill/>
-          </p:spPr>
-          <p:style>
-            <a:lnRef idx="2">
-              <a:schemeClr val="accent1">
-                <a:shade val="50000"/>
-              </a:schemeClr>
-            </a:lnRef>
-            <a:fillRef idx="1">
-              <a:schemeClr val="accent1"/>
-            </a:fillRef>
-            <a:effectRef idx="0">
-              <a:schemeClr val="accent1"/>
-            </a:effectRef>
-            <a:fontRef idx="minor">
-              <a:schemeClr val="lt1"/>
-            </a:fontRef>
-          </p:style>
-          <p:txBody>
-            <a:bodyPr rtlCol="0" anchor="ctr"/>
-            <a:lstStyle/>
-            <a:p>
-              <a:pPr algn="ctr"/>
-              <a:r>
-                <a:rPr lang="en-US" dirty="0">
-                  <a:solidFill>
-                    <a:schemeClr val="tx1"/>
-                  </a:solidFill>
-                </a:rPr>
-                <a:t>0</a:t>
-              </a:r>
-            </a:p>
-          </p:txBody>
-        </p:sp>
-        <p:sp>
-          <p:nvSpPr>
-            <p:cNvPr id="15" name="Rectangle 14">
-              <a:extLst>
-                <a:ext uri="{FF2B5EF4-FFF2-40B4-BE49-F238E27FC236}">
-                  <a16:creationId xmlns:a16="http://schemas.microsoft.com/office/drawing/2014/main" id="{95BBC824-BA0C-7331-7E2F-0588C8AE5BCA}"/>
-                </a:ext>
-              </a:extLst>
-            </p:cNvPr>
-            <p:cNvSpPr/>
-            <p:nvPr/>
-          </p:nvSpPr>
-          <p:spPr>
-            <a:xfrm>
-              <a:off x="4169369" y="1614228"/>
-              <a:ext cx="347779" cy="400367"/>
-            </a:xfrm>
-            <a:prstGeom prst="rect">
-              <a:avLst/>
-            </a:prstGeom>
-            <a:noFill/>
-          </p:spPr>
-          <p:style>
-            <a:lnRef idx="2">
-              <a:schemeClr val="accent1">
-                <a:shade val="50000"/>
-              </a:schemeClr>
-            </a:lnRef>
-            <a:fillRef idx="1">
-              <a:schemeClr val="accent1"/>
-            </a:fillRef>
-            <a:effectRef idx="0">
-              <a:schemeClr val="accent1"/>
-            </a:effectRef>
-            <a:fontRef idx="minor">
-              <a:schemeClr val="lt1"/>
-            </a:fontRef>
-          </p:style>
-          <p:txBody>
-            <a:bodyPr rtlCol="0" anchor="ctr"/>
-            <a:lstStyle/>
-            <a:p>
-              <a:pPr algn="ctr"/>
-              <a:r>
-                <a:rPr lang="en-US" dirty="0">
-                  <a:solidFill>
-                    <a:schemeClr val="tx1"/>
-                  </a:solidFill>
-                </a:rPr>
-                <a:t>0</a:t>
-              </a:r>
-            </a:p>
-          </p:txBody>
-        </p:sp>
-      </p:grpSp>
-      <p:sp>
-        <p:nvSpPr>
-          <p:cNvPr id="16" name="Rectangle 15">
-            <a:extLst>
-              <a:ext uri="{FF2B5EF4-FFF2-40B4-BE49-F238E27FC236}">
-                <a16:creationId xmlns:a16="http://schemas.microsoft.com/office/drawing/2014/main" id="{04DA9DBC-B3BB-E7F7-F126-BF17292C170E}"/>
-              </a:ext>
-            </a:extLst>
-          </p:cNvPr>
-          <p:cNvSpPr/>
-          <p:nvPr/>
-        </p:nvSpPr>
-        <p:spPr>
-          <a:xfrm>
-            <a:off x="4814323" y="2490880"/>
-            <a:ext cx="434845" cy="406266"/>
-          </a:xfrm>
-          <a:prstGeom prst="rect">
-            <a:avLst/>
-          </a:prstGeom>
-          <a:noFill/>
-        </p:spPr>
-        <p:style>
-          <a:lnRef idx="2">
-            <a:schemeClr val="accent1">
-              <a:shade val="50000"/>
-            </a:schemeClr>
-          </a:lnRef>
-          <a:fillRef idx="1">
-            <a:schemeClr val="accent1"/>
-          </a:fillRef>
-          <a:effectRef idx="0">
-            <a:schemeClr val="accent1"/>
-          </a:effectRef>
-          <a:fontRef idx="minor">
-            <a:schemeClr val="lt1"/>
-          </a:fontRef>
-        </p:style>
-        <p:txBody>
-          <a:bodyPr rtlCol="0" anchor="ctr"/>
-          <a:lstStyle/>
-          <a:p>
-            <a:pPr algn="ctr"/>
-            <a:r>
-              <a:rPr lang="en-US" dirty="0">
-                <a:solidFill>
-                  <a:schemeClr val="tx1"/>
-                </a:solidFill>
-              </a:rPr>
-              <a:t>U</a:t>
-            </a:r>
-          </a:p>
-        </p:txBody>
-      </p:sp>
-      <p:sp>
-        <p:nvSpPr>
-          <p:cNvPr id="17" name="Rectangle 16">
-            <a:extLst>
-              <a:ext uri="{FF2B5EF4-FFF2-40B4-BE49-F238E27FC236}">
-                <a16:creationId xmlns:a16="http://schemas.microsoft.com/office/drawing/2014/main" id="{DB71B1E0-D7D9-C238-05F8-D048031C6A7D}"/>
-              </a:ext>
-            </a:extLst>
-          </p:cNvPr>
-          <p:cNvSpPr/>
-          <p:nvPr/>
-        </p:nvSpPr>
-        <p:spPr>
-          <a:xfrm>
-            <a:off x="4814323" y="2890351"/>
-            <a:ext cx="434845" cy="369333"/>
-          </a:xfrm>
-          <a:prstGeom prst="rect">
-            <a:avLst/>
-          </a:prstGeom>
-          <a:noFill/>
-        </p:spPr>
-        <p:style>
-          <a:lnRef idx="2">
-            <a:schemeClr val="accent1">
-              <a:shade val="50000"/>
-            </a:schemeClr>
-          </a:lnRef>
-          <a:fillRef idx="1">
-            <a:schemeClr val="accent1"/>
-          </a:fillRef>
-          <a:effectRef idx="0">
-            <a:schemeClr val="accent1"/>
-          </a:effectRef>
-          <a:fontRef idx="minor">
-            <a:schemeClr val="lt1"/>
-          </a:fontRef>
-        </p:style>
-        <p:txBody>
-          <a:bodyPr rtlCol="0" anchor="ctr"/>
-          <a:lstStyle/>
-          <a:p>
-            <a:pPr algn="ctr"/>
-            <a:r>
-              <a:rPr lang="en-US" dirty="0">
-                <a:solidFill>
-                  <a:schemeClr val="tx1"/>
-                </a:solidFill>
-              </a:rPr>
-              <a:t>N</a:t>
-            </a:r>
-          </a:p>
-        </p:txBody>
-      </p:sp>
-      <p:sp>
-        <p:nvSpPr>
-          <p:cNvPr id="18" name="Rectangle 17">
-            <a:extLst>
-              <a:ext uri="{FF2B5EF4-FFF2-40B4-BE49-F238E27FC236}">
-                <a16:creationId xmlns:a16="http://schemas.microsoft.com/office/drawing/2014/main" id="{D00A183B-2DB3-60CD-BFF3-AF5F35AADF3E}"/>
-              </a:ext>
-            </a:extLst>
-          </p:cNvPr>
-          <p:cNvSpPr/>
-          <p:nvPr/>
-        </p:nvSpPr>
-        <p:spPr>
-          <a:xfrm>
-            <a:off x="4814323" y="3263770"/>
-            <a:ext cx="434845" cy="406266"/>
-          </a:xfrm>
-          <a:prstGeom prst="rect">
-            <a:avLst/>
-          </a:prstGeom>
-          <a:noFill/>
-        </p:spPr>
-        <p:style>
-          <a:lnRef idx="2">
-            <a:schemeClr val="accent1">
-              <a:shade val="50000"/>
-            </a:schemeClr>
-          </a:lnRef>
-          <a:fillRef idx="1">
-            <a:schemeClr val="accent1"/>
-          </a:fillRef>
-          <a:effectRef idx="0">
-            <a:schemeClr val="accent1"/>
-          </a:effectRef>
-          <a:fontRef idx="minor">
-            <a:schemeClr val="lt1"/>
-          </a:fontRef>
-        </p:style>
-        <p:txBody>
-          <a:bodyPr rtlCol="0" anchor="ctr"/>
-          <a:lstStyle/>
-          <a:p>
-            <a:pPr algn="ctr"/>
-            <a:r>
-              <a:rPr lang="en-US" dirty="0">
-                <a:solidFill>
-                  <a:schemeClr val="tx1"/>
-                </a:solidFill>
-              </a:rPr>
-              <a:t>I</a:t>
-            </a:r>
-          </a:p>
-        </p:txBody>
-      </p:sp>
-      <p:sp>
-        <p:nvSpPr>
-          <p:cNvPr id="19" name="Rectangle 18">
-            <a:extLst>
-              <a:ext uri="{FF2B5EF4-FFF2-40B4-BE49-F238E27FC236}">
-                <a16:creationId xmlns:a16="http://schemas.microsoft.com/office/drawing/2014/main" id="{B304DB94-BB13-773E-EED6-A79331FBADD1}"/>
-              </a:ext>
-            </a:extLst>
-          </p:cNvPr>
-          <p:cNvSpPr/>
-          <p:nvPr/>
-        </p:nvSpPr>
-        <p:spPr>
-          <a:xfrm>
-            <a:off x="4814323" y="3663241"/>
-            <a:ext cx="434845" cy="369333"/>
-          </a:xfrm>
-          <a:prstGeom prst="rect">
-            <a:avLst/>
-          </a:prstGeom>
-          <a:noFill/>
-        </p:spPr>
-        <p:style>
-          <a:lnRef idx="2">
-            <a:schemeClr val="accent1">
-              <a:shade val="50000"/>
-            </a:schemeClr>
-          </a:lnRef>
-          <a:fillRef idx="1">
-            <a:schemeClr val="accent1"/>
-          </a:fillRef>
-          <a:effectRef idx="0">
-            <a:schemeClr val="accent1"/>
-          </a:effectRef>
-          <a:fontRef idx="minor">
-            <a:schemeClr val="lt1"/>
-          </a:fontRef>
-        </p:style>
-        <p:txBody>
-          <a:bodyPr rtlCol="0" anchor="ctr"/>
-          <a:lstStyle/>
-          <a:p>
-            <a:pPr algn="ctr"/>
-            <a:r>
-              <a:rPr lang="en-US" dirty="0">
-                <a:solidFill>
-                  <a:schemeClr val="tx1"/>
-                </a:solidFill>
-              </a:rPr>
-              <a:t>X</a:t>
-            </a:r>
-          </a:p>
-        </p:txBody>
-      </p:sp>
-      <p:sp>
-        <p:nvSpPr>
-          <p:cNvPr id="24" name="Rectangle 23">
-            <a:extLst>
-              <a:ext uri="{FF2B5EF4-FFF2-40B4-BE49-F238E27FC236}">
-                <a16:creationId xmlns:a16="http://schemas.microsoft.com/office/drawing/2014/main" id="{239CAB64-19A7-50F8-9352-FD42EB2CFE6B}"/>
-              </a:ext>
-            </a:extLst>
-          </p:cNvPr>
-          <p:cNvSpPr/>
-          <p:nvPr/>
-        </p:nvSpPr>
-        <p:spPr>
-          <a:xfrm>
-            <a:off x="928224" y="3534165"/>
-            <a:ext cx="434845" cy="369333"/>
-          </a:xfrm>
-          <a:prstGeom prst="rect">
-            <a:avLst/>
-          </a:prstGeom>
-          <a:noFill/>
-        </p:spPr>
-        <p:style>
-          <a:lnRef idx="2">
-            <a:schemeClr val="accent1">
-              <a:shade val="50000"/>
-            </a:schemeClr>
-          </a:lnRef>
-          <a:fillRef idx="1">
-            <a:schemeClr val="accent1"/>
-          </a:fillRef>
-          <a:effectRef idx="0">
-            <a:schemeClr val="accent1"/>
-          </a:effectRef>
-          <a:fontRef idx="minor">
-            <a:schemeClr val="lt1"/>
-          </a:fontRef>
-        </p:style>
-        <p:txBody>
-          <a:bodyPr rtlCol="0" anchor="ctr"/>
-          <a:lstStyle/>
-          <a:p>
-            <a:pPr algn="ctr"/>
-            <a:r>
-              <a:rPr lang="en-US" dirty="0">
-                <a:solidFill>
-                  <a:schemeClr val="tx1"/>
-                </a:solidFill>
-              </a:rPr>
-              <a:t>U</a:t>
-            </a:r>
-          </a:p>
-        </p:txBody>
-      </p:sp>
-      <p:sp>
-        <p:nvSpPr>
-          <p:cNvPr id="25" name="Rectangle 24">
-            <a:extLst>
-              <a:ext uri="{FF2B5EF4-FFF2-40B4-BE49-F238E27FC236}">
-                <a16:creationId xmlns:a16="http://schemas.microsoft.com/office/drawing/2014/main" id="{5D718F84-FA36-F6B6-0519-8E885354704C}"/>
-              </a:ext>
-            </a:extLst>
-          </p:cNvPr>
-          <p:cNvSpPr/>
-          <p:nvPr/>
-        </p:nvSpPr>
-        <p:spPr>
-          <a:xfrm>
-            <a:off x="1363011" y="3534165"/>
-            <a:ext cx="434845" cy="369333"/>
-          </a:xfrm>
-          <a:prstGeom prst="rect">
-            <a:avLst/>
-          </a:prstGeom>
-          <a:noFill/>
-        </p:spPr>
-        <p:style>
-          <a:lnRef idx="2">
-            <a:schemeClr val="accent1">
-              <a:shade val="50000"/>
-            </a:schemeClr>
-          </a:lnRef>
-          <a:fillRef idx="1">
-            <a:schemeClr val="accent1"/>
-          </a:fillRef>
-          <a:effectRef idx="0">
-            <a:schemeClr val="accent1"/>
-          </a:effectRef>
-          <a:fontRef idx="minor">
-            <a:schemeClr val="lt1"/>
-          </a:fontRef>
-        </p:style>
-        <p:txBody>
-          <a:bodyPr rtlCol="0" anchor="ctr"/>
-          <a:lstStyle/>
-          <a:p>
-            <a:pPr algn="ctr"/>
-            <a:r>
-              <a:rPr lang="en-US" dirty="0">
-                <a:solidFill>
-                  <a:schemeClr val="tx1"/>
-                </a:solidFill>
-              </a:rPr>
-              <a:t>N</a:t>
-            </a:r>
-          </a:p>
-        </p:txBody>
-      </p:sp>
-      <p:sp>
-        <p:nvSpPr>
-          <p:cNvPr id="26" name="Rectangle 25">
-            <a:extLst>
-              <a:ext uri="{FF2B5EF4-FFF2-40B4-BE49-F238E27FC236}">
-                <a16:creationId xmlns:a16="http://schemas.microsoft.com/office/drawing/2014/main" id="{6B21E518-6F57-34B7-9994-484677E5ED9E}"/>
-              </a:ext>
-            </a:extLst>
-          </p:cNvPr>
-          <p:cNvSpPr/>
-          <p:nvPr/>
-        </p:nvSpPr>
-        <p:spPr>
-          <a:xfrm>
-            <a:off x="1797856" y="3534165"/>
-            <a:ext cx="434845" cy="369333"/>
-          </a:xfrm>
-          <a:prstGeom prst="rect">
-            <a:avLst/>
-          </a:prstGeom>
-          <a:noFill/>
-        </p:spPr>
-        <p:style>
-          <a:lnRef idx="2">
-            <a:schemeClr val="accent1">
-              <a:shade val="50000"/>
-            </a:schemeClr>
-          </a:lnRef>
-          <a:fillRef idx="1">
-            <a:schemeClr val="accent1"/>
-          </a:fillRef>
-          <a:effectRef idx="0">
-            <a:schemeClr val="accent1"/>
-          </a:effectRef>
-          <a:fontRef idx="minor">
-            <a:schemeClr val="lt1"/>
-          </a:fontRef>
-        </p:style>
-        <p:txBody>
-          <a:bodyPr rtlCol="0" anchor="ctr"/>
-          <a:lstStyle/>
-          <a:p>
-            <a:pPr algn="ctr"/>
-            <a:r>
-              <a:rPr lang="en-US" dirty="0">
-                <a:solidFill>
-                  <a:schemeClr val="tx1"/>
-                </a:solidFill>
-              </a:rPr>
-              <a:t>I</a:t>
-            </a:r>
-          </a:p>
-        </p:txBody>
-      </p:sp>
-      <p:sp>
-        <p:nvSpPr>
-          <p:cNvPr id="27" name="Rectangle 26">
-            <a:extLst>
-              <a:ext uri="{FF2B5EF4-FFF2-40B4-BE49-F238E27FC236}">
-                <a16:creationId xmlns:a16="http://schemas.microsoft.com/office/drawing/2014/main" id="{0C6CB8C9-9005-27B0-7036-A7AF90C756FD}"/>
-              </a:ext>
-            </a:extLst>
-          </p:cNvPr>
-          <p:cNvSpPr/>
-          <p:nvPr/>
-        </p:nvSpPr>
-        <p:spPr>
-          <a:xfrm>
-            <a:off x="2232643" y="3534165"/>
-            <a:ext cx="434845" cy="369333"/>
-          </a:xfrm>
-          <a:prstGeom prst="rect">
-            <a:avLst/>
-          </a:prstGeom>
-          <a:noFill/>
-        </p:spPr>
-        <p:style>
-          <a:lnRef idx="2">
-            <a:schemeClr val="accent1">
-              <a:shade val="50000"/>
-            </a:schemeClr>
-          </a:lnRef>
-          <a:fillRef idx="1">
-            <a:schemeClr val="accent1"/>
-          </a:fillRef>
-          <a:effectRef idx="0">
-            <a:schemeClr val="accent1"/>
-          </a:effectRef>
-          <a:fontRef idx="minor">
-            <a:schemeClr val="lt1"/>
-          </a:fontRef>
-        </p:style>
-        <p:txBody>
-          <a:bodyPr rtlCol="0" anchor="ctr"/>
-          <a:lstStyle/>
-          <a:p>
-            <a:pPr algn="ctr"/>
-            <a:r>
-              <a:rPr lang="en-US" dirty="0">
-                <a:solidFill>
-                  <a:schemeClr val="tx1"/>
-                </a:solidFill>
-              </a:rPr>
-              <a:t>X</a:t>
-            </a:r>
-          </a:p>
-        </p:txBody>
-      </p:sp>
-      <p:sp>
-        <p:nvSpPr>
-          <p:cNvPr id="39" name="Rectangle 38">
-            <a:extLst>
-              <a:ext uri="{FF2B5EF4-FFF2-40B4-BE49-F238E27FC236}">
-                <a16:creationId xmlns:a16="http://schemas.microsoft.com/office/drawing/2014/main" id="{66DF1D35-3BB7-4A61-7DFE-1697E91779C3}"/>
-              </a:ext>
-            </a:extLst>
-          </p:cNvPr>
-          <p:cNvSpPr/>
-          <p:nvPr/>
-        </p:nvSpPr>
-        <p:spPr>
-          <a:xfrm>
-            <a:off x="6526371" y="3663241"/>
-            <a:ext cx="434845" cy="369333"/>
-          </a:xfrm>
-          <a:prstGeom prst="rect">
-            <a:avLst/>
-          </a:prstGeom>
-          <a:noFill/>
-        </p:spPr>
-        <p:style>
-          <a:lnRef idx="2">
-            <a:schemeClr val="accent1">
-              <a:shade val="50000"/>
-            </a:schemeClr>
-          </a:lnRef>
-          <a:fillRef idx="1">
-            <a:schemeClr val="accent1"/>
-          </a:fillRef>
-          <a:effectRef idx="0">
-            <a:schemeClr val="accent1"/>
-          </a:effectRef>
-          <a:fontRef idx="minor">
-            <a:schemeClr val="lt1"/>
-          </a:fontRef>
-        </p:style>
-        <p:txBody>
-          <a:bodyPr rtlCol="0" anchor="ctr"/>
-          <a:lstStyle/>
-          <a:p>
-            <a:pPr algn="ctr"/>
-            <a:r>
-              <a:rPr lang="en-US" dirty="0">
-                <a:solidFill>
-                  <a:schemeClr val="tx1"/>
-                </a:solidFill>
-              </a:rPr>
-              <a:t>X</a:t>
-            </a:r>
-          </a:p>
-        </p:txBody>
-      </p:sp>
-      <p:sp>
-        <p:nvSpPr>
-          <p:cNvPr id="40" name="Rectangle 39">
-            <a:extLst>
-              <a:ext uri="{FF2B5EF4-FFF2-40B4-BE49-F238E27FC236}">
-                <a16:creationId xmlns:a16="http://schemas.microsoft.com/office/drawing/2014/main" id="{87CBFEE6-3CCF-1086-598E-CCDFE78AFBFD}"/>
-              </a:ext>
-            </a:extLst>
-          </p:cNvPr>
-          <p:cNvSpPr/>
-          <p:nvPr/>
-        </p:nvSpPr>
-        <p:spPr>
-          <a:xfrm>
-            <a:off x="6961158" y="3663241"/>
-            <a:ext cx="434845" cy="369333"/>
-          </a:xfrm>
-          <a:prstGeom prst="rect">
-            <a:avLst/>
-          </a:prstGeom>
-          <a:noFill/>
-        </p:spPr>
-        <p:style>
-          <a:lnRef idx="2">
-            <a:schemeClr val="accent1">
-              <a:shade val="50000"/>
-            </a:schemeClr>
-          </a:lnRef>
-          <a:fillRef idx="1">
-            <a:schemeClr val="accent1"/>
-          </a:fillRef>
-          <a:effectRef idx="0">
-            <a:schemeClr val="accent1"/>
-          </a:effectRef>
-          <a:fontRef idx="minor">
-            <a:schemeClr val="lt1"/>
-          </a:fontRef>
-        </p:style>
-        <p:txBody>
-          <a:bodyPr rtlCol="0" anchor="ctr"/>
-          <a:lstStyle/>
-          <a:p>
-            <a:pPr algn="ctr"/>
-            <a:r>
-              <a:rPr lang="en-US" dirty="0">
-                <a:solidFill>
-                  <a:schemeClr val="tx1"/>
-                </a:solidFill>
-              </a:rPr>
-              <a:t>I</a:t>
-            </a:r>
-          </a:p>
-        </p:txBody>
-      </p:sp>
-      <p:sp>
-        <p:nvSpPr>
-          <p:cNvPr id="41" name="Rectangle 40">
-            <a:extLst>
-              <a:ext uri="{FF2B5EF4-FFF2-40B4-BE49-F238E27FC236}">
-                <a16:creationId xmlns:a16="http://schemas.microsoft.com/office/drawing/2014/main" id="{F045B1BE-3A24-EC34-9264-F92CA68A7955}"/>
-              </a:ext>
-            </a:extLst>
-          </p:cNvPr>
-          <p:cNvSpPr/>
-          <p:nvPr/>
-        </p:nvSpPr>
-        <p:spPr>
-          <a:xfrm>
-            <a:off x="7396003" y="3663241"/>
-            <a:ext cx="434845" cy="369333"/>
-          </a:xfrm>
-          <a:prstGeom prst="rect">
-            <a:avLst/>
-          </a:prstGeom>
-          <a:noFill/>
-        </p:spPr>
-        <p:style>
-          <a:lnRef idx="2">
-            <a:schemeClr val="accent1">
-              <a:shade val="50000"/>
-            </a:schemeClr>
-          </a:lnRef>
-          <a:fillRef idx="1">
-            <a:schemeClr val="accent1"/>
-          </a:fillRef>
-          <a:effectRef idx="0">
-            <a:schemeClr val="accent1"/>
-          </a:effectRef>
-          <a:fontRef idx="minor">
-            <a:schemeClr val="lt1"/>
-          </a:fontRef>
-        </p:style>
-        <p:txBody>
-          <a:bodyPr rtlCol="0" anchor="ctr"/>
-          <a:lstStyle/>
-          <a:p>
-            <a:pPr algn="ctr"/>
-            <a:r>
-              <a:rPr lang="en-US" dirty="0">
-                <a:solidFill>
-                  <a:schemeClr val="tx1"/>
-                </a:solidFill>
-              </a:rPr>
-              <a:t>N</a:t>
-            </a:r>
-          </a:p>
-        </p:txBody>
-      </p:sp>
-      <p:sp>
-        <p:nvSpPr>
-          <p:cNvPr id="42" name="Rectangle 41">
-            <a:extLst>
-              <a:ext uri="{FF2B5EF4-FFF2-40B4-BE49-F238E27FC236}">
-                <a16:creationId xmlns:a16="http://schemas.microsoft.com/office/drawing/2014/main" id="{4415D64E-C796-3742-49B3-443DC8C1E582}"/>
-              </a:ext>
-            </a:extLst>
-          </p:cNvPr>
-          <p:cNvSpPr/>
-          <p:nvPr/>
-        </p:nvSpPr>
-        <p:spPr>
-          <a:xfrm>
-            <a:off x="7830790" y="3663241"/>
-            <a:ext cx="434845" cy="369333"/>
-          </a:xfrm>
-          <a:prstGeom prst="rect">
-            <a:avLst/>
-          </a:prstGeom>
-          <a:noFill/>
-        </p:spPr>
-        <p:style>
-          <a:lnRef idx="2">
-            <a:schemeClr val="accent1">
-              <a:shade val="50000"/>
-            </a:schemeClr>
-          </a:lnRef>
-          <a:fillRef idx="1">
-            <a:schemeClr val="accent1"/>
-          </a:fillRef>
-          <a:effectRef idx="0">
-            <a:schemeClr val="accent1"/>
-          </a:effectRef>
-          <a:fontRef idx="minor">
-            <a:schemeClr val="lt1"/>
-          </a:fontRef>
-        </p:style>
-        <p:txBody>
-          <a:bodyPr rtlCol="0" anchor="ctr"/>
-          <a:lstStyle/>
-          <a:p>
-            <a:pPr algn="ctr"/>
-            <a:r>
-              <a:rPr lang="en-US" dirty="0">
-                <a:solidFill>
-                  <a:schemeClr val="tx1"/>
-                </a:solidFill>
-              </a:rPr>
-              <a:t>U</a:t>
-            </a:r>
-          </a:p>
-        </p:txBody>
-      </p:sp>
-      <p:cxnSp>
-        <p:nvCxnSpPr>
-          <p:cNvPr id="45" name="Elbow Connector 44">
-            <a:extLst>
-              <a:ext uri="{FF2B5EF4-FFF2-40B4-BE49-F238E27FC236}">
-                <a16:creationId xmlns:a16="http://schemas.microsoft.com/office/drawing/2014/main" id="{E4A6C08B-B139-1345-49B7-EA8EDA5CB4FF}"/>
-              </a:ext>
-            </a:extLst>
-          </p:cNvPr>
-          <p:cNvCxnSpPr>
-            <a:cxnSpLocks/>
-            <a:stCxn id="16" idx="1"/>
-            <a:endCxn id="5" idx="2"/>
-          </p:cNvCxnSpPr>
-          <p:nvPr/>
-        </p:nvCxnSpPr>
-        <p:spPr>
-          <a:xfrm rot="10800000">
-            <a:off x="1631979" y="2078131"/>
-            <a:ext cx="3182345" cy="615883"/>
-          </a:xfrm>
-          <a:prstGeom prst="bentConnector2">
-            <a:avLst/>
-          </a:prstGeom>
-          <a:ln w="38100">
-            <a:tailEnd type="triangle"/>
-          </a:ln>
-        </p:spPr>
-        <p:style>
-          <a:lnRef idx="1">
-            <a:schemeClr val="accent1"/>
-          </a:lnRef>
-          <a:fillRef idx="0">
-            <a:schemeClr val="accent1"/>
-          </a:fillRef>
-          <a:effectRef idx="0">
-            <a:schemeClr val="accent1"/>
-          </a:effectRef>
-          <a:fontRef idx="minor">
-            <a:schemeClr val="tx1"/>
-          </a:fontRef>
-        </p:style>
-      </p:cxnSp>
-      <p:cxnSp>
-        <p:nvCxnSpPr>
-          <p:cNvPr id="47" name="Elbow Connector 46">
-            <a:extLst>
-              <a:ext uri="{FF2B5EF4-FFF2-40B4-BE49-F238E27FC236}">
-                <a16:creationId xmlns:a16="http://schemas.microsoft.com/office/drawing/2014/main" id="{A4432F23-5370-3D0F-2DB1-DDF1BA87D7DF}"/>
-              </a:ext>
-            </a:extLst>
-          </p:cNvPr>
-          <p:cNvCxnSpPr>
-            <a:cxnSpLocks/>
-            <a:stCxn id="16" idx="1"/>
-            <a:endCxn id="24" idx="0"/>
-          </p:cNvCxnSpPr>
-          <p:nvPr/>
-        </p:nvCxnSpPr>
-        <p:spPr>
-          <a:xfrm rot="10800000" flipV="1">
-            <a:off x="1145647" y="2694013"/>
-            <a:ext cx="3668676" cy="840152"/>
-          </a:xfrm>
-          <a:prstGeom prst="bentConnector2">
-            <a:avLst/>
-          </a:prstGeom>
-          <a:ln w="38100">
-            <a:tailEnd type="triangle"/>
-          </a:ln>
-        </p:spPr>
-        <p:style>
-          <a:lnRef idx="1">
-            <a:schemeClr val="accent1"/>
-          </a:lnRef>
-          <a:fillRef idx="0">
-            <a:schemeClr val="accent1"/>
-          </a:fillRef>
-          <a:effectRef idx="0">
-            <a:schemeClr val="accent1"/>
-          </a:effectRef>
-          <a:fontRef idx="minor">
-            <a:schemeClr val="tx1"/>
-          </a:fontRef>
-        </p:style>
-      </p:cxnSp>
-      <p:cxnSp>
-        <p:nvCxnSpPr>
-          <p:cNvPr id="50" name="Elbow Connector 49">
-            <a:extLst>
-              <a:ext uri="{FF2B5EF4-FFF2-40B4-BE49-F238E27FC236}">
-                <a16:creationId xmlns:a16="http://schemas.microsoft.com/office/drawing/2014/main" id="{9C1F4904-DA19-3FE4-0A6B-08DFA658179D}"/>
-              </a:ext>
-            </a:extLst>
-          </p:cNvPr>
-          <p:cNvCxnSpPr>
-            <a:cxnSpLocks/>
-            <a:stCxn id="17" idx="1"/>
-            <a:endCxn id="6" idx="2"/>
-          </p:cNvCxnSpPr>
-          <p:nvPr/>
-        </p:nvCxnSpPr>
-        <p:spPr>
-          <a:xfrm rot="10800000">
-            <a:off x="1979711" y="2078130"/>
-            <a:ext cx="2834613" cy="996888"/>
-          </a:xfrm>
-          <a:prstGeom prst="bentConnector2">
-            <a:avLst/>
-          </a:prstGeom>
-          <a:ln w="38100">
-            <a:solidFill>
-              <a:srgbClr val="FF0000"/>
-            </a:solidFill>
-            <a:tailEnd type="triangle"/>
-          </a:ln>
-        </p:spPr>
-        <p:style>
-          <a:lnRef idx="1">
-            <a:schemeClr val="accent1"/>
-          </a:lnRef>
-          <a:fillRef idx="0">
-            <a:schemeClr val="accent1"/>
-          </a:fillRef>
-          <a:effectRef idx="0">
-            <a:schemeClr val="accent1"/>
-          </a:effectRef>
-          <a:fontRef idx="minor">
-            <a:schemeClr val="tx1"/>
-          </a:fontRef>
-        </p:style>
-      </p:cxnSp>
-      <p:cxnSp>
-        <p:nvCxnSpPr>
-          <p:cNvPr id="53" name="Elbow Connector 52">
-            <a:extLst>
-              <a:ext uri="{FF2B5EF4-FFF2-40B4-BE49-F238E27FC236}">
-                <a16:creationId xmlns:a16="http://schemas.microsoft.com/office/drawing/2014/main" id="{9648B0D0-AC05-8A86-EB78-A1C2CAE5C686}"/>
-              </a:ext>
-            </a:extLst>
-          </p:cNvPr>
-          <p:cNvCxnSpPr>
-            <a:cxnSpLocks/>
-            <a:stCxn id="17" idx="1"/>
-            <a:endCxn id="25" idx="0"/>
-          </p:cNvCxnSpPr>
-          <p:nvPr/>
-        </p:nvCxnSpPr>
-        <p:spPr>
-          <a:xfrm rot="10800000" flipV="1">
-            <a:off x="1580435" y="3075017"/>
-            <a:ext cx="3233889" cy="459147"/>
-          </a:xfrm>
-          <a:prstGeom prst="bentConnector2">
-            <a:avLst/>
-          </a:prstGeom>
-          <a:ln w="38100">
-            <a:solidFill>
-              <a:srgbClr val="FF0000"/>
-            </a:solidFill>
-            <a:tailEnd type="triangle"/>
-          </a:ln>
-        </p:spPr>
-        <p:style>
-          <a:lnRef idx="1">
-            <a:schemeClr val="accent1"/>
-          </a:lnRef>
-          <a:fillRef idx="0">
-            <a:schemeClr val="accent1"/>
-          </a:fillRef>
-          <a:effectRef idx="0">
-            <a:schemeClr val="accent1"/>
-          </a:effectRef>
-          <a:fontRef idx="minor">
-            <a:schemeClr val="tx1"/>
-          </a:fontRef>
-        </p:style>
-      </p:cxnSp>
-      <p:cxnSp>
-        <p:nvCxnSpPr>
-          <p:cNvPr id="56" name="Elbow Connector 55">
-            <a:extLst>
-              <a:ext uri="{FF2B5EF4-FFF2-40B4-BE49-F238E27FC236}">
-                <a16:creationId xmlns:a16="http://schemas.microsoft.com/office/drawing/2014/main" id="{9712756E-6389-A95D-639D-DD90B31102FF}"/>
-              </a:ext>
-            </a:extLst>
-          </p:cNvPr>
-          <p:cNvCxnSpPr>
-            <a:cxnSpLocks/>
-            <a:stCxn id="16" idx="3"/>
-            <a:endCxn id="42" idx="0"/>
-          </p:cNvCxnSpPr>
-          <p:nvPr/>
-        </p:nvCxnSpPr>
-        <p:spPr>
-          <a:xfrm>
-            <a:off x="5249168" y="2694013"/>
-            <a:ext cx="2799045" cy="969228"/>
-          </a:xfrm>
-          <a:prstGeom prst="bentConnector2">
-            <a:avLst/>
-          </a:prstGeom>
-          <a:ln w="38100">
-            <a:tailEnd type="triangle"/>
-          </a:ln>
-        </p:spPr>
-        <p:style>
-          <a:lnRef idx="1">
-            <a:schemeClr val="accent1"/>
-          </a:lnRef>
-          <a:fillRef idx="0">
-            <a:schemeClr val="accent1"/>
-          </a:fillRef>
-          <a:effectRef idx="0">
-            <a:schemeClr val="accent1"/>
-          </a:effectRef>
-          <a:fontRef idx="minor">
-            <a:schemeClr val="tx1"/>
-          </a:fontRef>
-        </p:style>
-      </p:cxnSp>
-      <p:cxnSp>
-        <p:nvCxnSpPr>
-          <p:cNvPr id="59" name="Elbow Connector 58">
-            <a:extLst>
-              <a:ext uri="{FF2B5EF4-FFF2-40B4-BE49-F238E27FC236}">
-                <a16:creationId xmlns:a16="http://schemas.microsoft.com/office/drawing/2014/main" id="{EC364408-68A4-DDD9-939F-E9ADCA169ED7}"/>
-              </a:ext>
-            </a:extLst>
-          </p:cNvPr>
-          <p:cNvCxnSpPr>
-            <a:cxnSpLocks/>
-            <a:stCxn id="17" idx="3"/>
-            <a:endCxn id="41" idx="0"/>
-          </p:cNvCxnSpPr>
-          <p:nvPr/>
-        </p:nvCxnSpPr>
-        <p:spPr>
-          <a:xfrm>
-            <a:off x="5249168" y="3075018"/>
-            <a:ext cx="2364258" cy="588223"/>
-          </a:xfrm>
-          <a:prstGeom prst="bentConnector2">
-            <a:avLst/>
-          </a:prstGeom>
-          <a:ln w="38100">
-            <a:solidFill>
-              <a:srgbClr val="FF0000"/>
-            </a:solidFill>
-            <a:tailEnd type="triangle"/>
-          </a:ln>
-        </p:spPr>
-        <p:style>
-          <a:lnRef idx="1">
-            <a:schemeClr val="accent1"/>
-          </a:lnRef>
-          <a:fillRef idx="0">
-            <a:schemeClr val="accent1"/>
-          </a:fillRef>
-          <a:effectRef idx="0">
-            <a:schemeClr val="accent1"/>
-          </a:effectRef>
-          <a:fontRef idx="minor">
-            <a:schemeClr val="tx1"/>
-          </a:fontRef>
-        </p:style>
-      </p:cxnSp>
-      <p:sp>
-        <p:nvSpPr>
-          <p:cNvPr id="92" name="TextBox 91">
-            <a:extLst>
-              <a:ext uri="{FF2B5EF4-FFF2-40B4-BE49-F238E27FC236}">
-                <a16:creationId xmlns:a16="http://schemas.microsoft.com/office/drawing/2014/main" id="{581444DD-A257-DA85-391B-2FE2F6853528}"/>
-              </a:ext>
-            </a:extLst>
-          </p:cNvPr>
-          <p:cNvSpPr txBox="1"/>
-          <p:nvPr/>
-        </p:nvSpPr>
-        <p:spPr>
-          <a:xfrm>
-            <a:off x="5401537" y="2078130"/>
-            <a:ext cx="988925" cy="369332"/>
-          </a:xfrm>
-          <a:prstGeom prst="rect">
-            <a:avLst/>
-          </a:prstGeom>
-          <a:noFill/>
-        </p:spPr>
-        <p:txBody>
-          <a:bodyPr wrap="none" rtlCol="0">
-            <a:spAutoFit/>
-          </a:bodyPr>
-          <a:lstStyle/>
-          <a:p>
-            <a:r>
-              <a:rPr lang="en-US" dirty="0"/>
-              <a:t>Memory</a:t>
-            </a:r>
-          </a:p>
-        </p:txBody>
-      </p:sp>
-      <p:sp>
-        <p:nvSpPr>
-          <p:cNvPr id="93" name="TextBox 92">
-            <a:extLst>
-              <a:ext uri="{FF2B5EF4-FFF2-40B4-BE49-F238E27FC236}">
-                <a16:creationId xmlns:a16="http://schemas.microsoft.com/office/drawing/2014/main" id="{3F2DCF76-66E0-4979-59B9-AE2C880CFD02}"/>
-              </a:ext>
-            </a:extLst>
-          </p:cNvPr>
-          <p:cNvSpPr txBox="1"/>
-          <p:nvPr/>
-        </p:nvSpPr>
-        <p:spPr>
-          <a:xfrm>
-            <a:off x="1348630" y="750664"/>
-            <a:ext cx="3066417" cy="646331"/>
-          </a:xfrm>
-          <a:prstGeom prst="rect">
-            <a:avLst/>
-          </a:prstGeom>
-          <a:noFill/>
-        </p:spPr>
-        <p:txBody>
-          <a:bodyPr wrap="none" rtlCol="0">
-            <a:spAutoFit/>
-          </a:bodyPr>
-          <a:lstStyle/>
-          <a:p>
-            <a:r>
-              <a:rPr lang="en-US" dirty="0"/>
-              <a:t>CDC 6500 – 60 bit words, 6 bit </a:t>
-            </a:r>
-          </a:p>
-          <a:p>
-            <a:r>
-              <a:rPr lang="en-US" dirty="0"/>
-              <a:t>characters, big-endian</a:t>
-            </a:r>
-          </a:p>
-        </p:txBody>
-      </p:sp>
-      <p:sp>
-        <p:nvSpPr>
-          <p:cNvPr id="94" name="TextBox 93">
-            <a:extLst>
-              <a:ext uri="{FF2B5EF4-FFF2-40B4-BE49-F238E27FC236}">
-                <a16:creationId xmlns:a16="http://schemas.microsoft.com/office/drawing/2014/main" id="{D0B8DE13-F248-2247-1B67-C19E25198693}"/>
-              </a:ext>
-            </a:extLst>
-          </p:cNvPr>
-          <p:cNvSpPr txBox="1"/>
-          <p:nvPr/>
-        </p:nvSpPr>
-        <p:spPr>
-          <a:xfrm>
-            <a:off x="957768" y="4250105"/>
-            <a:ext cx="3631122" cy="646331"/>
-          </a:xfrm>
-          <a:prstGeom prst="rect">
-            <a:avLst/>
-          </a:prstGeom>
-          <a:noFill/>
-        </p:spPr>
-        <p:txBody>
-          <a:bodyPr wrap="none" rtlCol="0">
-            <a:spAutoFit/>
-          </a:bodyPr>
-          <a:lstStyle/>
-          <a:p>
-            <a:r>
-              <a:rPr lang="en-US" dirty="0"/>
-              <a:t>Motorola 68000 – 32 bit words 8-bit </a:t>
-            </a:r>
-          </a:p>
-          <a:p>
-            <a:r>
-              <a:rPr lang="en-US" dirty="0"/>
-              <a:t>characters big-endian</a:t>
-            </a:r>
-          </a:p>
-        </p:txBody>
-      </p:sp>
-      <p:sp>
-        <p:nvSpPr>
-          <p:cNvPr id="95" name="TextBox 94">
-            <a:extLst>
-              <a:ext uri="{FF2B5EF4-FFF2-40B4-BE49-F238E27FC236}">
-                <a16:creationId xmlns:a16="http://schemas.microsoft.com/office/drawing/2014/main" id="{D7819716-6B57-20EF-2A39-4E330CD51AA9}"/>
-              </a:ext>
-            </a:extLst>
-          </p:cNvPr>
-          <p:cNvSpPr txBox="1"/>
-          <p:nvPr/>
-        </p:nvSpPr>
-        <p:spPr>
-          <a:xfrm>
-            <a:off x="5814148" y="4434771"/>
-            <a:ext cx="4033284" cy="923330"/>
-          </a:xfrm>
-          <a:prstGeom prst="rect">
-            <a:avLst/>
-          </a:prstGeom>
-          <a:noFill/>
-        </p:spPr>
-        <p:txBody>
-          <a:bodyPr wrap="none" rtlCol="0">
-            <a:spAutoFit/>
-          </a:bodyPr>
-          <a:lstStyle/>
-          <a:p>
-            <a:r>
-              <a:rPr lang="en-US" dirty="0"/>
-              <a:t>Intel x86 – 32 bit words, 8 bit</a:t>
-            </a:r>
-          </a:p>
-          <a:p>
-            <a:r>
-              <a:rPr lang="en-US" dirty="0"/>
-              <a:t>characters, little-endian, ARM processors</a:t>
-            </a:r>
-          </a:p>
-          <a:p>
-            <a:r>
-              <a:rPr lang="en-US" dirty="0"/>
-              <a:t>like the Apple M1 are often little endian.</a:t>
-            </a:r>
-          </a:p>
-        </p:txBody>
-      </p:sp>
-      <p:sp>
-        <p:nvSpPr>
-          <p:cNvPr id="98" name="Title 97">
-            <a:extLst>
-              <a:ext uri="{FF2B5EF4-FFF2-40B4-BE49-F238E27FC236}">
-                <a16:creationId xmlns:a16="http://schemas.microsoft.com/office/drawing/2014/main" id="{F345DC55-C888-CD3E-A9C6-DA7ADF9C1F75}"/>
-              </a:ext>
-            </a:extLst>
-          </p:cNvPr>
-          <p:cNvSpPr>
-            <a:spLocks noGrp="1"/>
-          </p:cNvSpPr>
-          <p:nvPr>
-            <p:ph type="title"/>
-          </p:nvPr>
-        </p:nvSpPr>
-        <p:spPr>
-          <a:xfrm>
-            <a:off x="7320516" y="365125"/>
-            <a:ext cx="4033284" cy="2030885"/>
-          </a:xfrm>
-        </p:spPr>
-        <p:txBody>
-          <a:bodyPr>
-            <a:normAutofit/>
-          </a:bodyPr>
-          <a:lstStyle/>
-          <a:p>
-            <a:r>
-              <a:rPr lang="en-US" dirty="0"/>
-              <a:t>Moving data from memory to registers(*)</a:t>
-            </a:r>
-          </a:p>
-        </p:txBody>
-      </p:sp>
-      <p:sp>
-        <p:nvSpPr>
-          <p:cNvPr id="99" name="TextBox 98">
-            <a:extLst>
-              <a:ext uri="{FF2B5EF4-FFF2-40B4-BE49-F238E27FC236}">
-                <a16:creationId xmlns:a16="http://schemas.microsoft.com/office/drawing/2014/main" id="{D2CE1967-01FE-5739-4CCE-1C884E554160}"/>
-              </a:ext>
-            </a:extLst>
-          </p:cNvPr>
-          <p:cNvSpPr txBox="1"/>
-          <p:nvPr/>
-        </p:nvSpPr>
-        <p:spPr>
-          <a:xfrm>
-            <a:off x="2232736" y="5760298"/>
-            <a:ext cx="7730056" cy="830997"/>
-          </a:xfrm>
-          <a:prstGeom prst="rect">
-            <a:avLst/>
-          </a:prstGeom>
-          <a:noFill/>
-        </p:spPr>
-        <p:txBody>
-          <a:bodyPr wrap="square" rtlCol="0">
-            <a:spAutoFit/>
-          </a:bodyPr>
-          <a:lstStyle/>
-          <a:p>
-            <a:r>
-              <a:rPr lang="en-US" sz="2400" dirty="0"/>
-              <a:t>* Before a CPU can perform a computation on some data, it must copy data from the memory into a register in the CPU.</a:t>
-            </a:r>
-          </a:p>
-        </p:txBody>
-      </p:sp>
-    </p:spTree>
-    <p:extLst>
-      <p:ext uri="{BB962C8B-B14F-4D97-AF65-F5344CB8AC3E}">
-        <p14:creationId xmlns:p14="http://schemas.microsoft.com/office/powerpoint/2010/main" val="647561378"/>
-      </p:ext>
-    </p:extLst>
-  </p:cSld>
-  <p:clrMapOvr>
-    <a:masterClrMapping/>
-  </p:clrMapOvr>
-</p:sld>
-</file>
-
-<file path=ppt/slides/slide13.xml><?xml version="1.0" encoding="utf-8"?>
-<p:sld xmlns:a="http://schemas.openxmlformats.org/drawingml/2006/main" xmlns:r="http://schemas.openxmlformats.org/officeDocument/2006/relationships" xmlns:p="http://schemas.openxmlformats.org/presentationml/2006/main" show="0">
-  <p:cSld>
-    <p:spTree>
-      <p:nvGrpSpPr>
-        <p:cNvPr id="1" name=""/>
-        <p:cNvGrpSpPr/>
-        <p:nvPr/>
-      </p:nvGrpSpPr>
-      <p:grpSpPr>
-        <a:xfrm>
-          <a:off x="0" y="0"/>
-          <a:ext cx="0" cy="0"/>
-          <a:chOff x="0" y="0"/>
-          <a:chExt cx="0" cy="0"/>
-        </a:xfrm>
-      </p:grpSpPr>
-      <p:sp>
-        <p:nvSpPr>
-          <p:cNvPr id="3" name="Title 2">
-            <a:extLst>
-              <a:ext uri="{FF2B5EF4-FFF2-40B4-BE49-F238E27FC236}">
-                <a16:creationId xmlns:a16="http://schemas.microsoft.com/office/drawing/2014/main" id="{42BFDBE0-991B-1889-9517-4AFB07C08492}"/>
-              </a:ext>
-            </a:extLst>
-          </p:cNvPr>
-          <p:cNvSpPr>
-            <a:spLocks noGrp="1"/>
-          </p:cNvSpPr>
-          <p:nvPr>
-            <p:ph type="title"/>
-          </p:nvPr>
-        </p:nvSpPr>
-        <p:spPr/>
-        <p:txBody>
-          <a:bodyPr/>
-          <a:lstStyle/>
-          <a:p>
-            <a:r>
-              <a:rPr lang="en-US" dirty="0"/>
-              <a:t>Thanks Ken, Brian, and Dennis! (again)</a:t>
-            </a:r>
-          </a:p>
-        </p:txBody>
-      </p:sp>
-      <p:sp>
-        <p:nvSpPr>
-          <p:cNvPr id="4" name="Content Placeholder 3">
-            <a:extLst>
-              <a:ext uri="{FF2B5EF4-FFF2-40B4-BE49-F238E27FC236}">
-                <a16:creationId xmlns:a16="http://schemas.microsoft.com/office/drawing/2014/main" id="{2B62B26A-22F6-25FB-B7CF-A77A3F4FBDD3}"/>
-              </a:ext>
-            </a:extLst>
-          </p:cNvPr>
-          <p:cNvSpPr>
-            <a:spLocks noGrp="1"/>
-          </p:cNvSpPr>
-          <p:nvPr>
-            <p:ph idx="1"/>
-          </p:nvPr>
-        </p:nvSpPr>
-        <p:spPr>
-          <a:xfrm>
-            <a:off x="838200" y="1825625"/>
-            <a:ext cx="5257800" cy="4351339"/>
-          </a:xfrm>
-        </p:spPr>
-        <p:txBody>
-          <a:bodyPr/>
-          <a:lstStyle/>
-          <a:p>
-            <a:r>
-              <a:rPr lang="en-US" dirty="0"/>
-              <a:t>Endianness was just beginning as a problem in the 1970’s – but Intel and other small microprocessors were little-endian and the rest is history </a:t>
-            </a:r>
-            <a:r>
-              <a:rPr lang="en-US" dirty="0">
-                <a:sym typeface="Wingdings" pitchFamily="2" charset="2"/>
-              </a:rPr>
-              <a:t></a:t>
-            </a:r>
-            <a:endParaRPr lang="en-US" dirty="0"/>
-          </a:p>
-        </p:txBody>
-      </p:sp>
-      <p:sp>
-        <p:nvSpPr>
-          <p:cNvPr id="5" name="TextBox 4">
-            <a:extLst>
-              <a:ext uri="{FF2B5EF4-FFF2-40B4-BE49-F238E27FC236}">
-                <a16:creationId xmlns:a16="http://schemas.microsoft.com/office/drawing/2014/main" id="{93B35C56-B7E2-9377-2E6D-505569A25566}"/>
-              </a:ext>
-            </a:extLst>
-          </p:cNvPr>
-          <p:cNvSpPr txBox="1"/>
-          <p:nvPr/>
-        </p:nvSpPr>
-        <p:spPr>
-          <a:xfrm>
-            <a:off x="7024717" y="1825626"/>
-            <a:ext cx="4777153" cy="2171107"/>
-          </a:xfrm>
-          <a:prstGeom prst="rect">
-            <a:avLst/>
-          </a:prstGeom>
-          <a:noFill/>
-          <a:ln>
-            <a:solidFill>
-              <a:schemeClr val="accent1"/>
-            </a:solidFill>
-          </a:ln>
-        </p:spPr>
-        <p:txBody>
-          <a:bodyPr wrap="square" rtlCol="0">
-            <a:spAutoFit/>
-          </a:bodyPr>
-          <a:lstStyle/>
-          <a:p>
-            <a:r>
-              <a:rPr lang="en-US" sz="1351" i="1" dirty="0"/>
-              <a:t>Dealing with data of different endianness is sometimes termed the NUXI problem. This terminology alludes to the byte order conflicts encountered while adapting UNIX, which ran on the mixed-endian PDP-11, to a big-endian IBM Series/1 computer. Unix was one of the first systems to allow the same code to be compiled for platforms with different internal representations. One of the first programs converted was supposed to print out Unix, but on the Series/1 it printed </a:t>
-            </a:r>
-            <a:r>
-              <a:rPr lang="en-US" sz="1351" i="1" dirty="0" err="1"/>
-              <a:t>nUxi</a:t>
-            </a:r>
-            <a:r>
-              <a:rPr lang="en-US" sz="1351" i="1" dirty="0"/>
-              <a:t> instead</a:t>
-            </a:r>
-            <a:r>
-              <a:rPr lang="en-US" sz="1351" dirty="0"/>
-              <a:t>.</a:t>
-            </a:r>
-          </a:p>
-          <a:p>
-            <a:endParaRPr lang="en-US" sz="1351" dirty="0"/>
-          </a:p>
-          <a:p>
-            <a:r>
-              <a:rPr lang="en-US" sz="1351" dirty="0"/>
-              <a:t>     -- https://</a:t>
-            </a:r>
-            <a:r>
-              <a:rPr lang="en-US" sz="1351" dirty="0" err="1"/>
-              <a:t>en.wikipedia.org</a:t>
-            </a:r>
-            <a:r>
-              <a:rPr lang="en-US" sz="1351" dirty="0"/>
-              <a:t>/wiki/Endianness</a:t>
-            </a:r>
-          </a:p>
-        </p:txBody>
-      </p:sp>
-    </p:spTree>
-    <p:extLst>
-      <p:ext uri="{BB962C8B-B14F-4D97-AF65-F5344CB8AC3E}">
-        <p14:creationId xmlns:p14="http://schemas.microsoft.com/office/powerpoint/2010/main" val="2049614484"/>
-      </p:ext>
-    </p:extLst>
-  </p:cSld>
-  <p:clrMapOvr>
-    <a:masterClrMapping/>
-  </p:clrMapOvr>
-</p:sld>
-</file>
-
-<file path=ppt/slides/slide14.xml><?xml version="1.0" encoding="utf-8"?>
 <p:sld xmlns:a="http://schemas.openxmlformats.org/drawingml/2006/main" xmlns:r="http://schemas.openxmlformats.org/officeDocument/2006/relationships" xmlns:p="http://schemas.openxmlformats.org/presentationml/2006/main">
   <p:cSld>
     <p:spTree>
@@ -5733,872 +4102,6 @@
       </p:grpSpPr>
       <p:sp>
         <p:nvSpPr>
-          <p:cNvPr id="2" name="Title 1">
-            <a:extLst>
-              <a:ext uri="{FF2B5EF4-FFF2-40B4-BE49-F238E27FC236}">
-                <a16:creationId xmlns:a16="http://schemas.microsoft.com/office/drawing/2014/main" id="{54AD1DB4-AD68-B4B3-D868-A34CA79FFDF9}"/>
-              </a:ext>
-            </a:extLst>
-          </p:cNvPr>
-          <p:cNvSpPr>
-            <a:spLocks noGrp="1"/>
-          </p:cNvSpPr>
-          <p:nvPr>
-            <p:ph type="title"/>
-          </p:nvPr>
-        </p:nvSpPr>
-        <p:spPr/>
-        <p:txBody>
-          <a:bodyPr/>
-          <a:lstStyle/>
-          <a:p>
-            <a:r>
-              <a:rPr lang="en-US"/>
-              <a:t>Endianness revisited….</a:t>
-            </a:r>
-            <a:endParaRPr lang="en-US" dirty="0"/>
-          </a:p>
-        </p:txBody>
-      </p:sp>
-      <p:sp>
-        <p:nvSpPr>
-          <p:cNvPr id="4" name="TextBox 3">
-            <a:extLst>
-              <a:ext uri="{FF2B5EF4-FFF2-40B4-BE49-F238E27FC236}">
-                <a16:creationId xmlns:a16="http://schemas.microsoft.com/office/drawing/2014/main" id="{576602AD-D2C1-A962-787A-C8CAAC2A6411}"/>
-              </a:ext>
-            </a:extLst>
-          </p:cNvPr>
-          <p:cNvSpPr txBox="1"/>
-          <p:nvPr/>
-        </p:nvSpPr>
-        <p:spPr>
-          <a:xfrm>
-            <a:off x="838201" y="1551789"/>
-            <a:ext cx="6603090" cy="4524315"/>
-          </a:xfrm>
-          <a:prstGeom prst="rect">
-            <a:avLst/>
-          </a:prstGeom>
-          <a:noFill/>
-        </p:spPr>
-        <p:txBody>
-          <a:bodyPr wrap="none" rtlCol="0">
-            <a:spAutoFit/>
-          </a:bodyPr>
-          <a:lstStyle/>
-          <a:p>
-            <a:r>
-              <a:rPr lang="en-US" sz="1600" dirty="0">
-                <a:latin typeface="Courier New" panose="02070309020205020404" pitchFamily="49" charset="0"/>
-                <a:cs typeface="Courier New" panose="02070309020205020404" pitchFamily="49" charset="0"/>
-              </a:rPr>
-              <a:t>#include &lt;</a:t>
-            </a:r>
-            <a:r>
-              <a:rPr lang="en-US" sz="1600" dirty="0" err="1">
-                <a:latin typeface="Courier New" panose="02070309020205020404" pitchFamily="49" charset="0"/>
-                <a:cs typeface="Courier New" panose="02070309020205020404" pitchFamily="49" charset="0"/>
-              </a:rPr>
-              <a:t>stdio.h</a:t>
-            </a:r>
-            <a:r>
-              <a:rPr lang="en-US" sz="1600" dirty="0">
-                <a:latin typeface="Courier New" panose="02070309020205020404" pitchFamily="49" charset="0"/>
-                <a:cs typeface="Courier New" panose="02070309020205020404" pitchFamily="49" charset="0"/>
-              </a:rPr>
-              <a:t>&gt;</a:t>
-            </a:r>
-          </a:p>
-          <a:p>
-            <a:r>
-              <a:rPr lang="en-US" sz="1600" dirty="0">
-                <a:latin typeface="Courier New" panose="02070309020205020404" pitchFamily="49" charset="0"/>
-                <a:cs typeface="Courier New" panose="02070309020205020404" pitchFamily="49" charset="0"/>
-              </a:rPr>
-              <a:t>#include &lt;</a:t>
-            </a:r>
-            <a:r>
-              <a:rPr lang="en-US" sz="1600" dirty="0" err="1">
-                <a:latin typeface="Courier New" panose="02070309020205020404" pitchFamily="49" charset="0"/>
-                <a:cs typeface="Courier New" panose="02070309020205020404" pitchFamily="49" charset="0"/>
-              </a:rPr>
-              <a:t>string.h</a:t>
-            </a:r>
-            <a:r>
-              <a:rPr lang="en-US" sz="1600" dirty="0">
-                <a:latin typeface="Courier New" panose="02070309020205020404" pitchFamily="49" charset="0"/>
-                <a:cs typeface="Courier New" panose="02070309020205020404" pitchFamily="49" charset="0"/>
-              </a:rPr>
-              <a:t>&gt;</a:t>
-            </a:r>
-          </a:p>
-          <a:p>
-            <a:r>
-              <a:rPr lang="en-US" sz="1600" dirty="0">
-                <a:latin typeface="Courier New" panose="02070309020205020404" pitchFamily="49" charset="0"/>
-                <a:cs typeface="Courier New" panose="02070309020205020404" pitchFamily="49" charset="0"/>
-              </a:rPr>
-              <a:t>int main() {</a:t>
-            </a:r>
-          </a:p>
-          <a:p>
-            <a:r>
-              <a:rPr lang="en-US" sz="1600" dirty="0">
-                <a:latin typeface="Courier New" panose="02070309020205020404" pitchFamily="49" charset="0"/>
-                <a:cs typeface="Courier New" panose="02070309020205020404" pitchFamily="49" charset="0"/>
-              </a:rPr>
-              <a:t>    char s[] = "Hello world";</a:t>
-            </a:r>
-          </a:p>
-          <a:p>
-            <a:r>
-              <a:rPr lang="en-US" sz="1600" dirty="0">
-                <a:solidFill>
-                  <a:srgbClr val="002060"/>
-                </a:solidFill>
-                <a:latin typeface="Courier New" panose="02070309020205020404" pitchFamily="49" charset="0"/>
-                <a:cs typeface="Courier New" panose="02070309020205020404" pitchFamily="49" charset="0"/>
-              </a:rPr>
-              <a:t>    int *</a:t>
-            </a:r>
-            <a:r>
-              <a:rPr lang="en-US" sz="1600" dirty="0" err="1">
-                <a:solidFill>
-                  <a:srgbClr val="002060"/>
-                </a:solidFill>
-                <a:latin typeface="Courier New" panose="02070309020205020404" pitchFamily="49" charset="0"/>
-                <a:cs typeface="Courier New" panose="02070309020205020404" pitchFamily="49" charset="0"/>
-              </a:rPr>
-              <a:t>si</a:t>
-            </a:r>
-            <a:r>
-              <a:rPr lang="en-US" sz="1600" dirty="0">
-                <a:solidFill>
-                  <a:srgbClr val="002060"/>
-                </a:solidFill>
-                <a:latin typeface="Courier New" panose="02070309020205020404" pitchFamily="49" charset="0"/>
-                <a:cs typeface="Courier New" panose="02070309020205020404" pitchFamily="49" charset="0"/>
-              </a:rPr>
-              <a:t> = (int *) &amp;s;</a:t>
-            </a:r>
-          </a:p>
-          <a:p>
-            <a:r>
-              <a:rPr lang="en-US" sz="1600" dirty="0">
-                <a:latin typeface="Courier New" panose="02070309020205020404" pitchFamily="49" charset="0"/>
-                <a:cs typeface="Courier New" panose="02070309020205020404" pitchFamily="49" charset="0"/>
-              </a:rPr>
-              <a:t>    int mask, masked, </a:t>
-            </a:r>
-            <a:r>
-              <a:rPr lang="en-US" sz="1600" dirty="0" err="1">
-                <a:latin typeface="Courier New" panose="02070309020205020404" pitchFamily="49" charset="0"/>
-                <a:cs typeface="Courier New" panose="02070309020205020404" pitchFamily="49" charset="0"/>
-              </a:rPr>
-              <a:t>ch</a:t>
-            </a:r>
-            <a:r>
-              <a:rPr lang="en-US" sz="1600" dirty="0">
-                <a:latin typeface="Courier New" panose="02070309020205020404" pitchFamily="49" charset="0"/>
-                <a:cs typeface="Courier New" panose="02070309020205020404" pitchFamily="49" charset="0"/>
-              </a:rPr>
-              <a:t>;</a:t>
-            </a:r>
-          </a:p>
-          <a:p>
-            <a:endParaRPr lang="en-US" sz="1600" dirty="0">
-              <a:latin typeface="Courier New" panose="02070309020205020404" pitchFamily="49" charset="0"/>
-              <a:cs typeface="Courier New" panose="02070309020205020404" pitchFamily="49" charset="0"/>
-            </a:endParaRPr>
-          </a:p>
-          <a:p>
-            <a:r>
-              <a:rPr lang="en-US" sz="1600" dirty="0">
-                <a:latin typeface="Courier New" panose="02070309020205020404" pitchFamily="49" charset="0"/>
-                <a:cs typeface="Courier New" panose="02070309020205020404" pitchFamily="49" charset="0"/>
-              </a:rPr>
-              <a:t>    </a:t>
-            </a:r>
-            <a:r>
-              <a:rPr lang="en-US" sz="1600" dirty="0" err="1">
-                <a:latin typeface="Courier New" panose="02070309020205020404" pitchFamily="49" charset="0"/>
-                <a:cs typeface="Courier New" panose="02070309020205020404" pitchFamily="49" charset="0"/>
-              </a:rPr>
-              <a:t>printf</a:t>
-            </a:r>
-            <a:r>
-              <a:rPr lang="en-US" sz="1600" dirty="0">
-                <a:latin typeface="Courier New" panose="02070309020205020404" pitchFamily="49" charset="0"/>
-                <a:cs typeface="Courier New" panose="02070309020205020404" pitchFamily="49" charset="0"/>
-              </a:rPr>
-              <a:t>(" l l e H  o W - o 00 d l r\n");</a:t>
-            </a:r>
-          </a:p>
-          <a:p>
-            <a:r>
-              <a:rPr lang="en-US" sz="1600" dirty="0">
-                <a:latin typeface="Courier New" panose="02070309020205020404" pitchFamily="49" charset="0"/>
-                <a:cs typeface="Courier New" panose="02070309020205020404" pitchFamily="49" charset="0"/>
-              </a:rPr>
-              <a:t>    </a:t>
-            </a:r>
-            <a:r>
-              <a:rPr lang="en-US" sz="1600" dirty="0" err="1">
-                <a:latin typeface="Courier New" panose="02070309020205020404" pitchFamily="49" charset="0"/>
-                <a:cs typeface="Courier New" panose="02070309020205020404" pitchFamily="49" charset="0"/>
-              </a:rPr>
-              <a:t>printf</a:t>
-            </a:r>
-            <a:r>
-              <a:rPr lang="en-US" sz="1600" dirty="0">
-                <a:latin typeface="Courier New" panose="02070309020205020404" pitchFamily="49" charset="0"/>
-                <a:cs typeface="Courier New" panose="02070309020205020404" pitchFamily="49" charset="0"/>
-              </a:rPr>
-              <a:t>("%08x %08x %08x\n", </a:t>
-            </a:r>
-            <a:r>
-              <a:rPr lang="en-US" sz="1600" dirty="0" err="1">
-                <a:latin typeface="Courier New" panose="02070309020205020404" pitchFamily="49" charset="0"/>
-                <a:cs typeface="Courier New" panose="02070309020205020404" pitchFamily="49" charset="0"/>
-              </a:rPr>
-              <a:t>si</a:t>
-            </a:r>
-            <a:r>
-              <a:rPr lang="en-US" sz="1600" dirty="0">
-                <a:latin typeface="Courier New" panose="02070309020205020404" pitchFamily="49" charset="0"/>
-                <a:cs typeface="Courier New" panose="02070309020205020404" pitchFamily="49" charset="0"/>
-              </a:rPr>
-              <a:t>[0], </a:t>
-            </a:r>
-            <a:r>
-              <a:rPr lang="en-US" sz="1600" dirty="0" err="1">
-                <a:latin typeface="Courier New" panose="02070309020205020404" pitchFamily="49" charset="0"/>
-                <a:cs typeface="Courier New" panose="02070309020205020404" pitchFamily="49" charset="0"/>
-              </a:rPr>
-              <a:t>si</a:t>
-            </a:r>
-            <a:r>
-              <a:rPr lang="en-US" sz="1600" dirty="0">
-                <a:latin typeface="Courier New" panose="02070309020205020404" pitchFamily="49" charset="0"/>
-                <a:cs typeface="Courier New" panose="02070309020205020404" pitchFamily="49" charset="0"/>
-              </a:rPr>
-              <a:t>[1], </a:t>
-            </a:r>
-            <a:r>
-              <a:rPr lang="en-US" sz="1600" dirty="0" err="1">
-                <a:latin typeface="Courier New" panose="02070309020205020404" pitchFamily="49" charset="0"/>
-                <a:cs typeface="Courier New" panose="02070309020205020404" pitchFamily="49" charset="0"/>
-              </a:rPr>
-              <a:t>si</a:t>
-            </a:r>
-            <a:r>
-              <a:rPr lang="en-US" sz="1600" dirty="0">
-                <a:latin typeface="Courier New" panose="02070309020205020404" pitchFamily="49" charset="0"/>
-                <a:cs typeface="Courier New" panose="02070309020205020404" pitchFamily="49" charset="0"/>
-              </a:rPr>
-              <a:t>[2]);</a:t>
-            </a:r>
-          </a:p>
-          <a:p>
-            <a:endParaRPr lang="en-US" sz="1600" dirty="0">
-              <a:latin typeface="Courier New" panose="02070309020205020404" pitchFamily="49" charset="0"/>
-              <a:cs typeface="Courier New" panose="02070309020205020404" pitchFamily="49" charset="0"/>
-            </a:endParaRPr>
-          </a:p>
-          <a:p>
-            <a:r>
-              <a:rPr lang="en-US" sz="1600" dirty="0">
-                <a:latin typeface="Courier New" panose="02070309020205020404" pitchFamily="49" charset="0"/>
-                <a:cs typeface="Courier New" panose="02070309020205020404" pitchFamily="49" charset="0"/>
-              </a:rPr>
-              <a:t>    mask = 0xff &lt;&lt; 8;</a:t>
-            </a:r>
-          </a:p>
-          <a:p>
-            <a:r>
-              <a:rPr lang="en-US" sz="1600" dirty="0">
-                <a:latin typeface="Courier New" panose="02070309020205020404" pitchFamily="49" charset="0"/>
-                <a:cs typeface="Courier New" panose="02070309020205020404" pitchFamily="49" charset="0"/>
-              </a:rPr>
-              <a:t>    masked = </a:t>
-            </a:r>
-            <a:r>
-              <a:rPr lang="en-US" sz="1600" dirty="0" err="1">
-                <a:latin typeface="Courier New" panose="02070309020205020404" pitchFamily="49" charset="0"/>
-                <a:cs typeface="Courier New" panose="02070309020205020404" pitchFamily="49" charset="0"/>
-              </a:rPr>
-              <a:t>si</a:t>
-            </a:r>
-            <a:r>
-              <a:rPr lang="en-US" sz="1600" dirty="0">
-                <a:latin typeface="Courier New" panose="02070309020205020404" pitchFamily="49" charset="0"/>
-                <a:cs typeface="Courier New" panose="02070309020205020404" pitchFamily="49" charset="0"/>
-              </a:rPr>
-              <a:t>[0] &amp; mask;</a:t>
-            </a:r>
-          </a:p>
-          <a:p>
-            <a:r>
-              <a:rPr lang="en-US" sz="1600" dirty="0">
-                <a:latin typeface="Courier New" panose="02070309020205020404" pitchFamily="49" charset="0"/>
-                <a:cs typeface="Courier New" panose="02070309020205020404" pitchFamily="49" charset="0"/>
-              </a:rPr>
-              <a:t>    </a:t>
-            </a:r>
-            <a:r>
-              <a:rPr lang="en-US" sz="1600" dirty="0" err="1">
-                <a:latin typeface="Courier New" panose="02070309020205020404" pitchFamily="49" charset="0"/>
-                <a:cs typeface="Courier New" panose="02070309020205020404" pitchFamily="49" charset="0"/>
-              </a:rPr>
-              <a:t>ch</a:t>
-            </a:r>
-            <a:r>
-              <a:rPr lang="en-US" sz="1600" dirty="0">
-                <a:latin typeface="Courier New" panose="02070309020205020404" pitchFamily="49" charset="0"/>
-                <a:cs typeface="Courier New" panose="02070309020205020404" pitchFamily="49" charset="0"/>
-              </a:rPr>
-              <a:t> = masked &gt;&gt; 8;</a:t>
-            </a:r>
-          </a:p>
-          <a:p>
-            <a:endParaRPr lang="en-US" sz="1600" dirty="0">
-              <a:latin typeface="Courier New" panose="02070309020205020404" pitchFamily="49" charset="0"/>
-              <a:cs typeface="Courier New" panose="02070309020205020404" pitchFamily="49" charset="0"/>
-            </a:endParaRPr>
-          </a:p>
-          <a:p>
-            <a:r>
-              <a:rPr lang="en-US" sz="1600" dirty="0">
-                <a:latin typeface="Courier New" panose="02070309020205020404" pitchFamily="49" charset="0"/>
-                <a:cs typeface="Courier New" panose="02070309020205020404" pitchFamily="49" charset="0"/>
-              </a:rPr>
-              <a:t>    </a:t>
-            </a:r>
-            <a:r>
-              <a:rPr lang="en-US" sz="1600" dirty="0" err="1">
-                <a:latin typeface="Courier New" panose="02070309020205020404" pitchFamily="49" charset="0"/>
-                <a:cs typeface="Courier New" panose="02070309020205020404" pitchFamily="49" charset="0"/>
-              </a:rPr>
-              <a:t>printf</a:t>
-            </a:r>
-            <a:r>
-              <a:rPr lang="en-US" sz="1600" dirty="0">
-                <a:latin typeface="Courier New" panose="02070309020205020404" pitchFamily="49" charset="0"/>
-                <a:cs typeface="Courier New" panose="02070309020205020404" pitchFamily="49" charset="0"/>
-              </a:rPr>
-              <a:t>("%08x\n", mask);</a:t>
-            </a:r>
-          </a:p>
-          <a:p>
-            <a:r>
-              <a:rPr lang="en-US" sz="1600" dirty="0">
-                <a:latin typeface="Courier New" panose="02070309020205020404" pitchFamily="49" charset="0"/>
-                <a:cs typeface="Courier New" panose="02070309020205020404" pitchFamily="49" charset="0"/>
-              </a:rPr>
-              <a:t>    </a:t>
-            </a:r>
-            <a:r>
-              <a:rPr lang="en-US" sz="1600" dirty="0" err="1">
-                <a:latin typeface="Courier New" panose="02070309020205020404" pitchFamily="49" charset="0"/>
-                <a:cs typeface="Courier New" panose="02070309020205020404" pitchFamily="49" charset="0"/>
-              </a:rPr>
-              <a:t>printf</a:t>
-            </a:r>
-            <a:r>
-              <a:rPr lang="en-US" sz="1600" dirty="0">
-                <a:latin typeface="Courier New" panose="02070309020205020404" pitchFamily="49" charset="0"/>
-                <a:cs typeface="Courier New" panose="02070309020205020404" pitchFamily="49" charset="0"/>
-              </a:rPr>
-              <a:t>("%08x\n", masked);</a:t>
-            </a:r>
-          </a:p>
-          <a:p>
-            <a:r>
-              <a:rPr lang="en-US" sz="1600" dirty="0">
-                <a:latin typeface="Courier New" panose="02070309020205020404" pitchFamily="49" charset="0"/>
-                <a:cs typeface="Courier New" panose="02070309020205020404" pitchFamily="49" charset="0"/>
-              </a:rPr>
-              <a:t>    </a:t>
-            </a:r>
-            <a:r>
-              <a:rPr lang="en-US" sz="1600" dirty="0" err="1">
-                <a:latin typeface="Courier New" panose="02070309020205020404" pitchFamily="49" charset="0"/>
-                <a:cs typeface="Courier New" panose="02070309020205020404" pitchFamily="49" charset="0"/>
-              </a:rPr>
-              <a:t>printf</a:t>
-            </a:r>
-            <a:r>
-              <a:rPr lang="en-US" sz="1600" dirty="0">
-                <a:latin typeface="Courier New" panose="02070309020205020404" pitchFamily="49" charset="0"/>
-                <a:cs typeface="Courier New" panose="02070309020205020404" pitchFamily="49" charset="0"/>
-              </a:rPr>
-              <a:t>("%08x %c\n", </a:t>
-            </a:r>
-            <a:r>
-              <a:rPr lang="en-US" sz="1600" dirty="0" err="1">
-                <a:latin typeface="Courier New" panose="02070309020205020404" pitchFamily="49" charset="0"/>
-                <a:cs typeface="Courier New" panose="02070309020205020404" pitchFamily="49" charset="0"/>
-              </a:rPr>
-              <a:t>ch</a:t>
-            </a:r>
-            <a:r>
-              <a:rPr lang="en-US" sz="1600" dirty="0">
-                <a:latin typeface="Courier New" panose="02070309020205020404" pitchFamily="49" charset="0"/>
-                <a:cs typeface="Courier New" panose="02070309020205020404" pitchFamily="49" charset="0"/>
-              </a:rPr>
-              <a:t>, </a:t>
-            </a:r>
-            <a:r>
-              <a:rPr lang="en-US" sz="1600" dirty="0" err="1">
-                <a:latin typeface="Courier New" panose="02070309020205020404" pitchFamily="49" charset="0"/>
-                <a:cs typeface="Courier New" panose="02070309020205020404" pitchFamily="49" charset="0"/>
-              </a:rPr>
-              <a:t>ch</a:t>
-            </a:r>
-            <a:r>
-              <a:rPr lang="en-US" sz="1600" dirty="0">
-                <a:latin typeface="Courier New" panose="02070309020205020404" pitchFamily="49" charset="0"/>
-                <a:cs typeface="Courier New" panose="02070309020205020404" pitchFamily="49" charset="0"/>
-              </a:rPr>
-              <a:t>);</a:t>
-            </a:r>
-          </a:p>
-          <a:p>
-            <a:r>
-              <a:rPr lang="en-US" sz="1600" dirty="0">
-                <a:latin typeface="Courier New" panose="02070309020205020404" pitchFamily="49" charset="0"/>
-                <a:cs typeface="Courier New" panose="02070309020205020404" pitchFamily="49" charset="0"/>
-              </a:rPr>
-              <a:t>}</a:t>
-            </a:r>
-            <a:endParaRPr lang="en-US" sz="1600" b="1" dirty="0">
-              <a:latin typeface="Courier New" panose="02070309020205020404" pitchFamily="49" charset="0"/>
-              <a:cs typeface="Courier New" panose="02070309020205020404" pitchFamily="49" charset="0"/>
-            </a:endParaRPr>
-          </a:p>
-        </p:txBody>
-      </p:sp>
-      <p:sp>
-        <p:nvSpPr>
-          <p:cNvPr id="5" name="TextBox 4">
-            <a:extLst>
-              <a:ext uri="{FF2B5EF4-FFF2-40B4-BE49-F238E27FC236}">
-                <a16:creationId xmlns:a16="http://schemas.microsoft.com/office/drawing/2014/main" id="{99C7C180-97B3-82D0-4384-4FC6C6803BF3}"/>
-              </a:ext>
-            </a:extLst>
-          </p:cNvPr>
-          <p:cNvSpPr txBox="1"/>
-          <p:nvPr/>
-        </p:nvSpPr>
-        <p:spPr>
-          <a:xfrm>
-            <a:off x="7959921" y="2767280"/>
-            <a:ext cx="3393878" cy="1569660"/>
-          </a:xfrm>
-          <a:prstGeom prst="rect">
-            <a:avLst/>
-          </a:prstGeom>
-          <a:noFill/>
-        </p:spPr>
-        <p:txBody>
-          <a:bodyPr wrap="none" rtlCol="0">
-            <a:spAutoFit/>
-          </a:bodyPr>
-          <a:lstStyle/>
-          <a:p>
-            <a:r>
-              <a:rPr lang="en-US" sz="1600" dirty="0">
-                <a:latin typeface="Courier New" panose="02070309020205020404" pitchFamily="49" charset="0"/>
-                <a:cs typeface="Courier New" panose="02070309020205020404" pitchFamily="49" charset="0"/>
-              </a:rPr>
-              <a:t>$ </a:t>
-            </a:r>
-            <a:r>
-              <a:rPr lang="en-US" sz="1600" dirty="0" err="1">
-                <a:latin typeface="Courier New" panose="02070309020205020404" pitchFamily="49" charset="0"/>
-                <a:cs typeface="Courier New" panose="02070309020205020404" pitchFamily="49" charset="0"/>
-              </a:rPr>
-              <a:t>a.out</a:t>
-            </a:r>
-            <a:endParaRPr lang="en-US" sz="1600" dirty="0">
-              <a:latin typeface="Courier New" panose="02070309020205020404" pitchFamily="49" charset="0"/>
-              <a:cs typeface="Courier New" panose="02070309020205020404" pitchFamily="49" charset="0"/>
-            </a:endParaRPr>
-          </a:p>
-          <a:p>
-            <a:r>
-              <a:rPr lang="en-US" sz="1600" dirty="0">
-                <a:latin typeface="Courier New" panose="02070309020205020404" pitchFamily="49" charset="0"/>
-                <a:cs typeface="Courier New" panose="02070309020205020404" pitchFamily="49" charset="0"/>
-              </a:rPr>
-              <a:t> l </a:t>
-            </a:r>
-            <a:r>
-              <a:rPr lang="en-US" sz="1600" b="1" dirty="0">
-                <a:latin typeface="Courier New" panose="02070309020205020404" pitchFamily="49" charset="0"/>
-                <a:cs typeface="Courier New" panose="02070309020205020404" pitchFamily="49" charset="0"/>
-              </a:rPr>
-              <a:t>l</a:t>
-            </a:r>
-            <a:r>
-              <a:rPr lang="en-US" sz="1600" dirty="0">
-                <a:latin typeface="Courier New" panose="02070309020205020404" pitchFamily="49" charset="0"/>
-                <a:cs typeface="Courier New" panose="02070309020205020404" pitchFamily="49" charset="0"/>
-              </a:rPr>
-              <a:t> e </a:t>
-            </a:r>
-            <a:r>
-              <a:rPr lang="en-US" sz="1600" b="1" dirty="0">
-                <a:latin typeface="Courier New" panose="02070309020205020404" pitchFamily="49" charset="0"/>
-                <a:cs typeface="Courier New" panose="02070309020205020404" pitchFamily="49" charset="0"/>
-              </a:rPr>
-              <a:t>H</a:t>
-            </a:r>
-            <a:r>
-              <a:rPr lang="en-US" sz="1600" dirty="0">
-                <a:latin typeface="Courier New" panose="02070309020205020404" pitchFamily="49" charset="0"/>
-                <a:cs typeface="Courier New" panose="02070309020205020404" pitchFamily="49" charset="0"/>
-              </a:rPr>
-              <a:t>  o </a:t>
-            </a:r>
-            <a:r>
-              <a:rPr lang="en-US" sz="1600" b="1" dirty="0">
-                <a:latin typeface="Courier New" panose="02070309020205020404" pitchFamily="49" charset="0"/>
-                <a:cs typeface="Courier New" panose="02070309020205020404" pitchFamily="49" charset="0"/>
-              </a:rPr>
-              <a:t>W</a:t>
-            </a:r>
-            <a:r>
-              <a:rPr lang="en-US" sz="1600" dirty="0">
-                <a:latin typeface="Courier New" panose="02070309020205020404" pitchFamily="49" charset="0"/>
-                <a:cs typeface="Courier New" panose="02070309020205020404" pitchFamily="49" charset="0"/>
-              </a:rPr>
-              <a:t> - </a:t>
-            </a:r>
-            <a:r>
-              <a:rPr lang="en-US" sz="1600" b="1" dirty="0">
-                <a:latin typeface="Courier New" panose="02070309020205020404" pitchFamily="49" charset="0"/>
-                <a:cs typeface="Courier New" panose="02070309020205020404" pitchFamily="49" charset="0"/>
-              </a:rPr>
-              <a:t>o</a:t>
-            </a:r>
-            <a:r>
-              <a:rPr lang="en-US" sz="1600" dirty="0">
-                <a:latin typeface="Courier New" panose="02070309020205020404" pitchFamily="49" charset="0"/>
-                <a:cs typeface="Courier New" panose="02070309020205020404" pitchFamily="49" charset="0"/>
-              </a:rPr>
-              <a:t> 00 </a:t>
-            </a:r>
-            <a:r>
-              <a:rPr lang="en-US" sz="1600" b="1" dirty="0">
-                <a:latin typeface="Courier New" panose="02070309020205020404" pitchFamily="49" charset="0"/>
-                <a:cs typeface="Courier New" panose="02070309020205020404" pitchFamily="49" charset="0"/>
-              </a:rPr>
-              <a:t>d</a:t>
-            </a:r>
-            <a:r>
-              <a:rPr lang="en-US" sz="1600" dirty="0">
-                <a:latin typeface="Courier New" panose="02070309020205020404" pitchFamily="49" charset="0"/>
-                <a:cs typeface="Courier New" panose="02070309020205020404" pitchFamily="49" charset="0"/>
-              </a:rPr>
-              <a:t> l </a:t>
-            </a:r>
-            <a:r>
-              <a:rPr lang="en-US" sz="1600" b="1" dirty="0">
-                <a:latin typeface="Courier New" panose="02070309020205020404" pitchFamily="49" charset="0"/>
-                <a:cs typeface="Courier New" panose="02070309020205020404" pitchFamily="49" charset="0"/>
-              </a:rPr>
-              <a:t>r</a:t>
-            </a:r>
-          </a:p>
-          <a:p>
-            <a:r>
-              <a:rPr lang="en-US" sz="1600" dirty="0">
-                <a:latin typeface="Courier New" panose="02070309020205020404" pitchFamily="49" charset="0"/>
-                <a:cs typeface="Courier New" panose="02070309020205020404" pitchFamily="49" charset="0"/>
-              </a:rPr>
-              <a:t>6c</a:t>
-            </a:r>
-            <a:r>
-              <a:rPr lang="en-US" sz="1600" b="1" dirty="0">
-                <a:latin typeface="Courier New" panose="02070309020205020404" pitchFamily="49" charset="0"/>
-                <a:cs typeface="Courier New" panose="02070309020205020404" pitchFamily="49" charset="0"/>
-              </a:rPr>
-              <a:t>6c</a:t>
-            </a:r>
-            <a:r>
-              <a:rPr lang="en-US" sz="1600" dirty="0">
-                <a:latin typeface="Courier New" panose="02070309020205020404" pitchFamily="49" charset="0"/>
-                <a:cs typeface="Courier New" panose="02070309020205020404" pitchFamily="49" charset="0"/>
-              </a:rPr>
-              <a:t>65</a:t>
-            </a:r>
-            <a:r>
-              <a:rPr lang="en-US" sz="1600" b="1" dirty="0">
-                <a:latin typeface="Courier New" panose="02070309020205020404" pitchFamily="49" charset="0"/>
-                <a:cs typeface="Courier New" panose="02070309020205020404" pitchFamily="49" charset="0"/>
-              </a:rPr>
-              <a:t>48</a:t>
-            </a:r>
-            <a:r>
-              <a:rPr lang="en-US" sz="1600" dirty="0">
-                <a:latin typeface="Courier New" panose="02070309020205020404" pitchFamily="49" charset="0"/>
-                <a:cs typeface="Courier New" panose="02070309020205020404" pitchFamily="49" charset="0"/>
-              </a:rPr>
-              <a:t> 6f</a:t>
-            </a:r>
-            <a:r>
-              <a:rPr lang="en-US" sz="1600" b="1" dirty="0">
-                <a:latin typeface="Courier New" panose="02070309020205020404" pitchFamily="49" charset="0"/>
-                <a:cs typeface="Courier New" panose="02070309020205020404" pitchFamily="49" charset="0"/>
-              </a:rPr>
-              <a:t>77</a:t>
-            </a:r>
-            <a:r>
-              <a:rPr lang="en-US" sz="1600" dirty="0">
-                <a:latin typeface="Courier New" panose="02070309020205020404" pitchFamily="49" charset="0"/>
-                <a:cs typeface="Courier New" panose="02070309020205020404" pitchFamily="49" charset="0"/>
-              </a:rPr>
-              <a:t>20</a:t>
-            </a:r>
-            <a:r>
-              <a:rPr lang="en-US" sz="1600" b="1" dirty="0">
-                <a:latin typeface="Courier New" panose="02070309020205020404" pitchFamily="49" charset="0"/>
-                <a:cs typeface="Courier New" panose="02070309020205020404" pitchFamily="49" charset="0"/>
-              </a:rPr>
-              <a:t>6f</a:t>
-            </a:r>
-            <a:r>
-              <a:rPr lang="en-US" sz="1600" dirty="0">
-                <a:latin typeface="Courier New" panose="02070309020205020404" pitchFamily="49" charset="0"/>
-                <a:cs typeface="Courier New" panose="02070309020205020404" pitchFamily="49" charset="0"/>
-              </a:rPr>
-              <a:t> 00</a:t>
-            </a:r>
-            <a:r>
-              <a:rPr lang="en-US" sz="1600" b="1" dirty="0">
-                <a:latin typeface="Courier New" panose="02070309020205020404" pitchFamily="49" charset="0"/>
-                <a:cs typeface="Courier New" panose="02070309020205020404" pitchFamily="49" charset="0"/>
-              </a:rPr>
-              <a:t>64</a:t>
-            </a:r>
-            <a:r>
-              <a:rPr lang="en-US" sz="1600" dirty="0">
-                <a:latin typeface="Courier New" panose="02070309020205020404" pitchFamily="49" charset="0"/>
-                <a:cs typeface="Courier New" panose="02070309020205020404" pitchFamily="49" charset="0"/>
-              </a:rPr>
-              <a:t>6c</a:t>
-            </a:r>
-            <a:r>
-              <a:rPr lang="en-US" sz="1600" b="1" dirty="0">
-                <a:latin typeface="Courier New" panose="02070309020205020404" pitchFamily="49" charset="0"/>
-                <a:cs typeface="Courier New" panose="02070309020205020404" pitchFamily="49" charset="0"/>
-              </a:rPr>
-              <a:t>72</a:t>
-            </a:r>
-          </a:p>
-          <a:p>
-            <a:r>
-              <a:rPr lang="en-US" sz="1600" dirty="0">
-                <a:latin typeface="Courier New" panose="02070309020205020404" pitchFamily="49" charset="0"/>
-                <a:cs typeface="Courier New" panose="02070309020205020404" pitchFamily="49" charset="0"/>
-              </a:rPr>
-              <a:t>0000ff00</a:t>
-            </a:r>
-          </a:p>
-          <a:p>
-            <a:r>
-              <a:rPr lang="en-US" sz="1600" dirty="0">
-                <a:latin typeface="Courier New" panose="02070309020205020404" pitchFamily="49" charset="0"/>
-                <a:cs typeface="Courier New" panose="02070309020205020404" pitchFamily="49" charset="0"/>
-              </a:rPr>
-              <a:t>00006500</a:t>
-            </a:r>
-          </a:p>
-          <a:p>
-            <a:r>
-              <a:rPr lang="en-US" sz="1600" dirty="0">
-                <a:latin typeface="Courier New" panose="02070309020205020404" pitchFamily="49" charset="0"/>
-                <a:cs typeface="Courier New" panose="02070309020205020404" pitchFamily="49" charset="0"/>
-              </a:rPr>
-              <a:t>00000065 e</a:t>
-            </a:r>
-            <a:endParaRPr lang="en-US" sz="1600" b="1" dirty="0">
-              <a:latin typeface="Courier New" panose="02070309020205020404" pitchFamily="49" charset="0"/>
-              <a:cs typeface="Courier New" panose="02070309020205020404" pitchFamily="49" charset="0"/>
-            </a:endParaRPr>
-          </a:p>
-        </p:txBody>
-      </p:sp>
-      <p:sp>
-        <p:nvSpPr>
-          <p:cNvPr id="6" name="TextBox 5">
-            <a:extLst>
-              <a:ext uri="{FF2B5EF4-FFF2-40B4-BE49-F238E27FC236}">
-                <a16:creationId xmlns:a16="http://schemas.microsoft.com/office/drawing/2014/main" id="{DEE1A160-FA5F-05BB-8C27-57A986C8E306}"/>
-              </a:ext>
-            </a:extLst>
-          </p:cNvPr>
-          <p:cNvSpPr txBox="1"/>
-          <p:nvPr/>
-        </p:nvSpPr>
-        <p:spPr>
-          <a:xfrm>
-            <a:off x="7279159" y="5110432"/>
-            <a:ext cx="3106556" cy="508088"/>
-          </a:xfrm>
-          <a:prstGeom prst="rect">
-            <a:avLst/>
-          </a:prstGeom>
-          <a:noFill/>
-        </p:spPr>
-        <p:txBody>
-          <a:bodyPr wrap="none" rtlCol="0">
-            <a:spAutoFit/>
-          </a:bodyPr>
-          <a:lstStyle/>
-          <a:p>
-            <a:r>
-              <a:rPr lang="en-US" sz="1351" dirty="0"/>
-              <a:t>Please don’t try this at home </a:t>
-            </a:r>
-            <a:r>
-              <a:rPr lang="en-US" sz="1351" dirty="0">
-                <a:sym typeface="Wingdings" pitchFamily="2" charset="2"/>
-              </a:rPr>
-              <a:t> </a:t>
-            </a:r>
-          </a:p>
-          <a:p>
-            <a:r>
-              <a:rPr lang="en-US" sz="1351" dirty="0"/>
-              <a:t>https://</a:t>
-            </a:r>
-            <a:r>
-              <a:rPr lang="en-US" sz="1351" dirty="0" err="1"/>
-              <a:t>en.wikipedia.org</a:t>
-            </a:r>
-            <a:r>
-              <a:rPr lang="en-US" sz="1351" dirty="0"/>
-              <a:t>/wiki/Endianness</a:t>
-            </a:r>
-          </a:p>
-        </p:txBody>
-      </p:sp>
-      <p:sp>
-        <p:nvSpPr>
-          <p:cNvPr id="7" name="TextBox 6">
-            <a:extLst>
-              <a:ext uri="{FF2B5EF4-FFF2-40B4-BE49-F238E27FC236}">
-                <a16:creationId xmlns:a16="http://schemas.microsoft.com/office/drawing/2014/main" id="{A6E2F1D5-5AE5-F140-795E-8B3AAD97E87E}"/>
-              </a:ext>
-            </a:extLst>
-          </p:cNvPr>
-          <p:cNvSpPr txBox="1"/>
-          <p:nvPr/>
-        </p:nvSpPr>
-        <p:spPr>
-          <a:xfrm>
-            <a:off x="10460183" y="6323599"/>
-            <a:ext cx="1600199" cy="338554"/>
-          </a:xfrm>
-          <a:prstGeom prst="rect">
-            <a:avLst/>
-          </a:prstGeom>
-          <a:noFill/>
-        </p:spPr>
-        <p:txBody>
-          <a:bodyPr wrap="square">
-            <a:spAutoFit/>
-          </a:bodyPr>
-          <a:lstStyle/>
-          <a:p>
-            <a:r>
-              <a:rPr lang="en-US" sz="1600" dirty="0">
-                <a:solidFill>
-                  <a:srgbClr val="000000"/>
-                </a:solidFill>
-                <a:latin typeface="Menlo" panose="020B0609030804020204" pitchFamily="49" charset="0"/>
-              </a:rPr>
-              <a:t>kr_02_01.c</a:t>
-            </a:r>
-          </a:p>
-        </p:txBody>
-      </p:sp>
-      <p:cxnSp>
-        <p:nvCxnSpPr>
-          <p:cNvPr id="8" name="Straight Arrow Connector 7">
-            <a:extLst>
-              <a:ext uri="{FF2B5EF4-FFF2-40B4-BE49-F238E27FC236}">
-                <a16:creationId xmlns:a16="http://schemas.microsoft.com/office/drawing/2014/main" id="{3E5936FE-9B5E-3EC1-95BC-40B11226DC63}"/>
-              </a:ext>
-            </a:extLst>
-          </p:cNvPr>
-          <p:cNvCxnSpPr>
-            <a:cxnSpLocks/>
-          </p:cNvCxnSpPr>
-          <p:nvPr/>
-        </p:nvCxnSpPr>
-        <p:spPr>
-          <a:xfrm flipH="1">
-            <a:off x="11070771" y="5372100"/>
-            <a:ext cx="440872" cy="951499"/>
-          </a:xfrm>
-          <a:prstGeom prst="straightConnector1">
-            <a:avLst/>
-          </a:prstGeom>
-          <a:ln w="38100">
-            <a:tailEnd type="triangle"/>
-          </a:ln>
-        </p:spPr>
-        <p:style>
-          <a:lnRef idx="1">
-            <a:schemeClr val="accent1"/>
-          </a:lnRef>
-          <a:fillRef idx="0">
-            <a:schemeClr val="accent1"/>
-          </a:fillRef>
-          <a:effectRef idx="0">
-            <a:schemeClr val="accent1"/>
-          </a:effectRef>
-          <a:fontRef idx="minor">
-            <a:schemeClr val="tx1"/>
-          </a:fontRef>
-        </p:style>
-      </p:cxnSp>
-    </p:spTree>
-    <p:extLst>
-      <p:ext uri="{BB962C8B-B14F-4D97-AF65-F5344CB8AC3E}">
-        <p14:creationId xmlns:p14="http://schemas.microsoft.com/office/powerpoint/2010/main" val="181109624"/>
-      </p:ext>
-    </p:extLst>
-  </p:cSld>
-  <p:clrMapOvr>
-    <a:masterClrMapping/>
-  </p:clrMapOvr>
-</p:sld>
-</file>
-
-<file path=ppt/slides/slide15.xml><?xml version="1.0" encoding="utf-8"?>
-<p:sld xmlns:a="http://schemas.openxmlformats.org/drawingml/2006/main" xmlns:r="http://schemas.openxmlformats.org/officeDocument/2006/relationships" xmlns:p="http://schemas.openxmlformats.org/presentationml/2006/main">
-  <p:cSld>
-    <p:spTree>
-      <p:nvGrpSpPr>
-        <p:cNvPr id="1" name=""/>
-        <p:cNvGrpSpPr/>
-        <p:nvPr/>
-      </p:nvGrpSpPr>
-      <p:grpSpPr>
-        <a:xfrm>
-          <a:off x="0" y="0"/>
-          <a:ext cx="0" cy="0"/>
-          <a:chOff x="0" y="0"/>
-          <a:chExt cx="0" cy="0"/>
-        </a:xfrm>
-      </p:grpSpPr>
-      <p:sp>
-        <p:nvSpPr>
           <p:cNvPr id="3" name="Title 2">
             <a:extLst>
               <a:ext uri="{FF2B5EF4-FFF2-40B4-BE49-F238E27FC236}">
@@ -6708,7 +4211,7 @@
 </p:sld>
 </file>
 
-<file path=ppt/slides/slide16.xml><?xml version="1.0" encoding="utf-8"?>
+<file path=ppt/slides/slide13.xml><?xml version="1.0" encoding="utf-8"?>
 <p:sld xmlns:a="http://schemas.openxmlformats.org/drawingml/2006/main" xmlns:r="http://schemas.openxmlformats.org/officeDocument/2006/relationships" xmlns:p="http://schemas.openxmlformats.org/presentationml/2006/main">
   <p:cSld>
     <p:spTree>
@@ -6945,24 +4448,23 @@
           <a:p>
             <a:r>
               <a:rPr lang="en-US" dirty="0"/>
-              <a:t>Section 5.4 – Pointer </a:t>
-            </a:r>
-            <a:r>
-              <a:rPr lang="en-US" dirty="0" err="1"/>
-              <a:t>artithmetic</a:t>
-            </a:r>
-            <a:endParaRPr lang="en-US" dirty="0"/>
+              <a:t>Section 5.4 – Pointer arithmetic</a:t>
+            </a:r>
           </a:p>
           <a:p>
             <a:r>
               <a:rPr lang="en-US" dirty="0"/>
-              <a:t>Section 5.6 Pointers are not Integers (see void *)</a:t>
-            </a:r>
-          </a:p>
-          <a:p>
+              <a:t>Call By Reference / Call By Value</a:t>
+            </a:r>
+          </a:p>
+          <a:p>
+            <a:r>
+              <a:rPr lang="en-US"/>
+              <a:t>Section </a:t>
+            </a:r>
             <a:r>
               <a:rPr lang="en-US" dirty="0"/>
-              <a:t>Review endian example from Chapter 2</a:t>
+              <a:t>5.6 Pointers are not Integers (see void *)</a:t>
             </a:r>
           </a:p>
           <a:p>
@@ -9046,6 +6548,106 @@
 </file>
 
 <file path=ppt/slides/slide7.xml><?xml version="1.0" encoding="utf-8"?>
+<p:sld xmlns:a="http://schemas.openxmlformats.org/drawingml/2006/main" xmlns:r="http://schemas.openxmlformats.org/officeDocument/2006/relationships" xmlns:p="http://schemas.openxmlformats.org/presentationml/2006/main">
+  <p:cSld>
+    <p:spTree>
+      <p:nvGrpSpPr>
+        <p:cNvPr id="1" name=""/>
+        <p:cNvGrpSpPr/>
+        <p:nvPr/>
+      </p:nvGrpSpPr>
+      <p:grpSpPr>
+        <a:xfrm>
+          <a:off x="0" y="0"/>
+          <a:ext cx="0" cy="0"/>
+          <a:chOff x="0" y="0"/>
+          <a:chExt cx="0" cy="0"/>
+        </a:xfrm>
+      </p:grpSpPr>
+      <p:sp>
+        <p:nvSpPr>
+          <p:cNvPr id="2" name="Title 1">
+            <a:extLst>
+              <a:ext uri="{FF2B5EF4-FFF2-40B4-BE49-F238E27FC236}">
+                <a16:creationId xmlns:a16="http://schemas.microsoft.com/office/drawing/2014/main" id="{A8D2AB51-45B2-4FAB-DF80-B2431963A2D0}"/>
+              </a:ext>
+            </a:extLst>
+          </p:cNvPr>
+          <p:cNvSpPr>
+            <a:spLocks noGrp="1"/>
+          </p:cNvSpPr>
+          <p:nvPr>
+            <p:ph type="title"/>
+          </p:nvPr>
+        </p:nvSpPr>
+        <p:spPr/>
+        <p:txBody>
+          <a:bodyPr/>
+          <a:lstStyle/>
+          <a:p>
+            <a:r>
+              <a:rPr lang="en-US" dirty="0"/>
+              <a:t>Call by Value / Call by Reference</a:t>
+            </a:r>
+          </a:p>
+        </p:txBody>
+      </p:sp>
+      <p:sp>
+        <p:nvSpPr>
+          <p:cNvPr id="3" name="Content Placeholder 2">
+            <a:extLst>
+              <a:ext uri="{FF2B5EF4-FFF2-40B4-BE49-F238E27FC236}">
+                <a16:creationId xmlns:a16="http://schemas.microsoft.com/office/drawing/2014/main" id="{471C69E1-7789-ED8C-C21E-74ECBE5E0EFF}"/>
+              </a:ext>
+            </a:extLst>
+          </p:cNvPr>
+          <p:cNvSpPr>
+            <a:spLocks noGrp="1"/>
+          </p:cNvSpPr>
+          <p:nvPr>
+            <p:ph idx="1"/>
+          </p:nvPr>
+        </p:nvSpPr>
+        <p:spPr/>
+        <p:txBody>
+          <a:bodyPr/>
+          <a:lstStyle/>
+          <a:p>
+            <a:r>
+              <a:rPr lang="en-US" dirty="0"/>
+              <a:t>Which languages support "call by reference" where you can change the value of a simple variable (i.e. int, long, float) passed into the function as a parameter</a:t>
+            </a:r>
+          </a:p>
+          <a:p>
+            <a:pPr lvl="1"/>
+            <a:r>
+              <a:rPr lang="en-US" dirty="0"/>
+              <a:t>Yes – C, C++, C#, Pascal, and PHP</a:t>
+            </a:r>
+          </a:p>
+          <a:p>
+            <a:pPr lvl="1"/>
+            <a:r>
+              <a:rPr lang="en-US" dirty="0"/>
+              <a:t>No – Python, Java, JavaScript</a:t>
+            </a:r>
+          </a:p>
+        </p:txBody>
+      </p:sp>
+    </p:spTree>
+    <p:extLst>
+      <p:ext uri="{BB962C8B-B14F-4D97-AF65-F5344CB8AC3E}">
+        <p14:creationId xmlns:p14="http://schemas.microsoft.com/office/powerpoint/2010/main" val="71152685"/>
+      </p:ext>
+    </p:extLst>
+  </p:cSld>
+  <p:clrMapOvr>
+    <a:masterClrMapping/>
+  </p:clrMapOvr>
+</p:sld>
+</file>
+
+<file path=ppt/slides/slide8.xml><?xml version="1.0" encoding="utf-8"?>
 <p:sld xmlns:a="http://schemas.openxmlformats.org/drawingml/2006/main" xmlns:r="http://schemas.openxmlformats.org/officeDocument/2006/relationships" xmlns:p="http://schemas.openxmlformats.org/presentationml/2006/main">
   <p:cSld>
     <p:bg>
@@ -10020,7 +7622,7 @@
 </p:sld>
 </file>
 
-<file path=ppt/slides/slide8.xml><?xml version="1.0" encoding="utf-8"?>
+<file path=ppt/slides/slide9.xml><?xml version="1.0" encoding="utf-8"?>
 <p:sld xmlns:a="http://schemas.openxmlformats.org/drawingml/2006/main" xmlns:r="http://schemas.openxmlformats.org/officeDocument/2006/relationships" xmlns:p="http://schemas.openxmlformats.org/presentationml/2006/main">
   <p:cSld>
     <p:spTree>
@@ -10202,389 +7804,6 @@
     <p:extLst>
       <p:ext uri="{BB962C8B-B14F-4D97-AF65-F5344CB8AC3E}">
         <p14:creationId xmlns:p14="http://schemas.microsoft.com/office/powerpoint/2010/main" val="512740558"/>
-      </p:ext>
-    </p:extLst>
-  </p:cSld>
-  <p:clrMapOvr>
-    <a:masterClrMapping/>
-  </p:clrMapOvr>
-</p:sld>
-</file>
-
-<file path=ppt/slides/slide9.xml><?xml version="1.0" encoding="utf-8"?>
-<p:sld xmlns:a="http://schemas.openxmlformats.org/drawingml/2006/main" xmlns:r="http://schemas.openxmlformats.org/officeDocument/2006/relationships" xmlns:p="http://schemas.openxmlformats.org/presentationml/2006/main">
-  <p:cSld>
-    <p:spTree>
-      <p:nvGrpSpPr>
-        <p:cNvPr id="1" name=""/>
-        <p:cNvGrpSpPr/>
-        <p:nvPr/>
-      </p:nvGrpSpPr>
-      <p:grpSpPr>
-        <a:xfrm>
-          <a:off x="0" y="0"/>
-          <a:ext cx="0" cy="0"/>
-          <a:chOff x="0" y="0"/>
-          <a:chExt cx="0" cy="0"/>
-        </a:xfrm>
-      </p:grpSpPr>
-      <p:sp>
-        <p:nvSpPr>
-          <p:cNvPr id="2" name="Title 1">
-            <a:extLst>
-              <a:ext uri="{FF2B5EF4-FFF2-40B4-BE49-F238E27FC236}">
-                <a16:creationId xmlns:a16="http://schemas.microsoft.com/office/drawing/2014/main" id="{3B255DD2-F0C2-15A4-6495-86F028EDF28E}"/>
-              </a:ext>
-            </a:extLst>
-          </p:cNvPr>
-          <p:cNvSpPr>
-            <a:spLocks noGrp="1"/>
-          </p:cNvSpPr>
-          <p:nvPr>
-            <p:ph type="title"/>
-          </p:nvPr>
-        </p:nvSpPr>
-        <p:spPr/>
-        <p:txBody>
-          <a:bodyPr/>
-          <a:lstStyle/>
-          <a:p>
-            <a:r>
-              <a:rPr lang="en-US" dirty="0"/>
-              <a:t>5.6 Void pointers</a:t>
-            </a:r>
-          </a:p>
-        </p:txBody>
-      </p:sp>
-      <p:sp>
-        <p:nvSpPr>
-          <p:cNvPr id="3" name="Content Placeholder 2">
-            <a:extLst>
-              <a:ext uri="{FF2B5EF4-FFF2-40B4-BE49-F238E27FC236}">
-                <a16:creationId xmlns:a16="http://schemas.microsoft.com/office/drawing/2014/main" id="{BEEF32A2-0F87-CABC-2824-E3BA4CC5D829}"/>
-              </a:ext>
-            </a:extLst>
-          </p:cNvPr>
-          <p:cNvSpPr>
-            <a:spLocks noGrp="1"/>
-          </p:cNvSpPr>
-          <p:nvPr>
-            <p:ph idx="1"/>
-          </p:nvPr>
-        </p:nvSpPr>
-        <p:spPr>
-          <a:xfrm>
-            <a:off x="838200" y="1825625"/>
-            <a:ext cx="4729843" cy="4351338"/>
-          </a:xfrm>
-        </p:spPr>
-        <p:txBody>
-          <a:bodyPr>
-            <a:normAutofit/>
-          </a:bodyPr>
-          <a:lstStyle/>
-          <a:p>
-            <a:r>
-              <a:rPr lang="en-US" dirty="0"/>
-              <a:t>Void pointers provided a way to return an address of memory without choosing the type of the data that would be stored in the memory</a:t>
-            </a:r>
-          </a:p>
-        </p:txBody>
-      </p:sp>
-      <p:sp>
-        <p:nvSpPr>
-          <p:cNvPr id="4" name="TextBox 3">
-            <a:extLst>
-              <a:ext uri="{FF2B5EF4-FFF2-40B4-BE49-F238E27FC236}">
-                <a16:creationId xmlns:a16="http://schemas.microsoft.com/office/drawing/2014/main" id="{1F5A1B53-997B-AA8C-0052-ACBB5D10A4DC}"/>
-              </a:ext>
-            </a:extLst>
-          </p:cNvPr>
-          <p:cNvSpPr txBox="1"/>
-          <p:nvPr/>
-        </p:nvSpPr>
-        <p:spPr>
-          <a:xfrm>
-            <a:off x="6757670" y="1027906"/>
-            <a:ext cx="4044697" cy="5078313"/>
-          </a:xfrm>
-          <a:prstGeom prst="rect">
-            <a:avLst/>
-          </a:prstGeom>
-          <a:noFill/>
-        </p:spPr>
-        <p:txBody>
-          <a:bodyPr wrap="none" rtlCol="0">
-            <a:spAutoFit/>
-          </a:bodyPr>
-          <a:lstStyle/>
-          <a:p>
-            <a:r>
-              <a:rPr lang="en-US" b="1" dirty="0">
-                <a:latin typeface="Courier New" panose="02070309020205020404" pitchFamily="49" charset="0"/>
-                <a:cs typeface="Courier New" panose="02070309020205020404" pitchFamily="49" charset="0"/>
-              </a:rPr>
-              <a:t>Early 1970’s:</a:t>
-            </a:r>
-          </a:p>
-          <a:p>
-            <a:endParaRPr lang="en-US" dirty="0">
-              <a:latin typeface="Courier New" panose="02070309020205020404" pitchFamily="49" charset="0"/>
-              <a:cs typeface="Courier New" panose="02070309020205020404" pitchFamily="49" charset="0"/>
-            </a:endParaRPr>
-          </a:p>
-          <a:p>
-            <a:r>
-              <a:rPr lang="en-US" dirty="0">
-                <a:latin typeface="Courier New" panose="02070309020205020404" pitchFamily="49" charset="0"/>
-                <a:cs typeface="Courier New" panose="02070309020205020404" pitchFamily="49" charset="0"/>
-              </a:rPr>
-              <a:t>int </a:t>
-            </a:r>
-            <a:r>
-              <a:rPr lang="en-US" dirty="0" err="1">
-                <a:latin typeface="Courier New" panose="02070309020205020404" pitchFamily="49" charset="0"/>
-                <a:cs typeface="Courier New" panose="02070309020205020404" pitchFamily="49" charset="0"/>
-              </a:rPr>
-              <a:t>alloc</a:t>
-            </a:r>
-            <a:r>
-              <a:rPr lang="en-US" dirty="0">
-                <a:latin typeface="Courier New" panose="02070309020205020404" pitchFamily="49" charset="0"/>
-                <a:cs typeface="Courier New" panose="02070309020205020404" pitchFamily="49" charset="0"/>
-              </a:rPr>
-              <a:t>();</a:t>
-            </a:r>
-          </a:p>
-          <a:p>
-            <a:endParaRPr lang="en-US" dirty="0">
-              <a:latin typeface="Courier New" panose="02070309020205020404" pitchFamily="49" charset="0"/>
-              <a:cs typeface="Courier New" panose="02070309020205020404" pitchFamily="49" charset="0"/>
-            </a:endParaRPr>
-          </a:p>
-          <a:p>
-            <a:r>
-              <a:rPr lang="en-US" dirty="0">
-                <a:latin typeface="Courier New" panose="02070309020205020404" pitchFamily="49" charset="0"/>
-                <a:cs typeface="Courier New" panose="02070309020205020404" pitchFamily="49" charset="0"/>
-              </a:rPr>
-              <a:t>int *</a:t>
-            </a:r>
-            <a:r>
-              <a:rPr lang="en-US" dirty="0" err="1">
-                <a:latin typeface="Courier New" panose="02070309020205020404" pitchFamily="49" charset="0"/>
-                <a:cs typeface="Courier New" panose="02070309020205020404" pitchFamily="49" charset="0"/>
-              </a:rPr>
-              <a:t>vals</a:t>
-            </a:r>
-            <a:r>
-              <a:rPr lang="en-US" dirty="0">
-                <a:latin typeface="Courier New" panose="02070309020205020404" pitchFamily="49" charset="0"/>
-                <a:cs typeface="Courier New" panose="02070309020205020404" pitchFamily="49" charset="0"/>
-              </a:rPr>
-              <a:t> = (int *) </a:t>
-            </a:r>
-            <a:r>
-              <a:rPr lang="en-US" dirty="0" err="1">
-                <a:latin typeface="Courier New" panose="02070309020205020404" pitchFamily="49" charset="0"/>
-                <a:cs typeface="Courier New" panose="02070309020205020404" pitchFamily="49" charset="0"/>
-              </a:rPr>
-              <a:t>alloc</a:t>
-            </a:r>
-            <a:r>
-              <a:rPr lang="en-US" dirty="0">
-                <a:latin typeface="Courier New" panose="02070309020205020404" pitchFamily="49" charset="0"/>
-                <a:cs typeface="Courier New" panose="02070309020205020404" pitchFamily="49" charset="0"/>
-              </a:rPr>
-              <a:t>();</a:t>
-            </a:r>
-          </a:p>
-          <a:p>
-            <a:endParaRPr lang="en-US" b="1" dirty="0">
-              <a:latin typeface="Courier New" panose="02070309020205020404" pitchFamily="49" charset="0"/>
-              <a:cs typeface="Courier New" panose="02070309020205020404" pitchFamily="49" charset="0"/>
-            </a:endParaRPr>
-          </a:p>
-          <a:p>
-            <a:r>
-              <a:rPr lang="en-US" b="1" dirty="0">
-                <a:latin typeface="Courier New" panose="02070309020205020404" pitchFamily="49" charset="0"/>
-                <a:cs typeface="Courier New" panose="02070309020205020404" pitchFamily="49" charset="0"/>
-              </a:rPr>
-              <a:t>In the 1978 K&amp;R book:</a:t>
-            </a:r>
-          </a:p>
-          <a:p>
-            <a:endParaRPr lang="en-US" dirty="0">
-              <a:latin typeface="Courier New" panose="02070309020205020404" pitchFamily="49" charset="0"/>
-              <a:cs typeface="Courier New" panose="02070309020205020404" pitchFamily="49" charset="0"/>
-            </a:endParaRPr>
-          </a:p>
-          <a:p>
-            <a:r>
-              <a:rPr lang="en-US" dirty="0">
-                <a:latin typeface="Courier New" panose="02070309020205020404" pitchFamily="49" charset="0"/>
-                <a:cs typeface="Courier New" panose="02070309020205020404" pitchFamily="49" charset="0"/>
-              </a:rPr>
-              <a:t>char * </a:t>
-            </a:r>
-            <a:r>
-              <a:rPr lang="en-US" dirty="0" err="1">
-                <a:latin typeface="Courier New" panose="02070309020205020404" pitchFamily="49" charset="0"/>
-                <a:cs typeface="Courier New" panose="02070309020205020404" pitchFamily="49" charset="0"/>
-              </a:rPr>
-              <a:t>alloc</a:t>
-            </a:r>
-            <a:r>
-              <a:rPr lang="en-US" dirty="0">
-                <a:latin typeface="Courier New" panose="02070309020205020404" pitchFamily="49" charset="0"/>
-                <a:cs typeface="Courier New" panose="02070309020205020404" pitchFamily="49" charset="0"/>
-              </a:rPr>
-              <a:t>();</a:t>
-            </a:r>
-          </a:p>
-          <a:p>
-            <a:endParaRPr lang="en-US" dirty="0">
-              <a:latin typeface="Courier New" panose="02070309020205020404" pitchFamily="49" charset="0"/>
-              <a:cs typeface="Courier New" panose="02070309020205020404" pitchFamily="49" charset="0"/>
-            </a:endParaRPr>
-          </a:p>
-          <a:p>
-            <a:r>
-              <a:rPr lang="en-US" dirty="0">
-                <a:latin typeface="Courier New" panose="02070309020205020404" pitchFamily="49" charset="0"/>
-                <a:cs typeface="Courier New" panose="02070309020205020404" pitchFamily="49" charset="0"/>
-              </a:rPr>
-              <a:t>int *</a:t>
-            </a:r>
-            <a:r>
-              <a:rPr lang="en-US" dirty="0" err="1">
-                <a:latin typeface="Courier New" panose="02070309020205020404" pitchFamily="49" charset="0"/>
-                <a:cs typeface="Courier New" panose="02070309020205020404" pitchFamily="49" charset="0"/>
-              </a:rPr>
-              <a:t>vals</a:t>
-            </a:r>
-            <a:r>
-              <a:rPr lang="en-US" dirty="0">
-                <a:latin typeface="Courier New" panose="02070309020205020404" pitchFamily="49" charset="0"/>
-                <a:cs typeface="Courier New" panose="02070309020205020404" pitchFamily="49" charset="0"/>
-              </a:rPr>
-              <a:t> = (int *) </a:t>
-            </a:r>
-            <a:r>
-              <a:rPr lang="en-US" dirty="0" err="1">
-                <a:latin typeface="Courier New" panose="02070309020205020404" pitchFamily="49" charset="0"/>
-                <a:cs typeface="Courier New" panose="02070309020205020404" pitchFamily="49" charset="0"/>
-              </a:rPr>
-              <a:t>alloc</a:t>
-            </a:r>
-            <a:r>
-              <a:rPr lang="en-US" dirty="0">
-                <a:latin typeface="Courier New" panose="02070309020205020404" pitchFamily="49" charset="0"/>
-                <a:cs typeface="Courier New" panose="02070309020205020404" pitchFamily="49" charset="0"/>
-              </a:rPr>
-              <a:t>();</a:t>
-            </a:r>
-          </a:p>
-          <a:p>
-            <a:endParaRPr lang="en-US" b="1" dirty="0">
-              <a:latin typeface="Courier New" panose="02070309020205020404" pitchFamily="49" charset="0"/>
-              <a:cs typeface="Courier New" panose="02070309020205020404" pitchFamily="49" charset="0"/>
-            </a:endParaRPr>
-          </a:p>
-          <a:p>
-            <a:r>
-              <a:rPr lang="en-US" b="1" dirty="0">
-                <a:latin typeface="Courier New" panose="02070309020205020404" pitchFamily="49" charset="0"/>
-                <a:cs typeface="Courier New" panose="02070309020205020404" pitchFamily="49" charset="0"/>
-              </a:rPr>
-              <a:t>By 1979 and in modern C:</a:t>
-            </a:r>
-          </a:p>
-          <a:p>
-            <a:endParaRPr lang="en-US" b="1" dirty="0">
-              <a:latin typeface="Courier New" panose="02070309020205020404" pitchFamily="49" charset="0"/>
-              <a:cs typeface="Courier New" panose="02070309020205020404" pitchFamily="49" charset="0"/>
-            </a:endParaRPr>
-          </a:p>
-          <a:p>
-            <a:r>
-              <a:rPr lang="en-US" dirty="0">
-                <a:latin typeface="Courier New" panose="02070309020205020404" pitchFamily="49" charset="0"/>
-                <a:cs typeface="Courier New" panose="02070309020205020404" pitchFamily="49" charset="0"/>
-              </a:rPr>
-              <a:t>void * </a:t>
-            </a:r>
-            <a:r>
-              <a:rPr lang="en-US" dirty="0" err="1">
-                <a:latin typeface="Courier New" panose="02070309020205020404" pitchFamily="49" charset="0"/>
-                <a:cs typeface="Courier New" panose="02070309020205020404" pitchFamily="49" charset="0"/>
-              </a:rPr>
-              <a:t>alloc</a:t>
-            </a:r>
-            <a:r>
-              <a:rPr lang="en-US" dirty="0">
-                <a:latin typeface="Courier New" panose="02070309020205020404" pitchFamily="49" charset="0"/>
-                <a:cs typeface="Courier New" panose="02070309020205020404" pitchFamily="49" charset="0"/>
-              </a:rPr>
-              <a:t>();</a:t>
-            </a:r>
-          </a:p>
-          <a:p>
-            <a:endParaRPr lang="en-US" dirty="0">
-              <a:latin typeface="Courier New" panose="02070309020205020404" pitchFamily="49" charset="0"/>
-              <a:cs typeface="Courier New" panose="02070309020205020404" pitchFamily="49" charset="0"/>
-            </a:endParaRPr>
-          </a:p>
-          <a:p>
-            <a:r>
-              <a:rPr lang="en-US" dirty="0">
-                <a:latin typeface="Courier New" panose="02070309020205020404" pitchFamily="49" charset="0"/>
-                <a:cs typeface="Courier New" panose="02070309020205020404" pitchFamily="49" charset="0"/>
-              </a:rPr>
-              <a:t>int *</a:t>
-            </a:r>
-            <a:r>
-              <a:rPr lang="en-US" dirty="0" err="1">
-                <a:latin typeface="Courier New" panose="02070309020205020404" pitchFamily="49" charset="0"/>
-                <a:cs typeface="Courier New" panose="02070309020205020404" pitchFamily="49" charset="0"/>
-              </a:rPr>
-              <a:t>vals</a:t>
-            </a:r>
-            <a:r>
-              <a:rPr lang="en-US" dirty="0">
-                <a:latin typeface="Courier New" panose="02070309020205020404" pitchFamily="49" charset="0"/>
-                <a:cs typeface="Courier New" panose="02070309020205020404" pitchFamily="49" charset="0"/>
-              </a:rPr>
-              <a:t> = (int *) </a:t>
-            </a:r>
-            <a:r>
-              <a:rPr lang="en-US" dirty="0" err="1">
-                <a:latin typeface="Courier New" panose="02070309020205020404" pitchFamily="49" charset="0"/>
-                <a:cs typeface="Courier New" panose="02070309020205020404" pitchFamily="49" charset="0"/>
-              </a:rPr>
-              <a:t>alloc</a:t>
-            </a:r>
-            <a:r>
-              <a:rPr lang="en-US" dirty="0">
-                <a:latin typeface="Courier New" panose="02070309020205020404" pitchFamily="49" charset="0"/>
-                <a:cs typeface="Courier New" panose="02070309020205020404" pitchFamily="49" charset="0"/>
-              </a:rPr>
-              <a:t>();</a:t>
-            </a:r>
-          </a:p>
-          <a:p>
-            <a:endParaRPr lang="en-US" b="1" dirty="0">
-              <a:latin typeface="Courier New" panose="02070309020205020404" pitchFamily="49" charset="0"/>
-              <a:cs typeface="Courier New" panose="02070309020205020404" pitchFamily="49" charset="0"/>
-            </a:endParaRPr>
-          </a:p>
-        </p:txBody>
-      </p:sp>
-    </p:spTree>
-    <p:extLst>
-      <p:ext uri="{BB962C8B-B14F-4D97-AF65-F5344CB8AC3E}">
-        <p14:creationId xmlns:p14="http://schemas.microsoft.com/office/powerpoint/2010/main" val="1438612513"/>
       </p:ext>
     </p:extLst>
   </p:cSld>

--- a/lectures/KR-5.pptx
+++ b/lectures/KR-5.pptx
@@ -4,6 +4,9 @@
   <p:sldMasterIdLst>
     <p:sldMasterId id="2147483648" r:id="rId1"/>
   </p:sldMasterIdLst>
+  <p:notesMasterIdLst>
+    <p:notesMasterId r:id="rId19"/>
+  </p:notesMasterIdLst>
   <p:sldIdLst>
     <p:sldId id="256" r:id="rId2"/>
     <p:sldId id="287" r:id="rId3"/>
@@ -11,13 +14,17 @@
     <p:sldId id="295" r:id="rId5"/>
     <p:sldId id="296" r:id="rId6"/>
     <p:sldId id="341" r:id="rId7"/>
-    <p:sldId id="342" r:id="rId8"/>
-    <p:sldId id="288" r:id="rId9"/>
-    <p:sldId id="293" r:id="rId10"/>
-    <p:sldId id="298" r:id="rId11"/>
-    <p:sldId id="297" r:id="rId12"/>
-    <p:sldId id="284" r:id="rId13"/>
-    <p:sldId id="285" r:id="rId14"/>
+    <p:sldId id="288" r:id="rId8"/>
+    <p:sldId id="293" r:id="rId9"/>
+    <p:sldId id="298" r:id="rId10"/>
+    <p:sldId id="342" r:id="rId11"/>
+    <p:sldId id="344" r:id="rId12"/>
+    <p:sldId id="345" r:id="rId13"/>
+    <p:sldId id="346" r:id="rId14"/>
+    <p:sldId id="348" r:id="rId15"/>
+    <p:sldId id="349" r:id="rId16"/>
+    <p:sldId id="284" r:id="rId17"/>
+    <p:sldId id="285" r:id="rId18"/>
   </p:sldIdLst>
   <p:sldSz cx="12192000" cy="6858000"/>
   <p:notesSz cx="6858000" cy="9144000"/>
@@ -124,6 +131,355 @@
 </p:presentation>
 </file>
 
+<file path=ppt/notesMasters/notesMaster1.xml><?xml version="1.0" encoding="utf-8"?>
+<p:notesMaster xmlns:a="http://schemas.openxmlformats.org/drawingml/2006/main" xmlns:r="http://schemas.openxmlformats.org/officeDocument/2006/relationships" xmlns:p="http://schemas.openxmlformats.org/presentationml/2006/main">
+  <p:cSld>
+    <p:bg>
+      <p:bgRef idx="1001">
+        <a:schemeClr val="bg1"/>
+      </p:bgRef>
+    </p:bg>
+    <p:spTree>
+      <p:nvGrpSpPr>
+        <p:cNvPr id="1" name=""/>
+        <p:cNvGrpSpPr/>
+        <p:nvPr/>
+      </p:nvGrpSpPr>
+      <p:grpSpPr>
+        <a:xfrm>
+          <a:off x="0" y="0"/>
+          <a:ext cx="0" cy="0"/>
+          <a:chOff x="0" y="0"/>
+          <a:chExt cx="0" cy="0"/>
+        </a:xfrm>
+      </p:grpSpPr>
+      <p:sp>
+        <p:nvSpPr>
+          <p:cNvPr id="2" name="Header Placeholder 1"/>
+          <p:cNvSpPr>
+            <a:spLocks noGrp="1"/>
+          </p:cNvSpPr>
+          <p:nvPr>
+            <p:ph type="hdr" sz="quarter"/>
+          </p:nvPr>
+        </p:nvSpPr>
+        <p:spPr>
+          <a:xfrm>
+            <a:off x="0" y="0"/>
+            <a:ext cx="2971800" cy="458788"/>
+          </a:xfrm>
+          <a:prstGeom prst="rect">
+            <a:avLst/>
+          </a:prstGeom>
+        </p:spPr>
+        <p:txBody>
+          <a:bodyPr vert="horz" lIns="91440" tIns="45720" rIns="91440" bIns="45720" rtlCol="0"/>
+          <a:lstStyle>
+            <a:lvl1pPr algn="l">
+              <a:defRPr sz="1200"/>
+            </a:lvl1pPr>
+          </a:lstStyle>
+          <a:p>
+            <a:endParaRPr lang="en-US"/>
+          </a:p>
+        </p:txBody>
+      </p:sp>
+      <p:sp>
+        <p:nvSpPr>
+          <p:cNvPr id="3" name="Date Placeholder 2"/>
+          <p:cNvSpPr>
+            <a:spLocks noGrp="1"/>
+          </p:cNvSpPr>
+          <p:nvPr>
+            <p:ph type="dt" idx="1"/>
+          </p:nvPr>
+        </p:nvSpPr>
+        <p:spPr>
+          <a:xfrm>
+            <a:off x="3884613" y="0"/>
+            <a:ext cx="2971800" cy="458788"/>
+          </a:xfrm>
+          <a:prstGeom prst="rect">
+            <a:avLst/>
+          </a:prstGeom>
+        </p:spPr>
+        <p:txBody>
+          <a:bodyPr vert="horz" lIns="91440" tIns="45720" rIns="91440" bIns="45720" rtlCol="0"/>
+          <a:lstStyle>
+            <a:lvl1pPr algn="r">
+              <a:defRPr sz="1200"/>
+            </a:lvl1pPr>
+          </a:lstStyle>
+          <a:p>
+            <a:fld id="{B39AE996-2CE4-A94F-BFAA-6B59E9AFB50A}" type="datetimeFigureOut">
+              <a:rPr lang="en-US" smtClean="0"/>
+              <a:t>2/19/23</a:t>
+            </a:fld>
+            <a:endParaRPr lang="en-US"/>
+          </a:p>
+        </p:txBody>
+      </p:sp>
+      <p:sp>
+        <p:nvSpPr>
+          <p:cNvPr id="4" name="Slide Image Placeholder 3"/>
+          <p:cNvSpPr>
+            <a:spLocks noGrp="1" noRot="1" noChangeAspect="1"/>
+          </p:cNvSpPr>
+          <p:nvPr>
+            <p:ph type="sldImg" idx="2"/>
+          </p:nvPr>
+        </p:nvSpPr>
+        <p:spPr>
+          <a:xfrm>
+            <a:off x="685800" y="1143000"/>
+            <a:ext cx="5486400" cy="3086100"/>
+          </a:xfrm>
+          <a:prstGeom prst="rect">
+            <a:avLst/>
+          </a:prstGeom>
+          <a:noFill/>
+          <a:ln w="12700">
+            <a:solidFill>
+              <a:prstClr val="black"/>
+            </a:solidFill>
+          </a:ln>
+        </p:spPr>
+        <p:txBody>
+          <a:bodyPr vert="horz" lIns="91440" tIns="45720" rIns="91440" bIns="45720" rtlCol="0" anchor="ctr"/>
+          <a:lstStyle/>
+          <a:p>
+            <a:endParaRPr lang="en-US"/>
+          </a:p>
+        </p:txBody>
+      </p:sp>
+      <p:sp>
+        <p:nvSpPr>
+          <p:cNvPr id="5" name="Notes Placeholder 4"/>
+          <p:cNvSpPr>
+            <a:spLocks noGrp="1"/>
+          </p:cNvSpPr>
+          <p:nvPr>
+            <p:ph type="body" sz="quarter" idx="3"/>
+          </p:nvPr>
+        </p:nvSpPr>
+        <p:spPr>
+          <a:xfrm>
+            <a:off x="685800" y="4400550"/>
+            <a:ext cx="5486400" cy="3600450"/>
+          </a:xfrm>
+          <a:prstGeom prst="rect">
+            <a:avLst/>
+          </a:prstGeom>
+        </p:spPr>
+        <p:txBody>
+          <a:bodyPr vert="horz" lIns="91440" tIns="45720" rIns="91440" bIns="45720" rtlCol="0"/>
+          <a:lstStyle/>
+          <a:p>
+            <a:pPr lvl="0"/>
+            <a:r>
+              <a:rPr lang="en-US"/>
+              <a:t>Click to edit Master text styles</a:t>
+            </a:r>
+          </a:p>
+          <a:p>
+            <a:pPr lvl="1"/>
+            <a:r>
+              <a:rPr lang="en-US"/>
+              <a:t>Second level</a:t>
+            </a:r>
+          </a:p>
+          <a:p>
+            <a:pPr lvl="2"/>
+            <a:r>
+              <a:rPr lang="en-US"/>
+              <a:t>Third level</a:t>
+            </a:r>
+          </a:p>
+          <a:p>
+            <a:pPr lvl="3"/>
+            <a:r>
+              <a:rPr lang="en-US"/>
+              <a:t>Fourth level</a:t>
+            </a:r>
+          </a:p>
+          <a:p>
+            <a:pPr lvl="4"/>
+            <a:r>
+              <a:rPr lang="en-US"/>
+              <a:t>Fifth level</a:t>
+            </a:r>
+          </a:p>
+        </p:txBody>
+      </p:sp>
+      <p:sp>
+        <p:nvSpPr>
+          <p:cNvPr id="6" name="Footer Placeholder 5"/>
+          <p:cNvSpPr>
+            <a:spLocks noGrp="1"/>
+          </p:cNvSpPr>
+          <p:nvPr>
+            <p:ph type="ftr" sz="quarter" idx="4"/>
+          </p:nvPr>
+        </p:nvSpPr>
+        <p:spPr>
+          <a:xfrm>
+            <a:off x="0" y="8685213"/>
+            <a:ext cx="2971800" cy="458787"/>
+          </a:xfrm>
+          <a:prstGeom prst="rect">
+            <a:avLst/>
+          </a:prstGeom>
+        </p:spPr>
+        <p:txBody>
+          <a:bodyPr vert="horz" lIns="91440" tIns="45720" rIns="91440" bIns="45720" rtlCol="0" anchor="b"/>
+          <a:lstStyle>
+            <a:lvl1pPr algn="l">
+              <a:defRPr sz="1200"/>
+            </a:lvl1pPr>
+          </a:lstStyle>
+          <a:p>
+            <a:endParaRPr lang="en-US"/>
+          </a:p>
+        </p:txBody>
+      </p:sp>
+      <p:sp>
+        <p:nvSpPr>
+          <p:cNvPr id="7" name="Slide Number Placeholder 6"/>
+          <p:cNvSpPr>
+            <a:spLocks noGrp="1"/>
+          </p:cNvSpPr>
+          <p:nvPr>
+            <p:ph type="sldNum" sz="quarter" idx="5"/>
+          </p:nvPr>
+        </p:nvSpPr>
+        <p:spPr>
+          <a:xfrm>
+            <a:off x="3884613" y="8685213"/>
+            <a:ext cx="2971800" cy="458787"/>
+          </a:xfrm>
+          <a:prstGeom prst="rect">
+            <a:avLst/>
+          </a:prstGeom>
+        </p:spPr>
+        <p:txBody>
+          <a:bodyPr vert="horz" lIns="91440" tIns="45720" rIns="91440" bIns="45720" rtlCol="0" anchor="b"/>
+          <a:lstStyle>
+            <a:lvl1pPr algn="r">
+              <a:defRPr sz="1200"/>
+            </a:lvl1pPr>
+          </a:lstStyle>
+          <a:p>
+            <a:fld id="{920386D2-4F00-2D46-9E1B-1D32B554C6E6}" type="slidenum">
+              <a:rPr lang="en-US" smtClean="0"/>
+              <a:t>‹#›</a:t>
+            </a:fld>
+            <a:endParaRPr lang="en-US"/>
+          </a:p>
+        </p:txBody>
+      </p:sp>
+    </p:spTree>
+    <p:extLst>
+      <p:ext uri="{BB962C8B-B14F-4D97-AF65-F5344CB8AC3E}">
+        <p14:creationId xmlns:p14="http://schemas.microsoft.com/office/powerpoint/2010/main" val="1209283967"/>
+      </p:ext>
+    </p:extLst>
+  </p:cSld>
+  <p:clrMap bg1="lt1" tx1="dk1" bg2="lt2" tx2="dk2" accent1="accent1" accent2="accent2" accent3="accent3" accent4="accent4" accent5="accent5" accent6="accent6" hlink="hlink" folHlink="folHlink"/>
+  <p:notesStyle>
+    <a:lvl1pPr marL="0" algn="l" defTabSz="914400" rtl="0" eaLnBrk="1" latinLnBrk="0" hangingPunct="1">
+      <a:defRPr sz="1200" kern="1200">
+        <a:solidFill>
+          <a:schemeClr val="tx1"/>
+        </a:solidFill>
+        <a:latin typeface="+mn-lt"/>
+        <a:ea typeface="+mn-ea"/>
+        <a:cs typeface="+mn-cs"/>
+      </a:defRPr>
+    </a:lvl1pPr>
+    <a:lvl2pPr marL="457200" algn="l" defTabSz="914400" rtl="0" eaLnBrk="1" latinLnBrk="0" hangingPunct="1">
+      <a:defRPr sz="1200" kern="1200">
+        <a:solidFill>
+          <a:schemeClr val="tx1"/>
+        </a:solidFill>
+        <a:latin typeface="+mn-lt"/>
+        <a:ea typeface="+mn-ea"/>
+        <a:cs typeface="+mn-cs"/>
+      </a:defRPr>
+    </a:lvl2pPr>
+    <a:lvl3pPr marL="914400" algn="l" defTabSz="914400" rtl="0" eaLnBrk="1" latinLnBrk="0" hangingPunct="1">
+      <a:defRPr sz="1200" kern="1200">
+        <a:solidFill>
+          <a:schemeClr val="tx1"/>
+        </a:solidFill>
+        <a:latin typeface="+mn-lt"/>
+        <a:ea typeface="+mn-ea"/>
+        <a:cs typeface="+mn-cs"/>
+      </a:defRPr>
+    </a:lvl3pPr>
+    <a:lvl4pPr marL="1371600" algn="l" defTabSz="914400" rtl="0" eaLnBrk="1" latinLnBrk="0" hangingPunct="1">
+      <a:defRPr sz="1200" kern="1200">
+        <a:solidFill>
+          <a:schemeClr val="tx1"/>
+        </a:solidFill>
+        <a:latin typeface="+mn-lt"/>
+        <a:ea typeface="+mn-ea"/>
+        <a:cs typeface="+mn-cs"/>
+      </a:defRPr>
+    </a:lvl4pPr>
+    <a:lvl5pPr marL="1828800" algn="l" defTabSz="914400" rtl="0" eaLnBrk="1" latinLnBrk="0" hangingPunct="1">
+      <a:defRPr sz="1200" kern="1200">
+        <a:solidFill>
+          <a:schemeClr val="tx1"/>
+        </a:solidFill>
+        <a:latin typeface="+mn-lt"/>
+        <a:ea typeface="+mn-ea"/>
+        <a:cs typeface="+mn-cs"/>
+      </a:defRPr>
+    </a:lvl5pPr>
+    <a:lvl6pPr marL="2286000" algn="l" defTabSz="914400" rtl="0" eaLnBrk="1" latinLnBrk="0" hangingPunct="1">
+      <a:defRPr sz="1200" kern="1200">
+        <a:solidFill>
+          <a:schemeClr val="tx1"/>
+        </a:solidFill>
+        <a:latin typeface="+mn-lt"/>
+        <a:ea typeface="+mn-ea"/>
+        <a:cs typeface="+mn-cs"/>
+      </a:defRPr>
+    </a:lvl6pPr>
+    <a:lvl7pPr marL="2743200" algn="l" defTabSz="914400" rtl="0" eaLnBrk="1" latinLnBrk="0" hangingPunct="1">
+      <a:defRPr sz="1200" kern="1200">
+        <a:solidFill>
+          <a:schemeClr val="tx1"/>
+        </a:solidFill>
+        <a:latin typeface="+mn-lt"/>
+        <a:ea typeface="+mn-ea"/>
+        <a:cs typeface="+mn-cs"/>
+      </a:defRPr>
+    </a:lvl7pPr>
+    <a:lvl8pPr marL="3200400" algn="l" defTabSz="914400" rtl="0" eaLnBrk="1" latinLnBrk="0" hangingPunct="1">
+      <a:defRPr sz="1200" kern="1200">
+        <a:solidFill>
+          <a:schemeClr val="tx1"/>
+        </a:solidFill>
+        <a:latin typeface="+mn-lt"/>
+        <a:ea typeface="+mn-ea"/>
+        <a:cs typeface="+mn-cs"/>
+      </a:defRPr>
+    </a:lvl8pPr>
+    <a:lvl9pPr marL="3657600" algn="l" defTabSz="914400" rtl="0" eaLnBrk="1" latinLnBrk="0" hangingPunct="1">
+      <a:defRPr sz="1200" kern="1200">
+        <a:solidFill>
+          <a:schemeClr val="tx1"/>
+        </a:solidFill>
+        <a:latin typeface="+mn-lt"/>
+        <a:ea typeface="+mn-ea"/>
+        <a:cs typeface="+mn-cs"/>
+      </a:defRPr>
+    </a:lvl9pPr>
+  </p:notesStyle>
+</p:notesMaster>
+</file>
+
 <file path=ppt/slideLayouts/slideLayout1.xml><?xml version="1.0" encoding="utf-8"?>
 <p:sldLayout xmlns:a="http://schemas.openxmlformats.org/drawingml/2006/main" xmlns:r="http://schemas.openxmlformats.org/officeDocument/2006/relationships" xmlns:p="http://schemas.openxmlformats.org/presentationml/2006/main" type="title" preserve="1">
   <p:cSld name="Title Slide">
@@ -271,7 +627,7 @@
           <a:p>
             <a:fld id="{C13A938A-C9BA-0346-A74F-83EB1631032C}" type="datetimeFigureOut">
               <a:rPr lang="en-US" smtClean="0"/>
-              <a:t>2/18/23</a:t>
+              <a:t>2/19/23</a:t>
             </a:fld>
             <a:endParaRPr lang="en-US"/>
           </a:p>
@@ -469,7 +825,7 @@
           <a:p>
             <a:fld id="{C13A938A-C9BA-0346-A74F-83EB1631032C}" type="datetimeFigureOut">
               <a:rPr lang="en-US" smtClean="0"/>
-              <a:t>2/18/23</a:t>
+              <a:t>2/19/23</a:t>
             </a:fld>
             <a:endParaRPr lang="en-US"/>
           </a:p>
@@ -677,7 +1033,7 @@
           <a:p>
             <a:fld id="{C13A938A-C9BA-0346-A74F-83EB1631032C}" type="datetimeFigureOut">
               <a:rPr lang="en-US" smtClean="0"/>
-              <a:t>2/18/23</a:t>
+              <a:t>2/19/23</a:t>
             </a:fld>
             <a:endParaRPr lang="en-US"/>
           </a:p>
@@ -875,7 +1231,7 @@
           <a:p>
             <a:fld id="{C13A938A-C9BA-0346-A74F-83EB1631032C}" type="datetimeFigureOut">
               <a:rPr lang="en-US" smtClean="0"/>
-              <a:t>2/18/23</a:t>
+              <a:t>2/19/23</a:t>
             </a:fld>
             <a:endParaRPr lang="en-US"/>
           </a:p>
@@ -1150,7 +1506,7 @@
           <a:p>
             <a:fld id="{C13A938A-C9BA-0346-A74F-83EB1631032C}" type="datetimeFigureOut">
               <a:rPr lang="en-US" smtClean="0"/>
-              <a:t>2/18/23</a:t>
+              <a:t>2/19/23</a:t>
             </a:fld>
             <a:endParaRPr lang="en-US"/>
           </a:p>
@@ -1415,7 +1771,7 @@
           <a:p>
             <a:fld id="{C13A938A-C9BA-0346-A74F-83EB1631032C}" type="datetimeFigureOut">
               <a:rPr lang="en-US" smtClean="0"/>
-              <a:t>2/18/23</a:t>
+              <a:t>2/19/23</a:t>
             </a:fld>
             <a:endParaRPr lang="en-US"/>
           </a:p>
@@ -1827,7 +2183,7 @@
           <a:p>
             <a:fld id="{C13A938A-C9BA-0346-A74F-83EB1631032C}" type="datetimeFigureOut">
               <a:rPr lang="en-US" smtClean="0"/>
-              <a:t>2/18/23</a:t>
+              <a:t>2/19/23</a:t>
             </a:fld>
             <a:endParaRPr lang="en-US"/>
           </a:p>
@@ -1968,7 +2324,7 @@
           <a:p>
             <a:fld id="{C13A938A-C9BA-0346-A74F-83EB1631032C}" type="datetimeFigureOut">
               <a:rPr lang="en-US" smtClean="0"/>
-              <a:t>2/18/23</a:t>
+              <a:t>2/19/23</a:t>
             </a:fld>
             <a:endParaRPr lang="en-US"/>
           </a:p>
@@ -2081,7 +2437,7 @@
           <a:p>
             <a:fld id="{C13A938A-C9BA-0346-A74F-83EB1631032C}" type="datetimeFigureOut">
               <a:rPr lang="en-US" smtClean="0"/>
-              <a:t>2/18/23</a:t>
+              <a:t>2/19/23</a:t>
             </a:fld>
             <a:endParaRPr lang="en-US"/>
           </a:p>
@@ -2392,7 +2748,7 @@
           <a:p>
             <a:fld id="{C13A938A-C9BA-0346-A74F-83EB1631032C}" type="datetimeFigureOut">
               <a:rPr lang="en-US" smtClean="0"/>
-              <a:t>2/18/23</a:t>
+              <a:t>2/19/23</a:t>
             </a:fld>
             <a:endParaRPr lang="en-US"/>
           </a:p>
@@ -2680,7 +3036,7 @@
           <a:p>
             <a:fld id="{C13A938A-C9BA-0346-A74F-83EB1631032C}" type="datetimeFigureOut">
               <a:rPr lang="en-US" smtClean="0"/>
-              <a:t>2/18/23</a:t>
+              <a:t>2/19/23</a:t>
             </a:fld>
             <a:endParaRPr lang="en-US"/>
           </a:p>
@@ -2921,7 +3277,7 @@
           <a:p>
             <a:fld id="{C13A938A-C9BA-0346-A74F-83EB1631032C}" type="datetimeFigureOut">
               <a:rPr lang="en-US" smtClean="0"/>
-              <a:t>2/18/23</a:t>
+              <a:t>2/19/23</a:t>
             </a:fld>
             <a:endParaRPr lang="en-US"/>
           </a:p>
@@ -3505,7 +3861,7 @@
           <p:cNvPr id="2" name="Title 1">
             <a:extLst>
               <a:ext uri="{FF2B5EF4-FFF2-40B4-BE49-F238E27FC236}">
-                <a16:creationId xmlns:a16="http://schemas.microsoft.com/office/drawing/2014/main" id="{3B255DD2-F0C2-15A4-6495-86F028EDF28E}"/>
+                <a16:creationId xmlns:a16="http://schemas.microsoft.com/office/drawing/2014/main" id="{A8D2AB51-45B2-4FAB-DF80-B2431963A2D0}"/>
               </a:ext>
             </a:extLst>
           </p:cNvPr>
@@ -3523,7 +3879,7 @@
           <a:p>
             <a:r>
               <a:rPr lang="en-US" dirty="0"/>
-              <a:t>5.6 Void pointers</a:t>
+              <a:t>Call by Value / Call by Reference</a:t>
             </a:r>
           </a:p>
         </p:txBody>
@@ -3533,7 +3889,7 @@
           <p:cNvPr id="3" name="Content Placeholder 2">
             <a:extLst>
               <a:ext uri="{FF2B5EF4-FFF2-40B4-BE49-F238E27FC236}">
-                <a16:creationId xmlns:a16="http://schemas.microsoft.com/office/drawing/2014/main" id="{BEEF32A2-0F87-CABC-2824-E3BA4CC5D829}"/>
+                <a16:creationId xmlns:a16="http://schemas.microsoft.com/office/drawing/2014/main" id="{471C69E1-7789-ED8C-C21E-74ECBE5E0EFF}"/>
               </a:ext>
             </a:extLst>
           </p:cNvPr>
@@ -3544,319 +3900,36 @@
             <p:ph idx="1"/>
           </p:nvPr>
         </p:nvSpPr>
-        <p:spPr>
-          <a:xfrm>
-            <a:off x="838200" y="1825625"/>
-            <a:ext cx="4729843" cy="4351338"/>
-          </a:xfrm>
-        </p:spPr>
-        <p:txBody>
-          <a:bodyPr>
-            <a:normAutofit/>
-          </a:bodyPr>
+        <p:spPr/>
+        <p:txBody>
+          <a:bodyPr/>
           <a:lstStyle/>
           <a:p>
             <a:r>
               <a:rPr lang="en-US" dirty="0"/>
-              <a:t>Void pointers provided a way to return an address of memory without choosing the type of the data that would be stored in the memory</a:t>
-            </a:r>
-          </a:p>
-        </p:txBody>
-      </p:sp>
-      <p:sp>
-        <p:nvSpPr>
-          <p:cNvPr id="4" name="TextBox 3">
-            <a:extLst>
-              <a:ext uri="{FF2B5EF4-FFF2-40B4-BE49-F238E27FC236}">
-                <a16:creationId xmlns:a16="http://schemas.microsoft.com/office/drawing/2014/main" id="{1F5A1B53-997B-AA8C-0052-ACBB5D10A4DC}"/>
-              </a:ext>
-            </a:extLst>
-          </p:cNvPr>
-          <p:cNvSpPr txBox="1"/>
-          <p:nvPr/>
-        </p:nvSpPr>
-        <p:spPr>
-          <a:xfrm>
-            <a:off x="6757670" y="1027906"/>
-            <a:ext cx="4044697" cy="5078313"/>
-          </a:xfrm>
-          <a:prstGeom prst="rect">
-            <a:avLst/>
-          </a:prstGeom>
-          <a:noFill/>
-        </p:spPr>
-        <p:txBody>
-          <a:bodyPr wrap="none" rtlCol="0">
-            <a:spAutoFit/>
-          </a:bodyPr>
-          <a:lstStyle/>
-          <a:p>
-            <a:r>
-              <a:rPr lang="en-US" b="1" dirty="0">
-                <a:latin typeface="Courier New" panose="02070309020205020404" pitchFamily="49" charset="0"/>
-                <a:cs typeface="Courier New" panose="02070309020205020404" pitchFamily="49" charset="0"/>
-              </a:rPr>
-              <a:t>Early 1970’s:</a:t>
-            </a:r>
-          </a:p>
-          <a:p>
-            <a:endParaRPr lang="en-US" dirty="0">
-              <a:latin typeface="Courier New" panose="02070309020205020404" pitchFamily="49" charset="0"/>
-              <a:cs typeface="Courier New" panose="02070309020205020404" pitchFamily="49" charset="0"/>
-            </a:endParaRPr>
-          </a:p>
-          <a:p>
-            <a:r>
-              <a:rPr lang="en-US" dirty="0">
-                <a:latin typeface="Courier New" panose="02070309020205020404" pitchFamily="49" charset="0"/>
-                <a:cs typeface="Courier New" panose="02070309020205020404" pitchFamily="49" charset="0"/>
-              </a:rPr>
-              <a:t>int </a:t>
-            </a:r>
-            <a:r>
-              <a:rPr lang="en-US" dirty="0" err="1">
-                <a:latin typeface="Courier New" panose="02070309020205020404" pitchFamily="49" charset="0"/>
-                <a:cs typeface="Courier New" panose="02070309020205020404" pitchFamily="49" charset="0"/>
-              </a:rPr>
-              <a:t>alloc</a:t>
-            </a:r>
-            <a:r>
-              <a:rPr lang="en-US" dirty="0">
-                <a:latin typeface="Courier New" panose="02070309020205020404" pitchFamily="49" charset="0"/>
-                <a:cs typeface="Courier New" panose="02070309020205020404" pitchFamily="49" charset="0"/>
-              </a:rPr>
-              <a:t>();</a:t>
-            </a:r>
-          </a:p>
-          <a:p>
-            <a:endParaRPr lang="en-US" dirty="0">
-              <a:latin typeface="Courier New" panose="02070309020205020404" pitchFamily="49" charset="0"/>
-              <a:cs typeface="Courier New" panose="02070309020205020404" pitchFamily="49" charset="0"/>
-            </a:endParaRPr>
-          </a:p>
-          <a:p>
-            <a:r>
-              <a:rPr lang="en-US" dirty="0">
-                <a:latin typeface="Courier New" panose="02070309020205020404" pitchFamily="49" charset="0"/>
-                <a:cs typeface="Courier New" panose="02070309020205020404" pitchFamily="49" charset="0"/>
-              </a:rPr>
-              <a:t>int *</a:t>
-            </a:r>
-            <a:r>
-              <a:rPr lang="en-US" dirty="0" err="1">
-                <a:latin typeface="Courier New" panose="02070309020205020404" pitchFamily="49" charset="0"/>
-                <a:cs typeface="Courier New" panose="02070309020205020404" pitchFamily="49" charset="0"/>
-              </a:rPr>
-              <a:t>vals</a:t>
-            </a:r>
-            <a:r>
-              <a:rPr lang="en-US" dirty="0">
-                <a:latin typeface="Courier New" panose="02070309020205020404" pitchFamily="49" charset="0"/>
-                <a:cs typeface="Courier New" panose="02070309020205020404" pitchFamily="49" charset="0"/>
-              </a:rPr>
-              <a:t> = (int *) </a:t>
-            </a:r>
-            <a:r>
-              <a:rPr lang="en-US" dirty="0" err="1">
-                <a:latin typeface="Courier New" panose="02070309020205020404" pitchFamily="49" charset="0"/>
-                <a:cs typeface="Courier New" panose="02070309020205020404" pitchFamily="49" charset="0"/>
-              </a:rPr>
-              <a:t>alloc</a:t>
-            </a:r>
-            <a:r>
-              <a:rPr lang="en-US" dirty="0">
-                <a:latin typeface="Courier New" panose="02070309020205020404" pitchFamily="49" charset="0"/>
-                <a:cs typeface="Courier New" panose="02070309020205020404" pitchFamily="49" charset="0"/>
-              </a:rPr>
-              <a:t>();</a:t>
-            </a:r>
-          </a:p>
-          <a:p>
-            <a:endParaRPr lang="en-US" b="1" dirty="0">
-              <a:latin typeface="Courier New" panose="02070309020205020404" pitchFamily="49" charset="0"/>
-              <a:cs typeface="Courier New" panose="02070309020205020404" pitchFamily="49" charset="0"/>
-            </a:endParaRPr>
-          </a:p>
-          <a:p>
-            <a:r>
-              <a:rPr lang="en-US" b="1" dirty="0">
-                <a:latin typeface="Courier New" panose="02070309020205020404" pitchFamily="49" charset="0"/>
-                <a:cs typeface="Courier New" panose="02070309020205020404" pitchFamily="49" charset="0"/>
-              </a:rPr>
-              <a:t>In the 1978 K&amp;R book:</a:t>
-            </a:r>
-          </a:p>
-          <a:p>
-            <a:endParaRPr lang="en-US" dirty="0">
-              <a:latin typeface="Courier New" panose="02070309020205020404" pitchFamily="49" charset="0"/>
-              <a:cs typeface="Courier New" panose="02070309020205020404" pitchFamily="49" charset="0"/>
-            </a:endParaRPr>
-          </a:p>
-          <a:p>
-            <a:r>
-              <a:rPr lang="en-US" dirty="0">
-                <a:latin typeface="Courier New" panose="02070309020205020404" pitchFamily="49" charset="0"/>
-                <a:cs typeface="Courier New" panose="02070309020205020404" pitchFamily="49" charset="0"/>
-              </a:rPr>
-              <a:t>char * </a:t>
-            </a:r>
-            <a:r>
-              <a:rPr lang="en-US" dirty="0" err="1">
-                <a:latin typeface="Courier New" panose="02070309020205020404" pitchFamily="49" charset="0"/>
-                <a:cs typeface="Courier New" panose="02070309020205020404" pitchFamily="49" charset="0"/>
-              </a:rPr>
-              <a:t>alloc</a:t>
-            </a:r>
-            <a:r>
-              <a:rPr lang="en-US" dirty="0">
-                <a:latin typeface="Courier New" panose="02070309020205020404" pitchFamily="49" charset="0"/>
-                <a:cs typeface="Courier New" panose="02070309020205020404" pitchFamily="49" charset="0"/>
-              </a:rPr>
-              <a:t>();</a:t>
-            </a:r>
-          </a:p>
-          <a:p>
-            <a:endParaRPr lang="en-US" dirty="0">
-              <a:latin typeface="Courier New" panose="02070309020205020404" pitchFamily="49" charset="0"/>
-              <a:cs typeface="Courier New" panose="02070309020205020404" pitchFamily="49" charset="0"/>
-            </a:endParaRPr>
-          </a:p>
-          <a:p>
-            <a:r>
-              <a:rPr lang="en-US" dirty="0">
-                <a:latin typeface="Courier New" panose="02070309020205020404" pitchFamily="49" charset="0"/>
-                <a:cs typeface="Courier New" panose="02070309020205020404" pitchFamily="49" charset="0"/>
-              </a:rPr>
-              <a:t>int *</a:t>
-            </a:r>
-            <a:r>
-              <a:rPr lang="en-US" dirty="0" err="1">
-                <a:latin typeface="Courier New" panose="02070309020205020404" pitchFamily="49" charset="0"/>
-                <a:cs typeface="Courier New" panose="02070309020205020404" pitchFamily="49" charset="0"/>
-              </a:rPr>
-              <a:t>vals</a:t>
-            </a:r>
-            <a:r>
-              <a:rPr lang="en-US" dirty="0">
-                <a:latin typeface="Courier New" panose="02070309020205020404" pitchFamily="49" charset="0"/>
-                <a:cs typeface="Courier New" panose="02070309020205020404" pitchFamily="49" charset="0"/>
-              </a:rPr>
-              <a:t> = (int *) </a:t>
-            </a:r>
-            <a:r>
-              <a:rPr lang="en-US" dirty="0" err="1">
-                <a:latin typeface="Courier New" panose="02070309020205020404" pitchFamily="49" charset="0"/>
-                <a:cs typeface="Courier New" panose="02070309020205020404" pitchFamily="49" charset="0"/>
-              </a:rPr>
-              <a:t>alloc</a:t>
-            </a:r>
-            <a:r>
-              <a:rPr lang="en-US" dirty="0">
-                <a:latin typeface="Courier New" panose="02070309020205020404" pitchFamily="49" charset="0"/>
-                <a:cs typeface="Courier New" panose="02070309020205020404" pitchFamily="49" charset="0"/>
-              </a:rPr>
-              <a:t>();</a:t>
-            </a:r>
-          </a:p>
-          <a:p>
-            <a:endParaRPr lang="en-US" b="1" dirty="0">
-              <a:latin typeface="Courier New" panose="02070309020205020404" pitchFamily="49" charset="0"/>
-              <a:cs typeface="Courier New" panose="02070309020205020404" pitchFamily="49" charset="0"/>
-            </a:endParaRPr>
-          </a:p>
-          <a:p>
-            <a:r>
-              <a:rPr lang="en-US" b="1" dirty="0">
-                <a:latin typeface="Courier New" panose="02070309020205020404" pitchFamily="49" charset="0"/>
-                <a:cs typeface="Courier New" panose="02070309020205020404" pitchFamily="49" charset="0"/>
-              </a:rPr>
-              <a:t>By 1979 and in modern C:</a:t>
-            </a:r>
-          </a:p>
-          <a:p>
-            <a:endParaRPr lang="en-US" b="1" dirty="0">
-              <a:latin typeface="Courier New" panose="02070309020205020404" pitchFamily="49" charset="0"/>
-              <a:cs typeface="Courier New" panose="02070309020205020404" pitchFamily="49" charset="0"/>
-            </a:endParaRPr>
-          </a:p>
-          <a:p>
-            <a:r>
-              <a:rPr lang="en-US" dirty="0">
-                <a:latin typeface="Courier New" panose="02070309020205020404" pitchFamily="49" charset="0"/>
-                <a:cs typeface="Courier New" panose="02070309020205020404" pitchFamily="49" charset="0"/>
-              </a:rPr>
-              <a:t>void * </a:t>
-            </a:r>
-            <a:r>
-              <a:rPr lang="en-US" dirty="0" err="1">
-                <a:latin typeface="Courier New" panose="02070309020205020404" pitchFamily="49" charset="0"/>
-                <a:cs typeface="Courier New" panose="02070309020205020404" pitchFamily="49" charset="0"/>
-              </a:rPr>
-              <a:t>alloc</a:t>
-            </a:r>
-            <a:r>
-              <a:rPr lang="en-US" dirty="0">
-                <a:latin typeface="Courier New" panose="02070309020205020404" pitchFamily="49" charset="0"/>
-                <a:cs typeface="Courier New" panose="02070309020205020404" pitchFamily="49" charset="0"/>
-              </a:rPr>
-              <a:t>();</a:t>
-            </a:r>
-          </a:p>
-          <a:p>
-            <a:endParaRPr lang="en-US" dirty="0">
-              <a:latin typeface="Courier New" panose="02070309020205020404" pitchFamily="49" charset="0"/>
-              <a:cs typeface="Courier New" panose="02070309020205020404" pitchFamily="49" charset="0"/>
-            </a:endParaRPr>
-          </a:p>
-          <a:p>
-            <a:r>
-              <a:rPr lang="en-US" dirty="0">
-                <a:latin typeface="Courier New" panose="02070309020205020404" pitchFamily="49" charset="0"/>
-                <a:cs typeface="Courier New" panose="02070309020205020404" pitchFamily="49" charset="0"/>
-              </a:rPr>
-              <a:t>int *</a:t>
-            </a:r>
-            <a:r>
-              <a:rPr lang="en-US" dirty="0" err="1">
-                <a:latin typeface="Courier New" panose="02070309020205020404" pitchFamily="49" charset="0"/>
-                <a:cs typeface="Courier New" panose="02070309020205020404" pitchFamily="49" charset="0"/>
-              </a:rPr>
-              <a:t>vals</a:t>
-            </a:r>
-            <a:r>
-              <a:rPr lang="en-US" dirty="0">
-                <a:latin typeface="Courier New" panose="02070309020205020404" pitchFamily="49" charset="0"/>
-                <a:cs typeface="Courier New" panose="02070309020205020404" pitchFamily="49" charset="0"/>
-              </a:rPr>
-              <a:t> = (int *) </a:t>
-            </a:r>
-            <a:r>
-              <a:rPr lang="en-US" dirty="0" err="1">
-                <a:latin typeface="Courier New" panose="02070309020205020404" pitchFamily="49" charset="0"/>
-                <a:cs typeface="Courier New" panose="02070309020205020404" pitchFamily="49" charset="0"/>
-              </a:rPr>
-              <a:t>alloc</a:t>
-            </a:r>
-            <a:r>
-              <a:rPr lang="en-US" dirty="0">
-                <a:latin typeface="Courier New" panose="02070309020205020404" pitchFamily="49" charset="0"/>
-                <a:cs typeface="Courier New" panose="02070309020205020404" pitchFamily="49" charset="0"/>
-              </a:rPr>
-              <a:t>();</a:t>
-            </a:r>
-          </a:p>
-          <a:p>
-            <a:endParaRPr lang="en-US" b="1" dirty="0">
-              <a:latin typeface="Courier New" panose="02070309020205020404" pitchFamily="49" charset="0"/>
-              <a:cs typeface="Courier New" panose="02070309020205020404" pitchFamily="49" charset="0"/>
-            </a:endParaRPr>
+              <a:t>Which languages support "call by reference" where you can change the value of a simple variable (i.e. int, long, float) passed into the function as a parameter?</a:t>
+            </a:r>
+          </a:p>
+          <a:p>
+            <a:pPr lvl="1"/>
+            <a:r>
+              <a:rPr lang="en-US" dirty="0"/>
+              <a:t>Yes – Pascal, C, C++, PHP, and C#</a:t>
+            </a:r>
+          </a:p>
+          <a:p>
+            <a:pPr lvl="1"/>
+            <a:r>
+              <a:rPr lang="en-US" dirty="0"/>
+              <a:t>No – Python, Java, JavaScript</a:t>
+            </a:r>
           </a:p>
         </p:txBody>
       </p:sp>
     </p:spTree>
     <p:extLst>
       <p:ext uri="{BB962C8B-B14F-4D97-AF65-F5344CB8AC3E}">
-        <p14:creationId xmlns:p14="http://schemas.microsoft.com/office/powerpoint/2010/main" val="1438612513"/>
+        <p14:creationId xmlns:p14="http://schemas.microsoft.com/office/powerpoint/2010/main" val="1389352039"/>
       </p:ext>
     </p:extLst>
   </p:cSld>
@@ -3885,136 +3958,20 @@
       </p:grpSpPr>
       <p:sp>
         <p:nvSpPr>
-          <p:cNvPr id="2" name="Title 1">
-            <a:extLst>
-              <a:ext uri="{FF2B5EF4-FFF2-40B4-BE49-F238E27FC236}">
-                <a16:creationId xmlns:a16="http://schemas.microsoft.com/office/drawing/2014/main" id="{0F0BDACE-7C31-71EC-959E-1FBC550D9700}"/>
-              </a:ext>
-            </a:extLst>
-          </p:cNvPr>
-          <p:cNvSpPr>
-            <a:spLocks noGrp="1"/>
-          </p:cNvSpPr>
-          <p:nvPr>
-            <p:ph type="title"/>
-          </p:nvPr>
-        </p:nvSpPr>
-        <p:spPr/>
-        <p:txBody>
-          <a:bodyPr/>
-          <a:lstStyle/>
-          <a:p>
-            <a:r>
-              <a:rPr lang="en-US" dirty="0"/>
-              <a:t>Standardizing C</a:t>
-            </a:r>
-          </a:p>
-        </p:txBody>
-      </p:sp>
-      <p:sp>
-        <p:nvSpPr>
-          <p:cNvPr id="3" name="Content Placeholder 2">
-            <a:extLst>
-              <a:ext uri="{FF2B5EF4-FFF2-40B4-BE49-F238E27FC236}">
-                <a16:creationId xmlns:a16="http://schemas.microsoft.com/office/drawing/2014/main" id="{36134E98-BE7B-CC9B-992E-ACF91BB230B2}"/>
-              </a:ext>
-            </a:extLst>
-          </p:cNvPr>
-          <p:cNvSpPr>
-            <a:spLocks noGrp="1"/>
-          </p:cNvSpPr>
-          <p:nvPr>
-            <p:ph idx="1"/>
-          </p:nvPr>
+          <p:cNvPr id="18" name="TextBox 17">
+            <a:extLst>
+              <a:ext uri="{FF2B5EF4-FFF2-40B4-BE49-F238E27FC236}">
+                <a16:creationId xmlns:a16="http://schemas.microsoft.com/office/drawing/2014/main" id="{A0A7B33C-DEAC-7573-718E-78130733DF3B}"/>
+              </a:ext>
+            </a:extLst>
+          </p:cNvPr>
+          <p:cNvSpPr txBox="1"/>
+          <p:nvPr/>
         </p:nvSpPr>
         <p:spPr>
           <a:xfrm>
-            <a:off x="838200" y="1825625"/>
-            <a:ext cx="6261847" cy="1603375"/>
-          </a:xfrm>
-        </p:spPr>
-        <p:txBody>
-          <a:bodyPr>
-            <a:normAutofit fontScale="77500" lnSpcReduction="20000"/>
-          </a:bodyPr>
-          <a:lstStyle/>
-          <a:p>
-            <a:r>
-              <a:rPr lang="en-US" dirty="0"/>
-              <a:t>Standardization of C started in 1983 in ANSI</a:t>
-            </a:r>
-          </a:p>
-          <a:p>
-            <a:r>
-              <a:rPr lang="en-US" dirty="0"/>
-              <a:t>C++ was in development from 1979-1983</a:t>
-            </a:r>
-          </a:p>
-          <a:p>
-            <a:r>
-              <a:rPr lang="en-US" dirty="0"/>
-              <a:t>The Second Edition of K&amp;R C was published in 1988</a:t>
-            </a:r>
-          </a:p>
-          <a:p>
-            <a:r>
-              <a:rPr lang="en-US" dirty="0"/>
-              <a:t>The “C89” standard was released in 1989</a:t>
-            </a:r>
-          </a:p>
-        </p:txBody>
-      </p:sp>
-      <p:pic>
-        <p:nvPicPr>
-          <p:cNvPr id="5" name="Picture 4" descr="Text&#10;&#10;Description automatically generated">
-            <a:extLst>
-              <a:ext uri="{FF2B5EF4-FFF2-40B4-BE49-F238E27FC236}">
-                <a16:creationId xmlns:a16="http://schemas.microsoft.com/office/drawing/2014/main" id="{4862342F-C237-FEA9-5D7D-17A0157FD522}"/>
-              </a:ext>
-            </a:extLst>
-          </p:cNvPr>
-          <p:cNvPicPr>
-            <a:picLocks noChangeAspect="1"/>
-          </p:cNvPicPr>
-          <p:nvPr/>
-        </p:nvPicPr>
-        <p:blipFill>
-          <a:blip r:embed="rId2"/>
-          <a:stretch>
-            <a:fillRect/>
-          </a:stretch>
-        </p:blipFill>
-        <p:spPr>
-          <a:xfrm>
-            <a:off x="7753350" y="673100"/>
-            <a:ext cx="4000500" cy="5511800"/>
-          </a:xfrm>
-          <a:prstGeom prst="rect">
-            <a:avLst/>
-          </a:prstGeom>
-          <a:ln>
-            <a:solidFill>
-              <a:schemeClr val="tx1"/>
-            </a:solidFill>
-          </a:ln>
-        </p:spPr>
-      </p:pic>
-      <p:sp>
-        <p:nvSpPr>
-          <p:cNvPr id="6" name="TextBox 5">
-            <a:extLst>
-              <a:ext uri="{FF2B5EF4-FFF2-40B4-BE49-F238E27FC236}">
-                <a16:creationId xmlns:a16="http://schemas.microsoft.com/office/drawing/2014/main" id="{933272C8-E9EE-CFEA-4262-D8ADCA645F23}"/>
-              </a:ext>
-            </a:extLst>
-          </p:cNvPr>
-          <p:cNvSpPr txBox="1"/>
-          <p:nvPr/>
-        </p:nvSpPr>
-        <p:spPr>
-          <a:xfrm>
-            <a:off x="1474294" y="3599577"/>
-            <a:ext cx="4989658" cy="2585323"/>
+            <a:off x="7472050" y="1131841"/>
+            <a:ext cx="4158511" cy="4185761"/>
           </a:xfrm>
           <a:prstGeom prst="rect">
             <a:avLst/>
@@ -4022,58 +3979,956 @@
           <a:noFill/>
         </p:spPr>
         <p:txBody>
-          <a:bodyPr wrap="square" rtlCol="0">
+          <a:bodyPr wrap="none" rtlCol="0">
             <a:spAutoFit/>
           </a:bodyPr>
           <a:lstStyle/>
           <a:p>
             <a:r>
+              <a:rPr lang="en-US" sz="1400" b="1" dirty="0">
+                <a:latin typeface="Courier New" panose="02070309020205020404" pitchFamily="49" charset="0"/>
+                <a:cs typeface="Courier New" panose="02070309020205020404" pitchFamily="49" charset="0"/>
+              </a:rPr>
+              <a:t>#include &lt;</a:t>
+            </a:r>
+            <a:r>
+              <a:rPr lang="en-US" sz="1400" b="1" dirty="0" err="1">
+                <a:latin typeface="Courier New" panose="02070309020205020404" pitchFamily="49" charset="0"/>
+                <a:cs typeface="Courier New" panose="02070309020205020404" pitchFamily="49" charset="0"/>
+              </a:rPr>
+              <a:t>stdio.h</a:t>
+            </a:r>
+            <a:r>
+              <a:rPr lang="en-US" sz="1400" b="1" dirty="0">
+                <a:latin typeface="Courier New" panose="02070309020205020404" pitchFamily="49" charset="0"/>
+                <a:cs typeface="Courier New" panose="02070309020205020404" pitchFamily="49" charset="0"/>
+              </a:rPr>
+              <a:t>&gt;</a:t>
+            </a:r>
+          </a:p>
+          <a:p>
+            <a:endParaRPr lang="en-US" sz="1400" b="1" dirty="0">
+              <a:latin typeface="Courier New" panose="02070309020205020404" pitchFamily="49" charset="0"/>
+              <a:cs typeface="Courier New" panose="02070309020205020404" pitchFamily="49" charset="0"/>
+            </a:endParaRPr>
+          </a:p>
+          <a:p>
+            <a:r>
+              <a:rPr lang="en-US" sz="1400" b="1" dirty="0">
+                <a:latin typeface="Courier New" panose="02070309020205020404" pitchFamily="49" charset="0"/>
+                <a:cs typeface="Courier New" panose="02070309020205020404" pitchFamily="49" charset="0"/>
+              </a:rPr>
+              <a:t>int main() {</a:t>
+            </a:r>
+          </a:p>
+          <a:p>
+            <a:r>
+              <a:rPr lang="en-US" sz="1400" b="1" dirty="0">
+                <a:latin typeface="Courier New" panose="02070309020205020404" pitchFamily="49" charset="0"/>
+                <a:cs typeface="Courier New" panose="02070309020205020404" pitchFamily="49" charset="0"/>
+              </a:rPr>
+              <a:t>    int x, y;</a:t>
+            </a:r>
+          </a:p>
+          <a:p>
+            <a:r>
+              <a:rPr lang="en-US" sz="1400" b="1" dirty="0">
+                <a:latin typeface="Courier New" panose="02070309020205020404" pitchFamily="49" charset="0"/>
+                <a:cs typeface="Courier New" panose="02070309020205020404" pitchFamily="49" charset="0"/>
+              </a:rPr>
+              <a:t>    void </a:t>
+            </a:r>
+            <a:r>
+              <a:rPr lang="en-US" sz="1400" b="1" dirty="0" err="1">
+                <a:latin typeface="Courier New" panose="02070309020205020404" pitchFamily="49" charset="0"/>
+                <a:cs typeface="Courier New" panose="02070309020205020404" pitchFamily="49" charset="0"/>
+              </a:rPr>
+              <a:t>func</a:t>
+            </a:r>
+            <a:r>
+              <a:rPr lang="en-US" sz="1400" b="1" dirty="0">
+                <a:latin typeface="Courier New" panose="02070309020205020404" pitchFamily="49" charset="0"/>
+                <a:cs typeface="Courier New" panose="02070309020205020404" pitchFamily="49" charset="0"/>
+              </a:rPr>
+              <a:t>();</a:t>
+            </a:r>
+          </a:p>
+          <a:p>
+            <a:endParaRPr lang="en-US" sz="1400" b="1" dirty="0">
+              <a:latin typeface="Courier New" panose="02070309020205020404" pitchFamily="49" charset="0"/>
+              <a:cs typeface="Courier New" panose="02070309020205020404" pitchFamily="49" charset="0"/>
+            </a:endParaRPr>
+          </a:p>
+          <a:p>
+            <a:r>
+              <a:rPr lang="en-US" sz="1400" b="1" dirty="0">
+                <a:latin typeface="Courier New" panose="02070309020205020404" pitchFamily="49" charset="0"/>
+                <a:cs typeface="Courier New" panose="02070309020205020404" pitchFamily="49" charset="0"/>
+              </a:rPr>
+              <a:t>    x = 42;</a:t>
+            </a:r>
+          </a:p>
+          <a:p>
+            <a:r>
+              <a:rPr lang="en-US" sz="1400" b="1" dirty="0">
+                <a:latin typeface="Courier New" panose="02070309020205020404" pitchFamily="49" charset="0"/>
+                <a:cs typeface="Courier New" panose="02070309020205020404" pitchFamily="49" charset="0"/>
+              </a:rPr>
+              <a:t>    y = 43;</a:t>
+            </a:r>
+          </a:p>
+          <a:p>
+            <a:r>
+              <a:rPr lang="en-US" sz="1400" b="1" dirty="0">
+                <a:latin typeface="Courier New" panose="02070309020205020404" pitchFamily="49" charset="0"/>
+                <a:cs typeface="Courier New" panose="02070309020205020404" pitchFamily="49" charset="0"/>
+              </a:rPr>
+              <a:t>    </a:t>
+            </a:r>
+            <a:r>
+              <a:rPr lang="en-US" sz="1400" b="1" dirty="0" err="1">
+                <a:latin typeface="Courier New" panose="02070309020205020404" pitchFamily="49" charset="0"/>
+                <a:cs typeface="Courier New" panose="02070309020205020404" pitchFamily="49" charset="0"/>
+              </a:rPr>
+              <a:t>printf</a:t>
+            </a:r>
+            <a:r>
+              <a:rPr lang="en-US" sz="1400" b="1" dirty="0">
+                <a:latin typeface="Courier New" panose="02070309020205020404" pitchFamily="49" charset="0"/>
+                <a:cs typeface="Courier New" panose="02070309020205020404" pitchFamily="49" charset="0"/>
+              </a:rPr>
+              <a:t>("main x=%d y=%d\n", x, y);</a:t>
+            </a:r>
+          </a:p>
+          <a:p>
+            <a:r>
+              <a:rPr lang="en-US" sz="1400" b="1" dirty="0">
+                <a:latin typeface="Courier New" panose="02070309020205020404" pitchFamily="49" charset="0"/>
+                <a:cs typeface="Courier New" panose="02070309020205020404" pitchFamily="49" charset="0"/>
+              </a:rPr>
+              <a:t>    </a:t>
+            </a:r>
+            <a:r>
+              <a:rPr lang="en-US" sz="1400" b="1" dirty="0" err="1">
+                <a:latin typeface="Courier New" panose="02070309020205020404" pitchFamily="49" charset="0"/>
+                <a:cs typeface="Courier New" panose="02070309020205020404" pitchFamily="49" charset="0"/>
+              </a:rPr>
+              <a:t>func</a:t>
+            </a:r>
+            <a:r>
+              <a:rPr lang="en-US" sz="1400" b="1" dirty="0">
+                <a:latin typeface="Courier New" panose="02070309020205020404" pitchFamily="49" charset="0"/>
+                <a:cs typeface="Courier New" panose="02070309020205020404" pitchFamily="49" charset="0"/>
+              </a:rPr>
+              <a:t>(x, </a:t>
+            </a:r>
+            <a:r>
+              <a:rPr lang="en-US" sz="1400" b="1" dirty="0">
+                <a:solidFill>
+                  <a:srgbClr val="0070C0"/>
+                </a:solidFill>
+                <a:latin typeface="Courier New" panose="02070309020205020404" pitchFamily="49" charset="0"/>
+                <a:cs typeface="Courier New" panose="02070309020205020404" pitchFamily="49" charset="0"/>
+              </a:rPr>
+              <a:t>&amp;</a:t>
+            </a:r>
+            <a:r>
+              <a:rPr lang="en-US" sz="1400" b="1" dirty="0">
+                <a:latin typeface="Courier New" panose="02070309020205020404" pitchFamily="49" charset="0"/>
+                <a:cs typeface="Courier New" panose="02070309020205020404" pitchFamily="49" charset="0"/>
+              </a:rPr>
+              <a:t>y);</a:t>
+            </a:r>
+          </a:p>
+          <a:p>
+            <a:r>
+              <a:rPr lang="en-US" sz="1400" b="1" dirty="0">
+                <a:latin typeface="Courier New" panose="02070309020205020404" pitchFamily="49" charset="0"/>
+                <a:cs typeface="Courier New" panose="02070309020205020404" pitchFamily="49" charset="0"/>
+              </a:rPr>
+              <a:t>    </a:t>
+            </a:r>
+            <a:r>
+              <a:rPr lang="en-US" sz="1400" b="1" dirty="0" err="1">
+                <a:latin typeface="Courier New" panose="02070309020205020404" pitchFamily="49" charset="0"/>
+                <a:cs typeface="Courier New" panose="02070309020205020404" pitchFamily="49" charset="0"/>
+              </a:rPr>
+              <a:t>printf</a:t>
+            </a:r>
+            <a:r>
+              <a:rPr lang="en-US" sz="1400" b="1" dirty="0">
+                <a:latin typeface="Courier New" panose="02070309020205020404" pitchFamily="49" charset="0"/>
+                <a:cs typeface="Courier New" panose="02070309020205020404" pitchFamily="49" charset="0"/>
+              </a:rPr>
+              <a:t>("back x=%d y=%d\n", x, y);</a:t>
+            </a:r>
+          </a:p>
+          <a:p>
+            <a:r>
+              <a:rPr lang="en-US" sz="1400" b="1" dirty="0">
+                <a:latin typeface="Courier New" panose="02070309020205020404" pitchFamily="49" charset="0"/>
+                <a:cs typeface="Courier New" panose="02070309020205020404" pitchFamily="49" charset="0"/>
+              </a:rPr>
+              <a:t>}</a:t>
+            </a:r>
+          </a:p>
+          <a:p>
+            <a:endParaRPr lang="en-US" sz="1400" b="1" dirty="0">
+              <a:latin typeface="Courier New" panose="02070309020205020404" pitchFamily="49" charset="0"/>
+              <a:cs typeface="Courier New" panose="02070309020205020404" pitchFamily="49" charset="0"/>
+            </a:endParaRPr>
+          </a:p>
+          <a:p>
+            <a:r>
+              <a:rPr lang="en-US" sz="1400" b="1" dirty="0">
+                <a:latin typeface="Courier New" panose="02070309020205020404" pitchFamily="49" charset="0"/>
+                <a:cs typeface="Courier New" panose="02070309020205020404" pitchFamily="49" charset="0"/>
+              </a:rPr>
+              <a:t>void </a:t>
+            </a:r>
+            <a:r>
+              <a:rPr lang="en-US" sz="1400" b="1" dirty="0" err="1">
+                <a:latin typeface="Courier New" panose="02070309020205020404" pitchFamily="49" charset="0"/>
+                <a:cs typeface="Courier New" panose="02070309020205020404" pitchFamily="49" charset="0"/>
+              </a:rPr>
+              <a:t>func</a:t>
+            </a:r>
+            <a:r>
+              <a:rPr lang="en-US" sz="1400" b="1" dirty="0">
+                <a:latin typeface="Courier New" panose="02070309020205020404" pitchFamily="49" charset="0"/>
+                <a:cs typeface="Courier New" panose="02070309020205020404" pitchFamily="49" charset="0"/>
+              </a:rPr>
+              <a:t>(a, pb)</a:t>
+            </a:r>
+          </a:p>
+          <a:p>
+            <a:r>
+              <a:rPr lang="en-US" sz="1400" b="1" dirty="0">
+                <a:latin typeface="Courier New" panose="02070309020205020404" pitchFamily="49" charset="0"/>
+                <a:cs typeface="Courier New" panose="02070309020205020404" pitchFamily="49" charset="0"/>
+              </a:rPr>
+              <a:t>    int a, </a:t>
+            </a:r>
+            <a:r>
+              <a:rPr lang="en-US" sz="1400" b="1" dirty="0">
+                <a:solidFill>
+                  <a:srgbClr val="0070C0"/>
+                </a:solidFill>
+                <a:latin typeface="Courier New" panose="02070309020205020404" pitchFamily="49" charset="0"/>
+                <a:cs typeface="Courier New" panose="02070309020205020404" pitchFamily="49" charset="0"/>
+              </a:rPr>
+              <a:t>*</a:t>
+            </a:r>
+            <a:r>
+              <a:rPr lang="en-US" sz="1400" b="1" dirty="0">
+                <a:latin typeface="Courier New" panose="02070309020205020404" pitchFamily="49" charset="0"/>
+                <a:cs typeface="Courier New" panose="02070309020205020404" pitchFamily="49" charset="0"/>
+              </a:rPr>
+              <a:t>pb;</a:t>
+            </a:r>
+          </a:p>
+          <a:p>
+            <a:r>
+              <a:rPr lang="en-US" sz="1400" b="1" dirty="0">
+                <a:latin typeface="Courier New" panose="02070309020205020404" pitchFamily="49" charset="0"/>
+                <a:cs typeface="Courier New" panose="02070309020205020404" pitchFamily="49" charset="0"/>
+              </a:rPr>
+              <a:t>{</a:t>
+            </a:r>
+          </a:p>
+          <a:p>
+            <a:r>
+              <a:rPr lang="en-US" sz="1400" b="1" dirty="0">
+                <a:latin typeface="Courier New" panose="02070309020205020404" pitchFamily="49" charset="0"/>
+                <a:cs typeface="Courier New" panose="02070309020205020404" pitchFamily="49" charset="0"/>
+              </a:rPr>
+              <a:t>    a = 1;</a:t>
+            </a:r>
+          </a:p>
+          <a:p>
+            <a:r>
+              <a:rPr lang="en-US" sz="1400" b="1" dirty="0">
+                <a:latin typeface="Courier New" panose="02070309020205020404" pitchFamily="49" charset="0"/>
+                <a:cs typeface="Courier New" panose="02070309020205020404" pitchFamily="49" charset="0"/>
+              </a:rPr>
+              <a:t>    </a:t>
+            </a:r>
+            <a:r>
+              <a:rPr lang="en-US" sz="1400" b="1" dirty="0">
+                <a:solidFill>
+                  <a:srgbClr val="0070C0"/>
+                </a:solidFill>
+                <a:latin typeface="Courier New" panose="02070309020205020404" pitchFamily="49" charset="0"/>
+                <a:cs typeface="Courier New" panose="02070309020205020404" pitchFamily="49" charset="0"/>
+              </a:rPr>
+              <a:t>*</a:t>
+            </a:r>
+            <a:r>
+              <a:rPr lang="en-US" sz="1400" b="1" dirty="0">
+                <a:latin typeface="Courier New" panose="02070309020205020404" pitchFamily="49" charset="0"/>
+                <a:cs typeface="Courier New" panose="02070309020205020404" pitchFamily="49" charset="0"/>
+              </a:rPr>
+              <a:t>pb = 2;</a:t>
+            </a:r>
+          </a:p>
+          <a:p>
+            <a:r>
+              <a:rPr lang="en-US" sz="1400" b="1" dirty="0">
+                <a:latin typeface="Courier New" panose="02070309020205020404" pitchFamily="49" charset="0"/>
+                <a:cs typeface="Courier New" panose="02070309020205020404" pitchFamily="49" charset="0"/>
+              </a:rPr>
+              <a:t>}</a:t>
+            </a:r>
+          </a:p>
+        </p:txBody>
+      </p:sp>
+      <p:sp>
+        <p:nvSpPr>
+          <p:cNvPr id="19" name="TextBox 18">
+            <a:extLst>
+              <a:ext uri="{FF2B5EF4-FFF2-40B4-BE49-F238E27FC236}">
+                <a16:creationId xmlns:a16="http://schemas.microsoft.com/office/drawing/2014/main" id="{8E5ADF00-8A0F-1B20-4800-C38247595F18}"/>
+              </a:ext>
+            </a:extLst>
+          </p:cNvPr>
+          <p:cNvSpPr txBox="1"/>
+          <p:nvPr/>
+        </p:nvSpPr>
+        <p:spPr>
+          <a:xfrm>
+            <a:off x="7472050" y="773202"/>
+            <a:ext cx="2440092" cy="307777"/>
+          </a:xfrm>
+          <a:prstGeom prst="rect">
+            <a:avLst/>
+          </a:prstGeom>
+          <a:noFill/>
+        </p:spPr>
+        <p:txBody>
+          <a:bodyPr wrap="square">
+            <a:spAutoFit/>
+          </a:bodyPr>
+          <a:lstStyle/>
+          <a:p>
+            <a:r>
+              <a:rPr lang="en-US" sz="1400" b="1" dirty="0">
+                <a:solidFill>
+                  <a:srgbClr val="000000"/>
+                </a:solidFill>
+                <a:latin typeface="Menlo" panose="020B0609030804020204" pitchFamily="49" charset="0"/>
+              </a:rPr>
+              <a:t>kr_05_03.c   (1978)</a:t>
+            </a:r>
+          </a:p>
+        </p:txBody>
+      </p:sp>
+      <p:cxnSp>
+        <p:nvCxnSpPr>
+          <p:cNvPr id="20" name="Straight Arrow Connector 19">
+            <a:extLst>
+              <a:ext uri="{FF2B5EF4-FFF2-40B4-BE49-F238E27FC236}">
+                <a16:creationId xmlns:a16="http://schemas.microsoft.com/office/drawing/2014/main" id="{85F11FF2-7796-AE40-9C1B-69BCF8BA69CD}"/>
+              </a:ext>
+            </a:extLst>
+          </p:cNvPr>
+          <p:cNvCxnSpPr>
+            <a:cxnSpLocks/>
+          </p:cNvCxnSpPr>
+          <p:nvPr/>
+        </p:nvCxnSpPr>
+        <p:spPr>
+          <a:xfrm flipV="1">
+            <a:off x="7975600" y="5139802"/>
+            <a:ext cx="0" cy="688922"/>
+          </a:xfrm>
+          <a:prstGeom prst="straightConnector1">
+            <a:avLst/>
+          </a:prstGeom>
+          <a:ln w="38100">
+            <a:solidFill>
+              <a:srgbClr val="FF0000"/>
+            </a:solidFill>
+            <a:tailEnd type="triangle"/>
+          </a:ln>
+        </p:spPr>
+        <p:style>
+          <a:lnRef idx="1">
+            <a:schemeClr val="accent1"/>
+          </a:lnRef>
+          <a:fillRef idx="0">
+            <a:schemeClr val="accent1"/>
+          </a:fillRef>
+          <a:effectRef idx="0">
+            <a:schemeClr val="accent1"/>
+          </a:effectRef>
+          <a:fontRef idx="minor">
+            <a:schemeClr val="tx1"/>
+          </a:fontRef>
+        </p:style>
+      </p:cxnSp>
+      <p:cxnSp>
+        <p:nvCxnSpPr>
+          <p:cNvPr id="21" name="Straight Arrow Connector 20">
+            <a:extLst>
+              <a:ext uri="{FF2B5EF4-FFF2-40B4-BE49-F238E27FC236}">
+                <a16:creationId xmlns:a16="http://schemas.microsoft.com/office/drawing/2014/main" id="{1F59BADE-9213-DF8D-1AC5-6BBEFC40C3F4}"/>
+              </a:ext>
+            </a:extLst>
+          </p:cNvPr>
+          <p:cNvCxnSpPr>
+            <a:cxnSpLocks/>
+          </p:cNvCxnSpPr>
+          <p:nvPr/>
+        </p:nvCxnSpPr>
+        <p:spPr>
+          <a:xfrm flipH="1" flipV="1">
+            <a:off x="8839200" y="4470400"/>
+            <a:ext cx="876300" cy="847202"/>
+          </a:xfrm>
+          <a:prstGeom prst="straightConnector1">
+            <a:avLst/>
+          </a:prstGeom>
+          <a:ln w="38100">
+            <a:solidFill>
+              <a:srgbClr val="FF0000"/>
+            </a:solidFill>
+            <a:tailEnd type="triangle"/>
+          </a:ln>
+        </p:spPr>
+        <p:style>
+          <a:lnRef idx="1">
+            <a:schemeClr val="accent1"/>
+          </a:lnRef>
+          <a:fillRef idx="0">
+            <a:schemeClr val="accent1"/>
+          </a:fillRef>
+          <a:effectRef idx="0">
+            <a:schemeClr val="accent1"/>
+          </a:effectRef>
+          <a:fontRef idx="minor">
+            <a:schemeClr val="tx1"/>
+          </a:fontRef>
+        </p:style>
+      </p:cxnSp>
+      <p:cxnSp>
+        <p:nvCxnSpPr>
+          <p:cNvPr id="22" name="Straight Arrow Connector 21">
+            <a:extLst>
+              <a:ext uri="{FF2B5EF4-FFF2-40B4-BE49-F238E27FC236}">
+                <a16:creationId xmlns:a16="http://schemas.microsoft.com/office/drawing/2014/main" id="{B7233F3B-5EB6-495A-40B1-CF3E4617B85C}"/>
+              </a:ext>
+            </a:extLst>
+          </p:cNvPr>
+          <p:cNvCxnSpPr>
+            <a:cxnSpLocks/>
+          </p:cNvCxnSpPr>
+          <p:nvPr/>
+        </p:nvCxnSpPr>
+        <p:spPr>
+          <a:xfrm flipH="1">
+            <a:off x="9715500" y="3200400"/>
+            <a:ext cx="1003300" cy="0"/>
+          </a:xfrm>
+          <a:prstGeom prst="straightConnector1">
+            <a:avLst/>
+          </a:prstGeom>
+          <a:ln w="38100">
+            <a:solidFill>
+              <a:srgbClr val="FF0000"/>
+            </a:solidFill>
+            <a:tailEnd type="triangle"/>
+          </a:ln>
+        </p:spPr>
+        <p:style>
+          <a:lnRef idx="1">
+            <a:schemeClr val="accent1"/>
+          </a:lnRef>
+          <a:fillRef idx="0">
+            <a:schemeClr val="accent1"/>
+          </a:fillRef>
+          <a:effectRef idx="0">
+            <a:schemeClr val="accent1"/>
+          </a:effectRef>
+          <a:fontRef idx="minor">
+            <a:schemeClr val="tx1"/>
+          </a:fontRef>
+        </p:style>
+      </p:cxnSp>
+      <p:sp>
+        <p:nvSpPr>
+          <p:cNvPr id="2" name="TextBox 1">
+            <a:extLst>
+              <a:ext uri="{FF2B5EF4-FFF2-40B4-BE49-F238E27FC236}">
+                <a16:creationId xmlns:a16="http://schemas.microsoft.com/office/drawing/2014/main" id="{CA0E44BE-CEBB-F111-2E62-6528908F9DF8}"/>
+              </a:ext>
+            </a:extLst>
+          </p:cNvPr>
+          <p:cNvSpPr txBox="1"/>
+          <p:nvPr/>
+        </p:nvSpPr>
+        <p:spPr>
+          <a:xfrm>
+            <a:off x="1259939" y="1080979"/>
+            <a:ext cx="4910319" cy="4185761"/>
+          </a:xfrm>
+          <a:prstGeom prst="rect">
+            <a:avLst/>
+          </a:prstGeom>
+          <a:noFill/>
+        </p:spPr>
+        <p:txBody>
+          <a:bodyPr wrap="none" rtlCol="0">
+            <a:spAutoFit/>
+          </a:bodyPr>
+          <a:lstStyle/>
+          <a:p>
+            <a:r>
+              <a:rPr lang="en-US" sz="1400" b="1" dirty="0">
+                <a:latin typeface="Courier New" panose="02070309020205020404" pitchFamily="49" charset="0"/>
+                <a:cs typeface="Courier New" panose="02070309020205020404" pitchFamily="49" charset="0"/>
+              </a:rPr>
+              <a:t>program kr_05_03;</a:t>
+            </a:r>
+          </a:p>
+          <a:p>
+            <a:r>
+              <a:rPr lang="en-US" sz="1400" b="1" dirty="0">
+                <a:latin typeface="Courier New" panose="02070309020205020404" pitchFamily="49" charset="0"/>
+                <a:cs typeface="Courier New" panose="02070309020205020404" pitchFamily="49" charset="0"/>
+              </a:rPr>
+              <a:t>var</a:t>
+            </a:r>
+          </a:p>
+          <a:p>
+            <a:r>
+              <a:rPr lang="en-US" sz="1400" b="1" dirty="0">
+                <a:latin typeface="Courier New" panose="02070309020205020404" pitchFamily="49" charset="0"/>
+                <a:cs typeface="Courier New" panose="02070309020205020404" pitchFamily="49" charset="0"/>
+              </a:rPr>
+              <a:t>   x, y : integer;</a:t>
+            </a:r>
+          </a:p>
+          <a:p>
+            <a:endParaRPr lang="en-US" sz="1400" b="1" dirty="0">
+              <a:latin typeface="Courier New" panose="02070309020205020404" pitchFamily="49" charset="0"/>
+              <a:cs typeface="Courier New" panose="02070309020205020404" pitchFamily="49" charset="0"/>
+            </a:endParaRPr>
+          </a:p>
+          <a:p>
+            <a:r>
+              <a:rPr lang="en-US" sz="1400" b="1" dirty="0">
+                <a:latin typeface="Courier New" panose="02070309020205020404" pitchFamily="49" charset="0"/>
+                <a:cs typeface="Courier New" panose="02070309020205020404" pitchFamily="49" charset="0"/>
+              </a:rPr>
+              <a:t>procedure </a:t>
+            </a:r>
+            <a:r>
+              <a:rPr lang="en-US" sz="1400" b="1" dirty="0" err="1">
+                <a:latin typeface="Courier New" panose="02070309020205020404" pitchFamily="49" charset="0"/>
+                <a:cs typeface="Courier New" panose="02070309020205020404" pitchFamily="49" charset="0"/>
+              </a:rPr>
+              <a:t>func</a:t>
+            </a:r>
+            <a:r>
+              <a:rPr lang="en-US" sz="1400" b="1" dirty="0">
+                <a:latin typeface="Courier New" panose="02070309020205020404" pitchFamily="49" charset="0"/>
+                <a:cs typeface="Courier New" panose="02070309020205020404" pitchFamily="49" charset="0"/>
+              </a:rPr>
+              <a:t>(a: integer; </a:t>
+            </a:r>
+            <a:r>
+              <a:rPr lang="en-US" sz="1400" b="1" dirty="0">
+                <a:solidFill>
+                  <a:srgbClr val="0070C0"/>
+                </a:solidFill>
+                <a:latin typeface="Courier New" panose="02070309020205020404" pitchFamily="49" charset="0"/>
+                <a:cs typeface="Courier New" panose="02070309020205020404" pitchFamily="49" charset="0"/>
+              </a:rPr>
+              <a:t>var</a:t>
+            </a:r>
+            <a:r>
+              <a:rPr lang="en-US" sz="1400" b="1" dirty="0">
+                <a:latin typeface="Courier New" panose="02070309020205020404" pitchFamily="49" charset="0"/>
+                <a:cs typeface="Courier New" panose="02070309020205020404" pitchFamily="49" charset="0"/>
+              </a:rPr>
+              <a:t> b: integer);</a:t>
+            </a:r>
+          </a:p>
+          <a:p>
+            <a:r>
+              <a:rPr lang="en-US" sz="1400" b="1" dirty="0">
+                <a:latin typeface="Courier New" panose="02070309020205020404" pitchFamily="49" charset="0"/>
+                <a:cs typeface="Courier New" panose="02070309020205020404" pitchFamily="49" charset="0"/>
+              </a:rPr>
+              <a:t>begin</a:t>
+            </a:r>
+          </a:p>
+          <a:p>
+            <a:r>
+              <a:rPr lang="en-US" sz="1400" b="1" dirty="0">
+                <a:latin typeface="Courier New" panose="02070309020205020404" pitchFamily="49" charset="0"/>
+                <a:cs typeface="Courier New" panose="02070309020205020404" pitchFamily="49" charset="0"/>
+              </a:rPr>
+              <a:t>    a := 1;</a:t>
+            </a:r>
+          </a:p>
+          <a:p>
+            <a:r>
+              <a:rPr lang="en-US" sz="1400" b="1" dirty="0">
+                <a:latin typeface="Courier New" panose="02070309020205020404" pitchFamily="49" charset="0"/>
+                <a:cs typeface="Courier New" panose="02070309020205020404" pitchFamily="49" charset="0"/>
+              </a:rPr>
+              <a:t>    b := 2;</a:t>
+            </a:r>
+          </a:p>
+          <a:p>
+            <a:r>
+              <a:rPr lang="en-US" sz="1400" b="1" dirty="0">
+                <a:latin typeface="Courier New" panose="02070309020205020404" pitchFamily="49" charset="0"/>
+                <a:cs typeface="Courier New" panose="02070309020205020404" pitchFamily="49" charset="0"/>
+              </a:rPr>
+              <a:t>end;</a:t>
+            </a:r>
+          </a:p>
+          <a:p>
+            <a:endParaRPr lang="en-US" sz="1400" b="1" dirty="0">
+              <a:latin typeface="Courier New" panose="02070309020205020404" pitchFamily="49" charset="0"/>
+              <a:cs typeface="Courier New" panose="02070309020205020404" pitchFamily="49" charset="0"/>
+            </a:endParaRPr>
+          </a:p>
+          <a:p>
+            <a:r>
+              <a:rPr lang="en-US" sz="1400" b="1" dirty="0">
+                <a:latin typeface="Courier New" panose="02070309020205020404" pitchFamily="49" charset="0"/>
+                <a:cs typeface="Courier New" panose="02070309020205020404" pitchFamily="49" charset="0"/>
+              </a:rPr>
+              <a:t>begin</a:t>
+            </a:r>
+          </a:p>
+          <a:p>
+            <a:r>
+              <a:rPr lang="en-US" sz="1400" b="1" dirty="0">
+                <a:latin typeface="Courier New" panose="02070309020205020404" pitchFamily="49" charset="0"/>
+                <a:cs typeface="Courier New" panose="02070309020205020404" pitchFamily="49" charset="0"/>
+              </a:rPr>
+              <a:t>    x := 42;</a:t>
+            </a:r>
+          </a:p>
+          <a:p>
+            <a:r>
+              <a:rPr lang="en-US" sz="1400" b="1" dirty="0">
+                <a:latin typeface="Courier New" panose="02070309020205020404" pitchFamily="49" charset="0"/>
+                <a:cs typeface="Courier New" panose="02070309020205020404" pitchFamily="49" charset="0"/>
+              </a:rPr>
+              <a:t>    y := 43;</a:t>
+            </a:r>
+          </a:p>
+          <a:p>
+            <a:r>
+              <a:rPr lang="en-US" sz="1400" b="1" dirty="0">
+                <a:latin typeface="Courier New" panose="02070309020205020404" pitchFamily="49" charset="0"/>
+                <a:cs typeface="Courier New" panose="02070309020205020404" pitchFamily="49" charset="0"/>
+              </a:rPr>
+              <a:t>    </a:t>
+            </a:r>
+            <a:r>
+              <a:rPr lang="en-US" sz="1400" b="1" dirty="0" err="1">
+                <a:latin typeface="Courier New" panose="02070309020205020404" pitchFamily="49" charset="0"/>
+                <a:cs typeface="Courier New" panose="02070309020205020404" pitchFamily="49" charset="0"/>
+              </a:rPr>
+              <a:t>writeln</a:t>
+            </a:r>
+            <a:r>
+              <a:rPr lang="en-US" sz="1400" b="1" dirty="0">
+                <a:latin typeface="Courier New" panose="02070309020205020404" pitchFamily="49" charset="0"/>
+                <a:cs typeface="Courier New" panose="02070309020205020404" pitchFamily="49" charset="0"/>
+              </a:rPr>
+              <a:t>('main x ',x);</a:t>
+            </a:r>
+          </a:p>
+          <a:p>
+            <a:r>
+              <a:rPr lang="en-US" sz="1400" b="1" dirty="0">
+                <a:latin typeface="Courier New" panose="02070309020205020404" pitchFamily="49" charset="0"/>
+                <a:cs typeface="Courier New" panose="02070309020205020404" pitchFamily="49" charset="0"/>
+              </a:rPr>
+              <a:t>    </a:t>
+            </a:r>
+            <a:r>
+              <a:rPr lang="en-US" sz="1400" b="1" dirty="0" err="1">
+                <a:latin typeface="Courier New" panose="02070309020205020404" pitchFamily="49" charset="0"/>
+                <a:cs typeface="Courier New" panose="02070309020205020404" pitchFamily="49" charset="0"/>
+              </a:rPr>
+              <a:t>writeln</a:t>
+            </a:r>
+            <a:r>
+              <a:rPr lang="en-US" sz="1400" b="1" dirty="0">
+                <a:latin typeface="Courier New" panose="02070309020205020404" pitchFamily="49" charset="0"/>
+                <a:cs typeface="Courier New" panose="02070309020205020404" pitchFamily="49" charset="0"/>
+              </a:rPr>
+              <a:t>('main y ',y);</a:t>
+            </a:r>
+          </a:p>
+          <a:p>
+            <a:r>
+              <a:rPr lang="en-US" sz="1400" b="1" dirty="0">
+                <a:latin typeface="Courier New" panose="02070309020205020404" pitchFamily="49" charset="0"/>
+                <a:cs typeface="Courier New" panose="02070309020205020404" pitchFamily="49" charset="0"/>
+              </a:rPr>
+              <a:t>    </a:t>
+            </a:r>
+            <a:r>
+              <a:rPr lang="en-US" sz="1400" b="1" dirty="0" err="1">
+                <a:latin typeface="Courier New" panose="02070309020205020404" pitchFamily="49" charset="0"/>
+                <a:cs typeface="Courier New" panose="02070309020205020404" pitchFamily="49" charset="0"/>
+              </a:rPr>
+              <a:t>func</a:t>
+            </a:r>
+            <a:r>
+              <a:rPr lang="en-US" sz="1400" b="1" dirty="0">
+                <a:latin typeface="Courier New" panose="02070309020205020404" pitchFamily="49" charset="0"/>
+                <a:cs typeface="Courier New" panose="02070309020205020404" pitchFamily="49" charset="0"/>
+              </a:rPr>
+              <a:t>(x, y);</a:t>
+            </a:r>
+          </a:p>
+          <a:p>
+            <a:r>
+              <a:rPr lang="en-US" sz="1400" b="1" dirty="0">
+                <a:latin typeface="Courier New" panose="02070309020205020404" pitchFamily="49" charset="0"/>
+                <a:cs typeface="Courier New" panose="02070309020205020404" pitchFamily="49" charset="0"/>
+              </a:rPr>
+              <a:t>    </a:t>
+            </a:r>
+            <a:r>
+              <a:rPr lang="en-US" sz="1400" b="1" dirty="0" err="1">
+                <a:latin typeface="Courier New" panose="02070309020205020404" pitchFamily="49" charset="0"/>
+                <a:cs typeface="Courier New" panose="02070309020205020404" pitchFamily="49" charset="0"/>
+              </a:rPr>
+              <a:t>writeln</a:t>
+            </a:r>
+            <a:r>
+              <a:rPr lang="en-US" sz="1400" b="1" dirty="0">
+                <a:latin typeface="Courier New" panose="02070309020205020404" pitchFamily="49" charset="0"/>
+                <a:cs typeface="Courier New" panose="02070309020205020404" pitchFamily="49" charset="0"/>
+              </a:rPr>
+              <a:t>('back x ',x);</a:t>
+            </a:r>
+          </a:p>
+          <a:p>
+            <a:r>
+              <a:rPr lang="en-US" sz="1400" b="1" dirty="0">
+                <a:latin typeface="Courier New" panose="02070309020205020404" pitchFamily="49" charset="0"/>
+                <a:cs typeface="Courier New" panose="02070309020205020404" pitchFamily="49" charset="0"/>
+              </a:rPr>
+              <a:t>    </a:t>
+            </a:r>
+            <a:r>
+              <a:rPr lang="en-US" sz="1400" b="1" dirty="0" err="1">
+                <a:latin typeface="Courier New" panose="02070309020205020404" pitchFamily="49" charset="0"/>
+                <a:cs typeface="Courier New" panose="02070309020205020404" pitchFamily="49" charset="0"/>
+              </a:rPr>
+              <a:t>writeln</a:t>
+            </a:r>
+            <a:r>
+              <a:rPr lang="en-US" sz="1400" b="1" dirty="0">
+                <a:latin typeface="Courier New" panose="02070309020205020404" pitchFamily="49" charset="0"/>
+                <a:cs typeface="Courier New" panose="02070309020205020404" pitchFamily="49" charset="0"/>
+              </a:rPr>
+              <a:t>('back y ',y);</a:t>
+            </a:r>
+          </a:p>
+          <a:p>
+            <a:r>
+              <a:rPr lang="en-US" sz="1400" b="1" dirty="0">
+                <a:latin typeface="Courier New" panose="02070309020205020404" pitchFamily="49" charset="0"/>
+                <a:cs typeface="Courier New" panose="02070309020205020404" pitchFamily="49" charset="0"/>
+              </a:rPr>
+              <a:t>end.</a:t>
+            </a:r>
+          </a:p>
+        </p:txBody>
+      </p:sp>
+      <p:sp>
+        <p:nvSpPr>
+          <p:cNvPr id="3" name="TextBox 2">
+            <a:extLst>
+              <a:ext uri="{FF2B5EF4-FFF2-40B4-BE49-F238E27FC236}">
+                <a16:creationId xmlns:a16="http://schemas.microsoft.com/office/drawing/2014/main" id="{93C18F99-5889-9E88-D3B1-5BC43663F4A5}"/>
+              </a:ext>
+            </a:extLst>
+          </p:cNvPr>
+          <p:cNvSpPr txBox="1"/>
+          <p:nvPr/>
+        </p:nvSpPr>
+        <p:spPr>
+          <a:xfrm>
+            <a:off x="1259939" y="722340"/>
+            <a:ext cx="2440092" cy="307777"/>
+          </a:xfrm>
+          <a:prstGeom prst="rect">
+            <a:avLst/>
+          </a:prstGeom>
+          <a:noFill/>
+        </p:spPr>
+        <p:txBody>
+          <a:bodyPr wrap="square">
+            <a:spAutoFit/>
+          </a:bodyPr>
+          <a:lstStyle/>
+          <a:p>
+            <a:r>
+              <a:rPr lang="en-US" sz="1400" b="1" dirty="0">
+                <a:solidFill>
+                  <a:srgbClr val="000000"/>
+                </a:solidFill>
+                <a:latin typeface="Menlo" panose="020B0609030804020204" pitchFamily="49" charset="0"/>
+              </a:rPr>
+              <a:t>kr_05_03.pas   (1970)</a:t>
+            </a:r>
+          </a:p>
+        </p:txBody>
+      </p:sp>
+      <p:cxnSp>
+        <p:nvCxnSpPr>
+          <p:cNvPr id="4" name="Straight Arrow Connector 3">
+            <a:extLst>
+              <a:ext uri="{FF2B5EF4-FFF2-40B4-BE49-F238E27FC236}">
+                <a16:creationId xmlns:a16="http://schemas.microsoft.com/office/drawing/2014/main" id="{AAFC60F5-7A3C-D187-4BFF-EF7548489987}"/>
+              </a:ext>
+            </a:extLst>
+          </p:cNvPr>
+          <p:cNvCxnSpPr>
+            <a:cxnSpLocks/>
+          </p:cNvCxnSpPr>
+          <p:nvPr/>
+        </p:nvCxnSpPr>
+        <p:spPr>
+          <a:xfrm flipH="1" flipV="1">
+            <a:off x="4441707" y="2247838"/>
+            <a:ext cx="330200" cy="901700"/>
+          </a:xfrm>
+          <a:prstGeom prst="straightConnector1">
+            <a:avLst/>
+          </a:prstGeom>
+          <a:ln w="38100">
+            <a:solidFill>
+              <a:srgbClr val="FF0000"/>
+            </a:solidFill>
+            <a:tailEnd type="triangle"/>
+          </a:ln>
+        </p:spPr>
+        <p:style>
+          <a:lnRef idx="1">
+            <a:schemeClr val="accent1"/>
+          </a:lnRef>
+          <a:fillRef idx="0">
+            <a:schemeClr val="accent1"/>
+          </a:fillRef>
+          <a:effectRef idx="0">
+            <a:schemeClr val="accent1"/>
+          </a:effectRef>
+          <a:fontRef idx="minor">
+            <a:schemeClr val="tx1"/>
+          </a:fontRef>
+        </p:style>
+      </p:cxnSp>
+      <p:cxnSp>
+        <p:nvCxnSpPr>
+          <p:cNvPr id="5" name="Straight Arrow Connector 4">
+            <a:extLst>
+              <a:ext uri="{FF2B5EF4-FFF2-40B4-BE49-F238E27FC236}">
+                <a16:creationId xmlns:a16="http://schemas.microsoft.com/office/drawing/2014/main" id="{9078AB92-51A7-9611-6D10-0DDDDEECCFD7}"/>
+              </a:ext>
+            </a:extLst>
+          </p:cNvPr>
+          <p:cNvCxnSpPr>
+            <a:cxnSpLocks/>
+          </p:cNvCxnSpPr>
+          <p:nvPr/>
+        </p:nvCxnSpPr>
+        <p:spPr>
+          <a:xfrm flipH="1">
+            <a:off x="3133607" y="4432238"/>
+            <a:ext cx="952500" cy="0"/>
+          </a:xfrm>
+          <a:prstGeom prst="straightConnector1">
+            <a:avLst/>
+          </a:prstGeom>
+          <a:ln w="38100">
+            <a:solidFill>
+              <a:srgbClr val="FF0000"/>
+            </a:solidFill>
+            <a:tailEnd type="triangle"/>
+          </a:ln>
+        </p:spPr>
+        <p:style>
+          <a:lnRef idx="1">
+            <a:schemeClr val="accent1"/>
+          </a:lnRef>
+          <a:fillRef idx="0">
+            <a:schemeClr val="accent1"/>
+          </a:fillRef>
+          <a:effectRef idx="0">
+            <a:schemeClr val="accent1"/>
+          </a:effectRef>
+          <a:fontRef idx="minor">
+            <a:schemeClr val="tx1"/>
+          </a:fontRef>
+        </p:style>
+      </p:cxnSp>
+      <p:sp>
+        <p:nvSpPr>
+          <p:cNvPr id="6" name="TextBox 5">
+            <a:extLst>
+              <a:ext uri="{FF2B5EF4-FFF2-40B4-BE49-F238E27FC236}">
+                <a16:creationId xmlns:a16="http://schemas.microsoft.com/office/drawing/2014/main" id="{A5BEF6D3-A2B0-5929-B110-3A27AB54183B}"/>
+              </a:ext>
+            </a:extLst>
+          </p:cNvPr>
+          <p:cNvSpPr txBox="1"/>
+          <p:nvPr/>
+        </p:nvSpPr>
+        <p:spPr>
+          <a:xfrm>
+            <a:off x="1259939" y="6248933"/>
+            <a:ext cx="6096000" cy="369332"/>
+          </a:xfrm>
+          <a:prstGeom prst="rect">
+            <a:avLst/>
+          </a:prstGeom>
+          <a:noFill/>
+        </p:spPr>
+        <p:txBody>
+          <a:bodyPr wrap="square">
+            <a:spAutoFit/>
+          </a:bodyPr>
+          <a:lstStyle/>
+          <a:p>
+            <a:r>
               <a:rPr lang="en-US" dirty="0"/>
-              <a:t>The second edition of </a:t>
-            </a:r>
-            <a:r>
-              <a:rPr lang="en-US" i="1" dirty="0"/>
-              <a:t>The C Programming Language</a:t>
+              <a:t>https://</a:t>
+            </a:r>
+            <a:r>
+              <a:rPr lang="en-US" dirty="0" err="1"/>
+              <a:t>www.onlinegdb.com</a:t>
             </a:r>
             <a:r>
               <a:rPr lang="en-US" dirty="0"/>
-              <a:t> was published early in 1988.  At that time, the first C standard was almost complete, formalizing and codifying the precise definition of the language.</a:t>
-            </a:r>
-          </a:p>
-          <a:p>
-            <a:pPr algn="r"/>
-            <a:r>
-              <a:rPr lang="en-US" b="1" dirty="0"/>
-              <a:t>Brian Kernighan</a:t>
-            </a:r>
-          </a:p>
-          <a:p>
-            <a:pPr algn="r"/>
-            <a:r>
-              <a:rPr lang="en-US" dirty="0"/>
-              <a:t>Princeton, New Jersey</a:t>
-            </a:r>
-          </a:p>
-          <a:p>
-            <a:pPr algn="r"/>
-            <a:r>
-              <a:rPr lang="en-US" dirty="0"/>
-              <a:t>November 2012</a:t>
-            </a:r>
-          </a:p>
-          <a:p>
-            <a:pPr algn="r"/>
-            <a:r>
-              <a:rPr lang="en-US" dirty="0"/>
-              <a:t>Preface to the Digital Edition</a:t>
-            </a:r>
+              <a:t>/</a:t>
+            </a:r>
+            <a:r>
+              <a:rPr lang="en-US" dirty="0" err="1"/>
+              <a:t>online_pascal_compiler</a:t>
+            </a:r>
+            <a:endParaRPr lang="en-US" dirty="0"/>
           </a:p>
         </p:txBody>
       </p:sp>
     </p:spTree>
     <p:extLst>
       <p:ext uri="{BB962C8B-B14F-4D97-AF65-F5344CB8AC3E}">
-        <p14:creationId xmlns:p14="http://schemas.microsoft.com/office/powerpoint/2010/main" val="3032651086"/>
+        <p14:creationId xmlns:p14="http://schemas.microsoft.com/office/powerpoint/2010/main" val="2544523261"/>
       </p:ext>
     </p:extLst>
   </p:cSld>
@@ -4102,10 +4957,1384 @@
       </p:grpSpPr>
       <p:sp>
         <p:nvSpPr>
-          <p:cNvPr id="3" name="Title 2">
-            <a:extLst>
-              <a:ext uri="{FF2B5EF4-FFF2-40B4-BE49-F238E27FC236}">
-                <a16:creationId xmlns:a16="http://schemas.microsoft.com/office/drawing/2014/main" id="{26D5DF8A-3D98-DC7E-85E8-EAC7EDC57520}"/>
+          <p:cNvPr id="6" name="TextBox 5">
+            <a:extLst>
+              <a:ext uri="{FF2B5EF4-FFF2-40B4-BE49-F238E27FC236}">
+                <a16:creationId xmlns:a16="http://schemas.microsoft.com/office/drawing/2014/main" id="{68F74C1A-2B00-24D7-F035-DF926B94348B}"/>
+              </a:ext>
+            </a:extLst>
+          </p:cNvPr>
+          <p:cNvSpPr txBox="1"/>
+          <p:nvPr/>
+        </p:nvSpPr>
+        <p:spPr>
+          <a:xfrm>
+            <a:off x="715650" y="598441"/>
+            <a:ext cx="4158511" cy="4185761"/>
+          </a:xfrm>
+          <a:prstGeom prst="rect">
+            <a:avLst/>
+          </a:prstGeom>
+          <a:noFill/>
+        </p:spPr>
+        <p:txBody>
+          <a:bodyPr wrap="none" rtlCol="0">
+            <a:spAutoFit/>
+          </a:bodyPr>
+          <a:lstStyle/>
+          <a:p>
+            <a:r>
+              <a:rPr lang="en-US" sz="1400" b="1" dirty="0">
+                <a:latin typeface="Courier New" panose="02070309020205020404" pitchFamily="49" charset="0"/>
+                <a:cs typeface="Courier New" panose="02070309020205020404" pitchFamily="49" charset="0"/>
+              </a:rPr>
+              <a:t>#include &lt;</a:t>
+            </a:r>
+            <a:r>
+              <a:rPr lang="en-US" sz="1400" b="1" dirty="0" err="1">
+                <a:latin typeface="Courier New" panose="02070309020205020404" pitchFamily="49" charset="0"/>
+                <a:cs typeface="Courier New" panose="02070309020205020404" pitchFamily="49" charset="0"/>
+              </a:rPr>
+              <a:t>stdio.h</a:t>
+            </a:r>
+            <a:r>
+              <a:rPr lang="en-US" sz="1400" b="1" dirty="0">
+                <a:latin typeface="Courier New" panose="02070309020205020404" pitchFamily="49" charset="0"/>
+                <a:cs typeface="Courier New" panose="02070309020205020404" pitchFamily="49" charset="0"/>
+              </a:rPr>
+              <a:t>&gt;</a:t>
+            </a:r>
+          </a:p>
+          <a:p>
+            <a:endParaRPr lang="en-US" sz="1400" b="1" dirty="0">
+              <a:latin typeface="Courier New" panose="02070309020205020404" pitchFamily="49" charset="0"/>
+              <a:cs typeface="Courier New" panose="02070309020205020404" pitchFamily="49" charset="0"/>
+            </a:endParaRPr>
+          </a:p>
+          <a:p>
+            <a:r>
+              <a:rPr lang="en-US" sz="1400" b="1" dirty="0">
+                <a:latin typeface="Courier New" panose="02070309020205020404" pitchFamily="49" charset="0"/>
+                <a:cs typeface="Courier New" panose="02070309020205020404" pitchFamily="49" charset="0"/>
+              </a:rPr>
+              <a:t>int main() {</a:t>
+            </a:r>
+          </a:p>
+          <a:p>
+            <a:r>
+              <a:rPr lang="en-US" sz="1400" b="1" dirty="0">
+                <a:latin typeface="Courier New" panose="02070309020205020404" pitchFamily="49" charset="0"/>
+                <a:cs typeface="Courier New" panose="02070309020205020404" pitchFamily="49" charset="0"/>
+              </a:rPr>
+              <a:t>    int x, y;</a:t>
+            </a:r>
+          </a:p>
+          <a:p>
+            <a:r>
+              <a:rPr lang="en-US" sz="1400" b="1" dirty="0">
+                <a:latin typeface="Courier New" panose="02070309020205020404" pitchFamily="49" charset="0"/>
+                <a:cs typeface="Courier New" panose="02070309020205020404" pitchFamily="49" charset="0"/>
+              </a:rPr>
+              <a:t>    void </a:t>
+            </a:r>
+            <a:r>
+              <a:rPr lang="en-US" sz="1400" b="1" dirty="0" err="1">
+                <a:latin typeface="Courier New" panose="02070309020205020404" pitchFamily="49" charset="0"/>
+                <a:cs typeface="Courier New" panose="02070309020205020404" pitchFamily="49" charset="0"/>
+              </a:rPr>
+              <a:t>func</a:t>
+            </a:r>
+            <a:r>
+              <a:rPr lang="en-US" sz="1400" b="1" dirty="0">
+                <a:latin typeface="Courier New" panose="02070309020205020404" pitchFamily="49" charset="0"/>
+                <a:cs typeface="Courier New" panose="02070309020205020404" pitchFamily="49" charset="0"/>
+              </a:rPr>
+              <a:t>();</a:t>
+            </a:r>
+          </a:p>
+          <a:p>
+            <a:endParaRPr lang="en-US" sz="1400" b="1" dirty="0">
+              <a:latin typeface="Courier New" panose="02070309020205020404" pitchFamily="49" charset="0"/>
+              <a:cs typeface="Courier New" panose="02070309020205020404" pitchFamily="49" charset="0"/>
+            </a:endParaRPr>
+          </a:p>
+          <a:p>
+            <a:r>
+              <a:rPr lang="en-US" sz="1400" b="1" dirty="0">
+                <a:latin typeface="Courier New" panose="02070309020205020404" pitchFamily="49" charset="0"/>
+                <a:cs typeface="Courier New" panose="02070309020205020404" pitchFamily="49" charset="0"/>
+              </a:rPr>
+              <a:t>    x = 42;</a:t>
+            </a:r>
+          </a:p>
+          <a:p>
+            <a:r>
+              <a:rPr lang="en-US" sz="1400" b="1" dirty="0">
+                <a:latin typeface="Courier New" panose="02070309020205020404" pitchFamily="49" charset="0"/>
+                <a:cs typeface="Courier New" panose="02070309020205020404" pitchFamily="49" charset="0"/>
+              </a:rPr>
+              <a:t>    y = 43;</a:t>
+            </a:r>
+          </a:p>
+          <a:p>
+            <a:r>
+              <a:rPr lang="en-US" sz="1400" b="1" dirty="0">
+                <a:latin typeface="Courier New" panose="02070309020205020404" pitchFamily="49" charset="0"/>
+                <a:cs typeface="Courier New" panose="02070309020205020404" pitchFamily="49" charset="0"/>
+              </a:rPr>
+              <a:t>    </a:t>
+            </a:r>
+            <a:r>
+              <a:rPr lang="en-US" sz="1400" b="1" dirty="0" err="1">
+                <a:latin typeface="Courier New" panose="02070309020205020404" pitchFamily="49" charset="0"/>
+                <a:cs typeface="Courier New" panose="02070309020205020404" pitchFamily="49" charset="0"/>
+              </a:rPr>
+              <a:t>printf</a:t>
+            </a:r>
+            <a:r>
+              <a:rPr lang="en-US" sz="1400" b="1" dirty="0">
+                <a:latin typeface="Courier New" panose="02070309020205020404" pitchFamily="49" charset="0"/>
+                <a:cs typeface="Courier New" panose="02070309020205020404" pitchFamily="49" charset="0"/>
+              </a:rPr>
+              <a:t>("main x=%d y=%d\n", x, y);</a:t>
+            </a:r>
+          </a:p>
+          <a:p>
+            <a:r>
+              <a:rPr lang="en-US" sz="1400" b="1" dirty="0">
+                <a:latin typeface="Courier New" panose="02070309020205020404" pitchFamily="49" charset="0"/>
+                <a:cs typeface="Courier New" panose="02070309020205020404" pitchFamily="49" charset="0"/>
+              </a:rPr>
+              <a:t>    </a:t>
+            </a:r>
+            <a:r>
+              <a:rPr lang="en-US" sz="1400" b="1" dirty="0" err="1">
+                <a:latin typeface="Courier New" panose="02070309020205020404" pitchFamily="49" charset="0"/>
+                <a:cs typeface="Courier New" panose="02070309020205020404" pitchFamily="49" charset="0"/>
+              </a:rPr>
+              <a:t>func</a:t>
+            </a:r>
+            <a:r>
+              <a:rPr lang="en-US" sz="1400" b="1" dirty="0">
+                <a:latin typeface="Courier New" panose="02070309020205020404" pitchFamily="49" charset="0"/>
+                <a:cs typeface="Courier New" panose="02070309020205020404" pitchFamily="49" charset="0"/>
+              </a:rPr>
+              <a:t>(x, </a:t>
+            </a:r>
+            <a:r>
+              <a:rPr lang="en-US" sz="1400" b="1" dirty="0">
+                <a:solidFill>
+                  <a:srgbClr val="0070C0"/>
+                </a:solidFill>
+                <a:latin typeface="Courier New" panose="02070309020205020404" pitchFamily="49" charset="0"/>
+                <a:cs typeface="Courier New" panose="02070309020205020404" pitchFamily="49" charset="0"/>
+              </a:rPr>
+              <a:t>&amp;</a:t>
+            </a:r>
+            <a:r>
+              <a:rPr lang="en-US" sz="1400" b="1" dirty="0">
+                <a:latin typeface="Courier New" panose="02070309020205020404" pitchFamily="49" charset="0"/>
+                <a:cs typeface="Courier New" panose="02070309020205020404" pitchFamily="49" charset="0"/>
+              </a:rPr>
+              <a:t>y);</a:t>
+            </a:r>
+          </a:p>
+          <a:p>
+            <a:r>
+              <a:rPr lang="en-US" sz="1400" b="1" dirty="0">
+                <a:latin typeface="Courier New" panose="02070309020205020404" pitchFamily="49" charset="0"/>
+                <a:cs typeface="Courier New" panose="02070309020205020404" pitchFamily="49" charset="0"/>
+              </a:rPr>
+              <a:t>    </a:t>
+            </a:r>
+            <a:r>
+              <a:rPr lang="en-US" sz="1400" b="1" dirty="0" err="1">
+                <a:latin typeface="Courier New" panose="02070309020205020404" pitchFamily="49" charset="0"/>
+                <a:cs typeface="Courier New" panose="02070309020205020404" pitchFamily="49" charset="0"/>
+              </a:rPr>
+              <a:t>printf</a:t>
+            </a:r>
+            <a:r>
+              <a:rPr lang="en-US" sz="1400" b="1" dirty="0">
+                <a:latin typeface="Courier New" panose="02070309020205020404" pitchFamily="49" charset="0"/>
+                <a:cs typeface="Courier New" panose="02070309020205020404" pitchFamily="49" charset="0"/>
+              </a:rPr>
+              <a:t>("back x=%d y=%d\n", x, y);</a:t>
+            </a:r>
+          </a:p>
+          <a:p>
+            <a:r>
+              <a:rPr lang="en-US" sz="1400" b="1" dirty="0">
+                <a:latin typeface="Courier New" panose="02070309020205020404" pitchFamily="49" charset="0"/>
+                <a:cs typeface="Courier New" panose="02070309020205020404" pitchFamily="49" charset="0"/>
+              </a:rPr>
+              <a:t>}</a:t>
+            </a:r>
+          </a:p>
+          <a:p>
+            <a:endParaRPr lang="en-US" sz="1400" b="1" dirty="0">
+              <a:latin typeface="Courier New" panose="02070309020205020404" pitchFamily="49" charset="0"/>
+              <a:cs typeface="Courier New" panose="02070309020205020404" pitchFamily="49" charset="0"/>
+            </a:endParaRPr>
+          </a:p>
+          <a:p>
+            <a:r>
+              <a:rPr lang="en-US" sz="1400" b="1" dirty="0">
+                <a:latin typeface="Courier New" panose="02070309020205020404" pitchFamily="49" charset="0"/>
+                <a:cs typeface="Courier New" panose="02070309020205020404" pitchFamily="49" charset="0"/>
+              </a:rPr>
+              <a:t>void </a:t>
+            </a:r>
+            <a:r>
+              <a:rPr lang="en-US" sz="1400" b="1" dirty="0" err="1">
+                <a:latin typeface="Courier New" panose="02070309020205020404" pitchFamily="49" charset="0"/>
+                <a:cs typeface="Courier New" panose="02070309020205020404" pitchFamily="49" charset="0"/>
+              </a:rPr>
+              <a:t>func</a:t>
+            </a:r>
+            <a:r>
+              <a:rPr lang="en-US" sz="1400" b="1" dirty="0">
+                <a:latin typeface="Courier New" panose="02070309020205020404" pitchFamily="49" charset="0"/>
+                <a:cs typeface="Courier New" panose="02070309020205020404" pitchFamily="49" charset="0"/>
+              </a:rPr>
+              <a:t>(a, pb)</a:t>
+            </a:r>
+          </a:p>
+          <a:p>
+            <a:r>
+              <a:rPr lang="en-US" sz="1400" b="1" dirty="0">
+                <a:latin typeface="Courier New" panose="02070309020205020404" pitchFamily="49" charset="0"/>
+                <a:cs typeface="Courier New" panose="02070309020205020404" pitchFamily="49" charset="0"/>
+              </a:rPr>
+              <a:t>    int a, </a:t>
+            </a:r>
+            <a:r>
+              <a:rPr lang="en-US" sz="1400" b="1" dirty="0">
+                <a:solidFill>
+                  <a:srgbClr val="0070C0"/>
+                </a:solidFill>
+                <a:latin typeface="Courier New" panose="02070309020205020404" pitchFamily="49" charset="0"/>
+                <a:cs typeface="Courier New" panose="02070309020205020404" pitchFamily="49" charset="0"/>
+              </a:rPr>
+              <a:t>*</a:t>
+            </a:r>
+            <a:r>
+              <a:rPr lang="en-US" sz="1400" b="1" dirty="0">
+                <a:latin typeface="Courier New" panose="02070309020205020404" pitchFamily="49" charset="0"/>
+                <a:cs typeface="Courier New" panose="02070309020205020404" pitchFamily="49" charset="0"/>
+              </a:rPr>
+              <a:t>pb;</a:t>
+            </a:r>
+          </a:p>
+          <a:p>
+            <a:r>
+              <a:rPr lang="en-US" sz="1400" b="1" dirty="0">
+                <a:latin typeface="Courier New" panose="02070309020205020404" pitchFamily="49" charset="0"/>
+                <a:cs typeface="Courier New" panose="02070309020205020404" pitchFamily="49" charset="0"/>
+              </a:rPr>
+              <a:t>{</a:t>
+            </a:r>
+          </a:p>
+          <a:p>
+            <a:r>
+              <a:rPr lang="en-US" sz="1400" b="1" dirty="0">
+                <a:latin typeface="Courier New" panose="02070309020205020404" pitchFamily="49" charset="0"/>
+                <a:cs typeface="Courier New" panose="02070309020205020404" pitchFamily="49" charset="0"/>
+              </a:rPr>
+              <a:t>    a = 1;</a:t>
+            </a:r>
+          </a:p>
+          <a:p>
+            <a:r>
+              <a:rPr lang="en-US" sz="1400" b="1" dirty="0">
+                <a:latin typeface="Courier New" panose="02070309020205020404" pitchFamily="49" charset="0"/>
+                <a:cs typeface="Courier New" panose="02070309020205020404" pitchFamily="49" charset="0"/>
+              </a:rPr>
+              <a:t>    *pb = 2;</a:t>
+            </a:r>
+          </a:p>
+          <a:p>
+            <a:r>
+              <a:rPr lang="en-US" sz="1400" b="1" dirty="0">
+                <a:latin typeface="Courier New" panose="02070309020205020404" pitchFamily="49" charset="0"/>
+                <a:cs typeface="Courier New" panose="02070309020205020404" pitchFamily="49" charset="0"/>
+              </a:rPr>
+              <a:t>}</a:t>
+            </a:r>
+          </a:p>
+        </p:txBody>
+      </p:sp>
+      <p:sp>
+        <p:nvSpPr>
+          <p:cNvPr id="7" name="TextBox 6">
+            <a:extLst>
+              <a:ext uri="{FF2B5EF4-FFF2-40B4-BE49-F238E27FC236}">
+                <a16:creationId xmlns:a16="http://schemas.microsoft.com/office/drawing/2014/main" id="{BB54B775-370E-4D26-019A-16826B2421A7}"/>
+              </a:ext>
+            </a:extLst>
+          </p:cNvPr>
+          <p:cNvSpPr txBox="1"/>
+          <p:nvPr/>
+        </p:nvSpPr>
+        <p:spPr>
+          <a:xfrm>
+            <a:off x="715650" y="239802"/>
+            <a:ext cx="2440092" cy="307777"/>
+          </a:xfrm>
+          <a:prstGeom prst="rect">
+            <a:avLst/>
+          </a:prstGeom>
+          <a:noFill/>
+        </p:spPr>
+        <p:txBody>
+          <a:bodyPr wrap="square">
+            <a:spAutoFit/>
+          </a:bodyPr>
+          <a:lstStyle/>
+          <a:p>
+            <a:r>
+              <a:rPr lang="en-US" sz="1400" b="1" dirty="0">
+                <a:solidFill>
+                  <a:srgbClr val="000000"/>
+                </a:solidFill>
+                <a:latin typeface="Menlo" panose="020B0609030804020204" pitchFamily="49" charset="0"/>
+              </a:rPr>
+              <a:t>kr_05_03.c   (1978)</a:t>
+            </a:r>
+          </a:p>
+        </p:txBody>
+      </p:sp>
+      <p:sp>
+        <p:nvSpPr>
+          <p:cNvPr id="16" name="TextBox 15">
+            <a:extLst>
+              <a:ext uri="{FF2B5EF4-FFF2-40B4-BE49-F238E27FC236}">
+                <a16:creationId xmlns:a16="http://schemas.microsoft.com/office/drawing/2014/main" id="{BC9F2E9A-DD9D-5B9F-164F-2958C51CD07C}"/>
+              </a:ext>
+            </a:extLst>
+          </p:cNvPr>
+          <p:cNvSpPr txBox="1"/>
+          <p:nvPr/>
+        </p:nvSpPr>
+        <p:spPr>
+          <a:xfrm>
+            <a:off x="8524593" y="4254599"/>
+            <a:ext cx="2440092" cy="2031325"/>
+          </a:xfrm>
+          <a:prstGeom prst="rect">
+            <a:avLst/>
+          </a:prstGeom>
+          <a:noFill/>
+        </p:spPr>
+        <p:txBody>
+          <a:bodyPr wrap="none" rtlCol="0">
+            <a:spAutoFit/>
+          </a:bodyPr>
+          <a:lstStyle/>
+          <a:p>
+            <a:r>
+              <a:rPr lang="en-US" sz="1400" b="1" dirty="0">
+                <a:latin typeface="Courier New" panose="02070309020205020404" pitchFamily="49" charset="0"/>
+                <a:cs typeface="Courier New" panose="02070309020205020404" pitchFamily="49" charset="0"/>
+              </a:rPr>
+              <a:t>void </a:t>
+            </a:r>
+            <a:r>
+              <a:rPr lang="en-US" sz="1400" b="1" dirty="0" err="1">
+                <a:latin typeface="Courier New" panose="02070309020205020404" pitchFamily="49" charset="0"/>
+                <a:cs typeface="Courier New" panose="02070309020205020404" pitchFamily="49" charset="0"/>
+              </a:rPr>
+              <a:t>func</a:t>
+            </a:r>
+            <a:r>
+              <a:rPr lang="en-US" sz="1400" b="1" dirty="0">
+                <a:latin typeface="Courier New" panose="02070309020205020404" pitchFamily="49" charset="0"/>
+                <a:cs typeface="Courier New" panose="02070309020205020404" pitchFamily="49" charset="0"/>
+              </a:rPr>
+              <a:t>(</a:t>
+            </a:r>
+            <a:r>
+              <a:rPr lang="en-US" sz="1400" b="1" dirty="0">
+                <a:solidFill>
+                  <a:srgbClr val="0070C0"/>
+                </a:solidFill>
+                <a:latin typeface="Courier New" panose="02070309020205020404" pitchFamily="49" charset="0"/>
+                <a:cs typeface="Courier New" panose="02070309020205020404" pitchFamily="49" charset="0"/>
+              </a:rPr>
+              <a:t>ref</a:t>
+            </a:r>
+            <a:r>
+              <a:rPr lang="en-US" sz="1400" b="1" dirty="0">
+                <a:latin typeface="Courier New" panose="02070309020205020404" pitchFamily="49" charset="0"/>
+                <a:cs typeface="Courier New" panose="02070309020205020404" pitchFamily="49" charset="0"/>
+              </a:rPr>
+              <a:t> int a)</a:t>
+            </a:r>
+          </a:p>
+          <a:p>
+            <a:r>
+              <a:rPr lang="en-US" sz="1400" b="1" dirty="0">
+                <a:latin typeface="Courier New" panose="02070309020205020404" pitchFamily="49" charset="0"/>
+                <a:cs typeface="Courier New" panose="02070309020205020404" pitchFamily="49" charset="0"/>
+              </a:rPr>
+              <a:t>{</a:t>
+            </a:r>
+          </a:p>
+          <a:p>
+            <a:r>
+              <a:rPr lang="en-US" sz="1400" b="1" dirty="0">
+                <a:latin typeface="Courier New" panose="02070309020205020404" pitchFamily="49" charset="0"/>
+                <a:cs typeface="Courier New" panose="02070309020205020404" pitchFamily="49" charset="0"/>
+              </a:rPr>
+              <a:t>    a = 1;</a:t>
+            </a:r>
+          </a:p>
+          <a:p>
+            <a:r>
+              <a:rPr lang="en-US" sz="1400" b="1" dirty="0">
+                <a:latin typeface="Courier New" panose="02070309020205020404" pitchFamily="49" charset="0"/>
+                <a:cs typeface="Courier New" panose="02070309020205020404" pitchFamily="49" charset="0"/>
+              </a:rPr>
+              <a:t>}</a:t>
+            </a:r>
+          </a:p>
+          <a:p>
+            <a:endParaRPr lang="en-US" sz="1400" b="1" dirty="0">
+              <a:latin typeface="Courier New" panose="02070309020205020404" pitchFamily="49" charset="0"/>
+              <a:cs typeface="Courier New" panose="02070309020205020404" pitchFamily="49" charset="0"/>
+            </a:endParaRPr>
+          </a:p>
+          <a:p>
+            <a:r>
+              <a:rPr lang="en-US" sz="1400" b="1" dirty="0">
+                <a:latin typeface="Courier New" panose="02070309020205020404" pitchFamily="49" charset="0"/>
+                <a:cs typeface="Courier New" panose="02070309020205020404" pitchFamily="49" charset="0"/>
+              </a:rPr>
+              <a:t>int x = 1;</a:t>
+            </a:r>
+          </a:p>
+          <a:p>
+            <a:r>
+              <a:rPr lang="en-US" sz="1400" b="1" dirty="0" err="1">
+                <a:latin typeface="Courier New" panose="02070309020205020404" pitchFamily="49" charset="0"/>
+                <a:cs typeface="Courier New" panose="02070309020205020404" pitchFamily="49" charset="0"/>
+              </a:rPr>
+              <a:t>Console.WriteLine</a:t>
+            </a:r>
+            <a:r>
+              <a:rPr lang="en-US" sz="1400" b="1" dirty="0">
+                <a:latin typeface="Courier New" panose="02070309020205020404" pitchFamily="49" charset="0"/>
+                <a:cs typeface="Courier New" panose="02070309020205020404" pitchFamily="49" charset="0"/>
+              </a:rPr>
+              <a:t>(x);</a:t>
+            </a:r>
+          </a:p>
+          <a:p>
+            <a:r>
+              <a:rPr lang="en-US" sz="1400" b="1" dirty="0" err="1">
+                <a:latin typeface="Courier New" panose="02070309020205020404" pitchFamily="49" charset="0"/>
+                <a:cs typeface="Courier New" panose="02070309020205020404" pitchFamily="49" charset="0"/>
+              </a:rPr>
+              <a:t>func</a:t>
+            </a:r>
+            <a:r>
+              <a:rPr lang="en-US" sz="1400" b="1" dirty="0">
+                <a:latin typeface="Courier New" panose="02070309020205020404" pitchFamily="49" charset="0"/>
+                <a:cs typeface="Courier New" panose="02070309020205020404" pitchFamily="49" charset="0"/>
+              </a:rPr>
+              <a:t>(</a:t>
+            </a:r>
+            <a:r>
+              <a:rPr lang="en-US" sz="1400" b="1" dirty="0">
+                <a:solidFill>
+                  <a:srgbClr val="0070C0"/>
+                </a:solidFill>
+                <a:latin typeface="Courier New" panose="02070309020205020404" pitchFamily="49" charset="0"/>
+                <a:cs typeface="Courier New" panose="02070309020205020404" pitchFamily="49" charset="0"/>
+              </a:rPr>
+              <a:t>ref</a:t>
+            </a:r>
+            <a:r>
+              <a:rPr lang="en-US" sz="1400" b="1" dirty="0">
+                <a:latin typeface="Courier New" panose="02070309020205020404" pitchFamily="49" charset="0"/>
+                <a:cs typeface="Courier New" panose="02070309020205020404" pitchFamily="49" charset="0"/>
+              </a:rPr>
+              <a:t> x);</a:t>
+            </a:r>
+          </a:p>
+          <a:p>
+            <a:r>
+              <a:rPr lang="en-US" sz="1400" b="1" dirty="0" err="1">
+                <a:latin typeface="Courier New" panose="02070309020205020404" pitchFamily="49" charset="0"/>
+                <a:cs typeface="Courier New" panose="02070309020205020404" pitchFamily="49" charset="0"/>
+              </a:rPr>
+              <a:t>Console.WriteLine</a:t>
+            </a:r>
+            <a:r>
+              <a:rPr lang="en-US" sz="1400" b="1" dirty="0">
+                <a:latin typeface="Courier New" panose="02070309020205020404" pitchFamily="49" charset="0"/>
+                <a:cs typeface="Courier New" panose="02070309020205020404" pitchFamily="49" charset="0"/>
+              </a:rPr>
+              <a:t>(x);</a:t>
+            </a:r>
+          </a:p>
+        </p:txBody>
+      </p:sp>
+      <p:sp>
+        <p:nvSpPr>
+          <p:cNvPr id="17" name="TextBox 16">
+            <a:extLst>
+              <a:ext uri="{FF2B5EF4-FFF2-40B4-BE49-F238E27FC236}">
+                <a16:creationId xmlns:a16="http://schemas.microsoft.com/office/drawing/2014/main" id="{328F747A-2982-0340-486B-575E553E51FD}"/>
+              </a:ext>
+            </a:extLst>
+          </p:cNvPr>
+          <p:cNvSpPr txBox="1"/>
+          <p:nvPr/>
+        </p:nvSpPr>
+        <p:spPr>
+          <a:xfrm>
+            <a:off x="8524593" y="3895960"/>
+            <a:ext cx="2440092" cy="307777"/>
+          </a:xfrm>
+          <a:prstGeom prst="rect">
+            <a:avLst/>
+          </a:prstGeom>
+          <a:noFill/>
+        </p:spPr>
+        <p:txBody>
+          <a:bodyPr wrap="square">
+            <a:spAutoFit/>
+          </a:bodyPr>
+          <a:lstStyle/>
+          <a:p>
+            <a:r>
+              <a:rPr lang="en-US" sz="1400" b="1" dirty="0">
+                <a:solidFill>
+                  <a:srgbClr val="000000"/>
+                </a:solidFill>
+                <a:latin typeface="Menlo" panose="020B0609030804020204" pitchFamily="49" charset="0"/>
+              </a:rPr>
+              <a:t>kr_05_03.cs   (2000)</a:t>
+            </a:r>
+          </a:p>
+        </p:txBody>
+      </p:sp>
+      <p:sp>
+        <p:nvSpPr>
+          <p:cNvPr id="2" name="TextBox 1">
+            <a:extLst>
+              <a:ext uri="{FF2B5EF4-FFF2-40B4-BE49-F238E27FC236}">
+                <a16:creationId xmlns:a16="http://schemas.microsoft.com/office/drawing/2014/main" id="{77743132-B079-7B0F-61CC-68FC3DAF4F7E}"/>
+              </a:ext>
+            </a:extLst>
+          </p:cNvPr>
+          <p:cNvSpPr txBox="1"/>
+          <p:nvPr/>
+        </p:nvSpPr>
+        <p:spPr>
+          <a:xfrm>
+            <a:off x="4222426" y="4421150"/>
+            <a:ext cx="2762295" cy="2031325"/>
+          </a:xfrm>
+          <a:prstGeom prst="rect">
+            <a:avLst/>
+          </a:prstGeom>
+          <a:noFill/>
+        </p:spPr>
+        <p:txBody>
+          <a:bodyPr wrap="none" rtlCol="0">
+            <a:spAutoFit/>
+          </a:bodyPr>
+          <a:lstStyle/>
+          <a:p>
+            <a:r>
+              <a:rPr lang="en-US" sz="1400" b="1" dirty="0">
+                <a:latin typeface="Courier New" panose="02070309020205020404" pitchFamily="49" charset="0"/>
+                <a:cs typeface="Courier New" panose="02070309020205020404" pitchFamily="49" charset="0"/>
+              </a:rPr>
+              <a:t>def </a:t>
+            </a:r>
+            <a:r>
+              <a:rPr lang="en-US" sz="1400" b="1" dirty="0" err="1">
+                <a:latin typeface="Courier New" panose="02070309020205020404" pitchFamily="49" charset="0"/>
+                <a:cs typeface="Courier New" panose="02070309020205020404" pitchFamily="49" charset="0"/>
+              </a:rPr>
+              <a:t>func</a:t>
+            </a:r>
+            <a:r>
+              <a:rPr lang="en-US" sz="1400" b="1" dirty="0">
+                <a:latin typeface="Courier New" panose="02070309020205020404" pitchFamily="49" charset="0"/>
+                <a:cs typeface="Courier New" panose="02070309020205020404" pitchFamily="49" charset="0"/>
+              </a:rPr>
+              <a:t>(a, b):</a:t>
+            </a:r>
+          </a:p>
+          <a:p>
+            <a:r>
+              <a:rPr lang="en-US" sz="1400" b="1" dirty="0">
+                <a:latin typeface="Courier New" panose="02070309020205020404" pitchFamily="49" charset="0"/>
+                <a:cs typeface="Courier New" panose="02070309020205020404" pitchFamily="49" charset="0"/>
+              </a:rPr>
+              <a:t>    a = 1</a:t>
+            </a:r>
+          </a:p>
+          <a:p>
+            <a:r>
+              <a:rPr lang="en-US" sz="1400" b="1" dirty="0">
+                <a:latin typeface="Courier New" panose="02070309020205020404" pitchFamily="49" charset="0"/>
+                <a:cs typeface="Courier New" panose="02070309020205020404" pitchFamily="49" charset="0"/>
+              </a:rPr>
+              <a:t>    return(a, b)</a:t>
+            </a:r>
+          </a:p>
+          <a:p>
+            <a:endParaRPr lang="en-US" sz="1400" b="1" dirty="0">
+              <a:latin typeface="Courier New" panose="02070309020205020404" pitchFamily="49" charset="0"/>
+              <a:cs typeface="Courier New" panose="02070309020205020404" pitchFamily="49" charset="0"/>
+            </a:endParaRPr>
+          </a:p>
+          <a:p>
+            <a:r>
+              <a:rPr lang="en-US" sz="1400" b="1" dirty="0">
+                <a:latin typeface="Courier New" panose="02070309020205020404" pitchFamily="49" charset="0"/>
+                <a:cs typeface="Courier New" panose="02070309020205020404" pitchFamily="49" charset="0"/>
+              </a:rPr>
+              <a:t>x = 42</a:t>
+            </a:r>
+          </a:p>
+          <a:p>
+            <a:r>
+              <a:rPr lang="en-US" sz="1400" b="1" dirty="0">
+                <a:latin typeface="Courier New" panose="02070309020205020404" pitchFamily="49" charset="0"/>
+                <a:cs typeface="Courier New" panose="02070309020205020404" pitchFamily="49" charset="0"/>
+              </a:rPr>
+              <a:t>y = 43</a:t>
+            </a:r>
+          </a:p>
+          <a:p>
+            <a:r>
+              <a:rPr lang="en-US" sz="1400" b="1" dirty="0">
+                <a:latin typeface="Courier New" panose="02070309020205020404" pitchFamily="49" charset="0"/>
+                <a:cs typeface="Courier New" panose="02070309020205020404" pitchFamily="49" charset="0"/>
+              </a:rPr>
+              <a:t>print('main </a:t>
+            </a:r>
+            <a:r>
+              <a:rPr lang="en-US" sz="1400" b="1" dirty="0" err="1">
+                <a:latin typeface="Courier New" panose="02070309020205020404" pitchFamily="49" charset="0"/>
+                <a:cs typeface="Courier New" panose="02070309020205020404" pitchFamily="49" charset="0"/>
+              </a:rPr>
+              <a:t>x',x,'y',y</a:t>
+            </a:r>
+            <a:r>
+              <a:rPr lang="en-US" sz="1400" b="1" dirty="0">
+                <a:latin typeface="Courier New" panose="02070309020205020404" pitchFamily="49" charset="0"/>
+                <a:cs typeface="Courier New" panose="02070309020205020404" pitchFamily="49" charset="0"/>
+              </a:rPr>
+              <a:t>);</a:t>
+            </a:r>
+          </a:p>
+          <a:p>
+            <a:r>
+              <a:rPr lang="en-US" sz="1400" b="1" dirty="0">
+                <a:solidFill>
+                  <a:srgbClr val="0070C0"/>
+                </a:solidFill>
+                <a:latin typeface="Courier New" panose="02070309020205020404" pitchFamily="49" charset="0"/>
+                <a:cs typeface="Courier New" panose="02070309020205020404" pitchFamily="49" charset="0"/>
+              </a:rPr>
+              <a:t>(x, y) </a:t>
+            </a:r>
+            <a:r>
+              <a:rPr lang="en-US" sz="1400" b="1" dirty="0">
+                <a:latin typeface="Courier New" panose="02070309020205020404" pitchFamily="49" charset="0"/>
+                <a:cs typeface="Courier New" panose="02070309020205020404" pitchFamily="49" charset="0"/>
+              </a:rPr>
+              <a:t>= </a:t>
+            </a:r>
+            <a:r>
+              <a:rPr lang="en-US" sz="1400" b="1" dirty="0" err="1">
+                <a:latin typeface="Courier New" panose="02070309020205020404" pitchFamily="49" charset="0"/>
+                <a:cs typeface="Courier New" panose="02070309020205020404" pitchFamily="49" charset="0"/>
+              </a:rPr>
+              <a:t>func</a:t>
+            </a:r>
+            <a:r>
+              <a:rPr lang="en-US" sz="1400" b="1" dirty="0">
+                <a:latin typeface="Courier New" panose="02070309020205020404" pitchFamily="49" charset="0"/>
+                <a:cs typeface="Courier New" panose="02070309020205020404" pitchFamily="49" charset="0"/>
+              </a:rPr>
+              <a:t>(x, y)</a:t>
+            </a:r>
+          </a:p>
+          <a:p>
+            <a:r>
+              <a:rPr lang="en-US" sz="1400" b="1" dirty="0">
+                <a:latin typeface="Courier New" panose="02070309020205020404" pitchFamily="49" charset="0"/>
+                <a:cs typeface="Courier New" panose="02070309020205020404" pitchFamily="49" charset="0"/>
+              </a:rPr>
+              <a:t>print('back </a:t>
+            </a:r>
+            <a:r>
+              <a:rPr lang="en-US" sz="1400" b="1" dirty="0" err="1">
+                <a:latin typeface="Courier New" panose="02070309020205020404" pitchFamily="49" charset="0"/>
+                <a:cs typeface="Courier New" panose="02070309020205020404" pitchFamily="49" charset="0"/>
+              </a:rPr>
+              <a:t>x',x,'y',y</a:t>
+            </a:r>
+            <a:r>
+              <a:rPr lang="en-US" sz="1400" b="1" dirty="0">
+                <a:latin typeface="Courier New" panose="02070309020205020404" pitchFamily="49" charset="0"/>
+                <a:cs typeface="Courier New" panose="02070309020205020404" pitchFamily="49" charset="0"/>
+              </a:rPr>
+              <a:t>);</a:t>
+            </a:r>
+          </a:p>
+        </p:txBody>
+      </p:sp>
+      <p:sp>
+        <p:nvSpPr>
+          <p:cNvPr id="3" name="TextBox 2">
+            <a:extLst>
+              <a:ext uri="{FF2B5EF4-FFF2-40B4-BE49-F238E27FC236}">
+                <a16:creationId xmlns:a16="http://schemas.microsoft.com/office/drawing/2014/main" id="{E3EA530F-6F64-D4C4-1B6E-B3A6F294975D}"/>
+              </a:ext>
+            </a:extLst>
+          </p:cNvPr>
+          <p:cNvSpPr txBox="1"/>
+          <p:nvPr/>
+        </p:nvSpPr>
+        <p:spPr>
+          <a:xfrm>
+            <a:off x="4222426" y="4062511"/>
+            <a:ext cx="2440092" cy="307777"/>
+          </a:xfrm>
+          <a:prstGeom prst="rect">
+            <a:avLst/>
+          </a:prstGeom>
+          <a:noFill/>
+        </p:spPr>
+        <p:txBody>
+          <a:bodyPr wrap="square">
+            <a:spAutoFit/>
+          </a:bodyPr>
+          <a:lstStyle/>
+          <a:p>
+            <a:r>
+              <a:rPr lang="en-US" sz="1400" b="1" dirty="0">
+                <a:solidFill>
+                  <a:srgbClr val="000000"/>
+                </a:solidFill>
+                <a:latin typeface="Menlo" panose="020B0609030804020204" pitchFamily="49" charset="0"/>
+              </a:rPr>
+              <a:t>kr_05_03.py   (1989)</a:t>
+            </a:r>
+          </a:p>
+        </p:txBody>
+      </p:sp>
+      <p:sp>
+        <p:nvSpPr>
+          <p:cNvPr id="4" name="TextBox 3">
+            <a:extLst>
+              <a:ext uri="{FF2B5EF4-FFF2-40B4-BE49-F238E27FC236}">
+                <a16:creationId xmlns:a16="http://schemas.microsoft.com/office/drawing/2014/main" id="{BDC9C8FE-7B71-38F5-4C53-3DFA174DA885}"/>
+              </a:ext>
+            </a:extLst>
+          </p:cNvPr>
+          <p:cNvSpPr txBox="1"/>
+          <p:nvPr/>
+        </p:nvSpPr>
+        <p:spPr>
+          <a:xfrm>
+            <a:off x="2241866" y="5884393"/>
+            <a:ext cx="1339534" cy="369332"/>
+          </a:xfrm>
+          <a:prstGeom prst="rect">
+            <a:avLst/>
+          </a:prstGeom>
+          <a:noFill/>
+        </p:spPr>
+        <p:txBody>
+          <a:bodyPr wrap="none" rtlCol="0">
+            <a:spAutoFit/>
+          </a:bodyPr>
+          <a:lstStyle/>
+          <a:p>
+            <a:r>
+              <a:rPr lang="en-US" dirty="0"/>
+              <a:t>Tuple return</a:t>
+            </a:r>
+          </a:p>
+        </p:txBody>
+      </p:sp>
+      <p:cxnSp>
+        <p:nvCxnSpPr>
+          <p:cNvPr id="8" name="Straight Arrow Connector 7">
+            <a:extLst>
+              <a:ext uri="{FF2B5EF4-FFF2-40B4-BE49-F238E27FC236}">
+                <a16:creationId xmlns:a16="http://schemas.microsoft.com/office/drawing/2014/main" id="{E4AD3943-E76A-AD3C-CF9D-202B89155791}"/>
+              </a:ext>
+            </a:extLst>
+          </p:cNvPr>
+          <p:cNvCxnSpPr>
+            <a:cxnSpLocks/>
+          </p:cNvCxnSpPr>
+          <p:nvPr/>
+        </p:nvCxnSpPr>
+        <p:spPr>
+          <a:xfrm>
+            <a:off x="3581400" y="6068952"/>
+            <a:ext cx="501047" cy="0"/>
+          </a:xfrm>
+          <a:prstGeom prst="straightConnector1">
+            <a:avLst/>
+          </a:prstGeom>
+          <a:ln w="38100">
+            <a:solidFill>
+              <a:srgbClr val="FF0000"/>
+            </a:solidFill>
+            <a:tailEnd type="triangle"/>
+          </a:ln>
+        </p:spPr>
+        <p:style>
+          <a:lnRef idx="1">
+            <a:schemeClr val="accent1"/>
+          </a:lnRef>
+          <a:fillRef idx="0">
+            <a:schemeClr val="accent1"/>
+          </a:fillRef>
+          <a:effectRef idx="0">
+            <a:schemeClr val="accent1"/>
+          </a:effectRef>
+          <a:fontRef idx="minor">
+            <a:schemeClr val="tx1"/>
+          </a:fontRef>
+        </p:style>
+      </p:cxnSp>
+      <p:cxnSp>
+        <p:nvCxnSpPr>
+          <p:cNvPr id="12" name="Straight Arrow Connector 11">
+            <a:extLst>
+              <a:ext uri="{FF2B5EF4-FFF2-40B4-BE49-F238E27FC236}">
+                <a16:creationId xmlns:a16="http://schemas.microsoft.com/office/drawing/2014/main" id="{C045EEDC-EA29-39C7-4D1A-C5F90999D497}"/>
+              </a:ext>
+            </a:extLst>
+          </p:cNvPr>
+          <p:cNvCxnSpPr>
+            <a:cxnSpLocks/>
+          </p:cNvCxnSpPr>
+          <p:nvPr/>
+        </p:nvCxnSpPr>
+        <p:spPr>
+          <a:xfrm flipH="1" flipV="1">
+            <a:off x="9906000" y="4559300"/>
+            <a:ext cx="635000" cy="368300"/>
+          </a:xfrm>
+          <a:prstGeom prst="straightConnector1">
+            <a:avLst/>
+          </a:prstGeom>
+          <a:ln w="38100">
+            <a:solidFill>
+              <a:srgbClr val="FF0000"/>
+            </a:solidFill>
+            <a:tailEnd type="triangle"/>
+          </a:ln>
+        </p:spPr>
+        <p:style>
+          <a:lnRef idx="1">
+            <a:schemeClr val="accent1"/>
+          </a:lnRef>
+          <a:fillRef idx="0">
+            <a:schemeClr val="accent1"/>
+          </a:fillRef>
+          <a:effectRef idx="0">
+            <a:schemeClr val="accent1"/>
+          </a:effectRef>
+          <a:fontRef idx="minor">
+            <a:schemeClr val="tx1"/>
+          </a:fontRef>
+        </p:style>
+      </p:cxnSp>
+      <p:cxnSp>
+        <p:nvCxnSpPr>
+          <p:cNvPr id="15" name="Straight Arrow Connector 14">
+            <a:extLst>
+              <a:ext uri="{FF2B5EF4-FFF2-40B4-BE49-F238E27FC236}">
+                <a16:creationId xmlns:a16="http://schemas.microsoft.com/office/drawing/2014/main" id="{00BC3697-B532-A56E-245D-F6F44CD6479F}"/>
+              </a:ext>
+            </a:extLst>
+          </p:cNvPr>
+          <p:cNvCxnSpPr>
+            <a:cxnSpLocks/>
+          </p:cNvCxnSpPr>
+          <p:nvPr/>
+        </p:nvCxnSpPr>
+        <p:spPr>
+          <a:xfrm flipH="1">
+            <a:off x="9906000" y="5918200"/>
+            <a:ext cx="1346200" cy="0"/>
+          </a:xfrm>
+          <a:prstGeom prst="straightConnector1">
+            <a:avLst/>
+          </a:prstGeom>
+          <a:ln w="38100">
+            <a:solidFill>
+              <a:srgbClr val="FF0000"/>
+            </a:solidFill>
+            <a:tailEnd type="triangle"/>
+          </a:ln>
+        </p:spPr>
+        <p:style>
+          <a:lnRef idx="1">
+            <a:schemeClr val="accent1"/>
+          </a:lnRef>
+          <a:fillRef idx="0">
+            <a:schemeClr val="accent1"/>
+          </a:fillRef>
+          <a:effectRef idx="0">
+            <a:schemeClr val="accent1"/>
+          </a:effectRef>
+          <a:fontRef idx="minor">
+            <a:schemeClr val="tx1"/>
+          </a:fontRef>
+        </p:style>
+      </p:cxnSp>
+      <p:cxnSp>
+        <p:nvCxnSpPr>
+          <p:cNvPr id="20" name="Straight Arrow Connector 19">
+            <a:extLst>
+              <a:ext uri="{FF2B5EF4-FFF2-40B4-BE49-F238E27FC236}">
+                <a16:creationId xmlns:a16="http://schemas.microsoft.com/office/drawing/2014/main" id="{55C404F6-615B-D469-7A00-F9374DBB6880}"/>
+              </a:ext>
+            </a:extLst>
+          </p:cNvPr>
+          <p:cNvCxnSpPr>
+            <a:cxnSpLocks/>
+          </p:cNvCxnSpPr>
+          <p:nvPr/>
+        </p:nvCxnSpPr>
+        <p:spPr>
+          <a:xfrm flipV="1">
+            <a:off x="1282700" y="4463004"/>
+            <a:ext cx="0" cy="464596"/>
+          </a:xfrm>
+          <a:prstGeom prst="straightConnector1">
+            <a:avLst/>
+          </a:prstGeom>
+          <a:ln w="38100">
+            <a:solidFill>
+              <a:srgbClr val="FF0000"/>
+            </a:solidFill>
+            <a:tailEnd type="triangle"/>
+          </a:ln>
+        </p:spPr>
+        <p:style>
+          <a:lnRef idx="1">
+            <a:schemeClr val="accent1"/>
+          </a:lnRef>
+          <a:fillRef idx="0">
+            <a:schemeClr val="accent1"/>
+          </a:fillRef>
+          <a:effectRef idx="0">
+            <a:schemeClr val="accent1"/>
+          </a:effectRef>
+          <a:fontRef idx="minor">
+            <a:schemeClr val="tx1"/>
+          </a:fontRef>
+        </p:style>
+      </p:cxnSp>
+      <p:cxnSp>
+        <p:nvCxnSpPr>
+          <p:cNvPr id="24" name="Straight Arrow Connector 23">
+            <a:extLst>
+              <a:ext uri="{FF2B5EF4-FFF2-40B4-BE49-F238E27FC236}">
+                <a16:creationId xmlns:a16="http://schemas.microsoft.com/office/drawing/2014/main" id="{E59B5344-79EC-F3DD-C5D2-2AB5A599FBF2}"/>
+              </a:ext>
+            </a:extLst>
+          </p:cNvPr>
+          <p:cNvCxnSpPr>
+            <a:cxnSpLocks/>
+          </p:cNvCxnSpPr>
+          <p:nvPr/>
+        </p:nvCxnSpPr>
+        <p:spPr>
+          <a:xfrm flipH="1" flipV="1">
+            <a:off x="2042003" y="3880320"/>
+            <a:ext cx="199863" cy="520699"/>
+          </a:xfrm>
+          <a:prstGeom prst="straightConnector1">
+            <a:avLst/>
+          </a:prstGeom>
+          <a:ln w="38100">
+            <a:solidFill>
+              <a:srgbClr val="FF0000"/>
+            </a:solidFill>
+            <a:tailEnd type="triangle"/>
+          </a:ln>
+        </p:spPr>
+        <p:style>
+          <a:lnRef idx="1">
+            <a:schemeClr val="accent1"/>
+          </a:lnRef>
+          <a:fillRef idx="0">
+            <a:schemeClr val="accent1"/>
+          </a:fillRef>
+          <a:effectRef idx="0">
+            <a:schemeClr val="accent1"/>
+          </a:effectRef>
+          <a:fontRef idx="minor">
+            <a:schemeClr val="tx1"/>
+          </a:fontRef>
+        </p:style>
+      </p:cxnSp>
+      <p:cxnSp>
+        <p:nvCxnSpPr>
+          <p:cNvPr id="27" name="Straight Arrow Connector 26">
+            <a:extLst>
+              <a:ext uri="{FF2B5EF4-FFF2-40B4-BE49-F238E27FC236}">
+                <a16:creationId xmlns:a16="http://schemas.microsoft.com/office/drawing/2014/main" id="{472A1E23-14E0-8092-976E-8302312C7888}"/>
+              </a:ext>
+            </a:extLst>
+          </p:cNvPr>
+          <p:cNvCxnSpPr>
+            <a:cxnSpLocks/>
+          </p:cNvCxnSpPr>
+          <p:nvPr/>
+        </p:nvCxnSpPr>
+        <p:spPr>
+          <a:xfrm flipH="1">
+            <a:off x="2959100" y="2667000"/>
+            <a:ext cx="1003300" cy="0"/>
+          </a:xfrm>
+          <a:prstGeom prst="straightConnector1">
+            <a:avLst/>
+          </a:prstGeom>
+          <a:ln w="38100">
+            <a:solidFill>
+              <a:srgbClr val="FF0000"/>
+            </a:solidFill>
+            <a:tailEnd type="triangle"/>
+          </a:ln>
+        </p:spPr>
+        <p:style>
+          <a:lnRef idx="1">
+            <a:schemeClr val="accent1"/>
+          </a:lnRef>
+          <a:fillRef idx="0">
+            <a:schemeClr val="accent1"/>
+          </a:fillRef>
+          <a:effectRef idx="0">
+            <a:schemeClr val="accent1"/>
+          </a:effectRef>
+          <a:fontRef idx="minor">
+            <a:schemeClr val="tx1"/>
+          </a:fontRef>
+        </p:style>
+      </p:cxnSp>
+      <p:sp>
+        <p:nvSpPr>
+          <p:cNvPr id="30" name="TextBox 29">
+            <a:extLst>
+              <a:ext uri="{FF2B5EF4-FFF2-40B4-BE49-F238E27FC236}">
+                <a16:creationId xmlns:a16="http://schemas.microsoft.com/office/drawing/2014/main" id="{8C6B1A0B-8E5A-714A-2F38-53CAF043E87D}"/>
+              </a:ext>
+            </a:extLst>
+          </p:cNvPr>
+          <p:cNvSpPr txBox="1"/>
+          <p:nvPr/>
+        </p:nvSpPr>
+        <p:spPr>
+          <a:xfrm>
+            <a:off x="6097795" y="655655"/>
+            <a:ext cx="3728906" cy="2677656"/>
+          </a:xfrm>
+          <a:prstGeom prst="rect">
+            <a:avLst/>
+          </a:prstGeom>
+          <a:noFill/>
+        </p:spPr>
+        <p:txBody>
+          <a:bodyPr wrap="none" rtlCol="0">
+            <a:spAutoFit/>
+          </a:bodyPr>
+          <a:lstStyle/>
+          <a:p>
+            <a:r>
+              <a:rPr lang="en-US" sz="1400" b="1" dirty="0">
+                <a:latin typeface="Courier New" panose="02070309020205020404" pitchFamily="49" charset="0"/>
+                <a:cs typeface="Courier New" panose="02070309020205020404" pitchFamily="49" charset="0"/>
+              </a:rPr>
+              <a:t>&lt;?</a:t>
+            </a:r>
+            <a:r>
+              <a:rPr lang="en-US" sz="1400" b="1" dirty="0" err="1">
+                <a:latin typeface="Courier New" panose="02070309020205020404" pitchFamily="49" charset="0"/>
+                <a:cs typeface="Courier New" panose="02070309020205020404" pitchFamily="49" charset="0"/>
+              </a:rPr>
+              <a:t>php</a:t>
+            </a:r>
+            <a:endParaRPr lang="en-US" sz="1400" b="1" dirty="0">
+              <a:latin typeface="Courier New" panose="02070309020205020404" pitchFamily="49" charset="0"/>
+              <a:cs typeface="Courier New" panose="02070309020205020404" pitchFamily="49" charset="0"/>
+            </a:endParaRPr>
+          </a:p>
+          <a:p>
+            <a:r>
+              <a:rPr lang="en-US" sz="1400" b="1" dirty="0">
+                <a:latin typeface="Courier New" panose="02070309020205020404" pitchFamily="49" charset="0"/>
+                <a:cs typeface="Courier New" panose="02070309020205020404" pitchFamily="49" charset="0"/>
+              </a:rPr>
+              <a:t>function </a:t>
+            </a:r>
+            <a:r>
+              <a:rPr lang="en-US" sz="1400" b="1" dirty="0" err="1">
+                <a:latin typeface="Courier New" panose="02070309020205020404" pitchFamily="49" charset="0"/>
+                <a:cs typeface="Courier New" panose="02070309020205020404" pitchFamily="49" charset="0"/>
+              </a:rPr>
+              <a:t>func</a:t>
+            </a:r>
+            <a:r>
+              <a:rPr lang="en-US" sz="1400" b="1" dirty="0">
+                <a:latin typeface="Courier New" panose="02070309020205020404" pitchFamily="49" charset="0"/>
+                <a:cs typeface="Courier New" panose="02070309020205020404" pitchFamily="49" charset="0"/>
+              </a:rPr>
+              <a:t>($a, </a:t>
+            </a:r>
+            <a:r>
+              <a:rPr lang="en-US" sz="1400" b="1" dirty="0">
+                <a:solidFill>
+                  <a:srgbClr val="0070C0"/>
+                </a:solidFill>
+                <a:latin typeface="Courier New" panose="02070309020205020404" pitchFamily="49" charset="0"/>
+                <a:cs typeface="Courier New" panose="02070309020205020404" pitchFamily="49" charset="0"/>
+              </a:rPr>
+              <a:t>&amp;</a:t>
+            </a:r>
+            <a:r>
+              <a:rPr lang="en-US" sz="1400" b="1" dirty="0">
+                <a:latin typeface="Courier New" panose="02070309020205020404" pitchFamily="49" charset="0"/>
+                <a:cs typeface="Courier New" panose="02070309020205020404" pitchFamily="49" charset="0"/>
+              </a:rPr>
+              <a:t>$b)</a:t>
+            </a:r>
+          </a:p>
+          <a:p>
+            <a:r>
+              <a:rPr lang="en-US" sz="1400" b="1" dirty="0">
+                <a:latin typeface="Courier New" panose="02070309020205020404" pitchFamily="49" charset="0"/>
+                <a:cs typeface="Courier New" panose="02070309020205020404" pitchFamily="49" charset="0"/>
+              </a:rPr>
+              <a:t>{   </a:t>
+            </a:r>
+          </a:p>
+          <a:p>
+            <a:r>
+              <a:rPr lang="en-US" sz="1400" b="1" dirty="0">
+                <a:latin typeface="Courier New" panose="02070309020205020404" pitchFamily="49" charset="0"/>
+                <a:cs typeface="Courier New" panose="02070309020205020404" pitchFamily="49" charset="0"/>
+              </a:rPr>
+              <a:t>    $a = 1;</a:t>
+            </a:r>
+          </a:p>
+          <a:p>
+            <a:r>
+              <a:rPr lang="en-US" sz="1400" b="1" dirty="0">
+                <a:latin typeface="Courier New" panose="02070309020205020404" pitchFamily="49" charset="0"/>
+                <a:cs typeface="Courier New" panose="02070309020205020404" pitchFamily="49" charset="0"/>
+              </a:rPr>
+              <a:t>    $b = 2;</a:t>
+            </a:r>
+          </a:p>
+          <a:p>
+            <a:r>
+              <a:rPr lang="en-US" sz="1400" b="1" dirty="0">
+                <a:latin typeface="Courier New" panose="02070309020205020404" pitchFamily="49" charset="0"/>
+                <a:cs typeface="Courier New" panose="02070309020205020404" pitchFamily="49" charset="0"/>
+              </a:rPr>
+              <a:t>}</a:t>
+            </a:r>
+          </a:p>
+          <a:p>
+            <a:endParaRPr lang="en-US" sz="1400" b="1" dirty="0">
+              <a:latin typeface="Courier New" panose="02070309020205020404" pitchFamily="49" charset="0"/>
+              <a:cs typeface="Courier New" panose="02070309020205020404" pitchFamily="49" charset="0"/>
+            </a:endParaRPr>
+          </a:p>
+          <a:p>
+            <a:r>
+              <a:rPr lang="en-US" sz="1400" b="1" dirty="0">
+                <a:latin typeface="Courier New" panose="02070309020205020404" pitchFamily="49" charset="0"/>
+                <a:cs typeface="Courier New" panose="02070309020205020404" pitchFamily="49" charset="0"/>
+              </a:rPr>
+              <a:t>$x = 42;</a:t>
+            </a:r>
+          </a:p>
+          <a:p>
+            <a:r>
+              <a:rPr lang="en-US" sz="1400" b="1" dirty="0">
+                <a:latin typeface="Courier New" panose="02070309020205020404" pitchFamily="49" charset="0"/>
+                <a:cs typeface="Courier New" panose="02070309020205020404" pitchFamily="49" charset="0"/>
+              </a:rPr>
+              <a:t>$y = 43;</a:t>
+            </a:r>
+          </a:p>
+          <a:p>
+            <a:r>
+              <a:rPr lang="en-US" sz="1400" b="1" dirty="0">
+                <a:latin typeface="Courier New" panose="02070309020205020404" pitchFamily="49" charset="0"/>
+                <a:cs typeface="Courier New" panose="02070309020205020404" pitchFamily="49" charset="0"/>
+              </a:rPr>
+              <a:t>echo 'main x ',$x,' y ',$y, "\n";</a:t>
+            </a:r>
+          </a:p>
+          <a:p>
+            <a:r>
+              <a:rPr lang="en-US" sz="1400" b="1" dirty="0" err="1">
+                <a:latin typeface="Courier New" panose="02070309020205020404" pitchFamily="49" charset="0"/>
+                <a:cs typeface="Courier New" panose="02070309020205020404" pitchFamily="49" charset="0"/>
+              </a:rPr>
+              <a:t>func</a:t>
+            </a:r>
+            <a:r>
+              <a:rPr lang="en-US" sz="1400" b="1" dirty="0">
+                <a:latin typeface="Courier New" panose="02070309020205020404" pitchFamily="49" charset="0"/>
+                <a:cs typeface="Courier New" panose="02070309020205020404" pitchFamily="49" charset="0"/>
+              </a:rPr>
+              <a:t>($x, $y);</a:t>
+            </a:r>
+          </a:p>
+          <a:p>
+            <a:r>
+              <a:rPr lang="en-US" sz="1400" b="1" dirty="0">
+                <a:latin typeface="Courier New" panose="02070309020205020404" pitchFamily="49" charset="0"/>
+                <a:cs typeface="Courier New" panose="02070309020205020404" pitchFamily="49" charset="0"/>
+              </a:rPr>
+              <a:t>echo 'back x ',$x,' y ',$y, "\n";</a:t>
+            </a:r>
+          </a:p>
+        </p:txBody>
+      </p:sp>
+      <p:sp>
+        <p:nvSpPr>
+          <p:cNvPr id="31" name="TextBox 30">
+            <a:extLst>
+              <a:ext uri="{FF2B5EF4-FFF2-40B4-BE49-F238E27FC236}">
+                <a16:creationId xmlns:a16="http://schemas.microsoft.com/office/drawing/2014/main" id="{C8C61DF8-2384-5133-8341-7697B3213BF1}"/>
+              </a:ext>
+            </a:extLst>
+          </p:cNvPr>
+          <p:cNvSpPr txBox="1"/>
+          <p:nvPr/>
+        </p:nvSpPr>
+        <p:spPr>
+          <a:xfrm>
+            <a:off x="6097795" y="297016"/>
+            <a:ext cx="2440092" cy="307777"/>
+          </a:xfrm>
+          <a:prstGeom prst="rect">
+            <a:avLst/>
+          </a:prstGeom>
+          <a:noFill/>
+        </p:spPr>
+        <p:txBody>
+          <a:bodyPr wrap="square">
+            <a:spAutoFit/>
+          </a:bodyPr>
+          <a:lstStyle/>
+          <a:p>
+            <a:r>
+              <a:rPr lang="en-US" sz="1400" b="1" dirty="0">
+                <a:solidFill>
+                  <a:srgbClr val="000000"/>
+                </a:solidFill>
+                <a:latin typeface="Menlo" panose="020B0609030804020204" pitchFamily="49" charset="0"/>
+              </a:rPr>
+              <a:t>kr_05_03.php   (1994)</a:t>
+            </a:r>
+          </a:p>
+        </p:txBody>
+      </p:sp>
+      <p:cxnSp>
+        <p:nvCxnSpPr>
+          <p:cNvPr id="32" name="Straight Arrow Connector 31">
+            <a:extLst>
+              <a:ext uri="{FF2B5EF4-FFF2-40B4-BE49-F238E27FC236}">
+                <a16:creationId xmlns:a16="http://schemas.microsoft.com/office/drawing/2014/main" id="{0BB31202-4781-9432-0EB0-F4347B23EB90}"/>
+              </a:ext>
+            </a:extLst>
+          </p:cNvPr>
+          <p:cNvCxnSpPr>
+            <a:cxnSpLocks/>
+          </p:cNvCxnSpPr>
+          <p:nvPr/>
+        </p:nvCxnSpPr>
+        <p:spPr>
+          <a:xfrm flipH="1" flipV="1">
+            <a:off x="8156293" y="1238343"/>
+            <a:ext cx="635000" cy="368300"/>
+          </a:xfrm>
+          <a:prstGeom prst="straightConnector1">
+            <a:avLst/>
+          </a:prstGeom>
+          <a:ln w="38100">
+            <a:solidFill>
+              <a:srgbClr val="FF0000"/>
+            </a:solidFill>
+            <a:tailEnd type="triangle"/>
+          </a:ln>
+        </p:spPr>
+        <p:style>
+          <a:lnRef idx="1">
+            <a:schemeClr val="accent1"/>
+          </a:lnRef>
+          <a:fillRef idx="0">
+            <a:schemeClr val="accent1"/>
+          </a:fillRef>
+          <a:effectRef idx="0">
+            <a:schemeClr val="accent1"/>
+          </a:effectRef>
+          <a:fontRef idx="minor">
+            <a:schemeClr val="tx1"/>
+          </a:fontRef>
+        </p:style>
+      </p:cxnSp>
+    </p:spTree>
+    <p:extLst>
+      <p:ext uri="{BB962C8B-B14F-4D97-AF65-F5344CB8AC3E}">
+        <p14:creationId xmlns:p14="http://schemas.microsoft.com/office/powerpoint/2010/main" val="2985243165"/>
+      </p:ext>
+    </p:extLst>
+  </p:cSld>
+  <p:clrMapOvr>
+    <a:masterClrMapping/>
+  </p:clrMapOvr>
+</p:sld>
+</file>
+
+<file path=ppt/slides/slide13.xml><?xml version="1.0" encoding="utf-8"?>
+<p:sld xmlns:a="http://schemas.openxmlformats.org/drawingml/2006/main" xmlns:r="http://schemas.openxmlformats.org/officeDocument/2006/relationships" xmlns:p="http://schemas.openxmlformats.org/presentationml/2006/main">
+  <p:cSld>
+    <p:spTree>
+      <p:nvGrpSpPr>
+        <p:cNvPr id="1" name=""/>
+        <p:cNvGrpSpPr/>
+        <p:nvPr/>
+      </p:nvGrpSpPr>
+      <p:grpSpPr>
+        <a:xfrm>
+          <a:off x="0" y="0"/>
+          <a:ext cx="0" cy="0"/>
+          <a:chOff x="0" y="0"/>
+          <a:chExt cx="0" cy="0"/>
+        </a:xfrm>
+      </p:grpSpPr>
+      <p:sp>
+        <p:nvSpPr>
+          <p:cNvPr id="2" name="Title 1">
+            <a:extLst>
+              <a:ext uri="{FF2B5EF4-FFF2-40B4-BE49-F238E27FC236}">
+                <a16:creationId xmlns:a16="http://schemas.microsoft.com/office/drawing/2014/main" id="{A9176F26-714F-8D37-C6A0-9AB36FF947B4}"/>
               </a:ext>
             </a:extLst>
           </p:cNvPr>
@@ -4122,18 +6351,22 @@
           <a:lstStyle/>
           <a:p>
             <a:r>
-              <a:rPr lang="en-US" dirty="0"/>
-              <a:t>Summary</a:t>
-            </a:r>
-          </a:p>
-        </p:txBody>
-      </p:sp>
-      <p:sp>
-        <p:nvSpPr>
-          <p:cNvPr id="2" name="Content Placeholder 1">
-            <a:extLst>
-              <a:ext uri="{FF2B5EF4-FFF2-40B4-BE49-F238E27FC236}">
-                <a16:creationId xmlns:a16="http://schemas.microsoft.com/office/drawing/2014/main" id="{50791E68-B219-7E1C-2218-042D2ED13759}"/>
+              <a:rPr lang="en-US" dirty="0">
+                <a:solidFill>
+                  <a:srgbClr val="FF0000"/>
+                </a:solidFill>
+              </a:rPr>
+              <a:t>Security!</a:t>
+            </a:r>
+          </a:p>
+        </p:txBody>
+      </p:sp>
+      <p:sp>
+        <p:nvSpPr>
+          <p:cNvPr id="3" name="Content Placeholder 2">
+            <a:extLst>
+              <a:ext uri="{FF2B5EF4-FFF2-40B4-BE49-F238E27FC236}">
+                <a16:creationId xmlns:a16="http://schemas.microsoft.com/office/drawing/2014/main" id="{375E75A2-D582-87D6-66A6-10FBD17F9E12}"/>
               </a:ext>
             </a:extLst>
           </p:cNvPr>
@@ -4144,13 +6377,950 @@
             <p:ph idx="1"/>
           </p:nvPr>
         </p:nvSpPr>
-        <p:spPr/>
+        <p:spPr>
+          <a:xfrm>
+            <a:off x="838200" y="1825625"/>
+            <a:ext cx="10515600" cy="1793875"/>
+          </a:xfrm>
+        </p:spPr>
         <p:txBody>
           <a:bodyPr/>
           <a:lstStyle/>
           <a:p>
             <a:r>
               <a:rPr lang="en-US" dirty="0"/>
+              <a:t>In my other courses we talk about "attack vectors"</a:t>
+            </a:r>
+          </a:p>
+          <a:p>
+            <a:pPr lvl="1"/>
+            <a:r>
+              <a:rPr lang="en-US" dirty="0"/>
+              <a:t>HTML Injection</a:t>
+            </a:r>
+          </a:p>
+          <a:p>
+            <a:pPr lvl="1"/>
+            <a:r>
+              <a:rPr lang="en-US" dirty="0"/>
+              <a:t>SQL Injection</a:t>
+            </a:r>
+          </a:p>
+          <a:p>
+            <a:pPr lvl="1"/>
+            <a:r>
+              <a:rPr lang="en-US" dirty="0"/>
+              <a:t>Cross Site Scripting</a:t>
+            </a:r>
+          </a:p>
+        </p:txBody>
+      </p:sp>
+      <p:sp>
+        <p:nvSpPr>
+          <p:cNvPr id="4" name="Rectangle 1">
+            <a:extLst>
+              <a:ext uri="{FF2B5EF4-FFF2-40B4-BE49-F238E27FC236}">
+                <a16:creationId xmlns:a16="http://schemas.microsoft.com/office/drawing/2014/main" id="{09F03425-9BE9-8EF6-38CC-5324A4D16776}"/>
+              </a:ext>
+            </a:extLst>
+          </p:cNvPr>
+          <p:cNvSpPr>
+            <a:spLocks/>
+          </p:cNvSpPr>
+          <p:nvPr/>
+        </p:nvSpPr>
+        <p:spPr bwMode="auto">
+          <a:xfrm>
+            <a:off x="9395115" y="4748829"/>
+            <a:ext cx="1958685" cy="276999"/>
+          </a:xfrm>
+          <a:prstGeom prst="rect">
+            <a:avLst/>
+          </a:prstGeom>
+          <a:noFill/>
+          <a:ln>
+            <a:noFill/>
+          </a:ln>
+          <a:extLst>
+            <a:ext uri="{909E8E84-426E-40dd-AFC4-6F175D3DCCD1}"/>
+            <a:ext uri="{91240B29-F687-4f45-9708-019B960494DF}"/>
+          </a:extLst>
+        </p:spPr>
+        <p:txBody>
+          <a:bodyPr wrap="square" lIns="0" tIns="0" rIns="0" bIns="0" anchor="ctr">
+            <a:spAutoFit/>
+          </a:bodyPr>
+          <a:lstStyle>
+            <a:lvl1pPr eaLnBrk="0" hangingPunct="0">
+              <a:defRPr sz="3600">
+                <a:solidFill>
+                  <a:srgbClr val="FFFFFF"/>
+                </a:solidFill>
+                <a:latin typeface="Gill Sans" charset="0"/>
+                <a:ea typeface="ヒラギノ角ゴ ProN W3" charset="-128"/>
+                <a:sym typeface="Gill Sans" charset="0"/>
+              </a:defRPr>
+            </a:lvl1pPr>
+            <a:lvl2pPr marL="742950" indent="-285750" eaLnBrk="0" hangingPunct="0">
+              <a:defRPr sz="3600">
+                <a:solidFill>
+                  <a:srgbClr val="FFFFFF"/>
+                </a:solidFill>
+                <a:latin typeface="Gill Sans" charset="0"/>
+                <a:ea typeface="ヒラギノ角ゴ ProN W3" charset="-128"/>
+                <a:sym typeface="Gill Sans" charset="0"/>
+              </a:defRPr>
+            </a:lvl2pPr>
+            <a:lvl3pPr marL="1143000" indent="-228600" eaLnBrk="0" hangingPunct="0">
+              <a:defRPr sz="3600">
+                <a:solidFill>
+                  <a:srgbClr val="FFFFFF"/>
+                </a:solidFill>
+                <a:latin typeface="Gill Sans" charset="0"/>
+                <a:ea typeface="ヒラギノ角ゴ ProN W3" charset="-128"/>
+                <a:sym typeface="Gill Sans" charset="0"/>
+              </a:defRPr>
+            </a:lvl3pPr>
+            <a:lvl4pPr marL="1600200" indent="-228600" eaLnBrk="0" hangingPunct="0">
+              <a:defRPr sz="3600">
+                <a:solidFill>
+                  <a:srgbClr val="FFFFFF"/>
+                </a:solidFill>
+                <a:latin typeface="Gill Sans" charset="0"/>
+                <a:ea typeface="ヒラギノ角ゴ ProN W3" charset="-128"/>
+                <a:sym typeface="Gill Sans" charset="0"/>
+              </a:defRPr>
+            </a:lvl4pPr>
+            <a:lvl5pPr marL="2057400" indent="-228600" eaLnBrk="0" hangingPunct="0">
+              <a:defRPr sz="3600">
+                <a:solidFill>
+                  <a:srgbClr val="FFFFFF"/>
+                </a:solidFill>
+                <a:latin typeface="Gill Sans" charset="0"/>
+                <a:ea typeface="ヒラギノ角ゴ ProN W3" charset="-128"/>
+                <a:sym typeface="Gill Sans" charset="0"/>
+              </a:defRPr>
+            </a:lvl5pPr>
+            <a:lvl6pPr marL="2514600" indent="-228600" algn="ctr" eaLnBrk="0" fontAlgn="base" hangingPunct="0">
+              <a:spcBef>
+                <a:spcPct val="0"/>
+              </a:spcBef>
+              <a:spcAft>
+                <a:spcPct val="0"/>
+              </a:spcAft>
+              <a:defRPr sz="3600">
+                <a:solidFill>
+                  <a:srgbClr val="FFFFFF"/>
+                </a:solidFill>
+                <a:latin typeface="Gill Sans" charset="0"/>
+                <a:ea typeface="ヒラギノ角ゴ ProN W3" charset="-128"/>
+                <a:sym typeface="Gill Sans" charset="0"/>
+              </a:defRPr>
+            </a:lvl6pPr>
+            <a:lvl7pPr marL="2971800" indent="-228600" algn="ctr" eaLnBrk="0" fontAlgn="base" hangingPunct="0">
+              <a:spcBef>
+                <a:spcPct val="0"/>
+              </a:spcBef>
+              <a:spcAft>
+                <a:spcPct val="0"/>
+              </a:spcAft>
+              <a:defRPr sz="3600">
+                <a:solidFill>
+                  <a:srgbClr val="FFFFFF"/>
+                </a:solidFill>
+                <a:latin typeface="Gill Sans" charset="0"/>
+                <a:ea typeface="ヒラギノ角ゴ ProN W3" charset="-128"/>
+                <a:sym typeface="Gill Sans" charset="0"/>
+              </a:defRPr>
+            </a:lvl7pPr>
+            <a:lvl8pPr marL="3429000" indent="-228600" algn="ctr" eaLnBrk="0" fontAlgn="base" hangingPunct="0">
+              <a:spcBef>
+                <a:spcPct val="0"/>
+              </a:spcBef>
+              <a:spcAft>
+                <a:spcPct val="0"/>
+              </a:spcAft>
+              <a:defRPr sz="3600">
+                <a:solidFill>
+                  <a:srgbClr val="FFFFFF"/>
+                </a:solidFill>
+                <a:latin typeface="Gill Sans" charset="0"/>
+                <a:ea typeface="ヒラギノ角ゴ ProN W3" charset="-128"/>
+                <a:sym typeface="Gill Sans" charset="0"/>
+              </a:defRPr>
+            </a:lvl8pPr>
+            <a:lvl9pPr marL="3886200" indent="-228600" algn="ctr" eaLnBrk="0" fontAlgn="base" hangingPunct="0">
+              <a:spcBef>
+                <a:spcPct val="0"/>
+              </a:spcBef>
+              <a:spcAft>
+                <a:spcPct val="0"/>
+              </a:spcAft>
+              <a:defRPr sz="3600">
+                <a:solidFill>
+                  <a:srgbClr val="FFFFFF"/>
+                </a:solidFill>
+                <a:latin typeface="Gill Sans" charset="0"/>
+                <a:ea typeface="ヒラギノ角ゴ ProN W3" charset="-128"/>
+                <a:sym typeface="Gill Sans" charset="0"/>
+              </a:defRPr>
+            </a:lvl9pPr>
+          </a:lstStyle>
+          <a:p>
+            <a:pPr algn="ctr" eaLnBrk="1" hangingPunct="1">
+              <a:defRPr/>
+            </a:pPr>
+            <a:r>
+              <a:rPr lang="en-US" altLang="en-US" sz="1800" dirty="0">
+                <a:solidFill>
+                  <a:schemeClr val="tx1"/>
+                </a:solidFill>
+                <a:ea typeface="ＭＳ Ｐゴシック" charset="-128"/>
+              </a:rPr>
+              <a:t>http://</a:t>
+            </a:r>
+            <a:r>
+              <a:rPr lang="en-US" altLang="en-US" sz="1800" dirty="0" err="1">
+                <a:solidFill>
+                  <a:schemeClr val="tx1"/>
+                </a:solidFill>
+                <a:ea typeface="ＭＳ Ｐゴシック" charset="-128"/>
+              </a:rPr>
+              <a:t>xkcd.com</a:t>
+            </a:r>
+            <a:r>
+              <a:rPr lang="en-US" altLang="en-US" sz="1800" dirty="0">
+                <a:solidFill>
+                  <a:schemeClr val="tx1"/>
+                </a:solidFill>
+                <a:ea typeface="ＭＳ Ｐゴシック" charset="-128"/>
+              </a:rPr>
+              <a:t>/327/</a:t>
+            </a:r>
+          </a:p>
+        </p:txBody>
+      </p:sp>
+      <p:pic>
+        <p:nvPicPr>
+          <p:cNvPr id="5" name="Picture 2">
+            <a:extLst>
+              <a:ext uri="{FF2B5EF4-FFF2-40B4-BE49-F238E27FC236}">
+                <a16:creationId xmlns:a16="http://schemas.microsoft.com/office/drawing/2014/main" id="{1E2C93C5-4EE8-3062-088A-4347D9CBF947}"/>
+              </a:ext>
+            </a:extLst>
+          </p:cNvPr>
+          <p:cNvPicPr>
+            <a:picLocks noChangeAspect="1" noChangeArrowheads="1"/>
+          </p:cNvPicPr>
+          <p:nvPr/>
+        </p:nvPicPr>
+        <p:blipFill>
+          <a:blip r:embed="rId2">
+            <a:extLst>
+              <a:ext uri="{28A0092B-C50C-407E-A947-70E740481C1C}">
+                <a14:useLocalDpi xmlns:a14="http://schemas.microsoft.com/office/drawing/2010/main" val="0"/>
+              </a:ext>
+            </a:extLst>
+          </a:blip>
+          <a:srcRect/>
+          <a:stretch>
+            <a:fillRect/>
+          </a:stretch>
+        </p:blipFill>
+        <p:spPr bwMode="auto">
+          <a:xfrm>
+            <a:off x="1752601" y="3944937"/>
+            <a:ext cx="7023099" cy="2161783"/>
+          </a:xfrm>
+          <a:prstGeom prst="rect">
+            <a:avLst/>
+          </a:prstGeom>
+          <a:noFill/>
+          <a:ln>
+            <a:noFill/>
+          </a:ln>
+          <a:extLst>
+            <a:ext uri="{909E8E84-426E-40DD-AFC4-6F175D3DCCD1}">
+              <a14:hiddenFill xmlns:a14="http://schemas.microsoft.com/office/drawing/2010/main">
+                <a:solidFill>
+                  <a:srgbClr val="FFFFFF"/>
+                </a:solidFill>
+              </a14:hiddenFill>
+            </a:ext>
+            <a:ext uri="{91240B29-F687-4F45-9708-019B960494DF}">
+              <a14:hiddenLine xmlns:a14="http://schemas.microsoft.com/office/drawing/2010/main" w="12700">
+                <a:solidFill>
+                  <a:srgbClr val="000000"/>
+                </a:solidFill>
+                <a:miter lim="800000"/>
+                <a:headEnd/>
+                <a:tailEnd/>
+              </a14:hiddenLine>
+            </a:ext>
+          </a:extLst>
+        </p:spPr>
+      </p:pic>
+    </p:spTree>
+    <p:extLst>
+      <p:ext uri="{BB962C8B-B14F-4D97-AF65-F5344CB8AC3E}">
+        <p14:creationId xmlns:p14="http://schemas.microsoft.com/office/powerpoint/2010/main" val="2012709636"/>
+      </p:ext>
+    </p:extLst>
+  </p:cSld>
+  <p:clrMapOvr>
+    <a:masterClrMapping/>
+  </p:clrMapOvr>
+</p:sld>
+</file>
+
+<file path=ppt/slides/slide14.xml><?xml version="1.0" encoding="utf-8"?>
+<p:sld xmlns:a="http://schemas.openxmlformats.org/drawingml/2006/main" xmlns:r="http://schemas.openxmlformats.org/officeDocument/2006/relationships" xmlns:p="http://schemas.openxmlformats.org/presentationml/2006/main">
+  <p:cSld>
+    <p:spTree>
+      <p:nvGrpSpPr>
+        <p:cNvPr id="1" name=""/>
+        <p:cNvGrpSpPr/>
+        <p:nvPr/>
+      </p:nvGrpSpPr>
+      <p:grpSpPr>
+        <a:xfrm>
+          <a:off x="0" y="0"/>
+          <a:ext cx="0" cy="0"/>
+          <a:chOff x="0" y="0"/>
+          <a:chExt cx="0" cy="0"/>
+        </a:xfrm>
+      </p:grpSpPr>
+      <p:sp>
+        <p:nvSpPr>
+          <p:cNvPr id="2" name="Title 1">
+            <a:extLst>
+              <a:ext uri="{FF2B5EF4-FFF2-40B4-BE49-F238E27FC236}">
+                <a16:creationId xmlns:a16="http://schemas.microsoft.com/office/drawing/2014/main" id="{A9176F26-714F-8D37-C6A0-9AB36FF947B4}"/>
+              </a:ext>
+            </a:extLst>
+          </p:cNvPr>
+          <p:cNvSpPr>
+            <a:spLocks noGrp="1"/>
+          </p:cNvSpPr>
+          <p:nvPr>
+            <p:ph type="title"/>
+          </p:nvPr>
+        </p:nvSpPr>
+        <p:spPr/>
+        <p:txBody>
+          <a:bodyPr/>
+          <a:lstStyle/>
+          <a:p>
+            <a:r>
+              <a:rPr lang="en-US" dirty="0">
+                <a:solidFill>
+                  <a:srgbClr val="FF0000"/>
+                </a:solidFill>
+              </a:rPr>
+              <a:t>Buffer Overflow – Security!</a:t>
+            </a:r>
+          </a:p>
+        </p:txBody>
+      </p:sp>
+      <p:sp>
+        <p:nvSpPr>
+          <p:cNvPr id="3" name="Content Placeholder 2">
+            <a:extLst>
+              <a:ext uri="{FF2B5EF4-FFF2-40B4-BE49-F238E27FC236}">
+                <a16:creationId xmlns:a16="http://schemas.microsoft.com/office/drawing/2014/main" id="{375E75A2-D582-87D6-66A6-10FBD17F9E12}"/>
+              </a:ext>
+            </a:extLst>
+          </p:cNvPr>
+          <p:cNvSpPr>
+            <a:spLocks noGrp="1"/>
+          </p:cNvSpPr>
+          <p:nvPr>
+            <p:ph idx="1"/>
+          </p:nvPr>
+        </p:nvSpPr>
+        <p:spPr>
+          <a:xfrm>
+            <a:off x="838200" y="1825625"/>
+            <a:ext cx="5257800" cy="828675"/>
+          </a:xfrm>
+        </p:spPr>
+        <p:txBody>
+          <a:bodyPr>
+            <a:normAutofit lnSpcReduction="10000"/>
+          </a:bodyPr>
+          <a:lstStyle/>
+          <a:p>
+            <a:r>
+              <a:rPr lang="en-US" dirty="0"/>
+              <a:t>In C, the major threat vector is "buffer overflow"</a:t>
+            </a:r>
+          </a:p>
+        </p:txBody>
+      </p:sp>
+      <p:sp>
+        <p:nvSpPr>
+          <p:cNvPr id="5" name="TextBox 4">
+            <a:extLst>
+              <a:ext uri="{FF2B5EF4-FFF2-40B4-BE49-F238E27FC236}">
+                <a16:creationId xmlns:a16="http://schemas.microsoft.com/office/drawing/2014/main" id="{FFC89442-D065-EBD4-3559-09DE31E403EB}"/>
+              </a:ext>
+            </a:extLst>
+          </p:cNvPr>
+          <p:cNvSpPr txBox="1"/>
+          <p:nvPr/>
+        </p:nvSpPr>
+        <p:spPr>
+          <a:xfrm>
+            <a:off x="1000216" y="3803591"/>
+            <a:ext cx="5638800" cy="400110"/>
+          </a:xfrm>
+          <a:prstGeom prst="rect">
+            <a:avLst/>
+          </a:prstGeom>
+          <a:noFill/>
+        </p:spPr>
+        <p:txBody>
+          <a:bodyPr wrap="square">
+            <a:spAutoFit/>
+          </a:bodyPr>
+          <a:lstStyle/>
+          <a:p>
+            <a:r>
+              <a:rPr lang="en-US" sz="2000" dirty="0"/>
+              <a:t>https://</a:t>
+            </a:r>
+            <a:r>
+              <a:rPr lang="en-US" sz="2000" dirty="0" err="1"/>
+              <a:t>en.wikipedia.org</a:t>
+            </a:r>
+            <a:r>
+              <a:rPr lang="en-US" sz="2000" dirty="0"/>
+              <a:t>/wiki/</a:t>
+            </a:r>
+            <a:r>
+              <a:rPr lang="en-US" sz="2000" dirty="0" err="1"/>
+              <a:t>Buffer_overflow</a:t>
+            </a:r>
+            <a:endParaRPr lang="en-US" sz="2000" dirty="0"/>
+          </a:p>
+        </p:txBody>
+      </p:sp>
+      <p:pic>
+        <p:nvPicPr>
+          <p:cNvPr id="6" name="Picture 5" descr="A picture containing shape&#10;&#10;Description automatically generated">
+            <a:extLst>
+              <a:ext uri="{FF2B5EF4-FFF2-40B4-BE49-F238E27FC236}">
+                <a16:creationId xmlns:a16="http://schemas.microsoft.com/office/drawing/2014/main" id="{DA709687-1780-8144-6F72-52D579133DAF}"/>
+              </a:ext>
+            </a:extLst>
+          </p:cNvPr>
+          <p:cNvPicPr>
+            <a:picLocks noChangeAspect="1"/>
+          </p:cNvPicPr>
+          <p:nvPr/>
+        </p:nvPicPr>
+        <p:blipFill>
+          <a:blip r:embed="rId2"/>
+          <a:stretch>
+            <a:fillRect/>
+          </a:stretch>
+        </p:blipFill>
+        <p:spPr>
+          <a:xfrm>
+            <a:off x="7182032" y="1909761"/>
+            <a:ext cx="4171768" cy="2155825"/>
+          </a:xfrm>
+          <a:prstGeom prst="rect">
+            <a:avLst/>
+          </a:prstGeom>
+        </p:spPr>
+      </p:pic>
+      <p:sp>
+        <p:nvSpPr>
+          <p:cNvPr id="7" name="TextBox 6">
+            <a:extLst>
+              <a:ext uri="{FF2B5EF4-FFF2-40B4-BE49-F238E27FC236}">
+                <a16:creationId xmlns:a16="http://schemas.microsoft.com/office/drawing/2014/main" id="{CF7C2E86-076C-4579-A99C-DB3F62DA82AC}"/>
+              </a:ext>
+            </a:extLst>
+          </p:cNvPr>
+          <p:cNvSpPr txBox="1"/>
+          <p:nvPr/>
+        </p:nvSpPr>
+        <p:spPr>
+          <a:xfrm>
+            <a:off x="7296333" y="4290366"/>
+            <a:ext cx="3886200" cy="1200329"/>
+          </a:xfrm>
+          <a:prstGeom prst="rect">
+            <a:avLst/>
+          </a:prstGeom>
+          <a:noFill/>
+        </p:spPr>
+        <p:txBody>
+          <a:bodyPr wrap="square" rtlCol="0">
+            <a:spAutoFit/>
+          </a:bodyPr>
+          <a:lstStyle/>
+          <a:p>
+            <a:r>
+              <a:rPr lang="en-US" dirty="0"/>
+              <a:t>Visualization of a software buffer overflow. Data is written into A, but is too large to fit within A, so it overflows into B.</a:t>
+            </a:r>
+          </a:p>
+        </p:txBody>
+      </p:sp>
+    </p:spTree>
+    <p:extLst>
+      <p:ext uri="{BB962C8B-B14F-4D97-AF65-F5344CB8AC3E}">
+        <p14:creationId xmlns:p14="http://schemas.microsoft.com/office/powerpoint/2010/main" val="2283559224"/>
+      </p:ext>
+    </p:extLst>
+  </p:cSld>
+  <p:clrMapOvr>
+    <a:masterClrMapping/>
+  </p:clrMapOvr>
+</p:sld>
+</file>
+
+<file path=ppt/slides/slide15.xml><?xml version="1.0" encoding="utf-8"?>
+<p:sld xmlns:a="http://schemas.openxmlformats.org/drawingml/2006/main" xmlns:r="http://schemas.openxmlformats.org/officeDocument/2006/relationships" xmlns:p="http://schemas.openxmlformats.org/presentationml/2006/main">
+  <p:cSld>
+    <p:spTree>
+      <p:nvGrpSpPr>
+        <p:cNvPr id="1" name=""/>
+        <p:cNvGrpSpPr/>
+        <p:nvPr/>
+      </p:nvGrpSpPr>
+      <p:grpSpPr>
+        <a:xfrm>
+          <a:off x="0" y="0"/>
+          <a:ext cx="0" cy="0"/>
+          <a:chOff x="0" y="0"/>
+          <a:chExt cx="0" cy="0"/>
+        </a:xfrm>
+      </p:grpSpPr>
+      <p:sp>
+        <p:nvSpPr>
+          <p:cNvPr id="2" name="Title 1">
+            <a:extLst>
+              <a:ext uri="{FF2B5EF4-FFF2-40B4-BE49-F238E27FC236}">
+                <a16:creationId xmlns:a16="http://schemas.microsoft.com/office/drawing/2014/main" id="{A9176F26-714F-8D37-C6A0-9AB36FF947B4}"/>
+              </a:ext>
+            </a:extLst>
+          </p:cNvPr>
+          <p:cNvSpPr>
+            <a:spLocks noGrp="1"/>
+          </p:cNvSpPr>
+          <p:nvPr>
+            <p:ph type="title"/>
+          </p:nvPr>
+        </p:nvSpPr>
+        <p:spPr/>
+        <p:txBody>
+          <a:bodyPr/>
+          <a:lstStyle/>
+          <a:p>
+            <a:r>
+              <a:rPr lang="en-US" dirty="0">
+                <a:solidFill>
+                  <a:srgbClr val="FF0000"/>
+                </a:solidFill>
+              </a:rPr>
+              <a:t>Buffer Overflow – gets()!</a:t>
+            </a:r>
+          </a:p>
+        </p:txBody>
+      </p:sp>
+      <p:sp>
+        <p:nvSpPr>
+          <p:cNvPr id="7" name="TextBox 6">
+            <a:extLst>
+              <a:ext uri="{FF2B5EF4-FFF2-40B4-BE49-F238E27FC236}">
+                <a16:creationId xmlns:a16="http://schemas.microsoft.com/office/drawing/2014/main" id="{DB480F66-476A-D3E0-9591-3FB9815C4116}"/>
+              </a:ext>
+            </a:extLst>
+          </p:cNvPr>
+          <p:cNvSpPr txBox="1"/>
+          <p:nvPr/>
+        </p:nvSpPr>
+        <p:spPr>
+          <a:xfrm>
+            <a:off x="6007100" y="1690688"/>
+            <a:ext cx="5881713" cy="4247317"/>
+          </a:xfrm>
+          <a:prstGeom prst="rect">
+            <a:avLst/>
+          </a:prstGeom>
+          <a:noFill/>
+        </p:spPr>
+        <p:txBody>
+          <a:bodyPr wrap="square" rtlCol="0">
+            <a:spAutoFit/>
+          </a:bodyPr>
+          <a:lstStyle/>
+          <a:p>
+            <a:r>
+              <a:rPr lang="en-US" dirty="0"/>
+              <a:t>$ </a:t>
+            </a:r>
+            <a:r>
+              <a:rPr lang="en-US" b="1" dirty="0" err="1"/>
+              <a:t>gcc</a:t>
+            </a:r>
+            <a:r>
+              <a:rPr lang="en-US" b="1" dirty="0"/>
+              <a:t> kr_05_04.c </a:t>
+            </a:r>
+          </a:p>
+          <a:p>
+            <a:r>
+              <a:rPr lang="en-US" dirty="0">
+                <a:solidFill>
+                  <a:srgbClr val="FF0000"/>
+                </a:solidFill>
+              </a:rPr>
+              <a:t>kr_05_04.c:5:5: warning: 'gets' is deprecated: This function is provided for compatibility reasons only.  Due to security concerns inherent in the design of gets(3), it is highly recommended that you use </a:t>
+            </a:r>
+            <a:r>
+              <a:rPr lang="en-US" dirty="0" err="1">
+                <a:solidFill>
+                  <a:srgbClr val="FF0000"/>
+                </a:solidFill>
+              </a:rPr>
+              <a:t>fgets</a:t>
+            </a:r>
+            <a:r>
+              <a:rPr lang="en-US" dirty="0">
+                <a:solidFill>
+                  <a:srgbClr val="FF0000"/>
+                </a:solidFill>
+              </a:rPr>
+              <a:t>(3) instead. </a:t>
+            </a:r>
+          </a:p>
+          <a:p>
+            <a:r>
+              <a:rPr lang="en-US" dirty="0"/>
+              <a:t>$ </a:t>
+            </a:r>
+            <a:r>
+              <a:rPr lang="en-US" b="1" dirty="0" err="1"/>
+              <a:t>a.out</a:t>
+            </a:r>
+            <a:endParaRPr lang="en-US" b="1" dirty="0"/>
+          </a:p>
+          <a:p>
+            <a:r>
+              <a:rPr lang="en-US" dirty="0">
+                <a:solidFill>
+                  <a:srgbClr val="FF0000"/>
+                </a:solidFill>
+              </a:rPr>
+              <a:t>warning: this program uses gets(), which is unsafe.</a:t>
+            </a:r>
+          </a:p>
+          <a:p>
+            <a:r>
+              <a:rPr lang="en-US" b="1" dirty="0"/>
+              <a:t>Hello World</a:t>
+            </a:r>
+          </a:p>
+          <a:p>
+            <a:r>
+              <a:rPr lang="en-US" dirty="0"/>
+              <a:t>s: Hello World</a:t>
+            </a:r>
+          </a:p>
+          <a:p>
+            <a:r>
+              <a:rPr lang="en-US" dirty="0"/>
+              <a:t>$ </a:t>
+            </a:r>
+            <a:r>
+              <a:rPr lang="en-US" b="1" dirty="0" err="1"/>
+              <a:t>a.out</a:t>
+            </a:r>
+            <a:endParaRPr lang="en-US" b="1" dirty="0"/>
+          </a:p>
+          <a:p>
+            <a:r>
+              <a:rPr lang="en-US" dirty="0">
+                <a:solidFill>
+                  <a:srgbClr val="FF0000"/>
+                </a:solidFill>
+              </a:rPr>
+              <a:t>warning: this program uses gets(), which is unsafe.</a:t>
+            </a:r>
+          </a:p>
+          <a:p>
+            <a:r>
+              <a:rPr lang="en-US" b="1" dirty="0"/>
+              <a:t>Hello                               World</a:t>
+            </a:r>
+          </a:p>
+          <a:p>
+            <a:r>
+              <a:rPr lang="en-US" dirty="0"/>
+              <a:t>s: Hello                               World</a:t>
+            </a:r>
+          </a:p>
+          <a:p>
+            <a:r>
+              <a:rPr lang="en-US" dirty="0">
+                <a:solidFill>
+                  <a:srgbClr val="FF0000"/>
+                </a:solidFill>
+              </a:rPr>
+              <a:t>Abort trap: 6</a:t>
+            </a:r>
+          </a:p>
+          <a:p>
+            <a:r>
+              <a:rPr lang="en-US" dirty="0"/>
+              <a:t>$ </a:t>
+            </a:r>
+          </a:p>
+        </p:txBody>
+      </p:sp>
+      <p:sp>
+        <p:nvSpPr>
+          <p:cNvPr id="8" name="TextBox 7">
+            <a:extLst>
+              <a:ext uri="{FF2B5EF4-FFF2-40B4-BE49-F238E27FC236}">
+                <a16:creationId xmlns:a16="http://schemas.microsoft.com/office/drawing/2014/main" id="{4616DB7E-DE4F-A438-13E3-299A06530080}"/>
+              </a:ext>
+            </a:extLst>
+          </p:cNvPr>
+          <p:cNvSpPr txBox="1"/>
+          <p:nvPr/>
+        </p:nvSpPr>
+        <p:spPr>
+          <a:xfrm>
+            <a:off x="1193800" y="2716392"/>
+            <a:ext cx="4031873" cy="2246769"/>
+          </a:xfrm>
+          <a:prstGeom prst="rect">
+            <a:avLst/>
+          </a:prstGeom>
+          <a:noFill/>
+        </p:spPr>
+        <p:txBody>
+          <a:bodyPr wrap="none" rtlCol="0">
+            <a:spAutoFit/>
+          </a:bodyPr>
+          <a:lstStyle/>
+          <a:p>
+            <a:r>
+              <a:rPr lang="en-US" sz="2000" b="1" dirty="0">
+                <a:latin typeface="Courier New" panose="02070309020205020404" pitchFamily="49" charset="0"/>
+                <a:cs typeface="Courier New" panose="02070309020205020404" pitchFamily="49" charset="0"/>
+              </a:rPr>
+              <a:t>#include &lt;</a:t>
+            </a:r>
+            <a:r>
+              <a:rPr lang="en-US" sz="2000" b="1" dirty="0" err="1">
+                <a:latin typeface="Courier New" panose="02070309020205020404" pitchFamily="49" charset="0"/>
+                <a:cs typeface="Courier New" panose="02070309020205020404" pitchFamily="49" charset="0"/>
+              </a:rPr>
+              <a:t>stdio.h</a:t>
+            </a:r>
+            <a:r>
+              <a:rPr lang="en-US" sz="2000" b="1" dirty="0">
+                <a:latin typeface="Courier New" panose="02070309020205020404" pitchFamily="49" charset="0"/>
+                <a:cs typeface="Courier New" panose="02070309020205020404" pitchFamily="49" charset="0"/>
+              </a:rPr>
+              <a:t>&gt;</a:t>
+            </a:r>
+          </a:p>
+          <a:p>
+            <a:endParaRPr lang="en-US" sz="2000" b="1" dirty="0">
+              <a:latin typeface="Courier New" panose="02070309020205020404" pitchFamily="49" charset="0"/>
+              <a:cs typeface="Courier New" panose="02070309020205020404" pitchFamily="49" charset="0"/>
+            </a:endParaRPr>
+          </a:p>
+          <a:p>
+            <a:r>
+              <a:rPr lang="en-US" sz="2000" b="1" dirty="0">
+                <a:latin typeface="Courier New" panose="02070309020205020404" pitchFamily="49" charset="0"/>
+                <a:cs typeface="Courier New" panose="02070309020205020404" pitchFamily="49" charset="0"/>
+              </a:rPr>
+              <a:t>int main() {</a:t>
+            </a:r>
+          </a:p>
+          <a:p>
+            <a:r>
+              <a:rPr lang="en-US" sz="2000" b="1" dirty="0">
+                <a:latin typeface="Courier New" panose="02070309020205020404" pitchFamily="49" charset="0"/>
+                <a:cs typeface="Courier New" panose="02070309020205020404" pitchFamily="49" charset="0"/>
+              </a:rPr>
+              <a:t>    char s[15];</a:t>
+            </a:r>
+          </a:p>
+          <a:p>
+            <a:r>
+              <a:rPr lang="en-US" sz="2000" b="1" dirty="0">
+                <a:latin typeface="Courier New" panose="02070309020205020404" pitchFamily="49" charset="0"/>
+                <a:cs typeface="Courier New" panose="02070309020205020404" pitchFamily="49" charset="0"/>
+              </a:rPr>
+              <a:t>    gets(s);</a:t>
+            </a:r>
+          </a:p>
+          <a:p>
+            <a:r>
+              <a:rPr lang="en-US" sz="2000" b="1" dirty="0">
+                <a:latin typeface="Courier New" panose="02070309020205020404" pitchFamily="49" charset="0"/>
+                <a:cs typeface="Courier New" panose="02070309020205020404" pitchFamily="49" charset="0"/>
+              </a:rPr>
+              <a:t>    </a:t>
+            </a:r>
+            <a:r>
+              <a:rPr lang="en-US" sz="2000" b="1" dirty="0" err="1">
+                <a:latin typeface="Courier New" panose="02070309020205020404" pitchFamily="49" charset="0"/>
+                <a:cs typeface="Courier New" panose="02070309020205020404" pitchFamily="49" charset="0"/>
+              </a:rPr>
+              <a:t>printf</a:t>
+            </a:r>
+            <a:r>
+              <a:rPr lang="en-US" sz="2000" b="1" dirty="0">
+                <a:latin typeface="Courier New" panose="02070309020205020404" pitchFamily="49" charset="0"/>
+                <a:cs typeface="Courier New" panose="02070309020205020404" pitchFamily="49" charset="0"/>
+              </a:rPr>
+              <a:t>("s: %s\n", s);</a:t>
+            </a:r>
+          </a:p>
+          <a:p>
+            <a:r>
+              <a:rPr lang="en-US" sz="2000" b="1" dirty="0">
+                <a:latin typeface="Courier New" panose="02070309020205020404" pitchFamily="49" charset="0"/>
+                <a:cs typeface="Courier New" panose="02070309020205020404" pitchFamily="49" charset="0"/>
+              </a:rPr>
+              <a:t>}</a:t>
+            </a:r>
+          </a:p>
+        </p:txBody>
+      </p:sp>
+      <p:sp>
+        <p:nvSpPr>
+          <p:cNvPr id="9" name="TextBox 8">
+            <a:extLst>
+              <a:ext uri="{FF2B5EF4-FFF2-40B4-BE49-F238E27FC236}">
+                <a16:creationId xmlns:a16="http://schemas.microsoft.com/office/drawing/2014/main" id="{A7F9E674-2631-A736-36A2-59EA17B90E68}"/>
+              </a:ext>
+            </a:extLst>
+          </p:cNvPr>
+          <p:cNvSpPr txBox="1"/>
+          <p:nvPr/>
+        </p:nvSpPr>
+        <p:spPr>
+          <a:xfrm>
+            <a:off x="1193800" y="2357753"/>
+            <a:ext cx="2440092" cy="307777"/>
+          </a:xfrm>
+          <a:prstGeom prst="rect">
+            <a:avLst/>
+          </a:prstGeom>
+          <a:noFill/>
+        </p:spPr>
+        <p:txBody>
+          <a:bodyPr wrap="square">
+            <a:spAutoFit/>
+          </a:bodyPr>
+          <a:lstStyle/>
+          <a:p>
+            <a:r>
+              <a:rPr lang="en-US" sz="1400" b="1" dirty="0">
+                <a:solidFill>
+                  <a:srgbClr val="000000"/>
+                </a:solidFill>
+                <a:latin typeface="Menlo" panose="020B0609030804020204" pitchFamily="49" charset="0"/>
+              </a:rPr>
+              <a:t>kr_05_04.c</a:t>
+            </a:r>
+          </a:p>
+        </p:txBody>
+      </p:sp>
+    </p:spTree>
+    <p:extLst>
+      <p:ext uri="{BB962C8B-B14F-4D97-AF65-F5344CB8AC3E}">
+        <p14:creationId xmlns:p14="http://schemas.microsoft.com/office/powerpoint/2010/main" val="3930412476"/>
+      </p:ext>
+    </p:extLst>
+  </p:cSld>
+  <p:clrMapOvr>
+    <a:masterClrMapping/>
+  </p:clrMapOvr>
+</p:sld>
+</file>
+
+<file path=ppt/slides/slide16.xml><?xml version="1.0" encoding="utf-8"?>
+<p:sld xmlns:a="http://schemas.openxmlformats.org/drawingml/2006/main" xmlns:r="http://schemas.openxmlformats.org/officeDocument/2006/relationships" xmlns:p="http://schemas.openxmlformats.org/presentationml/2006/main">
+  <p:cSld>
+    <p:spTree>
+      <p:nvGrpSpPr>
+        <p:cNvPr id="1" name=""/>
+        <p:cNvGrpSpPr/>
+        <p:nvPr/>
+      </p:nvGrpSpPr>
+      <p:grpSpPr>
+        <a:xfrm>
+          <a:off x="0" y="0"/>
+          <a:ext cx="0" cy="0"/>
+          <a:chOff x="0" y="0"/>
+          <a:chExt cx="0" cy="0"/>
+        </a:xfrm>
+      </p:grpSpPr>
+      <p:sp>
+        <p:nvSpPr>
+          <p:cNvPr id="3" name="Title 2">
+            <a:extLst>
+              <a:ext uri="{FF2B5EF4-FFF2-40B4-BE49-F238E27FC236}">
+                <a16:creationId xmlns:a16="http://schemas.microsoft.com/office/drawing/2014/main" id="{26D5DF8A-3D98-DC7E-85E8-EAC7EDC57520}"/>
+              </a:ext>
+            </a:extLst>
+          </p:cNvPr>
+          <p:cNvSpPr>
+            <a:spLocks noGrp="1"/>
+          </p:cNvSpPr>
+          <p:nvPr>
+            <p:ph type="title"/>
+          </p:nvPr>
+        </p:nvSpPr>
+        <p:spPr/>
+        <p:txBody>
+          <a:bodyPr/>
+          <a:lstStyle/>
+          <a:p>
+            <a:r>
+              <a:rPr lang="en-US" dirty="0"/>
+              <a:t>Summary</a:t>
+            </a:r>
+          </a:p>
+        </p:txBody>
+      </p:sp>
+      <p:sp>
+        <p:nvSpPr>
+          <p:cNvPr id="2" name="Content Placeholder 1">
+            <a:extLst>
+              <a:ext uri="{FF2B5EF4-FFF2-40B4-BE49-F238E27FC236}">
+                <a16:creationId xmlns:a16="http://schemas.microsoft.com/office/drawing/2014/main" id="{50791E68-B219-7E1C-2218-042D2ED13759}"/>
+              </a:ext>
+            </a:extLst>
+          </p:cNvPr>
+          <p:cNvSpPr>
+            <a:spLocks noGrp="1"/>
+          </p:cNvSpPr>
+          <p:nvPr>
+            <p:ph idx="1"/>
+          </p:nvPr>
+        </p:nvSpPr>
+        <p:spPr/>
+        <p:txBody>
+          <a:bodyPr/>
+          <a:lstStyle/>
+          <a:p>
+            <a:r>
+              <a:rPr lang="en-US" dirty="0"/>
               <a:t>Pointers are where we move “below the abstraction”</a:t>
             </a:r>
           </a:p>
@@ -4175,15 +7345,7 @@
           <a:p>
             <a:r>
               <a:rPr lang="en-US" dirty="0"/>
-              <a:t>Skim sections 5.7, 5.10 - 5.12 </a:t>
-            </a:r>
-            <a:r>
-              <a:rPr lang="en-US"/>
-              <a:t>– Lets </a:t>
-            </a:r>
-            <a:r>
-              <a:rPr lang="en-US" dirty="0"/>
-              <a:t>get to Chapter 6 </a:t>
+              <a:t>Skim sections 5.7, 5.10 - 5.12 - Chapter 6 will be fun </a:t>
             </a:r>
             <a:r>
               <a:rPr lang="en-US" dirty="0">
@@ -4211,7 +7373,7 @@
 </p:sld>
 </file>
 
-<file path=ppt/slides/slide13.xml><?xml version="1.0" encoding="utf-8"?>
+<file path=ppt/slides/slide17.xml><?xml version="1.0" encoding="utf-8"?>
 <p:sld xmlns:a="http://schemas.openxmlformats.org/drawingml/2006/main" xmlns:r="http://schemas.openxmlformats.org/officeDocument/2006/relationships" xmlns:p="http://schemas.openxmlformats.org/presentationml/2006/main">
   <p:cSld>
     <p:spTree>
@@ -4437,7 +7599,9 @@
         </p:nvSpPr>
         <p:spPr/>
         <p:txBody>
-          <a:bodyPr/>
+          <a:bodyPr>
+            <a:normAutofit/>
+          </a:bodyPr>
           <a:lstStyle/>
           <a:p>
             <a:r>
@@ -4454,17 +7618,19 @@
           <a:p>
             <a:r>
               <a:rPr lang="en-US" dirty="0"/>
+              <a:t>Section 5.6 Pointers are not Integers (see void *)</a:t>
+            </a:r>
+          </a:p>
+          <a:p>
+            <a:r>
+              <a:rPr lang="en-US" dirty="0"/>
               <a:t>Call By Reference / Call By Value</a:t>
             </a:r>
           </a:p>
           <a:p>
             <a:r>
-              <a:rPr lang="en-US"/>
-              <a:t>Section </a:t>
-            </a:r>
-            <a:r>
               <a:rPr lang="en-US" dirty="0"/>
-              <a:t>5.6 Pointers are not Integers (see void *)</a:t>
+              <a:t>Buffer Overflow</a:t>
             </a:r>
           </a:p>
           <a:p>
@@ -6548,106 +9714,6 @@
 </file>
 
 <file path=ppt/slides/slide7.xml><?xml version="1.0" encoding="utf-8"?>
-<p:sld xmlns:a="http://schemas.openxmlformats.org/drawingml/2006/main" xmlns:r="http://schemas.openxmlformats.org/officeDocument/2006/relationships" xmlns:p="http://schemas.openxmlformats.org/presentationml/2006/main">
-  <p:cSld>
-    <p:spTree>
-      <p:nvGrpSpPr>
-        <p:cNvPr id="1" name=""/>
-        <p:cNvGrpSpPr/>
-        <p:nvPr/>
-      </p:nvGrpSpPr>
-      <p:grpSpPr>
-        <a:xfrm>
-          <a:off x="0" y="0"/>
-          <a:ext cx="0" cy="0"/>
-          <a:chOff x="0" y="0"/>
-          <a:chExt cx="0" cy="0"/>
-        </a:xfrm>
-      </p:grpSpPr>
-      <p:sp>
-        <p:nvSpPr>
-          <p:cNvPr id="2" name="Title 1">
-            <a:extLst>
-              <a:ext uri="{FF2B5EF4-FFF2-40B4-BE49-F238E27FC236}">
-                <a16:creationId xmlns:a16="http://schemas.microsoft.com/office/drawing/2014/main" id="{A8D2AB51-45B2-4FAB-DF80-B2431963A2D0}"/>
-              </a:ext>
-            </a:extLst>
-          </p:cNvPr>
-          <p:cNvSpPr>
-            <a:spLocks noGrp="1"/>
-          </p:cNvSpPr>
-          <p:nvPr>
-            <p:ph type="title"/>
-          </p:nvPr>
-        </p:nvSpPr>
-        <p:spPr/>
-        <p:txBody>
-          <a:bodyPr/>
-          <a:lstStyle/>
-          <a:p>
-            <a:r>
-              <a:rPr lang="en-US" dirty="0"/>
-              <a:t>Call by Value / Call by Reference</a:t>
-            </a:r>
-          </a:p>
-        </p:txBody>
-      </p:sp>
-      <p:sp>
-        <p:nvSpPr>
-          <p:cNvPr id="3" name="Content Placeholder 2">
-            <a:extLst>
-              <a:ext uri="{FF2B5EF4-FFF2-40B4-BE49-F238E27FC236}">
-                <a16:creationId xmlns:a16="http://schemas.microsoft.com/office/drawing/2014/main" id="{471C69E1-7789-ED8C-C21E-74ECBE5E0EFF}"/>
-              </a:ext>
-            </a:extLst>
-          </p:cNvPr>
-          <p:cNvSpPr>
-            <a:spLocks noGrp="1"/>
-          </p:cNvSpPr>
-          <p:nvPr>
-            <p:ph idx="1"/>
-          </p:nvPr>
-        </p:nvSpPr>
-        <p:spPr/>
-        <p:txBody>
-          <a:bodyPr/>
-          <a:lstStyle/>
-          <a:p>
-            <a:r>
-              <a:rPr lang="en-US" dirty="0"/>
-              <a:t>Which languages support "call by reference" where you can change the value of a simple variable (i.e. int, long, float) passed into the function as a parameter</a:t>
-            </a:r>
-          </a:p>
-          <a:p>
-            <a:pPr lvl="1"/>
-            <a:r>
-              <a:rPr lang="en-US" dirty="0"/>
-              <a:t>Yes – C, C++, C#, Pascal, and PHP</a:t>
-            </a:r>
-          </a:p>
-          <a:p>
-            <a:pPr lvl="1"/>
-            <a:r>
-              <a:rPr lang="en-US" dirty="0"/>
-              <a:t>No – Python, Java, JavaScript</a:t>
-            </a:r>
-          </a:p>
-        </p:txBody>
-      </p:sp>
-    </p:spTree>
-    <p:extLst>
-      <p:ext uri="{BB962C8B-B14F-4D97-AF65-F5344CB8AC3E}">
-        <p14:creationId xmlns:p14="http://schemas.microsoft.com/office/powerpoint/2010/main" val="71152685"/>
-      </p:ext>
-    </p:extLst>
-  </p:cSld>
-  <p:clrMapOvr>
-    <a:masterClrMapping/>
-  </p:clrMapOvr>
-</p:sld>
-</file>
-
-<file path=ppt/slides/slide8.xml><?xml version="1.0" encoding="utf-8"?>
 <p:sld xmlns:a="http://schemas.openxmlformats.org/drawingml/2006/main" xmlns:r="http://schemas.openxmlformats.org/officeDocument/2006/relationships" xmlns:p="http://schemas.openxmlformats.org/presentationml/2006/main">
   <p:cSld>
     <p:bg>
@@ -7622,7 +10688,7 @@
 </p:sld>
 </file>
 
-<file path=ppt/slides/slide9.xml><?xml version="1.0" encoding="utf-8"?>
+<file path=ppt/slides/slide8.xml><?xml version="1.0" encoding="utf-8"?>
 <p:sld xmlns:a="http://schemas.openxmlformats.org/drawingml/2006/main" xmlns:r="http://schemas.openxmlformats.org/officeDocument/2006/relationships" xmlns:p="http://schemas.openxmlformats.org/presentationml/2006/main">
   <p:cSld>
     <p:spTree>
@@ -7804,6 +10870,389 @@
     <p:extLst>
       <p:ext uri="{BB962C8B-B14F-4D97-AF65-F5344CB8AC3E}">
         <p14:creationId xmlns:p14="http://schemas.microsoft.com/office/powerpoint/2010/main" val="512740558"/>
+      </p:ext>
+    </p:extLst>
+  </p:cSld>
+  <p:clrMapOvr>
+    <a:masterClrMapping/>
+  </p:clrMapOvr>
+</p:sld>
+</file>
+
+<file path=ppt/slides/slide9.xml><?xml version="1.0" encoding="utf-8"?>
+<p:sld xmlns:a="http://schemas.openxmlformats.org/drawingml/2006/main" xmlns:r="http://schemas.openxmlformats.org/officeDocument/2006/relationships" xmlns:p="http://schemas.openxmlformats.org/presentationml/2006/main">
+  <p:cSld>
+    <p:spTree>
+      <p:nvGrpSpPr>
+        <p:cNvPr id="1" name=""/>
+        <p:cNvGrpSpPr/>
+        <p:nvPr/>
+      </p:nvGrpSpPr>
+      <p:grpSpPr>
+        <a:xfrm>
+          <a:off x="0" y="0"/>
+          <a:ext cx="0" cy="0"/>
+          <a:chOff x="0" y="0"/>
+          <a:chExt cx="0" cy="0"/>
+        </a:xfrm>
+      </p:grpSpPr>
+      <p:sp>
+        <p:nvSpPr>
+          <p:cNvPr id="2" name="Title 1">
+            <a:extLst>
+              <a:ext uri="{FF2B5EF4-FFF2-40B4-BE49-F238E27FC236}">
+                <a16:creationId xmlns:a16="http://schemas.microsoft.com/office/drawing/2014/main" id="{3B255DD2-F0C2-15A4-6495-86F028EDF28E}"/>
+              </a:ext>
+            </a:extLst>
+          </p:cNvPr>
+          <p:cNvSpPr>
+            <a:spLocks noGrp="1"/>
+          </p:cNvSpPr>
+          <p:nvPr>
+            <p:ph type="title"/>
+          </p:nvPr>
+        </p:nvSpPr>
+        <p:spPr/>
+        <p:txBody>
+          <a:bodyPr/>
+          <a:lstStyle/>
+          <a:p>
+            <a:r>
+              <a:rPr lang="en-US" dirty="0"/>
+              <a:t>5.6 Void pointers</a:t>
+            </a:r>
+          </a:p>
+        </p:txBody>
+      </p:sp>
+      <p:sp>
+        <p:nvSpPr>
+          <p:cNvPr id="3" name="Content Placeholder 2">
+            <a:extLst>
+              <a:ext uri="{FF2B5EF4-FFF2-40B4-BE49-F238E27FC236}">
+                <a16:creationId xmlns:a16="http://schemas.microsoft.com/office/drawing/2014/main" id="{BEEF32A2-0F87-CABC-2824-E3BA4CC5D829}"/>
+              </a:ext>
+            </a:extLst>
+          </p:cNvPr>
+          <p:cNvSpPr>
+            <a:spLocks noGrp="1"/>
+          </p:cNvSpPr>
+          <p:nvPr>
+            <p:ph idx="1"/>
+          </p:nvPr>
+        </p:nvSpPr>
+        <p:spPr>
+          <a:xfrm>
+            <a:off x="838200" y="1825625"/>
+            <a:ext cx="4729843" cy="4351338"/>
+          </a:xfrm>
+        </p:spPr>
+        <p:txBody>
+          <a:bodyPr>
+            <a:normAutofit/>
+          </a:bodyPr>
+          <a:lstStyle/>
+          <a:p>
+            <a:r>
+              <a:rPr lang="en-US" dirty="0"/>
+              <a:t>Void pointers provided a way to return a "generic" address of memory without choosing the type of the data that would be stored in the memory</a:t>
+            </a:r>
+          </a:p>
+        </p:txBody>
+      </p:sp>
+      <p:sp>
+        <p:nvSpPr>
+          <p:cNvPr id="4" name="TextBox 3">
+            <a:extLst>
+              <a:ext uri="{FF2B5EF4-FFF2-40B4-BE49-F238E27FC236}">
+                <a16:creationId xmlns:a16="http://schemas.microsoft.com/office/drawing/2014/main" id="{1F5A1B53-997B-AA8C-0052-ACBB5D10A4DC}"/>
+              </a:ext>
+            </a:extLst>
+          </p:cNvPr>
+          <p:cNvSpPr txBox="1"/>
+          <p:nvPr/>
+        </p:nvSpPr>
+        <p:spPr>
+          <a:xfrm>
+            <a:off x="6757670" y="1027906"/>
+            <a:ext cx="4044697" cy="5078313"/>
+          </a:xfrm>
+          <a:prstGeom prst="rect">
+            <a:avLst/>
+          </a:prstGeom>
+          <a:noFill/>
+        </p:spPr>
+        <p:txBody>
+          <a:bodyPr wrap="none" rtlCol="0">
+            <a:spAutoFit/>
+          </a:bodyPr>
+          <a:lstStyle/>
+          <a:p>
+            <a:r>
+              <a:rPr lang="en-US" b="1" dirty="0">
+                <a:latin typeface="Courier New" panose="02070309020205020404" pitchFamily="49" charset="0"/>
+                <a:cs typeface="Courier New" panose="02070309020205020404" pitchFamily="49" charset="0"/>
+              </a:rPr>
+              <a:t>Early 1970’s:</a:t>
+            </a:r>
+          </a:p>
+          <a:p>
+            <a:endParaRPr lang="en-US" dirty="0">
+              <a:latin typeface="Courier New" panose="02070309020205020404" pitchFamily="49" charset="0"/>
+              <a:cs typeface="Courier New" panose="02070309020205020404" pitchFamily="49" charset="0"/>
+            </a:endParaRPr>
+          </a:p>
+          <a:p>
+            <a:r>
+              <a:rPr lang="en-US" dirty="0">
+                <a:latin typeface="Courier New" panose="02070309020205020404" pitchFamily="49" charset="0"/>
+                <a:cs typeface="Courier New" panose="02070309020205020404" pitchFamily="49" charset="0"/>
+              </a:rPr>
+              <a:t>int </a:t>
+            </a:r>
+            <a:r>
+              <a:rPr lang="en-US" dirty="0" err="1">
+                <a:latin typeface="Courier New" panose="02070309020205020404" pitchFamily="49" charset="0"/>
+                <a:cs typeface="Courier New" panose="02070309020205020404" pitchFamily="49" charset="0"/>
+              </a:rPr>
+              <a:t>alloc</a:t>
+            </a:r>
+            <a:r>
+              <a:rPr lang="en-US" dirty="0">
+                <a:latin typeface="Courier New" panose="02070309020205020404" pitchFamily="49" charset="0"/>
+                <a:cs typeface="Courier New" panose="02070309020205020404" pitchFamily="49" charset="0"/>
+              </a:rPr>
+              <a:t>();</a:t>
+            </a:r>
+          </a:p>
+          <a:p>
+            <a:endParaRPr lang="en-US" dirty="0">
+              <a:latin typeface="Courier New" panose="02070309020205020404" pitchFamily="49" charset="0"/>
+              <a:cs typeface="Courier New" panose="02070309020205020404" pitchFamily="49" charset="0"/>
+            </a:endParaRPr>
+          </a:p>
+          <a:p>
+            <a:r>
+              <a:rPr lang="en-US" dirty="0">
+                <a:latin typeface="Courier New" panose="02070309020205020404" pitchFamily="49" charset="0"/>
+                <a:cs typeface="Courier New" panose="02070309020205020404" pitchFamily="49" charset="0"/>
+              </a:rPr>
+              <a:t>int *</a:t>
+            </a:r>
+            <a:r>
+              <a:rPr lang="en-US" dirty="0" err="1">
+                <a:latin typeface="Courier New" panose="02070309020205020404" pitchFamily="49" charset="0"/>
+                <a:cs typeface="Courier New" panose="02070309020205020404" pitchFamily="49" charset="0"/>
+              </a:rPr>
+              <a:t>vals</a:t>
+            </a:r>
+            <a:r>
+              <a:rPr lang="en-US" dirty="0">
+                <a:latin typeface="Courier New" panose="02070309020205020404" pitchFamily="49" charset="0"/>
+                <a:cs typeface="Courier New" panose="02070309020205020404" pitchFamily="49" charset="0"/>
+              </a:rPr>
+              <a:t> = (int *) </a:t>
+            </a:r>
+            <a:r>
+              <a:rPr lang="en-US" dirty="0" err="1">
+                <a:latin typeface="Courier New" panose="02070309020205020404" pitchFamily="49" charset="0"/>
+                <a:cs typeface="Courier New" panose="02070309020205020404" pitchFamily="49" charset="0"/>
+              </a:rPr>
+              <a:t>alloc</a:t>
+            </a:r>
+            <a:r>
+              <a:rPr lang="en-US" dirty="0">
+                <a:latin typeface="Courier New" panose="02070309020205020404" pitchFamily="49" charset="0"/>
+                <a:cs typeface="Courier New" panose="02070309020205020404" pitchFamily="49" charset="0"/>
+              </a:rPr>
+              <a:t>();</a:t>
+            </a:r>
+          </a:p>
+          <a:p>
+            <a:endParaRPr lang="en-US" b="1" dirty="0">
+              <a:latin typeface="Courier New" panose="02070309020205020404" pitchFamily="49" charset="0"/>
+              <a:cs typeface="Courier New" panose="02070309020205020404" pitchFamily="49" charset="0"/>
+            </a:endParaRPr>
+          </a:p>
+          <a:p>
+            <a:r>
+              <a:rPr lang="en-US" b="1" dirty="0">
+                <a:latin typeface="Courier New" panose="02070309020205020404" pitchFamily="49" charset="0"/>
+                <a:cs typeface="Courier New" panose="02070309020205020404" pitchFamily="49" charset="0"/>
+              </a:rPr>
+              <a:t>In the 1978 K&amp;R book:</a:t>
+            </a:r>
+          </a:p>
+          <a:p>
+            <a:endParaRPr lang="en-US" dirty="0">
+              <a:latin typeface="Courier New" panose="02070309020205020404" pitchFamily="49" charset="0"/>
+              <a:cs typeface="Courier New" panose="02070309020205020404" pitchFamily="49" charset="0"/>
+            </a:endParaRPr>
+          </a:p>
+          <a:p>
+            <a:r>
+              <a:rPr lang="en-US" dirty="0">
+                <a:latin typeface="Courier New" panose="02070309020205020404" pitchFamily="49" charset="0"/>
+                <a:cs typeface="Courier New" panose="02070309020205020404" pitchFamily="49" charset="0"/>
+              </a:rPr>
+              <a:t>char * </a:t>
+            </a:r>
+            <a:r>
+              <a:rPr lang="en-US" dirty="0" err="1">
+                <a:latin typeface="Courier New" panose="02070309020205020404" pitchFamily="49" charset="0"/>
+                <a:cs typeface="Courier New" panose="02070309020205020404" pitchFamily="49" charset="0"/>
+              </a:rPr>
+              <a:t>alloc</a:t>
+            </a:r>
+            <a:r>
+              <a:rPr lang="en-US" dirty="0">
+                <a:latin typeface="Courier New" panose="02070309020205020404" pitchFamily="49" charset="0"/>
+                <a:cs typeface="Courier New" panose="02070309020205020404" pitchFamily="49" charset="0"/>
+              </a:rPr>
+              <a:t>();</a:t>
+            </a:r>
+          </a:p>
+          <a:p>
+            <a:endParaRPr lang="en-US" dirty="0">
+              <a:latin typeface="Courier New" panose="02070309020205020404" pitchFamily="49" charset="0"/>
+              <a:cs typeface="Courier New" panose="02070309020205020404" pitchFamily="49" charset="0"/>
+            </a:endParaRPr>
+          </a:p>
+          <a:p>
+            <a:r>
+              <a:rPr lang="en-US" dirty="0">
+                <a:latin typeface="Courier New" panose="02070309020205020404" pitchFamily="49" charset="0"/>
+                <a:cs typeface="Courier New" panose="02070309020205020404" pitchFamily="49" charset="0"/>
+              </a:rPr>
+              <a:t>int *</a:t>
+            </a:r>
+            <a:r>
+              <a:rPr lang="en-US" dirty="0" err="1">
+                <a:latin typeface="Courier New" panose="02070309020205020404" pitchFamily="49" charset="0"/>
+                <a:cs typeface="Courier New" panose="02070309020205020404" pitchFamily="49" charset="0"/>
+              </a:rPr>
+              <a:t>vals</a:t>
+            </a:r>
+            <a:r>
+              <a:rPr lang="en-US" dirty="0">
+                <a:latin typeface="Courier New" panose="02070309020205020404" pitchFamily="49" charset="0"/>
+                <a:cs typeface="Courier New" panose="02070309020205020404" pitchFamily="49" charset="0"/>
+              </a:rPr>
+              <a:t> = (int *) </a:t>
+            </a:r>
+            <a:r>
+              <a:rPr lang="en-US" dirty="0" err="1">
+                <a:latin typeface="Courier New" panose="02070309020205020404" pitchFamily="49" charset="0"/>
+                <a:cs typeface="Courier New" panose="02070309020205020404" pitchFamily="49" charset="0"/>
+              </a:rPr>
+              <a:t>alloc</a:t>
+            </a:r>
+            <a:r>
+              <a:rPr lang="en-US" dirty="0">
+                <a:latin typeface="Courier New" panose="02070309020205020404" pitchFamily="49" charset="0"/>
+                <a:cs typeface="Courier New" panose="02070309020205020404" pitchFamily="49" charset="0"/>
+              </a:rPr>
+              <a:t>();</a:t>
+            </a:r>
+          </a:p>
+          <a:p>
+            <a:endParaRPr lang="en-US" b="1" dirty="0">
+              <a:latin typeface="Courier New" panose="02070309020205020404" pitchFamily="49" charset="0"/>
+              <a:cs typeface="Courier New" panose="02070309020205020404" pitchFamily="49" charset="0"/>
+            </a:endParaRPr>
+          </a:p>
+          <a:p>
+            <a:r>
+              <a:rPr lang="en-US" b="1" dirty="0">
+                <a:latin typeface="Courier New" panose="02070309020205020404" pitchFamily="49" charset="0"/>
+                <a:cs typeface="Courier New" panose="02070309020205020404" pitchFamily="49" charset="0"/>
+              </a:rPr>
+              <a:t>By 1979 and in modern C:</a:t>
+            </a:r>
+          </a:p>
+          <a:p>
+            <a:endParaRPr lang="en-US" b="1" dirty="0">
+              <a:latin typeface="Courier New" panose="02070309020205020404" pitchFamily="49" charset="0"/>
+              <a:cs typeface="Courier New" panose="02070309020205020404" pitchFamily="49" charset="0"/>
+            </a:endParaRPr>
+          </a:p>
+          <a:p>
+            <a:r>
+              <a:rPr lang="en-US" dirty="0">
+                <a:latin typeface="Courier New" panose="02070309020205020404" pitchFamily="49" charset="0"/>
+                <a:cs typeface="Courier New" panose="02070309020205020404" pitchFamily="49" charset="0"/>
+              </a:rPr>
+              <a:t>void * </a:t>
+            </a:r>
+            <a:r>
+              <a:rPr lang="en-US" dirty="0" err="1">
+                <a:latin typeface="Courier New" panose="02070309020205020404" pitchFamily="49" charset="0"/>
+                <a:cs typeface="Courier New" panose="02070309020205020404" pitchFamily="49" charset="0"/>
+              </a:rPr>
+              <a:t>alloc</a:t>
+            </a:r>
+            <a:r>
+              <a:rPr lang="en-US" dirty="0">
+                <a:latin typeface="Courier New" panose="02070309020205020404" pitchFamily="49" charset="0"/>
+                <a:cs typeface="Courier New" panose="02070309020205020404" pitchFamily="49" charset="0"/>
+              </a:rPr>
+              <a:t>();</a:t>
+            </a:r>
+          </a:p>
+          <a:p>
+            <a:endParaRPr lang="en-US" dirty="0">
+              <a:latin typeface="Courier New" panose="02070309020205020404" pitchFamily="49" charset="0"/>
+              <a:cs typeface="Courier New" panose="02070309020205020404" pitchFamily="49" charset="0"/>
+            </a:endParaRPr>
+          </a:p>
+          <a:p>
+            <a:r>
+              <a:rPr lang="en-US" dirty="0">
+                <a:latin typeface="Courier New" panose="02070309020205020404" pitchFamily="49" charset="0"/>
+                <a:cs typeface="Courier New" panose="02070309020205020404" pitchFamily="49" charset="0"/>
+              </a:rPr>
+              <a:t>int *</a:t>
+            </a:r>
+            <a:r>
+              <a:rPr lang="en-US" dirty="0" err="1">
+                <a:latin typeface="Courier New" panose="02070309020205020404" pitchFamily="49" charset="0"/>
+                <a:cs typeface="Courier New" panose="02070309020205020404" pitchFamily="49" charset="0"/>
+              </a:rPr>
+              <a:t>vals</a:t>
+            </a:r>
+            <a:r>
+              <a:rPr lang="en-US" dirty="0">
+                <a:latin typeface="Courier New" panose="02070309020205020404" pitchFamily="49" charset="0"/>
+                <a:cs typeface="Courier New" panose="02070309020205020404" pitchFamily="49" charset="0"/>
+              </a:rPr>
+              <a:t> = (int *) </a:t>
+            </a:r>
+            <a:r>
+              <a:rPr lang="en-US" dirty="0" err="1">
+                <a:latin typeface="Courier New" panose="02070309020205020404" pitchFamily="49" charset="0"/>
+                <a:cs typeface="Courier New" panose="02070309020205020404" pitchFamily="49" charset="0"/>
+              </a:rPr>
+              <a:t>alloc</a:t>
+            </a:r>
+            <a:r>
+              <a:rPr lang="en-US" dirty="0">
+                <a:latin typeface="Courier New" panose="02070309020205020404" pitchFamily="49" charset="0"/>
+                <a:cs typeface="Courier New" panose="02070309020205020404" pitchFamily="49" charset="0"/>
+              </a:rPr>
+              <a:t>();</a:t>
+            </a:r>
+          </a:p>
+          <a:p>
+            <a:endParaRPr lang="en-US" b="1" dirty="0">
+              <a:latin typeface="Courier New" panose="02070309020205020404" pitchFamily="49" charset="0"/>
+              <a:cs typeface="Courier New" panose="02070309020205020404" pitchFamily="49" charset="0"/>
+            </a:endParaRPr>
+          </a:p>
+        </p:txBody>
+      </p:sp>
+    </p:spTree>
+    <p:extLst>
+      <p:ext uri="{BB962C8B-B14F-4D97-AF65-F5344CB8AC3E}">
+        <p14:creationId xmlns:p14="http://schemas.microsoft.com/office/powerpoint/2010/main" val="1438612513"/>
       </p:ext>
     </p:extLst>
   </p:cSld>
@@ -8106,4 +11555,299 @@
     </a:ext>
   </a:extLst>
 </a:theme>
+</file>
+
+<file path=ppt/theme/theme2.xml><?xml version="1.0" encoding="utf-8"?>
+<a:theme xmlns:a="http://schemas.openxmlformats.org/drawingml/2006/main" name="Office Theme">
+  <a:themeElements>
+    <a:clrScheme name="Office">
+      <a:dk1>
+        <a:sysClr val="windowText" lastClr="000000"/>
+      </a:dk1>
+      <a:lt1>
+        <a:sysClr val="window" lastClr="FFFFFF"/>
+      </a:lt1>
+      <a:dk2>
+        <a:srgbClr val="44546A"/>
+      </a:dk2>
+      <a:lt2>
+        <a:srgbClr val="E7E6E6"/>
+      </a:lt2>
+      <a:accent1>
+        <a:srgbClr val="4472C4"/>
+      </a:accent1>
+      <a:accent2>
+        <a:srgbClr val="ED7D31"/>
+      </a:accent2>
+      <a:accent3>
+        <a:srgbClr val="A5A5A5"/>
+      </a:accent3>
+      <a:accent4>
+        <a:srgbClr val="FFC000"/>
+      </a:accent4>
+      <a:accent5>
+        <a:srgbClr val="5B9BD5"/>
+      </a:accent5>
+      <a:accent6>
+        <a:srgbClr val="70AD47"/>
+      </a:accent6>
+      <a:hlink>
+        <a:srgbClr val="0563C1"/>
+      </a:hlink>
+      <a:folHlink>
+        <a:srgbClr val="954F72"/>
+      </a:folHlink>
+    </a:clrScheme>
+    <a:fontScheme name="Office">
+      <a:majorFont>
+        <a:latin typeface="Calibri Light" panose="020F0302020204030204"/>
+        <a:ea typeface=""/>
+        <a:cs typeface=""/>
+        <a:font script="Jpan" typeface="游ゴシック Light"/>
+        <a:font script="Hang" typeface="맑은 고딕"/>
+        <a:font script="Hans" typeface="等线 Light"/>
+        <a:font script="Hant" typeface="新細明體"/>
+        <a:font script="Arab" typeface="Times New Roman"/>
+        <a:font script="Hebr" typeface="Times New Roman"/>
+        <a:font script="Thai" typeface="Angsana New"/>
+        <a:font script="Ethi" typeface="Nyala"/>
+        <a:font script="Beng" typeface="Vrinda"/>
+        <a:font script="Gujr" typeface="Shruti"/>
+        <a:font script="Khmr" typeface="MoolBoran"/>
+        <a:font script="Knda" typeface="Tunga"/>
+        <a:font script="Guru" typeface="Raavi"/>
+        <a:font script="Cans" typeface="Euphemia"/>
+        <a:font script="Cher" typeface="Plantagenet Cherokee"/>
+        <a:font script="Yiii" typeface="Microsoft Yi Baiti"/>
+        <a:font script="Tibt" typeface="Microsoft Himalaya"/>
+        <a:font script="Thaa" typeface="MV Boli"/>
+        <a:font script="Deva" typeface="Mangal"/>
+        <a:font script="Telu" typeface="Gautami"/>
+        <a:font script="Taml" typeface="Latha"/>
+        <a:font script="Syrc" typeface="Estrangelo Edessa"/>
+        <a:font script="Orya" typeface="Kalinga"/>
+        <a:font script="Mlym" typeface="Kartika"/>
+        <a:font script="Laoo" typeface="DokChampa"/>
+        <a:font script="Sinh" typeface="Iskoola Pota"/>
+        <a:font script="Mong" typeface="Mongolian Baiti"/>
+        <a:font script="Viet" typeface="Times New Roman"/>
+        <a:font script="Uigh" typeface="Microsoft Uighur"/>
+        <a:font script="Geor" typeface="Sylfaen"/>
+        <a:font script="Armn" typeface="Arial"/>
+        <a:font script="Bugi" typeface="Leelawadee UI"/>
+        <a:font script="Bopo" typeface="Microsoft JhengHei"/>
+        <a:font script="Java" typeface="Javanese Text"/>
+        <a:font script="Lisu" typeface="Segoe UI"/>
+        <a:font script="Mymr" typeface="Myanmar Text"/>
+        <a:font script="Nkoo" typeface="Ebrima"/>
+        <a:font script="Olck" typeface="Nirmala UI"/>
+        <a:font script="Osma" typeface="Ebrima"/>
+        <a:font script="Phag" typeface="Phagspa"/>
+        <a:font script="Syrn" typeface="Estrangelo Edessa"/>
+        <a:font script="Syrj" typeface="Estrangelo Edessa"/>
+        <a:font script="Syre" typeface="Estrangelo Edessa"/>
+        <a:font script="Sora" typeface="Nirmala UI"/>
+        <a:font script="Tale" typeface="Microsoft Tai Le"/>
+        <a:font script="Talu" typeface="Microsoft New Tai Lue"/>
+        <a:font script="Tfng" typeface="Ebrima"/>
+      </a:majorFont>
+      <a:minorFont>
+        <a:latin typeface="Calibri" panose="020F0502020204030204"/>
+        <a:ea typeface=""/>
+        <a:cs typeface=""/>
+        <a:font script="Jpan" typeface="游ゴシック"/>
+        <a:font script="Hang" typeface="맑은 고딕"/>
+        <a:font script="Hans" typeface="等线"/>
+        <a:font script="Hant" typeface="新細明體"/>
+        <a:font script="Arab" typeface="Arial"/>
+        <a:font script="Hebr" typeface="Arial"/>
+        <a:font script="Thai" typeface="Cordia New"/>
+        <a:font script="Ethi" typeface="Nyala"/>
+        <a:font script="Beng" typeface="Vrinda"/>
+        <a:font script="Gujr" typeface="Shruti"/>
+        <a:font script="Khmr" typeface="DaunPenh"/>
+        <a:font script="Knda" typeface="Tunga"/>
+        <a:font script="Guru" typeface="Raavi"/>
+        <a:font script="Cans" typeface="Euphemia"/>
+        <a:font script="Cher" typeface="Plantagenet Cherokee"/>
+        <a:font script="Yiii" typeface="Microsoft Yi Baiti"/>
+        <a:font script="Tibt" typeface="Microsoft Himalaya"/>
+        <a:font script="Thaa" typeface="MV Boli"/>
+        <a:font script="Deva" typeface="Mangal"/>
+        <a:font script="Telu" typeface="Gautami"/>
+        <a:font script="Taml" typeface="Latha"/>
+        <a:font script="Syrc" typeface="Estrangelo Edessa"/>
+        <a:font script="Orya" typeface="Kalinga"/>
+        <a:font script="Mlym" typeface="Kartika"/>
+        <a:font script="Laoo" typeface="DokChampa"/>
+        <a:font script="Sinh" typeface="Iskoola Pota"/>
+        <a:font script="Mong" typeface="Mongolian Baiti"/>
+        <a:font script="Viet" typeface="Arial"/>
+        <a:font script="Uigh" typeface="Microsoft Uighur"/>
+        <a:font script="Geor" typeface="Sylfaen"/>
+        <a:font script="Armn" typeface="Arial"/>
+        <a:font script="Bugi" typeface="Leelawadee UI"/>
+        <a:font script="Bopo" typeface="Microsoft JhengHei"/>
+        <a:font script="Java" typeface="Javanese Text"/>
+        <a:font script="Lisu" typeface="Segoe UI"/>
+        <a:font script="Mymr" typeface="Myanmar Text"/>
+        <a:font script="Nkoo" typeface="Ebrima"/>
+        <a:font script="Olck" typeface="Nirmala UI"/>
+        <a:font script="Osma" typeface="Ebrima"/>
+        <a:font script="Phag" typeface="Phagspa"/>
+        <a:font script="Syrn" typeface="Estrangelo Edessa"/>
+        <a:font script="Syrj" typeface="Estrangelo Edessa"/>
+        <a:font script="Syre" typeface="Estrangelo Edessa"/>
+        <a:font script="Sora" typeface="Nirmala UI"/>
+        <a:font script="Tale" typeface="Microsoft Tai Le"/>
+        <a:font script="Talu" typeface="Microsoft New Tai Lue"/>
+        <a:font script="Tfng" typeface="Ebrima"/>
+      </a:minorFont>
+    </a:fontScheme>
+    <a:fmtScheme name="Office">
+      <a:fillStyleLst>
+        <a:solidFill>
+          <a:schemeClr val="phClr"/>
+        </a:solidFill>
+        <a:gradFill rotWithShape="1">
+          <a:gsLst>
+            <a:gs pos="0">
+              <a:schemeClr val="phClr">
+                <a:lumMod val="110000"/>
+                <a:satMod val="105000"/>
+                <a:tint val="67000"/>
+              </a:schemeClr>
+            </a:gs>
+            <a:gs pos="50000">
+              <a:schemeClr val="phClr">
+                <a:lumMod val="105000"/>
+                <a:satMod val="103000"/>
+                <a:tint val="73000"/>
+              </a:schemeClr>
+            </a:gs>
+            <a:gs pos="100000">
+              <a:schemeClr val="phClr">
+                <a:lumMod val="105000"/>
+                <a:satMod val="109000"/>
+                <a:tint val="81000"/>
+              </a:schemeClr>
+            </a:gs>
+          </a:gsLst>
+          <a:lin ang="5400000" scaled="0"/>
+        </a:gradFill>
+        <a:gradFill rotWithShape="1">
+          <a:gsLst>
+            <a:gs pos="0">
+              <a:schemeClr val="phClr">
+                <a:satMod val="103000"/>
+                <a:lumMod val="102000"/>
+                <a:tint val="94000"/>
+              </a:schemeClr>
+            </a:gs>
+            <a:gs pos="50000">
+              <a:schemeClr val="phClr">
+                <a:satMod val="110000"/>
+                <a:lumMod val="100000"/>
+                <a:shade val="100000"/>
+              </a:schemeClr>
+            </a:gs>
+            <a:gs pos="100000">
+              <a:schemeClr val="phClr">
+                <a:lumMod val="99000"/>
+                <a:satMod val="120000"/>
+                <a:shade val="78000"/>
+              </a:schemeClr>
+            </a:gs>
+          </a:gsLst>
+          <a:lin ang="5400000" scaled="0"/>
+        </a:gradFill>
+      </a:fillStyleLst>
+      <a:lnStyleLst>
+        <a:ln w="6350" cap="flat" cmpd="sng" algn="ctr">
+          <a:solidFill>
+            <a:schemeClr val="phClr"/>
+          </a:solidFill>
+          <a:prstDash val="solid"/>
+          <a:miter lim="800000"/>
+        </a:ln>
+        <a:ln w="12700" cap="flat" cmpd="sng" algn="ctr">
+          <a:solidFill>
+            <a:schemeClr val="phClr"/>
+          </a:solidFill>
+          <a:prstDash val="solid"/>
+          <a:miter lim="800000"/>
+        </a:ln>
+        <a:ln w="19050" cap="flat" cmpd="sng" algn="ctr">
+          <a:solidFill>
+            <a:schemeClr val="phClr"/>
+          </a:solidFill>
+          <a:prstDash val="solid"/>
+          <a:miter lim="800000"/>
+        </a:ln>
+      </a:lnStyleLst>
+      <a:effectStyleLst>
+        <a:effectStyle>
+          <a:effectLst/>
+        </a:effectStyle>
+        <a:effectStyle>
+          <a:effectLst/>
+        </a:effectStyle>
+        <a:effectStyle>
+          <a:effectLst>
+            <a:outerShdw blurRad="57150" dist="19050" dir="5400000" algn="ctr" rotWithShape="0">
+              <a:srgbClr val="000000">
+                <a:alpha val="63000"/>
+              </a:srgbClr>
+            </a:outerShdw>
+          </a:effectLst>
+        </a:effectStyle>
+      </a:effectStyleLst>
+      <a:bgFillStyleLst>
+        <a:solidFill>
+          <a:schemeClr val="phClr"/>
+        </a:solidFill>
+        <a:solidFill>
+          <a:schemeClr val="phClr">
+            <a:tint val="95000"/>
+            <a:satMod val="170000"/>
+          </a:schemeClr>
+        </a:solidFill>
+        <a:gradFill rotWithShape="1">
+          <a:gsLst>
+            <a:gs pos="0">
+              <a:schemeClr val="phClr">
+                <a:tint val="93000"/>
+                <a:satMod val="150000"/>
+                <a:shade val="98000"/>
+                <a:lumMod val="102000"/>
+              </a:schemeClr>
+            </a:gs>
+            <a:gs pos="50000">
+              <a:schemeClr val="phClr">
+                <a:tint val="98000"/>
+                <a:satMod val="130000"/>
+                <a:shade val="90000"/>
+                <a:lumMod val="103000"/>
+              </a:schemeClr>
+            </a:gs>
+            <a:gs pos="100000">
+              <a:schemeClr val="phClr">
+                <a:shade val="63000"/>
+                <a:satMod val="120000"/>
+              </a:schemeClr>
+            </a:gs>
+          </a:gsLst>
+          <a:lin ang="5400000" scaled="0"/>
+        </a:gradFill>
+      </a:bgFillStyleLst>
+    </a:fmtScheme>
+  </a:themeElements>
+  <a:objectDefaults/>
+  <a:extraClrSchemeLst/>
+  <a:extLst>
+    <a:ext uri="{05A4C25C-085E-4340-85A3-A5531E510DB2}">
+      <thm15:themeFamily xmlns:thm15="http://schemas.microsoft.com/office/thememl/2012/main" name="Office Theme" id="{62F939B6-93AF-4DB8-9C6B-D6C7DFDC589F}" vid="{4A3C46E8-61CC-4603-A589-7422A47A8E4A}"/>
+    </a:ext>
+  </a:extLst>
+</a:theme>
 </file>
--- a/lectures/KR-5.pptx
+++ b/lectures/KR-5.pptx
@@ -10957,6 +10957,20 @@
               <a:t>Void pointers provided a way to return a "generic" address of memory without choosing the type of the data that would be stored in the memory</a:t>
             </a:r>
           </a:p>
+          <a:p>
+            <a:r>
+              <a:rPr lang="en-US" dirty="0"/>
+              <a:t>The return value for the </a:t>
+            </a:r>
+            <a:r>
+              <a:rPr lang="en-US" dirty="0" err="1"/>
+              <a:t>alloc</a:t>
+            </a:r>
+            <a:r>
+              <a:rPr lang="en-US" dirty="0"/>
+              <a:t>() function changed over the years.</a:t>
+            </a:r>
+          </a:p>
         </p:txBody>
       </p:sp>
       <p:sp>
@@ -10974,7 +10988,7 @@
         <p:spPr>
           <a:xfrm>
             <a:off x="6757670" y="1027906"/>
-            <a:ext cx="4044697" cy="5078313"/>
+            <a:ext cx="4320413" cy="5078313"/>
           </a:xfrm>
           <a:prstGeom prst="rect">
             <a:avLst/>
@@ -11064,7 +11078,7 @@
                 <a:latin typeface="Courier New" panose="02070309020205020404" pitchFamily="49" charset="0"/>
                 <a:cs typeface="Courier New" panose="02070309020205020404" pitchFamily="49" charset="0"/>
               </a:rPr>
-              <a:t>();</a:t>
+              <a:t>(42);</a:t>
             </a:r>
           </a:p>
           <a:p>
@@ -11151,7 +11165,7 @@
                 <a:latin typeface="Courier New" panose="02070309020205020404" pitchFamily="49" charset="0"/>
                 <a:cs typeface="Courier New" panose="02070309020205020404" pitchFamily="49" charset="0"/>
               </a:rPr>
-              <a:t>();</a:t>
+              <a:t>(42);</a:t>
             </a:r>
           </a:p>
           <a:p>
@@ -11238,7 +11252,7 @@
                 <a:latin typeface="Courier New" panose="02070309020205020404" pitchFamily="49" charset="0"/>
                 <a:cs typeface="Courier New" panose="02070309020205020404" pitchFamily="49" charset="0"/>
               </a:rPr>
-              <a:t>();</a:t>
+              <a:t>(42);</a:t>
             </a:r>
           </a:p>
           <a:p>

--- a/lectures/KR-5.pptx
+++ b/lectures/KR-5.pptx
@@ -213,7 +213,7 @@
           <a:p>
             <a:fld id="{B39AE996-2CE4-A94F-BFAA-6B59E9AFB50A}" type="datetimeFigureOut">
               <a:rPr lang="en-US" smtClean="0"/>
-              <a:t>2/21/23</a:t>
+              <a:t>3/3/23</a:t>
             </a:fld>
             <a:endParaRPr lang="en-US"/>
           </a:p>
@@ -627,7 +627,7 @@
           <a:p>
             <a:fld id="{C13A938A-C9BA-0346-A74F-83EB1631032C}" type="datetimeFigureOut">
               <a:rPr lang="en-US" smtClean="0"/>
-              <a:t>2/21/23</a:t>
+              <a:t>3/3/23</a:t>
             </a:fld>
             <a:endParaRPr lang="en-US"/>
           </a:p>
@@ -825,7 +825,7 @@
           <a:p>
             <a:fld id="{C13A938A-C9BA-0346-A74F-83EB1631032C}" type="datetimeFigureOut">
               <a:rPr lang="en-US" smtClean="0"/>
-              <a:t>2/21/23</a:t>
+              <a:t>3/3/23</a:t>
             </a:fld>
             <a:endParaRPr lang="en-US"/>
           </a:p>
@@ -1033,7 +1033,7 @@
           <a:p>
             <a:fld id="{C13A938A-C9BA-0346-A74F-83EB1631032C}" type="datetimeFigureOut">
               <a:rPr lang="en-US" smtClean="0"/>
-              <a:t>2/21/23</a:t>
+              <a:t>3/3/23</a:t>
             </a:fld>
             <a:endParaRPr lang="en-US"/>
           </a:p>
@@ -1231,7 +1231,7 @@
           <a:p>
             <a:fld id="{C13A938A-C9BA-0346-A74F-83EB1631032C}" type="datetimeFigureOut">
               <a:rPr lang="en-US" smtClean="0"/>
-              <a:t>2/21/23</a:t>
+              <a:t>3/3/23</a:t>
             </a:fld>
             <a:endParaRPr lang="en-US"/>
           </a:p>
@@ -1506,7 +1506,7 @@
           <a:p>
             <a:fld id="{C13A938A-C9BA-0346-A74F-83EB1631032C}" type="datetimeFigureOut">
               <a:rPr lang="en-US" smtClean="0"/>
-              <a:t>2/21/23</a:t>
+              <a:t>3/3/23</a:t>
             </a:fld>
             <a:endParaRPr lang="en-US"/>
           </a:p>
@@ -1771,7 +1771,7 @@
           <a:p>
             <a:fld id="{C13A938A-C9BA-0346-A74F-83EB1631032C}" type="datetimeFigureOut">
               <a:rPr lang="en-US" smtClean="0"/>
-              <a:t>2/21/23</a:t>
+              <a:t>3/3/23</a:t>
             </a:fld>
             <a:endParaRPr lang="en-US"/>
           </a:p>
@@ -2183,7 +2183,7 @@
           <a:p>
             <a:fld id="{C13A938A-C9BA-0346-A74F-83EB1631032C}" type="datetimeFigureOut">
               <a:rPr lang="en-US" smtClean="0"/>
-              <a:t>2/21/23</a:t>
+              <a:t>3/3/23</a:t>
             </a:fld>
             <a:endParaRPr lang="en-US"/>
           </a:p>
@@ -2324,7 +2324,7 @@
           <a:p>
             <a:fld id="{C13A938A-C9BA-0346-A74F-83EB1631032C}" type="datetimeFigureOut">
               <a:rPr lang="en-US" smtClean="0"/>
-              <a:t>2/21/23</a:t>
+              <a:t>3/3/23</a:t>
             </a:fld>
             <a:endParaRPr lang="en-US"/>
           </a:p>
@@ -2437,7 +2437,7 @@
           <a:p>
             <a:fld id="{C13A938A-C9BA-0346-A74F-83EB1631032C}" type="datetimeFigureOut">
               <a:rPr lang="en-US" smtClean="0"/>
-              <a:t>2/21/23</a:t>
+              <a:t>3/3/23</a:t>
             </a:fld>
             <a:endParaRPr lang="en-US"/>
           </a:p>
@@ -2748,7 +2748,7 @@
           <a:p>
             <a:fld id="{C13A938A-C9BA-0346-A74F-83EB1631032C}" type="datetimeFigureOut">
               <a:rPr lang="en-US" smtClean="0"/>
-              <a:t>2/21/23</a:t>
+              <a:t>3/3/23</a:t>
             </a:fld>
             <a:endParaRPr lang="en-US"/>
           </a:p>
@@ -3036,7 +3036,7 @@
           <a:p>
             <a:fld id="{C13A938A-C9BA-0346-A74F-83EB1631032C}" type="datetimeFigureOut">
               <a:rPr lang="en-US" smtClean="0"/>
-              <a:t>2/21/23</a:t>
+              <a:t>3/3/23</a:t>
             </a:fld>
             <a:endParaRPr lang="en-US"/>
           </a:p>
@@ -3277,7 +3277,7 @@
           <a:p>
             <a:fld id="{C13A938A-C9BA-0346-A74F-83EB1631032C}" type="datetimeFigureOut">
               <a:rPr lang="en-US" smtClean="0"/>
-              <a:t>2/21/23</a:t>
+              <a:t>3/3/23</a:t>
             </a:fld>
             <a:endParaRPr lang="en-US"/>
           </a:p>
@@ -3750,7 +3750,9 @@
         </p:nvSpPr>
         <p:spPr/>
         <p:txBody>
-          <a:bodyPr/>
+          <a:bodyPr>
+            <a:normAutofit lnSpcReduction="10000"/>
+          </a:bodyPr>
           <a:lstStyle/>
           <a:p>
             <a:r>
@@ -3763,6 +3765,19 @@
               <a:rPr lang="en-US" dirty="0"/>
               <a:t>www.cc4e.com</a:t>
             </a:r>
+          </a:p>
+          <a:p>
+            <a:r>
+              <a:rPr lang="en-US" dirty="0"/>
+              <a:t>code.cc4e.com (sample code)</a:t>
+            </a:r>
+          </a:p>
+          <a:p>
+            <a:r>
+              <a:rPr lang="en-US"/>
+              <a:t>online.dr-chuck.com</a:t>
+            </a:r>
+            <a:endParaRPr lang="en-US" dirty="0"/>
           </a:p>
         </p:txBody>
       </p:sp>

--- a/lectures/KR-5.pptx
+++ b/lectures/KR-5.pptx
@@ -213,7 +213,7 @@
           <a:p>
             <a:fld id="{B39AE996-2CE4-A94F-BFAA-6B59E9AFB50A}" type="datetimeFigureOut">
               <a:rPr lang="en-US" smtClean="0"/>
-              <a:t>3/3/23</a:t>
+              <a:t>9/13/23</a:t>
             </a:fld>
             <a:endParaRPr lang="en-US"/>
           </a:p>
@@ -627,7 +627,7 @@
           <a:p>
             <a:fld id="{C13A938A-C9BA-0346-A74F-83EB1631032C}" type="datetimeFigureOut">
               <a:rPr lang="en-US" smtClean="0"/>
-              <a:t>3/3/23</a:t>
+              <a:t>9/13/23</a:t>
             </a:fld>
             <a:endParaRPr lang="en-US"/>
           </a:p>
@@ -825,7 +825,7 @@
           <a:p>
             <a:fld id="{C13A938A-C9BA-0346-A74F-83EB1631032C}" type="datetimeFigureOut">
               <a:rPr lang="en-US" smtClean="0"/>
-              <a:t>3/3/23</a:t>
+              <a:t>9/13/23</a:t>
             </a:fld>
             <a:endParaRPr lang="en-US"/>
           </a:p>
@@ -1033,7 +1033,7 @@
           <a:p>
             <a:fld id="{C13A938A-C9BA-0346-A74F-83EB1631032C}" type="datetimeFigureOut">
               <a:rPr lang="en-US" smtClean="0"/>
-              <a:t>3/3/23</a:t>
+              <a:t>9/13/23</a:t>
             </a:fld>
             <a:endParaRPr lang="en-US"/>
           </a:p>
@@ -1231,7 +1231,7 @@
           <a:p>
             <a:fld id="{C13A938A-C9BA-0346-A74F-83EB1631032C}" type="datetimeFigureOut">
               <a:rPr lang="en-US" smtClean="0"/>
-              <a:t>3/3/23</a:t>
+              <a:t>9/13/23</a:t>
             </a:fld>
             <a:endParaRPr lang="en-US"/>
           </a:p>
@@ -1506,7 +1506,7 @@
           <a:p>
             <a:fld id="{C13A938A-C9BA-0346-A74F-83EB1631032C}" type="datetimeFigureOut">
               <a:rPr lang="en-US" smtClean="0"/>
-              <a:t>3/3/23</a:t>
+              <a:t>9/13/23</a:t>
             </a:fld>
             <a:endParaRPr lang="en-US"/>
           </a:p>
@@ -1771,7 +1771,7 @@
           <a:p>
             <a:fld id="{C13A938A-C9BA-0346-A74F-83EB1631032C}" type="datetimeFigureOut">
               <a:rPr lang="en-US" smtClean="0"/>
-              <a:t>3/3/23</a:t>
+              <a:t>9/13/23</a:t>
             </a:fld>
             <a:endParaRPr lang="en-US"/>
           </a:p>
@@ -2183,7 +2183,7 @@
           <a:p>
             <a:fld id="{C13A938A-C9BA-0346-A74F-83EB1631032C}" type="datetimeFigureOut">
               <a:rPr lang="en-US" smtClean="0"/>
-              <a:t>3/3/23</a:t>
+              <a:t>9/13/23</a:t>
             </a:fld>
             <a:endParaRPr lang="en-US"/>
           </a:p>
@@ -2324,7 +2324,7 @@
           <a:p>
             <a:fld id="{C13A938A-C9BA-0346-A74F-83EB1631032C}" type="datetimeFigureOut">
               <a:rPr lang="en-US" smtClean="0"/>
-              <a:t>3/3/23</a:t>
+              <a:t>9/13/23</a:t>
             </a:fld>
             <a:endParaRPr lang="en-US"/>
           </a:p>
@@ -2437,7 +2437,7 @@
           <a:p>
             <a:fld id="{C13A938A-C9BA-0346-A74F-83EB1631032C}" type="datetimeFigureOut">
               <a:rPr lang="en-US" smtClean="0"/>
-              <a:t>3/3/23</a:t>
+              <a:t>9/13/23</a:t>
             </a:fld>
             <a:endParaRPr lang="en-US"/>
           </a:p>
@@ -2748,7 +2748,7 @@
           <a:p>
             <a:fld id="{C13A938A-C9BA-0346-A74F-83EB1631032C}" type="datetimeFigureOut">
               <a:rPr lang="en-US" smtClean="0"/>
-              <a:t>3/3/23</a:t>
+              <a:t>9/13/23</a:t>
             </a:fld>
             <a:endParaRPr lang="en-US"/>
           </a:p>
@@ -3036,7 +3036,7 @@
           <a:p>
             <a:fld id="{C13A938A-C9BA-0346-A74F-83EB1631032C}" type="datetimeFigureOut">
               <a:rPr lang="en-US" smtClean="0"/>
-              <a:t>3/3/23</a:t>
+              <a:t>9/13/23</a:t>
             </a:fld>
             <a:endParaRPr lang="en-US"/>
           </a:p>
@@ -3277,7 +3277,7 @@
           <a:p>
             <a:fld id="{C13A938A-C9BA-0346-A74F-83EB1631032C}" type="datetimeFigureOut">
               <a:rPr lang="en-US" smtClean="0"/>
-              <a:t>3/3/23</a:t>
+              <a:t>9/13/23</a:t>
             </a:fld>
             <a:endParaRPr lang="en-US"/>
           </a:p>
@@ -3726,7 +3726,7 @@
             </a:br>
             <a:r>
               <a:rPr lang="en-US" sz="4800" dirty="0"/>
-              <a:t>Functions and Program Structure</a:t>
+              <a:t>Pointers and Arrays</a:t>
             </a:r>
             <a:endParaRPr lang="en-US" dirty="0"/>
           </a:p>
